--- a/Document/presentation/search_motorbike.pptx
+++ b/Document/presentation/search_motorbike.pptx
@@ -135,7 +135,18 @@
   </p:defaultTextStyle>
   <p:extLst>
     <p:ext uri="{EFAFB233-063F-42B5-8137-9DF3F51BA10A}">
-      <p15:sldGuideLst xmlns:p15="http://schemas.microsoft.com/office/powerpoint/2012/main" xmlns=""/>
+      <p15:sldGuideLst xmlns:p15="http://schemas.microsoft.com/office/powerpoint/2012/main">
+        <p15:guide id="1" orient="horz" pos="2160">
+          <p15:clr>
+            <a:srgbClr val="A4A3A4"/>
+          </p15:clr>
+        </p15:guide>
+        <p15:guide id="2" pos="2880">
+          <p15:clr>
+            <a:srgbClr val="A4A3A4"/>
+          </p15:clr>
+        </p15:guide>
+      </p15:sldGuideLst>
     </p:ext>
   </p:extLst>
 </p:presentation>
@@ -223,7 +234,7 @@
           <a:p>
             <a:fld id="{DB638E9B-52C4-DC4B-9E8A-4837C38FE505}" type="datetimeFigureOut">
               <a:rPr lang="en-US" smtClean="0"/>
-              <a:t>12/11/2015</a:t>
+              <a:t>12/11/15</a:t>
             </a:fld>
             <a:endParaRPr lang="en-US"/>
           </a:p>
@@ -5852,8 +5863,8 @@
         </p:blipFill>
         <p:spPr bwMode="auto">
           <a:xfrm>
-            <a:off x="1719618" y="2766089"/>
-            <a:ext cx="5486400" cy="2870437"/>
+            <a:off x="950736" y="1943129"/>
+            <a:ext cx="7261785" cy="3799303"/>
           </a:xfrm>
           <a:prstGeom prst="rect">
             <a:avLst/>
@@ -6873,14 +6884,14 @@
           <p:nvPr>
             <p:extLst>
               <p:ext uri="{D42A27DB-BD31-4B8C-83A1-F6EECF244321}">
-                <p14:modId xmlns:p14="http://schemas.microsoft.com/office/powerpoint/2010/main" val="3651127342"/>
+                <p14:modId xmlns:p14="http://schemas.microsoft.com/office/powerpoint/2010/main" val="1934866060"/>
               </p:ext>
             </p:extLst>
           </p:nvPr>
         </p:nvGraphicFramePr>
         <p:xfrm>
-          <a:off x="5269260" y="1878662"/>
-          <a:ext cx="3638248" cy="2301103"/>
+          <a:off x="5340096" y="1938527"/>
+          <a:ext cx="3567412" cy="2774778"/>
         </p:xfrm>
         <a:graphic>
           <a:graphicData uri="http://schemas.openxmlformats.org/drawingml/2006/table">
@@ -6889,24 +6900,24 @@
                 <a:tableStyleId>{5C22544A-7EE6-4342-B048-85BDC9FD1C3A}</a:tableStyleId>
               </a:tblPr>
               <a:tblGrid>
-                <a:gridCol w="909562"/>
-                <a:gridCol w="909562"/>
-                <a:gridCol w="909562"/>
-                <a:gridCol w="909562"/>
+                <a:gridCol w="891853"/>
+                <a:gridCol w="891853"/>
+                <a:gridCol w="891853"/>
+                <a:gridCol w="891853"/>
               </a:tblGrid>
-              <a:tr h="328729">
+              <a:tr h="626562">
                 <a:tc>
                   <a:txBody>
                     <a:bodyPr/>
                     <a:lstStyle/>
                     <a:p>
                       <a:r>
-                        <a:rPr lang="en-US" sz="1400" dirty="0" smtClean="0">
+                        <a:rPr lang="en-US" sz="1600" dirty="0" smtClean="0">
                           <a:latin typeface="Cambria" pitchFamily="18" charset="0"/>
                         </a:rPr>
                         <a:t>Start</a:t>
                       </a:r>
-                      <a:endParaRPr lang="en-US" sz="1400" dirty="0">
+                      <a:endParaRPr lang="en-US" sz="1600" dirty="0">
                         <a:latin typeface="Cambria" pitchFamily="18" charset="0"/>
                       </a:endParaRPr>
                     </a:p>
@@ -6919,18 +6930,18 @@
                     <a:lstStyle/>
                     <a:p>
                       <a:r>
-                        <a:rPr lang="en-US" sz="1400" dirty="0" smtClean="0">
+                        <a:rPr lang="en-US" sz="1600" dirty="0" smtClean="0">
                           <a:latin typeface="Cambria" pitchFamily="18" charset="0"/>
                         </a:rPr>
                         <a:t>Middle</a:t>
                       </a:r>
                       <a:r>
-                        <a:rPr lang="en-US" sz="1400" baseline="0" dirty="0" smtClean="0">
+                        <a:rPr lang="en-US" sz="1600" baseline="0" dirty="0" smtClean="0">
                           <a:latin typeface="Cambria" pitchFamily="18" charset="0"/>
                         </a:rPr>
                         <a:t> 1</a:t>
                       </a:r>
-                      <a:endParaRPr lang="en-US" sz="1400" dirty="0">
+                      <a:endParaRPr lang="en-US" sz="1600" dirty="0">
                         <a:latin typeface="Cambria" pitchFamily="18" charset="0"/>
                       </a:endParaRPr>
                     </a:p>
@@ -6943,12 +6954,12 @@
                     <a:lstStyle/>
                     <a:p>
                       <a:r>
-                        <a:rPr lang="en-US" sz="1400" dirty="0" smtClean="0">
+                        <a:rPr lang="en-US" sz="1600" dirty="0" smtClean="0">
                           <a:latin typeface="Cambria" pitchFamily="18" charset="0"/>
                         </a:rPr>
                         <a:t>Middle 2</a:t>
                       </a:r>
-                      <a:endParaRPr lang="en-US" sz="1400" dirty="0">
+                      <a:endParaRPr lang="en-US" sz="1600" dirty="0">
                         <a:latin typeface="Cambria" pitchFamily="18" charset="0"/>
                       </a:endParaRPr>
                     </a:p>
@@ -6961,12 +6972,12 @@
                     <a:lstStyle/>
                     <a:p>
                       <a:r>
-                        <a:rPr lang="en-US" sz="1400" dirty="0" smtClean="0">
+                        <a:rPr lang="en-US" sz="1600" dirty="0" smtClean="0">
                           <a:latin typeface="Cambria" pitchFamily="18" charset="0"/>
                         </a:rPr>
                         <a:t>End</a:t>
                       </a:r>
-                      <a:endParaRPr lang="en-US" sz="1400" dirty="0">
+                      <a:endParaRPr lang="en-US" sz="1600" dirty="0">
                         <a:latin typeface="Cambria" pitchFamily="18" charset="0"/>
                       </a:endParaRPr>
                     </a:p>
@@ -6974,19 +6985,19 @@
                   <a:tcPr/>
                 </a:tc>
               </a:tr>
-              <a:tr h="328729">
+              <a:tr h="358036">
                 <a:tc>
                   <a:txBody>
                     <a:bodyPr/>
                     <a:lstStyle/>
                     <a:p>
                       <a:r>
-                        <a:rPr lang="en-US" sz="1400" dirty="0" err="1" smtClean="0">
+                        <a:rPr lang="en-US" sz="1600" dirty="0" err="1" smtClean="0">
                           <a:latin typeface="Cambria" pitchFamily="18" charset="0"/>
                         </a:rPr>
                         <a:t>Ngoan</a:t>
                       </a:r>
-                      <a:endParaRPr lang="en-US" sz="1400" dirty="0">
+                      <a:endParaRPr lang="en-US" sz="1600" dirty="0">
                         <a:latin typeface="Cambria" pitchFamily="18" charset="0"/>
                       </a:endParaRPr>
                     </a:p>
@@ -6999,12 +7010,12 @@
                     <a:lstStyle/>
                     <a:p>
                       <a:r>
-                        <a:rPr lang="en-US" sz="1400" dirty="0" smtClean="0">
+                        <a:rPr lang="en-US" sz="1600" dirty="0" smtClean="0">
                           <a:latin typeface="Cambria" pitchFamily="18" charset="0"/>
                         </a:rPr>
                         <a:t>Nam</a:t>
                       </a:r>
-                      <a:endParaRPr lang="en-US" sz="1400" dirty="0">
+                      <a:endParaRPr lang="en-US" sz="1600" dirty="0">
                         <a:latin typeface="Cambria" pitchFamily="18" charset="0"/>
                       </a:endParaRPr>
                     </a:p>
@@ -7017,12 +7028,12 @@
                     <a:lstStyle/>
                     <a:p>
                       <a:r>
-                        <a:rPr lang="en-US" sz="1400" dirty="0" err="1" smtClean="0">
+                        <a:rPr lang="en-US" sz="1600" dirty="0" err="1" smtClean="0">
                           <a:latin typeface="Cambria" pitchFamily="18" charset="0"/>
                         </a:rPr>
                         <a:t>Quy</a:t>
                       </a:r>
-                      <a:endParaRPr lang="en-US" sz="1400" dirty="0">
+                      <a:endParaRPr lang="en-US" sz="1600" dirty="0">
                         <a:latin typeface="Cambria" pitchFamily="18" charset="0"/>
                       </a:endParaRPr>
                     </a:p>
@@ -7035,12 +7046,12 @@
                     <a:lstStyle/>
                     <a:p>
                       <a:r>
-                        <a:rPr lang="en-US" sz="1400" dirty="0" err="1" smtClean="0">
+                        <a:rPr lang="en-US" sz="1600" dirty="0" err="1" smtClean="0">
                           <a:latin typeface="Cambria" pitchFamily="18" charset="0"/>
                         </a:rPr>
                         <a:t>Thao</a:t>
                       </a:r>
-                      <a:endParaRPr lang="en-US" sz="1400" dirty="0">
+                      <a:endParaRPr lang="en-US" sz="1600" dirty="0">
                         <a:latin typeface="Cambria" pitchFamily="18" charset="0"/>
                       </a:endParaRPr>
                     </a:p>
@@ -7048,19 +7059,19 @@
                   <a:tcPr/>
                 </a:tc>
               </a:tr>
-              <a:tr h="328729">
+              <a:tr h="358036">
                 <a:tc>
                   <a:txBody>
                     <a:bodyPr/>
                     <a:lstStyle/>
                     <a:p>
                       <a:r>
-                        <a:rPr lang="en-US" sz="1400" dirty="0" err="1" smtClean="0">
+                        <a:rPr lang="en-US" sz="1600" dirty="0" err="1" smtClean="0">
                           <a:latin typeface="Cambria" pitchFamily="18" charset="0"/>
                         </a:rPr>
                         <a:t>Ngoan</a:t>
                       </a:r>
-                      <a:endParaRPr lang="en-US" sz="1400" dirty="0">
+                      <a:endParaRPr lang="en-US" sz="1600" dirty="0">
                         <a:latin typeface="Cambria" pitchFamily="18" charset="0"/>
                       </a:endParaRPr>
                     </a:p>
@@ -7073,12 +7084,12 @@
                     <a:lstStyle/>
                     <a:p>
                       <a:r>
-                        <a:rPr lang="en-US" sz="1400" dirty="0" err="1" smtClean="0">
+                        <a:rPr lang="en-US" sz="1600" dirty="0" err="1" smtClean="0">
                           <a:latin typeface="Cambria" pitchFamily="18" charset="0"/>
                         </a:rPr>
                         <a:t>Quy</a:t>
                       </a:r>
-                      <a:endParaRPr lang="en-US" sz="1400" dirty="0">
+                      <a:endParaRPr lang="en-US" sz="1600" dirty="0">
                         <a:latin typeface="Cambria" pitchFamily="18" charset="0"/>
                       </a:endParaRPr>
                     </a:p>
@@ -7091,12 +7102,12 @@
                     <a:lstStyle/>
                     <a:p>
                       <a:r>
-                        <a:rPr lang="en-US" sz="1400" dirty="0" smtClean="0">
+                        <a:rPr lang="en-US" sz="1600" dirty="0" smtClean="0">
                           <a:latin typeface="Cambria" pitchFamily="18" charset="0"/>
                         </a:rPr>
                         <a:t>Nam</a:t>
                       </a:r>
-                      <a:endParaRPr lang="en-US" sz="1400" dirty="0">
+                      <a:endParaRPr lang="en-US" sz="1600" dirty="0">
                         <a:latin typeface="Cambria" pitchFamily="18" charset="0"/>
                       </a:endParaRPr>
                     </a:p>
@@ -7109,12 +7120,12 @@
                     <a:lstStyle/>
                     <a:p>
                       <a:r>
-                        <a:rPr lang="en-US" sz="1400" dirty="0" err="1" smtClean="0">
+                        <a:rPr lang="en-US" sz="1600" dirty="0" err="1" smtClean="0">
                           <a:latin typeface="Cambria" pitchFamily="18" charset="0"/>
                         </a:rPr>
                         <a:t>Thao</a:t>
                       </a:r>
-                      <a:endParaRPr lang="en-US" sz="1400" dirty="0">
+                      <a:endParaRPr lang="en-US" sz="1600" dirty="0">
                         <a:latin typeface="Cambria" pitchFamily="18" charset="0"/>
                       </a:endParaRPr>
                     </a:p>
@@ -7122,19 +7133,19 @@
                   <a:tcPr/>
                 </a:tc>
               </a:tr>
-              <a:tr h="328729">
+              <a:tr h="358036">
                 <a:tc>
                   <a:txBody>
                     <a:bodyPr/>
                     <a:lstStyle/>
                     <a:p>
                       <a:r>
-                        <a:rPr lang="en-US" sz="1400" dirty="0" err="1" smtClean="0">
+                        <a:rPr lang="en-US" sz="1600" dirty="0" err="1" smtClean="0">
                           <a:latin typeface="Cambria" pitchFamily="18" charset="0"/>
                         </a:rPr>
                         <a:t>Ngoan</a:t>
                       </a:r>
-                      <a:endParaRPr lang="en-US" sz="1400" dirty="0">
+                      <a:endParaRPr lang="en-US" sz="1600" dirty="0">
                         <a:latin typeface="Cambria" pitchFamily="18" charset="0"/>
                       </a:endParaRPr>
                     </a:p>
@@ -7147,12 +7158,12 @@
                     <a:lstStyle/>
                     <a:p>
                       <a:r>
-                        <a:rPr lang="en-US" sz="1400" dirty="0" err="1" smtClean="0">
+                        <a:rPr lang="en-US" sz="1600" dirty="0" err="1" smtClean="0">
                           <a:latin typeface="Cambria" pitchFamily="18" charset="0"/>
                         </a:rPr>
                         <a:t>Thao</a:t>
                       </a:r>
-                      <a:endParaRPr lang="en-US" sz="1400" dirty="0">
+                      <a:endParaRPr lang="en-US" sz="1600" dirty="0">
                         <a:latin typeface="Cambria" pitchFamily="18" charset="0"/>
                       </a:endParaRPr>
                     </a:p>
@@ -7165,12 +7176,12 @@
                     <a:lstStyle/>
                     <a:p>
                       <a:r>
-                        <a:rPr lang="en-US" sz="1400" dirty="0" err="1" smtClean="0">
+                        <a:rPr lang="en-US" sz="1600" dirty="0" err="1" smtClean="0">
                           <a:latin typeface="Cambria" pitchFamily="18" charset="0"/>
                         </a:rPr>
                         <a:t>Quy</a:t>
                       </a:r>
-                      <a:endParaRPr lang="en-US" sz="1400" dirty="0">
+                      <a:endParaRPr lang="en-US" sz="1600" dirty="0">
                         <a:latin typeface="Cambria" pitchFamily="18" charset="0"/>
                       </a:endParaRPr>
                     </a:p>
@@ -7183,12 +7194,12 @@
                     <a:lstStyle/>
                     <a:p>
                       <a:r>
-                        <a:rPr lang="en-US" sz="1400" dirty="0" smtClean="0">
+                        <a:rPr lang="en-US" sz="1600" dirty="0" smtClean="0">
                           <a:latin typeface="Cambria" pitchFamily="18" charset="0"/>
                         </a:rPr>
                         <a:t>Nam</a:t>
                       </a:r>
-                      <a:endParaRPr lang="en-US" sz="1400" dirty="0">
+                      <a:endParaRPr lang="en-US" sz="1600" dirty="0">
                         <a:latin typeface="Cambria" pitchFamily="18" charset="0"/>
                       </a:endParaRPr>
                     </a:p>
@@ -7196,19 +7207,19 @@
                   <a:tcPr/>
                 </a:tc>
               </a:tr>
-              <a:tr h="328729">
+              <a:tr h="358036">
                 <a:tc>
                   <a:txBody>
                     <a:bodyPr/>
                     <a:lstStyle/>
                     <a:p>
                       <a:r>
-                        <a:rPr lang="en-US" sz="1400" dirty="0" err="1" smtClean="0">
+                        <a:rPr lang="en-US" sz="1600" dirty="0" err="1" smtClean="0">
                           <a:latin typeface="Cambria" pitchFamily="18" charset="0"/>
                         </a:rPr>
                         <a:t>Ngoan</a:t>
                       </a:r>
-                      <a:endParaRPr lang="en-US" sz="1400" dirty="0">
+                      <a:endParaRPr lang="en-US" sz="1600" dirty="0">
                         <a:latin typeface="Cambria" pitchFamily="18" charset="0"/>
                       </a:endParaRPr>
                     </a:p>
@@ -7221,12 +7232,12 @@
                     <a:lstStyle/>
                     <a:p>
                       <a:r>
-                        <a:rPr lang="en-US" sz="1400" dirty="0" err="1" smtClean="0">
+                        <a:rPr lang="en-US" sz="1600" dirty="0" err="1" smtClean="0">
                           <a:latin typeface="Cambria" pitchFamily="18" charset="0"/>
                         </a:rPr>
                         <a:t>Quy</a:t>
                       </a:r>
-                      <a:endParaRPr lang="en-US" sz="1400" dirty="0">
+                      <a:endParaRPr lang="en-US" sz="1600" dirty="0">
                         <a:latin typeface="Cambria" pitchFamily="18" charset="0"/>
                       </a:endParaRPr>
                     </a:p>
@@ -7239,12 +7250,12 @@
                     <a:lstStyle/>
                     <a:p>
                       <a:r>
-                        <a:rPr lang="en-US" sz="1400" dirty="0" err="1" smtClean="0">
+                        <a:rPr lang="en-US" sz="1600" dirty="0" err="1" smtClean="0">
                           <a:latin typeface="Cambria" pitchFamily="18" charset="0"/>
                         </a:rPr>
                         <a:t>Thao</a:t>
                       </a:r>
-                      <a:endParaRPr lang="en-US" sz="1400" dirty="0">
+                      <a:endParaRPr lang="en-US" sz="1600" dirty="0">
                         <a:latin typeface="Cambria" pitchFamily="18" charset="0"/>
                       </a:endParaRPr>
                     </a:p>
@@ -7257,12 +7268,12 @@
                     <a:lstStyle/>
                     <a:p>
                       <a:r>
-                        <a:rPr lang="en-US" sz="1400" dirty="0" smtClean="0">
+                        <a:rPr lang="en-US" sz="1600" dirty="0" smtClean="0">
                           <a:latin typeface="Cambria" pitchFamily="18" charset="0"/>
                         </a:rPr>
                         <a:t>Nam</a:t>
                       </a:r>
-                      <a:endParaRPr lang="en-US" sz="1400" dirty="0">
+                      <a:endParaRPr lang="en-US" sz="1600" dirty="0">
                         <a:latin typeface="Cambria" pitchFamily="18" charset="0"/>
                       </a:endParaRPr>
                     </a:p>
@@ -7270,19 +7281,19 @@
                   <a:tcPr/>
                 </a:tc>
               </a:tr>
-              <a:tr h="328729">
+              <a:tr h="358036">
                 <a:tc>
                   <a:txBody>
                     <a:bodyPr/>
                     <a:lstStyle/>
                     <a:p>
                       <a:r>
-                        <a:rPr lang="en-US" sz="1400" dirty="0" err="1" smtClean="0">
+                        <a:rPr lang="en-US" sz="1600" dirty="0" err="1" smtClean="0">
                           <a:latin typeface="Cambria" pitchFamily="18" charset="0"/>
                         </a:rPr>
                         <a:t>Ngoan</a:t>
                       </a:r>
-                      <a:endParaRPr lang="en-US" sz="1400" dirty="0">
+                      <a:endParaRPr lang="en-US" sz="1600" dirty="0">
                         <a:latin typeface="Cambria" pitchFamily="18" charset="0"/>
                       </a:endParaRPr>
                     </a:p>
@@ -7295,12 +7306,12 @@
                     <a:lstStyle/>
                     <a:p>
                       <a:r>
-                        <a:rPr lang="en-US" sz="1400" dirty="0" smtClean="0">
+                        <a:rPr lang="en-US" sz="1600" dirty="0" smtClean="0">
                           <a:latin typeface="Cambria" pitchFamily="18" charset="0"/>
                         </a:rPr>
                         <a:t>Nam</a:t>
                       </a:r>
-                      <a:endParaRPr lang="en-US" sz="1400" dirty="0">
+                      <a:endParaRPr lang="en-US" sz="1600" dirty="0">
                         <a:latin typeface="Cambria" pitchFamily="18" charset="0"/>
                       </a:endParaRPr>
                     </a:p>
@@ -7313,12 +7324,12 @@
                     <a:lstStyle/>
                     <a:p>
                       <a:r>
-                        <a:rPr lang="en-US" sz="1400" dirty="0" err="1" smtClean="0">
+                        <a:rPr lang="en-US" sz="1600" dirty="0" err="1" smtClean="0">
                           <a:latin typeface="Cambria" pitchFamily="18" charset="0"/>
                         </a:rPr>
                         <a:t>Thao</a:t>
                       </a:r>
-                      <a:endParaRPr lang="en-US" sz="1400" dirty="0">
+                      <a:endParaRPr lang="en-US" sz="1600" dirty="0">
                         <a:latin typeface="Cambria" pitchFamily="18" charset="0"/>
                       </a:endParaRPr>
                     </a:p>
@@ -7331,12 +7342,12 @@
                     <a:lstStyle/>
                     <a:p>
                       <a:r>
-                        <a:rPr lang="en-US" sz="1400" dirty="0" err="1" smtClean="0">
+                        <a:rPr lang="en-US" sz="1600" dirty="0" err="1" smtClean="0">
                           <a:latin typeface="Cambria" pitchFamily="18" charset="0"/>
                         </a:rPr>
                         <a:t>Quy</a:t>
                       </a:r>
-                      <a:endParaRPr lang="en-US" sz="1400" dirty="0">
+                      <a:endParaRPr lang="en-US" sz="1600" dirty="0">
                         <a:latin typeface="Cambria" pitchFamily="18" charset="0"/>
                       </a:endParaRPr>
                     </a:p>
@@ -7344,19 +7355,19 @@
                   <a:tcPr/>
                 </a:tc>
               </a:tr>
-              <a:tr h="328729">
+              <a:tr h="358036">
                 <a:tc>
                   <a:txBody>
                     <a:bodyPr/>
                     <a:lstStyle/>
                     <a:p>
                       <a:r>
-                        <a:rPr lang="en-US" sz="1400" dirty="0" err="1" smtClean="0">
+                        <a:rPr lang="en-US" sz="1600" dirty="0" err="1" smtClean="0">
                           <a:latin typeface="Cambria" pitchFamily="18" charset="0"/>
                         </a:rPr>
                         <a:t>Ngoan</a:t>
                       </a:r>
-                      <a:endParaRPr lang="en-US" sz="1400" dirty="0">
+                      <a:endParaRPr lang="en-US" sz="1600" dirty="0">
                         <a:latin typeface="Cambria" pitchFamily="18" charset="0"/>
                       </a:endParaRPr>
                     </a:p>
@@ -7369,12 +7380,12 @@
                     <a:lstStyle/>
                     <a:p>
                       <a:r>
-                        <a:rPr lang="en-US" sz="1400" dirty="0" err="1" smtClean="0">
+                        <a:rPr lang="en-US" sz="1600" dirty="0" err="1" smtClean="0">
                           <a:latin typeface="Cambria" pitchFamily="18" charset="0"/>
                         </a:rPr>
                         <a:t>Thao</a:t>
                       </a:r>
-                      <a:endParaRPr lang="en-US" sz="1400" dirty="0">
+                      <a:endParaRPr lang="en-US" sz="1600" dirty="0">
                         <a:latin typeface="Cambria" pitchFamily="18" charset="0"/>
                       </a:endParaRPr>
                     </a:p>
@@ -7387,12 +7398,12 @@
                     <a:lstStyle/>
                     <a:p>
                       <a:r>
-                        <a:rPr lang="en-US" sz="1400" dirty="0" smtClean="0">
+                        <a:rPr lang="en-US" sz="1600" dirty="0" smtClean="0">
                           <a:latin typeface="Cambria" pitchFamily="18" charset="0"/>
                         </a:rPr>
                         <a:t>Nam</a:t>
                       </a:r>
-                      <a:endParaRPr lang="en-US" sz="1400" dirty="0">
+                      <a:endParaRPr lang="en-US" sz="1600" dirty="0">
                         <a:latin typeface="Cambria" pitchFamily="18" charset="0"/>
                       </a:endParaRPr>
                     </a:p>
@@ -7405,12 +7416,12 @@
                     <a:lstStyle/>
                     <a:p>
                       <a:r>
-                        <a:rPr lang="en-US" sz="1400" dirty="0" err="1" smtClean="0">
+                        <a:rPr lang="en-US" sz="1600" dirty="0" err="1" smtClean="0">
                           <a:latin typeface="Cambria" pitchFamily="18" charset="0"/>
                         </a:rPr>
                         <a:t>Quy</a:t>
                       </a:r>
-                      <a:endParaRPr lang="en-US" sz="1400" dirty="0">
+                      <a:endParaRPr lang="en-US" sz="1600" dirty="0">
                         <a:latin typeface="Cambria" pitchFamily="18" charset="0"/>
                       </a:endParaRPr>
                     </a:p>
@@ -7857,12 +7868,6 @@
               </a:rPr>
               <a:t>Step</a:t>
             </a:r>
-            <a:endParaRPr lang="en-US" dirty="0">
-              <a:latin typeface="Cambria"/>
-              <a:ea typeface="Cambria"/>
-              <a:cs typeface="Cambria"/>
-              <a:sym typeface="Cambria"/>
-            </a:endParaRPr>
           </a:p>
         </p:txBody>
       </p:sp>
@@ -13068,7 +13073,7 @@
             <a:p>
               <a:pPr algn="ctr" defTabSz="685800"/>
               <a:r>
-                <a:rPr lang="en" b="1" kern="0" dirty="0" smtClean="0">
+                <a:rPr lang="en" sz="2800" b="1" kern="0" dirty="0" smtClean="0">
                   <a:solidFill>
                     <a:srgbClr val="000000"/>
                   </a:solidFill>
@@ -13079,7 +13084,7 @@
                 </a:rPr>
                 <a:t>Leg</a:t>
               </a:r>
-              <a:endParaRPr lang="en" sz="1050" b="1" kern="0" dirty="0">
+              <a:endParaRPr lang="en" sz="2800" b="1" kern="0" dirty="0">
                 <a:solidFill>
                   <a:srgbClr val="000000"/>
                 </a:solidFill>
@@ -13284,8 +13289,8 @@
         </p:nvGrpSpPr>
         <p:grpSpPr>
           <a:xfrm>
-            <a:off x="1293135" y="2894808"/>
-            <a:ext cx="6554333" cy="1945544"/>
+            <a:off x="413319" y="2527470"/>
+            <a:ext cx="8143473" cy="2995506"/>
             <a:chOff x="1293135" y="2241679"/>
             <a:chExt cx="6554333" cy="1945544"/>
           </a:xfrm>
@@ -13346,7 +13351,7 @@
             <p:spPr>
               <a:xfrm>
                 <a:off x="3211708" y="2241679"/>
-                <a:ext cx="389066" cy="338554"/>
+                <a:ext cx="295711" cy="299846"/>
               </a:xfrm>
               <a:prstGeom prst="rect">
                 <a:avLst/>
@@ -13360,19 +13365,19 @@
               <a:lstStyle/>
               <a:p>
                 <a:r>
-                  <a:rPr lang="en-US" sz="1600" dirty="0" smtClean="0">
+                  <a:rPr lang="en-US" sz="2400" b="1" dirty="0" smtClean="0">
                     <a:latin typeface="Cambria" pitchFamily="18" charset="0"/>
                   </a:rPr>
                   <a:t>1</a:t>
                 </a:r>
-                <a:endParaRPr lang="en-US" sz="1600" dirty="0">
+                <a:endParaRPr lang="en-US" sz="2400" b="1" dirty="0">
                   <a:latin typeface="Cambria" pitchFamily="18" charset="0"/>
                 </a:endParaRPr>
               </a:p>
             </p:txBody>
           </p:sp>
-          <mc:AlternateContent xmlns:mc="http://schemas.openxmlformats.org/markup-compatibility/2006" xmlns:a14="http://schemas.microsoft.com/office/drawing/2010/main">
-            <mc:Choice Requires="a14">
+          <mc:AlternateContent xmlns:mc="http://schemas.openxmlformats.org/markup-compatibility/2006">
+            <mc:Choice xmlns:a14="http://schemas.microsoft.com/office/drawing/2010/main" Requires="a14">
               <p:sp>
                 <p:nvSpPr>
                   <p:cNvPr id="16" name="TextBox 15"/>
@@ -13382,7 +13387,7 @@
                 <p:spPr>
                   <a:xfrm>
                     <a:off x="5687515" y="2310162"/>
-                    <a:ext cx="248465" cy="276999"/>
+                    <a:ext cx="278681" cy="239877"/>
                   </a:xfrm>
                   <a:prstGeom prst="rect">
                     <a:avLst/>
@@ -13403,7 +13408,7 @@
                         </m:oMathParaPr>
                         <m:oMath xmlns:m="http://schemas.openxmlformats.org/officeDocument/2006/math">
                           <m:r>
-                            <a:rPr lang="en-US" i="1" smtClean="0">
+                            <a:rPr lang="en-US" sz="2400" b="1" i="1" smtClean="0">
                               <a:latin typeface="Cambria Math" panose="02040503050406030204" pitchFamily="18" charset="0"/>
                               <a:ea typeface="Cambria Math" panose="02040503050406030204" pitchFamily="18" charset="0"/>
                             </a:rPr>
@@ -13412,12 +13417,12 @@
                         </m:oMath>
                       </m:oMathPara>
                     </a14:m>
-                    <a:endParaRPr lang="en-US" dirty="0"/>
+                    <a:endParaRPr lang="en-US" sz="2400" b="1" dirty="0"/>
                   </a:p>
                 </p:txBody>
               </p:sp>
             </mc:Choice>
-            <mc:Fallback xmlns="">
+            <mc:Fallback>
               <p:sp>
                 <p:nvSpPr>
                   <p:cNvPr id="16" name="TextBox 15"/>
@@ -13429,15 +13434,15 @@
                 <p:spPr>
                   <a:xfrm>
                     <a:off x="5687515" y="2310162"/>
-                    <a:ext cx="248465" cy="276999"/>
+                    <a:ext cx="278681" cy="239877"/>
                   </a:xfrm>
                   <a:prstGeom prst="rect">
                     <a:avLst/>
                   </a:prstGeom>
-                  <a:blipFill rotWithShape="1">
+                  <a:blipFill rotWithShape="0">
                     <a:blip r:embed="rId2"/>
                     <a:stretch>
-                      <a:fillRect l="-14634" r="-9756"/>
+                      <a:fillRect l="-8772" r="-10526" b="-1667"/>
                     </a:stretch>
                   </a:blipFill>
                 </p:spPr>
@@ -13520,7 +13525,7 @@
               <a:p>
                 <a:pPr defTabSz="685800"/>
                 <a:r>
-                  <a:rPr lang="en-US" sz="1500" kern="0" dirty="0" smtClean="0">
+                  <a:rPr lang="en-US" sz="2000" kern="0" dirty="0" smtClean="0">
                     <a:solidFill>
                       <a:schemeClr val="tx1"/>
                     </a:solidFill>
@@ -13535,7 +13540,7 @@
               <a:p>
                 <a:pPr defTabSz="685800"/>
                 <a:r>
-                  <a:rPr lang="en-US" sz="1500" kern="0" dirty="0" smtClean="0">
+                  <a:rPr lang="en-US" sz="2000" kern="0" dirty="0" smtClean="0">
                     <a:solidFill>
                       <a:schemeClr val="tx1"/>
                     </a:solidFill>
@@ -13550,7 +13555,7 @@
               <a:p>
                 <a:pPr defTabSz="685800"/>
                 <a:r>
-                  <a:rPr lang="en-US" sz="1500" kern="0" dirty="0" smtClean="0">
+                  <a:rPr lang="en-US" sz="2000" kern="0" dirty="0" smtClean="0">
                     <a:solidFill>
                       <a:schemeClr val="tx1"/>
                     </a:solidFill>
@@ -13565,7 +13570,7 @@
               <a:p>
                 <a:pPr defTabSz="685800"/>
                 <a:r>
-                  <a:rPr lang="en-US" sz="1500" kern="0" dirty="0" smtClean="0">
+                  <a:rPr lang="en-US" sz="2000" kern="0" dirty="0" smtClean="0">
                     <a:solidFill>
                       <a:schemeClr val="tx1"/>
                     </a:solidFill>
@@ -13580,7 +13585,7 @@
               <a:p>
                 <a:pPr defTabSz="685800"/>
                 <a:r>
-                  <a:rPr lang="en-US" sz="1500" kern="0" dirty="0" smtClean="0">
+                  <a:rPr lang="en-US" sz="2000" kern="0" dirty="0" smtClean="0">
                     <a:solidFill>
                       <a:schemeClr val="tx1"/>
                     </a:solidFill>
@@ -13591,7 +13596,7 @@
                   </a:rPr>
                   <a:t>Polyline</a:t>
                 </a:r>
-                <a:endParaRPr lang="en" sz="1500" kern="0" dirty="0">
+                <a:endParaRPr lang="en" sz="2000" kern="0" dirty="0">
                   <a:solidFill>
                     <a:schemeClr val="tx1"/>
                   </a:solidFill>
@@ -13652,7 +13657,7 @@
               <a:p>
                 <a:pPr algn="ctr" defTabSz="685800"/>
                 <a:r>
-                  <a:rPr lang="en" b="1" kern="0" dirty="0" smtClean="0">
+                  <a:rPr lang="en" sz="2400" b="1" kern="0" dirty="0" smtClean="0">
                     <a:solidFill>
                       <a:srgbClr val="000000"/>
                     </a:solidFill>
@@ -13663,7 +13668,7 @@
                   </a:rPr>
                   <a:t>Step</a:t>
                 </a:r>
-                <a:endParaRPr lang="en" sz="1050" b="1" kern="0" dirty="0">
+                <a:endParaRPr lang="en" sz="2400" b="1" kern="0" dirty="0">
                   <a:solidFill>
                     <a:srgbClr val="000000"/>
                   </a:solidFill>
@@ -13739,7 +13744,7 @@
               <a:p>
                 <a:pPr defTabSz="685800"/>
                 <a:r>
-                  <a:rPr lang="en" sz="1500" kern="0" dirty="0" smtClean="0">
+                  <a:rPr lang="en" sz="2000" kern="0" dirty="0" smtClean="0">
                     <a:solidFill>
                       <a:schemeClr val="tx1"/>
                     </a:solidFill>
@@ -13754,7 +13759,7 @@
               <a:p>
                 <a:pPr defTabSz="685800"/>
                 <a:r>
-                  <a:rPr lang="en" sz="1500" kern="0" dirty="0" smtClean="0">
+                  <a:rPr lang="en" sz="2000" kern="0" dirty="0" smtClean="0">
                     <a:solidFill>
                       <a:schemeClr val="tx1"/>
                     </a:solidFill>
@@ -13769,7 +13774,7 @@
               <a:p>
                 <a:pPr defTabSz="685800"/>
                 <a:r>
-                  <a:rPr lang="en" sz="1500" kern="0" dirty="0" smtClean="0">
+                  <a:rPr lang="en" sz="2000" kern="0" dirty="0" smtClean="0">
                     <a:solidFill>
                       <a:schemeClr val="tx1"/>
                     </a:solidFill>
@@ -13784,7 +13789,7 @@
               <a:p>
                 <a:pPr defTabSz="685800"/>
                 <a:r>
-                  <a:rPr lang="en" sz="1500" kern="0" dirty="0" smtClean="0">
+                  <a:rPr lang="en" sz="2000" kern="0" dirty="0" smtClean="0">
                     <a:solidFill>
                       <a:schemeClr val="tx1"/>
                     </a:solidFill>
@@ -13799,7 +13804,7 @@
               <a:p>
                 <a:pPr defTabSz="685800"/>
                 <a:r>
-                  <a:rPr lang="en" sz="1500" kern="0" dirty="0" smtClean="0">
+                  <a:rPr lang="en" sz="2000" kern="0" dirty="0" smtClean="0">
                     <a:solidFill>
                       <a:schemeClr val="tx1"/>
                     </a:solidFill>
@@ -13810,7 +13815,7 @@
                   </a:rPr>
                   <a:t>OverviewPolyline</a:t>
                 </a:r>
-                <a:endParaRPr lang="en" sz="1500" kern="0" dirty="0">
+                <a:endParaRPr lang="en" sz="2000" kern="0" dirty="0">
                   <a:solidFill>
                     <a:schemeClr val="tx1"/>
                   </a:solidFill>
@@ -13871,7 +13876,7 @@
               <a:p>
                 <a:pPr algn="ctr" defTabSz="685800"/>
                 <a:r>
-                  <a:rPr lang="en" b="1" kern="0" dirty="0" smtClean="0">
+                  <a:rPr lang="en" sz="2400" b="1" kern="0" dirty="0" smtClean="0">
                     <a:solidFill>
                       <a:srgbClr val="000000"/>
                     </a:solidFill>
@@ -13882,7 +13887,7 @@
                   </a:rPr>
                   <a:t>Leg</a:t>
                 </a:r>
-                <a:endParaRPr lang="en" sz="1050" b="1" kern="0" dirty="0">
+                <a:endParaRPr lang="en" sz="2400" b="1" kern="0" dirty="0">
                   <a:solidFill>
                     <a:srgbClr val="000000"/>
                   </a:solidFill>
@@ -13993,7 +13998,7 @@
         <p:spPr>
           <a:xfrm>
             <a:off x="457200" y="2527462"/>
-            <a:ext cx="7083188" cy="1538883"/>
+            <a:ext cx="8229600" cy="1969770"/>
           </a:xfrm>
           <a:prstGeom prst="rect">
             <a:avLst/>
@@ -14020,11 +14025,11 @@
               </a:defRPr>
             </a:pPr>
             <a:r>
-              <a:rPr lang="en-US" sz="2100" dirty="0"/>
+              <a:rPr lang="en-US" sz="2800" dirty="0"/>
               <a:t>Start location:</a:t>
             </a:r>
             <a:r>
-              <a:rPr lang="en-US" sz="2100" dirty="0">
+              <a:rPr lang="en-US" sz="2800" dirty="0">
                 <a:solidFill>
                   <a:srgbClr val="000000"/>
                 </a:solidFill>
@@ -14032,7 +14037,7 @@
               <a:t>  </a:t>
             </a:r>
             <a:r>
-              <a:rPr lang="en-US" sz="2100" dirty="0" err="1">
+              <a:rPr lang="en-US" sz="2800" dirty="0" err="1">
                 <a:solidFill>
                   <a:srgbClr val="000000"/>
                 </a:solidFill>
@@ -14040,7 +14045,7 @@
               <a:t>Bến</a:t>
             </a:r>
             <a:r>
-              <a:rPr lang="en-US" sz="2100" dirty="0">
+              <a:rPr lang="en-US" sz="2800" dirty="0">
                 <a:solidFill>
                   <a:srgbClr val="000000"/>
                 </a:solidFill>
@@ -14048,7 +14053,7 @@
               <a:t> </a:t>
             </a:r>
             <a:r>
-              <a:rPr lang="en-US" sz="2100" dirty="0" err="1">
+              <a:rPr lang="en-US" sz="2800" dirty="0" err="1">
                 <a:solidFill>
                   <a:srgbClr val="000000"/>
                 </a:solidFill>
@@ -14056,7 +14061,7 @@
               <a:t>xe</a:t>
             </a:r>
             <a:r>
-              <a:rPr lang="en-US" sz="2100" dirty="0">
+              <a:rPr lang="en-US" sz="2800" dirty="0">
                 <a:solidFill>
                   <a:srgbClr val="000000"/>
                 </a:solidFill>
@@ -14064,7 +14069,7 @@
               <a:t> </a:t>
             </a:r>
             <a:r>
-              <a:rPr lang="en-US" sz="2100" dirty="0" err="1">
+              <a:rPr lang="en-US" sz="2800" dirty="0" err="1">
                 <a:solidFill>
                   <a:srgbClr val="000000"/>
                 </a:solidFill>
@@ -14072,14 +14077,14 @@
               <a:t>quận</a:t>
             </a:r>
             <a:r>
-              <a:rPr lang="en-US" sz="2100" dirty="0">
+              <a:rPr lang="en-US" sz="2800" dirty="0">
                 <a:solidFill>
                   <a:srgbClr val="000000"/>
                 </a:solidFill>
               </a:rPr>
               <a:t> 8</a:t>
             </a:r>
-            <a:endParaRPr lang="en-US" sz="2100" dirty="0"/>
+            <a:endParaRPr lang="en-US" sz="2800" dirty="0"/>
           </a:p>
           <a:p>
             <a:pPr marL="514350" lvl="1" indent="-171450">
@@ -14097,11 +14102,11 @@
               </a:defRPr>
             </a:pPr>
             <a:r>
-              <a:rPr lang="en-US" sz="2100" dirty="0"/>
+              <a:rPr lang="en-US" sz="2800" dirty="0"/>
               <a:t>First middle location: </a:t>
             </a:r>
             <a:r>
-              <a:rPr lang="en-US" sz="2100" dirty="0">
+              <a:rPr lang="en-US" sz="2800" dirty="0">
                 <a:solidFill>
                   <a:srgbClr val="000000"/>
                 </a:solidFill>
@@ -14109,7 +14114,7 @@
               <a:t>280 </a:t>
             </a:r>
             <a:r>
-              <a:rPr lang="en-US" sz="2100" dirty="0" err="1">
+              <a:rPr lang="en-US" sz="2800" dirty="0" err="1">
                 <a:solidFill>
                   <a:srgbClr val="000000"/>
                 </a:solidFill>
@@ -14117,7 +14122,7 @@
               <a:t>Nguyễn</a:t>
             </a:r>
             <a:r>
-              <a:rPr lang="en-US" sz="2100" dirty="0">
+              <a:rPr lang="en-US" sz="2800" dirty="0">
                 <a:solidFill>
                   <a:srgbClr val="000000"/>
                 </a:solidFill>
@@ -14125,7 +14130,7 @@
               <a:t> </a:t>
             </a:r>
             <a:r>
-              <a:rPr lang="en-US" sz="2100" dirty="0" err="1">
+              <a:rPr lang="en-US" sz="2800" dirty="0" err="1">
                 <a:solidFill>
                   <a:srgbClr val="000000"/>
                 </a:solidFill>
@@ -14133,7 +14138,7 @@
               <a:t>Đình</a:t>
             </a:r>
             <a:r>
-              <a:rPr lang="en-US" sz="2100" dirty="0">
+              <a:rPr lang="en-US" sz="2800" dirty="0">
                 <a:solidFill>
                   <a:srgbClr val="000000"/>
                 </a:solidFill>
@@ -14141,14 +14146,14 @@
               <a:t> </a:t>
             </a:r>
             <a:r>
-              <a:rPr lang="en-US" sz="2100" dirty="0" err="1">
+              <a:rPr lang="en-US" sz="2800" dirty="0" err="1">
                 <a:solidFill>
                   <a:srgbClr val="000000"/>
                 </a:solidFill>
               </a:rPr>
               <a:t>Chiểu</a:t>
             </a:r>
-            <a:endParaRPr lang="en-US" sz="2100" dirty="0">
+            <a:endParaRPr lang="en-US" sz="2800" dirty="0">
               <a:solidFill>
                 <a:srgbClr val="000000"/>
               </a:solidFill>
@@ -14170,11 +14175,11 @@
               </a:defRPr>
             </a:pPr>
             <a:r>
-              <a:rPr lang="en-US" sz="2100" dirty="0"/>
+              <a:rPr lang="en-US" sz="2800" dirty="0"/>
               <a:t>Second middle location: </a:t>
             </a:r>
             <a:r>
-              <a:rPr lang="en-US" sz="2100" dirty="0" err="1">
+              <a:rPr lang="en-US" sz="2800" dirty="0" err="1">
                 <a:solidFill>
                   <a:srgbClr val="000000"/>
                 </a:solidFill>
@@ -14182,7 +14187,7 @@
               <a:t>VinCom</a:t>
             </a:r>
             <a:r>
-              <a:rPr lang="en-US" sz="2100" dirty="0">
+              <a:rPr lang="en-US" sz="2800" dirty="0">
                 <a:solidFill>
                   <a:srgbClr val="000000"/>
                 </a:solidFill>
@@ -14190,7 +14195,7 @@
               <a:t> </a:t>
             </a:r>
             <a:r>
-              <a:rPr lang="en-US" sz="2100" dirty="0" err="1">
+              <a:rPr lang="en-US" sz="2800" dirty="0" err="1">
                 <a:solidFill>
                   <a:srgbClr val="000000"/>
                 </a:solidFill>
@@ -14198,7 +14203,7 @@
               <a:t>Lê</a:t>
             </a:r>
             <a:r>
-              <a:rPr lang="en-US" sz="2100" dirty="0">
+              <a:rPr lang="en-US" sz="2800" dirty="0">
                 <a:solidFill>
                   <a:srgbClr val="000000"/>
                 </a:solidFill>
@@ -14206,7 +14211,7 @@
               <a:t> </a:t>
             </a:r>
             <a:r>
-              <a:rPr lang="en-US" sz="2100" dirty="0" err="1">
+              <a:rPr lang="en-US" sz="2800" dirty="0" err="1">
                 <a:solidFill>
                   <a:srgbClr val="000000"/>
                 </a:solidFill>
@@ -14214,7 +14219,7 @@
               <a:t>Thánh</a:t>
             </a:r>
             <a:r>
-              <a:rPr lang="en-US" sz="2100" dirty="0">
+              <a:rPr lang="en-US" sz="2800" dirty="0">
                 <a:solidFill>
                   <a:srgbClr val="000000"/>
                 </a:solidFill>
@@ -14222,7 +14227,7 @@
               <a:t> </a:t>
             </a:r>
             <a:r>
-              <a:rPr lang="en-US" sz="2100" dirty="0" err="1">
+              <a:rPr lang="en-US" sz="2800" dirty="0" err="1">
                 <a:solidFill>
                   <a:srgbClr val="000000"/>
                 </a:solidFill>
@@ -14230,7 +14235,7 @@
               <a:t>Tôn</a:t>
             </a:r>
             <a:r>
-              <a:rPr lang="en-US" sz="2100" dirty="0"/>
+              <a:rPr lang="en-US" sz="2800" dirty="0"/>
               <a:t> </a:t>
             </a:r>
           </a:p>
@@ -14250,11 +14255,11 @@
               </a:defRPr>
             </a:pPr>
             <a:r>
-              <a:rPr lang="en-US" sz="2100" dirty="0"/>
+              <a:rPr lang="en-US" sz="2800" dirty="0"/>
               <a:t>End location: </a:t>
             </a:r>
             <a:r>
-              <a:rPr lang="en-US" sz="2100" dirty="0" err="1">
+              <a:rPr lang="en-US" sz="2800" dirty="0" err="1">
                 <a:solidFill>
                   <a:srgbClr val="000000"/>
                 </a:solidFill>
@@ -14262,7 +14267,7 @@
               <a:t>Công</a:t>
             </a:r>
             <a:r>
-              <a:rPr lang="en-US" sz="2100" dirty="0">
+              <a:rPr lang="en-US" sz="2800" dirty="0">
                 <a:solidFill>
                   <a:srgbClr val="000000"/>
                 </a:solidFill>
@@ -14270,7 +14275,7 @@
               <a:t> </a:t>
             </a:r>
             <a:r>
-              <a:rPr lang="en-US" sz="2100" dirty="0" err="1">
+              <a:rPr lang="en-US" sz="2800" dirty="0" err="1">
                 <a:solidFill>
                   <a:srgbClr val="000000"/>
                 </a:solidFill>
@@ -14278,7 +14283,7 @@
               <a:t>Viên</a:t>
             </a:r>
             <a:r>
-              <a:rPr lang="en-US" sz="2100" dirty="0">
+              <a:rPr lang="en-US" sz="2800" dirty="0">
                 <a:solidFill>
                   <a:srgbClr val="000000"/>
                 </a:solidFill>
@@ -14286,7 +14291,7 @@
               <a:t> Tao </a:t>
             </a:r>
             <a:r>
-              <a:rPr lang="en-US" sz="2100" dirty="0" err="1">
+              <a:rPr lang="en-US" sz="2800" dirty="0" err="1">
                 <a:solidFill>
                   <a:srgbClr val="000000"/>
                 </a:solidFill>
@@ -14294,14 +14299,14 @@
               <a:t>Đàn</a:t>
             </a:r>
             <a:r>
-              <a:rPr lang="en-US" sz="2100" dirty="0">
+              <a:rPr lang="en-US" sz="2800" dirty="0">
                 <a:solidFill>
                   <a:srgbClr val="000000"/>
                 </a:solidFill>
               </a:rPr>
               <a:t> </a:t>
             </a:r>
-            <a:endParaRPr lang="en-US" dirty="0"/>
+            <a:endParaRPr lang="en-US" sz="2800" dirty="0"/>
           </a:p>
         </p:txBody>
       </p:sp>
@@ -16613,7 +16618,7 @@
           <a:p>
             <a:r>
               <a:rPr lang="en-US" dirty="0" smtClean="0"/>
-              <a:t>Solution</a:t>
+              <a:t>How</a:t>
             </a:r>
             <a:endParaRPr lang="en-US" dirty="0"/>
           </a:p>
@@ -16878,7 +16883,7 @@
           <a:p>
             <a:r>
               <a:rPr lang="en-US" dirty="0" smtClean="0"/>
-              <a:t>Solution</a:t>
+              <a:t>How</a:t>
             </a:r>
             <a:endParaRPr lang="en-US" dirty="0"/>
           </a:p>
@@ -17260,7 +17265,7 @@
           <a:p>
             <a:r>
               <a:rPr lang="en-US" dirty="0" smtClean="0"/>
-              <a:t>Solution</a:t>
+              <a:t>How</a:t>
             </a:r>
             <a:endParaRPr lang="en-US" dirty="0"/>
           </a:p>
@@ -18261,7 +18266,7 @@
   <a:extraClrSchemeLst/>
   <a:extLst>
     <a:ext uri="{05A4C25C-085E-4340-85A3-A5531E510DB2}">
-      <thm15:themeFamily xmlns:thm15="http://schemas.microsoft.com/office/thememl/2012/main" xmlns="" name="Office Theme" id="{62F939B6-93AF-4DB8-9C6B-D6C7DFDC589F}" vid="{4A3C46E8-61CC-4603-A589-7422A47A8E4A}"/>
+      <thm15:themeFamily xmlns:thm15="http://schemas.microsoft.com/office/thememl/2012/main" name="Office Theme" id="{62F939B6-93AF-4DB8-9C6B-D6C7DFDC589F}" vid="{4A3C46E8-61CC-4603-A589-7422A47A8E4A}"/>
     </a:ext>
   </a:extLst>
 </a:theme>

--- a/Document/presentation/search_motorbike.pptx
+++ b/Document/presentation/search_motorbike.pptx
@@ -5,36 +5,37 @@
     <p:sldMasterId id="2147483660" r:id="rId1"/>
   </p:sldMasterIdLst>
   <p:notesMasterIdLst>
-    <p:notesMasterId r:id="rId29"/>
+    <p:notesMasterId r:id="rId30"/>
   </p:notesMasterIdLst>
   <p:sldIdLst>
-    <p:sldId id="315" r:id="rId2"/>
-    <p:sldId id="316" r:id="rId3"/>
-    <p:sldId id="317" r:id="rId4"/>
-    <p:sldId id="318" r:id="rId5"/>
-    <p:sldId id="323" r:id="rId6"/>
-    <p:sldId id="345" r:id="rId7"/>
-    <p:sldId id="324" r:id="rId8"/>
-    <p:sldId id="348" r:id="rId9"/>
-    <p:sldId id="349" r:id="rId10"/>
-    <p:sldId id="322" r:id="rId11"/>
-    <p:sldId id="346" r:id="rId12"/>
-    <p:sldId id="350" r:id="rId13"/>
-    <p:sldId id="347" r:id="rId14"/>
-    <p:sldId id="330" r:id="rId15"/>
-    <p:sldId id="331" r:id="rId16"/>
-    <p:sldId id="332" r:id="rId17"/>
-    <p:sldId id="333" r:id="rId18"/>
-    <p:sldId id="334" r:id="rId19"/>
-    <p:sldId id="337" r:id="rId20"/>
-    <p:sldId id="335" r:id="rId21"/>
-    <p:sldId id="338" r:id="rId22"/>
-    <p:sldId id="340" r:id="rId23"/>
-    <p:sldId id="341" r:id="rId24"/>
-    <p:sldId id="342" r:id="rId25"/>
-    <p:sldId id="343" r:id="rId26"/>
-    <p:sldId id="326" r:id="rId27"/>
-    <p:sldId id="344" r:id="rId28"/>
+    <p:sldId id="351" r:id="rId2"/>
+    <p:sldId id="355" r:id="rId3"/>
+    <p:sldId id="356" r:id="rId4"/>
+    <p:sldId id="357" r:id="rId5"/>
+    <p:sldId id="318" r:id="rId6"/>
+    <p:sldId id="323" r:id="rId7"/>
+    <p:sldId id="345" r:id="rId8"/>
+    <p:sldId id="324" r:id="rId9"/>
+    <p:sldId id="348" r:id="rId10"/>
+    <p:sldId id="349" r:id="rId11"/>
+    <p:sldId id="322" r:id="rId12"/>
+    <p:sldId id="346" r:id="rId13"/>
+    <p:sldId id="350" r:id="rId14"/>
+    <p:sldId id="347" r:id="rId15"/>
+    <p:sldId id="330" r:id="rId16"/>
+    <p:sldId id="331" r:id="rId17"/>
+    <p:sldId id="332" r:id="rId18"/>
+    <p:sldId id="333" r:id="rId19"/>
+    <p:sldId id="334" r:id="rId20"/>
+    <p:sldId id="337" r:id="rId21"/>
+    <p:sldId id="335" r:id="rId22"/>
+    <p:sldId id="338" r:id="rId23"/>
+    <p:sldId id="340" r:id="rId24"/>
+    <p:sldId id="341" r:id="rId25"/>
+    <p:sldId id="342" r:id="rId26"/>
+    <p:sldId id="343" r:id="rId27"/>
+    <p:sldId id="326" r:id="rId28"/>
+    <p:sldId id="344" r:id="rId29"/>
   </p:sldIdLst>
   <p:sldSz cx="9144000" cy="6858000" type="screen4x3"/>
   <p:notesSz cx="6858000" cy="9144000"/>
@@ -135,7 +136,7 @@
   </p:defaultTextStyle>
   <p:extLst>
     <p:ext uri="{EFAFB233-063F-42B5-8137-9DF3F51BA10A}">
-      <p15:sldGuideLst xmlns:p15="http://schemas.microsoft.com/office/powerpoint/2012/main" xmlns=""/>
+      <p15:sldGuideLst xmlns="" xmlns:p15="http://schemas.microsoft.com/office/powerpoint/2012/main"/>
     </p:ext>
   </p:extLst>
 </p:presentation>
@@ -535,88 +536,6 @@
           <a:bodyPr/>
           <a:lstStyle/>
           <a:p>
-            <a:r>
-              <a:rPr lang="en-US" dirty="0" err="1" smtClean="0"/>
-              <a:t>Chúng</a:t>
-            </a:r>
-            <a:r>
-              <a:rPr lang="en-US" baseline="0" dirty="0" smtClean="0"/>
-              <a:t> ta </a:t>
-            </a:r>
-            <a:r>
-              <a:rPr lang="en-US" baseline="0" dirty="0" err="1" smtClean="0"/>
-              <a:t>có</a:t>
-            </a:r>
-            <a:r>
-              <a:rPr lang="en-US" baseline="0" dirty="0" smtClean="0"/>
-              <a:t> </a:t>
-            </a:r>
-            <a:r>
-              <a:rPr lang="en-US" baseline="0" dirty="0" err="1" smtClean="0"/>
-              <a:t>tình</a:t>
-            </a:r>
-            <a:r>
-              <a:rPr lang="en-US" baseline="0" dirty="0" smtClean="0"/>
-              <a:t> </a:t>
-            </a:r>
-            <a:r>
-              <a:rPr lang="en-US" baseline="0" dirty="0" err="1" smtClean="0"/>
-              <a:t>huống</a:t>
-            </a:r>
-            <a:r>
-              <a:rPr lang="en-US" baseline="0" dirty="0" smtClean="0"/>
-              <a:t> </a:t>
-            </a:r>
-            <a:r>
-              <a:rPr lang="en-US" baseline="0" dirty="0" err="1" smtClean="0"/>
-              <a:t>như</a:t>
-            </a:r>
-            <a:r>
-              <a:rPr lang="en-US" baseline="0" dirty="0" smtClean="0"/>
-              <a:t> </a:t>
-            </a:r>
-            <a:r>
-              <a:rPr lang="en-US" baseline="0" dirty="0" err="1" smtClean="0"/>
-              <a:t>sau</a:t>
-            </a:r>
-            <a:r>
-              <a:rPr lang="en-US" baseline="0" dirty="0" smtClean="0"/>
-              <a:t>:</a:t>
-            </a:r>
-          </a:p>
-          <a:p>
-            <a:r>
-              <a:rPr lang="en-US" baseline="0" dirty="0" err="1" smtClean="0"/>
-              <a:t>Ngoan</a:t>
-            </a:r>
-            <a:r>
-              <a:rPr lang="en-US" baseline="0" dirty="0" smtClean="0"/>
-              <a:t> </a:t>
-            </a:r>
-            <a:r>
-              <a:rPr lang="en-US" baseline="0" dirty="0" err="1" smtClean="0"/>
-              <a:t>có</a:t>
-            </a:r>
-            <a:r>
-              <a:rPr lang="en-US" baseline="0" dirty="0" smtClean="0"/>
-              <a:t> 3 </a:t>
-            </a:r>
-            <a:r>
-              <a:rPr lang="en-US" baseline="0" dirty="0" err="1" smtClean="0"/>
-              <a:t>người</a:t>
-            </a:r>
-            <a:r>
-              <a:rPr lang="en-US" baseline="0" dirty="0" smtClean="0"/>
-              <a:t> </a:t>
-            </a:r>
-            <a:r>
-              <a:rPr lang="en-US" baseline="0" dirty="0" err="1" smtClean="0"/>
-              <a:t>bạn</a:t>
-            </a:r>
-            <a:r>
-              <a:rPr lang="en-US" baseline="0" dirty="0" smtClean="0"/>
-              <a:t>. </a:t>
-            </a:r>
             <a:endParaRPr lang="en-US" dirty="0"/>
           </a:p>
         </p:txBody>
@@ -647,7 +566,7 @@
     </p:spTree>
     <p:extLst>
       <p:ext uri="{BB962C8B-B14F-4D97-AF65-F5344CB8AC3E}">
-        <p14:creationId xmlns:p14="http://schemas.microsoft.com/office/powerpoint/2010/main" val="3719407804"/>
+        <p14:creationId xmlns:p14="http://schemas.microsoft.com/office/powerpoint/2010/main" val="2147165158"/>
       </p:ext>
     </p:extLst>
   </p:cSld>
@@ -1035,23 +954,215 @@
           <a:p>
             <a:r>
               <a:rPr lang="en-US" dirty="0" err="1" smtClean="0"/>
-              <a:t>Để</a:t>
-            </a:r>
-            <a:r>
-              <a:rPr lang="en-US" baseline="0" dirty="0" smtClean="0"/>
-              <a:t> </a:t>
-            </a:r>
-            <a:r>
-              <a:rPr lang="en-US" baseline="0" dirty="0" err="1" smtClean="0"/>
-              <a:t>hiển</a:t>
-            </a:r>
-            <a:r>
-              <a:rPr lang="en-US" baseline="0" dirty="0" smtClean="0"/>
-              <a:t> </a:t>
-            </a:r>
-            <a:r>
-              <a:rPr lang="en-US" baseline="0" dirty="0" err="1" smtClean="0"/>
-              <a:t>thị</a:t>
+              <a:t>Thuật</a:t>
+            </a:r>
+            <a:r>
+              <a:rPr lang="en-US" dirty="0" smtClean="0"/>
+              <a:t> </a:t>
+            </a:r>
+            <a:r>
+              <a:rPr lang="en-US" dirty="0" err="1" smtClean="0"/>
+              <a:t>toán</a:t>
+            </a:r>
+            <a:r>
+              <a:rPr lang="en-US" baseline="0" dirty="0" smtClean="0"/>
+              <a:t> </a:t>
+            </a:r>
+            <a:r>
+              <a:rPr lang="en-US" baseline="0" dirty="0" err="1" smtClean="0"/>
+              <a:t>sẽ</a:t>
+            </a:r>
+            <a:r>
+              <a:rPr lang="en-US" baseline="0" dirty="0" smtClean="0"/>
+              <a:t> </a:t>
+            </a:r>
+            <a:r>
+              <a:rPr lang="en-US" baseline="0" dirty="0" err="1" smtClean="0"/>
+              <a:t>liệt</a:t>
+            </a:r>
+            <a:r>
+              <a:rPr lang="en-US" baseline="0" dirty="0" smtClean="0"/>
+              <a:t> </a:t>
+            </a:r>
+            <a:r>
+              <a:rPr lang="en-US" baseline="0" dirty="0" err="1" smtClean="0"/>
+              <a:t>kê</a:t>
+            </a:r>
+            <a:r>
+              <a:rPr lang="en-US" baseline="0" dirty="0" smtClean="0"/>
+              <a:t> </a:t>
+            </a:r>
+            <a:r>
+              <a:rPr lang="en-US" baseline="0" dirty="0" err="1" smtClean="0"/>
+              <a:t>hết</a:t>
+            </a:r>
+            <a:r>
+              <a:rPr lang="en-US" baseline="0" dirty="0" smtClean="0"/>
+              <a:t> </a:t>
+            </a:r>
+            <a:r>
+              <a:rPr lang="en-US" baseline="0" dirty="0" err="1" smtClean="0"/>
+              <a:t>tất</a:t>
+            </a:r>
+            <a:r>
+              <a:rPr lang="en-US" baseline="0" dirty="0" smtClean="0"/>
+              <a:t> </a:t>
+            </a:r>
+            <a:r>
+              <a:rPr lang="en-US" baseline="0" dirty="0" err="1" smtClean="0"/>
+              <a:t>cả</a:t>
+            </a:r>
+            <a:r>
+              <a:rPr lang="en-US" baseline="0" dirty="0" smtClean="0"/>
+              <a:t> </a:t>
+            </a:r>
+            <a:r>
+              <a:rPr lang="en-US" baseline="0" dirty="0" err="1" smtClean="0"/>
+              <a:t>các</a:t>
+            </a:r>
+            <a:r>
+              <a:rPr lang="en-US" baseline="0" dirty="0" smtClean="0"/>
+              <a:t> </a:t>
+            </a:r>
+            <a:r>
+              <a:rPr lang="en-US" baseline="0" dirty="0" err="1" smtClean="0"/>
+              <a:t>trường</a:t>
+            </a:r>
+            <a:r>
+              <a:rPr lang="en-US" baseline="0" dirty="0" smtClean="0"/>
+              <a:t> </a:t>
+            </a:r>
+            <a:r>
+              <a:rPr lang="en-US" baseline="0" dirty="0" err="1" smtClean="0"/>
+              <a:t>hợp</a:t>
+            </a:r>
+            <a:r>
+              <a:rPr lang="en-US" baseline="0" dirty="0" smtClean="0"/>
+              <a:t> </a:t>
+            </a:r>
+            <a:r>
+              <a:rPr lang="en-US" baseline="0" dirty="0" err="1" smtClean="0"/>
+              <a:t>có</a:t>
+            </a:r>
+            <a:r>
+              <a:rPr lang="en-US" baseline="0" dirty="0" smtClean="0"/>
+              <a:t> </a:t>
+            </a:r>
+            <a:r>
+              <a:rPr lang="en-US" baseline="0" dirty="0" err="1" smtClean="0"/>
+              <a:t>thể</a:t>
+            </a:r>
+            <a:r>
+              <a:rPr lang="en-US" baseline="0" dirty="0" smtClean="0"/>
+              <a:t> </a:t>
+            </a:r>
+            <a:r>
+              <a:rPr lang="en-US" baseline="0" dirty="0" err="1" smtClean="0"/>
+              <a:t>gửi</a:t>
+            </a:r>
+            <a:r>
+              <a:rPr lang="en-US" baseline="0" dirty="0" smtClean="0"/>
+              <a:t> </a:t>
+            </a:r>
+            <a:r>
+              <a:rPr lang="en-US" baseline="0" dirty="0" err="1" smtClean="0"/>
+              <a:t>lên</a:t>
+            </a:r>
+            <a:r>
+              <a:rPr lang="en-US" baseline="0" dirty="0" smtClean="0"/>
+              <a:t> </a:t>
+            </a:r>
+            <a:r>
+              <a:rPr lang="en-US" baseline="0" dirty="0" err="1" smtClean="0"/>
+              <a:t>google</a:t>
+            </a:r>
+            <a:r>
+              <a:rPr lang="en-US" baseline="0" dirty="0" smtClean="0"/>
+              <a:t> API…</a:t>
+            </a:r>
+            <a:r>
+              <a:rPr lang="en-US" baseline="0" dirty="0" err="1" smtClean="0"/>
+              <a:t>sau</a:t>
+            </a:r>
+            <a:r>
+              <a:rPr lang="en-US" baseline="0" dirty="0" smtClean="0"/>
+              <a:t> </a:t>
+            </a:r>
+            <a:r>
+              <a:rPr lang="en-US" baseline="0" dirty="0" err="1" smtClean="0"/>
+              <a:t>đó</a:t>
+            </a:r>
+            <a:r>
+              <a:rPr lang="en-US" baseline="0" dirty="0" smtClean="0"/>
+              <a:t> </a:t>
+            </a:r>
+            <a:r>
+              <a:rPr lang="en-US" baseline="0" dirty="0" err="1" smtClean="0"/>
+              <a:t>xử</a:t>
+            </a:r>
+            <a:r>
+              <a:rPr lang="en-US" baseline="0" dirty="0" smtClean="0"/>
+              <a:t> </a:t>
+            </a:r>
+            <a:r>
+              <a:rPr lang="en-US" baseline="0" dirty="0" err="1" smtClean="0"/>
+              <a:t>lý</a:t>
+            </a:r>
+            <a:r>
+              <a:rPr lang="en-US" baseline="0" dirty="0" smtClean="0"/>
+              <a:t> </a:t>
+            </a:r>
+            <a:r>
+              <a:rPr lang="en-US" baseline="0" dirty="0" err="1" smtClean="0"/>
+              <a:t>nhưng</a:t>
+            </a:r>
+            <a:r>
+              <a:rPr lang="en-US" baseline="0" dirty="0" smtClean="0"/>
+              <a:t> </a:t>
+            </a:r>
+            <a:r>
+              <a:rPr lang="en-US" baseline="0" dirty="0" err="1" smtClean="0"/>
+              <a:t>kết</a:t>
+            </a:r>
+            <a:r>
+              <a:rPr lang="en-US" baseline="0" dirty="0" smtClean="0"/>
+              <a:t> </a:t>
+            </a:r>
+            <a:r>
+              <a:rPr lang="en-US" baseline="0" dirty="0" err="1" smtClean="0"/>
+              <a:t>quả</a:t>
+            </a:r>
+            <a:r>
+              <a:rPr lang="en-US" baseline="0" dirty="0" smtClean="0"/>
+              <a:t> </a:t>
+            </a:r>
+            <a:r>
+              <a:rPr lang="en-US" baseline="0" dirty="0" err="1" smtClean="0"/>
+              <a:t>đó</a:t>
+            </a:r>
+            <a:r>
+              <a:rPr lang="en-US" baseline="0" dirty="0" smtClean="0"/>
+              <a:t> </a:t>
+            </a:r>
+            <a:r>
+              <a:rPr lang="en-US" baseline="0" dirty="0" err="1" smtClean="0"/>
+              <a:t>để</a:t>
+            </a:r>
+            <a:r>
+              <a:rPr lang="en-US" baseline="0" dirty="0" smtClean="0"/>
+              <a:t> </a:t>
+            </a:r>
+            <a:r>
+              <a:rPr lang="en-US" baseline="0" dirty="0" err="1" smtClean="0"/>
+              <a:t>chọn</a:t>
+            </a:r>
+            <a:r>
+              <a:rPr lang="en-US" baseline="0" dirty="0" smtClean="0"/>
+              <a:t> </a:t>
+            </a:r>
+            <a:r>
+              <a:rPr lang="en-US" baseline="0" dirty="0" err="1" smtClean="0"/>
+              <a:t>ra</a:t>
             </a:r>
             <a:r>
               <a:rPr lang="en-US" baseline="0" dirty="0" smtClean="0"/>
@@ -1084,174 +1195,6 @@
             <a:r>
               <a:rPr lang="en-US" baseline="0" dirty="0" err="1" smtClean="0"/>
               <a:t>nhất</a:t>
-            </a:r>
-            <a:r>
-              <a:rPr lang="en-US" baseline="0" dirty="0" smtClean="0"/>
-              <a:t> </a:t>
-            </a:r>
-            <a:r>
-              <a:rPr lang="en-US" baseline="0" dirty="0" err="1" smtClean="0"/>
-              <a:t>này</a:t>
-            </a:r>
-            <a:r>
-              <a:rPr lang="en-US" baseline="0" dirty="0" smtClean="0"/>
-              <a:t>..</a:t>
-            </a:r>
-            <a:r>
-              <a:rPr lang="en-US" baseline="0" dirty="0" err="1" smtClean="0"/>
-              <a:t>chúng</a:t>
-            </a:r>
-            <a:r>
-              <a:rPr lang="en-US" baseline="0" dirty="0" smtClean="0"/>
-              <a:t> </a:t>
-            </a:r>
-            <a:r>
-              <a:rPr lang="en-US" baseline="0" dirty="0" err="1" smtClean="0"/>
-              <a:t>tôi</a:t>
-            </a:r>
-            <a:r>
-              <a:rPr lang="en-US" baseline="0" dirty="0" smtClean="0"/>
-              <a:t> </a:t>
-            </a:r>
-            <a:r>
-              <a:rPr lang="en-US" baseline="0" dirty="0" err="1" smtClean="0"/>
-              <a:t>tạo</a:t>
-            </a:r>
-            <a:r>
-              <a:rPr lang="en-US" baseline="0" dirty="0" smtClean="0"/>
-              <a:t> </a:t>
-            </a:r>
-            <a:r>
-              <a:rPr lang="en-US" baseline="0" dirty="0" err="1" smtClean="0"/>
-              <a:t>ra</a:t>
-            </a:r>
-            <a:r>
-              <a:rPr lang="en-US" baseline="0" dirty="0" smtClean="0"/>
-              <a:t> </a:t>
-            </a:r>
-            <a:r>
-              <a:rPr lang="en-US" baseline="0" dirty="0" err="1" smtClean="0"/>
-              <a:t>một</a:t>
-            </a:r>
-            <a:r>
-              <a:rPr lang="en-US" baseline="0" dirty="0" smtClean="0"/>
-              <a:t> class step </a:t>
-            </a:r>
-            <a:r>
-              <a:rPr lang="en-US" baseline="0" dirty="0" err="1" smtClean="0"/>
-              <a:t>để</a:t>
-            </a:r>
-            <a:r>
-              <a:rPr lang="en-US" baseline="0" dirty="0" smtClean="0"/>
-              <a:t> </a:t>
-            </a:r>
-            <a:r>
-              <a:rPr lang="en-US" baseline="0" dirty="0" err="1" smtClean="0"/>
-              <a:t>chứa</a:t>
-            </a:r>
-            <a:r>
-              <a:rPr lang="en-US" baseline="0" dirty="0" smtClean="0"/>
-              <a:t> </a:t>
-            </a:r>
-            <a:r>
-              <a:rPr lang="en-US" baseline="0" dirty="0" err="1" smtClean="0"/>
-              <a:t>các</a:t>
-            </a:r>
-            <a:r>
-              <a:rPr lang="en-US" baseline="0" dirty="0" smtClean="0"/>
-              <a:t> </a:t>
-            </a:r>
-            <a:r>
-              <a:rPr lang="en-US" baseline="0" dirty="0" err="1" smtClean="0"/>
-              <a:t>hướng</a:t>
-            </a:r>
-            <a:r>
-              <a:rPr lang="en-US" baseline="0" dirty="0" smtClean="0"/>
-              <a:t> </a:t>
-            </a:r>
-            <a:r>
-              <a:rPr lang="en-US" baseline="0" dirty="0" err="1" smtClean="0"/>
-              <a:t>dẫn</a:t>
-            </a:r>
-            <a:r>
-              <a:rPr lang="en-US" baseline="0" dirty="0" smtClean="0"/>
-              <a:t>.. </a:t>
-            </a:r>
-            <a:r>
-              <a:rPr lang="en-US" baseline="0" dirty="0" err="1" smtClean="0"/>
-              <a:t>Và</a:t>
-            </a:r>
-            <a:r>
-              <a:rPr lang="en-US" baseline="0" dirty="0" smtClean="0"/>
-              <a:t> </a:t>
-            </a:r>
-            <a:r>
-              <a:rPr lang="en-US" baseline="0" dirty="0" err="1" smtClean="0"/>
-              <a:t>một</a:t>
-            </a:r>
-            <a:r>
-              <a:rPr lang="en-US" baseline="0" dirty="0" smtClean="0"/>
-              <a:t> leg. </a:t>
-            </a:r>
-            <a:r>
-              <a:rPr lang="en-US" baseline="0" dirty="0" err="1" smtClean="0"/>
-              <a:t>Để</a:t>
-            </a:r>
-            <a:r>
-              <a:rPr lang="en-US" baseline="0" dirty="0" smtClean="0"/>
-              <a:t> </a:t>
-            </a:r>
-            <a:r>
-              <a:rPr lang="en-US" baseline="0" dirty="0" err="1" smtClean="0"/>
-              <a:t>chứa</a:t>
-            </a:r>
-            <a:r>
-              <a:rPr lang="en-US" baseline="0" dirty="0" smtClean="0"/>
-              <a:t> </a:t>
-            </a:r>
-            <a:r>
-              <a:rPr lang="en-US" baseline="0" dirty="0" err="1" smtClean="0"/>
-              <a:t>kết</a:t>
-            </a:r>
-            <a:r>
-              <a:rPr lang="en-US" baseline="0" dirty="0" smtClean="0"/>
-              <a:t> </a:t>
-            </a:r>
-            <a:r>
-              <a:rPr lang="en-US" baseline="0" dirty="0" err="1" smtClean="0"/>
-              <a:t>quả</a:t>
-            </a:r>
-            <a:r>
-              <a:rPr lang="en-US" baseline="0" dirty="0" smtClean="0"/>
-              <a:t> </a:t>
-            </a:r>
-            <a:r>
-              <a:rPr lang="en-US" baseline="0" dirty="0" err="1" smtClean="0"/>
-              <a:t>đường</a:t>
-            </a:r>
-            <a:r>
-              <a:rPr lang="en-US" baseline="0" dirty="0" smtClean="0"/>
-              <a:t> </a:t>
-            </a:r>
-            <a:r>
-              <a:rPr lang="en-US" baseline="0" dirty="0" err="1" smtClean="0"/>
-              <a:t>đi</a:t>
-            </a:r>
-            <a:r>
-              <a:rPr lang="en-US" baseline="0" dirty="0" smtClean="0"/>
-              <a:t> </a:t>
-            </a:r>
-            <a:r>
-              <a:rPr lang="en-US" baseline="0" dirty="0" err="1" smtClean="0"/>
-              <a:t>của</a:t>
-            </a:r>
-            <a:r>
-              <a:rPr lang="en-US" baseline="0" dirty="0" smtClean="0"/>
-              <a:t> 2 </a:t>
-            </a:r>
-            <a:r>
-              <a:rPr lang="en-US" baseline="0" dirty="0" err="1" smtClean="0"/>
-              <a:t>điểm</a:t>
             </a:r>
             <a:r>
               <a:rPr lang="en-US" baseline="0" dirty="0" smtClean="0"/>
@@ -1287,7 +1230,7 @@
     </p:spTree>
     <p:extLst>
       <p:ext uri="{BB962C8B-B14F-4D97-AF65-F5344CB8AC3E}">
-        <p14:creationId xmlns:p14="http://schemas.microsoft.com/office/powerpoint/2010/main" val="1562744946"/>
+        <p14:creationId xmlns:p14="http://schemas.microsoft.com/office/powerpoint/2010/main" val="3301532269"/>
       </p:ext>
     </p:extLst>
   </p:cSld>
@@ -1343,7 +1286,71 @@
           <a:p>
             <a:r>
               <a:rPr lang="en-US" dirty="0" err="1" smtClean="0"/>
-              <a:t>Chúng</a:t>
+              <a:t>Để</a:t>
+            </a:r>
+            <a:r>
+              <a:rPr lang="en-US" baseline="0" dirty="0" smtClean="0"/>
+              <a:t> </a:t>
+            </a:r>
+            <a:r>
+              <a:rPr lang="en-US" baseline="0" dirty="0" err="1" smtClean="0"/>
+              <a:t>hiển</a:t>
+            </a:r>
+            <a:r>
+              <a:rPr lang="en-US" baseline="0" dirty="0" smtClean="0"/>
+              <a:t> </a:t>
+            </a:r>
+            <a:r>
+              <a:rPr lang="en-US" baseline="0" dirty="0" err="1" smtClean="0"/>
+              <a:t>thị</a:t>
+            </a:r>
+            <a:r>
+              <a:rPr lang="en-US" baseline="0" dirty="0" smtClean="0"/>
+              <a:t> </a:t>
+            </a:r>
+            <a:r>
+              <a:rPr lang="en-US" baseline="0" dirty="0" err="1" smtClean="0"/>
+              <a:t>đường</a:t>
+            </a:r>
+            <a:r>
+              <a:rPr lang="en-US" baseline="0" dirty="0" smtClean="0"/>
+              <a:t> </a:t>
+            </a:r>
+            <a:r>
+              <a:rPr lang="en-US" baseline="0" dirty="0" err="1" smtClean="0"/>
+              <a:t>đi</a:t>
+            </a:r>
+            <a:r>
+              <a:rPr lang="en-US" baseline="0" dirty="0" smtClean="0"/>
+              <a:t> </a:t>
+            </a:r>
+            <a:r>
+              <a:rPr lang="en-US" baseline="0" dirty="0" err="1" smtClean="0"/>
+              <a:t>tốt</a:t>
+            </a:r>
+            <a:r>
+              <a:rPr lang="en-US" baseline="0" dirty="0" smtClean="0"/>
+              <a:t> </a:t>
+            </a:r>
+            <a:r>
+              <a:rPr lang="en-US" baseline="0" dirty="0" err="1" smtClean="0"/>
+              <a:t>nhất</a:t>
+            </a:r>
+            <a:r>
+              <a:rPr lang="en-US" baseline="0" dirty="0" smtClean="0"/>
+              <a:t> </a:t>
+            </a:r>
+            <a:r>
+              <a:rPr lang="en-US" baseline="0" dirty="0" err="1" smtClean="0"/>
+              <a:t>này</a:t>
+            </a:r>
+            <a:r>
+              <a:rPr lang="en-US" baseline="0" dirty="0" smtClean="0"/>
+              <a:t>..</a:t>
+            </a:r>
+            <a:r>
+              <a:rPr lang="en-US" baseline="0" dirty="0" err="1" smtClean="0"/>
+              <a:t>chúng</a:t>
             </a:r>
             <a:r>
               <a:rPr lang="en-US" baseline="0" dirty="0" smtClean="0"/>
@@ -1359,27 +1366,139 @@
             </a:r>
             <a:r>
               <a:rPr lang="en-US" baseline="0" dirty="0" err="1" smtClean="0"/>
-              <a:t>sẽ</a:t>
-            </a:r>
-            <a:r>
-              <a:rPr lang="en-US" baseline="0" dirty="0" smtClean="0"/>
-              <a:t> </a:t>
-            </a:r>
-            <a:r>
-              <a:rPr lang="en-US" baseline="0" dirty="0" err="1" smtClean="0"/>
-              <a:t>bắt</a:t>
-            </a:r>
-            <a:r>
-              <a:rPr lang="en-US" baseline="0" dirty="0" smtClean="0"/>
-              <a:t> </a:t>
-            </a:r>
-            <a:r>
-              <a:rPr lang="en-US" baseline="0" dirty="0" err="1" smtClean="0"/>
-              <a:t>đầu</a:t>
-            </a:r>
-            <a:r>
-              <a:rPr lang="en-US" baseline="0" dirty="0" smtClean="0"/>
-              <a:t> demo 4 </a:t>
+              <a:t>tạo</a:t>
+            </a:r>
+            <a:r>
+              <a:rPr lang="en-US" baseline="0" dirty="0" smtClean="0"/>
+              <a:t> </a:t>
+            </a:r>
+            <a:r>
+              <a:rPr lang="en-US" baseline="0" dirty="0" err="1" smtClean="0"/>
+              <a:t>ra</a:t>
+            </a:r>
+            <a:r>
+              <a:rPr lang="en-US" baseline="0" dirty="0" smtClean="0"/>
+              <a:t> </a:t>
+            </a:r>
+            <a:r>
+              <a:rPr lang="en-US" baseline="0" dirty="0" err="1" smtClean="0"/>
+              <a:t>một</a:t>
+            </a:r>
+            <a:r>
+              <a:rPr lang="en-US" baseline="0" dirty="0" smtClean="0"/>
+              <a:t> class step </a:t>
+            </a:r>
+            <a:r>
+              <a:rPr lang="en-US" baseline="0" dirty="0" err="1" smtClean="0"/>
+              <a:t>để</a:t>
+            </a:r>
+            <a:r>
+              <a:rPr lang="en-US" baseline="0" dirty="0" smtClean="0"/>
+              <a:t> </a:t>
+            </a:r>
+            <a:r>
+              <a:rPr lang="en-US" baseline="0" dirty="0" err="1" smtClean="0"/>
+              <a:t>chứa</a:t>
+            </a:r>
+            <a:r>
+              <a:rPr lang="en-US" baseline="0" dirty="0" smtClean="0"/>
+              <a:t> </a:t>
+            </a:r>
+            <a:r>
+              <a:rPr lang="en-US" baseline="0" dirty="0" err="1" smtClean="0"/>
+              <a:t>các</a:t>
+            </a:r>
+            <a:r>
+              <a:rPr lang="en-US" baseline="0" dirty="0" smtClean="0"/>
+              <a:t> </a:t>
+            </a:r>
+            <a:r>
+              <a:rPr lang="en-US" baseline="0" dirty="0" err="1" smtClean="0"/>
+              <a:t>hướng</a:t>
+            </a:r>
+            <a:r>
+              <a:rPr lang="en-US" baseline="0" dirty="0" smtClean="0"/>
+              <a:t> </a:t>
+            </a:r>
+            <a:r>
+              <a:rPr lang="en-US" baseline="0" dirty="0" err="1" smtClean="0"/>
+              <a:t>dẫn</a:t>
+            </a:r>
+            <a:r>
+              <a:rPr lang="en-US" baseline="0" dirty="0" smtClean="0"/>
+              <a:t>.. </a:t>
+            </a:r>
+            <a:r>
+              <a:rPr lang="en-US" baseline="0" dirty="0" err="1" smtClean="0"/>
+              <a:t>Và</a:t>
+            </a:r>
+            <a:r>
+              <a:rPr lang="en-US" baseline="0" dirty="0" smtClean="0"/>
+              <a:t> </a:t>
+            </a:r>
+            <a:r>
+              <a:rPr lang="en-US" baseline="0" dirty="0" err="1" smtClean="0"/>
+              <a:t>một</a:t>
+            </a:r>
+            <a:r>
+              <a:rPr lang="en-US" baseline="0" dirty="0" smtClean="0"/>
+              <a:t> leg. </a:t>
+            </a:r>
+            <a:r>
+              <a:rPr lang="en-US" baseline="0" dirty="0" err="1" smtClean="0"/>
+              <a:t>Để</a:t>
+            </a:r>
+            <a:r>
+              <a:rPr lang="en-US" baseline="0" dirty="0" smtClean="0"/>
+              <a:t> </a:t>
+            </a:r>
+            <a:r>
+              <a:rPr lang="en-US" baseline="0" dirty="0" err="1" smtClean="0"/>
+              <a:t>chứa</a:t>
+            </a:r>
+            <a:r>
+              <a:rPr lang="en-US" baseline="0" dirty="0" smtClean="0"/>
+              <a:t> </a:t>
+            </a:r>
+            <a:r>
+              <a:rPr lang="en-US" baseline="0" dirty="0" err="1" smtClean="0"/>
+              <a:t>kết</a:t>
+            </a:r>
+            <a:r>
+              <a:rPr lang="en-US" baseline="0" dirty="0" smtClean="0"/>
+              <a:t> </a:t>
+            </a:r>
+            <a:r>
+              <a:rPr lang="en-US" baseline="0" dirty="0" err="1" smtClean="0"/>
+              <a:t>quả</a:t>
+            </a:r>
+            <a:r>
+              <a:rPr lang="en-US" baseline="0" dirty="0" smtClean="0"/>
+              <a:t> </a:t>
+            </a:r>
+            <a:r>
+              <a:rPr lang="en-US" baseline="0" dirty="0" err="1" smtClean="0"/>
+              <a:t>đường</a:t>
+            </a:r>
+            <a:r>
+              <a:rPr lang="en-US" baseline="0" dirty="0" smtClean="0"/>
+              <a:t> </a:t>
+            </a:r>
+            <a:r>
+              <a:rPr lang="en-US" baseline="0" dirty="0" err="1" smtClean="0"/>
+              <a:t>đi</a:t>
+            </a:r>
+            <a:r>
+              <a:rPr lang="en-US" baseline="0" dirty="0" smtClean="0"/>
+              <a:t> </a:t>
+            </a:r>
+            <a:r>
+              <a:rPr lang="en-US" baseline="0" dirty="0" err="1" smtClean="0"/>
+              <a:t>của</a:t>
+            </a:r>
+            <a:r>
+              <a:rPr lang="en-US" baseline="0" dirty="0" smtClean="0"/>
+              <a:t> 2 </a:t>
             </a:r>
             <a:r>
               <a:rPr lang="en-US" baseline="0" dirty="0" err="1" smtClean="0"/>
@@ -1387,133 +1506,7 @@
             </a:r>
             <a:r>
               <a:rPr lang="en-US" baseline="0" dirty="0" smtClean="0"/>
-              <a:t> </a:t>
-            </a:r>
-            <a:r>
-              <a:rPr lang="en-US" baseline="0" dirty="0" err="1" smtClean="0"/>
-              <a:t>xe</a:t>
-            </a:r>
-            <a:r>
-              <a:rPr lang="en-US" baseline="0" dirty="0" smtClean="0"/>
-              <a:t> </a:t>
-            </a:r>
-            <a:r>
-              <a:rPr lang="en-US" baseline="0" dirty="0" err="1" smtClean="0"/>
-              <a:t>máy</a:t>
-            </a:r>
-            <a:r>
-              <a:rPr lang="en-US" baseline="0" dirty="0" smtClean="0"/>
-              <a:t> </a:t>
-            </a:r>
-            <a:r>
-              <a:rPr lang="en-US" baseline="0" dirty="0" err="1" smtClean="0"/>
-              <a:t>tối</a:t>
-            </a:r>
-            <a:r>
-              <a:rPr lang="en-US" baseline="0" dirty="0" smtClean="0"/>
-              <a:t> </a:t>
-            </a:r>
-            <a:r>
-              <a:rPr lang="en-US" baseline="0" dirty="0" err="1" smtClean="0"/>
-              <a:t>ưu</a:t>
-            </a:r>
-            <a:r>
-              <a:rPr lang="en-US" baseline="0" dirty="0" smtClean="0"/>
-              <a:t> </a:t>
-            </a:r>
-            <a:r>
-              <a:rPr lang="en-US" baseline="0" dirty="0" err="1" smtClean="0"/>
-              <a:t>với</a:t>
-            </a:r>
-            <a:r>
-              <a:rPr lang="en-US" baseline="0" dirty="0" smtClean="0"/>
-              <a:t> </a:t>
-            </a:r>
-            <a:r>
-              <a:rPr lang="en-US" baseline="0" dirty="0" err="1" smtClean="0"/>
-              <a:t>thứ</a:t>
-            </a:r>
-            <a:r>
-              <a:rPr lang="en-US" baseline="0" dirty="0" smtClean="0"/>
-              <a:t> </a:t>
-            </a:r>
-            <a:r>
-              <a:rPr lang="en-US" baseline="0" dirty="0" err="1" smtClean="0"/>
-              <a:t>tự</a:t>
-            </a:r>
-            <a:r>
-              <a:rPr lang="en-US" baseline="0" dirty="0" smtClean="0"/>
-              <a:t> </a:t>
-            </a:r>
-            <a:r>
-              <a:rPr lang="en-US" baseline="0" dirty="0" err="1" smtClean="0"/>
-              <a:t>các</a:t>
-            </a:r>
-            <a:r>
-              <a:rPr lang="en-US" baseline="0" dirty="0" smtClean="0"/>
-              <a:t> </a:t>
-            </a:r>
-            <a:r>
-              <a:rPr lang="en-US" baseline="0" dirty="0" err="1" smtClean="0"/>
-              <a:t>điểm</a:t>
-            </a:r>
-            <a:r>
-              <a:rPr lang="en-US" baseline="0" dirty="0" smtClean="0"/>
-              <a:t> </a:t>
-            </a:r>
-            <a:r>
-              <a:rPr lang="en-US" baseline="0" dirty="0" err="1" smtClean="0"/>
-              <a:t>như</a:t>
-            </a:r>
-            <a:r>
-              <a:rPr lang="en-US" baseline="0" dirty="0" smtClean="0"/>
-              <a:t> </a:t>
-            </a:r>
-            <a:r>
-              <a:rPr lang="en-US" baseline="0" dirty="0" err="1" smtClean="0"/>
-              <a:t>trình</a:t>
-            </a:r>
-            <a:r>
-              <a:rPr lang="en-US" baseline="0" dirty="0" smtClean="0"/>
-              <a:t> </a:t>
-            </a:r>
-            <a:r>
-              <a:rPr lang="en-US" baseline="0" dirty="0" err="1" smtClean="0"/>
-              <a:t>bày</a:t>
-            </a:r>
-            <a:r>
-              <a:rPr lang="en-US" baseline="0" dirty="0" smtClean="0"/>
-              <a:t>:</a:t>
-            </a:r>
-          </a:p>
-          <a:p>
-            <a:r>
-              <a:rPr lang="en-US" baseline="0" dirty="0" smtClean="0"/>
-              <a:t>(</a:t>
-            </a:r>
-            <a:r>
-              <a:rPr lang="en-US" baseline="0" dirty="0" err="1" smtClean="0"/>
-              <a:t>bật</a:t>
-            </a:r>
-            <a:r>
-              <a:rPr lang="en-US" baseline="0" dirty="0" smtClean="0"/>
-              <a:t> </a:t>
-            </a:r>
-            <a:r>
-              <a:rPr lang="en-US" baseline="0" dirty="0" err="1" smtClean="0"/>
-              <a:t>thiệt</a:t>
-            </a:r>
-            <a:r>
-              <a:rPr lang="en-US" baseline="0" dirty="0" smtClean="0"/>
-              <a:t> </a:t>
-            </a:r>
-            <a:r>
-              <a:rPr lang="en-US" baseline="0" dirty="0" err="1" smtClean="0"/>
-              <a:t>bị</a:t>
-            </a:r>
-            <a:r>
-              <a:rPr lang="en-US" baseline="0" dirty="0" smtClean="0"/>
-              <a:t> demo) </a:t>
+              <a:t>.</a:t>
             </a:r>
             <a:endParaRPr lang="en-US" dirty="0"/>
           </a:p>
@@ -1536,7 +1529,265 @@
           <a:p>
             <a:fld id="{2599C3E7-3278-1243-886F-92FF82204DB1}" type="slidenum">
               <a:rPr lang="en-US" smtClean="0"/>
-              <a:t>27</a:t>
+              <a:t>14</a:t>
+            </a:fld>
+            <a:endParaRPr lang="en-US"/>
+          </a:p>
+        </p:txBody>
+      </p:sp>
+    </p:spTree>
+    <p:extLst>
+      <p:ext uri="{BB962C8B-B14F-4D97-AF65-F5344CB8AC3E}">
+        <p14:creationId xmlns:p14="http://schemas.microsoft.com/office/powerpoint/2010/main" val="1562744946"/>
+      </p:ext>
+    </p:extLst>
+  </p:cSld>
+  <p:clrMapOvr>
+    <a:masterClrMapping/>
+  </p:clrMapOvr>
+</p:notes>
+</file>
+
+<file path=ppt/notesSlides/notesSlide13.xml><?xml version="1.0" encoding="utf-8"?>
+<p:notes xmlns:a="http://schemas.openxmlformats.org/drawingml/2006/main" xmlns:r="http://schemas.openxmlformats.org/officeDocument/2006/relationships" xmlns:p="http://schemas.openxmlformats.org/presentationml/2006/main">
+  <p:cSld>
+    <p:spTree>
+      <p:nvGrpSpPr>
+        <p:cNvPr id="1" name=""/>
+        <p:cNvGrpSpPr/>
+        <p:nvPr/>
+      </p:nvGrpSpPr>
+      <p:grpSpPr>
+        <a:xfrm>
+          <a:off x="0" y="0"/>
+          <a:ext cx="0" cy="0"/>
+          <a:chOff x="0" y="0"/>
+          <a:chExt cx="0" cy="0"/>
+        </a:xfrm>
+      </p:grpSpPr>
+      <p:sp>
+        <p:nvSpPr>
+          <p:cNvPr id="2" name="Slide Image Placeholder 1"/>
+          <p:cNvSpPr>
+            <a:spLocks noGrp="1" noRot="1" noChangeAspect="1"/>
+          </p:cNvSpPr>
+          <p:nvPr>
+            <p:ph type="sldImg"/>
+          </p:nvPr>
+        </p:nvSpPr>
+        <p:spPr/>
+      </p:sp>
+      <p:sp>
+        <p:nvSpPr>
+          <p:cNvPr id="3" name="Notes Placeholder 2"/>
+          <p:cNvSpPr>
+            <a:spLocks noGrp="1"/>
+          </p:cNvSpPr>
+          <p:nvPr>
+            <p:ph type="body" idx="1"/>
+          </p:nvPr>
+        </p:nvSpPr>
+        <p:spPr/>
+        <p:txBody>
+          <a:bodyPr/>
+          <a:lstStyle/>
+          <a:p>
+            <a:r>
+              <a:rPr lang="en-US" dirty="0" err="1" smtClean="0"/>
+              <a:t>Chúng</a:t>
+            </a:r>
+            <a:r>
+              <a:rPr lang="en-US" baseline="0" dirty="0" smtClean="0"/>
+              <a:t> </a:t>
+            </a:r>
+            <a:r>
+              <a:rPr lang="en-US" baseline="0" dirty="0" err="1" smtClean="0"/>
+              <a:t>tôi</a:t>
+            </a:r>
+            <a:r>
+              <a:rPr lang="en-US" baseline="0" dirty="0" smtClean="0"/>
+              <a:t> </a:t>
+            </a:r>
+            <a:r>
+              <a:rPr lang="en-US" baseline="0" dirty="0" err="1" smtClean="0"/>
+              <a:t>sẽ</a:t>
+            </a:r>
+            <a:r>
+              <a:rPr lang="en-US" baseline="0" dirty="0" smtClean="0"/>
+              <a:t> </a:t>
+            </a:r>
+            <a:r>
+              <a:rPr lang="en-US" baseline="0" dirty="0" err="1" smtClean="0"/>
+              <a:t>bắt</a:t>
+            </a:r>
+            <a:r>
+              <a:rPr lang="en-US" baseline="0" dirty="0" smtClean="0"/>
+              <a:t> </a:t>
+            </a:r>
+            <a:r>
+              <a:rPr lang="en-US" baseline="0" dirty="0" err="1" smtClean="0"/>
+              <a:t>đầu</a:t>
+            </a:r>
+            <a:r>
+              <a:rPr lang="en-US" baseline="0" dirty="0" smtClean="0"/>
+              <a:t> demo 4 </a:t>
+            </a:r>
+            <a:r>
+              <a:rPr lang="en-US" baseline="0" dirty="0" err="1" smtClean="0"/>
+              <a:t>điểm</a:t>
+            </a:r>
+            <a:r>
+              <a:rPr lang="en-US" baseline="0" dirty="0" smtClean="0"/>
+              <a:t> </a:t>
+            </a:r>
+            <a:r>
+              <a:rPr lang="en-US" baseline="0" dirty="0" err="1" smtClean="0"/>
+              <a:t>xe</a:t>
+            </a:r>
+            <a:r>
+              <a:rPr lang="en-US" baseline="0" dirty="0" smtClean="0"/>
+              <a:t> </a:t>
+            </a:r>
+            <a:r>
+              <a:rPr lang="en-US" baseline="0" dirty="0" err="1" smtClean="0"/>
+              <a:t>máy</a:t>
+            </a:r>
+            <a:r>
+              <a:rPr lang="en-US" baseline="0" dirty="0" smtClean="0"/>
+              <a:t> </a:t>
+            </a:r>
+            <a:r>
+              <a:rPr lang="en-US" baseline="0" dirty="0" err="1" smtClean="0"/>
+              <a:t>tối</a:t>
+            </a:r>
+            <a:r>
+              <a:rPr lang="en-US" baseline="0" dirty="0" smtClean="0"/>
+              <a:t> </a:t>
+            </a:r>
+            <a:r>
+              <a:rPr lang="en-US" baseline="0" dirty="0" err="1" smtClean="0"/>
+              <a:t>ưu</a:t>
+            </a:r>
+            <a:r>
+              <a:rPr lang="en-US" baseline="0" dirty="0" smtClean="0"/>
+              <a:t> </a:t>
+            </a:r>
+            <a:r>
+              <a:rPr lang="en-US" baseline="0" dirty="0" err="1" smtClean="0"/>
+              <a:t>với</a:t>
+            </a:r>
+            <a:r>
+              <a:rPr lang="en-US" baseline="0" dirty="0" smtClean="0"/>
+              <a:t> </a:t>
+            </a:r>
+            <a:r>
+              <a:rPr lang="en-US" baseline="0" dirty="0" err="1" smtClean="0"/>
+              <a:t>thứ</a:t>
+            </a:r>
+            <a:r>
+              <a:rPr lang="en-US" baseline="0" dirty="0" smtClean="0"/>
+              <a:t> </a:t>
+            </a:r>
+            <a:r>
+              <a:rPr lang="en-US" baseline="0" dirty="0" err="1" smtClean="0"/>
+              <a:t>tự</a:t>
+            </a:r>
+            <a:r>
+              <a:rPr lang="en-US" baseline="0" dirty="0" smtClean="0"/>
+              <a:t> </a:t>
+            </a:r>
+            <a:r>
+              <a:rPr lang="en-US" baseline="0" dirty="0" err="1" smtClean="0"/>
+              <a:t>các</a:t>
+            </a:r>
+            <a:r>
+              <a:rPr lang="en-US" baseline="0" dirty="0" smtClean="0"/>
+              <a:t> </a:t>
+            </a:r>
+            <a:r>
+              <a:rPr lang="en-US" baseline="0" dirty="0" err="1" smtClean="0"/>
+              <a:t>điểm</a:t>
+            </a:r>
+            <a:r>
+              <a:rPr lang="en-US" baseline="0" dirty="0" smtClean="0"/>
+              <a:t> </a:t>
+            </a:r>
+            <a:r>
+              <a:rPr lang="en-US" baseline="0" dirty="0" err="1" smtClean="0"/>
+              <a:t>như</a:t>
+            </a:r>
+            <a:r>
+              <a:rPr lang="en-US" baseline="0" dirty="0" smtClean="0"/>
+              <a:t> </a:t>
+            </a:r>
+            <a:r>
+              <a:rPr lang="en-US" baseline="0" dirty="0" err="1" smtClean="0"/>
+              <a:t>trình</a:t>
+            </a:r>
+            <a:r>
+              <a:rPr lang="en-US" baseline="0" dirty="0" smtClean="0"/>
+              <a:t> </a:t>
+            </a:r>
+            <a:r>
+              <a:rPr lang="en-US" baseline="0" dirty="0" err="1" smtClean="0"/>
+              <a:t>bày</a:t>
+            </a:r>
+            <a:r>
+              <a:rPr lang="en-US" baseline="0" dirty="0" smtClean="0"/>
+              <a:t>:</a:t>
+            </a:r>
+          </a:p>
+          <a:p>
+            <a:r>
+              <a:rPr lang="en-US" baseline="0" dirty="0" smtClean="0"/>
+              <a:t>(</a:t>
+            </a:r>
+            <a:r>
+              <a:rPr lang="en-US" baseline="0" dirty="0" err="1" smtClean="0"/>
+              <a:t>bật</a:t>
+            </a:r>
+            <a:r>
+              <a:rPr lang="en-US" baseline="0" dirty="0" smtClean="0"/>
+              <a:t> </a:t>
+            </a:r>
+            <a:r>
+              <a:rPr lang="en-US" baseline="0" dirty="0" err="1" smtClean="0"/>
+              <a:t>thiệt</a:t>
+            </a:r>
+            <a:r>
+              <a:rPr lang="en-US" baseline="0" dirty="0" smtClean="0"/>
+              <a:t> </a:t>
+            </a:r>
+            <a:r>
+              <a:rPr lang="en-US" baseline="0" dirty="0" err="1" smtClean="0"/>
+              <a:t>bị</a:t>
+            </a:r>
+            <a:r>
+              <a:rPr lang="en-US" baseline="0" dirty="0" smtClean="0"/>
+              <a:t> demo) </a:t>
+            </a:r>
+            <a:endParaRPr lang="en-US" dirty="0"/>
+          </a:p>
+        </p:txBody>
+      </p:sp>
+      <p:sp>
+        <p:nvSpPr>
+          <p:cNvPr id="4" name="Slide Number Placeholder 3"/>
+          <p:cNvSpPr>
+            <a:spLocks noGrp="1"/>
+          </p:cNvSpPr>
+          <p:nvPr>
+            <p:ph type="sldNum" sz="quarter" idx="10"/>
+          </p:nvPr>
+        </p:nvSpPr>
+        <p:spPr/>
+        <p:txBody>
+          <a:bodyPr/>
+          <a:lstStyle/>
+          <a:p>
+            <a:fld id="{2599C3E7-3278-1243-886F-92FF82204DB1}" type="slidenum">
+              <a:rPr lang="en-US" smtClean="0"/>
+              <a:t>28</a:t>
             </a:fld>
             <a:endParaRPr lang="en-US"/>
           </a:p>
@@ -1733,19 +1984,11 @@
           <a:p>
             <a:r>
               <a:rPr lang="en-US" dirty="0" err="1" smtClean="0"/>
-              <a:t>Hôm</a:t>
-            </a:r>
-            <a:r>
-              <a:rPr lang="en-US" baseline="0" dirty="0" smtClean="0"/>
-              <a:t> nay </a:t>
-            </a:r>
-            <a:r>
-              <a:rPr lang="en-US" baseline="0" dirty="0" err="1" smtClean="0"/>
-              <a:t>nhà</a:t>
-            </a:r>
-            <a:r>
-              <a:rPr lang="en-US" baseline="0" dirty="0" smtClean="0"/>
-              <a:t> 3 </a:t>
+              <a:t>Nhà</a:t>
+            </a:r>
+            <a:r>
+              <a:rPr lang="en-US" baseline="0" dirty="0" smtClean="0"/>
+              <a:t> 4 </a:t>
             </a:r>
             <a:r>
               <a:rPr lang="en-US" baseline="0" dirty="0" err="1" smtClean="0"/>
@@ -1753,151 +1996,39 @@
             </a:r>
             <a:r>
               <a:rPr lang="en-US" baseline="0" dirty="0" smtClean="0"/>
-              <a:t> </a:t>
-            </a:r>
-            <a:r>
-              <a:rPr lang="en-US" baseline="0" dirty="0" err="1" smtClean="0"/>
-              <a:t>của</a:t>
-            </a:r>
-            <a:r>
-              <a:rPr lang="en-US" baseline="0" dirty="0" smtClean="0"/>
-              <a:t> </a:t>
-            </a:r>
-            <a:r>
-              <a:rPr lang="en-US" baseline="0" dirty="0" err="1" smtClean="0"/>
-              <a:t>Ngoan</a:t>
-            </a:r>
-            <a:r>
-              <a:rPr lang="en-US" baseline="0" dirty="0" smtClean="0"/>
-              <a:t> </a:t>
-            </a:r>
-            <a:r>
-              <a:rPr lang="en-US" baseline="0" dirty="0" err="1" smtClean="0"/>
-              <a:t>có</a:t>
-            </a:r>
-            <a:r>
-              <a:rPr lang="en-US" baseline="0" dirty="0" smtClean="0"/>
-              <a:t> </a:t>
-            </a:r>
-            <a:r>
-              <a:rPr lang="en-US" baseline="0" dirty="0" err="1" smtClean="0"/>
-              <a:t>tiệc</a:t>
-            </a:r>
-            <a:r>
-              <a:rPr lang="en-US" baseline="0" dirty="0" smtClean="0"/>
-              <a:t> </a:t>
-            </a:r>
-            <a:r>
-              <a:rPr lang="en-US" baseline="0" dirty="0" err="1" smtClean="0"/>
-              <a:t>và</a:t>
-            </a:r>
-            <a:r>
-              <a:rPr lang="en-US" baseline="0" dirty="0" smtClean="0"/>
-              <a:t> </a:t>
-            </a:r>
-            <a:r>
-              <a:rPr lang="en-US" baseline="0" dirty="0" err="1" smtClean="0"/>
-              <a:t>ngoan</a:t>
-            </a:r>
-            <a:r>
-              <a:rPr lang="en-US" baseline="0" dirty="0" smtClean="0"/>
-              <a:t> </a:t>
-            </a:r>
-            <a:r>
-              <a:rPr lang="en-US" baseline="0" dirty="0" err="1" smtClean="0"/>
-              <a:t>muốn</a:t>
-            </a:r>
-            <a:r>
-              <a:rPr lang="en-US" baseline="0" dirty="0" smtClean="0"/>
-              <a:t> </a:t>
-            </a:r>
-            <a:r>
-              <a:rPr lang="en-US" baseline="0" dirty="0" err="1" smtClean="0"/>
-              <a:t>tìm</a:t>
-            </a:r>
-            <a:r>
-              <a:rPr lang="en-US" baseline="0" dirty="0" smtClean="0"/>
-              <a:t> </a:t>
-            </a:r>
-            <a:r>
-              <a:rPr lang="en-US" baseline="0" dirty="0" err="1" smtClean="0"/>
-              <a:t>đường</a:t>
-            </a:r>
-            <a:r>
-              <a:rPr lang="en-US" baseline="0" dirty="0" smtClean="0"/>
-              <a:t> </a:t>
-            </a:r>
-            <a:r>
-              <a:rPr lang="en-US" baseline="0" dirty="0" err="1" smtClean="0"/>
-              <a:t>đi</a:t>
-            </a:r>
-            <a:r>
-              <a:rPr lang="en-US" baseline="0" dirty="0" smtClean="0"/>
-              <a:t> </a:t>
-            </a:r>
-            <a:r>
-              <a:rPr lang="en-US" baseline="0" dirty="0" err="1" smtClean="0"/>
-              <a:t>đến</a:t>
-            </a:r>
-            <a:r>
-              <a:rPr lang="en-US" baseline="0" dirty="0" smtClean="0"/>
-              <a:t> </a:t>
-            </a:r>
-            <a:r>
-              <a:rPr lang="en-US" baseline="0" dirty="0" err="1" smtClean="0"/>
-              <a:t>nhà</a:t>
-            </a:r>
-            <a:r>
-              <a:rPr lang="en-US" baseline="0" dirty="0" smtClean="0"/>
-              <a:t> </a:t>
-            </a:r>
-            <a:r>
-              <a:rPr lang="en-US" baseline="0" dirty="0" err="1" smtClean="0"/>
-              <a:t>của</a:t>
-            </a:r>
-            <a:r>
-              <a:rPr lang="en-US" baseline="0" dirty="0" smtClean="0"/>
-              <a:t> </a:t>
-            </a:r>
-            <a:r>
-              <a:rPr lang="en-US" baseline="0" dirty="0" err="1" smtClean="0"/>
-              <a:t>cả</a:t>
-            </a:r>
-            <a:r>
-              <a:rPr lang="en-US" baseline="0" dirty="0" smtClean="0"/>
-              <a:t> 3 </a:t>
-            </a:r>
-            <a:r>
-              <a:rPr lang="en-US" baseline="0" dirty="0" err="1" smtClean="0"/>
-              <a:t>người</a:t>
-            </a:r>
-            <a:r>
-              <a:rPr lang="en-US" baseline="0" dirty="0" smtClean="0"/>
-              <a:t> </a:t>
-            </a:r>
-            <a:r>
-              <a:rPr lang="en-US" baseline="0" dirty="0" err="1" smtClean="0"/>
-              <a:t>mà</a:t>
-            </a:r>
-            <a:r>
-              <a:rPr lang="en-US" baseline="0" dirty="0" smtClean="0"/>
-              <a:t> </a:t>
-            </a:r>
-            <a:r>
-              <a:rPr lang="en-US" baseline="0" dirty="0" err="1" smtClean="0"/>
-              <a:t>tốt</a:t>
-            </a:r>
-            <a:r>
-              <a:rPr lang="en-US" baseline="0" dirty="0" smtClean="0"/>
-              <a:t> </a:t>
-            </a:r>
-            <a:r>
-              <a:rPr lang="en-US" baseline="0" dirty="0" err="1" smtClean="0"/>
-              <a:t>nhất</a:t>
-            </a:r>
-            <a:r>
-              <a:rPr lang="en-US" baseline="0" dirty="0" smtClean="0"/>
-              <a:t>.</a:t>
+              <a:t> ở 4 </a:t>
+            </a:r>
+            <a:r>
+              <a:rPr lang="en-US" baseline="0" dirty="0" err="1" smtClean="0"/>
+              <a:t>địa</a:t>
+            </a:r>
+            <a:r>
+              <a:rPr lang="en-US" baseline="0" dirty="0" smtClean="0"/>
+              <a:t> </a:t>
+            </a:r>
+            <a:r>
+              <a:rPr lang="en-US" baseline="0" dirty="0" err="1" smtClean="0"/>
+              <a:t>chỉ</a:t>
+            </a:r>
+            <a:r>
+              <a:rPr lang="en-US" baseline="0" dirty="0" smtClean="0"/>
+              <a:t> </a:t>
+            </a:r>
+            <a:r>
+              <a:rPr lang="en-US" baseline="0" dirty="0" err="1" smtClean="0"/>
+              <a:t>như</a:t>
+            </a:r>
+            <a:r>
+              <a:rPr lang="en-US" baseline="0" dirty="0" smtClean="0"/>
+              <a:t> </a:t>
+            </a:r>
+            <a:r>
+              <a:rPr lang="en-US" baseline="0" dirty="0" err="1" smtClean="0"/>
+              <a:t>sau</a:t>
+            </a:r>
+            <a:r>
+              <a:rPr lang="en-US" baseline="0" dirty="0" smtClean="0"/>
+              <a:t>:</a:t>
             </a:r>
             <a:endParaRPr lang="en-US" dirty="0"/>
           </a:p>
@@ -1929,7 +2060,7 @@
     </p:spTree>
     <p:extLst>
       <p:ext uri="{BB962C8B-B14F-4D97-AF65-F5344CB8AC3E}">
-        <p14:creationId xmlns:p14="http://schemas.microsoft.com/office/powerpoint/2010/main" val="2598759941"/>
+        <p14:creationId xmlns:p14="http://schemas.microsoft.com/office/powerpoint/2010/main" val="2147165158"/>
       </p:ext>
     </p:extLst>
   </p:cSld>
@@ -1985,23 +2116,31 @@
           <a:p>
             <a:r>
               <a:rPr lang="en-US" dirty="0" err="1" smtClean="0"/>
-              <a:t>Thứ</a:t>
-            </a:r>
-            <a:r>
-              <a:rPr lang="en-US" dirty="0" smtClean="0"/>
-              <a:t> </a:t>
-            </a:r>
-            <a:r>
-              <a:rPr lang="en-US" dirty="0" err="1" smtClean="0"/>
-              <a:t>tự</a:t>
-            </a:r>
-            <a:r>
-              <a:rPr lang="en-US" baseline="0" dirty="0" smtClean="0"/>
-              <a:t> </a:t>
-            </a:r>
-            <a:r>
-              <a:rPr lang="en-US" baseline="0" dirty="0" err="1" smtClean="0"/>
-              <a:t>đi</a:t>
+              <a:t>Nhà</a:t>
+            </a:r>
+            <a:r>
+              <a:rPr lang="en-US" baseline="0" dirty="0" smtClean="0"/>
+              <a:t> 4 </a:t>
+            </a:r>
+            <a:r>
+              <a:rPr lang="en-US" baseline="0" dirty="0" err="1" smtClean="0"/>
+              <a:t>bạn</a:t>
+            </a:r>
+            <a:r>
+              <a:rPr lang="en-US" baseline="0" dirty="0" smtClean="0"/>
+              <a:t> ở 4 </a:t>
+            </a:r>
+            <a:r>
+              <a:rPr lang="en-US" baseline="0" dirty="0" err="1" smtClean="0"/>
+              <a:t>địa</a:t>
+            </a:r>
+            <a:r>
+              <a:rPr lang="en-US" baseline="0" dirty="0" smtClean="0"/>
+              <a:t> </a:t>
+            </a:r>
+            <a:r>
+              <a:rPr lang="en-US" baseline="0" dirty="0" err="1" smtClean="0"/>
+              <a:t>chỉ</a:t>
             </a:r>
             <a:r>
               <a:rPr lang="en-US" baseline="0" dirty="0" smtClean="0"/>
@@ -2017,99 +2156,11 @@
             </a:r>
             <a:r>
               <a:rPr lang="en-US" baseline="0" dirty="0" err="1" smtClean="0"/>
-              <a:t>thế</a:t>
-            </a:r>
-            <a:r>
-              <a:rPr lang="en-US" baseline="0" dirty="0" smtClean="0"/>
-              <a:t> </a:t>
-            </a:r>
-            <a:r>
-              <a:rPr lang="en-US" baseline="0" dirty="0" err="1" smtClean="0"/>
-              <a:t>nào</a:t>
-            </a:r>
-            <a:r>
-              <a:rPr lang="en-US" baseline="0" dirty="0" smtClean="0"/>
-              <a:t> </a:t>
-            </a:r>
-            <a:r>
-              <a:rPr lang="en-US" baseline="0" dirty="0" err="1" smtClean="0"/>
-              <a:t>để</a:t>
-            </a:r>
-            <a:r>
-              <a:rPr lang="en-US" baseline="0" dirty="0" smtClean="0"/>
-              <a:t> </a:t>
-            </a:r>
-            <a:r>
-              <a:rPr lang="en-US" baseline="0" dirty="0" err="1" smtClean="0"/>
-              <a:t>đi</a:t>
-            </a:r>
-            <a:r>
-              <a:rPr lang="en-US" baseline="0" dirty="0" smtClean="0"/>
-              <a:t> </a:t>
-            </a:r>
-            <a:r>
-              <a:rPr lang="en-US" baseline="0" dirty="0" err="1" smtClean="0"/>
-              <a:t>đến</a:t>
-            </a:r>
-            <a:r>
-              <a:rPr lang="en-US" baseline="0" dirty="0" smtClean="0"/>
-              <a:t> </a:t>
-            </a:r>
-            <a:r>
-              <a:rPr lang="en-US" baseline="0" dirty="0" err="1" smtClean="0"/>
-              <a:t>nhà</a:t>
-            </a:r>
-            <a:r>
-              <a:rPr lang="en-US" baseline="0" dirty="0" smtClean="0"/>
-              <a:t> 3 </a:t>
-            </a:r>
-            <a:r>
-              <a:rPr lang="en-US" baseline="0" dirty="0" err="1" smtClean="0"/>
-              <a:t>người</a:t>
-            </a:r>
-            <a:r>
-              <a:rPr lang="en-US" baseline="0" dirty="0" smtClean="0"/>
-              <a:t> </a:t>
-            </a:r>
-            <a:r>
-              <a:rPr lang="en-US" baseline="0" dirty="0" err="1" smtClean="0"/>
-              <a:t>với</a:t>
-            </a:r>
-            <a:r>
-              <a:rPr lang="en-US" baseline="0" dirty="0" smtClean="0"/>
-              <a:t> </a:t>
-            </a:r>
-            <a:r>
-              <a:rPr lang="en-US" baseline="0" dirty="0" err="1" smtClean="0"/>
-              <a:t>tuyết</a:t>
-            </a:r>
-            <a:r>
-              <a:rPr lang="en-US" baseline="0" dirty="0" smtClean="0"/>
-              <a:t> </a:t>
-            </a:r>
-            <a:r>
-              <a:rPr lang="en-US" baseline="0" dirty="0" err="1" smtClean="0"/>
-              <a:t>đường</a:t>
-            </a:r>
-            <a:r>
-              <a:rPr lang="en-US" baseline="0" dirty="0" smtClean="0"/>
-              <a:t> </a:t>
-            </a:r>
-            <a:r>
-              <a:rPr lang="en-US" baseline="0" dirty="0" err="1" smtClean="0"/>
-              <a:t>tốt</a:t>
-            </a:r>
-            <a:r>
-              <a:rPr lang="en-US" baseline="0" dirty="0" smtClean="0"/>
-              <a:t> </a:t>
-            </a:r>
-            <a:r>
-              <a:rPr lang="en-US" baseline="0" dirty="0" err="1" smtClean="0"/>
-              <a:t>nhất</a:t>
-            </a:r>
-            <a:r>
-              <a:rPr lang="en-US" baseline="0" dirty="0" smtClean="0"/>
-              <a:t>,</a:t>
+              <a:t>sau</a:t>
+            </a:r>
+            <a:r>
+              <a:rPr lang="en-US" baseline="0" dirty="0" smtClean="0"/>
+              <a:t>:</a:t>
             </a:r>
             <a:endParaRPr lang="en-US" dirty="0"/>
           </a:p>
@@ -2141,7 +2192,7 @@
     </p:spTree>
     <p:extLst>
       <p:ext uri="{BB962C8B-B14F-4D97-AF65-F5344CB8AC3E}">
-        <p14:creationId xmlns:p14="http://schemas.microsoft.com/office/powerpoint/2010/main" val="1060484874"/>
+        <p14:creationId xmlns:p14="http://schemas.microsoft.com/office/powerpoint/2010/main" val="2147165158"/>
       </p:ext>
     </p:extLst>
   </p:cSld>
@@ -2195,16 +2246,134 @@
           <a:bodyPr/>
           <a:lstStyle/>
           <a:p>
-            <a:pPr algn="just"/>
-            <a:r>
-              <a:rPr lang="en-US" sz="1200" dirty="0" smtClean="0">
-                <a:latin typeface="Cambria" pitchFamily="18" charset="0"/>
-              </a:rPr>
-              <a:t>The system allow search motorbike route thought some locations (from two to four) on the mobile application and suggest optimal paths.</a:t>
-            </a:r>
-            <a:endParaRPr lang="en-US" sz="1200" dirty="0" smtClean="0"/>
-          </a:p>
-          <a:p>
+            <a:r>
+              <a:rPr lang="en-US" dirty="0" err="1" smtClean="0"/>
+              <a:t>Thứ</a:t>
+            </a:r>
+            <a:r>
+              <a:rPr lang="en-US" dirty="0" smtClean="0"/>
+              <a:t> </a:t>
+            </a:r>
+            <a:r>
+              <a:rPr lang="en-US" dirty="0" err="1" smtClean="0"/>
+              <a:t>tự</a:t>
+            </a:r>
+            <a:r>
+              <a:rPr lang="en-US" baseline="0" dirty="0" smtClean="0"/>
+              <a:t> </a:t>
+            </a:r>
+            <a:r>
+              <a:rPr lang="en-US" baseline="0" dirty="0" err="1" smtClean="0"/>
+              <a:t>đi</a:t>
+            </a:r>
+            <a:r>
+              <a:rPr lang="en-US" baseline="0" dirty="0" smtClean="0"/>
+              <a:t> </a:t>
+            </a:r>
+            <a:r>
+              <a:rPr lang="en-US" baseline="0" dirty="0" err="1" smtClean="0"/>
+              <a:t>như</a:t>
+            </a:r>
+            <a:r>
+              <a:rPr lang="en-US" baseline="0" dirty="0" smtClean="0"/>
+              <a:t> </a:t>
+            </a:r>
+            <a:r>
+              <a:rPr lang="en-US" baseline="0" dirty="0" err="1" smtClean="0"/>
+              <a:t>thế</a:t>
+            </a:r>
+            <a:r>
+              <a:rPr lang="en-US" baseline="0" dirty="0" smtClean="0"/>
+              <a:t> </a:t>
+            </a:r>
+            <a:r>
+              <a:rPr lang="en-US" baseline="0" dirty="0" err="1" smtClean="0"/>
+              <a:t>nào</a:t>
+            </a:r>
+            <a:r>
+              <a:rPr lang="en-US" baseline="0" dirty="0" smtClean="0"/>
+              <a:t> </a:t>
+            </a:r>
+            <a:r>
+              <a:rPr lang="en-US" baseline="0" dirty="0" err="1" smtClean="0"/>
+              <a:t>để</a:t>
+            </a:r>
+            <a:r>
+              <a:rPr lang="en-US" baseline="0" dirty="0" smtClean="0"/>
+              <a:t> </a:t>
+            </a:r>
+            <a:r>
+              <a:rPr lang="en-US" baseline="0" dirty="0" err="1" smtClean="0"/>
+              <a:t>đi</a:t>
+            </a:r>
+            <a:r>
+              <a:rPr lang="en-US" baseline="0" dirty="0" smtClean="0"/>
+              <a:t> </a:t>
+            </a:r>
+            <a:r>
+              <a:rPr lang="en-US" baseline="0" dirty="0" err="1" smtClean="0"/>
+              <a:t>đến</a:t>
+            </a:r>
+            <a:r>
+              <a:rPr lang="en-US" baseline="0" dirty="0" smtClean="0"/>
+              <a:t> </a:t>
+            </a:r>
+            <a:r>
+              <a:rPr lang="en-US" baseline="0" dirty="0" err="1" smtClean="0"/>
+              <a:t>nhà</a:t>
+            </a:r>
+            <a:r>
+              <a:rPr lang="en-US" baseline="0" dirty="0" smtClean="0"/>
+              <a:t> 3 </a:t>
+            </a:r>
+            <a:r>
+              <a:rPr lang="en-US" baseline="0" dirty="0" err="1" smtClean="0"/>
+              <a:t>người</a:t>
+            </a:r>
+            <a:r>
+              <a:rPr lang="en-US" baseline="0" dirty="0" smtClean="0"/>
+              <a:t> </a:t>
+            </a:r>
+            <a:r>
+              <a:rPr lang="en-US" baseline="0" dirty="0" err="1" smtClean="0"/>
+              <a:t>với</a:t>
+            </a:r>
+            <a:r>
+              <a:rPr lang="en-US" baseline="0" dirty="0" smtClean="0"/>
+              <a:t> </a:t>
+            </a:r>
+            <a:r>
+              <a:rPr lang="en-US" baseline="0" dirty="0" err="1" smtClean="0"/>
+              <a:t>tuyết</a:t>
+            </a:r>
+            <a:r>
+              <a:rPr lang="en-US" baseline="0" dirty="0" smtClean="0"/>
+              <a:t> </a:t>
+            </a:r>
+            <a:r>
+              <a:rPr lang="en-US" baseline="0" dirty="0" err="1" smtClean="0"/>
+              <a:t>đường</a:t>
+            </a:r>
+            <a:r>
+              <a:rPr lang="en-US" baseline="0" dirty="0" smtClean="0"/>
+              <a:t> </a:t>
+            </a:r>
+            <a:r>
+              <a:rPr lang="en-US" baseline="0" dirty="0" err="1" smtClean="0"/>
+              <a:t>tốt</a:t>
+            </a:r>
+            <a:r>
+              <a:rPr lang="en-US" baseline="0" dirty="0" smtClean="0"/>
+              <a:t> </a:t>
+            </a:r>
+            <a:r>
+              <a:rPr lang="en-US" baseline="0" dirty="0" err="1" smtClean="0"/>
+              <a:t>nhất</a:t>
+            </a:r>
+            <a:r>
+              <a:rPr lang="en-US" baseline="0" dirty="0" smtClean="0"/>
+              <a:t>,</a:t>
+            </a:r>
             <a:endParaRPr lang="en-US" dirty="0"/>
           </a:p>
         </p:txBody>
@@ -2226,7 +2395,7 @@
           <a:p>
             <a:fld id="{2599C3E7-3278-1243-886F-92FF82204DB1}" type="slidenum">
               <a:rPr lang="en-US" smtClean="0"/>
-              <a:t>7</a:t>
+              <a:t>5</a:t>
             </a:fld>
             <a:endParaRPr lang="en-US"/>
           </a:p>
@@ -2235,7 +2404,7 @@
     </p:spTree>
     <p:extLst>
       <p:ext uri="{BB962C8B-B14F-4D97-AF65-F5344CB8AC3E}">
-        <p14:creationId xmlns:p14="http://schemas.microsoft.com/office/powerpoint/2010/main" val="800715067"/>
+        <p14:creationId xmlns:p14="http://schemas.microsoft.com/office/powerpoint/2010/main" val="1060484874"/>
       </p:ext>
     </p:extLst>
   </p:cSld>
@@ -2477,1266 +2646,16 @@
           <a:bodyPr/>
           <a:lstStyle/>
           <a:p>
-            <a:r>
-              <a:rPr lang="en-US" baseline="0" dirty="0" err="1" smtClean="0"/>
-              <a:t>Tôi</a:t>
-            </a:r>
-            <a:r>
-              <a:rPr lang="en-US" baseline="0" dirty="0" smtClean="0"/>
-              <a:t> </a:t>
-            </a:r>
-            <a:r>
-              <a:rPr lang="en-US" baseline="0" dirty="0" err="1" smtClean="0"/>
-              <a:t>xin</a:t>
-            </a:r>
-            <a:r>
-              <a:rPr lang="en-US" baseline="0" dirty="0" smtClean="0"/>
-              <a:t> </a:t>
-            </a:r>
-            <a:r>
-              <a:rPr lang="en-US" baseline="0" dirty="0" err="1" smtClean="0"/>
-              <a:t>trình</a:t>
-            </a:r>
-            <a:r>
-              <a:rPr lang="en-US" baseline="0" dirty="0" smtClean="0"/>
-              <a:t> </a:t>
-            </a:r>
-            <a:r>
-              <a:rPr lang="en-US" baseline="0" dirty="0" err="1" smtClean="0"/>
-              <a:t>bày</a:t>
-            </a:r>
-            <a:r>
-              <a:rPr lang="en-US" baseline="0" dirty="0" smtClean="0"/>
-              <a:t> </a:t>
-            </a:r>
-            <a:r>
-              <a:rPr lang="en-US" baseline="0" dirty="0" err="1" smtClean="0"/>
-              <a:t>về</a:t>
-            </a:r>
-            <a:r>
-              <a:rPr lang="en-US" baseline="0" dirty="0" smtClean="0"/>
-              <a:t> </a:t>
-            </a:r>
-            <a:r>
-              <a:rPr lang="en-US" baseline="0" dirty="0" err="1" smtClean="0"/>
-              <a:t>kiến</a:t>
-            </a:r>
-            <a:r>
-              <a:rPr lang="en-US" baseline="0" dirty="0" smtClean="0"/>
-              <a:t> </a:t>
-            </a:r>
-            <a:r>
-              <a:rPr lang="en-US" baseline="0" dirty="0" err="1" smtClean="0"/>
-              <a:t>trúc</a:t>
-            </a:r>
-            <a:r>
-              <a:rPr lang="en-US" baseline="0" dirty="0" smtClean="0"/>
-              <a:t>….</a:t>
-            </a:r>
-            <a:r>
-              <a:rPr lang="en-US" baseline="0" dirty="0" err="1" smtClean="0"/>
-              <a:t>và</a:t>
-            </a:r>
-            <a:r>
-              <a:rPr lang="en-US" baseline="0" dirty="0" smtClean="0"/>
-              <a:t> </a:t>
-            </a:r>
-            <a:r>
-              <a:rPr lang="en-US" baseline="0" dirty="0" err="1" smtClean="0"/>
-              <a:t>thứ</a:t>
-            </a:r>
-            <a:r>
-              <a:rPr lang="en-US" baseline="0" dirty="0" smtClean="0"/>
-              <a:t> </a:t>
-            </a:r>
-            <a:r>
-              <a:rPr lang="en-US" baseline="0" dirty="0" err="1" smtClean="0"/>
-              <a:t>tự</a:t>
-            </a:r>
-            <a:r>
-              <a:rPr lang="en-US" baseline="0" dirty="0" smtClean="0"/>
-              <a:t> </a:t>
-            </a:r>
-            <a:r>
-              <a:rPr lang="en-US" baseline="0" dirty="0" err="1" smtClean="0"/>
-              <a:t>hệ</a:t>
-            </a:r>
-            <a:r>
-              <a:rPr lang="en-US" baseline="0" dirty="0" smtClean="0"/>
-              <a:t> </a:t>
-            </a:r>
-            <a:r>
-              <a:rPr lang="en-US" baseline="0" dirty="0" err="1" smtClean="0"/>
-              <a:t>thống</a:t>
-            </a:r>
-            <a:r>
-              <a:rPr lang="en-US" baseline="0" dirty="0" smtClean="0"/>
-              <a:t> </a:t>
-            </a:r>
-            <a:r>
-              <a:rPr lang="en-US" baseline="0" dirty="0" err="1" smtClean="0"/>
-              <a:t>hoạt</a:t>
-            </a:r>
-            <a:r>
-              <a:rPr lang="en-US" baseline="0" dirty="0" smtClean="0"/>
-              <a:t> </a:t>
-            </a:r>
-            <a:r>
-              <a:rPr lang="en-US" baseline="0" dirty="0" err="1" smtClean="0"/>
-              <a:t>động</a:t>
-            </a:r>
-            <a:r>
-              <a:rPr lang="en-US" baseline="0" dirty="0" smtClean="0"/>
-              <a:t>.</a:t>
-            </a:r>
+            <a:pPr algn="just"/>
+            <a:r>
+              <a:rPr lang="en-US" sz="1200" dirty="0" smtClean="0">
+                <a:latin typeface="Cambria" pitchFamily="18" charset="0"/>
+              </a:rPr>
+              <a:t>The system allow search motorbike route thought some locations (from two to four) on the mobile application and suggest optimal paths.</a:t>
+            </a:r>
+            <a:endParaRPr lang="en-US" sz="1200" dirty="0" smtClean="0"/>
           </a:p>
           <a:p>
-            <a:r>
-              <a:rPr lang="en-US" baseline="0" dirty="0" err="1" smtClean="0"/>
-              <a:t>Thứ</a:t>
-            </a:r>
-            <a:r>
-              <a:rPr lang="en-US" baseline="0" dirty="0" smtClean="0"/>
-              <a:t> </a:t>
-            </a:r>
-            <a:r>
-              <a:rPr lang="en-US" baseline="0" dirty="0" err="1" smtClean="0"/>
-              <a:t>nhất</a:t>
-            </a:r>
-            <a:r>
-              <a:rPr lang="en-US" baseline="0" dirty="0" smtClean="0"/>
-              <a:t> </a:t>
-            </a:r>
-            <a:r>
-              <a:rPr lang="en-US" baseline="0" dirty="0" err="1" smtClean="0"/>
-              <a:t>chúng</a:t>
-            </a:r>
-            <a:r>
-              <a:rPr lang="en-US" baseline="0" dirty="0" smtClean="0"/>
-              <a:t> ta </a:t>
-            </a:r>
-            <a:r>
-              <a:rPr lang="en-US" baseline="0" dirty="0" err="1" smtClean="0"/>
-              <a:t>có</a:t>
-            </a:r>
-            <a:r>
-              <a:rPr lang="en-US" baseline="0" dirty="0" smtClean="0"/>
-              <a:t>  </a:t>
-            </a:r>
-            <a:r>
-              <a:rPr lang="en-US" baseline="0" dirty="0" err="1" smtClean="0"/>
-              <a:t>thể</a:t>
-            </a:r>
-            <a:r>
-              <a:rPr lang="en-US" baseline="0" dirty="0" smtClean="0"/>
-              <a:t> search </a:t>
-            </a:r>
-            <a:r>
-              <a:rPr lang="en-US" baseline="0" dirty="0" err="1" smtClean="0"/>
-              <a:t>đường</a:t>
-            </a:r>
-            <a:r>
-              <a:rPr lang="en-US" baseline="0" dirty="0" smtClean="0"/>
-              <a:t> </a:t>
-            </a:r>
-            <a:r>
-              <a:rPr lang="en-US" baseline="0" dirty="0" err="1" smtClean="0"/>
-              <a:t>đi</a:t>
-            </a:r>
-            <a:r>
-              <a:rPr lang="en-US" baseline="0" dirty="0" smtClean="0"/>
-              <a:t> </a:t>
-            </a:r>
-            <a:r>
-              <a:rPr lang="en-US" baseline="0" dirty="0" err="1" smtClean="0"/>
-              <a:t>bằng</a:t>
-            </a:r>
-            <a:r>
-              <a:rPr lang="en-US" baseline="0" dirty="0" smtClean="0"/>
-              <a:t> </a:t>
-            </a:r>
-            <a:r>
-              <a:rPr lang="en-US" baseline="0" dirty="0" err="1" smtClean="0"/>
-              <a:t>giọng</a:t>
-            </a:r>
-            <a:r>
-              <a:rPr lang="en-US" baseline="0" dirty="0" smtClean="0"/>
-              <a:t> </a:t>
-            </a:r>
-            <a:r>
-              <a:rPr lang="en-US" baseline="0" dirty="0" err="1" smtClean="0"/>
-              <a:t>nói</a:t>
-            </a:r>
-            <a:r>
-              <a:rPr lang="en-US" baseline="0" dirty="0" smtClean="0"/>
-              <a:t> </a:t>
-            </a:r>
-            <a:r>
-              <a:rPr lang="en-US" baseline="0" dirty="0" err="1" smtClean="0"/>
-              <a:t>hoặc</a:t>
-            </a:r>
-            <a:r>
-              <a:rPr lang="en-US" baseline="0" dirty="0" smtClean="0"/>
-              <a:t> </a:t>
-            </a:r>
-            <a:r>
-              <a:rPr lang="en-US" baseline="0" dirty="0" err="1" smtClean="0"/>
-              <a:t>là</a:t>
-            </a:r>
-            <a:r>
-              <a:rPr lang="en-US" baseline="0" dirty="0" smtClean="0"/>
-              <a:t> </a:t>
-            </a:r>
-            <a:r>
-              <a:rPr lang="en-US" baseline="0" dirty="0" err="1" smtClean="0"/>
-              <a:t>bằng</a:t>
-            </a:r>
-            <a:r>
-              <a:rPr lang="en-US" baseline="0" dirty="0" smtClean="0"/>
-              <a:t> text.</a:t>
-            </a:r>
-          </a:p>
-          <a:p>
-            <a:r>
-              <a:rPr lang="en-US" baseline="0" dirty="0" err="1" smtClean="0"/>
-              <a:t>Nếu</a:t>
-            </a:r>
-            <a:r>
-              <a:rPr lang="en-US" baseline="0" dirty="0" smtClean="0"/>
-              <a:t> </a:t>
-            </a:r>
-            <a:r>
-              <a:rPr lang="en-US" baseline="0" dirty="0" err="1" smtClean="0"/>
-              <a:t>bằng</a:t>
-            </a:r>
-            <a:r>
-              <a:rPr lang="en-US" baseline="0" dirty="0" smtClean="0"/>
-              <a:t> </a:t>
-            </a:r>
-            <a:r>
-              <a:rPr lang="en-US" baseline="0" dirty="0" err="1" smtClean="0"/>
-              <a:t>giọng</a:t>
-            </a:r>
-            <a:r>
-              <a:rPr lang="en-US" baseline="0" dirty="0" smtClean="0"/>
-              <a:t> </a:t>
-            </a:r>
-            <a:r>
-              <a:rPr lang="en-US" baseline="0" dirty="0" err="1" smtClean="0"/>
-              <a:t>nói</a:t>
-            </a:r>
-            <a:r>
-              <a:rPr lang="en-US" baseline="0" dirty="0" smtClean="0"/>
-              <a:t> </a:t>
-            </a:r>
-            <a:r>
-              <a:rPr lang="en-US" baseline="0" dirty="0" err="1" smtClean="0"/>
-              <a:t>thì</a:t>
-            </a:r>
-            <a:r>
-              <a:rPr lang="en-US" baseline="0" dirty="0" smtClean="0"/>
-              <a:t> </a:t>
-            </a:r>
-            <a:r>
-              <a:rPr lang="en-US" baseline="0" dirty="0" err="1" smtClean="0"/>
-              <a:t>sẽ</a:t>
-            </a:r>
-            <a:r>
-              <a:rPr lang="en-US" baseline="0" dirty="0" smtClean="0"/>
-              <a:t> </a:t>
-            </a:r>
-            <a:r>
-              <a:rPr lang="en-US" baseline="0" dirty="0" err="1" smtClean="0"/>
-              <a:t>gửi</a:t>
-            </a:r>
-            <a:r>
-              <a:rPr lang="en-US" baseline="0" dirty="0" smtClean="0"/>
-              <a:t> </a:t>
-            </a:r>
-            <a:r>
-              <a:rPr lang="en-US" baseline="0" dirty="0" err="1" smtClean="0"/>
-              <a:t>lên</a:t>
-            </a:r>
-            <a:r>
-              <a:rPr lang="en-US" baseline="0" dirty="0" smtClean="0"/>
-              <a:t> </a:t>
-            </a:r>
-            <a:r>
-              <a:rPr lang="en-US" baseline="0" dirty="0" err="1" smtClean="0"/>
-              <a:t>google</a:t>
-            </a:r>
-            <a:r>
-              <a:rPr lang="en-US" baseline="0" dirty="0" smtClean="0"/>
-              <a:t> API </a:t>
-            </a:r>
-            <a:r>
-              <a:rPr lang="en-US" baseline="0" dirty="0" err="1" smtClean="0"/>
-              <a:t>và</a:t>
-            </a:r>
-            <a:r>
-              <a:rPr lang="en-US" baseline="0" dirty="0" smtClean="0"/>
-              <a:t> </a:t>
-            </a:r>
-            <a:r>
-              <a:rPr lang="en-US" baseline="0" dirty="0" err="1" smtClean="0"/>
-              <a:t>trả</a:t>
-            </a:r>
-            <a:r>
-              <a:rPr lang="en-US" baseline="0" dirty="0" smtClean="0"/>
-              <a:t> </a:t>
-            </a:r>
-            <a:r>
-              <a:rPr lang="en-US" baseline="0" dirty="0" err="1" smtClean="0"/>
-              <a:t>về</a:t>
-            </a:r>
-            <a:r>
-              <a:rPr lang="en-US" baseline="0" dirty="0" smtClean="0"/>
-              <a:t>  </a:t>
-            </a:r>
-            <a:r>
-              <a:rPr lang="en-US" baseline="0" dirty="0" err="1" smtClean="0"/>
-              <a:t>địa</a:t>
-            </a:r>
-            <a:r>
-              <a:rPr lang="en-US" baseline="0" dirty="0" smtClean="0"/>
-              <a:t> </a:t>
-            </a:r>
-            <a:r>
-              <a:rPr lang="en-US" baseline="0" dirty="0" err="1" smtClean="0"/>
-              <a:t>chỉ</a:t>
-            </a:r>
-            <a:r>
-              <a:rPr lang="en-US" baseline="0" dirty="0" smtClean="0"/>
-              <a:t> </a:t>
-            </a:r>
-            <a:r>
-              <a:rPr lang="en-US" baseline="0" dirty="0" err="1" smtClean="0"/>
-              <a:t>dạng</a:t>
-            </a:r>
-            <a:r>
-              <a:rPr lang="en-US" baseline="0" dirty="0" smtClean="0"/>
-              <a:t> text.</a:t>
-            </a:r>
-          </a:p>
-          <a:p>
-            <a:r>
-              <a:rPr lang="en-US" baseline="0" dirty="0" err="1" smtClean="0"/>
-              <a:t>Tiếp</a:t>
-            </a:r>
-            <a:r>
-              <a:rPr lang="en-US" baseline="0" dirty="0" smtClean="0"/>
-              <a:t> </a:t>
-            </a:r>
-            <a:r>
-              <a:rPr lang="en-US" baseline="0" dirty="0" err="1" smtClean="0"/>
-              <a:t>tục</a:t>
-            </a:r>
-            <a:r>
-              <a:rPr lang="en-US" baseline="0" dirty="0" smtClean="0"/>
-              <a:t> </a:t>
-            </a:r>
-            <a:r>
-              <a:rPr lang="en-US" baseline="0" dirty="0" err="1" smtClean="0"/>
-              <a:t>hệ</a:t>
-            </a:r>
-            <a:r>
-              <a:rPr lang="en-US" baseline="0" dirty="0" smtClean="0"/>
-              <a:t> </a:t>
-            </a:r>
-            <a:r>
-              <a:rPr lang="en-US" baseline="0" dirty="0" err="1" smtClean="0"/>
-              <a:t>thống</a:t>
-            </a:r>
-            <a:r>
-              <a:rPr lang="en-US" baseline="0" dirty="0" smtClean="0"/>
-              <a:t> </a:t>
-            </a:r>
-            <a:r>
-              <a:rPr lang="en-US" baseline="0" dirty="0" err="1" smtClean="0"/>
-              <a:t>sẽ</a:t>
-            </a:r>
-            <a:r>
-              <a:rPr lang="en-US" baseline="0" dirty="0" smtClean="0"/>
-              <a:t> </a:t>
-            </a:r>
-            <a:r>
-              <a:rPr lang="en-US" baseline="0" dirty="0" err="1" smtClean="0"/>
-              <a:t>gửi</a:t>
-            </a:r>
-            <a:r>
-              <a:rPr lang="en-US" baseline="0" dirty="0" smtClean="0"/>
-              <a:t> request </a:t>
-            </a:r>
-            <a:r>
-              <a:rPr lang="en-US" baseline="0" dirty="0" err="1" smtClean="0"/>
-              <a:t>lên</a:t>
-            </a:r>
-            <a:r>
-              <a:rPr lang="en-US" baseline="0" dirty="0" smtClean="0"/>
-              <a:t> bus service do </a:t>
-            </a:r>
-            <a:r>
-              <a:rPr lang="en-US" baseline="0" dirty="0" err="1" smtClean="0"/>
-              <a:t>chúng</a:t>
-            </a:r>
-            <a:r>
-              <a:rPr lang="en-US" baseline="0" dirty="0" smtClean="0"/>
-              <a:t> </a:t>
-            </a:r>
-            <a:r>
-              <a:rPr lang="en-US" baseline="0" dirty="0" err="1" smtClean="0"/>
-              <a:t>tôi</a:t>
-            </a:r>
-            <a:r>
-              <a:rPr lang="en-US" baseline="0" dirty="0" smtClean="0"/>
-              <a:t> </a:t>
-            </a:r>
-            <a:r>
-              <a:rPr lang="en-US" baseline="0" dirty="0" err="1" smtClean="0"/>
-              <a:t>hiện</a:t>
-            </a:r>
-            <a:r>
-              <a:rPr lang="en-US" baseline="0" dirty="0" smtClean="0"/>
-              <a:t> </a:t>
-            </a:r>
-            <a:r>
-              <a:rPr lang="en-US" baseline="0" dirty="0" err="1" smtClean="0"/>
-              <a:t>thực</a:t>
-            </a:r>
-            <a:r>
-              <a:rPr lang="en-US" baseline="0" dirty="0" smtClean="0"/>
-              <a:t> </a:t>
-            </a:r>
-            <a:r>
-              <a:rPr lang="en-US" baseline="0" dirty="0" err="1" smtClean="0"/>
-              <a:t>sẽ</a:t>
-            </a:r>
-            <a:r>
-              <a:rPr lang="en-US" baseline="0" dirty="0" smtClean="0"/>
-              <a:t> </a:t>
-            </a:r>
-            <a:r>
-              <a:rPr lang="en-US" baseline="0" dirty="0" err="1" smtClean="0"/>
-              <a:t>trả</a:t>
-            </a:r>
-            <a:r>
-              <a:rPr lang="en-US" baseline="0" dirty="0" smtClean="0"/>
-              <a:t> </a:t>
-            </a:r>
-            <a:r>
-              <a:rPr lang="en-US" baseline="0" dirty="0" err="1" smtClean="0"/>
-              <a:t>về</a:t>
-            </a:r>
-            <a:r>
-              <a:rPr lang="en-US" baseline="0" dirty="0" smtClean="0"/>
-              <a:t> list </a:t>
-            </a:r>
-            <a:r>
-              <a:rPr lang="en-US" baseline="0" dirty="0" err="1" smtClean="0"/>
-              <a:t>của</a:t>
-            </a:r>
-            <a:r>
-              <a:rPr lang="en-US" baseline="0" dirty="0" smtClean="0"/>
-              <a:t> </a:t>
-            </a:r>
-            <a:r>
-              <a:rPr lang="en-US" baseline="0" dirty="0" err="1" smtClean="0"/>
-              <a:t>các</a:t>
-            </a:r>
-            <a:r>
-              <a:rPr lang="en-US" baseline="0" dirty="0" smtClean="0"/>
-              <a:t> result.</a:t>
-            </a:r>
-          </a:p>
-          <a:p>
-            <a:r>
-              <a:rPr lang="en-US" baseline="0" dirty="0" err="1" smtClean="0"/>
-              <a:t>Tiếp</a:t>
-            </a:r>
-            <a:r>
-              <a:rPr lang="en-US" baseline="0" dirty="0" smtClean="0"/>
-              <a:t> </a:t>
-            </a:r>
-            <a:r>
-              <a:rPr lang="en-US" baseline="0" dirty="0" err="1" smtClean="0"/>
-              <a:t>tục</a:t>
-            </a:r>
-            <a:r>
-              <a:rPr lang="en-US" baseline="0" dirty="0" smtClean="0"/>
-              <a:t> </a:t>
-            </a:r>
-            <a:r>
-              <a:rPr lang="en-US" baseline="0" dirty="0" err="1" smtClean="0"/>
-              <a:t>hệ</a:t>
-            </a:r>
-            <a:r>
-              <a:rPr lang="en-US" baseline="0" dirty="0" smtClean="0"/>
-              <a:t> </a:t>
-            </a:r>
-            <a:r>
-              <a:rPr lang="en-US" baseline="0" dirty="0" err="1" smtClean="0"/>
-              <a:t>thống</a:t>
-            </a:r>
-            <a:r>
-              <a:rPr lang="en-US" baseline="0" dirty="0" smtClean="0"/>
-              <a:t> </a:t>
-            </a:r>
-            <a:r>
-              <a:rPr lang="en-US" baseline="0" dirty="0" err="1" smtClean="0"/>
-              <a:t>sẽ</a:t>
-            </a:r>
-            <a:r>
-              <a:rPr lang="en-US" baseline="0" dirty="0" smtClean="0"/>
-              <a:t> </a:t>
-            </a:r>
-            <a:r>
-              <a:rPr lang="en-US" baseline="0" dirty="0" err="1" smtClean="0"/>
-              <a:t>gửi</a:t>
-            </a:r>
-            <a:r>
-              <a:rPr lang="en-US" baseline="0" dirty="0" smtClean="0"/>
-              <a:t> </a:t>
-            </a:r>
-            <a:r>
-              <a:rPr lang="en-US" baseline="0" dirty="0" err="1" smtClean="0"/>
-              <a:t>requesst</a:t>
-            </a:r>
-            <a:r>
-              <a:rPr lang="en-US" baseline="0" dirty="0" smtClean="0"/>
-              <a:t> </a:t>
-            </a:r>
-            <a:r>
-              <a:rPr lang="en-US" baseline="0" dirty="0" err="1" smtClean="0"/>
-              <a:t>lên</a:t>
-            </a:r>
-            <a:r>
-              <a:rPr lang="en-US" baseline="0" dirty="0" smtClean="0"/>
-              <a:t> FPT service </a:t>
-            </a:r>
-            <a:r>
-              <a:rPr lang="en-US" baseline="0" dirty="0" err="1" smtClean="0"/>
-              <a:t>để</a:t>
-            </a:r>
-            <a:r>
-              <a:rPr lang="en-US" baseline="0" dirty="0" smtClean="0"/>
-              <a:t> </a:t>
-            </a:r>
-            <a:r>
-              <a:rPr lang="en-US" baseline="0" dirty="0" err="1" smtClean="0"/>
-              <a:t>lấy</a:t>
-            </a:r>
-            <a:r>
-              <a:rPr lang="en-US" baseline="0" dirty="0" smtClean="0"/>
-              <a:t> </a:t>
-            </a:r>
-            <a:r>
-              <a:rPr lang="en-US" baseline="0" dirty="0" err="1" smtClean="0"/>
-              <a:t>các</a:t>
-            </a:r>
-            <a:r>
-              <a:rPr lang="en-US" baseline="0" dirty="0" smtClean="0"/>
-              <a:t> file </a:t>
-            </a:r>
-            <a:r>
-              <a:rPr lang="en-US" baseline="0" dirty="0" err="1" smtClean="0"/>
-              <a:t>hướng</a:t>
-            </a:r>
-            <a:r>
-              <a:rPr lang="en-US" baseline="0" dirty="0" smtClean="0"/>
-              <a:t> </a:t>
-            </a:r>
-            <a:r>
-              <a:rPr lang="en-US" baseline="0" dirty="0" err="1" smtClean="0"/>
-              <a:t>dẫn</a:t>
-            </a:r>
-            <a:r>
-              <a:rPr lang="en-US" baseline="0" dirty="0" smtClean="0"/>
-              <a:t> </a:t>
-            </a:r>
-            <a:r>
-              <a:rPr lang="en-US" baseline="0" dirty="0" err="1" smtClean="0"/>
-              <a:t>đường</a:t>
-            </a:r>
-            <a:r>
-              <a:rPr lang="en-US" baseline="0" dirty="0" smtClean="0"/>
-              <a:t> ở </a:t>
-            </a:r>
-            <a:r>
-              <a:rPr lang="en-US" baseline="0" dirty="0" err="1" smtClean="0"/>
-              <a:t>dạng</a:t>
-            </a:r>
-            <a:r>
-              <a:rPr lang="en-US" baseline="0" dirty="0" smtClean="0"/>
-              <a:t> audio. </a:t>
-            </a:r>
-          </a:p>
-          <a:p>
-            <a:r>
-              <a:rPr lang="en-US" baseline="0" dirty="0" err="1" smtClean="0"/>
-              <a:t>Tiếp</a:t>
-            </a:r>
-            <a:r>
-              <a:rPr lang="en-US" baseline="0" dirty="0" smtClean="0"/>
-              <a:t> </a:t>
-            </a:r>
-            <a:r>
-              <a:rPr lang="en-US" baseline="0" dirty="0" err="1" smtClean="0"/>
-              <a:t>tục</a:t>
-            </a:r>
-            <a:r>
-              <a:rPr lang="en-US" baseline="0" dirty="0" smtClean="0"/>
-              <a:t> </a:t>
-            </a:r>
-            <a:r>
-              <a:rPr lang="en-US" baseline="0" dirty="0" err="1" smtClean="0"/>
-              <a:t>hệ</a:t>
-            </a:r>
-            <a:r>
-              <a:rPr lang="en-US" baseline="0" dirty="0" smtClean="0"/>
-              <a:t> </a:t>
-            </a:r>
-            <a:r>
-              <a:rPr lang="en-US" baseline="0" dirty="0" err="1" smtClean="0"/>
-              <a:t>thống</a:t>
-            </a:r>
-            <a:r>
-              <a:rPr lang="en-US" baseline="0" dirty="0" smtClean="0"/>
-              <a:t> </a:t>
-            </a:r>
-            <a:r>
-              <a:rPr lang="en-US" baseline="0" dirty="0" err="1" smtClean="0"/>
-              <a:t>sẽ</a:t>
-            </a:r>
-            <a:r>
-              <a:rPr lang="en-US" baseline="0" dirty="0" smtClean="0"/>
-              <a:t> </a:t>
-            </a:r>
-            <a:r>
-              <a:rPr lang="en-US" baseline="0" dirty="0" err="1" smtClean="0"/>
-              <a:t>treaminze</a:t>
-            </a:r>
-            <a:r>
-              <a:rPr lang="en-US" baseline="0" dirty="0" smtClean="0"/>
-              <a:t> </a:t>
-            </a:r>
-            <a:r>
-              <a:rPr lang="en-US" baseline="0" dirty="0" err="1" smtClean="0"/>
-              <a:t>dữ</a:t>
-            </a:r>
-            <a:r>
-              <a:rPr lang="en-US" baseline="0" dirty="0" smtClean="0"/>
-              <a:t> </a:t>
-            </a:r>
-            <a:r>
-              <a:rPr lang="en-US" baseline="0" dirty="0" err="1" smtClean="0"/>
-              <a:t>liệu</a:t>
-            </a:r>
-            <a:r>
-              <a:rPr lang="en-US" baseline="0" dirty="0" smtClean="0"/>
-              <a:t> qua </a:t>
-            </a:r>
-            <a:r>
-              <a:rPr lang="en-US" baseline="0" dirty="0" err="1" smtClean="0"/>
-              <a:t>lại</a:t>
-            </a:r>
-            <a:r>
-              <a:rPr lang="en-US" baseline="0" dirty="0" smtClean="0"/>
-              <a:t> </a:t>
-            </a:r>
-            <a:r>
-              <a:rPr lang="en-US" baseline="0" dirty="0" err="1" smtClean="0"/>
-              <a:t>giữa</a:t>
-            </a:r>
-            <a:r>
-              <a:rPr lang="en-US" baseline="0" dirty="0" smtClean="0"/>
-              <a:t> wear </a:t>
-            </a:r>
-            <a:r>
-              <a:rPr lang="en-US" baseline="0" dirty="0" err="1" smtClean="0"/>
-              <a:t>và</a:t>
-            </a:r>
-            <a:r>
-              <a:rPr lang="en-US" baseline="0" dirty="0" smtClean="0"/>
-              <a:t> mobile</a:t>
-            </a:r>
-          </a:p>
-          <a:p>
-            <a:r>
-              <a:rPr lang="en-US" baseline="0" dirty="0" err="1" smtClean="0"/>
-              <a:t>Người</a:t>
-            </a:r>
-            <a:r>
-              <a:rPr lang="en-US" baseline="0" dirty="0" smtClean="0"/>
-              <a:t> </a:t>
-            </a:r>
-            <a:r>
-              <a:rPr lang="en-US" baseline="0" dirty="0" err="1" smtClean="0"/>
-              <a:t>sử</a:t>
-            </a:r>
-            <a:r>
-              <a:rPr lang="en-US" baseline="0" dirty="0" smtClean="0"/>
-              <a:t> </a:t>
-            </a:r>
-            <a:r>
-              <a:rPr lang="en-US" baseline="0" dirty="0" err="1" smtClean="0"/>
-              <a:t>dụng</a:t>
-            </a:r>
-            <a:r>
-              <a:rPr lang="en-US" baseline="0" dirty="0" smtClean="0"/>
-              <a:t> </a:t>
-            </a:r>
-            <a:r>
-              <a:rPr lang="en-US" baseline="0" dirty="0" err="1" smtClean="0"/>
-              <a:t>có</a:t>
-            </a:r>
-            <a:r>
-              <a:rPr lang="en-US" baseline="0" dirty="0" smtClean="0"/>
-              <a:t> </a:t>
-            </a:r>
-            <a:r>
-              <a:rPr lang="en-US" baseline="0" dirty="0" err="1" smtClean="0"/>
-              <a:t>thể</a:t>
-            </a:r>
-            <a:r>
-              <a:rPr lang="en-US" baseline="0" dirty="0" smtClean="0"/>
-              <a:t> </a:t>
-            </a:r>
-            <a:r>
-              <a:rPr lang="en-US" baseline="0" dirty="0" err="1" smtClean="0"/>
-              <a:t>sử</a:t>
-            </a:r>
-            <a:r>
-              <a:rPr lang="en-US" baseline="0" dirty="0" smtClean="0"/>
-              <a:t> </a:t>
-            </a:r>
-            <a:r>
-              <a:rPr lang="en-US" baseline="0" dirty="0" err="1" smtClean="0"/>
-              <a:t>dụng</a:t>
-            </a:r>
-            <a:r>
-              <a:rPr lang="en-US" baseline="0" dirty="0" smtClean="0"/>
-              <a:t> </a:t>
-            </a:r>
-            <a:r>
-              <a:rPr lang="en-US" baseline="0" dirty="0" err="1" smtClean="0"/>
-              <a:t>chức</a:t>
-            </a:r>
-            <a:r>
-              <a:rPr lang="en-US" baseline="0" dirty="0" smtClean="0"/>
-              <a:t> </a:t>
-            </a:r>
-            <a:r>
-              <a:rPr lang="en-US" baseline="0" dirty="0" err="1" smtClean="0"/>
-              <a:t>năng</a:t>
-            </a:r>
-            <a:r>
-              <a:rPr lang="en-US" baseline="0" dirty="0" smtClean="0"/>
-              <a:t> </a:t>
-            </a:r>
-            <a:r>
-              <a:rPr lang="en-US" baseline="0" dirty="0" err="1" smtClean="0"/>
-              <a:t>giọng</a:t>
-            </a:r>
-            <a:r>
-              <a:rPr lang="en-US" baseline="0" dirty="0" smtClean="0"/>
-              <a:t> </a:t>
-            </a:r>
-            <a:r>
-              <a:rPr lang="en-US" baseline="0" dirty="0" err="1" smtClean="0"/>
-              <a:t>nói</a:t>
-            </a:r>
-            <a:r>
-              <a:rPr lang="en-US" baseline="0" dirty="0" smtClean="0"/>
-              <a:t> </a:t>
-            </a:r>
-            <a:r>
-              <a:rPr lang="en-US" baseline="0" dirty="0" err="1" smtClean="0"/>
-              <a:t>gửi</a:t>
-            </a:r>
-            <a:r>
-              <a:rPr lang="en-US" baseline="0" dirty="0" smtClean="0"/>
-              <a:t> </a:t>
-            </a:r>
-            <a:r>
-              <a:rPr lang="en-US" baseline="0" dirty="0" err="1" smtClean="0"/>
-              <a:t>lên</a:t>
-            </a:r>
-            <a:r>
-              <a:rPr lang="en-US" baseline="0" dirty="0" smtClean="0"/>
-              <a:t> </a:t>
-            </a:r>
-            <a:r>
-              <a:rPr lang="en-US" baseline="0" dirty="0" err="1" smtClean="0"/>
-              <a:t>google</a:t>
-            </a:r>
-            <a:r>
-              <a:rPr lang="en-US" baseline="0" dirty="0" smtClean="0"/>
-              <a:t> API </a:t>
-            </a:r>
-            <a:r>
-              <a:rPr lang="en-US" baseline="0" dirty="0" err="1" smtClean="0"/>
-              <a:t>trả</a:t>
-            </a:r>
-            <a:r>
-              <a:rPr lang="en-US" baseline="0" dirty="0" smtClean="0"/>
-              <a:t> </a:t>
-            </a:r>
-            <a:r>
-              <a:rPr lang="en-US" baseline="0" dirty="0" err="1" smtClean="0"/>
-              <a:t>về</a:t>
-            </a:r>
-            <a:r>
-              <a:rPr lang="en-US" baseline="0" dirty="0" smtClean="0"/>
-              <a:t> text </a:t>
-            </a:r>
-            <a:r>
-              <a:rPr lang="en-US" baseline="0" dirty="0" err="1" smtClean="0"/>
-              <a:t>hoặc</a:t>
-            </a:r>
-            <a:r>
-              <a:rPr lang="en-US" baseline="0" dirty="0" smtClean="0"/>
-              <a:t> </a:t>
-            </a:r>
-            <a:r>
-              <a:rPr lang="en-US" baseline="0" dirty="0" err="1" smtClean="0"/>
-              <a:t>là</a:t>
-            </a:r>
-            <a:r>
-              <a:rPr lang="en-US" baseline="0" dirty="0" smtClean="0"/>
-              <a:t> search </a:t>
-            </a:r>
-            <a:r>
-              <a:rPr lang="en-US" baseline="0" dirty="0" err="1" smtClean="0"/>
-              <a:t>bằng</a:t>
-            </a:r>
-            <a:r>
-              <a:rPr lang="en-US" baseline="0" dirty="0" smtClean="0"/>
-              <a:t> text.</a:t>
-            </a:r>
-          </a:p>
-          <a:p>
-            <a:r>
-              <a:rPr lang="en-US" baseline="0" dirty="0" err="1" smtClean="0"/>
-              <a:t>Sau</a:t>
-            </a:r>
-            <a:r>
-              <a:rPr lang="en-US" baseline="0" dirty="0" smtClean="0"/>
-              <a:t> </a:t>
-            </a:r>
-            <a:r>
-              <a:rPr lang="en-US" baseline="0" dirty="0" err="1" smtClean="0"/>
-              <a:t>đó</a:t>
-            </a:r>
-            <a:r>
-              <a:rPr lang="en-US" baseline="0" dirty="0" smtClean="0"/>
-              <a:t> </a:t>
-            </a:r>
-            <a:r>
-              <a:rPr lang="en-US" baseline="0" dirty="0" err="1" smtClean="0"/>
-              <a:t>gửi</a:t>
-            </a:r>
-            <a:r>
-              <a:rPr lang="en-US" baseline="0" dirty="0" smtClean="0"/>
-              <a:t>   </a:t>
-            </a:r>
-            <a:endParaRPr lang="en-US" dirty="0" smtClean="0"/>
-          </a:p>
-          <a:p>
-            <a:endParaRPr lang="en-US" dirty="0" smtClean="0"/>
-          </a:p>
-          <a:p>
-            <a:r>
-              <a:rPr lang="en-US" dirty="0" err="1" smtClean="0"/>
-              <a:t>Tương</a:t>
-            </a:r>
-            <a:r>
-              <a:rPr lang="en-US" baseline="0" dirty="0" smtClean="0"/>
-              <a:t> </a:t>
-            </a:r>
-            <a:r>
-              <a:rPr lang="en-US" baseline="0" dirty="0" err="1" smtClean="0"/>
-              <a:t>tự</a:t>
-            </a:r>
-            <a:r>
-              <a:rPr lang="en-US" baseline="0" dirty="0" smtClean="0"/>
-              <a:t> </a:t>
-            </a:r>
-            <a:r>
-              <a:rPr lang="en-US" baseline="0" dirty="0" err="1" smtClean="0"/>
-              <a:t>như</a:t>
-            </a:r>
-            <a:r>
-              <a:rPr lang="en-US" baseline="0" dirty="0" smtClean="0"/>
-              <a:t> </a:t>
-            </a:r>
-            <a:r>
-              <a:rPr lang="en-US" baseline="0" dirty="0" err="1" smtClean="0"/>
-              <a:t>xe</a:t>
-            </a:r>
-            <a:r>
-              <a:rPr lang="en-US" baseline="0" dirty="0" smtClean="0"/>
-              <a:t> bus..</a:t>
-            </a:r>
-            <a:r>
-              <a:rPr lang="en-US" baseline="0" dirty="0" err="1" smtClean="0"/>
-              <a:t>chúng</a:t>
-            </a:r>
-            <a:r>
-              <a:rPr lang="en-US" baseline="0" dirty="0" smtClean="0"/>
-              <a:t> ta </a:t>
-            </a:r>
-            <a:r>
-              <a:rPr lang="en-US" baseline="0" dirty="0" err="1" smtClean="0"/>
-              <a:t>cũng</a:t>
-            </a:r>
-            <a:r>
-              <a:rPr lang="en-US" baseline="0" dirty="0" smtClean="0"/>
-              <a:t> </a:t>
-            </a:r>
-            <a:r>
-              <a:rPr lang="en-US" baseline="0" dirty="0" err="1" smtClean="0"/>
-              <a:t>có</a:t>
-            </a:r>
-            <a:r>
-              <a:rPr lang="en-US" baseline="0" dirty="0" smtClean="0"/>
-              <a:t> </a:t>
-            </a:r>
-            <a:r>
-              <a:rPr lang="en-US" baseline="0" dirty="0" err="1" smtClean="0"/>
-              <a:t>thể</a:t>
-            </a:r>
-            <a:r>
-              <a:rPr lang="en-US" baseline="0" dirty="0" smtClean="0"/>
-              <a:t> search </a:t>
-            </a:r>
-            <a:r>
-              <a:rPr lang="en-US" baseline="0" dirty="0" err="1" smtClean="0"/>
-              <a:t>theo</a:t>
-            </a:r>
-            <a:r>
-              <a:rPr lang="en-US" baseline="0" dirty="0" smtClean="0"/>
-              <a:t> 2 </a:t>
-            </a:r>
-            <a:r>
-              <a:rPr lang="en-US" baseline="0" dirty="0" err="1" smtClean="0"/>
-              <a:t>cách</a:t>
-            </a:r>
-            <a:r>
-              <a:rPr lang="en-US" baseline="0" dirty="0" smtClean="0"/>
-              <a:t> </a:t>
-            </a:r>
-            <a:r>
-              <a:rPr lang="en-US" baseline="0" dirty="0" err="1" smtClean="0"/>
-              <a:t>là</a:t>
-            </a:r>
-            <a:r>
-              <a:rPr lang="en-US" baseline="0" dirty="0" smtClean="0"/>
-              <a:t> </a:t>
-            </a:r>
-            <a:r>
-              <a:rPr lang="en-US" baseline="0" dirty="0" err="1" smtClean="0"/>
-              <a:t>giọng</a:t>
-            </a:r>
-            <a:r>
-              <a:rPr lang="en-US" baseline="0" dirty="0" smtClean="0"/>
-              <a:t> </a:t>
-            </a:r>
-            <a:r>
-              <a:rPr lang="en-US" baseline="0" dirty="0" err="1" smtClean="0"/>
-              <a:t>nói</a:t>
-            </a:r>
-            <a:r>
-              <a:rPr lang="en-US" baseline="0" dirty="0" smtClean="0"/>
-              <a:t> </a:t>
-            </a:r>
-            <a:r>
-              <a:rPr lang="en-US" baseline="0" dirty="0" err="1" smtClean="0"/>
-              <a:t>và</a:t>
-            </a:r>
-            <a:r>
-              <a:rPr lang="en-US" baseline="0" dirty="0" smtClean="0"/>
-              <a:t> text. </a:t>
-            </a:r>
-            <a:r>
-              <a:rPr lang="en-US" baseline="0" dirty="0" err="1" smtClean="0"/>
-              <a:t>Để</a:t>
-            </a:r>
-            <a:r>
-              <a:rPr lang="en-US" baseline="0" dirty="0" smtClean="0"/>
-              <a:t> </a:t>
-            </a:r>
-            <a:r>
-              <a:rPr lang="en-US" baseline="0" dirty="0" err="1" smtClean="0"/>
-              <a:t>tìm</a:t>
-            </a:r>
-            <a:r>
-              <a:rPr lang="en-US" baseline="0" dirty="0" smtClean="0"/>
-              <a:t> </a:t>
-            </a:r>
-            <a:r>
-              <a:rPr lang="en-US" baseline="0" dirty="0" err="1" smtClean="0"/>
-              <a:t>kiếm</a:t>
-            </a:r>
-            <a:r>
-              <a:rPr lang="en-US" baseline="0" dirty="0" smtClean="0"/>
-              <a:t> </a:t>
-            </a:r>
-            <a:r>
-              <a:rPr lang="en-US" baseline="0" dirty="0" err="1" smtClean="0"/>
-              <a:t>dường</a:t>
-            </a:r>
-            <a:r>
-              <a:rPr lang="en-US" baseline="0" dirty="0" smtClean="0"/>
-              <a:t> </a:t>
-            </a:r>
-            <a:r>
-              <a:rPr lang="en-US" baseline="0" dirty="0" err="1" smtClean="0"/>
-              <a:t>đi</a:t>
-            </a:r>
-            <a:r>
-              <a:rPr lang="en-US" baseline="0" dirty="0" smtClean="0"/>
-              <a:t>. </a:t>
-            </a:r>
-            <a:r>
-              <a:rPr lang="en-US" baseline="0" dirty="0" err="1" smtClean="0"/>
-              <a:t>Nó</a:t>
-            </a:r>
-            <a:r>
-              <a:rPr lang="en-US" baseline="0" dirty="0" smtClean="0"/>
-              <a:t> </a:t>
-            </a:r>
-            <a:r>
-              <a:rPr lang="en-US" baseline="0" dirty="0" err="1" smtClean="0"/>
-              <a:t>sẽ</a:t>
-            </a:r>
-            <a:r>
-              <a:rPr lang="en-US" baseline="0" dirty="0" smtClean="0"/>
-              <a:t> </a:t>
-            </a:r>
-            <a:r>
-              <a:rPr lang="en-US" baseline="0" dirty="0" err="1" smtClean="0"/>
-              <a:t>gửi</a:t>
-            </a:r>
-            <a:r>
-              <a:rPr lang="en-US" baseline="0" dirty="0" smtClean="0"/>
-              <a:t> request </a:t>
-            </a:r>
-            <a:r>
-              <a:rPr lang="en-US" baseline="0" dirty="0" err="1" smtClean="0"/>
-              <a:t>lên</a:t>
-            </a:r>
-            <a:r>
-              <a:rPr lang="en-US" baseline="0" dirty="0" smtClean="0"/>
-              <a:t> </a:t>
-            </a:r>
-            <a:r>
-              <a:rPr lang="en-US" baseline="0" dirty="0" err="1" smtClean="0"/>
-              <a:t>google</a:t>
-            </a:r>
-            <a:r>
-              <a:rPr lang="en-US" baseline="0" dirty="0" smtClean="0"/>
-              <a:t> API. </a:t>
-            </a:r>
-            <a:r>
-              <a:rPr lang="en-US" baseline="0" dirty="0" err="1" smtClean="0"/>
-              <a:t>Chúng</a:t>
-            </a:r>
-            <a:r>
-              <a:rPr lang="en-US" baseline="0" dirty="0" smtClean="0"/>
-              <a:t> ta </a:t>
-            </a:r>
-            <a:r>
-              <a:rPr lang="en-US" baseline="0" dirty="0" err="1" smtClean="0"/>
-              <a:t>dùng</a:t>
-            </a:r>
-            <a:r>
-              <a:rPr lang="en-US" baseline="0" dirty="0" smtClean="0"/>
-              <a:t> </a:t>
-            </a:r>
-            <a:r>
-              <a:rPr lang="en-US" baseline="0" dirty="0" err="1" smtClean="0"/>
-              <a:t>Json</a:t>
-            </a:r>
-            <a:r>
-              <a:rPr lang="en-US" baseline="0" dirty="0" smtClean="0"/>
-              <a:t> </a:t>
-            </a:r>
-            <a:r>
-              <a:rPr lang="en-US" baseline="0" dirty="0" err="1" smtClean="0"/>
-              <a:t>đẻ</a:t>
-            </a:r>
-            <a:r>
-              <a:rPr lang="en-US" baseline="0" dirty="0" smtClean="0"/>
-              <a:t> </a:t>
-            </a:r>
-            <a:r>
-              <a:rPr lang="en-US" baseline="0" dirty="0" err="1" smtClean="0"/>
-              <a:t>sử</a:t>
-            </a:r>
-            <a:r>
-              <a:rPr lang="en-US" baseline="0" dirty="0" smtClean="0"/>
-              <a:t> </a:t>
-            </a:r>
-            <a:r>
-              <a:rPr lang="en-US" baseline="0" dirty="0" err="1" smtClean="0"/>
-              <a:t>lý</a:t>
-            </a:r>
-            <a:r>
-              <a:rPr lang="en-US" baseline="0" dirty="0" smtClean="0"/>
-              <a:t> </a:t>
-            </a:r>
-            <a:r>
-              <a:rPr lang="en-US" baseline="0" dirty="0" err="1" smtClean="0"/>
-              <a:t>kết</a:t>
-            </a:r>
-            <a:r>
-              <a:rPr lang="en-US" baseline="0" dirty="0" smtClean="0"/>
-              <a:t> </a:t>
-            </a:r>
-            <a:r>
-              <a:rPr lang="en-US" baseline="0" dirty="0" err="1" smtClean="0"/>
-              <a:t>quả</a:t>
-            </a:r>
-            <a:r>
-              <a:rPr lang="en-US" baseline="0" dirty="0" smtClean="0"/>
-              <a:t> </a:t>
-            </a:r>
-            <a:r>
-              <a:rPr lang="en-US" baseline="0" dirty="0" err="1" smtClean="0"/>
-              <a:t>trả</a:t>
-            </a:r>
-            <a:r>
-              <a:rPr lang="en-US" baseline="0" dirty="0" smtClean="0"/>
-              <a:t> </a:t>
-            </a:r>
-            <a:r>
-              <a:rPr lang="en-US" baseline="0" dirty="0" err="1" smtClean="0"/>
-              <a:t>về</a:t>
-            </a:r>
-            <a:r>
-              <a:rPr lang="en-US" baseline="0" dirty="0" smtClean="0"/>
-              <a:t>. </a:t>
-            </a:r>
-            <a:r>
-              <a:rPr lang="en-US" baseline="0" dirty="0" err="1" smtClean="0"/>
-              <a:t>Cuối</a:t>
-            </a:r>
-            <a:r>
-              <a:rPr lang="en-US" baseline="0" dirty="0" smtClean="0"/>
-              <a:t> </a:t>
-            </a:r>
-            <a:r>
-              <a:rPr lang="en-US" baseline="0" dirty="0" err="1" smtClean="0"/>
-              <a:t>cùng</a:t>
-            </a:r>
-            <a:r>
-              <a:rPr lang="en-US" baseline="0" dirty="0" smtClean="0"/>
-              <a:t> </a:t>
-            </a:r>
-            <a:r>
-              <a:rPr lang="en-US" baseline="0" dirty="0" err="1" smtClean="0"/>
-              <a:t>là</a:t>
-            </a:r>
-            <a:r>
-              <a:rPr lang="en-US" baseline="0" dirty="0" smtClean="0"/>
-              <a:t> </a:t>
-            </a:r>
-            <a:r>
-              <a:rPr lang="en-US" baseline="0" dirty="0" err="1" smtClean="0"/>
-              <a:t>synchonize</a:t>
-            </a:r>
-            <a:r>
-              <a:rPr lang="en-US" baseline="0" dirty="0" smtClean="0"/>
-              <a:t> </a:t>
-            </a:r>
-            <a:r>
-              <a:rPr lang="en-US" baseline="0" dirty="0" err="1" smtClean="0"/>
-              <a:t>dữ</a:t>
-            </a:r>
-            <a:r>
-              <a:rPr lang="en-US" baseline="0" dirty="0" smtClean="0"/>
-              <a:t> </a:t>
-            </a:r>
-            <a:r>
-              <a:rPr lang="en-US" baseline="0" dirty="0" err="1" smtClean="0"/>
-              <a:t>liệu</a:t>
-            </a:r>
-            <a:r>
-              <a:rPr lang="en-US" baseline="0" dirty="0" smtClean="0"/>
-              <a:t> </a:t>
-            </a:r>
-            <a:r>
-              <a:rPr lang="en-US" baseline="0" dirty="0" err="1" smtClean="0"/>
-              <a:t>với</a:t>
-            </a:r>
-            <a:r>
-              <a:rPr lang="en-US" baseline="0" dirty="0" smtClean="0"/>
-              <a:t> wear </a:t>
-            </a:r>
-            <a:r>
-              <a:rPr lang="en-US" baseline="0" dirty="0" err="1" smtClean="0"/>
-              <a:t>trong</a:t>
-            </a:r>
-            <a:r>
-              <a:rPr lang="en-US" baseline="0" dirty="0" smtClean="0"/>
-              <a:t> </a:t>
-            </a:r>
-            <a:r>
-              <a:rPr lang="en-US" baseline="0" dirty="0" err="1" smtClean="0"/>
-              <a:t>suốt</a:t>
-            </a:r>
-            <a:r>
-              <a:rPr lang="en-US" baseline="0" dirty="0" smtClean="0"/>
-              <a:t> </a:t>
-            </a:r>
-            <a:r>
-              <a:rPr lang="en-US" baseline="0" dirty="0" err="1" smtClean="0"/>
-              <a:t>quá</a:t>
-            </a:r>
-            <a:r>
-              <a:rPr lang="en-US" baseline="0" dirty="0" smtClean="0"/>
-              <a:t> </a:t>
-            </a:r>
-            <a:r>
-              <a:rPr lang="en-US" baseline="0" dirty="0" err="1" smtClean="0"/>
-              <a:t>trính</a:t>
-            </a:r>
-            <a:r>
-              <a:rPr lang="en-US" baseline="0" dirty="0" smtClean="0"/>
-              <a:t> </a:t>
-            </a:r>
-            <a:r>
-              <a:rPr lang="en-US" baseline="0" dirty="0" err="1" smtClean="0"/>
-              <a:t>tham</a:t>
-            </a:r>
-            <a:r>
-              <a:rPr lang="en-US" baseline="0" dirty="0" smtClean="0"/>
-              <a:t> </a:t>
-            </a:r>
-            <a:r>
-              <a:rPr lang="en-US" baseline="0" dirty="0" err="1" smtClean="0"/>
-              <a:t>gia</a:t>
-            </a:r>
-            <a:r>
-              <a:rPr lang="en-US" baseline="0" dirty="0" smtClean="0"/>
-              <a:t> </a:t>
-            </a:r>
-            <a:r>
-              <a:rPr lang="en-US" baseline="0" dirty="0" err="1" smtClean="0"/>
-              <a:t>giao</a:t>
-            </a:r>
-            <a:r>
-              <a:rPr lang="en-US" baseline="0" dirty="0" smtClean="0"/>
-              <a:t> </a:t>
-            </a:r>
-            <a:r>
-              <a:rPr lang="en-US" baseline="0" dirty="0" err="1" smtClean="0"/>
-              <a:t>thông</a:t>
-            </a:r>
-            <a:r>
-              <a:rPr lang="en-US" baseline="0" dirty="0" smtClean="0"/>
-              <a:t>.</a:t>
-            </a:r>
             <a:endParaRPr lang="en-US" dirty="0"/>
           </a:p>
         </p:txBody>
@@ -3767,7 +2686,7 @@
     </p:spTree>
     <p:extLst>
       <p:ext uri="{BB962C8B-B14F-4D97-AF65-F5344CB8AC3E}">
-        <p14:creationId xmlns:p14="http://schemas.microsoft.com/office/powerpoint/2010/main" val="1402480612"/>
+        <p14:creationId xmlns:p14="http://schemas.microsoft.com/office/powerpoint/2010/main" val="800715067"/>
       </p:ext>
     </p:extLst>
   </p:cSld>
@@ -3822,16 +2741,1028 @@
           <a:lstStyle/>
           <a:p>
             <a:r>
+              <a:rPr lang="en-US" baseline="0" dirty="0" err="1" smtClean="0"/>
+              <a:t>Tôi</a:t>
+            </a:r>
+            <a:r>
+              <a:rPr lang="en-US" baseline="0" dirty="0" smtClean="0"/>
+              <a:t> </a:t>
+            </a:r>
+            <a:r>
+              <a:rPr lang="en-US" baseline="0" dirty="0" err="1" smtClean="0"/>
+              <a:t>xin</a:t>
+            </a:r>
+            <a:r>
+              <a:rPr lang="en-US" baseline="0" dirty="0" smtClean="0"/>
+              <a:t> </a:t>
+            </a:r>
+            <a:r>
+              <a:rPr lang="en-US" baseline="0" dirty="0" err="1" smtClean="0"/>
+              <a:t>trình</a:t>
+            </a:r>
+            <a:r>
+              <a:rPr lang="en-US" baseline="0" dirty="0" smtClean="0"/>
+              <a:t> </a:t>
+            </a:r>
+            <a:r>
+              <a:rPr lang="en-US" baseline="0" dirty="0" err="1" smtClean="0"/>
+              <a:t>bày</a:t>
+            </a:r>
+            <a:r>
+              <a:rPr lang="en-US" baseline="0" dirty="0" smtClean="0"/>
+              <a:t> </a:t>
+            </a:r>
+            <a:r>
+              <a:rPr lang="en-US" baseline="0" dirty="0" err="1" smtClean="0"/>
+              <a:t>về</a:t>
+            </a:r>
+            <a:r>
+              <a:rPr lang="en-US" baseline="0" dirty="0" smtClean="0"/>
+              <a:t> </a:t>
+            </a:r>
+            <a:r>
+              <a:rPr lang="en-US" baseline="0" dirty="0" err="1" smtClean="0"/>
+              <a:t>kiến</a:t>
+            </a:r>
+            <a:r>
+              <a:rPr lang="en-US" baseline="0" dirty="0" smtClean="0"/>
+              <a:t> </a:t>
+            </a:r>
+            <a:r>
+              <a:rPr lang="en-US" baseline="0" dirty="0" err="1" smtClean="0"/>
+              <a:t>trúc</a:t>
+            </a:r>
+            <a:r>
+              <a:rPr lang="en-US" baseline="0" dirty="0" smtClean="0"/>
+              <a:t>….</a:t>
+            </a:r>
+            <a:r>
+              <a:rPr lang="en-US" baseline="0" dirty="0" err="1" smtClean="0"/>
+              <a:t>và</a:t>
+            </a:r>
+            <a:r>
+              <a:rPr lang="en-US" baseline="0" dirty="0" smtClean="0"/>
+              <a:t> </a:t>
+            </a:r>
+            <a:r>
+              <a:rPr lang="en-US" baseline="0" dirty="0" err="1" smtClean="0"/>
+              <a:t>thứ</a:t>
+            </a:r>
+            <a:r>
+              <a:rPr lang="en-US" baseline="0" dirty="0" smtClean="0"/>
+              <a:t> </a:t>
+            </a:r>
+            <a:r>
+              <a:rPr lang="en-US" baseline="0" dirty="0" err="1" smtClean="0"/>
+              <a:t>tự</a:t>
+            </a:r>
+            <a:r>
+              <a:rPr lang="en-US" baseline="0" dirty="0" smtClean="0"/>
+              <a:t> </a:t>
+            </a:r>
+            <a:r>
+              <a:rPr lang="en-US" baseline="0" dirty="0" err="1" smtClean="0"/>
+              <a:t>hệ</a:t>
+            </a:r>
+            <a:r>
+              <a:rPr lang="en-US" baseline="0" dirty="0" smtClean="0"/>
+              <a:t> </a:t>
+            </a:r>
+            <a:r>
+              <a:rPr lang="en-US" baseline="0" dirty="0" err="1" smtClean="0"/>
+              <a:t>thống</a:t>
+            </a:r>
+            <a:r>
+              <a:rPr lang="en-US" baseline="0" dirty="0" smtClean="0"/>
+              <a:t> </a:t>
+            </a:r>
+            <a:r>
+              <a:rPr lang="en-US" baseline="0" dirty="0" err="1" smtClean="0"/>
+              <a:t>hoạt</a:t>
+            </a:r>
+            <a:r>
+              <a:rPr lang="en-US" baseline="0" dirty="0" smtClean="0"/>
+              <a:t> </a:t>
+            </a:r>
+            <a:r>
+              <a:rPr lang="en-US" baseline="0" dirty="0" err="1" smtClean="0"/>
+              <a:t>động</a:t>
+            </a:r>
+            <a:r>
+              <a:rPr lang="en-US" baseline="0" dirty="0" smtClean="0"/>
+              <a:t>.</a:t>
+            </a:r>
+          </a:p>
+          <a:p>
+            <a:r>
+              <a:rPr lang="en-US" baseline="0" dirty="0" err="1" smtClean="0"/>
+              <a:t>Thứ</a:t>
+            </a:r>
+            <a:r>
+              <a:rPr lang="en-US" baseline="0" dirty="0" smtClean="0"/>
+              <a:t> </a:t>
+            </a:r>
+            <a:r>
+              <a:rPr lang="en-US" baseline="0" dirty="0" err="1" smtClean="0"/>
+              <a:t>nhất</a:t>
+            </a:r>
+            <a:r>
+              <a:rPr lang="en-US" baseline="0" dirty="0" smtClean="0"/>
+              <a:t> </a:t>
+            </a:r>
+            <a:r>
+              <a:rPr lang="en-US" baseline="0" dirty="0" err="1" smtClean="0"/>
+              <a:t>chúng</a:t>
+            </a:r>
+            <a:r>
+              <a:rPr lang="en-US" baseline="0" dirty="0" smtClean="0"/>
+              <a:t> ta </a:t>
+            </a:r>
+            <a:r>
+              <a:rPr lang="en-US" baseline="0" dirty="0" err="1" smtClean="0"/>
+              <a:t>có</a:t>
+            </a:r>
+            <a:r>
+              <a:rPr lang="en-US" baseline="0" dirty="0" smtClean="0"/>
+              <a:t>  </a:t>
+            </a:r>
+            <a:r>
+              <a:rPr lang="en-US" baseline="0" dirty="0" err="1" smtClean="0"/>
+              <a:t>thể</a:t>
+            </a:r>
+            <a:r>
+              <a:rPr lang="en-US" baseline="0" dirty="0" smtClean="0"/>
+              <a:t> search </a:t>
+            </a:r>
+            <a:r>
+              <a:rPr lang="en-US" baseline="0" dirty="0" err="1" smtClean="0"/>
+              <a:t>đường</a:t>
+            </a:r>
+            <a:r>
+              <a:rPr lang="en-US" baseline="0" dirty="0" smtClean="0"/>
+              <a:t> </a:t>
+            </a:r>
+            <a:r>
+              <a:rPr lang="en-US" baseline="0" dirty="0" err="1" smtClean="0"/>
+              <a:t>đi</a:t>
+            </a:r>
+            <a:r>
+              <a:rPr lang="en-US" baseline="0" dirty="0" smtClean="0"/>
+              <a:t> </a:t>
+            </a:r>
+            <a:r>
+              <a:rPr lang="en-US" baseline="0" dirty="0" err="1" smtClean="0"/>
+              <a:t>bằng</a:t>
+            </a:r>
+            <a:r>
+              <a:rPr lang="en-US" baseline="0" dirty="0" smtClean="0"/>
+              <a:t> </a:t>
+            </a:r>
+            <a:r>
+              <a:rPr lang="en-US" baseline="0" dirty="0" err="1" smtClean="0"/>
+              <a:t>giọng</a:t>
+            </a:r>
+            <a:r>
+              <a:rPr lang="en-US" baseline="0" dirty="0" smtClean="0"/>
+              <a:t> </a:t>
+            </a:r>
+            <a:r>
+              <a:rPr lang="en-US" baseline="0" dirty="0" err="1" smtClean="0"/>
+              <a:t>nói</a:t>
+            </a:r>
+            <a:r>
+              <a:rPr lang="en-US" baseline="0" dirty="0" smtClean="0"/>
+              <a:t> </a:t>
+            </a:r>
+            <a:r>
+              <a:rPr lang="en-US" baseline="0" dirty="0" err="1" smtClean="0"/>
+              <a:t>hoặc</a:t>
+            </a:r>
+            <a:r>
+              <a:rPr lang="en-US" baseline="0" dirty="0" smtClean="0"/>
+              <a:t> </a:t>
+            </a:r>
+            <a:r>
+              <a:rPr lang="en-US" baseline="0" dirty="0" err="1" smtClean="0"/>
+              <a:t>là</a:t>
+            </a:r>
+            <a:r>
+              <a:rPr lang="en-US" baseline="0" dirty="0" smtClean="0"/>
+              <a:t> </a:t>
+            </a:r>
+            <a:r>
+              <a:rPr lang="en-US" baseline="0" dirty="0" err="1" smtClean="0"/>
+              <a:t>bằng</a:t>
+            </a:r>
+            <a:r>
+              <a:rPr lang="en-US" baseline="0" dirty="0" smtClean="0"/>
+              <a:t> text.</a:t>
+            </a:r>
+          </a:p>
+          <a:p>
+            <a:r>
+              <a:rPr lang="en-US" baseline="0" dirty="0" err="1" smtClean="0"/>
+              <a:t>Nếu</a:t>
+            </a:r>
+            <a:r>
+              <a:rPr lang="en-US" baseline="0" dirty="0" smtClean="0"/>
+              <a:t> </a:t>
+            </a:r>
+            <a:r>
+              <a:rPr lang="en-US" baseline="0" dirty="0" err="1" smtClean="0"/>
+              <a:t>bằng</a:t>
+            </a:r>
+            <a:r>
+              <a:rPr lang="en-US" baseline="0" dirty="0" smtClean="0"/>
+              <a:t> </a:t>
+            </a:r>
+            <a:r>
+              <a:rPr lang="en-US" baseline="0" dirty="0" err="1" smtClean="0"/>
+              <a:t>giọng</a:t>
+            </a:r>
+            <a:r>
+              <a:rPr lang="en-US" baseline="0" dirty="0" smtClean="0"/>
+              <a:t> </a:t>
+            </a:r>
+            <a:r>
+              <a:rPr lang="en-US" baseline="0" dirty="0" err="1" smtClean="0"/>
+              <a:t>nói</a:t>
+            </a:r>
+            <a:r>
+              <a:rPr lang="en-US" baseline="0" dirty="0" smtClean="0"/>
+              <a:t> </a:t>
+            </a:r>
+            <a:r>
+              <a:rPr lang="en-US" baseline="0" dirty="0" err="1" smtClean="0"/>
+              <a:t>thì</a:t>
+            </a:r>
+            <a:r>
+              <a:rPr lang="en-US" baseline="0" dirty="0" smtClean="0"/>
+              <a:t> </a:t>
+            </a:r>
+            <a:r>
+              <a:rPr lang="en-US" baseline="0" dirty="0" err="1" smtClean="0"/>
+              <a:t>sẽ</a:t>
+            </a:r>
+            <a:r>
+              <a:rPr lang="en-US" baseline="0" dirty="0" smtClean="0"/>
+              <a:t> </a:t>
+            </a:r>
+            <a:r>
+              <a:rPr lang="en-US" baseline="0" dirty="0" err="1" smtClean="0"/>
+              <a:t>gửi</a:t>
+            </a:r>
+            <a:r>
+              <a:rPr lang="en-US" baseline="0" dirty="0" smtClean="0"/>
+              <a:t> </a:t>
+            </a:r>
+            <a:r>
+              <a:rPr lang="en-US" baseline="0" dirty="0" err="1" smtClean="0"/>
+              <a:t>lên</a:t>
+            </a:r>
+            <a:r>
+              <a:rPr lang="en-US" baseline="0" dirty="0" smtClean="0"/>
+              <a:t> </a:t>
+            </a:r>
+            <a:r>
+              <a:rPr lang="en-US" baseline="0" dirty="0" err="1" smtClean="0"/>
+              <a:t>google</a:t>
+            </a:r>
+            <a:r>
+              <a:rPr lang="en-US" baseline="0" dirty="0" smtClean="0"/>
+              <a:t> API </a:t>
+            </a:r>
+            <a:r>
+              <a:rPr lang="en-US" baseline="0" dirty="0" err="1" smtClean="0"/>
+              <a:t>và</a:t>
+            </a:r>
+            <a:r>
+              <a:rPr lang="en-US" baseline="0" dirty="0" smtClean="0"/>
+              <a:t> </a:t>
+            </a:r>
+            <a:r>
+              <a:rPr lang="en-US" baseline="0" dirty="0" err="1" smtClean="0"/>
+              <a:t>trả</a:t>
+            </a:r>
+            <a:r>
+              <a:rPr lang="en-US" baseline="0" dirty="0" smtClean="0"/>
+              <a:t> </a:t>
+            </a:r>
+            <a:r>
+              <a:rPr lang="en-US" baseline="0" dirty="0" err="1" smtClean="0"/>
+              <a:t>về</a:t>
+            </a:r>
+            <a:r>
+              <a:rPr lang="en-US" baseline="0" dirty="0" smtClean="0"/>
+              <a:t>  </a:t>
+            </a:r>
+            <a:r>
+              <a:rPr lang="en-US" baseline="0" dirty="0" err="1" smtClean="0"/>
+              <a:t>địa</a:t>
+            </a:r>
+            <a:r>
+              <a:rPr lang="en-US" baseline="0" dirty="0" smtClean="0"/>
+              <a:t> </a:t>
+            </a:r>
+            <a:r>
+              <a:rPr lang="en-US" baseline="0" dirty="0" err="1" smtClean="0"/>
+              <a:t>chỉ</a:t>
+            </a:r>
+            <a:r>
+              <a:rPr lang="en-US" baseline="0" dirty="0" smtClean="0"/>
+              <a:t> </a:t>
+            </a:r>
+            <a:r>
+              <a:rPr lang="en-US" baseline="0" dirty="0" err="1" smtClean="0"/>
+              <a:t>dạng</a:t>
+            </a:r>
+            <a:r>
+              <a:rPr lang="en-US" baseline="0" dirty="0" smtClean="0"/>
+              <a:t> text.</a:t>
+            </a:r>
+          </a:p>
+          <a:p>
+            <a:r>
+              <a:rPr lang="en-US" baseline="0" dirty="0" err="1" smtClean="0"/>
+              <a:t>Tiếp</a:t>
+            </a:r>
+            <a:r>
+              <a:rPr lang="en-US" baseline="0" dirty="0" smtClean="0"/>
+              <a:t> </a:t>
+            </a:r>
+            <a:r>
+              <a:rPr lang="en-US" baseline="0" dirty="0" err="1" smtClean="0"/>
+              <a:t>tục</a:t>
+            </a:r>
+            <a:r>
+              <a:rPr lang="en-US" baseline="0" dirty="0" smtClean="0"/>
+              <a:t> </a:t>
+            </a:r>
+            <a:r>
+              <a:rPr lang="en-US" baseline="0" dirty="0" err="1" smtClean="0"/>
+              <a:t>hệ</a:t>
+            </a:r>
+            <a:r>
+              <a:rPr lang="en-US" baseline="0" dirty="0" smtClean="0"/>
+              <a:t> </a:t>
+            </a:r>
+            <a:r>
+              <a:rPr lang="en-US" baseline="0" dirty="0" err="1" smtClean="0"/>
+              <a:t>thống</a:t>
+            </a:r>
+            <a:r>
+              <a:rPr lang="en-US" baseline="0" dirty="0" smtClean="0"/>
+              <a:t> </a:t>
+            </a:r>
+            <a:r>
+              <a:rPr lang="en-US" baseline="0" dirty="0" err="1" smtClean="0"/>
+              <a:t>sẽ</a:t>
+            </a:r>
+            <a:r>
+              <a:rPr lang="en-US" baseline="0" dirty="0" smtClean="0"/>
+              <a:t> </a:t>
+            </a:r>
+            <a:r>
+              <a:rPr lang="en-US" baseline="0" dirty="0" err="1" smtClean="0"/>
+              <a:t>gửi</a:t>
+            </a:r>
+            <a:r>
+              <a:rPr lang="en-US" baseline="0" dirty="0" smtClean="0"/>
+              <a:t> request </a:t>
+            </a:r>
+            <a:r>
+              <a:rPr lang="en-US" baseline="0" dirty="0" err="1" smtClean="0"/>
+              <a:t>lên</a:t>
+            </a:r>
+            <a:r>
+              <a:rPr lang="en-US" baseline="0" dirty="0" smtClean="0"/>
+              <a:t> bus service do </a:t>
+            </a:r>
+            <a:r>
+              <a:rPr lang="en-US" baseline="0" dirty="0" err="1" smtClean="0"/>
+              <a:t>chúng</a:t>
+            </a:r>
+            <a:r>
+              <a:rPr lang="en-US" baseline="0" dirty="0" smtClean="0"/>
+              <a:t> </a:t>
+            </a:r>
+            <a:r>
+              <a:rPr lang="en-US" baseline="0" dirty="0" err="1" smtClean="0"/>
+              <a:t>tôi</a:t>
+            </a:r>
+            <a:r>
+              <a:rPr lang="en-US" baseline="0" dirty="0" smtClean="0"/>
+              <a:t> </a:t>
+            </a:r>
+            <a:r>
+              <a:rPr lang="en-US" baseline="0" dirty="0" err="1" smtClean="0"/>
+              <a:t>hiện</a:t>
+            </a:r>
+            <a:r>
+              <a:rPr lang="en-US" baseline="0" dirty="0" smtClean="0"/>
+              <a:t> </a:t>
+            </a:r>
+            <a:r>
+              <a:rPr lang="en-US" baseline="0" dirty="0" err="1" smtClean="0"/>
+              <a:t>thực</a:t>
+            </a:r>
+            <a:r>
+              <a:rPr lang="en-US" baseline="0" dirty="0" smtClean="0"/>
+              <a:t> </a:t>
+            </a:r>
+            <a:r>
+              <a:rPr lang="en-US" baseline="0" dirty="0" err="1" smtClean="0"/>
+              <a:t>sẽ</a:t>
+            </a:r>
+            <a:r>
+              <a:rPr lang="en-US" baseline="0" dirty="0" smtClean="0"/>
+              <a:t> </a:t>
+            </a:r>
+            <a:r>
+              <a:rPr lang="en-US" baseline="0" dirty="0" err="1" smtClean="0"/>
+              <a:t>trả</a:t>
+            </a:r>
+            <a:r>
+              <a:rPr lang="en-US" baseline="0" dirty="0" smtClean="0"/>
+              <a:t> </a:t>
+            </a:r>
+            <a:r>
+              <a:rPr lang="en-US" baseline="0" dirty="0" err="1" smtClean="0"/>
+              <a:t>về</a:t>
+            </a:r>
+            <a:r>
+              <a:rPr lang="en-US" baseline="0" dirty="0" smtClean="0"/>
+              <a:t> list </a:t>
+            </a:r>
+            <a:r>
+              <a:rPr lang="en-US" baseline="0" dirty="0" err="1" smtClean="0"/>
+              <a:t>của</a:t>
+            </a:r>
+            <a:r>
+              <a:rPr lang="en-US" baseline="0" dirty="0" smtClean="0"/>
+              <a:t> </a:t>
+            </a:r>
+            <a:r>
+              <a:rPr lang="en-US" baseline="0" dirty="0" err="1" smtClean="0"/>
+              <a:t>các</a:t>
+            </a:r>
+            <a:r>
+              <a:rPr lang="en-US" baseline="0" dirty="0" smtClean="0"/>
+              <a:t> result.</a:t>
+            </a:r>
+          </a:p>
+          <a:p>
+            <a:r>
+              <a:rPr lang="en-US" baseline="0" dirty="0" err="1" smtClean="0"/>
+              <a:t>Tiếp</a:t>
+            </a:r>
+            <a:r>
+              <a:rPr lang="en-US" baseline="0" dirty="0" smtClean="0"/>
+              <a:t> </a:t>
+            </a:r>
+            <a:r>
+              <a:rPr lang="en-US" baseline="0" dirty="0" err="1" smtClean="0"/>
+              <a:t>tục</a:t>
+            </a:r>
+            <a:r>
+              <a:rPr lang="en-US" baseline="0" dirty="0" smtClean="0"/>
+              <a:t> </a:t>
+            </a:r>
+            <a:r>
+              <a:rPr lang="en-US" baseline="0" dirty="0" err="1" smtClean="0"/>
+              <a:t>hệ</a:t>
+            </a:r>
+            <a:r>
+              <a:rPr lang="en-US" baseline="0" dirty="0" smtClean="0"/>
+              <a:t> </a:t>
+            </a:r>
+            <a:r>
+              <a:rPr lang="en-US" baseline="0" dirty="0" err="1" smtClean="0"/>
+              <a:t>thống</a:t>
+            </a:r>
+            <a:r>
+              <a:rPr lang="en-US" baseline="0" dirty="0" smtClean="0"/>
+              <a:t> </a:t>
+            </a:r>
+            <a:r>
+              <a:rPr lang="en-US" baseline="0" dirty="0" err="1" smtClean="0"/>
+              <a:t>sẽ</a:t>
+            </a:r>
+            <a:r>
+              <a:rPr lang="en-US" baseline="0" dirty="0" smtClean="0"/>
+              <a:t> </a:t>
+            </a:r>
+            <a:r>
+              <a:rPr lang="en-US" baseline="0" dirty="0" err="1" smtClean="0"/>
+              <a:t>gửi</a:t>
+            </a:r>
+            <a:r>
+              <a:rPr lang="en-US" baseline="0" dirty="0" smtClean="0"/>
+              <a:t> </a:t>
+            </a:r>
+            <a:r>
+              <a:rPr lang="en-US" baseline="0" dirty="0" err="1" smtClean="0"/>
+              <a:t>requesst</a:t>
+            </a:r>
+            <a:r>
+              <a:rPr lang="en-US" baseline="0" dirty="0" smtClean="0"/>
+              <a:t> </a:t>
+            </a:r>
+            <a:r>
+              <a:rPr lang="en-US" baseline="0" dirty="0" err="1" smtClean="0"/>
+              <a:t>lên</a:t>
+            </a:r>
+            <a:r>
+              <a:rPr lang="en-US" baseline="0" dirty="0" smtClean="0"/>
+              <a:t> FPT service </a:t>
+            </a:r>
+            <a:r>
+              <a:rPr lang="en-US" baseline="0" dirty="0" err="1" smtClean="0"/>
+              <a:t>để</a:t>
+            </a:r>
+            <a:r>
+              <a:rPr lang="en-US" baseline="0" dirty="0" smtClean="0"/>
+              <a:t> </a:t>
+            </a:r>
+            <a:r>
+              <a:rPr lang="en-US" baseline="0" dirty="0" err="1" smtClean="0"/>
+              <a:t>lấy</a:t>
+            </a:r>
+            <a:r>
+              <a:rPr lang="en-US" baseline="0" dirty="0" smtClean="0"/>
+              <a:t> </a:t>
+            </a:r>
+            <a:r>
+              <a:rPr lang="en-US" baseline="0" dirty="0" err="1" smtClean="0"/>
+              <a:t>các</a:t>
+            </a:r>
+            <a:r>
+              <a:rPr lang="en-US" baseline="0" dirty="0" smtClean="0"/>
+              <a:t> file </a:t>
+            </a:r>
+            <a:r>
+              <a:rPr lang="en-US" baseline="0" dirty="0" err="1" smtClean="0"/>
+              <a:t>hướng</a:t>
+            </a:r>
+            <a:r>
+              <a:rPr lang="en-US" baseline="0" dirty="0" smtClean="0"/>
+              <a:t> </a:t>
+            </a:r>
+            <a:r>
+              <a:rPr lang="en-US" baseline="0" dirty="0" err="1" smtClean="0"/>
+              <a:t>dẫn</a:t>
+            </a:r>
+            <a:r>
+              <a:rPr lang="en-US" baseline="0" dirty="0" smtClean="0"/>
+              <a:t> </a:t>
+            </a:r>
+            <a:r>
+              <a:rPr lang="en-US" baseline="0" dirty="0" err="1" smtClean="0"/>
+              <a:t>đường</a:t>
+            </a:r>
+            <a:r>
+              <a:rPr lang="en-US" baseline="0" dirty="0" smtClean="0"/>
+              <a:t> ở </a:t>
+            </a:r>
+            <a:r>
+              <a:rPr lang="en-US" baseline="0" dirty="0" err="1" smtClean="0"/>
+              <a:t>dạng</a:t>
+            </a:r>
+            <a:r>
+              <a:rPr lang="en-US" baseline="0" dirty="0" smtClean="0"/>
+              <a:t> audio. </a:t>
+            </a:r>
+          </a:p>
+          <a:p>
+            <a:r>
+              <a:rPr lang="en-US" baseline="0" dirty="0" err="1" smtClean="0"/>
+              <a:t>Tiếp</a:t>
+            </a:r>
+            <a:r>
+              <a:rPr lang="en-US" baseline="0" dirty="0" smtClean="0"/>
+              <a:t> </a:t>
+            </a:r>
+            <a:r>
+              <a:rPr lang="en-US" baseline="0" dirty="0" err="1" smtClean="0"/>
+              <a:t>tục</a:t>
+            </a:r>
+            <a:r>
+              <a:rPr lang="en-US" baseline="0" dirty="0" smtClean="0"/>
+              <a:t> </a:t>
+            </a:r>
+            <a:r>
+              <a:rPr lang="en-US" baseline="0" dirty="0" err="1" smtClean="0"/>
+              <a:t>hệ</a:t>
+            </a:r>
+            <a:r>
+              <a:rPr lang="en-US" baseline="0" dirty="0" smtClean="0"/>
+              <a:t> </a:t>
+            </a:r>
+            <a:r>
+              <a:rPr lang="en-US" baseline="0" dirty="0" err="1" smtClean="0"/>
+              <a:t>thống</a:t>
+            </a:r>
+            <a:r>
+              <a:rPr lang="en-US" baseline="0" dirty="0" smtClean="0"/>
+              <a:t> </a:t>
+            </a:r>
+            <a:r>
+              <a:rPr lang="en-US" baseline="0" dirty="0" err="1" smtClean="0"/>
+              <a:t>sẽ</a:t>
+            </a:r>
+            <a:r>
+              <a:rPr lang="en-US" baseline="0" dirty="0" smtClean="0"/>
+              <a:t> </a:t>
+            </a:r>
+            <a:r>
+              <a:rPr lang="en-US" baseline="0" dirty="0" err="1" smtClean="0"/>
+              <a:t>treaminze</a:t>
+            </a:r>
+            <a:r>
+              <a:rPr lang="en-US" baseline="0" dirty="0" smtClean="0"/>
+              <a:t> </a:t>
+            </a:r>
+            <a:r>
+              <a:rPr lang="en-US" baseline="0" dirty="0" err="1" smtClean="0"/>
+              <a:t>dữ</a:t>
+            </a:r>
+            <a:r>
+              <a:rPr lang="en-US" baseline="0" dirty="0" smtClean="0"/>
+              <a:t> </a:t>
+            </a:r>
+            <a:r>
+              <a:rPr lang="en-US" baseline="0" dirty="0" err="1" smtClean="0"/>
+              <a:t>liệu</a:t>
+            </a:r>
+            <a:r>
+              <a:rPr lang="en-US" baseline="0" dirty="0" smtClean="0"/>
+              <a:t> qua </a:t>
+            </a:r>
+            <a:r>
+              <a:rPr lang="en-US" baseline="0" dirty="0" err="1" smtClean="0"/>
+              <a:t>lại</a:t>
+            </a:r>
+            <a:r>
+              <a:rPr lang="en-US" baseline="0" dirty="0" smtClean="0"/>
+              <a:t> </a:t>
+            </a:r>
+            <a:r>
+              <a:rPr lang="en-US" baseline="0" dirty="0" err="1" smtClean="0"/>
+              <a:t>giữa</a:t>
+            </a:r>
+            <a:r>
+              <a:rPr lang="en-US" baseline="0" dirty="0" smtClean="0"/>
+              <a:t> wear </a:t>
+            </a:r>
+            <a:r>
+              <a:rPr lang="en-US" baseline="0" dirty="0" err="1" smtClean="0"/>
+              <a:t>và</a:t>
+            </a:r>
+            <a:r>
+              <a:rPr lang="en-US" baseline="0" dirty="0" smtClean="0"/>
+              <a:t> mobile</a:t>
+            </a:r>
+          </a:p>
+          <a:p>
+            <a:r>
+              <a:rPr lang="en-US" baseline="0" dirty="0" err="1" smtClean="0"/>
+              <a:t>Người</a:t>
+            </a:r>
+            <a:r>
+              <a:rPr lang="en-US" baseline="0" dirty="0" smtClean="0"/>
+              <a:t> </a:t>
+            </a:r>
+            <a:r>
+              <a:rPr lang="en-US" baseline="0" dirty="0" err="1" smtClean="0"/>
+              <a:t>sử</a:t>
+            </a:r>
+            <a:r>
+              <a:rPr lang="en-US" baseline="0" dirty="0" smtClean="0"/>
+              <a:t> </a:t>
+            </a:r>
+            <a:r>
+              <a:rPr lang="en-US" baseline="0" dirty="0" err="1" smtClean="0"/>
+              <a:t>dụng</a:t>
+            </a:r>
+            <a:r>
+              <a:rPr lang="en-US" baseline="0" dirty="0" smtClean="0"/>
+              <a:t> </a:t>
+            </a:r>
+            <a:r>
+              <a:rPr lang="en-US" baseline="0" dirty="0" err="1" smtClean="0"/>
+              <a:t>có</a:t>
+            </a:r>
+            <a:r>
+              <a:rPr lang="en-US" baseline="0" dirty="0" smtClean="0"/>
+              <a:t> </a:t>
+            </a:r>
+            <a:r>
+              <a:rPr lang="en-US" baseline="0" dirty="0" err="1" smtClean="0"/>
+              <a:t>thể</a:t>
+            </a:r>
+            <a:r>
+              <a:rPr lang="en-US" baseline="0" dirty="0" smtClean="0"/>
+              <a:t> </a:t>
+            </a:r>
+            <a:r>
+              <a:rPr lang="en-US" baseline="0" dirty="0" err="1" smtClean="0"/>
+              <a:t>sử</a:t>
+            </a:r>
+            <a:r>
+              <a:rPr lang="en-US" baseline="0" dirty="0" smtClean="0"/>
+              <a:t> </a:t>
+            </a:r>
+            <a:r>
+              <a:rPr lang="en-US" baseline="0" dirty="0" err="1" smtClean="0"/>
+              <a:t>dụng</a:t>
+            </a:r>
+            <a:r>
+              <a:rPr lang="en-US" baseline="0" dirty="0" smtClean="0"/>
+              <a:t> </a:t>
+            </a:r>
+            <a:r>
+              <a:rPr lang="en-US" baseline="0" dirty="0" err="1" smtClean="0"/>
+              <a:t>chức</a:t>
+            </a:r>
+            <a:r>
+              <a:rPr lang="en-US" baseline="0" dirty="0" smtClean="0"/>
+              <a:t> </a:t>
+            </a:r>
+            <a:r>
+              <a:rPr lang="en-US" baseline="0" dirty="0" err="1" smtClean="0"/>
+              <a:t>năng</a:t>
+            </a:r>
+            <a:r>
+              <a:rPr lang="en-US" baseline="0" dirty="0" smtClean="0"/>
+              <a:t> </a:t>
+            </a:r>
+            <a:r>
+              <a:rPr lang="en-US" baseline="0" dirty="0" err="1" smtClean="0"/>
+              <a:t>giọng</a:t>
+            </a:r>
+            <a:r>
+              <a:rPr lang="en-US" baseline="0" dirty="0" smtClean="0"/>
+              <a:t> </a:t>
+            </a:r>
+            <a:r>
+              <a:rPr lang="en-US" baseline="0" dirty="0" err="1" smtClean="0"/>
+              <a:t>nói</a:t>
+            </a:r>
+            <a:r>
+              <a:rPr lang="en-US" baseline="0" dirty="0" smtClean="0"/>
+              <a:t> </a:t>
+            </a:r>
+            <a:r>
+              <a:rPr lang="en-US" baseline="0" dirty="0" err="1" smtClean="0"/>
+              <a:t>gửi</a:t>
+            </a:r>
+            <a:r>
+              <a:rPr lang="en-US" baseline="0" dirty="0" smtClean="0"/>
+              <a:t> </a:t>
+            </a:r>
+            <a:r>
+              <a:rPr lang="en-US" baseline="0" dirty="0" err="1" smtClean="0"/>
+              <a:t>lên</a:t>
+            </a:r>
+            <a:r>
+              <a:rPr lang="en-US" baseline="0" dirty="0" smtClean="0"/>
+              <a:t> </a:t>
+            </a:r>
+            <a:r>
+              <a:rPr lang="en-US" baseline="0" dirty="0" err="1" smtClean="0"/>
+              <a:t>google</a:t>
+            </a:r>
+            <a:r>
+              <a:rPr lang="en-US" baseline="0" dirty="0" smtClean="0"/>
+              <a:t> API </a:t>
+            </a:r>
+            <a:r>
+              <a:rPr lang="en-US" baseline="0" dirty="0" err="1" smtClean="0"/>
+              <a:t>trả</a:t>
+            </a:r>
+            <a:r>
+              <a:rPr lang="en-US" baseline="0" dirty="0" smtClean="0"/>
+              <a:t> </a:t>
+            </a:r>
+            <a:r>
+              <a:rPr lang="en-US" baseline="0" dirty="0" err="1" smtClean="0"/>
+              <a:t>về</a:t>
+            </a:r>
+            <a:r>
+              <a:rPr lang="en-US" baseline="0" dirty="0" smtClean="0"/>
+              <a:t> text </a:t>
+            </a:r>
+            <a:r>
+              <a:rPr lang="en-US" baseline="0" dirty="0" err="1" smtClean="0"/>
+              <a:t>hoặc</a:t>
+            </a:r>
+            <a:r>
+              <a:rPr lang="en-US" baseline="0" dirty="0" smtClean="0"/>
+              <a:t> </a:t>
+            </a:r>
+            <a:r>
+              <a:rPr lang="en-US" baseline="0" dirty="0" err="1" smtClean="0"/>
+              <a:t>là</a:t>
+            </a:r>
+            <a:r>
+              <a:rPr lang="en-US" baseline="0" dirty="0" smtClean="0"/>
+              <a:t> search </a:t>
+            </a:r>
+            <a:r>
+              <a:rPr lang="en-US" baseline="0" dirty="0" err="1" smtClean="0"/>
+              <a:t>bằng</a:t>
+            </a:r>
+            <a:r>
+              <a:rPr lang="en-US" baseline="0" dirty="0" smtClean="0"/>
+              <a:t> text.</a:t>
+            </a:r>
+          </a:p>
+          <a:p>
+            <a:r>
+              <a:rPr lang="en-US" baseline="0" dirty="0" err="1" smtClean="0"/>
+              <a:t>Sau</a:t>
+            </a:r>
+            <a:r>
+              <a:rPr lang="en-US" baseline="0" dirty="0" smtClean="0"/>
+              <a:t> </a:t>
+            </a:r>
+            <a:r>
+              <a:rPr lang="en-US" baseline="0" dirty="0" err="1" smtClean="0"/>
+              <a:t>đó</a:t>
+            </a:r>
+            <a:r>
+              <a:rPr lang="en-US" baseline="0" dirty="0" smtClean="0"/>
+              <a:t> </a:t>
+            </a:r>
+            <a:r>
+              <a:rPr lang="en-US" baseline="0" dirty="0" err="1" smtClean="0"/>
+              <a:t>gửi</a:t>
+            </a:r>
+            <a:r>
+              <a:rPr lang="en-US" baseline="0" dirty="0" smtClean="0"/>
+              <a:t>   </a:t>
+            </a:r>
+            <a:endParaRPr lang="en-US" dirty="0" smtClean="0"/>
+          </a:p>
+          <a:p>
+            <a:endParaRPr lang="en-US" dirty="0" smtClean="0"/>
+          </a:p>
+          <a:p>
+            <a:r>
               <a:rPr lang="en-US" dirty="0" err="1" smtClean="0"/>
-              <a:t>Thuật</a:t>
-            </a:r>
-            <a:r>
-              <a:rPr lang="en-US" dirty="0" smtClean="0"/>
-              <a:t> </a:t>
-            </a:r>
-            <a:r>
-              <a:rPr lang="en-US" dirty="0" err="1" smtClean="0"/>
-              <a:t>toán</a:t>
+              <a:t>Tương</a:t>
+            </a:r>
+            <a:r>
+              <a:rPr lang="en-US" baseline="0" dirty="0" smtClean="0"/>
+              <a:t> </a:t>
+            </a:r>
+            <a:r>
+              <a:rPr lang="en-US" baseline="0" dirty="0" err="1" smtClean="0"/>
+              <a:t>tự</a:t>
+            </a:r>
+            <a:r>
+              <a:rPr lang="en-US" baseline="0" dirty="0" smtClean="0"/>
+              <a:t> </a:t>
+            </a:r>
+            <a:r>
+              <a:rPr lang="en-US" baseline="0" dirty="0" err="1" smtClean="0"/>
+              <a:t>như</a:t>
+            </a:r>
+            <a:r>
+              <a:rPr lang="en-US" baseline="0" dirty="0" smtClean="0"/>
+              <a:t> </a:t>
+            </a:r>
+            <a:r>
+              <a:rPr lang="en-US" baseline="0" dirty="0" err="1" smtClean="0"/>
+              <a:t>xe</a:t>
+            </a:r>
+            <a:r>
+              <a:rPr lang="en-US" baseline="0" dirty="0" smtClean="0"/>
+              <a:t> bus..</a:t>
+            </a:r>
+            <a:r>
+              <a:rPr lang="en-US" baseline="0" dirty="0" err="1" smtClean="0"/>
+              <a:t>chúng</a:t>
+            </a:r>
+            <a:r>
+              <a:rPr lang="en-US" baseline="0" dirty="0" smtClean="0"/>
+              <a:t> ta </a:t>
+            </a:r>
+            <a:r>
+              <a:rPr lang="en-US" baseline="0" dirty="0" err="1" smtClean="0"/>
+              <a:t>cũng</a:t>
+            </a:r>
+            <a:r>
+              <a:rPr lang="en-US" baseline="0" dirty="0" smtClean="0"/>
+              <a:t> </a:t>
+            </a:r>
+            <a:r>
+              <a:rPr lang="en-US" baseline="0" dirty="0" err="1" smtClean="0"/>
+              <a:t>có</a:t>
+            </a:r>
+            <a:r>
+              <a:rPr lang="en-US" baseline="0" dirty="0" smtClean="0"/>
+              <a:t> </a:t>
+            </a:r>
+            <a:r>
+              <a:rPr lang="en-US" baseline="0" dirty="0" err="1" smtClean="0"/>
+              <a:t>thể</a:t>
+            </a:r>
+            <a:r>
+              <a:rPr lang="en-US" baseline="0" dirty="0" smtClean="0"/>
+              <a:t> search </a:t>
+            </a:r>
+            <a:r>
+              <a:rPr lang="en-US" baseline="0" dirty="0" err="1" smtClean="0"/>
+              <a:t>theo</a:t>
+            </a:r>
+            <a:r>
+              <a:rPr lang="en-US" baseline="0" dirty="0" smtClean="0"/>
+              <a:t> 2 </a:t>
+            </a:r>
+            <a:r>
+              <a:rPr lang="en-US" baseline="0" dirty="0" err="1" smtClean="0"/>
+              <a:t>cách</a:t>
+            </a:r>
+            <a:r>
+              <a:rPr lang="en-US" baseline="0" dirty="0" smtClean="0"/>
+              <a:t> </a:t>
+            </a:r>
+            <a:r>
+              <a:rPr lang="en-US" baseline="0" dirty="0" err="1" smtClean="0"/>
+              <a:t>là</a:t>
+            </a:r>
+            <a:r>
+              <a:rPr lang="en-US" baseline="0" dirty="0" smtClean="0"/>
+              <a:t> </a:t>
+            </a:r>
+            <a:r>
+              <a:rPr lang="en-US" baseline="0" dirty="0" err="1" smtClean="0"/>
+              <a:t>giọng</a:t>
+            </a:r>
+            <a:r>
+              <a:rPr lang="en-US" baseline="0" dirty="0" smtClean="0"/>
+              <a:t> </a:t>
+            </a:r>
+            <a:r>
+              <a:rPr lang="en-US" baseline="0" dirty="0" err="1" smtClean="0"/>
+              <a:t>nói</a:t>
+            </a:r>
+            <a:r>
+              <a:rPr lang="en-US" baseline="0" dirty="0" smtClean="0"/>
+              <a:t> </a:t>
+            </a:r>
+            <a:r>
+              <a:rPr lang="en-US" baseline="0" dirty="0" err="1" smtClean="0"/>
+              <a:t>và</a:t>
+            </a:r>
+            <a:r>
+              <a:rPr lang="en-US" baseline="0" dirty="0" smtClean="0"/>
+              <a:t> text. </a:t>
+            </a:r>
+            <a:r>
+              <a:rPr lang="en-US" baseline="0" dirty="0" err="1" smtClean="0"/>
+              <a:t>Để</a:t>
+            </a:r>
+            <a:r>
+              <a:rPr lang="en-US" baseline="0" dirty="0" smtClean="0"/>
+              <a:t> </a:t>
+            </a:r>
+            <a:r>
+              <a:rPr lang="en-US" baseline="0" dirty="0" err="1" smtClean="0"/>
+              <a:t>tìm</a:t>
+            </a:r>
+            <a:r>
+              <a:rPr lang="en-US" baseline="0" dirty="0" smtClean="0"/>
+              <a:t> </a:t>
+            </a:r>
+            <a:r>
+              <a:rPr lang="en-US" baseline="0" dirty="0" err="1" smtClean="0"/>
+              <a:t>kiếm</a:t>
+            </a:r>
+            <a:r>
+              <a:rPr lang="en-US" baseline="0" dirty="0" smtClean="0"/>
+              <a:t> </a:t>
+            </a:r>
+            <a:r>
+              <a:rPr lang="en-US" baseline="0" dirty="0" err="1" smtClean="0"/>
+              <a:t>dường</a:t>
+            </a:r>
+            <a:r>
+              <a:rPr lang="en-US" baseline="0" dirty="0" smtClean="0"/>
+              <a:t> </a:t>
+            </a:r>
+            <a:r>
+              <a:rPr lang="en-US" baseline="0" dirty="0" err="1" smtClean="0"/>
+              <a:t>đi</a:t>
+            </a:r>
+            <a:r>
+              <a:rPr lang="en-US" baseline="0" dirty="0" smtClean="0"/>
+              <a:t>. </a:t>
+            </a:r>
+            <a:r>
+              <a:rPr lang="en-US" baseline="0" dirty="0" err="1" smtClean="0"/>
+              <a:t>Nó</a:t>
             </a:r>
             <a:r>
               <a:rPr lang="en-US" baseline="0" dirty="0" smtClean="0"/>
@@ -3847,91 +3778,11 @@
             </a:r>
             <a:r>
               <a:rPr lang="en-US" baseline="0" dirty="0" err="1" smtClean="0"/>
-              <a:t>liệt</a:t>
-            </a:r>
-            <a:r>
-              <a:rPr lang="en-US" baseline="0" dirty="0" smtClean="0"/>
-              <a:t> </a:t>
-            </a:r>
-            <a:r>
-              <a:rPr lang="en-US" baseline="0" dirty="0" err="1" smtClean="0"/>
-              <a:t>kê</a:t>
-            </a:r>
-            <a:r>
-              <a:rPr lang="en-US" baseline="0" dirty="0" smtClean="0"/>
-              <a:t> </a:t>
-            </a:r>
-            <a:r>
-              <a:rPr lang="en-US" baseline="0" dirty="0" err="1" smtClean="0"/>
-              <a:t>hết</a:t>
-            </a:r>
-            <a:r>
-              <a:rPr lang="en-US" baseline="0" dirty="0" smtClean="0"/>
-              <a:t> </a:t>
-            </a:r>
-            <a:r>
-              <a:rPr lang="en-US" baseline="0" dirty="0" err="1" smtClean="0"/>
-              <a:t>tất</a:t>
-            </a:r>
-            <a:r>
-              <a:rPr lang="en-US" baseline="0" dirty="0" smtClean="0"/>
-              <a:t> </a:t>
-            </a:r>
-            <a:r>
-              <a:rPr lang="en-US" baseline="0" dirty="0" err="1" smtClean="0"/>
-              <a:t>cả</a:t>
-            </a:r>
-            <a:r>
-              <a:rPr lang="en-US" baseline="0" dirty="0" smtClean="0"/>
-              <a:t> </a:t>
-            </a:r>
-            <a:r>
-              <a:rPr lang="en-US" baseline="0" dirty="0" err="1" smtClean="0"/>
-              <a:t>các</a:t>
-            </a:r>
-            <a:r>
-              <a:rPr lang="en-US" baseline="0" dirty="0" smtClean="0"/>
-              <a:t> </a:t>
-            </a:r>
-            <a:r>
-              <a:rPr lang="en-US" baseline="0" dirty="0" err="1" smtClean="0"/>
-              <a:t>trường</a:t>
-            </a:r>
-            <a:r>
-              <a:rPr lang="en-US" baseline="0" dirty="0" smtClean="0"/>
-              <a:t> </a:t>
-            </a:r>
-            <a:r>
-              <a:rPr lang="en-US" baseline="0" dirty="0" err="1" smtClean="0"/>
-              <a:t>hợp</a:t>
-            </a:r>
-            <a:r>
-              <a:rPr lang="en-US" baseline="0" dirty="0" smtClean="0"/>
-              <a:t> </a:t>
-            </a:r>
-            <a:r>
-              <a:rPr lang="en-US" baseline="0" dirty="0" err="1" smtClean="0"/>
-              <a:t>có</a:t>
-            </a:r>
-            <a:r>
-              <a:rPr lang="en-US" baseline="0" dirty="0" smtClean="0"/>
-              <a:t> </a:t>
-            </a:r>
-            <a:r>
-              <a:rPr lang="en-US" baseline="0" dirty="0" err="1" smtClean="0"/>
-              <a:t>thể</a:t>
-            </a:r>
-            <a:r>
-              <a:rPr lang="en-US" baseline="0" dirty="0" smtClean="0"/>
-              <a:t> </a:t>
-            </a:r>
-            <a:r>
-              <a:rPr lang="en-US" baseline="0" dirty="0" err="1" smtClean="0"/>
               <a:t>gửi</a:t>
             </a:r>
             <a:r>
               <a:rPr lang="en-US" baseline="0" dirty="0" smtClean="0"/>
-              <a:t> </a:t>
+              <a:t> request </a:t>
             </a:r>
             <a:r>
               <a:rPr lang="en-US" baseline="0" dirty="0" err="1" smtClean="0"/>
@@ -3947,27 +3798,43 @@
             </a:r>
             <a:r>
               <a:rPr lang="en-US" baseline="0" dirty="0" smtClean="0"/>
-              <a:t> API…</a:t>
-            </a:r>
-            <a:r>
-              <a:rPr lang="en-US" baseline="0" dirty="0" err="1" smtClean="0"/>
-              <a:t>sau</a:t>
-            </a:r>
-            <a:r>
-              <a:rPr lang="en-US" baseline="0" dirty="0" smtClean="0"/>
-              <a:t> </a:t>
-            </a:r>
-            <a:r>
-              <a:rPr lang="en-US" baseline="0" dirty="0" err="1" smtClean="0"/>
-              <a:t>đó</a:t>
-            </a:r>
-            <a:r>
-              <a:rPr lang="en-US" baseline="0" dirty="0" smtClean="0"/>
-              <a:t> </a:t>
-            </a:r>
-            <a:r>
-              <a:rPr lang="en-US" baseline="0" dirty="0" err="1" smtClean="0"/>
-              <a:t>xử</a:t>
+              <a:t> API. </a:t>
+            </a:r>
+            <a:r>
+              <a:rPr lang="en-US" baseline="0" dirty="0" err="1" smtClean="0"/>
+              <a:t>Chúng</a:t>
+            </a:r>
+            <a:r>
+              <a:rPr lang="en-US" baseline="0" dirty="0" smtClean="0"/>
+              <a:t> ta </a:t>
+            </a:r>
+            <a:r>
+              <a:rPr lang="en-US" baseline="0" dirty="0" err="1" smtClean="0"/>
+              <a:t>dùng</a:t>
+            </a:r>
+            <a:r>
+              <a:rPr lang="en-US" baseline="0" dirty="0" smtClean="0"/>
+              <a:t> </a:t>
+            </a:r>
+            <a:r>
+              <a:rPr lang="en-US" baseline="0" dirty="0" err="1" smtClean="0"/>
+              <a:t>Json</a:t>
+            </a:r>
+            <a:r>
+              <a:rPr lang="en-US" baseline="0" dirty="0" smtClean="0"/>
+              <a:t> </a:t>
+            </a:r>
+            <a:r>
+              <a:rPr lang="en-US" baseline="0" dirty="0" err="1" smtClean="0"/>
+              <a:t>đẻ</a:t>
+            </a:r>
+            <a:r>
+              <a:rPr lang="en-US" baseline="0" dirty="0" smtClean="0"/>
+              <a:t> </a:t>
+            </a:r>
+            <a:r>
+              <a:rPr lang="en-US" baseline="0" dirty="0" err="1" smtClean="0"/>
+              <a:t>sử</a:t>
             </a:r>
             <a:r>
               <a:rPr lang="en-US" baseline="0" dirty="0" smtClean="0"/>
@@ -3983,14 +3850,6 @@
             </a:r>
             <a:r>
               <a:rPr lang="en-US" baseline="0" dirty="0" err="1" smtClean="0"/>
-              <a:t>nhưng</a:t>
-            </a:r>
-            <a:r>
-              <a:rPr lang="en-US" baseline="0" dirty="0" smtClean="0"/>
-              <a:t> </a:t>
-            </a:r>
-            <a:r>
-              <a:rPr lang="en-US" baseline="0" dirty="0" err="1" smtClean="0"/>
               <a:t>kết</a:t>
             </a:r>
             <a:r>
@@ -4007,63 +3866,135 @@
             </a:r>
             <a:r>
               <a:rPr lang="en-US" baseline="0" dirty="0" err="1" smtClean="0"/>
-              <a:t>đó</a:t>
-            </a:r>
-            <a:r>
-              <a:rPr lang="en-US" baseline="0" dirty="0" smtClean="0"/>
-              <a:t> </a:t>
-            </a:r>
-            <a:r>
-              <a:rPr lang="en-US" baseline="0" dirty="0" err="1" smtClean="0"/>
-              <a:t>để</a:t>
-            </a:r>
-            <a:r>
-              <a:rPr lang="en-US" baseline="0" dirty="0" smtClean="0"/>
-              <a:t> </a:t>
-            </a:r>
-            <a:r>
-              <a:rPr lang="en-US" baseline="0" dirty="0" err="1" smtClean="0"/>
-              <a:t>chọn</a:t>
-            </a:r>
-            <a:r>
-              <a:rPr lang="en-US" baseline="0" dirty="0" smtClean="0"/>
-              <a:t> </a:t>
-            </a:r>
-            <a:r>
-              <a:rPr lang="en-US" baseline="0" dirty="0" err="1" smtClean="0"/>
-              <a:t>ra</a:t>
-            </a:r>
-            <a:r>
-              <a:rPr lang="en-US" baseline="0" dirty="0" smtClean="0"/>
-              <a:t> </a:t>
-            </a:r>
-            <a:r>
-              <a:rPr lang="en-US" baseline="0" dirty="0" err="1" smtClean="0"/>
-              <a:t>đường</a:t>
-            </a:r>
-            <a:r>
-              <a:rPr lang="en-US" baseline="0" dirty="0" smtClean="0"/>
-              <a:t> </a:t>
-            </a:r>
-            <a:r>
-              <a:rPr lang="en-US" baseline="0" dirty="0" err="1" smtClean="0"/>
-              <a:t>đi</a:t>
-            </a:r>
-            <a:r>
-              <a:rPr lang="en-US" baseline="0" dirty="0" smtClean="0"/>
-              <a:t> </a:t>
-            </a:r>
-            <a:r>
-              <a:rPr lang="en-US" baseline="0" dirty="0" err="1" smtClean="0"/>
-              <a:t>tốt</a:t>
-            </a:r>
-            <a:r>
-              <a:rPr lang="en-US" baseline="0" dirty="0" smtClean="0"/>
-              <a:t> </a:t>
-            </a:r>
-            <a:r>
-              <a:rPr lang="en-US" baseline="0" dirty="0" err="1" smtClean="0"/>
-              <a:t>nhất</a:t>
+              <a:t>trả</a:t>
+            </a:r>
+            <a:r>
+              <a:rPr lang="en-US" baseline="0" dirty="0" smtClean="0"/>
+              <a:t> </a:t>
+            </a:r>
+            <a:r>
+              <a:rPr lang="en-US" baseline="0" dirty="0" err="1" smtClean="0"/>
+              <a:t>về</a:t>
+            </a:r>
+            <a:r>
+              <a:rPr lang="en-US" baseline="0" dirty="0" smtClean="0"/>
+              <a:t>. </a:t>
+            </a:r>
+            <a:r>
+              <a:rPr lang="en-US" baseline="0" dirty="0" err="1" smtClean="0"/>
+              <a:t>Cuối</a:t>
+            </a:r>
+            <a:r>
+              <a:rPr lang="en-US" baseline="0" dirty="0" smtClean="0"/>
+              <a:t> </a:t>
+            </a:r>
+            <a:r>
+              <a:rPr lang="en-US" baseline="0" dirty="0" err="1" smtClean="0"/>
+              <a:t>cùng</a:t>
+            </a:r>
+            <a:r>
+              <a:rPr lang="en-US" baseline="0" dirty="0" smtClean="0"/>
+              <a:t> </a:t>
+            </a:r>
+            <a:r>
+              <a:rPr lang="en-US" baseline="0" dirty="0" err="1" smtClean="0"/>
+              <a:t>là</a:t>
+            </a:r>
+            <a:r>
+              <a:rPr lang="en-US" baseline="0" dirty="0" smtClean="0"/>
+              <a:t> </a:t>
+            </a:r>
+            <a:r>
+              <a:rPr lang="en-US" baseline="0" dirty="0" err="1" smtClean="0"/>
+              <a:t>synchonize</a:t>
+            </a:r>
+            <a:r>
+              <a:rPr lang="en-US" baseline="0" dirty="0" smtClean="0"/>
+              <a:t> </a:t>
+            </a:r>
+            <a:r>
+              <a:rPr lang="en-US" baseline="0" dirty="0" err="1" smtClean="0"/>
+              <a:t>dữ</a:t>
+            </a:r>
+            <a:r>
+              <a:rPr lang="en-US" baseline="0" dirty="0" smtClean="0"/>
+              <a:t> </a:t>
+            </a:r>
+            <a:r>
+              <a:rPr lang="en-US" baseline="0" dirty="0" err="1" smtClean="0"/>
+              <a:t>liệu</a:t>
+            </a:r>
+            <a:r>
+              <a:rPr lang="en-US" baseline="0" dirty="0" smtClean="0"/>
+              <a:t> </a:t>
+            </a:r>
+            <a:r>
+              <a:rPr lang="en-US" baseline="0" dirty="0" err="1" smtClean="0"/>
+              <a:t>với</a:t>
+            </a:r>
+            <a:r>
+              <a:rPr lang="en-US" baseline="0" dirty="0" smtClean="0"/>
+              <a:t> wear </a:t>
+            </a:r>
+            <a:r>
+              <a:rPr lang="en-US" baseline="0" dirty="0" err="1" smtClean="0"/>
+              <a:t>trong</a:t>
+            </a:r>
+            <a:r>
+              <a:rPr lang="en-US" baseline="0" dirty="0" smtClean="0"/>
+              <a:t> </a:t>
+            </a:r>
+            <a:r>
+              <a:rPr lang="en-US" baseline="0" dirty="0" err="1" smtClean="0"/>
+              <a:t>suốt</a:t>
+            </a:r>
+            <a:r>
+              <a:rPr lang="en-US" baseline="0" dirty="0" smtClean="0"/>
+              <a:t> </a:t>
+            </a:r>
+            <a:r>
+              <a:rPr lang="en-US" baseline="0" dirty="0" err="1" smtClean="0"/>
+              <a:t>quá</a:t>
+            </a:r>
+            <a:r>
+              <a:rPr lang="en-US" baseline="0" dirty="0" smtClean="0"/>
+              <a:t> </a:t>
+            </a:r>
+            <a:r>
+              <a:rPr lang="en-US" baseline="0" dirty="0" err="1" smtClean="0"/>
+              <a:t>trính</a:t>
+            </a:r>
+            <a:r>
+              <a:rPr lang="en-US" baseline="0" dirty="0" smtClean="0"/>
+              <a:t> </a:t>
+            </a:r>
+            <a:r>
+              <a:rPr lang="en-US" baseline="0" dirty="0" err="1" smtClean="0"/>
+              <a:t>tham</a:t>
+            </a:r>
+            <a:r>
+              <a:rPr lang="en-US" baseline="0" dirty="0" smtClean="0"/>
+              <a:t> </a:t>
+            </a:r>
+            <a:r>
+              <a:rPr lang="en-US" baseline="0" dirty="0" err="1" smtClean="0"/>
+              <a:t>gia</a:t>
+            </a:r>
+            <a:r>
+              <a:rPr lang="en-US" baseline="0" dirty="0" smtClean="0"/>
+              <a:t> </a:t>
+            </a:r>
+            <a:r>
+              <a:rPr lang="en-US" baseline="0" dirty="0" err="1" smtClean="0"/>
+              <a:t>giao</a:t>
+            </a:r>
+            <a:r>
+              <a:rPr lang="en-US" baseline="0" dirty="0" smtClean="0"/>
+              <a:t> </a:t>
+            </a:r>
+            <a:r>
+              <a:rPr lang="en-US" baseline="0" dirty="0" err="1" smtClean="0"/>
+              <a:t>thông</a:t>
             </a:r>
             <a:r>
               <a:rPr lang="en-US" baseline="0" dirty="0" smtClean="0"/>
@@ -4099,7 +4030,7 @@
     </p:spTree>
     <p:extLst>
       <p:ext uri="{BB962C8B-B14F-4D97-AF65-F5344CB8AC3E}">
-        <p14:creationId xmlns:p14="http://schemas.microsoft.com/office/powerpoint/2010/main" val="3301532269"/>
+        <p14:creationId xmlns:p14="http://schemas.microsoft.com/office/powerpoint/2010/main" val="1402480612"/>
       </p:ext>
     </p:extLst>
   </p:cSld>
@@ -5315,7 +5246,6 @@
           <a:bodyPr/>
           <a:lstStyle/>
           <a:p>
-            <a:pPr algn="ctr"/>
             <a:r>
               <a:rPr lang="en-US" dirty="0" smtClean="0">
                 <a:latin typeface="Cambria"/>
@@ -5360,304 +5290,120 @@
       </p:sp>
       <p:grpSp>
         <p:nvGrpSpPr>
-          <p:cNvPr id="4" name="Group 3"/>
+          <p:cNvPr id="8" name="Group 7"/>
           <p:cNvGrpSpPr/>
           <p:nvPr/>
         </p:nvGrpSpPr>
         <p:grpSpPr>
           <a:xfrm>
-            <a:off x="7497827" y="3161112"/>
-            <a:ext cx="1219200" cy="1619310"/>
-            <a:chOff x="6566972" y="3161112"/>
-            <a:chExt cx="1219200" cy="1619310"/>
+            <a:off x="497974" y="2295465"/>
+            <a:ext cx="2172806" cy="2233416"/>
+            <a:chOff x="-42886" y="3161112"/>
+            <a:chExt cx="2172806" cy="2233416"/>
           </a:xfrm>
         </p:grpSpPr>
-        <p:pic>
-          <p:nvPicPr>
-            <p:cNvPr id="9" name="Picture 3" descr="C:\Users\ngoan\Desktop\image\ngoan.png"/>
-            <p:cNvPicPr>
-              <a:picLocks noChangeAspect="1" noChangeArrowheads="1"/>
-            </p:cNvPicPr>
+        <p:grpSp>
+          <p:nvGrpSpPr>
+            <p:cNvPr id="2" name="Group 1"/>
+            <p:cNvGrpSpPr/>
             <p:nvPr/>
-          </p:nvPicPr>
-          <p:blipFill>
-            <a:blip r:embed="rId3">
+          </p:nvGrpSpPr>
+          <p:grpSpPr>
+            <a:xfrm>
+              <a:off x="433917" y="3161112"/>
+              <a:ext cx="1219200" cy="1638701"/>
+              <a:chOff x="1209565" y="3078635"/>
+              <a:chExt cx="1219200" cy="1722166"/>
+            </a:xfrm>
+          </p:grpSpPr>
+          <p:sp>
+            <p:nvSpPr>
+              <p:cNvPr id="10" name="TextBox 9"/>
+              <p:cNvSpPr txBox="1"/>
+              <p:nvPr/>
+            </p:nvSpPr>
+            <p:spPr>
+              <a:xfrm>
+                <a:off x="1243174" y="4380312"/>
+                <a:ext cx="1151982" cy="420489"/>
+              </a:xfrm>
+              <a:prstGeom prst="rect">
+                <a:avLst/>
+              </a:prstGeom>
+              <a:noFill/>
+            </p:spPr>
+            <p:txBody>
+              <a:bodyPr wrap="none" rtlCol="0">
+                <a:spAutoFit/>
+              </a:bodyPr>
+              <a:lstStyle/>
+              <a:p>
+                <a:r>
+                  <a:rPr lang="en-US" sz="2000" b="1" dirty="0" err="1" smtClean="0">
+                    <a:latin typeface="Cambria" pitchFamily="18" charset="0"/>
+                    <a:cs typeface="Times New Roman" pitchFamily="18" charset="0"/>
+                  </a:rPr>
+                  <a:t>Khương</a:t>
+                </a:r>
+                <a:endParaRPr lang="en-US" sz="2000" b="1" dirty="0">
+                  <a:latin typeface="Cambria" pitchFamily="18" charset="0"/>
+                  <a:cs typeface="Times New Roman" pitchFamily="18" charset="0"/>
+                </a:endParaRPr>
+              </a:p>
+            </p:txBody>
+          </p:sp>
+          <p:pic>
+            <p:nvPicPr>
+              <p:cNvPr id="15" name="Picture 3" descr="C:\Users\ngoan\Desktop\image\thao.png"/>
+              <p:cNvPicPr>
+                <a:picLocks noChangeAspect="1" noChangeArrowheads="1"/>
+              </p:cNvPicPr>
+              <p:nvPr/>
+            </p:nvPicPr>
+            <p:blipFill>
+              <a:blip r:embed="rId3">
+                <a:extLst>
+                  <a:ext uri="{28A0092B-C50C-407E-A947-70E740481C1C}">
+                    <a14:useLocalDpi xmlns:a14="http://schemas.microsoft.com/office/drawing/2010/main" val="0"/>
+                  </a:ext>
+                </a:extLst>
+              </a:blip>
+              <a:srcRect/>
+              <a:stretch>
+                <a:fillRect/>
+              </a:stretch>
+            </p:blipFill>
+            <p:spPr bwMode="auto">
+              <a:xfrm flipH="1">
+                <a:off x="1209565" y="3078635"/>
+                <a:ext cx="1219200" cy="1219200"/>
+              </a:xfrm>
+              <a:prstGeom prst="rect">
+                <a:avLst/>
+              </a:prstGeom>
+              <a:noFill/>
               <a:extLst>
-                <a:ext uri="{28A0092B-C50C-407E-A947-70E740481C1C}">
-                  <a14:useLocalDpi xmlns:a14="http://schemas.microsoft.com/office/drawing/2010/main" val="0"/>
+                <a:ext uri="{909E8E84-426E-40DD-AFC4-6F175D3DCCD1}">
+                  <a14:hiddenFill xmlns:a14="http://schemas.microsoft.com/office/drawing/2010/main">
+                    <a:solidFill>
+                      <a:srgbClr val="FFFFFF"/>
+                    </a:solidFill>
+                  </a14:hiddenFill>
                 </a:ext>
               </a:extLst>
-            </a:blip>
-            <a:srcRect/>
-            <a:stretch>
-              <a:fillRect/>
-            </a:stretch>
-          </p:blipFill>
-          <p:spPr bwMode="auto">
-            <a:xfrm>
-              <a:off x="6566972" y="3161112"/>
-              <a:ext cx="1219200" cy="1219200"/>
-            </a:xfrm>
-            <a:prstGeom prst="rect">
-              <a:avLst/>
-            </a:prstGeom>
-            <a:noFill/>
-            <a:extLst>
-              <a:ext uri="{909E8E84-426E-40DD-AFC4-6F175D3DCCD1}">
-                <a14:hiddenFill xmlns:a14="http://schemas.microsoft.com/office/drawing/2010/main">
-                  <a:solidFill>
-                    <a:srgbClr val="FFFFFF"/>
-                  </a:solidFill>
-                </a14:hiddenFill>
-              </a:ext>
-            </a:extLst>
-          </p:spPr>
-        </p:pic>
+            </p:spPr>
+          </p:pic>
+        </p:grpSp>
         <p:sp>
           <p:nvSpPr>
-            <p:cNvPr id="13" name="TextBox 12"/>
+            <p:cNvPr id="20" name="TextBox 19"/>
             <p:cNvSpPr txBox="1"/>
             <p:nvPr/>
           </p:nvSpPr>
           <p:spPr>
             <a:xfrm>
-              <a:off x="6820545" y="4380312"/>
-              <a:ext cx="784189" cy="400110"/>
-            </a:xfrm>
-            <a:prstGeom prst="rect">
-              <a:avLst/>
-            </a:prstGeom>
-            <a:noFill/>
-          </p:spPr>
-          <p:txBody>
-            <a:bodyPr wrap="none" rtlCol="0">
-              <a:spAutoFit/>
-            </a:bodyPr>
-            <a:lstStyle/>
-            <a:p>
-              <a:r>
-                <a:rPr lang="en-US" sz="2000" b="1" dirty="0" err="1" smtClean="0">
-                  <a:latin typeface="Cambria" pitchFamily="18" charset="0"/>
-                  <a:cs typeface="Times New Roman" pitchFamily="18" charset="0"/>
-                </a:rPr>
-                <a:t>Thao</a:t>
-              </a:r>
-              <a:endParaRPr lang="en-US" sz="2000" b="1" dirty="0">
-                <a:latin typeface="Cambria" pitchFamily="18" charset="0"/>
-                <a:cs typeface="Times New Roman" pitchFamily="18" charset="0"/>
-              </a:endParaRPr>
-            </a:p>
-          </p:txBody>
-        </p:sp>
-      </p:grpSp>
-      <p:grpSp>
-        <p:nvGrpSpPr>
-          <p:cNvPr id="7" name="Group 6"/>
-          <p:cNvGrpSpPr/>
-          <p:nvPr/>
-        </p:nvGrpSpPr>
-        <p:grpSpPr>
-          <a:xfrm>
-            <a:off x="5295416" y="3015842"/>
-            <a:ext cx="1254190" cy="1736777"/>
-            <a:chOff x="4831392" y="3043645"/>
-            <a:chExt cx="1254190" cy="1736777"/>
-          </a:xfrm>
-        </p:grpSpPr>
-        <p:sp>
-          <p:nvSpPr>
-            <p:cNvPr id="12" name="TextBox 11"/>
-            <p:cNvSpPr txBox="1"/>
-            <p:nvPr/>
-          </p:nvSpPr>
-          <p:spPr>
-            <a:xfrm>
-              <a:off x="5115057" y="4380312"/>
-              <a:ext cx="646011" cy="400110"/>
-            </a:xfrm>
-            <a:prstGeom prst="rect">
-              <a:avLst/>
-            </a:prstGeom>
-            <a:noFill/>
-          </p:spPr>
-          <p:txBody>
-            <a:bodyPr wrap="none" rtlCol="0">
-              <a:spAutoFit/>
-            </a:bodyPr>
-            <a:lstStyle/>
-            <a:p>
-              <a:r>
-                <a:rPr lang="en-US" sz="2000" b="1" dirty="0" err="1">
-                  <a:latin typeface="Cambria" pitchFamily="18" charset="0"/>
-                  <a:cs typeface="Times New Roman" pitchFamily="18" charset="0"/>
-                </a:rPr>
-                <a:t>Quy</a:t>
-              </a:r>
-              <a:endParaRPr lang="en-US" sz="2000" b="1" dirty="0">
-                <a:latin typeface="Cambria" pitchFamily="18" charset="0"/>
-                <a:cs typeface="Times New Roman" pitchFamily="18" charset="0"/>
-              </a:endParaRPr>
-            </a:p>
-          </p:txBody>
-        </p:sp>
-        <p:pic>
-          <p:nvPicPr>
-            <p:cNvPr id="14" name="Picture 2" descr="C:\Users\ngoan\Desktop\image\quy.png"/>
-            <p:cNvPicPr>
-              <a:picLocks noChangeAspect="1" noChangeArrowheads="1"/>
-            </p:cNvPicPr>
-            <p:nvPr/>
-          </p:nvPicPr>
-          <p:blipFill>
-            <a:blip r:embed="rId4">
-              <a:extLst>
-                <a:ext uri="{28A0092B-C50C-407E-A947-70E740481C1C}">
-                  <a14:useLocalDpi xmlns:a14="http://schemas.microsoft.com/office/drawing/2010/main" val="0"/>
-                </a:ext>
-              </a:extLst>
-            </a:blip>
-            <a:srcRect/>
-            <a:stretch>
-              <a:fillRect/>
-            </a:stretch>
-          </p:blipFill>
-          <p:spPr bwMode="auto">
-            <a:xfrm>
-              <a:off x="4831392" y="3043645"/>
-              <a:ext cx="1254190" cy="1254190"/>
-            </a:xfrm>
-            <a:prstGeom prst="rect">
-              <a:avLst/>
-            </a:prstGeom>
-            <a:noFill/>
-            <a:extLst>
-              <a:ext uri="{909E8E84-426E-40DD-AFC4-6F175D3DCCD1}">
-                <a14:hiddenFill xmlns:a14="http://schemas.microsoft.com/office/drawing/2010/main">
-                  <a:solidFill>
-                    <a:srgbClr val="FFFFFF"/>
-                  </a:solidFill>
-                </a14:hiddenFill>
-              </a:ext>
-            </a:extLst>
-          </p:spPr>
-        </p:pic>
-      </p:grpSp>
-      <p:grpSp>
-        <p:nvGrpSpPr>
-          <p:cNvPr id="2" name="Group 1"/>
-          <p:cNvGrpSpPr/>
-          <p:nvPr/>
-        </p:nvGrpSpPr>
-        <p:grpSpPr>
-          <a:xfrm>
-            <a:off x="433917" y="3161112"/>
-            <a:ext cx="1219200" cy="1701787"/>
-            <a:chOff x="1209565" y="3078635"/>
-            <a:chExt cx="1219200" cy="1701787"/>
-          </a:xfrm>
-        </p:grpSpPr>
-        <p:sp>
-          <p:nvSpPr>
-            <p:cNvPr id="10" name="TextBox 9"/>
-            <p:cNvSpPr txBox="1"/>
-            <p:nvPr/>
-          </p:nvSpPr>
-          <p:spPr>
-            <a:xfrm>
-              <a:off x="1353333" y="4380312"/>
-              <a:ext cx="931665" cy="400110"/>
-            </a:xfrm>
-            <a:prstGeom prst="rect">
-              <a:avLst/>
-            </a:prstGeom>
-            <a:noFill/>
-          </p:spPr>
-          <p:txBody>
-            <a:bodyPr wrap="none" rtlCol="0">
-              <a:spAutoFit/>
-            </a:bodyPr>
-            <a:lstStyle/>
-            <a:p>
-              <a:r>
-                <a:rPr lang="en-US" sz="2000" b="1" dirty="0" err="1" smtClean="0">
-                  <a:latin typeface="Cambria" pitchFamily="18" charset="0"/>
-                  <a:cs typeface="Times New Roman" pitchFamily="18" charset="0"/>
-                </a:rPr>
-                <a:t>Ngoan</a:t>
-              </a:r>
-              <a:endParaRPr lang="en-US" sz="2000" b="1" dirty="0">
-                <a:latin typeface="Cambria" pitchFamily="18" charset="0"/>
-                <a:cs typeface="Times New Roman" pitchFamily="18" charset="0"/>
-              </a:endParaRPr>
-            </a:p>
-          </p:txBody>
-        </p:sp>
-        <p:pic>
-          <p:nvPicPr>
-            <p:cNvPr id="15" name="Picture 3" descr="C:\Users\ngoan\Desktop\image\thao.png"/>
-            <p:cNvPicPr>
-              <a:picLocks noChangeAspect="1" noChangeArrowheads="1"/>
-            </p:cNvPicPr>
-            <p:nvPr/>
-          </p:nvPicPr>
-          <p:blipFill>
-            <a:blip r:embed="rId5">
-              <a:extLst>
-                <a:ext uri="{28A0092B-C50C-407E-A947-70E740481C1C}">
-                  <a14:useLocalDpi xmlns:a14="http://schemas.microsoft.com/office/drawing/2010/main" val="0"/>
-                </a:ext>
-              </a:extLst>
-            </a:blip>
-            <a:srcRect/>
-            <a:stretch>
-              <a:fillRect/>
-            </a:stretch>
-          </p:blipFill>
-          <p:spPr bwMode="auto">
-            <a:xfrm>
-              <a:off x="1209565" y="3078635"/>
-              <a:ext cx="1219200" cy="1219200"/>
-            </a:xfrm>
-            <a:prstGeom prst="rect">
-              <a:avLst/>
-            </a:prstGeom>
-            <a:noFill/>
-            <a:extLst>
-              <a:ext uri="{909E8E84-426E-40DD-AFC4-6F175D3DCCD1}">
-                <a14:hiddenFill xmlns:a14="http://schemas.microsoft.com/office/drawing/2010/main">
-                  <a:solidFill>
-                    <a:srgbClr val="FFFFFF"/>
-                  </a:solidFill>
-                </a14:hiddenFill>
-              </a:ext>
-            </a:extLst>
-          </p:spPr>
-        </p:pic>
-      </p:grpSp>
-      <p:grpSp>
-        <p:nvGrpSpPr>
-          <p:cNvPr id="3" name="Group 2"/>
-          <p:cNvGrpSpPr/>
-          <p:nvPr/>
-        </p:nvGrpSpPr>
-        <p:grpSpPr>
-          <a:xfrm>
-            <a:off x="2708075" y="3161112"/>
-            <a:ext cx="1219200" cy="1619310"/>
-            <a:chOff x="3035621" y="3161112"/>
-            <a:chExt cx="1219200" cy="1619310"/>
-          </a:xfrm>
-        </p:grpSpPr>
-        <p:sp>
-          <p:nvSpPr>
-            <p:cNvPr id="11" name="TextBox 10"/>
-            <p:cNvSpPr txBox="1"/>
-            <p:nvPr/>
-          </p:nvSpPr>
-          <p:spPr>
-            <a:xfrm>
-              <a:off x="3188021" y="4380312"/>
-              <a:ext cx="914400" cy="400110"/>
+              <a:off x="-42886" y="5025196"/>
+              <a:ext cx="2172806" cy="369332"/>
             </a:xfrm>
             <a:prstGeom prst="rect">
               <a:avLst/>
@@ -5671,65 +5417,65 @@
             <a:lstStyle/>
             <a:p>
               <a:r>
-                <a:rPr lang="en-US" sz="2000" b="1" dirty="0" smtClean="0">
+                <a:rPr lang="en-US" dirty="0" err="1">
+                  <a:solidFill>
+                    <a:srgbClr val="FF0000"/>
+                  </a:solidFill>
                   <a:latin typeface="Cambria" pitchFamily="18" charset="0"/>
-                  <a:cs typeface="Times New Roman" pitchFamily="18" charset="0"/>
                 </a:rPr>
-                <a:t>Nam</a:t>
+                <a:t>Công</a:t>
               </a:r>
-              <a:endParaRPr lang="en-US" sz="2000" b="1" dirty="0">
+              <a:r>
+                <a:rPr lang="en-US" dirty="0">
+                  <a:solidFill>
+                    <a:srgbClr val="FF0000"/>
+                  </a:solidFill>
+                  <a:latin typeface="Cambria" pitchFamily="18" charset="0"/>
+                </a:rPr>
+                <a:t> </a:t>
+              </a:r>
+              <a:r>
+                <a:rPr lang="en-US" dirty="0" err="1">
+                  <a:solidFill>
+                    <a:srgbClr val="FF0000"/>
+                  </a:solidFill>
+                  <a:latin typeface="Cambria" pitchFamily="18" charset="0"/>
+                </a:rPr>
+                <a:t>Viên</a:t>
+              </a:r>
+              <a:r>
+                <a:rPr lang="en-US" dirty="0">
+                  <a:solidFill>
+                    <a:srgbClr val="FF0000"/>
+                  </a:solidFill>
+                  <a:latin typeface="Cambria" pitchFamily="18" charset="0"/>
+                </a:rPr>
+                <a:t> Tao </a:t>
+              </a:r>
+              <a:r>
+                <a:rPr lang="en-US" dirty="0" err="1">
+                  <a:solidFill>
+                    <a:srgbClr val="FF0000"/>
+                  </a:solidFill>
+                  <a:latin typeface="Cambria" pitchFamily="18" charset="0"/>
+                </a:rPr>
+                <a:t>Đàn</a:t>
+              </a:r>
+              <a:endParaRPr lang="en-US" dirty="0">
+                <a:solidFill>
+                  <a:srgbClr val="FF0000"/>
+                </a:solidFill>
                 <a:latin typeface="Cambria" pitchFamily="18" charset="0"/>
                 <a:cs typeface="Times New Roman" pitchFamily="18" charset="0"/>
               </a:endParaRPr>
             </a:p>
           </p:txBody>
         </p:sp>
-        <p:pic>
-          <p:nvPicPr>
-            <p:cNvPr id="16" name="Picture 4" descr="C:\Users\ngoan\Desktop\image\nam.png"/>
-            <p:cNvPicPr>
-              <a:picLocks noChangeAspect="1" noChangeArrowheads="1"/>
-            </p:cNvPicPr>
-            <p:nvPr/>
-          </p:nvPicPr>
-          <p:blipFill>
-            <a:blip r:embed="rId6">
-              <a:extLst>
-                <a:ext uri="{28A0092B-C50C-407E-A947-70E740481C1C}">
-                  <a14:useLocalDpi xmlns:a14="http://schemas.microsoft.com/office/drawing/2010/main" val="0"/>
-                </a:ext>
-              </a:extLst>
-            </a:blip>
-            <a:srcRect/>
-            <a:stretch>
-              <a:fillRect/>
-            </a:stretch>
-          </p:blipFill>
-          <p:spPr bwMode="auto">
-            <a:xfrm>
-              <a:off x="3035621" y="3161112"/>
-              <a:ext cx="1219200" cy="1219200"/>
-            </a:xfrm>
-            <a:prstGeom prst="rect">
-              <a:avLst/>
-            </a:prstGeom>
-            <a:noFill/>
-            <a:extLst>
-              <a:ext uri="{909E8E84-426E-40DD-AFC4-6F175D3DCCD1}">
-                <a14:hiddenFill xmlns:a14="http://schemas.microsoft.com/office/drawing/2010/main">
-                  <a:solidFill>
-                    <a:srgbClr val="FFFFFF"/>
-                  </a:solidFill>
-                </a14:hiddenFill>
-              </a:ext>
-            </a:extLst>
-          </p:spPr>
-        </p:pic>
       </p:grpSp>
     </p:spTree>
     <p:extLst>
       <p:ext uri="{BB962C8B-B14F-4D97-AF65-F5344CB8AC3E}">
-        <p14:creationId xmlns:p14="http://schemas.microsoft.com/office/powerpoint/2010/main" val="794652355"/>
+        <p14:creationId xmlns:p14="http://schemas.microsoft.com/office/powerpoint/2010/main" val="2489597665"/>
       </p:ext>
     </p:extLst>
   </p:cSld>
@@ -5765,6 +5511,29 @@
       </p:grpSpPr>
       <p:sp>
         <p:nvSpPr>
+          <p:cNvPr id="2" name="Title 1"/>
+          <p:cNvSpPr>
+            <a:spLocks noGrp="1"/>
+          </p:cNvSpPr>
+          <p:nvPr>
+            <p:ph type="title"/>
+          </p:nvPr>
+        </p:nvSpPr>
+        <p:spPr/>
+        <p:txBody>
+          <a:bodyPr/>
+          <a:lstStyle/>
+          <a:p>
+            <a:r>
+              <a:rPr lang="en-US" dirty="0" smtClean="0"/>
+              <a:t>Solution</a:t>
+            </a:r>
+            <a:endParaRPr lang="en-US" dirty="0"/>
+          </a:p>
+        </p:txBody>
+      </p:sp>
+      <p:sp>
+        <p:nvSpPr>
           <p:cNvPr id="4" name="Slide Number Placeholder 3"/>
           <p:cNvSpPr>
             <a:spLocks noGrp="1"/>
@@ -5782,6 +5551,482 @@
               <a:rPr lang="en" smtClean="0"/>
               <a:pPr/>
               <a:t>10</a:t>
+            </a:fld>
+            <a:endParaRPr lang="en"/>
+          </a:p>
+        </p:txBody>
+      </p:sp>
+      <p:pic>
+        <p:nvPicPr>
+          <p:cNvPr id="7" name="Picture 6"/>
+          <p:cNvPicPr>
+            <a:picLocks noChangeAspect="1"/>
+          </p:cNvPicPr>
+          <p:nvPr/>
+        </p:nvPicPr>
+        <p:blipFill>
+          <a:blip r:embed="rId3"/>
+          <a:stretch>
+            <a:fillRect/>
+          </a:stretch>
+        </p:blipFill>
+        <p:spPr>
+          <a:xfrm>
+            <a:off x="3878681" y="5013290"/>
+            <a:ext cx="1371600" cy="1371600"/>
+          </a:xfrm>
+          <a:prstGeom prst="rect">
+            <a:avLst/>
+          </a:prstGeom>
+        </p:spPr>
+      </p:pic>
+      <p:pic>
+        <p:nvPicPr>
+          <p:cNvPr id="3074" name="Picture 2" descr="C:\Users\ngoan\Desktop\image\24598-200.png"/>
+          <p:cNvPicPr>
+            <a:picLocks noChangeAspect="1" noChangeArrowheads="1"/>
+          </p:cNvPicPr>
+          <p:nvPr/>
+        </p:nvPicPr>
+        <p:blipFill>
+          <a:blip r:embed="rId4">
+            <a:extLst>
+              <a:ext uri="{28A0092B-C50C-407E-A947-70E740481C1C}">
+                <a14:useLocalDpi xmlns:a14="http://schemas.microsoft.com/office/drawing/2010/main" val="0"/>
+              </a:ext>
+            </a:extLst>
+          </a:blip>
+          <a:srcRect/>
+          <a:stretch>
+            <a:fillRect/>
+          </a:stretch>
+        </p:blipFill>
+        <p:spPr bwMode="auto">
+          <a:xfrm>
+            <a:off x="340626" y="3887724"/>
+            <a:ext cx="1371600" cy="1371600"/>
+          </a:xfrm>
+          <a:prstGeom prst="rect">
+            <a:avLst/>
+          </a:prstGeom>
+          <a:noFill/>
+          <a:extLst>
+            <a:ext uri="{909E8E84-426E-40DD-AFC4-6F175D3DCCD1}">
+              <a14:hiddenFill xmlns:a14="http://schemas.microsoft.com/office/drawing/2010/main">
+                <a:solidFill>
+                  <a:srgbClr val="FFFFFF"/>
+                </a:solidFill>
+              </a14:hiddenFill>
+            </a:ext>
+          </a:extLst>
+        </p:spPr>
+      </p:pic>
+      <p:cxnSp>
+        <p:nvCxnSpPr>
+          <p:cNvPr id="11" name="Straight Arrow Connector 10"/>
+          <p:cNvCxnSpPr>
+            <a:stCxn id="7" idx="1"/>
+            <a:endCxn id="3074" idx="3"/>
+          </p:cNvCxnSpPr>
+          <p:nvPr/>
+        </p:nvCxnSpPr>
+        <p:spPr>
+          <a:xfrm flipH="1" flipV="1">
+            <a:off x="1712226" y="4573524"/>
+            <a:ext cx="2166455" cy="1125566"/>
+          </a:xfrm>
+          <a:prstGeom prst="straightConnector1">
+            <a:avLst/>
+          </a:prstGeom>
+          <a:ln cmpd="sng">
+            <a:tailEnd type="triangle"/>
+          </a:ln>
+        </p:spPr>
+        <p:style>
+          <a:lnRef idx="3">
+            <a:schemeClr val="dk1"/>
+          </a:lnRef>
+          <a:fillRef idx="0">
+            <a:schemeClr val="dk1"/>
+          </a:fillRef>
+          <a:effectRef idx="2">
+            <a:schemeClr val="dk1"/>
+          </a:effectRef>
+          <a:fontRef idx="minor">
+            <a:schemeClr val="tx1"/>
+          </a:fontRef>
+        </p:style>
+      </p:cxnSp>
+      <p:sp>
+        <p:nvSpPr>
+          <p:cNvPr id="12" name="TextBox 11"/>
+          <p:cNvSpPr txBox="1"/>
+          <p:nvPr/>
+        </p:nvSpPr>
+        <p:spPr>
+          <a:xfrm>
+            <a:off x="457200" y="5059269"/>
+            <a:ext cx="1138453" cy="400110"/>
+          </a:xfrm>
+          <a:prstGeom prst="rect">
+            <a:avLst/>
+          </a:prstGeom>
+          <a:noFill/>
+        </p:spPr>
+        <p:txBody>
+          <a:bodyPr wrap="none" rtlCol="0">
+            <a:spAutoFit/>
+          </a:bodyPr>
+          <a:lstStyle/>
+          <a:p>
+            <a:r>
+              <a:rPr lang="en-US" sz="2000" b="1" dirty="0" smtClean="0">
+                <a:solidFill>
+                  <a:srgbClr val="FF0000"/>
+                </a:solidFill>
+                <a:latin typeface="Cambria" pitchFamily="18" charset="0"/>
+              </a:rPr>
+              <a:t>2 points</a:t>
+            </a:r>
+            <a:endParaRPr lang="en-US" sz="2000" b="1" dirty="0">
+              <a:solidFill>
+                <a:srgbClr val="FF0000"/>
+              </a:solidFill>
+              <a:latin typeface="Cambria" pitchFamily="18" charset="0"/>
+            </a:endParaRPr>
+          </a:p>
+        </p:txBody>
+      </p:sp>
+      <p:sp>
+        <p:nvSpPr>
+          <p:cNvPr id="14" name="TextBox 13"/>
+          <p:cNvSpPr txBox="1"/>
+          <p:nvPr/>
+        </p:nvSpPr>
+        <p:spPr>
+          <a:xfrm>
+            <a:off x="3746340" y="6133081"/>
+            <a:ext cx="1636282" cy="400110"/>
+          </a:xfrm>
+          <a:prstGeom prst="rect">
+            <a:avLst/>
+          </a:prstGeom>
+          <a:noFill/>
+        </p:spPr>
+        <p:txBody>
+          <a:bodyPr wrap="none" rtlCol="0">
+            <a:spAutoFit/>
+          </a:bodyPr>
+          <a:lstStyle/>
+          <a:p>
+            <a:r>
+              <a:rPr lang="en-US" sz="2000" b="1" dirty="0" smtClean="0">
+                <a:solidFill>
+                  <a:srgbClr val="FF0000"/>
+                </a:solidFill>
+                <a:latin typeface="Cambria" pitchFamily="18" charset="0"/>
+              </a:rPr>
+              <a:t>Street Route</a:t>
+            </a:r>
+            <a:endParaRPr lang="en-US" sz="2000" b="1" dirty="0">
+              <a:solidFill>
+                <a:srgbClr val="FF0000"/>
+              </a:solidFill>
+              <a:latin typeface="Cambria" pitchFamily="18" charset="0"/>
+            </a:endParaRPr>
+          </a:p>
+        </p:txBody>
+      </p:sp>
+      <p:pic>
+        <p:nvPicPr>
+          <p:cNvPr id="9" name="Picture 2" descr="C:\Users\ngoan\Desktop\image\24598-200.png"/>
+          <p:cNvPicPr>
+            <a:picLocks noChangeAspect="1" noChangeArrowheads="1"/>
+          </p:cNvPicPr>
+          <p:nvPr/>
+        </p:nvPicPr>
+        <p:blipFill>
+          <a:blip r:embed="rId4">
+            <a:extLst>
+              <a:ext uri="{28A0092B-C50C-407E-A947-70E740481C1C}">
+                <a14:useLocalDpi xmlns:a14="http://schemas.microsoft.com/office/drawing/2010/main" val="0"/>
+              </a:ext>
+            </a:extLst>
+          </a:blip>
+          <a:srcRect/>
+          <a:stretch>
+            <a:fillRect/>
+          </a:stretch>
+        </p:blipFill>
+        <p:spPr bwMode="auto">
+          <a:xfrm>
+            <a:off x="3878681" y="1642667"/>
+            <a:ext cx="1371600" cy="1371600"/>
+          </a:xfrm>
+          <a:prstGeom prst="rect">
+            <a:avLst/>
+          </a:prstGeom>
+          <a:noFill/>
+          <a:extLst>
+            <a:ext uri="{909E8E84-426E-40DD-AFC4-6F175D3DCCD1}">
+              <a14:hiddenFill xmlns:a14="http://schemas.microsoft.com/office/drawing/2010/main">
+                <a:solidFill>
+                  <a:srgbClr val="FFFFFF"/>
+                </a:solidFill>
+              </a14:hiddenFill>
+            </a:ext>
+          </a:extLst>
+        </p:spPr>
+      </p:pic>
+      <p:cxnSp>
+        <p:nvCxnSpPr>
+          <p:cNvPr id="13" name="Straight Arrow Connector 12"/>
+          <p:cNvCxnSpPr>
+            <a:stCxn id="7" idx="0"/>
+            <a:endCxn id="9" idx="2"/>
+          </p:cNvCxnSpPr>
+          <p:nvPr/>
+        </p:nvCxnSpPr>
+        <p:spPr>
+          <a:xfrm flipV="1">
+            <a:off x="4564481" y="3014267"/>
+            <a:ext cx="0" cy="1999023"/>
+          </a:xfrm>
+          <a:prstGeom prst="straightConnector1">
+            <a:avLst/>
+          </a:prstGeom>
+          <a:ln cmpd="sng">
+            <a:tailEnd type="triangle"/>
+          </a:ln>
+        </p:spPr>
+        <p:style>
+          <a:lnRef idx="3">
+            <a:schemeClr val="dk1"/>
+          </a:lnRef>
+          <a:fillRef idx="0">
+            <a:schemeClr val="dk1"/>
+          </a:fillRef>
+          <a:effectRef idx="2">
+            <a:schemeClr val="dk1"/>
+          </a:effectRef>
+          <a:fontRef idx="minor">
+            <a:schemeClr val="tx1"/>
+          </a:fontRef>
+        </p:style>
+      </p:cxnSp>
+      <p:sp>
+        <p:nvSpPr>
+          <p:cNvPr id="10" name="TextBox 9"/>
+          <p:cNvSpPr txBox="1"/>
+          <p:nvPr/>
+        </p:nvSpPr>
+        <p:spPr>
+          <a:xfrm>
+            <a:off x="4709200" y="3014267"/>
+            <a:ext cx="1346844" cy="400110"/>
+          </a:xfrm>
+          <a:prstGeom prst="rect">
+            <a:avLst/>
+          </a:prstGeom>
+          <a:noFill/>
+        </p:spPr>
+        <p:txBody>
+          <a:bodyPr wrap="none" rtlCol="0">
+            <a:spAutoFit/>
+          </a:bodyPr>
+          <a:lstStyle/>
+          <a:p>
+            <a:r>
+              <a:rPr lang="en-US" sz="2000" b="1" dirty="0" smtClean="0">
+                <a:solidFill>
+                  <a:srgbClr val="FF0000"/>
+                </a:solidFill>
+                <a:latin typeface="Cambria" pitchFamily="18" charset="0"/>
+              </a:rPr>
+              <a:t>&gt; 2 points</a:t>
+            </a:r>
+            <a:endParaRPr lang="en-US" sz="2000" b="1" dirty="0">
+              <a:solidFill>
+                <a:srgbClr val="FF0000"/>
+              </a:solidFill>
+              <a:latin typeface="Cambria" pitchFamily="18" charset="0"/>
+            </a:endParaRPr>
+          </a:p>
+        </p:txBody>
+      </p:sp>
+      <p:pic>
+        <p:nvPicPr>
+          <p:cNvPr id="15" name="Picture 2" descr="C:\Users\ngoan\Desktop\image\24598-200.png"/>
+          <p:cNvPicPr>
+            <a:picLocks noChangeAspect="1" noChangeArrowheads="1"/>
+          </p:cNvPicPr>
+          <p:nvPr/>
+        </p:nvPicPr>
+        <p:blipFill>
+          <a:blip r:embed="rId4">
+            <a:extLst>
+              <a:ext uri="{28A0092B-C50C-407E-A947-70E740481C1C}">
+                <a14:useLocalDpi xmlns:a14="http://schemas.microsoft.com/office/drawing/2010/main" val="0"/>
+              </a:ext>
+            </a:extLst>
+          </a:blip>
+          <a:srcRect/>
+          <a:stretch>
+            <a:fillRect/>
+          </a:stretch>
+        </p:blipFill>
+        <p:spPr bwMode="auto">
+          <a:xfrm>
+            <a:off x="7315200" y="3887724"/>
+            <a:ext cx="1371600" cy="1371600"/>
+          </a:xfrm>
+          <a:prstGeom prst="rect">
+            <a:avLst/>
+          </a:prstGeom>
+          <a:noFill/>
+          <a:extLst>
+            <a:ext uri="{909E8E84-426E-40DD-AFC4-6F175D3DCCD1}">
+              <a14:hiddenFill xmlns:a14="http://schemas.microsoft.com/office/drawing/2010/main">
+                <a:solidFill>
+                  <a:srgbClr val="FFFFFF"/>
+                </a:solidFill>
+              </a14:hiddenFill>
+            </a:ext>
+          </a:extLst>
+        </p:spPr>
+      </p:pic>
+      <p:cxnSp>
+        <p:nvCxnSpPr>
+          <p:cNvPr id="16" name="Straight Arrow Connector 15"/>
+          <p:cNvCxnSpPr>
+            <a:stCxn id="7" idx="3"/>
+            <a:endCxn id="15" idx="1"/>
+          </p:cNvCxnSpPr>
+          <p:nvPr/>
+        </p:nvCxnSpPr>
+        <p:spPr>
+          <a:xfrm flipV="1">
+            <a:off x="5250281" y="4573524"/>
+            <a:ext cx="2064919" cy="1125566"/>
+          </a:xfrm>
+          <a:prstGeom prst="straightConnector1">
+            <a:avLst/>
+          </a:prstGeom>
+          <a:ln cmpd="sng">
+            <a:tailEnd type="triangle"/>
+          </a:ln>
+        </p:spPr>
+        <p:style>
+          <a:lnRef idx="3">
+            <a:schemeClr val="dk1"/>
+          </a:lnRef>
+          <a:fillRef idx="0">
+            <a:schemeClr val="dk1"/>
+          </a:fillRef>
+          <a:effectRef idx="2">
+            <a:schemeClr val="dk1"/>
+          </a:effectRef>
+          <a:fontRef idx="minor">
+            <a:schemeClr val="tx1"/>
+          </a:fontRef>
+        </p:style>
+      </p:cxnSp>
+      <p:sp>
+        <p:nvSpPr>
+          <p:cNvPr id="17" name="TextBox 16"/>
+          <p:cNvSpPr txBox="1"/>
+          <p:nvPr/>
+        </p:nvSpPr>
+        <p:spPr>
+          <a:xfrm>
+            <a:off x="6662193" y="5059269"/>
+            <a:ext cx="2443298" cy="400110"/>
+          </a:xfrm>
+          <a:prstGeom prst="rect">
+            <a:avLst/>
+          </a:prstGeom>
+          <a:noFill/>
+        </p:spPr>
+        <p:txBody>
+          <a:bodyPr wrap="none" rtlCol="0">
+            <a:spAutoFit/>
+          </a:bodyPr>
+          <a:lstStyle/>
+          <a:p>
+            <a:r>
+              <a:rPr lang="en-US" sz="2000" b="1" dirty="0" smtClean="0">
+                <a:solidFill>
+                  <a:srgbClr val="FF0000"/>
+                </a:solidFill>
+                <a:latin typeface="Cambria" pitchFamily="18" charset="0"/>
+              </a:rPr>
+              <a:t>&gt; 2 points optimize</a:t>
+            </a:r>
+            <a:endParaRPr lang="en-US" sz="2000" b="1" dirty="0">
+              <a:solidFill>
+                <a:srgbClr val="FF0000"/>
+              </a:solidFill>
+              <a:latin typeface="Cambria" pitchFamily="18" charset="0"/>
+            </a:endParaRPr>
+          </a:p>
+        </p:txBody>
+      </p:sp>
+    </p:spTree>
+    <p:extLst>
+      <p:ext uri="{BB962C8B-B14F-4D97-AF65-F5344CB8AC3E}">
+        <p14:creationId xmlns:p14="http://schemas.microsoft.com/office/powerpoint/2010/main" val="2167822165"/>
+      </p:ext>
+    </p:extLst>
+  </p:cSld>
+  <p:clrMapOvr>
+    <a:masterClrMapping/>
+  </p:clrMapOvr>
+  <p:timing>
+    <p:tnLst>
+      <p:par>
+        <p:cTn id="1" dur="indefinite" restart="never" nodeType="tmRoot"/>
+      </p:par>
+    </p:tnLst>
+  </p:timing>
+</p:sld>
+</file>
+
+<file path=ppt/slides/slide11.xml><?xml version="1.0" encoding="utf-8"?>
+<p:sld xmlns:a="http://schemas.openxmlformats.org/drawingml/2006/main" xmlns:r="http://schemas.openxmlformats.org/officeDocument/2006/relationships" xmlns:p="http://schemas.openxmlformats.org/presentationml/2006/main">
+  <p:cSld>
+    <p:spTree>
+      <p:nvGrpSpPr>
+        <p:cNvPr id="1" name=""/>
+        <p:cNvGrpSpPr/>
+        <p:nvPr/>
+      </p:nvGrpSpPr>
+      <p:grpSpPr>
+        <a:xfrm>
+          <a:off x="0" y="0"/>
+          <a:ext cx="0" cy="0"/>
+          <a:chOff x="0" y="0"/>
+          <a:chExt cx="0" cy="0"/>
+        </a:xfrm>
+      </p:grpSpPr>
+      <p:sp>
+        <p:nvSpPr>
+          <p:cNvPr id="4" name="Slide Number Placeholder 3"/>
+          <p:cNvSpPr>
+            <a:spLocks noGrp="1"/>
+          </p:cNvSpPr>
+          <p:nvPr>
+            <p:ph type="sldNum" idx="12"/>
+          </p:nvPr>
+        </p:nvSpPr>
+        <p:spPr/>
+        <p:txBody>
+          <a:bodyPr/>
+          <a:lstStyle/>
+          <a:p>
+            <a:fld id="{00000000-1234-1234-1234-123412341234}" type="slidenum">
+              <a:rPr lang="en" smtClean="0"/>
+              <a:pPr/>
+              <a:t>11</a:t>
             </a:fld>
             <a:endParaRPr lang="en"/>
           </a:p>
@@ -5890,7 +6135,7 @@
 </p:sld>
 </file>
 
-<file path=ppt/slides/slide11.xml><?xml version="1.0" encoding="utf-8"?>
+<file path=ppt/slides/slide12.xml><?xml version="1.0" encoding="utf-8"?>
 <p:sld xmlns:a="http://schemas.openxmlformats.org/drawingml/2006/main" xmlns:r="http://schemas.openxmlformats.org/officeDocument/2006/relationships" xmlns:p="http://schemas.openxmlformats.org/presentationml/2006/main">
   <p:cSld>
     <p:spTree>
@@ -5925,7 +6170,7 @@
             <a:fld id="{00000000-1234-1234-1234-123412341234}" type="slidenum">
               <a:rPr lang="en" smtClean="0"/>
               <a:pPr/>
-              <a:t>11</a:t>
+              <a:t>12</a:t>
             </a:fld>
             <a:endParaRPr lang="en"/>
           </a:p>
@@ -6387,7 +6632,7 @@
 </p:sld>
 </file>
 
-<file path=ppt/slides/slide12.xml><?xml version="1.0" encoding="utf-8"?>
+<file path=ppt/slides/slide13.xml><?xml version="1.0" encoding="utf-8"?>
 <p:sld xmlns:a="http://schemas.openxmlformats.org/drawingml/2006/main" xmlns:r="http://schemas.openxmlformats.org/officeDocument/2006/relationships" xmlns:p="http://schemas.openxmlformats.org/presentationml/2006/main">
   <p:cSld>
     <p:spTree>
@@ -6422,7 +6667,7 @@
             <a:fld id="{00000000-1234-1234-1234-123412341234}" type="slidenum">
               <a:rPr lang="en" smtClean="0"/>
               <a:pPr/>
-              <a:t>12</a:t>
+              <a:t>13</a:t>
             </a:fld>
             <a:endParaRPr lang="en"/>
           </a:p>
@@ -7442,7 +7687,7 @@
 </p:sld>
 </file>
 
-<file path=ppt/slides/slide13.xml><?xml version="1.0" encoding="utf-8"?>
+<file path=ppt/slides/slide14.xml><?xml version="1.0" encoding="utf-8"?>
 <p:sld xmlns:a="http://schemas.openxmlformats.org/drawingml/2006/main" xmlns:r="http://schemas.openxmlformats.org/officeDocument/2006/relationships" xmlns:p="http://schemas.openxmlformats.org/presentationml/2006/main">
   <p:cSld>
     <p:spTree>
@@ -7477,7 +7722,7 @@
             <a:fld id="{00000000-1234-1234-1234-123412341234}" type="slidenum">
               <a:rPr lang="en" smtClean="0"/>
               <a:pPr/>
-              <a:t>13</a:t>
+              <a:t>14</a:t>
             </a:fld>
             <a:endParaRPr lang="en"/>
           </a:p>
@@ -7816,7 +8061,7 @@
 </p:sld>
 </file>
 
-<file path=ppt/slides/slide14.xml><?xml version="1.0" encoding="utf-8"?>
+<file path=ppt/slides/slide15.xml><?xml version="1.0" encoding="utf-8"?>
 <p:sld xmlns:a="http://schemas.openxmlformats.org/drawingml/2006/main" xmlns:r="http://schemas.openxmlformats.org/officeDocument/2006/relationships" xmlns:p="http://schemas.openxmlformats.org/presentationml/2006/main">
   <p:cSld>
     <p:spTree>
@@ -7857,12 +8102,6 @@
               </a:rPr>
               <a:t>Step</a:t>
             </a:r>
-            <a:endParaRPr lang="en-US" dirty="0">
-              <a:latin typeface="Cambria"/>
-              <a:ea typeface="Cambria"/>
-              <a:cs typeface="Cambria"/>
-              <a:sym typeface="Cambria"/>
-            </a:endParaRPr>
           </a:p>
         </p:txBody>
       </p:sp>
@@ -7884,7 +8123,7 @@
             <a:fld id="{00000000-1234-1234-1234-123412341234}" type="slidenum">
               <a:rPr lang="en" smtClean="0"/>
               <a:pPr/>
-              <a:t>14</a:t>
+              <a:t>15</a:t>
             </a:fld>
             <a:endParaRPr lang="en"/>
           </a:p>
@@ -8122,7 +8361,7 @@
 </p:sld>
 </file>
 
-<file path=ppt/slides/slide15.xml><?xml version="1.0" encoding="utf-8"?>
+<file path=ppt/slides/slide16.xml><?xml version="1.0" encoding="utf-8"?>
 <p:sld xmlns:a="http://schemas.openxmlformats.org/drawingml/2006/main" xmlns:r="http://schemas.openxmlformats.org/officeDocument/2006/relationships" xmlns:p="http://schemas.openxmlformats.org/presentationml/2006/main">
   <p:cSld>
     <p:spTree>
@@ -8185,7 +8424,7 @@
             <a:fld id="{00000000-1234-1234-1234-123412341234}" type="slidenum">
               <a:rPr lang="en" smtClean="0"/>
               <a:pPr/>
-              <a:t>15</a:t>
+              <a:t>16</a:t>
             </a:fld>
             <a:endParaRPr lang="en"/>
           </a:p>
@@ -8482,7 +8721,7 @@
 </p:sld>
 </file>
 
-<file path=ppt/slides/slide16.xml><?xml version="1.0" encoding="utf-8"?>
+<file path=ppt/slides/slide17.xml><?xml version="1.0" encoding="utf-8"?>
 <p:sld xmlns:a="http://schemas.openxmlformats.org/drawingml/2006/main" xmlns:r="http://schemas.openxmlformats.org/officeDocument/2006/relationships" xmlns:p="http://schemas.openxmlformats.org/presentationml/2006/main">
   <p:cSld>
     <p:spTree>
@@ -8545,7 +8784,7 @@
             <a:fld id="{00000000-1234-1234-1234-123412341234}" type="slidenum">
               <a:rPr lang="en" smtClean="0"/>
               <a:pPr/>
-              <a:t>16</a:t>
+              <a:t>17</a:t>
             </a:fld>
             <a:endParaRPr lang="en"/>
           </a:p>
@@ -8857,7 +9096,7 @@
 </p:sld>
 </file>
 
-<file path=ppt/slides/slide17.xml><?xml version="1.0" encoding="utf-8"?>
+<file path=ppt/slides/slide18.xml><?xml version="1.0" encoding="utf-8"?>
 <p:sld xmlns:a="http://schemas.openxmlformats.org/drawingml/2006/main" xmlns:r="http://schemas.openxmlformats.org/officeDocument/2006/relationships" xmlns:p="http://schemas.openxmlformats.org/presentationml/2006/main">
   <p:cSld>
     <p:spTree>
@@ -8920,7 +9159,7 @@
             <a:fld id="{00000000-1234-1234-1234-123412341234}" type="slidenum">
               <a:rPr lang="en" smtClean="0"/>
               <a:pPr/>
-              <a:t>17</a:t>
+              <a:t>18</a:t>
             </a:fld>
             <a:endParaRPr lang="en"/>
           </a:p>
@@ -9247,7 +9486,7 @@
 </p:sld>
 </file>
 
-<file path=ppt/slides/slide18.xml><?xml version="1.0" encoding="utf-8"?>
+<file path=ppt/slides/slide19.xml><?xml version="1.0" encoding="utf-8"?>
 <p:sld xmlns:a="http://schemas.openxmlformats.org/drawingml/2006/main" xmlns:r="http://schemas.openxmlformats.org/officeDocument/2006/relationships" xmlns:p="http://schemas.openxmlformats.org/presentationml/2006/main">
   <p:cSld>
     <p:spTree>
@@ -9310,7 +9549,7 @@
             <a:fld id="{00000000-1234-1234-1234-123412341234}" type="slidenum">
               <a:rPr lang="en" smtClean="0"/>
               <a:pPr/>
-              <a:t>18</a:t>
+              <a:t>19</a:t>
             </a:fld>
             <a:endParaRPr lang="en"/>
           </a:p>
@@ -9652,7 +9891,491 @@
 </p:sld>
 </file>
 
-<file path=ppt/slides/slide19.xml><?xml version="1.0" encoding="utf-8"?>
+<file path=ppt/slides/slide2.xml><?xml version="1.0" encoding="utf-8"?>
+<p:sld xmlns:a="http://schemas.openxmlformats.org/drawingml/2006/main" xmlns:r="http://schemas.openxmlformats.org/officeDocument/2006/relationships" xmlns:p="http://schemas.openxmlformats.org/presentationml/2006/main">
+  <p:cSld>
+    <p:spTree>
+      <p:nvGrpSpPr>
+        <p:cNvPr id="1" name=""/>
+        <p:cNvGrpSpPr/>
+        <p:nvPr/>
+      </p:nvGrpSpPr>
+      <p:grpSpPr>
+        <a:xfrm>
+          <a:off x="0" y="0"/>
+          <a:ext cx="0" cy="0"/>
+          <a:chOff x="0" y="0"/>
+          <a:chExt cx="0" cy="0"/>
+        </a:xfrm>
+      </p:grpSpPr>
+      <p:sp>
+        <p:nvSpPr>
+          <p:cNvPr id="6" name="Title 5"/>
+          <p:cNvSpPr>
+            <a:spLocks noGrp="1"/>
+          </p:cNvSpPr>
+          <p:nvPr>
+            <p:ph type="title"/>
+          </p:nvPr>
+        </p:nvSpPr>
+        <p:spPr/>
+        <p:txBody>
+          <a:bodyPr/>
+          <a:lstStyle/>
+          <a:p>
+            <a:r>
+              <a:rPr lang="en-US" dirty="0" smtClean="0">
+                <a:latin typeface="Cambria"/>
+                <a:ea typeface="Cambria"/>
+                <a:cs typeface="Cambria"/>
+                <a:sym typeface="Cambria"/>
+              </a:rPr>
+              <a:t>Scenario</a:t>
+            </a:r>
+            <a:endParaRPr lang="en-US" dirty="0">
+              <a:latin typeface="Cambria"/>
+              <a:ea typeface="Cambria"/>
+              <a:cs typeface="Cambria"/>
+              <a:sym typeface="Cambria"/>
+            </a:endParaRPr>
+          </a:p>
+        </p:txBody>
+      </p:sp>
+      <p:sp>
+        <p:nvSpPr>
+          <p:cNvPr id="5" name="Slide Number Placeholder 4"/>
+          <p:cNvSpPr>
+            <a:spLocks noGrp="1"/>
+          </p:cNvSpPr>
+          <p:nvPr>
+            <p:ph type="sldNum" idx="12"/>
+          </p:nvPr>
+        </p:nvSpPr>
+        <p:spPr/>
+        <p:txBody>
+          <a:bodyPr/>
+          <a:lstStyle/>
+          <a:p>
+            <a:fld id="{00000000-1234-1234-1234-123412341234}" type="slidenum">
+              <a:rPr lang="en" smtClean="0"/>
+              <a:pPr/>
+              <a:t>2</a:t>
+            </a:fld>
+            <a:endParaRPr lang="en"/>
+          </a:p>
+        </p:txBody>
+      </p:sp>
+      <p:grpSp>
+        <p:nvGrpSpPr>
+          <p:cNvPr id="8" name="Group 7"/>
+          <p:cNvGrpSpPr/>
+          <p:nvPr/>
+        </p:nvGrpSpPr>
+        <p:grpSpPr>
+          <a:xfrm>
+            <a:off x="497974" y="2295465"/>
+            <a:ext cx="2172806" cy="2233416"/>
+            <a:chOff x="-42886" y="3161112"/>
+            <a:chExt cx="2172806" cy="2233416"/>
+          </a:xfrm>
+        </p:grpSpPr>
+        <p:grpSp>
+          <p:nvGrpSpPr>
+            <p:cNvPr id="2" name="Group 1"/>
+            <p:cNvGrpSpPr/>
+            <p:nvPr/>
+          </p:nvGrpSpPr>
+          <p:grpSpPr>
+            <a:xfrm>
+              <a:off x="433917" y="3161112"/>
+              <a:ext cx="1219200" cy="1638701"/>
+              <a:chOff x="1209565" y="3078635"/>
+              <a:chExt cx="1219200" cy="1722166"/>
+            </a:xfrm>
+          </p:grpSpPr>
+          <p:sp>
+            <p:nvSpPr>
+              <p:cNvPr id="10" name="TextBox 9"/>
+              <p:cNvSpPr txBox="1"/>
+              <p:nvPr/>
+            </p:nvSpPr>
+            <p:spPr>
+              <a:xfrm>
+                <a:off x="1243174" y="4380312"/>
+                <a:ext cx="1151982" cy="420489"/>
+              </a:xfrm>
+              <a:prstGeom prst="rect">
+                <a:avLst/>
+              </a:prstGeom>
+              <a:noFill/>
+            </p:spPr>
+            <p:txBody>
+              <a:bodyPr wrap="none" rtlCol="0">
+                <a:spAutoFit/>
+              </a:bodyPr>
+              <a:lstStyle/>
+              <a:p>
+                <a:r>
+                  <a:rPr lang="en-US" sz="2000" b="1" dirty="0" err="1" smtClean="0">
+                    <a:latin typeface="Cambria" pitchFamily="18" charset="0"/>
+                    <a:cs typeface="Times New Roman" pitchFamily="18" charset="0"/>
+                  </a:rPr>
+                  <a:t>Khương</a:t>
+                </a:r>
+                <a:endParaRPr lang="en-US" sz="2000" b="1" dirty="0">
+                  <a:latin typeface="Cambria" pitchFamily="18" charset="0"/>
+                  <a:cs typeface="Times New Roman" pitchFamily="18" charset="0"/>
+                </a:endParaRPr>
+              </a:p>
+            </p:txBody>
+          </p:sp>
+          <p:pic>
+            <p:nvPicPr>
+              <p:cNvPr id="15" name="Picture 3" descr="C:\Users\ngoan\Desktop\image\thao.png"/>
+              <p:cNvPicPr>
+                <a:picLocks noChangeAspect="1" noChangeArrowheads="1"/>
+              </p:cNvPicPr>
+              <p:nvPr/>
+            </p:nvPicPr>
+            <p:blipFill>
+              <a:blip r:embed="rId3">
+                <a:extLst>
+                  <a:ext uri="{28A0092B-C50C-407E-A947-70E740481C1C}">
+                    <a14:useLocalDpi xmlns:a14="http://schemas.microsoft.com/office/drawing/2010/main" val="0"/>
+                  </a:ext>
+                </a:extLst>
+              </a:blip>
+              <a:srcRect/>
+              <a:stretch>
+                <a:fillRect/>
+              </a:stretch>
+            </p:blipFill>
+            <p:spPr bwMode="auto">
+              <a:xfrm flipH="1">
+                <a:off x="1209565" y="3078635"/>
+                <a:ext cx="1219200" cy="1219200"/>
+              </a:xfrm>
+              <a:prstGeom prst="rect">
+                <a:avLst/>
+              </a:prstGeom>
+              <a:noFill/>
+              <a:extLst>
+                <a:ext uri="{909E8E84-426E-40DD-AFC4-6F175D3DCCD1}">
+                  <a14:hiddenFill xmlns:a14="http://schemas.microsoft.com/office/drawing/2010/main">
+                    <a:solidFill>
+                      <a:srgbClr val="FFFFFF"/>
+                    </a:solidFill>
+                  </a14:hiddenFill>
+                </a:ext>
+              </a:extLst>
+            </p:spPr>
+          </p:pic>
+        </p:grpSp>
+        <p:sp>
+          <p:nvSpPr>
+            <p:cNvPr id="20" name="TextBox 19"/>
+            <p:cNvSpPr txBox="1"/>
+            <p:nvPr/>
+          </p:nvSpPr>
+          <p:spPr>
+            <a:xfrm>
+              <a:off x="-42886" y="5025196"/>
+              <a:ext cx="2172806" cy="369332"/>
+            </a:xfrm>
+            <a:prstGeom prst="rect">
+              <a:avLst/>
+            </a:prstGeom>
+            <a:noFill/>
+          </p:spPr>
+          <p:txBody>
+            <a:bodyPr wrap="square" rtlCol="0">
+              <a:spAutoFit/>
+            </a:bodyPr>
+            <a:lstStyle/>
+            <a:p>
+              <a:r>
+                <a:rPr lang="en-US" dirty="0" err="1">
+                  <a:solidFill>
+                    <a:srgbClr val="FF0000"/>
+                  </a:solidFill>
+                  <a:latin typeface="Cambria" pitchFamily="18" charset="0"/>
+                </a:rPr>
+                <a:t>Công</a:t>
+              </a:r>
+              <a:r>
+                <a:rPr lang="en-US" dirty="0">
+                  <a:solidFill>
+                    <a:srgbClr val="FF0000"/>
+                  </a:solidFill>
+                  <a:latin typeface="Cambria" pitchFamily="18" charset="0"/>
+                </a:rPr>
+                <a:t> </a:t>
+              </a:r>
+              <a:r>
+                <a:rPr lang="en-US" dirty="0" err="1">
+                  <a:solidFill>
+                    <a:srgbClr val="FF0000"/>
+                  </a:solidFill>
+                  <a:latin typeface="Cambria" pitchFamily="18" charset="0"/>
+                </a:rPr>
+                <a:t>Viên</a:t>
+              </a:r>
+              <a:r>
+                <a:rPr lang="en-US" dirty="0">
+                  <a:solidFill>
+                    <a:srgbClr val="FF0000"/>
+                  </a:solidFill>
+                  <a:latin typeface="Cambria" pitchFamily="18" charset="0"/>
+                </a:rPr>
+                <a:t> Tao </a:t>
+              </a:r>
+              <a:r>
+                <a:rPr lang="en-US" dirty="0" err="1">
+                  <a:solidFill>
+                    <a:srgbClr val="FF0000"/>
+                  </a:solidFill>
+                  <a:latin typeface="Cambria" pitchFamily="18" charset="0"/>
+                </a:rPr>
+                <a:t>Đàn</a:t>
+              </a:r>
+              <a:endParaRPr lang="en-US" dirty="0">
+                <a:solidFill>
+                  <a:srgbClr val="FF0000"/>
+                </a:solidFill>
+                <a:latin typeface="Cambria" pitchFamily="18" charset="0"/>
+                <a:cs typeface="Times New Roman" pitchFamily="18" charset="0"/>
+              </a:endParaRPr>
+            </a:p>
+          </p:txBody>
+        </p:sp>
+      </p:grpSp>
+      <p:sp>
+        <p:nvSpPr>
+          <p:cNvPr id="13" name="TextBox 12"/>
+          <p:cNvSpPr txBox="1"/>
+          <p:nvPr/>
+        </p:nvSpPr>
+        <p:spPr>
+          <a:xfrm>
+            <a:off x="5207626" y="3514665"/>
+            <a:ext cx="914400" cy="400110"/>
+          </a:xfrm>
+          <a:prstGeom prst="rect">
+            <a:avLst/>
+          </a:prstGeom>
+          <a:noFill/>
+        </p:spPr>
+        <p:txBody>
+          <a:bodyPr wrap="square" rtlCol="0">
+            <a:spAutoFit/>
+          </a:bodyPr>
+          <a:lstStyle/>
+          <a:p>
+            <a:r>
+              <a:rPr lang="en-US" sz="2000" b="1" dirty="0" err="1" smtClean="0">
+                <a:latin typeface="Cambria" pitchFamily="18" charset="0"/>
+                <a:cs typeface="Times New Roman" pitchFamily="18" charset="0"/>
+              </a:rPr>
+              <a:t>Vợ</a:t>
+            </a:r>
+            <a:endParaRPr lang="en-US" sz="2000" b="1" dirty="0">
+              <a:latin typeface="Cambria" pitchFamily="18" charset="0"/>
+              <a:cs typeface="Times New Roman" pitchFamily="18" charset="0"/>
+            </a:endParaRPr>
+          </a:p>
+        </p:txBody>
+      </p:sp>
+      <p:sp>
+        <p:nvSpPr>
+          <p:cNvPr id="12" name="TextBox 11"/>
+          <p:cNvSpPr txBox="1"/>
+          <p:nvPr/>
+        </p:nvSpPr>
+        <p:spPr>
+          <a:xfrm>
+            <a:off x="4781768" y="4269604"/>
+            <a:ext cx="1766116" cy="369332"/>
+          </a:xfrm>
+          <a:prstGeom prst="rect">
+            <a:avLst/>
+          </a:prstGeom>
+          <a:noFill/>
+        </p:spPr>
+        <p:txBody>
+          <a:bodyPr wrap="square" rtlCol="0">
+            <a:spAutoFit/>
+          </a:bodyPr>
+          <a:lstStyle/>
+          <a:p>
+            <a:pPr algn="ctr"/>
+            <a:r>
+              <a:rPr lang="en-US" dirty="0" err="1">
+                <a:solidFill>
+                  <a:srgbClr val="FF0000"/>
+                </a:solidFill>
+                <a:latin typeface="Cambria" pitchFamily="18" charset="0"/>
+              </a:rPr>
+              <a:t>Bến</a:t>
+            </a:r>
+            <a:r>
+              <a:rPr lang="en-US" dirty="0">
+                <a:solidFill>
+                  <a:srgbClr val="FF0000"/>
+                </a:solidFill>
+                <a:latin typeface="Cambria" pitchFamily="18" charset="0"/>
+              </a:rPr>
+              <a:t> </a:t>
+            </a:r>
+            <a:r>
+              <a:rPr lang="en-US" dirty="0" err="1">
+                <a:solidFill>
+                  <a:srgbClr val="FF0000"/>
+                </a:solidFill>
+                <a:latin typeface="Cambria" pitchFamily="18" charset="0"/>
+              </a:rPr>
+              <a:t>xe</a:t>
+            </a:r>
+            <a:r>
+              <a:rPr lang="en-US" dirty="0">
+                <a:solidFill>
+                  <a:srgbClr val="FF0000"/>
+                </a:solidFill>
+                <a:latin typeface="Cambria" pitchFamily="18" charset="0"/>
+              </a:rPr>
+              <a:t> </a:t>
+            </a:r>
+            <a:r>
+              <a:rPr lang="en-US" dirty="0" err="1">
+                <a:solidFill>
+                  <a:srgbClr val="FF0000"/>
+                </a:solidFill>
+                <a:latin typeface="Cambria" pitchFamily="18" charset="0"/>
+              </a:rPr>
+              <a:t>quận</a:t>
+            </a:r>
+            <a:r>
+              <a:rPr lang="en-US" dirty="0">
+                <a:solidFill>
+                  <a:srgbClr val="FF0000"/>
+                </a:solidFill>
+                <a:latin typeface="Cambria" pitchFamily="18" charset="0"/>
+              </a:rPr>
+              <a:t> </a:t>
+            </a:r>
+            <a:r>
+              <a:rPr lang="en-US" dirty="0" smtClean="0">
+                <a:solidFill>
+                  <a:srgbClr val="FF0000"/>
+                </a:solidFill>
+                <a:latin typeface="Cambria" pitchFamily="18" charset="0"/>
+              </a:rPr>
+              <a:t>8</a:t>
+            </a:r>
+            <a:endParaRPr lang="en-US" dirty="0">
+              <a:solidFill>
+                <a:srgbClr val="FF0000"/>
+              </a:solidFill>
+              <a:latin typeface="Cambria" pitchFamily="18" charset="0"/>
+              <a:cs typeface="Times New Roman" pitchFamily="18" charset="0"/>
+            </a:endParaRPr>
+          </a:p>
+        </p:txBody>
+      </p:sp>
+      <p:cxnSp>
+        <p:nvCxnSpPr>
+          <p:cNvPr id="16" name="Straight Arrow Connector 15"/>
+          <p:cNvCxnSpPr/>
+          <p:nvPr/>
+        </p:nvCxnSpPr>
+        <p:spPr>
+          <a:xfrm>
+            <a:off x="2784143" y="3455576"/>
+            <a:ext cx="1997625" cy="0"/>
+          </a:xfrm>
+          <a:prstGeom prst="straightConnector1">
+            <a:avLst/>
+          </a:prstGeom>
+          <a:ln w="63500">
+            <a:tailEnd type="triangle"/>
+          </a:ln>
+        </p:spPr>
+        <p:style>
+          <a:lnRef idx="3">
+            <a:schemeClr val="dk1"/>
+          </a:lnRef>
+          <a:fillRef idx="0">
+            <a:schemeClr val="dk1"/>
+          </a:fillRef>
+          <a:effectRef idx="2">
+            <a:schemeClr val="dk1"/>
+          </a:effectRef>
+          <a:fontRef idx="minor">
+            <a:schemeClr val="tx1"/>
+          </a:fontRef>
+        </p:style>
+      </p:cxnSp>
+      <p:pic>
+        <p:nvPicPr>
+          <p:cNvPr id="1026" name="Picture 2" descr="C:\Users\ngoan\Desktop\image\ngoan.png"/>
+          <p:cNvPicPr>
+            <a:picLocks noChangeAspect="1" noChangeArrowheads="1"/>
+          </p:cNvPicPr>
+          <p:nvPr/>
+        </p:nvPicPr>
+        <p:blipFill>
+          <a:blip r:embed="rId4">
+            <a:extLst>
+              <a:ext uri="{28A0092B-C50C-407E-A947-70E740481C1C}">
+                <a14:useLocalDpi xmlns:a14="http://schemas.microsoft.com/office/drawing/2010/main" val="0"/>
+              </a:ext>
+            </a:extLst>
+          </a:blip>
+          <a:srcRect/>
+          <a:stretch>
+            <a:fillRect/>
+          </a:stretch>
+        </p:blipFill>
+        <p:spPr bwMode="auto">
+          <a:xfrm>
+            <a:off x="5055226" y="2295465"/>
+            <a:ext cx="1219200" cy="1219200"/>
+          </a:xfrm>
+          <a:prstGeom prst="rect">
+            <a:avLst/>
+          </a:prstGeom>
+          <a:noFill/>
+          <a:extLst>
+            <a:ext uri="{909E8E84-426E-40DD-AFC4-6F175D3DCCD1}">
+              <a14:hiddenFill xmlns:a14="http://schemas.microsoft.com/office/drawing/2010/main">
+                <a:solidFill>
+                  <a:srgbClr val="FFFFFF"/>
+                </a:solidFill>
+              </a14:hiddenFill>
+            </a:ext>
+          </a:extLst>
+        </p:spPr>
+      </p:pic>
+    </p:spTree>
+    <p:extLst>
+      <p:ext uri="{BB962C8B-B14F-4D97-AF65-F5344CB8AC3E}">
+        <p14:creationId xmlns:p14="http://schemas.microsoft.com/office/powerpoint/2010/main" val="787625584"/>
+      </p:ext>
+    </p:extLst>
+  </p:cSld>
+  <p:clrMapOvr>
+    <a:masterClrMapping/>
+  </p:clrMapOvr>
+  <p:timing>
+    <p:tnLst>
+      <p:par>
+        <p:cTn id="1" dur="indefinite" restart="never" nodeType="tmRoot"/>
+      </p:par>
+    </p:tnLst>
+  </p:timing>
+</p:sld>
+</file>
+
+<file path=ppt/slides/slide20.xml><?xml version="1.0" encoding="utf-8"?>
 <p:sld xmlns:a="http://schemas.openxmlformats.org/drawingml/2006/main" xmlns:r="http://schemas.openxmlformats.org/officeDocument/2006/relationships" xmlns:p="http://schemas.openxmlformats.org/presentationml/2006/main">
   <p:cSld>
     <p:spTree>
@@ -9715,7 +10438,7 @@
             <a:fld id="{00000000-1234-1234-1234-123412341234}" type="slidenum">
               <a:rPr lang="en" smtClean="0"/>
               <a:pPr/>
-              <a:t>19</a:t>
+              <a:t>20</a:t>
             </a:fld>
             <a:endParaRPr lang="en"/>
           </a:p>
@@ -10072,883 +10795,7 @@
 </p:sld>
 </file>
 
-<file path=ppt/slides/slide2.xml><?xml version="1.0" encoding="utf-8"?>
-<p:sld xmlns:a="http://schemas.openxmlformats.org/drawingml/2006/main" xmlns:r="http://schemas.openxmlformats.org/officeDocument/2006/relationships" xmlns:p="http://schemas.openxmlformats.org/presentationml/2006/main">
-  <p:cSld>
-    <p:spTree>
-      <p:nvGrpSpPr>
-        <p:cNvPr id="1" name=""/>
-        <p:cNvGrpSpPr/>
-        <p:nvPr/>
-      </p:nvGrpSpPr>
-      <p:grpSpPr>
-        <a:xfrm>
-          <a:off x="0" y="0"/>
-          <a:ext cx="0" cy="0"/>
-          <a:chOff x="0" y="0"/>
-          <a:chExt cx="0" cy="0"/>
-        </a:xfrm>
-      </p:grpSpPr>
-      <p:sp>
-        <p:nvSpPr>
-          <p:cNvPr id="6" name="Title 5"/>
-          <p:cNvSpPr>
-            <a:spLocks noGrp="1"/>
-          </p:cNvSpPr>
-          <p:nvPr>
-            <p:ph type="title"/>
-          </p:nvPr>
-        </p:nvSpPr>
-        <p:spPr/>
-        <p:txBody>
-          <a:bodyPr/>
-          <a:lstStyle/>
-          <a:p>
-            <a:r>
-              <a:rPr lang="en-US" dirty="0" smtClean="0">
-                <a:latin typeface="Cambria"/>
-                <a:ea typeface="Cambria"/>
-                <a:cs typeface="Cambria"/>
-                <a:sym typeface="Cambria"/>
-              </a:rPr>
-              <a:t>Scenario</a:t>
-            </a:r>
-            <a:endParaRPr lang="en-US" dirty="0">
-              <a:latin typeface="Cambria"/>
-              <a:ea typeface="Cambria"/>
-              <a:cs typeface="Cambria"/>
-              <a:sym typeface="Cambria"/>
-            </a:endParaRPr>
-          </a:p>
-        </p:txBody>
-      </p:sp>
-      <p:sp>
-        <p:nvSpPr>
-          <p:cNvPr id="5" name="Slide Number Placeholder 4"/>
-          <p:cNvSpPr>
-            <a:spLocks noGrp="1"/>
-          </p:cNvSpPr>
-          <p:nvPr>
-            <p:ph type="sldNum" idx="12"/>
-          </p:nvPr>
-        </p:nvSpPr>
-        <p:spPr/>
-        <p:txBody>
-          <a:bodyPr/>
-          <a:lstStyle/>
-          <a:p>
-            <a:fld id="{00000000-1234-1234-1234-123412341234}" type="slidenum">
-              <a:rPr lang="en" smtClean="0"/>
-              <a:pPr/>
-              <a:t>2</a:t>
-            </a:fld>
-            <a:endParaRPr lang="en"/>
-          </a:p>
-        </p:txBody>
-      </p:sp>
-      <p:grpSp>
-        <p:nvGrpSpPr>
-          <p:cNvPr id="21" name="Group 20"/>
-          <p:cNvGrpSpPr/>
-          <p:nvPr/>
-        </p:nvGrpSpPr>
-        <p:grpSpPr>
-          <a:xfrm>
-            <a:off x="2434617" y="3161112"/>
-            <a:ext cx="1766116" cy="2343471"/>
-            <a:chOff x="2434617" y="3161112"/>
-            <a:chExt cx="1766116" cy="2343471"/>
-          </a:xfrm>
-        </p:grpSpPr>
-        <p:grpSp>
-          <p:nvGrpSpPr>
-            <p:cNvPr id="3" name="Group 2"/>
-            <p:cNvGrpSpPr/>
-            <p:nvPr/>
-          </p:nvGrpSpPr>
-          <p:grpSpPr>
-            <a:xfrm>
-              <a:off x="2708075" y="3161112"/>
-              <a:ext cx="1219200" cy="1619310"/>
-              <a:chOff x="3035621" y="3161112"/>
-              <a:chExt cx="1219200" cy="1619310"/>
-            </a:xfrm>
-          </p:grpSpPr>
-          <p:sp>
-            <p:nvSpPr>
-              <p:cNvPr id="11" name="TextBox 10"/>
-              <p:cNvSpPr txBox="1"/>
-              <p:nvPr/>
-            </p:nvSpPr>
-            <p:spPr>
-              <a:xfrm>
-                <a:off x="3188021" y="4380312"/>
-                <a:ext cx="914400" cy="400110"/>
-              </a:xfrm>
-              <a:prstGeom prst="rect">
-                <a:avLst/>
-              </a:prstGeom>
-              <a:noFill/>
-            </p:spPr>
-            <p:txBody>
-              <a:bodyPr wrap="square" rtlCol="0">
-                <a:spAutoFit/>
-              </a:bodyPr>
-              <a:lstStyle/>
-              <a:p>
-                <a:r>
-                  <a:rPr lang="en-US" sz="2000" b="1" dirty="0" smtClean="0">
-                    <a:latin typeface="Cambria" pitchFamily="18" charset="0"/>
-                    <a:cs typeface="Times New Roman" pitchFamily="18" charset="0"/>
-                  </a:rPr>
-                  <a:t>Nam</a:t>
-                </a:r>
-                <a:endParaRPr lang="en-US" sz="2000" b="1" dirty="0">
-                  <a:latin typeface="Cambria" pitchFamily="18" charset="0"/>
-                  <a:cs typeface="Times New Roman" pitchFamily="18" charset="0"/>
-                </a:endParaRPr>
-              </a:p>
-            </p:txBody>
-          </p:sp>
-          <p:pic>
-            <p:nvPicPr>
-              <p:cNvPr id="16" name="Picture 4" descr="C:\Users\ngoan\Desktop\image\nam.png"/>
-              <p:cNvPicPr>
-                <a:picLocks noChangeAspect="1" noChangeArrowheads="1"/>
-              </p:cNvPicPr>
-              <p:nvPr/>
-            </p:nvPicPr>
-            <p:blipFill>
-              <a:blip r:embed="rId3">
-                <a:extLst>
-                  <a:ext uri="{28A0092B-C50C-407E-A947-70E740481C1C}">
-                    <a14:useLocalDpi xmlns:a14="http://schemas.microsoft.com/office/drawing/2010/main" val="0"/>
-                  </a:ext>
-                </a:extLst>
-              </a:blip>
-              <a:srcRect/>
-              <a:stretch>
-                <a:fillRect/>
-              </a:stretch>
-            </p:blipFill>
-            <p:spPr bwMode="auto">
-              <a:xfrm>
-                <a:off x="3035621" y="3161112"/>
-                <a:ext cx="1219200" cy="1219200"/>
-              </a:xfrm>
-              <a:prstGeom prst="rect">
-                <a:avLst/>
-              </a:prstGeom>
-              <a:noFill/>
-              <a:extLst>
-                <a:ext uri="{909E8E84-426E-40DD-AFC4-6F175D3DCCD1}">
-                  <a14:hiddenFill xmlns:a14="http://schemas.microsoft.com/office/drawing/2010/main">
-                    <a:solidFill>
-                      <a:srgbClr val="FFFFFF"/>
-                    </a:solidFill>
-                  </a14:hiddenFill>
-                </a:ext>
-              </a:extLst>
-            </p:spPr>
-          </p:pic>
-        </p:grpSp>
-        <p:sp>
-          <p:nvSpPr>
-            <p:cNvPr id="17" name="TextBox 16"/>
-            <p:cNvSpPr txBox="1"/>
-            <p:nvPr/>
-          </p:nvSpPr>
-          <p:spPr>
-            <a:xfrm>
-              <a:off x="2434617" y="5135251"/>
-              <a:ext cx="1766116" cy="369332"/>
-            </a:xfrm>
-            <a:prstGeom prst="rect">
-              <a:avLst/>
-            </a:prstGeom>
-            <a:noFill/>
-          </p:spPr>
-          <p:txBody>
-            <a:bodyPr wrap="square" rtlCol="0">
-              <a:spAutoFit/>
-            </a:bodyPr>
-            <a:lstStyle/>
-            <a:p>
-              <a:pPr algn="ctr"/>
-              <a:r>
-                <a:rPr lang="en-US" dirty="0" err="1">
-                  <a:solidFill>
-                    <a:srgbClr val="FF0000"/>
-                  </a:solidFill>
-                  <a:latin typeface="Cambria" pitchFamily="18" charset="0"/>
-                </a:rPr>
-                <a:t>Bến</a:t>
-              </a:r>
-              <a:r>
-                <a:rPr lang="en-US" dirty="0">
-                  <a:solidFill>
-                    <a:srgbClr val="FF0000"/>
-                  </a:solidFill>
-                  <a:latin typeface="Cambria" pitchFamily="18" charset="0"/>
-                </a:rPr>
-                <a:t> </a:t>
-              </a:r>
-              <a:r>
-                <a:rPr lang="en-US" dirty="0" err="1">
-                  <a:solidFill>
-                    <a:srgbClr val="FF0000"/>
-                  </a:solidFill>
-                  <a:latin typeface="Cambria" pitchFamily="18" charset="0"/>
-                </a:rPr>
-                <a:t>xe</a:t>
-              </a:r>
-              <a:r>
-                <a:rPr lang="en-US" dirty="0">
-                  <a:solidFill>
-                    <a:srgbClr val="FF0000"/>
-                  </a:solidFill>
-                  <a:latin typeface="Cambria" pitchFamily="18" charset="0"/>
-                </a:rPr>
-                <a:t> </a:t>
-              </a:r>
-              <a:r>
-                <a:rPr lang="en-US" dirty="0" err="1">
-                  <a:solidFill>
-                    <a:srgbClr val="FF0000"/>
-                  </a:solidFill>
-                  <a:latin typeface="Cambria" pitchFamily="18" charset="0"/>
-                </a:rPr>
-                <a:t>quận</a:t>
-              </a:r>
-              <a:r>
-                <a:rPr lang="en-US" dirty="0">
-                  <a:solidFill>
-                    <a:srgbClr val="FF0000"/>
-                  </a:solidFill>
-                  <a:latin typeface="Cambria" pitchFamily="18" charset="0"/>
-                </a:rPr>
-                <a:t> </a:t>
-              </a:r>
-              <a:r>
-                <a:rPr lang="en-US" dirty="0" smtClean="0">
-                  <a:solidFill>
-                    <a:srgbClr val="FF0000"/>
-                  </a:solidFill>
-                  <a:latin typeface="Cambria" pitchFamily="18" charset="0"/>
-                </a:rPr>
-                <a:t>8</a:t>
-              </a:r>
-              <a:endParaRPr lang="en-US" dirty="0">
-                <a:solidFill>
-                  <a:srgbClr val="FF0000"/>
-                </a:solidFill>
-                <a:latin typeface="Cambria" pitchFamily="18" charset="0"/>
-                <a:cs typeface="Times New Roman" pitchFamily="18" charset="0"/>
-              </a:endParaRPr>
-            </a:p>
-          </p:txBody>
-        </p:sp>
-      </p:grpSp>
-      <p:grpSp>
-        <p:nvGrpSpPr>
-          <p:cNvPr id="22" name="Group 21"/>
-          <p:cNvGrpSpPr/>
-          <p:nvPr/>
-        </p:nvGrpSpPr>
-        <p:grpSpPr>
-          <a:xfrm>
-            <a:off x="5163103" y="3015842"/>
-            <a:ext cx="1518816" cy="2638032"/>
-            <a:chOff x="5163103" y="3015842"/>
-            <a:chExt cx="1518816" cy="2638032"/>
-          </a:xfrm>
-        </p:grpSpPr>
-        <p:grpSp>
-          <p:nvGrpSpPr>
-            <p:cNvPr id="7" name="Group 6"/>
-            <p:cNvGrpSpPr/>
-            <p:nvPr/>
-          </p:nvGrpSpPr>
-          <p:grpSpPr>
-            <a:xfrm>
-              <a:off x="5295416" y="3015842"/>
-              <a:ext cx="1254190" cy="1736777"/>
-              <a:chOff x="4831392" y="3043645"/>
-              <a:chExt cx="1254190" cy="1736777"/>
-            </a:xfrm>
-          </p:grpSpPr>
-          <p:sp>
-            <p:nvSpPr>
-              <p:cNvPr id="12" name="TextBox 11"/>
-              <p:cNvSpPr txBox="1"/>
-              <p:nvPr/>
-            </p:nvSpPr>
-            <p:spPr>
-              <a:xfrm>
-                <a:off x="5115057" y="4380312"/>
-                <a:ext cx="646011" cy="400110"/>
-              </a:xfrm>
-              <a:prstGeom prst="rect">
-                <a:avLst/>
-              </a:prstGeom>
-              <a:noFill/>
-            </p:spPr>
-            <p:txBody>
-              <a:bodyPr wrap="none" rtlCol="0">
-                <a:spAutoFit/>
-              </a:bodyPr>
-              <a:lstStyle/>
-              <a:p>
-                <a:r>
-                  <a:rPr lang="en-US" sz="2000" b="1" dirty="0" err="1">
-                    <a:latin typeface="Cambria" pitchFamily="18" charset="0"/>
-                    <a:cs typeface="Times New Roman" pitchFamily="18" charset="0"/>
-                  </a:rPr>
-                  <a:t>Quy</a:t>
-                </a:r>
-                <a:endParaRPr lang="en-US" sz="2000" b="1" dirty="0">
-                  <a:latin typeface="Cambria" pitchFamily="18" charset="0"/>
-                  <a:cs typeface="Times New Roman" pitchFamily="18" charset="0"/>
-                </a:endParaRPr>
-              </a:p>
-            </p:txBody>
-          </p:sp>
-          <p:pic>
-            <p:nvPicPr>
-              <p:cNvPr id="14" name="Picture 2" descr="C:\Users\ngoan\Desktop\image\quy.png"/>
-              <p:cNvPicPr>
-                <a:picLocks noChangeAspect="1" noChangeArrowheads="1"/>
-              </p:cNvPicPr>
-              <p:nvPr/>
-            </p:nvPicPr>
-            <p:blipFill>
-              <a:blip r:embed="rId4">
-                <a:extLst>
-                  <a:ext uri="{28A0092B-C50C-407E-A947-70E740481C1C}">
-                    <a14:useLocalDpi xmlns:a14="http://schemas.microsoft.com/office/drawing/2010/main" val="0"/>
-                  </a:ext>
-                </a:extLst>
-              </a:blip>
-              <a:srcRect/>
-              <a:stretch>
-                <a:fillRect/>
-              </a:stretch>
-            </p:blipFill>
-            <p:spPr bwMode="auto">
-              <a:xfrm>
-                <a:off x="4831392" y="3043645"/>
-                <a:ext cx="1254190" cy="1254190"/>
-              </a:xfrm>
-              <a:prstGeom prst="rect">
-                <a:avLst/>
-              </a:prstGeom>
-              <a:noFill/>
-              <a:extLst>
-                <a:ext uri="{909E8E84-426E-40DD-AFC4-6F175D3DCCD1}">
-                  <a14:hiddenFill xmlns:a14="http://schemas.microsoft.com/office/drawing/2010/main">
-                    <a:solidFill>
-                      <a:srgbClr val="FFFFFF"/>
-                    </a:solidFill>
-                  </a14:hiddenFill>
-                </a:ext>
-              </a:extLst>
-            </p:spPr>
-          </p:pic>
-        </p:grpSp>
-        <p:sp>
-          <p:nvSpPr>
-            <p:cNvPr id="18" name="TextBox 17"/>
-            <p:cNvSpPr txBox="1"/>
-            <p:nvPr/>
-          </p:nvSpPr>
-          <p:spPr>
-            <a:xfrm>
-              <a:off x="5163103" y="5007543"/>
-              <a:ext cx="1518816" cy="646331"/>
-            </a:xfrm>
-            <a:prstGeom prst="rect">
-              <a:avLst/>
-            </a:prstGeom>
-            <a:noFill/>
-          </p:spPr>
-          <p:txBody>
-            <a:bodyPr wrap="square" rtlCol="0">
-              <a:spAutoFit/>
-            </a:bodyPr>
-            <a:lstStyle/>
-            <a:p>
-              <a:r>
-                <a:rPr lang="en-US" dirty="0">
-                  <a:solidFill>
-                    <a:srgbClr val="FF0000"/>
-                  </a:solidFill>
-                  <a:latin typeface="Cambria" pitchFamily="18" charset="0"/>
-                </a:rPr>
-                <a:t>280 </a:t>
-              </a:r>
-              <a:r>
-                <a:rPr lang="en-US" dirty="0" err="1">
-                  <a:solidFill>
-                    <a:srgbClr val="FF0000"/>
-                  </a:solidFill>
-                  <a:latin typeface="Cambria" pitchFamily="18" charset="0"/>
-                </a:rPr>
-                <a:t>Nguyễn</a:t>
-              </a:r>
-              <a:r>
-                <a:rPr lang="en-US" dirty="0">
-                  <a:solidFill>
-                    <a:srgbClr val="FF0000"/>
-                  </a:solidFill>
-                  <a:latin typeface="Cambria" pitchFamily="18" charset="0"/>
-                </a:rPr>
-                <a:t> </a:t>
-              </a:r>
-              <a:r>
-                <a:rPr lang="en-US" dirty="0" err="1">
-                  <a:solidFill>
-                    <a:srgbClr val="FF0000"/>
-                  </a:solidFill>
-                  <a:latin typeface="Cambria" pitchFamily="18" charset="0"/>
-                </a:rPr>
-                <a:t>Đình</a:t>
-              </a:r>
-              <a:r>
-                <a:rPr lang="en-US" dirty="0">
-                  <a:solidFill>
-                    <a:srgbClr val="FF0000"/>
-                  </a:solidFill>
-                  <a:latin typeface="Cambria" pitchFamily="18" charset="0"/>
-                </a:rPr>
-                <a:t> </a:t>
-              </a:r>
-              <a:r>
-                <a:rPr lang="en-US" dirty="0" err="1">
-                  <a:solidFill>
-                    <a:srgbClr val="FF0000"/>
-                  </a:solidFill>
-                  <a:latin typeface="Cambria" pitchFamily="18" charset="0"/>
-                </a:rPr>
-                <a:t>Chiểu</a:t>
-              </a:r>
-              <a:endParaRPr lang="en-US" dirty="0">
-                <a:solidFill>
-                  <a:srgbClr val="FF0000"/>
-                </a:solidFill>
-                <a:latin typeface="Cambria" pitchFamily="18" charset="0"/>
-                <a:cs typeface="Times New Roman" pitchFamily="18" charset="0"/>
-              </a:endParaRPr>
-            </a:p>
-          </p:txBody>
-        </p:sp>
-      </p:grpSp>
-      <p:grpSp>
-        <p:nvGrpSpPr>
-          <p:cNvPr id="23" name="Group 22"/>
-          <p:cNvGrpSpPr/>
-          <p:nvPr/>
-        </p:nvGrpSpPr>
-        <p:grpSpPr>
-          <a:xfrm>
-            <a:off x="7382893" y="3161112"/>
-            <a:ext cx="1449067" cy="2492762"/>
-            <a:chOff x="7382893" y="3161112"/>
-            <a:chExt cx="1449067" cy="2492762"/>
-          </a:xfrm>
-        </p:grpSpPr>
-        <p:grpSp>
-          <p:nvGrpSpPr>
-            <p:cNvPr id="4" name="Group 3"/>
-            <p:cNvGrpSpPr/>
-            <p:nvPr/>
-          </p:nvGrpSpPr>
-          <p:grpSpPr>
-            <a:xfrm>
-              <a:off x="7497827" y="3161112"/>
-              <a:ext cx="1219200" cy="1619310"/>
-              <a:chOff x="6566972" y="3161112"/>
-              <a:chExt cx="1219200" cy="1619310"/>
-            </a:xfrm>
-          </p:grpSpPr>
-          <p:pic>
-            <p:nvPicPr>
-              <p:cNvPr id="9" name="Picture 3" descr="C:\Users\ngoan\Desktop\image\ngoan.png"/>
-              <p:cNvPicPr>
-                <a:picLocks noChangeAspect="1" noChangeArrowheads="1"/>
-              </p:cNvPicPr>
-              <p:nvPr/>
-            </p:nvPicPr>
-            <p:blipFill>
-              <a:blip r:embed="rId5">
-                <a:extLst>
-                  <a:ext uri="{28A0092B-C50C-407E-A947-70E740481C1C}">
-                    <a14:useLocalDpi xmlns:a14="http://schemas.microsoft.com/office/drawing/2010/main" val="0"/>
-                  </a:ext>
-                </a:extLst>
-              </a:blip>
-              <a:srcRect/>
-              <a:stretch>
-                <a:fillRect/>
-              </a:stretch>
-            </p:blipFill>
-            <p:spPr bwMode="auto">
-              <a:xfrm>
-                <a:off x="6566972" y="3161112"/>
-                <a:ext cx="1219200" cy="1219200"/>
-              </a:xfrm>
-              <a:prstGeom prst="rect">
-                <a:avLst/>
-              </a:prstGeom>
-              <a:noFill/>
-              <a:extLst>
-                <a:ext uri="{909E8E84-426E-40DD-AFC4-6F175D3DCCD1}">
-                  <a14:hiddenFill xmlns:a14="http://schemas.microsoft.com/office/drawing/2010/main">
-                    <a:solidFill>
-                      <a:srgbClr val="FFFFFF"/>
-                    </a:solidFill>
-                  </a14:hiddenFill>
-                </a:ext>
-              </a:extLst>
-            </p:spPr>
-          </p:pic>
-          <p:sp>
-            <p:nvSpPr>
-              <p:cNvPr id="13" name="TextBox 12"/>
-              <p:cNvSpPr txBox="1"/>
-              <p:nvPr/>
-            </p:nvSpPr>
-            <p:spPr>
-              <a:xfrm>
-                <a:off x="6820545" y="4380312"/>
-                <a:ext cx="784189" cy="400110"/>
-              </a:xfrm>
-              <a:prstGeom prst="rect">
-                <a:avLst/>
-              </a:prstGeom>
-              <a:noFill/>
-            </p:spPr>
-            <p:txBody>
-              <a:bodyPr wrap="none" rtlCol="0">
-                <a:spAutoFit/>
-              </a:bodyPr>
-              <a:lstStyle/>
-              <a:p>
-                <a:r>
-                  <a:rPr lang="en-US" sz="2000" b="1" dirty="0" err="1" smtClean="0">
-                    <a:latin typeface="Cambria" pitchFamily="18" charset="0"/>
-                    <a:cs typeface="Times New Roman" pitchFamily="18" charset="0"/>
-                  </a:rPr>
-                  <a:t>Thao</a:t>
-                </a:r>
-                <a:endParaRPr lang="en-US" sz="2000" b="1" dirty="0">
-                  <a:latin typeface="Cambria" pitchFamily="18" charset="0"/>
-                  <a:cs typeface="Times New Roman" pitchFamily="18" charset="0"/>
-                </a:endParaRPr>
-              </a:p>
-            </p:txBody>
-          </p:sp>
-        </p:grpSp>
-        <p:sp>
-          <p:nvSpPr>
-            <p:cNvPr id="19" name="TextBox 18"/>
-            <p:cNvSpPr txBox="1"/>
-            <p:nvPr/>
-          </p:nvSpPr>
-          <p:spPr>
-            <a:xfrm>
-              <a:off x="7382893" y="5007543"/>
-              <a:ext cx="1449067" cy="646331"/>
-            </a:xfrm>
-            <a:prstGeom prst="rect">
-              <a:avLst/>
-            </a:prstGeom>
-            <a:noFill/>
-          </p:spPr>
-          <p:txBody>
-            <a:bodyPr wrap="square" rtlCol="0">
-              <a:spAutoFit/>
-            </a:bodyPr>
-            <a:lstStyle/>
-            <a:p>
-              <a:r>
-                <a:rPr lang="en-US" dirty="0" err="1">
-                  <a:solidFill>
-                    <a:srgbClr val="FF0000"/>
-                  </a:solidFill>
-                  <a:latin typeface="Cambria" pitchFamily="18" charset="0"/>
-                </a:rPr>
-                <a:t>VinCom</a:t>
-              </a:r>
-              <a:r>
-                <a:rPr lang="en-US" dirty="0">
-                  <a:solidFill>
-                    <a:srgbClr val="FF0000"/>
-                  </a:solidFill>
-                  <a:latin typeface="Cambria" pitchFamily="18" charset="0"/>
-                </a:rPr>
-                <a:t> </a:t>
-              </a:r>
-              <a:r>
-                <a:rPr lang="en-US" dirty="0" err="1">
-                  <a:solidFill>
-                    <a:srgbClr val="FF0000"/>
-                  </a:solidFill>
-                  <a:latin typeface="Cambria" pitchFamily="18" charset="0"/>
-                </a:rPr>
-                <a:t>Lê</a:t>
-              </a:r>
-              <a:r>
-                <a:rPr lang="en-US" dirty="0">
-                  <a:solidFill>
-                    <a:srgbClr val="FF0000"/>
-                  </a:solidFill>
-                  <a:latin typeface="Cambria" pitchFamily="18" charset="0"/>
-                </a:rPr>
-                <a:t> </a:t>
-              </a:r>
-              <a:r>
-                <a:rPr lang="en-US" dirty="0" err="1">
-                  <a:solidFill>
-                    <a:srgbClr val="FF0000"/>
-                  </a:solidFill>
-                  <a:latin typeface="Cambria" pitchFamily="18" charset="0"/>
-                </a:rPr>
-                <a:t>Thánh</a:t>
-              </a:r>
-              <a:r>
-                <a:rPr lang="en-US" dirty="0">
-                  <a:solidFill>
-                    <a:srgbClr val="FF0000"/>
-                  </a:solidFill>
-                  <a:latin typeface="Cambria" pitchFamily="18" charset="0"/>
-                </a:rPr>
-                <a:t> </a:t>
-              </a:r>
-              <a:r>
-                <a:rPr lang="en-US" dirty="0" err="1" smtClean="0">
-                  <a:solidFill>
-                    <a:srgbClr val="FF0000"/>
-                  </a:solidFill>
-                  <a:latin typeface="Cambria" pitchFamily="18" charset="0"/>
-                </a:rPr>
-                <a:t>Tôn</a:t>
-              </a:r>
-              <a:endParaRPr lang="en-US" dirty="0">
-                <a:solidFill>
-                  <a:srgbClr val="FF0000"/>
-                </a:solidFill>
-                <a:latin typeface="Cambria" pitchFamily="18" charset="0"/>
-                <a:cs typeface="Times New Roman" pitchFamily="18" charset="0"/>
-              </a:endParaRPr>
-            </a:p>
-          </p:txBody>
-        </p:sp>
-      </p:grpSp>
-      <p:grpSp>
-        <p:nvGrpSpPr>
-          <p:cNvPr id="8" name="Group 7"/>
-          <p:cNvGrpSpPr/>
-          <p:nvPr/>
-        </p:nvGrpSpPr>
-        <p:grpSpPr>
-          <a:xfrm>
-            <a:off x="288842" y="3161113"/>
-            <a:ext cx="1509350" cy="2481970"/>
-            <a:chOff x="288842" y="3161113"/>
-            <a:chExt cx="1509350" cy="2481970"/>
-          </a:xfrm>
-        </p:grpSpPr>
-        <p:grpSp>
-          <p:nvGrpSpPr>
-            <p:cNvPr id="2" name="Group 1"/>
-            <p:cNvGrpSpPr/>
-            <p:nvPr/>
-          </p:nvGrpSpPr>
-          <p:grpSpPr>
-            <a:xfrm>
-              <a:off x="433917" y="3161113"/>
-              <a:ext cx="1219200" cy="1619310"/>
-              <a:chOff x="1209565" y="3078635"/>
-              <a:chExt cx="1219200" cy="1701787"/>
-            </a:xfrm>
-          </p:grpSpPr>
-          <p:sp>
-            <p:nvSpPr>
-              <p:cNvPr id="10" name="TextBox 9"/>
-              <p:cNvSpPr txBox="1"/>
-              <p:nvPr/>
-            </p:nvSpPr>
-            <p:spPr>
-              <a:xfrm>
-                <a:off x="1353333" y="4380312"/>
-                <a:ext cx="931665" cy="400110"/>
-              </a:xfrm>
-              <a:prstGeom prst="rect">
-                <a:avLst/>
-              </a:prstGeom>
-              <a:noFill/>
-            </p:spPr>
-            <p:txBody>
-              <a:bodyPr wrap="none" rtlCol="0">
-                <a:spAutoFit/>
-              </a:bodyPr>
-              <a:lstStyle/>
-              <a:p>
-                <a:r>
-                  <a:rPr lang="en-US" sz="2000" b="1" dirty="0" err="1" smtClean="0">
-                    <a:latin typeface="Cambria" pitchFamily="18" charset="0"/>
-                    <a:cs typeface="Times New Roman" pitchFamily="18" charset="0"/>
-                  </a:rPr>
-                  <a:t>Ngoan</a:t>
-                </a:r>
-                <a:endParaRPr lang="en-US" sz="2000" b="1" dirty="0">
-                  <a:latin typeface="Cambria" pitchFamily="18" charset="0"/>
-                  <a:cs typeface="Times New Roman" pitchFamily="18" charset="0"/>
-                </a:endParaRPr>
-              </a:p>
-            </p:txBody>
-          </p:sp>
-          <p:pic>
-            <p:nvPicPr>
-              <p:cNvPr id="15" name="Picture 3" descr="C:\Users\ngoan\Desktop\image\thao.png"/>
-              <p:cNvPicPr>
-                <a:picLocks noChangeAspect="1" noChangeArrowheads="1"/>
-              </p:cNvPicPr>
-              <p:nvPr/>
-            </p:nvPicPr>
-            <p:blipFill>
-              <a:blip r:embed="rId6">
-                <a:extLst>
-                  <a:ext uri="{28A0092B-C50C-407E-A947-70E740481C1C}">
-                    <a14:useLocalDpi xmlns:a14="http://schemas.microsoft.com/office/drawing/2010/main" val="0"/>
-                  </a:ext>
-                </a:extLst>
-              </a:blip>
-              <a:srcRect/>
-              <a:stretch>
-                <a:fillRect/>
-              </a:stretch>
-            </p:blipFill>
-            <p:spPr bwMode="auto">
-              <a:xfrm>
-                <a:off x="1209565" y="3078635"/>
-                <a:ext cx="1219200" cy="1219200"/>
-              </a:xfrm>
-              <a:prstGeom prst="rect">
-                <a:avLst/>
-              </a:prstGeom>
-              <a:noFill/>
-              <a:extLst>
-                <a:ext uri="{909E8E84-426E-40DD-AFC4-6F175D3DCCD1}">
-                  <a14:hiddenFill xmlns:a14="http://schemas.microsoft.com/office/drawing/2010/main">
-                    <a:solidFill>
-                      <a:srgbClr val="FFFFFF"/>
-                    </a:solidFill>
-                  </a14:hiddenFill>
-                </a:ext>
-              </a:extLst>
-            </p:spPr>
-          </p:pic>
-        </p:grpSp>
-        <p:sp>
-          <p:nvSpPr>
-            <p:cNvPr id="20" name="TextBox 19"/>
-            <p:cNvSpPr txBox="1"/>
-            <p:nvPr/>
-          </p:nvSpPr>
-          <p:spPr>
-            <a:xfrm>
-              <a:off x="288842" y="4996752"/>
-              <a:ext cx="1509350" cy="646331"/>
-            </a:xfrm>
-            <a:prstGeom prst="rect">
-              <a:avLst/>
-            </a:prstGeom>
-            <a:noFill/>
-          </p:spPr>
-          <p:txBody>
-            <a:bodyPr wrap="square" rtlCol="0">
-              <a:spAutoFit/>
-            </a:bodyPr>
-            <a:lstStyle/>
-            <a:p>
-              <a:r>
-                <a:rPr lang="en-US" dirty="0" err="1">
-                  <a:solidFill>
-                    <a:srgbClr val="FF0000"/>
-                  </a:solidFill>
-                  <a:latin typeface="Cambria" pitchFamily="18" charset="0"/>
-                </a:rPr>
-                <a:t>Công</a:t>
-              </a:r>
-              <a:r>
-                <a:rPr lang="en-US" dirty="0">
-                  <a:solidFill>
-                    <a:srgbClr val="FF0000"/>
-                  </a:solidFill>
-                  <a:latin typeface="Cambria" pitchFamily="18" charset="0"/>
-                </a:rPr>
-                <a:t> </a:t>
-              </a:r>
-              <a:r>
-                <a:rPr lang="en-US" dirty="0" err="1">
-                  <a:solidFill>
-                    <a:srgbClr val="FF0000"/>
-                  </a:solidFill>
-                  <a:latin typeface="Cambria" pitchFamily="18" charset="0"/>
-                </a:rPr>
-                <a:t>Viên</a:t>
-              </a:r>
-              <a:r>
-                <a:rPr lang="en-US" dirty="0">
-                  <a:solidFill>
-                    <a:srgbClr val="FF0000"/>
-                  </a:solidFill>
-                  <a:latin typeface="Cambria" pitchFamily="18" charset="0"/>
-                </a:rPr>
-                <a:t> Tao </a:t>
-              </a:r>
-              <a:r>
-                <a:rPr lang="en-US" dirty="0" err="1">
-                  <a:solidFill>
-                    <a:srgbClr val="FF0000"/>
-                  </a:solidFill>
-                  <a:latin typeface="Cambria" pitchFamily="18" charset="0"/>
-                </a:rPr>
-                <a:t>Đàn</a:t>
-              </a:r>
-              <a:endParaRPr lang="en-US" dirty="0">
-                <a:solidFill>
-                  <a:srgbClr val="FF0000"/>
-                </a:solidFill>
-                <a:latin typeface="Cambria" pitchFamily="18" charset="0"/>
-                <a:cs typeface="Times New Roman" pitchFamily="18" charset="0"/>
-              </a:endParaRPr>
-            </a:p>
-          </p:txBody>
-        </p:sp>
-      </p:grpSp>
-    </p:spTree>
-    <p:extLst>
-      <p:ext uri="{BB962C8B-B14F-4D97-AF65-F5344CB8AC3E}">
-        <p14:creationId xmlns:p14="http://schemas.microsoft.com/office/powerpoint/2010/main" val="1580268684"/>
-      </p:ext>
-    </p:extLst>
-  </p:cSld>
-  <p:clrMapOvr>
-    <a:masterClrMapping/>
-  </p:clrMapOvr>
-  <p:timing>
-    <p:tnLst>
-      <p:par>
-        <p:cTn id="1" dur="indefinite" restart="never" nodeType="tmRoot"/>
-      </p:par>
-    </p:tnLst>
-  </p:timing>
-</p:sld>
-</file>
-
-<file path=ppt/slides/slide20.xml><?xml version="1.0" encoding="utf-8"?>
+<file path=ppt/slides/slide21.xml><?xml version="1.0" encoding="utf-8"?>
 <p:sld xmlns:a="http://schemas.openxmlformats.org/drawingml/2006/main" xmlns:r="http://schemas.openxmlformats.org/officeDocument/2006/relationships" xmlns:p="http://schemas.openxmlformats.org/presentationml/2006/main">
   <p:cSld>
     <p:spTree>
@@ -11011,7 +10858,7 @@
             <a:fld id="{00000000-1234-1234-1234-123412341234}" type="slidenum">
               <a:rPr lang="en" smtClean="0"/>
               <a:pPr/>
-              <a:t>20</a:t>
+              <a:t>21</a:t>
             </a:fld>
             <a:endParaRPr lang="en"/>
           </a:p>
@@ -11249,7 +11096,7 @@
 </p:sld>
 </file>
 
-<file path=ppt/slides/slide21.xml><?xml version="1.0" encoding="utf-8"?>
+<file path=ppt/slides/slide22.xml><?xml version="1.0" encoding="utf-8"?>
 <p:sld xmlns:a="http://schemas.openxmlformats.org/drawingml/2006/main" xmlns:r="http://schemas.openxmlformats.org/officeDocument/2006/relationships" xmlns:p="http://schemas.openxmlformats.org/presentationml/2006/main">
   <p:cSld>
     <p:spTree>
@@ -11312,7 +11159,7 @@
             <a:fld id="{00000000-1234-1234-1234-123412341234}" type="slidenum">
               <a:rPr lang="en" smtClean="0"/>
               <a:pPr/>
-              <a:t>21</a:t>
+              <a:t>22</a:t>
             </a:fld>
             <a:endParaRPr lang="en"/>
           </a:p>
@@ -11609,7 +11456,7 @@
 </p:sld>
 </file>
 
-<file path=ppt/slides/slide22.xml><?xml version="1.0" encoding="utf-8"?>
+<file path=ppt/slides/slide23.xml><?xml version="1.0" encoding="utf-8"?>
 <p:sld xmlns:a="http://schemas.openxmlformats.org/drawingml/2006/main" xmlns:r="http://schemas.openxmlformats.org/officeDocument/2006/relationships" xmlns:p="http://schemas.openxmlformats.org/presentationml/2006/main">
   <p:cSld>
     <p:spTree>
@@ -11667,7 +11514,7 @@
             <a:fld id="{00000000-1234-1234-1234-123412341234}" type="slidenum">
               <a:rPr lang="en" smtClean="0"/>
               <a:pPr/>
-              <a:t>22</a:t>
+              <a:t>23</a:t>
             </a:fld>
             <a:endParaRPr lang="en"/>
           </a:p>
@@ -11979,7 +11826,7 @@
 </p:sld>
 </file>
 
-<file path=ppt/slides/slide23.xml><?xml version="1.0" encoding="utf-8"?>
+<file path=ppt/slides/slide24.xml><?xml version="1.0" encoding="utf-8"?>
 <p:sld xmlns:a="http://schemas.openxmlformats.org/drawingml/2006/main" xmlns:r="http://schemas.openxmlformats.org/officeDocument/2006/relationships" xmlns:p="http://schemas.openxmlformats.org/presentationml/2006/main">
   <p:cSld>
     <p:spTree>
@@ -12042,7 +11889,7 @@
             <a:fld id="{00000000-1234-1234-1234-123412341234}" type="slidenum">
               <a:rPr lang="en" smtClean="0"/>
               <a:pPr/>
-              <a:t>23</a:t>
+              <a:t>24</a:t>
             </a:fld>
             <a:endParaRPr lang="en"/>
           </a:p>
@@ -12369,7 +12216,7 @@
 </p:sld>
 </file>
 
-<file path=ppt/slides/slide24.xml><?xml version="1.0" encoding="utf-8"?>
+<file path=ppt/slides/slide25.xml><?xml version="1.0" encoding="utf-8"?>
 <p:sld xmlns:a="http://schemas.openxmlformats.org/drawingml/2006/main" xmlns:r="http://schemas.openxmlformats.org/officeDocument/2006/relationships" xmlns:p="http://schemas.openxmlformats.org/presentationml/2006/main">
   <p:cSld>
     <p:spTree>
@@ -12432,7 +12279,7 @@
             <a:fld id="{00000000-1234-1234-1234-123412341234}" type="slidenum">
               <a:rPr lang="en" smtClean="0"/>
               <a:pPr/>
-              <a:t>24</a:t>
+              <a:t>25</a:t>
             </a:fld>
             <a:endParaRPr lang="en"/>
           </a:p>
@@ -12774,7 +12621,7 @@
 </p:sld>
 </file>
 
-<file path=ppt/slides/slide25.xml><?xml version="1.0" encoding="utf-8"?>
+<file path=ppt/slides/slide26.xml><?xml version="1.0" encoding="utf-8"?>
 <p:sld xmlns:a="http://schemas.openxmlformats.org/drawingml/2006/main" xmlns:r="http://schemas.openxmlformats.org/officeDocument/2006/relationships" xmlns:p="http://schemas.openxmlformats.org/presentationml/2006/main">
   <p:cSld>
     <p:spTree>
@@ -12837,7 +12684,7 @@
             <a:fld id="{00000000-1234-1234-1234-123412341234}" type="slidenum">
               <a:rPr lang="en" smtClean="0"/>
               <a:pPr/>
-              <a:t>25</a:t>
+              <a:t>26</a:t>
             </a:fld>
             <a:endParaRPr lang="en"/>
           </a:p>
@@ -13194,7 +13041,7 @@
 </p:sld>
 </file>
 
-<file path=ppt/slides/slide26.xml><?xml version="1.0" encoding="utf-8"?>
+<file path=ppt/slides/slide27.xml><?xml version="1.0" encoding="utf-8"?>
 <p:sld xmlns:a="http://schemas.openxmlformats.org/drawingml/2006/main" xmlns:r="http://schemas.openxmlformats.org/officeDocument/2006/relationships" xmlns:p="http://schemas.openxmlformats.org/presentationml/2006/main">
   <p:cSld>
     <p:spTree>
@@ -13229,7 +13076,7 @@
             <a:fld id="{00000000-1234-1234-1234-123412341234}" type="slidenum">
               <a:rPr lang="en" smtClean="0"/>
               <a:pPr/>
-              <a:t>26</a:t>
+              <a:t>27</a:t>
             </a:fld>
             <a:endParaRPr lang="en"/>
           </a:p>
@@ -13916,7 +13763,7 @@
 </p:sld>
 </file>
 
-<file path=ppt/slides/slide27.xml><?xml version="1.0" encoding="utf-8"?>
+<file path=ppt/slides/slide28.xml><?xml version="1.0" encoding="utf-8"?>
 <p:sld xmlns:a="http://schemas.openxmlformats.org/drawingml/2006/main" xmlns:r="http://schemas.openxmlformats.org/officeDocument/2006/relationships" xmlns:p="http://schemas.openxmlformats.org/presentationml/2006/main">
   <p:cSld>
     <p:spTree>
@@ -13978,7 +13825,7 @@
             <a:fld id="{00000000-1234-1234-1234-123412341234}" type="slidenum">
               <a:rPr lang="en" smtClean="0"/>
               <a:pPr/>
-              <a:t>27</a:t>
+              <a:t>28</a:t>
             </a:fld>
             <a:endParaRPr lang="en"/>
           </a:p>
@@ -14357,7 +14204,6 @@
           <a:bodyPr/>
           <a:lstStyle/>
           <a:p>
-            <a:pPr algn="ctr"/>
             <a:r>
               <a:rPr lang="en-US" dirty="0" smtClean="0">
                 <a:latin typeface="Cambria"/>
@@ -14408,10 +14254,10 @@
         </p:nvGrpSpPr>
         <p:grpSpPr>
           <a:xfrm>
-            <a:off x="288842" y="3161113"/>
-            <a:ext cx="1509350" cy="2481970"/>
-            <a:chOff x="288842" y="3161113"/>
-            <a:chExt cx="1509350" cy="2481970"/>
+            <a:off x="497974" y="2295465"/>
+            <a:ext cx="2172806" cy="2233416"/>
+            <a:chOff x="-42886" y="3161112"/>
+            <a:chExt cx="2172806" cy="2233416"/>
           </a:xfrm>
         </p:grpSpPr>
         <p:grpSp>
@@ -14422,10 +14268,10 @@
           </p:nvGrpSpPr>
           <p:grpSpPr>
             <a:xfrm>
-              <a:off x="433917" y="3161113"/>
-              <a:ext cx="1219200" cy="1619310"/>
+              <a:off x="433917" y="3161112"/>
+              <a:ext cx="1219200" cy="1638701"/>
               <a:chOff x="1209565" y="3078635"/>
-              <a:chExt cx="1219200" cy="1701787"/>
+              <a:chExt cx="1219200" cy="1722166"/>
             </a:xfrm>
           </p:grpSpPr>
           <p:sp>
@@ -14436,8 +14282,8 @@
             </p:nvSpPr>
             <p:spPr>
               <a:xfrm>
-                <a:off x="1353333" y="4380312"/>
-                <a:ext cx="931665" cy="400110"/>
+                <a:off x="1243174" y="4380312"/>
+                <a:ext cx="1151982" cy="420489"/>
               </a:xfrm>
               <a:prstGeom prst="rect">
                 <a:avLst/>
@@ -14455,7 +14301,7 @@
                     <a:latin typeface="Cambria" pitchFamily="18" charset="0"/>
                     <a:cs typeface="Times New Roman" pitchFamily="18" charset="0"/>
                   </a:rPr>
-                  <a:t>Ngoan</a:t>
+                  <a:t>Khương</a:t>
                 </a:r>
                 <a:endParaRPr lang="en-US" sz="2000" b="1" dirty="0">
                   <a:latin typeface="Cambria" pitchFamily="18" charset="0"/>
@@ -14486,7 +14332,7 @@
               </a:stretch>
             </p:blipFill>
             <p:spPr bwMode="auto">
-              <a:xfrm>
+              <a:xfrm flipH="1">
                 <a:off x="1209565" y="3078635"/>
                 <a:ext cx="1219200" cy="1219200"/>
               </a:xfrm>
@@ -14514,8 +14360,8 @@
           </p:nvSpPr>
           <p:spPr>
             <a:xfrm>
-              <a:off x="288842" y="4996752"/>
-              <a:ext cx="1509350" cy="646331"/>
+              <a:off x="-42886" y="5025196"/>
+              <a:ext cx="2172806" cy="369332"/>
             </a:xfrm>
             <a:prstGeom prst="rect">
               <a:avLst/>
@@ -14584,828 +14430,206 @@
           </p:txBody>
         </p:sp>
       </p:grpSp>
-      <p:grpSp>
-        <p:nvGrpSpPr>
-          <p:cNvPr id="29" name="Group 28"/>
-          <p:cNvGrpSpPr/>
+      <p:sp>
+        <p:nvSpPr>
+          <p:cNvPr id="13" name="TextBox 12"/>
+          <p:cNvSpPr txBox="1"/>
           <p:nvPr/>
-        </p:nvGrpSpPr>
-        <p:grpSpPr>
+        </p:nvSpPr>
+        <p:spPr>
           <a:xfrm>
-            <a:off x="2434617" y="3161112"/>
-            <a:ext cx="1766116" cy="2851303"/>
-            <a:chOff x="2434617" y="3161112"/>
-            <a:chExt cx="1766116" cy="2851303"/>
+            <a:off x="5168455" y="3514665"/>
+            <a:ext cx="914400" cy="400110"/>
           </a:xfrm>
-        </p:grpSpPr>
-        <p:grpSp>
-          <p:nvGrpSpPr>
-            <p:cNvPr id="21" name="Group 20"/>
-            <p:cNvGrpSpPr/>
-            <p:nvPr/>
-          </p:nvGrpSpPr>
-          <p:grpSpPr>
-            <a:xfrm>
-              <a:off x="2434617" y="3161112"/>
-              <a:ext cx="1766116" cy="2343471"/>
-              <a:chOff x="2434617" y="3161112"/>
-              <a:chExt cx="1766116" cy="2343471"/>
-            </a:xfrm>
-          </p:grpSpPr>
-          <p:grpSp>
-            <p:nvGrpSpPr>
-              <p:cNvPr id="3" name="Group 2"/>
-              <p:cNvGrpSpPr/>
-              <p:nvPr/>
-            </p:nvGrpSpPr>
-            <p:grpSpPr>
-              <a:xfrm>
-                <a:off x="2708075" y="3161112"/>
-                <a:ext cx="1219200" cy="1619310"/>
-                <a:chOff x="3035621" y="3161112"/>
-                <a:chExt cx="1219200" cy="1619310"/>
-              </a:xfrm>
-            </p:grpSpPr>
-            <p:sp>
-              <p:nvSpPr>
-                <p:cNvPr id="11" name="TextBox 10"/>
-                <p:cNvSpPr txBox="1"/>
-                <p:nvPr/>
-              </p:nvSpPr>
-              <p:spPr>
-                <a:xfrm>
-                  <a:off x="3188021" y="4380312"/>
-                  <a:ext cx="914400" cy="400110"/>
-                </a:xfrm>
-                <a:prstGeom prst="rect">
-                  <a:avLst/>
-                </a:prstGeom>
-                <a:noFill/>
-              </p:spPr>
-              <p:txBody>
-                <a:bodyPr wrap="square" rtlCol="0">
-                  <a:spAutoFit/>
-                </a:bodyPr>
-                <a:lstStyle/>
-                <a:p>
-                  <a:r>
-                    <a:rPr lang="en-US" sz="2000" b="1" dirty="0" smtClean="0">
-                      <a:latin typeface="Cambria" pitchFamily="18" charset="0"/>
-                      <a:cs typeface="Times New Roman" pitchFamily="18" charset="0"/>
-                    </a:rPr>
-                    <a:t>Nam</a:t>
-                  </a:r>
-                  <a:endParaRPr lang="en-US" sz="2000" b="1" dirty="0">
-                    <a:latin typeface="Cambria" pitchFamily="18" charset="0"/>
-                    <a:cs typeface="Times New Roman" pitchFamily="18" charset="0"/>
-                  </a:endParaRPr>
-                </a:p>
-              </p:txBody>
-            </p:sp>
-            <p:pic>
-              <p:nvPicPr>
-                <p:cNvPr id="16" name="Picture 4" descr="C:\Users\ngoan\Desktop\image\nam.png"/>
-                <p:cNvPicPr>
-                  <a:picLocks noChangeAspect="1" noChangeArrowheads="1"/>
-                </p:cNvPicPr>
-                <p:nvPr/>
-              </p:nvPicPr>
-              <p:blipFill>
-                <a:blip r:embed="rId4">
-                  <a:extLst>
-                    <a:ext uri="{28A0092B-C50C-407E-A947-70E740481C1C}">
-                      <a14:useLocalDpi xmlns:a14="http://schemas.microsoft.com/office/drawing/2010/main" val="0"/>
-                    </a:ext>
-                  </a:extLst>
-                </a:blip>
-                <a:srcRect/>
-                <a:stretch>
-                  <a:fillRect/>
-                </a:stretch>
-              </p:blipFill>
-              <p:spPr bwMode="auto">
-                <a:xfrm>
-                  <a:off x="3035621" y="3161112"/>
-                  <a:ext cx="1219200" cy="1219200"/>
-                </a:xfrm>
-                <a:prstGeom prst="rect">
-                  <a:avLst/>
-                </a:prstGeom>
-                <a:noFill/>
-                <a:extLst>
-                  <a:ext uri="{909E8E84-426E-40DD-AFC4-6F175D3DCCD1}">
-                    <a14:hiddenFill xmlns:a14="http://schemas.microsoft.com/office/drawing/2010/main">
-                      <a:solidFill>
-                        <a:srgbClr val="FFFFFF"/>
-                      </a:solidFill>
-                    </a14:hiddenFill>
-                  </a:ext>
-                </a:extLst>
-              </p:spPr>
-            </p:pic>
-          </p:grpSp>
-          <p:sp>
-            <p:nvSpPr>
-              <p:cNvPr id="17" name="TextBox 16"/>
-              <p:cNvSpPr txBox="1"/>
-              <p:nvPr/>
-            </p:nvSpPr>
-            <p:spPr>
-              <a:xfrm>
-                <a:off x="2434617" y="5135251"/>
-                <a:ext cx="1766116" cy="369332"/>
-              </a:xfrm>
-              <a:prstGeom prst="rect">
-                <a:avLst/>
-              </a:prstGeom>
-              <a:noFill/>
-            </p:spPr>
-            <p:txBody>
-              <a:bodyPr wrap="square" rtlCol="0">
-                <a:spAutoFit/>
-              </a:bodyPr>
-              <a:lstStyle/>
-              <a:p>
-                <a:pPr algn="ctr"/>
-                <a:r>
-                  <a:rPr lang="en-US" dirty="0" err="1">
-                    <a:solidFill>
-                      <a:srgbClr val="FF0000"/>
-                    </a:solidFill>
-                    <a:latin typeface="Cambria" pitchFamily="18" charset="0"/>
-                  </a:rPr>
-                  <a:t>Bến</a:t>
-                </a:r>
-                <a:r>
-                  <a:rPr lang="en-US" dirty="0">
-                    <a:solidFill>
-                      <a:srgbClr val="FF0000"/>
-                    </a:solidFill>
-                    <a:latin typeface="Cambria" pitchFamily="18" charset="0"/>
-                  </a:rPr>
-                  <a:t> </a:t>
-                </a:r>
-                <a:r>
-                  <a:rPr lang="en-US" dirty="0" err="1">
-                    <a:solidFill>
-                      <a:srgbClr val="FF0000"/>
-                    </a:solidFill>
-                    <a:latin typeface="Cambria" pitchFamily="18" charset="0"/>
-                  </a:rPr>
-                  <a:t>xe</a:t>
-                </a:r>
-                <a:r>
-                  <a:rPr lang="en-US" dirty="0">
-                    <a:solidFill>
-                      <a:srgbClr val="FF0000"/>
-                    </a:solidFill>
-                    <a:latin typeface="Cambria" pitchFamily="18" charset="0"/>
-                  </a:rPr>
-                  <a:t> </a:t>
-                </a:r>
-                <a:r>
-                  <a:rPr lang="en-US" dirty="0" err="1">
-                    <a:solidFill>
-                      <a:srgbClr val="FF0000"/>
-                    </a:solidFill>
-                    <a:latin typeface="Cambria" pitchFamily="18" charset="0"/>
-                  </a:rPr>
-                  <a:t>quận</a:t>
-                </a:r>
-                <a:r>
-                  <a:rPr lang="en-US" dirty="0">
-                    <a:solidFill>
-                      <a:srgbClr val="FF0000"/>
-                    </a:solidFill>
-                    <a:latin typeface="Cambria" pitchFamily="18" charset="0"/>
-                  </a:rPr>
-                  <a:t> </a:t>
-                </a:r>
-                <a:r>
-                  <a:rPr lang="en-US" dirty="0" smtClean="0">
-                    <a:solidFill>
-                      <a:srgbClr val="FF0000"/>
-                    </a:solidFill>
-                    <a:latin typeface="Cambria" pitchFamily="18" charset="0"/>
-                  </a:rPr>
-                  <a:t>8</a:t>
-                </a:r>
-                <a:endParaRPr lang="en-US" dirty="0">
-                  <a:solidFill>
-                    <a:srgbClr val="FF0000"/>
-                  </a:solidFill>
-                  <a:latin typeface="Cambria" pitchFamily="18" charset="0"/>
-                  <a:cs typeface="Times New Roman" pitchFamily="18" charset="0"/>
-                </a:endParaRPr>
-              </a:p>
-            </p:txBody>
-          </p:sp>
-        </p:grpSp>
-        <p:sp>
-          <p:nvSpPr>
-            <p:cNvPr id="24" name="TextBox 23"/>
-            <p:cNvSpPr txBox="1"/>
-            <p:nvPr/>
-          </p:nvSpPr>
-          <p:spPr>
-            <a:xfrm>
-              <a:off x="2733599" y="5643083"/>
-              <a:ext cx="1168152" cy="369332"/>
-            </a:xfrm>
-            <a:prstGeom prst="rect">
-              <a:avLst/>
-            </a:prstGeom>
-            <a:noFill/>
-          </p:spPr>
-          <p:txBody>
-            <a:bodyPr wrap="square" rtlCol="0">
-              <a:spAutoFit/>
-            </a:bodyPr>
-            <a:lstStyle/>
-            <a:p>
-              <a:pPr algn="ctr"/>
-              <a:r>
-                <a:rPr lang="en-US" i="1" dirty="0" err="1" smtClean="0">
-                  <a:solidFill>
-                    <a:srgbClr val="00B050"/>
-                  </a:solidFill>
-                  <a:latin typeface="Cambria" pitchFamily="18" charset="0"/>
-                </a:rPr>
-                <a:t>Sinh</a:t>
-              </a:r>
-              <a:r>
-                <a:rPr lang="en-US" i="1" dirty="0" smtClean="0">
-                  <a:solidFill>
-                    <a:srgbClr val="00B050"/>
-                  </a:solidFill>
-                  <a:latin typeface="Cambria" pitchFamily="18" charset="0"/>
-                </a:rPr>
-                <a:t> </a:t>
-              </a:r>
-              <a:r>
-                <a:rPr lang="en-US" i="1" dirty="0" err="1" smtClean="0">
-                  <a:solidFill>
-                    <a:srgbClr val="00B050"/>
-                  </a:solidFill>
-                  <a:latin typeface="Cambria" pitchFamily="18" charset="0"/>
-                </a:rPr>
-                <a:t>Nhật</a:t>
-              </a:r>
-              <a:endParaRPr lang="en-US" i="1" dirty="0">
+          <a:prstGeom prst="rect">
+            <a:avLst/>
+          </a:prstGeom>
+          <a:noFill/>
+        </p:spPr>
+        <p:txBody>
+          <a:bodyPr wrap="square" rtlCol="0">
+            <a:spAutoFit/>
+          </a:bodyPr>
+          <a:lstStyle/>
+          <a:p>
+            <a:r>
+              <a:rPr lang="en-US" sz="2000" b="1" dirty="0" err="1" smtClean="0">
+                <a:latin typeface="Cambria" pitchFamily="18" charset="0"/>
+                <a:cs typeface="Times New Roman" pitchFamily="18" charset="0"/>
+              </a:rPr>
+              <a:t>Mẹ</a:t>
+            </a:r>
+            <a:endParaRPr lang="en-US" sz="2000" b="1" dirty="0">
+              <a:latin typeface="Cambria" pitchFamily="18" charset="0"/>
+              <a:cs typeface="Times New Roman" pitchFamily="18" charset="0"/>
+            </a:endParaRPr>
+          </a:p>
+        </p:txBody>
+      </p:sp>
+      <p:sp>
+        <p:nvSpPr>
+          <p:cNvPr id="12" name="TextBox 11"/>
+          <p:cNvSpPr txBox="1"/>
+          <p:nvPr/>
+        </p:nvSpPr>
+        <p:spPr>
+          <a:xfrm>
+            <a:off x="4742597" y="4269604"/>
+            <a:ext cx="2654490" cy="369332"/>
+          </a:xfrm>
+          <a:prstGeom prst="rect">
+            <a:avLst/>
+          </a:prstGeom>
+          <a:noFill/>
+        </p:spPr>
+        <p:txBody>
+          <a:bodyPr wrap="square" rtlCol="0">
+            <a:spAutoFit/>
+          </a:bodyPr>
+          <a:lstStyle/>
+          <a:p>
+            <a:r>
+              <a:rPr lang="en-US" dirty="0">
                 <a:solidFill>
-                  <a:srgbClr val="00B050"/>
+                  <a:srgbClr val="FF0000"/>
                 </a:solidFill>
                 <a:latin typeface="Cambria" pitchFamily="18" charset="0"/>
-              </a:endParaRPr>
-            </a:p>
-          </p:txBody>
-        </p:sp>
-      </p:grpSp>
-      <p:grpSp>
-        <p:nvGrpSpPr>
-          <p:cNvPr id="28" name="Group 27"/>
-          <p:cNvGrpSpPr/>
-          <p:nvPr/>
-        </p:nvGrpSpPr>
-        <p:grpSpPr>
-          <a:xfrm>
-            <a:off x="5163103" y="3015842"/>
-            <a:ext cx="1518816" cy="2996573"/>
-            <a:chOff x="5163103" y="3015842"/>
-            <a:chExt cx="1518816" cy="2996573"/>
-          </a:xfrm>
-        </p:grpSpPr>
-        <p:grpSp>
-          <p:nvGrpSpPr>
-            <p:cNvPr id="22" name="Group 21"/>
-            <p:cNvGrpSpPr/>
-            <p:nvPr/>
-          </p:nvGrpSpPr>
-          <p:grpSpPr>
-            <a:xfrm>
-              <a:off x="5163103" y="3015842"/>
-              <a:ext cx="1518816" cy="2638032"/>
-              <a:chOff x="5163103" y="3015842"/>
-              <a:chExt cx="1518816" cy="2638032"/>
-            </a:xfrm>
-          </p:grpSpPr>
-          <p:grpSp>
-            <p:nvGrpSpPr>
-              <p:cNvPr id="7" name="Group 6"/>
-              <p:cNvGrpSpPr/>
-              <p:nvPr/>
-            </p:nvGrpSpPr>
-            <p:grpSpPr>
-              <a:xfrm>
-                <a:off x="5295416" y="3015842"/>
-                <a:ext cx="1254190" cy="1736777"/>
-                <a:chOff x="4831392" y="3043645"/>
-                <a:chExt cx="1254190" cy="1736777"/>
-              </a:xfrm>
-            </p:grpSpPr>
-            <p:sp>
-              <p:nvSpPr>
-                <p:cNvPr id="12" name="TextBox 11"/>
-                <p:cNvSpPr txBox="1"/>
-                <p:nvPr/>
-              </p:nvSpPr>
-              <p:spPr>
-                <a:xfrm>
-                  <a:off x="5115057" y="4380312"/>
-                  <a:ext cx="646011" cy="400110"/>
-                </a:xfrm>
-                <a:prstGeom prst="rect">
-                  <a:avLst/>
-                </a:prstGeom>
-                <a:noFill/>
-              </p:spPr>
-              <p:txBody>
-                <a:bodyPr wrap="none" rtlCol="0">
-                  <a:spAutoFit/>
-                </a:bodyPr>
-                <a:lstStyle/>
-                <a:p>
-                  <a:r>
-                    <a:rPr lang="en-US" sz="2000" b="1" dirty="0" err="1">
-                      <a:latin typeface="Cambria" pitchFamily="18" charset="0"/>
-                      <a:cs typeface="Times New Roman" pitchFamily="18" charset="0"/>
-                    </a:rPr>
-                    <a:t>Quy</a:t>
-                  </a:r>
-                  <a:endParaRPr lang="en-US" sz="2000" b="1" dirty="0">
-                    <a:latin typeface="Cambria" pitchFamily="18" charset="0"/>
-                    <a:cs typeface="Times New Roman" pitchFamily="18" charset="0"/>
-                  </a:endParaRPr>
-                </a:p>
-              </p:txBody>
-            </p:sp>
-            <p:pic>
-              <p:nvPicPr>
-                <p:cNvPr id="14" name="Picture 2" descr="C:\Users\ngoan\Desktop\image\quy.png"/>
-                <p:cNvPicPr>
-                  <a:picLocks noChangeAspect="1" noChangeArrowheads="1"/>
-                </p:cNvPicPr>
-                <p:nvPr/>
-              </p:nvPicPr>
-              <p:blipFill>
-                <a:blip r:embed="rId5">
-                  <a:extLst>
-                    <a:ext uri="{28A0092B-C50C-407E-A947-70E740481C1C}">
-                      <a14:useLocalDpi xmlns:a14="http://schemas.microsoft.com/office/drawing/2010/main" val="0"/>
-                    </a:ext>
-                  </a:extLst>
-                </a:blip>
-                <a:srcRect/>
-                <a:stretch>
-                  <a:fillRect/>
-                </a:stretch>
-              </p:blipFill>
-              <p:spPr bwMode="auto">
-                <a:xfrm>
-                  <a:off x="4831392" y="3043645"/>
-                  <a:ext cx="1254190" cy="1254190"/>
-                </a:xfrm>
-                <a:prstGeom prst="rect">
-                  <a:avLst/>
-                </a:prstGeom>
-                <a:noFill/>
-                <a:extLst>
-                  <a:ext uri="{909E8E84-426E-40DD-AFC4-6F175D3DCCD1}">
-                    <a14:hiddenFill xmlns:a14="http://schemas.microsoft.com/office/drawing/2010/main">
-                      <a:solidFill>
-                        <a:srgbClr val="FFFFFF"/>
-                      </a:solidFill>
-                    </a14:hiddenFill>
-                  </a:ext>
-                </a:extLst>
-              </p:spPr>
-            </p:pic>
-          </p:grpSp>
-          <p:sp>
-            <p:nvSpPr>
-              <p:cNvPr id="18" name="TextBox 17"/>
-              <p:cNvSpPr txBox="1"/>
-              <p:nvPr/>
-            </p:nvSpPr>
-            <p:spPr>
-              <a:xfrm>
-                <a:off x="5163103" y="5007543"/>
-                <a:ext cx="1518816" cy="646331"/>
-              </a:xfrm>
-              <a:prstGeom prst="rect">
-                <a:avLst/>
-              </a:prstGeom>
-              <a:noFill/>
-            </p:spPr>
-            <p:txBody>
-              <a:bodyPr wrap="square" rtlCol="0">
-                <a:spAutoFit/>
-              </a:bodyPr>
-              <a:lstStyle/>
-              <a:p>
-                <a:r>
-                  <a:rPr lang="en-US" dirty="0">
-                    <a:solidFill>
-                      <a:srgbClr val="FF0000"/>
-                    </a:solidFill>
-                    <a:latin typeface="Cambria" pitchFamily="18" charset="0"/>
-                  </a:rPr>
-                  <a:t>280 </a:t>
-                </a:r>
-                <a:r>
-                  <a:rPr lang="en-US" dirty="0" err="1">
-                    <a:solidFill>
-                      <a:srgbClr val="FF0000"/>
-                    </a:solidFill>
-                    <a:latin typeface="Cambria" pitchFamily="18" charset="0"/>
-                  </a:rPr>
-                  <a:t>Nguyễn</a:t>
-                </a:r>
-                <a:r>
-                  <a:rPr lang="en-US" dirty="0">
-                    <a:solidFill>
-                      <a:srgbClr val="FF0000"/>
-                    </a:solidFill>
-                    <a:latin typeface="Cambria" pitchFamily="18" charset="0"/>
-                  </a:rPr>
-                  <a:t> </a:t>
-                </a:r>
-                <a:r>
-                  <a:rPr lang="en-US" dirty="0" err="1">
-                    <a:solidFill>
-                      <a:srgbClr val="FF0000"/>
-                    </a:solidFill>
-                    <a:latin typeface="Cambria" pitchFamily="18" charset="0"/>
-                  </a:rPr>
-                  <a:t>Đình</a:t>
-                </a:r>
-                <a:r>
-                  <a:rPr lang="en-US" dirty="0">
-                    <a:solidFill>
-                      <a:srgbClr val="FF0000"/>
-                    </a:solidFill>
-                    <a:latin typeface="Cambria" pitchFamily="18" charset="0"/>
-                  </a:rPr>
-                  <a:t> </a:t>
-                </a:r>
-                <a:r>
-                  <a:rPr lang="en-US" dirty="0" err="1">
-                    <a:solidFill>
-                      <a:srgbClr val="FF0000"/>
-                    </a:solidFill>
-                    <a:latin typeface="Cambria" pitchFamily="18" charset="0"/>
-                  </a:rPr>
-                  <a:t>Chiểu</a:t>
-                </a:r>
-                <a:endParaRPr lang="en-US" dirty="0">
-                  <a:solidFill>
-                    <a:srgbClr val="FF0000"/>
-                  </a:solidFill>
-                  <a:latin typeface="Cambria" pitchFamily="18" charset="0"/>
-                  <a:cs typeface="Times New Roman" pitchFamily="18" charset="0"/>
-                </a:endParaRPr>
-              </a:p>
-            </p:txBody>
-          </p:sp>
-        </p:grpSp>
-        <p:sp>
-          <p:nvSpPr>
-            <p:cNvPr id="25" name="TextBox 24"/>
-            <p:cNvSpPr txBox="1"/>
-            <p:nvPr/>
-          </p:nvSpPr>
-          <p:spPr>
-            <a:xfrm>
-              <a:off x="5339210" y="5643083"/>
-              <a:ext cx="1166601" cy="369332"/>
-            </a:xfrm>
-            <a:prstGeom prst="rect">
-              <a:avLst/>
-            </a:prstGeom>
-            <a:noFill/>
-          </p:spPr>
-          <p:txBody>
-            <a:bodyPr wrap="none" rtlCol="0">
-              <a:spAutoFit/>
-            </a:bodyPr>
-            <a:lstStyle/>
-            <a:p>
-              <a:r>
-                <a:rPr lang="en-US" i="1" dirty="0" err="1" smtClean="0">
-                  <a:solidFill>
-                    <a:srgbClr val="00B050"/>
-                  </a:solidFill>
-                  <a:latin typeface="Cambria" pitchFamily="18" charset="0"/>
-                </a:rPr>
-                <a:t>Đám</a:t>
-              </a:r>
-              <a:r>
-                <a:rPr lang="en-US" i="1" dirty="0" smtClean="0">
-                  <a:solidFill>
-                    <a:srgbClr val="00B050"/>
-                  </a:solidFill>
-                  <a:latin typeface="Cambria" pitchFamily="18" charset="0"/>
-                </a:rPr>
-                <a:t> </a:t>
-              </a:r>
-              <a:r>
-                <a:rPr lang="en-US" i="1" dirty="0" err="1" smtClean="0">
-                  <a:solidFill>
-                    <a:srgbClr val="00B050"/>
-                  </a:solidFill>
-                  <a:latin typeface="Cambria" pitchFamily="18" charset="0"/>
-                </a:rPr>
-                <a:t>Cưới</a:t>
-              </a:r>
-              <a:endParaRPr lang="en-US" i="1" dirty="0">
+              </a:rPr>
+              <a:t>280 </a:t>
+            </a:r>
+            <a:r>
+              <a:rPr lang="en-US" dirty="0" err="1">
                 <a:solidFill>
-                  <a:srgbClr val="00B050"/>
+                  <a:srgbClr val="FF0000"/>
                 </a:solidFill>
                 <a:latin typeface="Cambria" pitchFamily="18" charset="0"/>
-              </a:endParaRPr>
-            </a:p>
-          </p:txBody>
-        </p:sp>
-      </p:grpSp>
-      <p:grpSp>
-        <p:nvGrpSpPr>
-          <p:cNvPr id="27" name="Group 26"/>
-          <p:cNvGrpSpPr/>
-          <p:nvPr/>
-        </p:nvGrpSpPr>
-        <p:grpSpPr>
-          <a:xfrm>
-            <a:off x="7382893" y="3161112"/>
-            <a:ext cx="1449067" cy="2862094"/>
-            <a:chOff x="7382893" y="3161112"/>
-            <a:chExt cx="1449067" cy="2862094"/>
-          </a:xfrm>
-        </p:grpSpPr>
-        <p:grpSp>
-          <p:nvGrpSpPr>
-            <p:cNvPr id="23" name="Group 22"/>
-            <p:cNvGrpSpPr/>
-            <p:nvPr/>
-          </p:nvGrpSpPr>
-          <p:grpSpPr>
-            <a:xfrm>
-              <a:off x="7382893" y="3161112"/>
-              <a:ext cx="1449067" cy="2492762"/>
-              <a:chOff x="7382893" y="3161112"/>
-              <a:chExt cx="1449067" cy="2492762"/>
-            </a:xfrm>
-          </p:grpSpPr>
-          <p:grpSp>
-            <p:nvGrpSpPr>
-              <p:cNvPr id="4" name="Group 3"/>
-              <p:cNvGrpSpPr/>
-              <p:nvPr/>
-            </p:nvGrpSpPr>
-            <p:grpSpPr>
-              <a:xfrm>
-                <a:off x="7497827" y="3161112"/>
-                <a:ext cx="1219200" cy="1619310"/>
-                <a:chOff x="6566972" y="3161112"/>
-                <a:chExt cx="1219200" cy="1619310"/>
-              </a:xfrm>
-            </p:grpSpPr>
-            <p:pic>
-              <p:nvPicPr>
-                <p:cNvPr id="9" name="Picture 3" descr="C:\Users\ngoan\Desktop\image\ngoan.png"/>
-                <p:cNvPicPr>
-                  <a:picLocks noChangeAspect="1" noChangeArrowheads="1"/>
-                </p:cNvPicPr>
-                <p:nvPr/>
-              </p:nvPicPr>
-              <p:blipFill>
-                <a:blip r:embed="rId6">
-                  <a:extLst>
-                    <a:ext uri="{28A0092B-C50C-407E-A947-70E740481C1C}">
-                      <a14:useLocalDpi xmlns:a14="http://schemas.microsoft.com/office/drawing/2010/main" val="0"/>
-                    </a:ext>
-                  </a:extLst>
-                </a:blip>
-                <a:srcRect/>
-                <a:stretch>
-                  <a:fillRect/>
-                </a:stretch>
-              </p:blipFill>
-              <p:spPr bwMode="auto">
-                <a:xfrm>
-                  <a:off x="6566972" y="3161112"/>
-                  <a:ext cx="1219200" cy="1219200"/>
-                </a:xfrm>
-                <a:prstGeom prst="rect">
-                  <a:avLst/>
-                </a:prstGeom>
-                <a:noFill/>
-                <a:extLst>
-                  <a:ext uri="{909E8E84-426E-40DD-AFC4-6F175D3DCCD1}">
-                    <a14:hiddenFill xmlns:a14="http://schemas.microsoft.com/office/drawing/2010/main">
-                      <a:solidFill>
-                        <a:srgbClr val="FFFFFF"/>
-                      </a:solidFill>
-                    </a14:hiddenFill>
-                  </a:ext>
-                </a:extLst>
-              </p:spPr>
-            </p:pic>
-            <p:sp>
-              <p:nvSpPr>
-                <p:cNvPr id="13" name="TextBox 12"/>
-                <p:cNvSpPr txBox="1"/>
-                <p:nvPr/>
-              </p:nvSpPr>
-              <p:spPr>
-                <a:xfrm>
-                  <a:off x="6820545" y="4380312"/>
-                  <a:ext cx="784189" cy="400110"/>
-                </a:xfrm>
-                <a:prstGeom prst="rect">
-                  <a:avLst/>
-                </a:prstGeom>
-                <a:noFill/>
-              </p:spPr>
-              <p:txBody>
-                <a:bodyPr wrap="none" rtlCol="0">
-                  <a:spAutoFit/>
-                </a:bodyPr>
-                <a:lstStyle/>
-                <a:p>
-                  <a:r>
-                    <a:rPr lang="en-US" sz="2000" b="1" dirty="0" err="1" smtClean="0">
-                      <a:latin typeface="Cambria" pitchFamily="18" charset="0"/>
-                      <a:cs typeface="Times New Roman" pitchFamily="18" charset="0"/>
-                    </a:rPr>
-                    <a:t>Thao</a:t>
-                  </a:r>
-                  <a:endParaRPr lang="en-US" sz="2000" b="1" dirty="0">
-                    <a:latin typeface="Cambria" pitchFamily="18" charset="0"/>
-                    <a:cs typeface="Times New Roman" pitchFamily="18" charset="0"/>
-                  </a:endParaRPr>
-                </a:p>
-              </p:txBody>
-            </p:sp>
-          </p:grpSp>
-          <p:sp>
-            <p:nvSpPr>
-              <p:cNvPr id="19" name="TextBox 18"/>
-              <p:cNvSpPr txBox="1"/>
-              <p:nvPr/>
-            </p:nvSpPr>
-            <p:spPr>
-              <a:xfrm>
-                <a:off x="7382893" y="5007543"/>
-                <a:ext cx="1449067" cy="646331"/>
-              </a:xfrm>
-              <a:prstGeom prst="rect">
-                <a:avLst/>
-              </a:prstGeom>
-              <a:noFill/>
-            </p:spPr>
-            <p:txBody>
-              <a:bodyPr wrap="square" rtlCol="0">
-                <a:spAutoFit/>
-              </a:bodyPr>
-              <a:lstStyle/>
-              <a:p>
-                <a:r>
-                  <a:rPr lang="en-US" dirty="0" err="1">
-                    <a:solidFill>
-                      <a:srgbClr val="FF0000"/>
-                    </a:solidFill>
-                    <a:latin typeface="Cambria" pitchFamily="18" charset="0"/>
-                  </a:rPr>
-                  <a:t>VinCom</a:t>
-                </a:r>
-                <a:r>
-                  <a:rPr lang="en-US" dirty="0">
-                    <a:solidFill>
-                      <a:srgbClr val="FF0000"/>
-                    </a:solidFill>
-                    <a:latin typeface="Cambria" pitchFamily="18" charset="0"/>
-                  </a:rPr>
-                  <a:t> </a:t>
-                </a:r>
-                <a:r>
-                  <a:rPr lang="en-US" dirty="0" err="1">
-                    <a:solidFill>
-                      <a:srgbClr val="FF0000"/>
-                    </a:solidFill>
-                    <a:latin typeface="Cambria" pitchFamily="18" charset="0"/>
-                  </a:rPr>
-                  <a:t>Lê</a:t>
-                </a:r>
-                <a:r>
-                  <a:rPr lang="en-US" dirty="0">
-                    <a:solidFill>
-                      <a:srgbClr val="FF0000"/>
-                    </a:solidFill>
-                    <a:latin typeface="Cambria" pitchFamily="18" charset="0"/>
-                  </a:rPr>
-                  <a:t> </a:t>
-                </a:r>
-                <a:r>
-                  <a:rPr lang="en-US" dirty="0" err="1">
-                    <a:solidFill>
-                      <a:srgbClr val="FF0000"/>
-                    </a:solidFill>
-                    <a:latin typeface="Cambria" pitchFamily="18" charset="0"/>
-                  </a:rPr>
-                  <a:t>Thánh</a:t>
-                </a:r>
-                <a:r>
-                  <a:rPr lang="en-US" dirty="0">
-                    <a:solidFill>
-                      <a:srgbClr val="FF0000"/>
-                    </a:solidFill>
-                    <a:latin typeface="Cambria" pitchFamily="18" charset="0"/>
-                  </a:rPr>
-                  <a:t> </a:t>
-                </a:r>
-                <a:r>
-                  <a:rPr lang="en-US" dirty="0" err="1" smtClean="0">
-                    <a:solidFill>
-                      <a:srgbClr val="FF0000"/>
-                    </a:solidFill>
-                    <a:latin typeface="Cambria" pitchFamily="18" charset="0"/>
-                  </a:rPr>
-                  <a:t>Tôn</a:t>
-                </a:r>
-                <a:endParaRPr lang="en-US" dirty="0">
-                  <a:solidFill>
-                    <a:srgbClr val="FF0000"/>
-                  </a:solidFill>
-                  <a:latin typeface="Cambria" pitchFamily="18" charset="0"/>
-                  <a:cs typeface="Times New Roman" pitchFamily="18" charset="0"/>
-                </a:endParaRPr>
-              </a:p>
-            </p:txBody>
-          </p:sp>
-        </p:grpSp>
-        <p:sp>
-          <p:nvSpPr>
-            <p:cNvPr id="26" name="TextBox 25"/>
-            <p:cNvSpPr txBox="1"/>
-            <p:nvPr/>
-          </p:nvSpPr>
-          <p:spPr>
-            <a:xfrm>
-              <a:off x="7647461" y="5653874"/>
-              <a:ext cx="919932" cy="369332"/>
-            </a:xfrm>
-            <a:prstGeom prst="rect">
-              <a:avLst/>
-            </a:prstGeom>
-            <a:noFill/>
-          </p:spPr>
-          <p:txBody>
-            <a:bodyPr wrap="none" rtlCol="0">
-              <a:spAutoFit/>
-            </a:bodyPr>
-            <a:lstStyle/>
-            <a:p>
-              <a:r>
-                <a:rPr lang="en-US" i="1" dirty="0" err="1" smtClean="0">
-                  <a:solidFill>
-                    <a:srgbClr val="00B050"/>
-                  </a:solidFill>
-                  <a:latin typeface="Cambria" pitchFamily="18" charset="0"/>
-                </a:rPr>
-                <a:t>Tân</a:t>
-              </a:r>
-              <a:r>
-                <a:rPr lang="en-US" i="1" dirty="0" smtClean="0">
-                  <a:solidFill>
-                    <a:srgbClr val="00B050"/>
-                  </a:solidFill>
-                  <a:latin typeface="Cambria" pitchFamily="18" charset="0"/>
-                </a:rPr>
-                <a:t> </a:t>
-              </a:r>
-              <a:r>
-                <a:rPr lang="en-US" i="1" dirty="0" err="1" smtClean="0">
-                  <a:solidFill>
-                    <a:srgbClr val="00B050"/>
-                  </a:solidFill>
-                  <a:latin typeface="Cambria" pitchFamily="18" charset="0"/>
-                </a:rPr>
-                <a:t>Gia</a:t>
-              </a:r>
-              <a:endParaRPr lang="en-US" i="1" dirty="0">
+              </a:rPr>
+              <a:t>Nguyễn</a:t>
+            </a:r>
+            <a:r>
+              <a:rPr lang="en-US" dirty="0">
                 <a:solidFill>
-                  <a:srgbClr val="00B050"/>
+                  <a:srgbClr val="FF0000"/>
                 </a:solidFill>
                 <a:latin typeface="Cambria" pitchFamily="18" charset="0"/>
-              </a:endParaRPr>
-            </a:p>
-          </p:txBody>
-        </p:sp>
-      </p:grpSp>
+              </a:rPr>
+              <a:t> </a:t>
+            </a:r>
+            <a:r>
+              <a:rPr lang="en-US" dirty="0" err="1">
+                <a:solidFill>
+                  <a:srgbClr val="FF0000"/>
+                </a:solidFill>
+                <a:latin typeface="Cambria" pitchFamily="18" charset="0"/>
+              </a:rPr>
+              <a:t>Đình</a:t>
+            </a:r>
+            <a:r>
+              <a:rPr lang="en-US" dirty="0">
+                <a:solidFill>
+                  <a:srgbClr val="FF0000"/>
+                </a:solidFill>
+                <a:latin typeface="Cambria" pitchFamily="18" charset="0"/>
+              </a:rPr>
+              <a:t> </a:t>
+            </a:r>
+            <a:r>
+              <a:rPr lang="en-US" dirty="0" err="1">
+                <a:solidFill>
+                  <a:srgbClr val="FF0000"/>
+                </a:solidFill>
+                <a:latin typeface="Cambria" pitchFamily="18" charset="0"/>
+              </a:rPr>
+              <a:t>Chiểu</a:t>
+            </a:r>
+            <a:endParaRPr lang="en-US" dirty="0">
+              <a:solidFill>
+                <a:srgbClr val="FF0000"/>
+              </a:solidFill>
+              <a:latin typeface="Cambria" pitchFamily="18" charset="0"/>
+              <a:cs typeface="Times New Roman" pitchFamily="18" charset="0"/>
+            </a:endParaRPr>
+          </a:p>
+        </p:txBody>
+      </p:sp>
+      <p:cxnSp>
+        <p:nvCxnSpPr>
+          <p:cNvPr id="16" name="Straight Arrow Connector 15"/>
+          <p:cNvCxnSpPr/>
+          <p:nvPr/>
+        </p:nvCxnSpPr>
+        <p:spPr>
+          <a:xfrm>
+            <a:off x="2784143" y="3455576"/>
+            <a:ext cx="1997625" cy="0"/>
+          </a:xfrm>
+          <a:prstGeom prst="straightConnector1">
+            <a:avLst/>
+          </a:prstGeom>
+          <a:ln w="63500">
+            <a:tailEnd type="triangle"/>
+          </a:ln>
+        </p:spPr>
+        <p:style>
+          <a:lnRef idx="3">
+            <a:schemeClr val="dk1"/>
+          </a:lnRef>
+          <a:fillRef idx="0">
+            <a:schemeClr val="dk1"/>
+          </a:fillRef>
+          <a:effectRef idx="2">
+            <a:schemeClr val="dk1"/>
+          </a:effectRef>
+          <a:fontRef idx="minor">
+            <a:schemeClr val="tx1"/>
+          </a:fontRef>
+        </p:style>
+      </p:cxnSp>
+      <p:pic>
+        <p:nvPicPr>
+          <p:cNvPr id="2050" name="Picture 2" descr="C:\Users\ngoan\Desktop\image\Office-Client-Female-Light-icon.png"/>
+          <p:cNvPicPr>
+            <a:picLocks noChangeAspect="1" noChangeArrowheads="1"/>
+          </p:cNvPicPr>
+          <p:nvPr/>
+        </p:nvPicPr>
+        <p:blipFill>
+          <a:blip r:embed="rId4">
+            <a:extLst>
+              <a:ext uri="{28A0092B-C50C-407E-A947-70E740481C1C}">
+                <a14:useLocalDpi xmlns:a14="http://schemas.microsoft.com/office/drawing/2010/main" val="0"/>
+              </a:ext>
+            </a:extLst>
+          </a:blip>
+          <a:srcRect/>
+          <a:stretch>
+            <a:fillRect/>
+          </a:stretch>
+        </p:blipFill>
+        <p:spPr bwMode="auto">
+          <a:xfrm>
+            <a:off x="5045011" y="2294288"/>
+            <a:ext cx="1161288" cy="1161288"/>
+          </a:xfrm>
+          <a:prstGeom prst="rect">
+            <a:avLst/>
+          </a:prstGeom>
+          <a:noFill/>
+          <a:extLst>
+            <a:ext uri="{909E8E84-426E-40DD-AFC4-6F175D3DCCD1}">
+              <a14:hiddenFill xmlns:a14="http://schemas.microsoft.com/office/drawing/2010/main">
+                <a:solidFill>
+                  <a:srgbClr val="FFFFFF"/>
+                </a:solidFill>
+              </a14:hiddenFill>
+            </a:ext>
+          </a:extLst>
+        </p:spPr>
+      </p:pic>
     </p:spTree>
     <p:extLst>
       <p:ext uri="{BB962C8B-B14F-4D97-AF65-F5344CB8AC3E}">
-        <p14:creationId xmlns:p14="http://schemas.microsoft.com/office/powerpoint/2010/main" val="900293610"/>
+        <p14:creationId xmlns:p14="http://schemas.microsoft.com/office/powerpoint/2010/main" val="3095486733"/>
       </p:ext>
     </p:extLst>
   </p:cSld>
@@ -15441,6 +14665,503 @@
       </p:grpSpPr>
       <p:sp>
         <p:nvSpPr>
+          <p:cNvPr id="6" name="Title 5"/>
+          <p:cNvSpPr>
+            <a:spLocks noGrp="1"/>
+          </p:cNvSpPr>
+          <p:nvPr>
+            <p:ph type="title"/>
+          </p:nvPr>
+        </p:nvSpPr>
+        <p:spPr/>
+        <p:txBody>
+          <a:bodyPr/>
+          <a:lstStyle/>
+          <a:p>
+            <a:r>
+              <a:rPr lang="en-US" dirty="0" smtClean="0">
+                <a:latin typeface="Cambria"/>
+                <a:ea typeface="Cambria"/>
+                <a:cs typeface="Cambria"/>
+                <a:sym typeface="Cambria"/>
+              </a:rPr>
+              <a:t>Scenario</a:t>
+            </a:r>
+            <a:endParaRPr lang="en-US" dirty="0">
+              <a:latin typeface="Cambria"/>
+              <a:ea typeface="Cambria"/>
+              <a:cs typeface="Cambria"/>
+              <a:sym typeface="Cambria"/>
+            </a:endParaRPr>
+          </a:p>
+        </p:txBody>
+      </p:sp>
+      <p:sp>
+        <p:nvSpPr>
+          <p:cNvPr id="5" name="Slide Number Placeholder 4"/>
+          <p:cNvSpPr>
+            <a:spLocks noGrp="1"/>
+          </p:cNvSpPr>
+          <p:nvPr>
+            <p:ph type="sldNum" idx="12"/>
+          </p:nvPr>
+        </p:nvSpPr>
+        <p:spPr/>
+        <p:txBody>
+          <a:bodyPr/>
+          <a:lstStyle/>
+          <a:p>
+            <a:fld id="{00000000-1234-1234-1234-123412341234}" type="slidenum">
+              <a:rPr lang="en" smtClean="0"/>
+              <a:pPr/>
+              <a:t>4</a:t>
+            </a:fld>
+            <a:endParaRPr lang="en"/>
+          </a:p>
+        </p:txBody>
+      </p:sp>
+      <p:grpSp>
+        <p:nvGrpSpPr>
+          <p:cNvPr id="8" name="Group 7"/>
+          <p:cNvGrpSpPr/>
+          <p:nvPr/>
+        </p:nvGrpSpPr>
+        <p:grpSpPr>
+          <a:xfrm>
+            <a:off x="497974" y="2295465"/>
+            <a:ext cx="2172806" cy="2233416"/>
+            <a:chOff x="-42886" y="3161112"/>
+            <a:chExt cx="2172806" cy="2233416"/>
+          </a:xfrm>
+        </p:grpSpPr>
+        <p:grpSp>
+          <p:nvGrpSpPr>
+            <p:cNvPr id="2" name="Group 1"/>
+            <p:cNvGrpSpPr/>
+            <p:nvPr/>
+          </p:nvGrpSpPr>
+          <p:grpSpPr>
+            <a:xfrm>
+              <a:off x="433917" y="3161112"/>
+              <a:ext cx="1219200" cy="1638701"/>
+              <a:chOff x="1209565" y="3078635"/>
+              <a:chExt cx="1219200" cy="1722166"/>
+            </a:xfrm>
+          </p:grpSpPr>
+          <p:sp>
+            <p:nvSpPr>
+              <p:cNvPr id="10" name="TextBox 9"/>
+              <p:cNvSpPr txBox="1"/>
+              <p:nvPr/>
+            </p:nvSpPr>
+            <p:spPr>
+              <a:xfrm>
+                <a:off x="1243174" y="4380312"/>
+                <a:ext cx="1151982" cy="420489"/>
+              </a:xfrm>
+              <a:prstGeom prst="rect">
+                <a:avLst/>
+              </a:prstGeom>
+              <a:noFill/>
+            </p:spPr>
+            <p:txBody>
+              <a:bodyPr wrap="none" rtlCol="0">
+                <a:spAutoFit/>
+              </a:bodyPr>
+              <a:lstStyle/>
+              <a:p>
+                <a:r>
+                  <a:rPr lang="en-US" sz="2000" b="1" dirty="0" err="1" smtClean="0">
+                    <a:latin typeface="Cambria" pitchFamily="18" charset="0"/>
+                    <a:cs typeface="Times New Roman" pitchFamily="18" charset="0"/>
+                  </a:rPr>
+                  <a:t>Khương</a:t>
+                </a:r>
+                <a:endParaRPr lang="en-US" sz="2000" b="1" dirty="0">
+                  <a:latin typeface="Cambria" pitchFamily="18" charset="0"/>
+                  <a:cs typeface="Times New Roman" pitchFamily="18" charset="0"/>
+                </a:endParaRPr>
+              </a:p>
+            </p:txBody>
+          </p:sp>
+          <p:pic>
+            <p:nvPicPr>
+              <p:cNvPr id="15" name="Picture 3" descr="C:\Users\ngoan\Desktop\image\thao.png"/>
+              <p:cNvPicPr>
+                <a:picLocks noChangeAspect="1" noChangeArrowheads="1"/>
+              </p:cNvPicPr>
+              <p:nvPr/>
+            </p:nvPicPr>
+            <p:blipFill>
+              <a:blip r:embed="rId3">
+                <a:extLst>
+                  <a:ext uri="{28A0092B-C50C-407E-A947-70E740481C1C}">
+                    <a14:useLocalDpi xmlns:a14="http://schemas.microsoft.com/office/drawing/2010/main" val="0"/>
+                  </a:ext>
+                </a:extLst>
+              </a:blip>
+              <a:srcRect/>
+              <a:stretch>
+                <a:fillRect/>
+              </a:stretch>
+            </p:blipFill>
+            <p:spPr bwMode="auto">
+              <a:xfrm flipH="1">
+                <a:off x="1209565" y="3078635"/>
+                <a:ext cx="1219200" cy="1219200"/>
+              </a:xfrm>
+              <a:prstGeom prst="rect">
+                <a:avLst/>
+              </a:prstGeom>
+              <a:noFill/>
+              <a:extLst>
+                <a:ext uri="{909E8E84-426E-40DD-AFC4-6F175D3DCCD1}">
+                  <a14:hiddenFill xmlns:a14="http://schemas.microsoft.com/office/drawing/2010/main">
+                    <a:solidFill>
+                      <a:srgbClr val="FFFFFF"/>
+                    </a:solidFill>
+                  </a14:hiddenFill>
+                </a:ext>
+              </a:extLst>
+            </p:spPr>
+          </p:pic>
+        </p:grpSp>
+        <p:sp>
+          <p:nvSpPr>
+            <p:cNvPr id="20" name="TextBox 19"/>
+            <p:cNvSpPr txBox="1"/>
+            <p:nvPr/>
+          </p:nvSpPr>
+          <p:spPr>
+            <a:xfrm>
+              <a:off x="-42886" y="5025196"/>
+              <a:ext cx="2172806" cy="369332"/>
+            </a:xfrm>
+            <a:prstGeom prst="rect">
+              <a:avLst/>
+            </a:prstGeom>
+            <a:noFill/>
+          </p:spPr>
+          <p:txBody>
+            <a:bodyPr wrap="square" rtlCol="0">
+              <a:spAutoFit/>
+            </a:bodyPr>
+            <a:lstStyle/>
+            <a:p>
+              <a:r>
+                <a:rPr lang="en-US" dirty="0" err="1">
+                  <a:solidFill>
+                    <a:srgbClr val="FF0000"/>
+                  </a:solidFill>
+                  <a:latin typeface="Cambria" pitchFamily="18" charset="0"/>
+                </a:rPr>
+                <a:t>Công</a:t>
+              </a:r>
+              <a:r>
+                <a:rPr lang="en-US" dirty="0">
+                  <a:solidFill>
+                    <a:srgbClr val="FF0000"/>
+                  </a:solidFill>
+                  <a:latin typeface="Cambria" pitchFamily="18" charset="0"/>
+                </a:rPr>
+                <a:t> </a:t>
+              </a:r>
+              <a:r>
+                <a:rPr lang="en-US" dirty="0" err="1">
+                  <a:solidFill>
+                    <a:srgbClr val="FF0000"/>
+                  </a:solidFill>
+                  <a:latin typeface="Cambria" pitchFamily="18" charset="0"/>
+                </a:rPr>
+                <a:t>Viên</a:t>
+              </a:r>
+              <a:r>
+                <a:rPr lang="en-US" dirty="0">
+                  <a:solidFill>
+                    <a:srgbClr val="FF0000"/>
+                  </a:solidFill>
+                  <a:latin typeface="Cambria" pitchFamily="18" charset="0"/>
+                </a:rPr>
+                <a:t> Tao </a:t>
+              </a:r>
+              <a:r>
+                <a:rPr lang="en-US" dirty="0" err="1">
+                  <a:solidFill>
+                    <a:srgbClr val="FF0000"/>
+                  </a:solidFill>
+                  <a:latin typeface="Cambria" pitchFamily="18" charset="0"/>
+                </a:rPr>
+                <a:t>Đàn</a:t>
+              </a:r>
+              <a:endParaRPr lang="en-US" dirty="0">
+                <a:solidFill>
+                  <a:srgbClr val="FF0000"/>
+                </a:solidFill>
+                <a:latin typeface="Cambria" pitchFamily="18" charset="0"/>
+                <a:cs typeface="Times New Roman" pitchFamily="18" charset="0"/>
+              </a:endParaRPr>
+            </a:p>
+          </p:txBody>
+        </p:sp>
+      </p:grpSp>
+      <p:sp>
+        <p:nvSpPr>
+          <p:cNvPr id="13" name="TextBox 12"/>
+          <p:cNvSpPr txBox="1"/>
+          <p:nvPr/>
+        </p:nvSpPr>
+        <p:spPr>
+          <a:xfrm>
+            <a:off x="5168455" y="3514665"/>
+            <a:ext cx="1191402" cy="400110"/>
+          </a:xfrm>
+          <a:prstGeom prst="rect">
+            <a:avLst/>
+          </a:prstGeom>
+          <a:noFill/>
+        </p:spPr>
+        <p:txBody>
+          <a:bodyPr wrap="square" rtlCol="0">
+            <a:spAutoFit/>
+          </a:bodyPr>
+          <a:lstStyle/>
+          <a:p>
+            <a:r>
+              <a:rPr lang="en-US" sz="2000" b="1" dirty="0" err="1" smtClean="0">
+                <a:latin typeface="Cambria" pitchFamily="18" charset="0"/>
+                <a:cs typeface="Times New Roman" pitchFamily="18" charset="0"/>
+              </a:rPr>
+              <a:t>Bà</a:t>
+            </a:r>
+            <a:r>
+              <a:rPr lang="en-US" sz="2000" b="1" dirty="0" smtClean="0">
+                <a:latin typeface="Cambria" pitchFamily="18" charset="0"/>
+                <a:cs typeface="Times New Roman" pitchFamily="18" charset="0"/>
+              </a:rPr>
+              <a:t> </a:t>
+            </a:r>
+            <a:r>
+              <a:rPr lang="en-US" sz="2000" b="1" dirty="0" err="1" smtClean="0">
+                <a:latin typeface="Cambria" pitchFamily="18" charset="0"/>
+                <a:cs typeface="Times New Roman" pitchFamily="18" charset="0"/>
+              </a:rPr>
+              <a:t>Nội</a:t>
+            </a:r>
+            <a:endParaRPr lang="en-US" sz="2000" b="1" dirty="0">
+              <a:latin typeface="Cambria" pitchFamily="18" charset="0"/>
+              <a:cs typeface="Times New Roman" pitchFamily="18" charset="0"/>
+            </a:endParaRPr>
+          </a:p>
+        </p:txBody>
+      </p:sp>
+      <p:sp>
+        <p:nvSpPr>
+          <p:cNvPr id="12" name="TextBox 11"/>
+          <p:cNvSpPr txBox="1"/>
+          <p:nvPr/>
+        </p:nvSpPr>
+        <p:spPr>
+          <a:xfrm>
+            <a:off x="4742597" y="4269604"/>
+            <a:ext cx="2640842" cy="369332"/>
+          </a:xfrm>
+          <a:prstGeom prst="rect">
+            <a:avLst/>
+          </a:prstGeom>
+          <a:noFill/>
+        </p:spPr>
+        <p:txBody>
+          <a:bodyPr wrap="square" rtlCol="0">
+            <a:spAutoFit/>
+          </a:bodyPr>
+          <a:lstStyle/>
+          <a:p>
+            <a:r>
+              <a:rPr lang="en-US" dirty="0" err="1">
+                <a:solidFill>
+                  <a:srgbClr val="FF0000"/>
+                </a:solidFill>
+                <a:latin typeface="Cambria" pitchFamily="18" charset="0"/>
+              </a:rPr>
+              <a:t>VinCom</a:t>
+            </a:r>
+            <a:r>
+              <a:rPr lang="en-US" dirty="0">
+                <a:solidFill>
+                  <a:srgbClr val="FF0000"/>
+                </a:solidFill>
+                <a:latin typeface="Cambria" pitchFamily="18" charset="0"/>
+              </a:rPr>
+              <a:t> </a:t>
+            </a:r>
+            <a:r>
+              <a:rPr lang="en-US" dirty="0" err="1">
+                <a:solidFill>
+                  <a:srgbClr val="FF0000"/>
+                </a:solidFill>
+                <a:latin typeface="Cambria" pitchFamily="18" charset="0"/>
+              </a:rPr>
+              <a:t>Lê</a:t>
+            </a:r>
+            <a:r>
+              <a:rPr lang="en-US" dirty="0">
+                <a:solidFill>
+                  <a:srgbClr val="FF0000"/>
+                </a:solidFill>
+                <a:latin typeface="Cambria" pitchFamily="18" charset="0"/>
+              </a:rPr>
+              <a:t> </a:t>
+            </a:r>
+            <a:r>
+              <a:rPr lang="en-US" dirty="0" err="1">
+                <a:solidFill>
+                  <a:srgbClr val="FF0000"/>
+                </a:solidFill>
+                <a:latin typeface="Cambria" pitchFamily="18" charset="0"/>
+              </a:rPr>
+              <a:t>Thánh</a:t>
+            </a:r>
+            <a:r>
+              <a:rPr lang="en-US" dirty="0">
+                <a:solidFill>
+                  <a:srgbClr val="FF0000"/>
+                </a:solidFill>
+                <a:latin typeface="Cambria" pitchFamily="18" charset="0"/>
+              </a:rPr>
+              <a:t> </a:t>
+            </a:r>
+            <a:r>
+              <a:rPr lang="en-US" dirty="0" err="1">
+                <a:solidFill>
+                  <a:srgbClr val="FF0000"/>
+                </a:solidFill>
+                <a:latin typeface="Cambria" pitchFamily="18" charset="0"/>
+              </a:rPr>
+              <a:t>Tôn</a:t>
+            </a:r>
+            <a:endParaRPr lang="en-US" dirty="0">
+              <a:solidFill>
+                <a:srgbClr val="FF0000"/>
+              </a:solidFill>
+              <a:latin typeface="Cambria" pitchFamily="18" charset="0"/>
+              <a:cs typeface="Times New Roman" pitchFamily="18" charset="0"/>
+            </a:endParaRPr>
+          </a:p>
+        </p:txBody>
+      </p:sp>
+      <p:cxnSp>
+        <p:nvCxnSpPr>
+          <p:cNvPr id="16" name="Straight Arrow Connector 15"/>
+          <p:cNvCxnSpPr/>
+          <p:nvPr/>
+        </p:nvCxnSpPr>
+        <p:spPr>
+          <a:xfrm>
+            <a:off x="2784143" y="3455576"/>
+            <a:ext cx="1997625" cy="0"/>
+          </a:xfrm>
+          <a:prstGeom prst="straightConnector1">
+            <a:avLst/>
+          </a:prstGeom>
+          <a:ln w="63500">
+            <a:tailEnd type="triangle"/>
+          </a:ln>
+        </p:spPr>
+        <p:style>
+          <a:lnRef idx="3">
+            <a:schemeClr val="dk1"/>
+          </a:lnRef>
+          <a:fillRef idx="0">
+            <a:schemeClr val="dk1"/>
+          </a:fillRef>
+          <a:effectRef idx="2">
+            <a:schemeClr val="dk1"/>
+          </a:effectRef>
+          <a:fontRef idx="minor">
+            <a:schemeClr val="tx1"/>
+          </a:fontRef>
+        </p:style>
+      </p:cxnSp>
+      <p:pic>
+        <p:nvPicPr>
+          <p:cNvPr id="3074" name="Picture 2" descr="C:\Users\ngoan\Desktop\image\Religions-Muslim-Female-icon.png"/>
+          <p:cNvPicPr>
+            <a:picLocks noChangeAspect="1" noChangeArrowheads="1"/>
+          </p:cNvPicPr>
+          <p:nvPr/>
+        </p:nvPicPr>
+        <p:blipFill>
+          <a:blip r:embed="rId4">
+            <a:extLst>
+              <a:ext uri="{28A0092B-C50C-407E-A947-70E740481C1C}">
+                <a14:useLocalDpi xmlns:a14="http://schemas.microsoft.com/office/drawing/2010/main" val="0"/>
+              </a:ext>
+            </a:extLst>
+          </a:blip>
+          <a:srcRect/>
+          <a:stretch>
+            <a:fillRect/>
+          </a:stretch>
+        </p:blipFill>
+        <p:spPr bwMode="auto">
+          <a:xfrm>
+            <a:off x="5045123" y="2294288"/>
+            <a:ext cx="1161288" cy="1161288"/>
+          </a:xfrm>
+          <a:prstGeom prst="rect">
+            <a:avLst/>
+          </a:prstGeom>
+          <a:noFill/>
+          <a:extLst>
+            <a:ext uri="{909E8E84-426E-40DD-AFC4-6F175D3DCCD1}">
+              <a14:hiddenFill xmlns:a14="http://schemas.microsoft.com/office/drawing/2010/main">
+                <a:solidFill>
+                  <a:srgbClr val="FFFFFF"/>
+                </a:solidFill>
+              </a14:hiddenFill>
+            </a:ext>
+          </a:extLst>
+        </p:spPr>
+      </p:pic>
+    </p:spTree>
+    <p:extLst>
+      <p:ext uri="{BB962C8B-B14F-4D97-AF65-F5344CB8AC3E}">
+        <p14:creationId xmlns:p14="http://schemas.microsoft.com/office/powerpoint/2010/main" val="3652455141"/>
+      </p:ext>
+    </p:extLst>
+  </p:cSld>
+  <p:clrMapOvr>
+    <a:masterClrMapping/>
+  </p:clrMapOvr>
+  <p:timing>
+    <p:tnLst>
+      <p:par>
+        <p:cTn id="1" dur="indefinite" restart="never" nodeType="tmRoot"/>
+      </p:par>
+    </p:tnLst>
+  </p:timing>
+</p:sld>
+</file>
+
+<file path=ppt/slides/slide5.xml><?xml version="1.0" encoding="utf-8"?>
+<p:sld xmlns:a="http://schemas.openxmlformats.org/drawingml/2006/main" xmlns:r="http://schemas.openxmlformats.org/officeDocument/2006/relationships" xmlns:p="http://schemas.openxmlformats.org/presentationml/2006/main">
+  <p:cSld>
+    <p:spTree>
+      <p:nvGrpSpPr>
+        <p:cNvPr id="1" name=""/>
+        <p:cNvGrpSpPr/>
+        <p:nvPr/>
+      </p:nvGrpSpPr>
+      <p:grpSpPr>
+        <a:xfrm>
+          <a:off x="0" y="0"/>
+          <a:ext cx="0" cy="0"/>
+          <a:chOff x="0" y="0"/>
+          <a:chExt cx="0" cy="0"/>
+        </a:xfrm>
+      </p:grpSpPr>
+      <p:sp>
+        <p:nvSpPr>
           <p:cNvPr id="4" name="Slide Number Placeholder 3"/>
           <p:cNvSpPr>
             <a:spLocks noGrp="1"/>
@@ -15457,7 +15178,7 @@
             <a:fld id="{00000000-1234-1234-1234-123412341234}" type="slidenum">
               <a:rPr lang="en" smtClean="0"/>
               <a:pPr/>
-              <a:t>4</a:t>
+              <a:t>5</a:t>
             </a:fld>
             <a:endParaRPr lang="en"/>
           </a:p>
@@ -15776,129 +15497,6 @@
           </a:fontRef>
         </p:style>
       </p:cxnSp>
-      <p:pic>
-        <p:nvPicPr>
-          <p:cNvPr id="17" name="Picture 2" descr="C:\Users\ngoan\Desktop\image\quy.png"/>
-          <p:cNvPicPr>
-            <a:picLocks noChangeAspect="1" noChangeArrowheads="1"/>
-          </p:cNvPicPr>
-          <p:nvPr/>
-        </p:nvPicPr>
-        <p:blipFill>
-          <a:blip r:embed="rId5">
-            <a:extLst>
-              <a:ext uri="{28A0092B-C50C-407E-A947-70E740481C1C}">
-                <a14:useLocalDpi xmlns:a14="http://schemas.microsoft.com/office/drawing/2010/main" val="0"/>
-              </a:ext>
-            </a:extLst>
-          </a:blip>
-          <a:srcRect/>
-          <a:stretch>
-            <a:fillRect/>
-          </a:stretch>
-        </p:blipFill>
-        <p:spPr bwMode="auto">
-          <a:xfrm>
-            <a:off x="1290132" y="1677833"/>
-            <a:ext cx="1069848" cy="1069848"/>
-          </a:xfrm>
-          <a:prstGeom prst="rect">
-            <a:avLst/>
-          </a:prstGeom>
-          <a:noFill/>
-          <a:extLst>
-            <a:ext uri="{909E8E84-426E-40DD-AFC4-6F175D3DCCD1}">
-              <a14:hiddenFill xmlns:a14="http://schemas.microsoft.com/office/drawing/2010/main">
-                <a:solidFill>
-                  <a:srgbClr val="FFFFFF"/>
-                </a:solidFill>
-              </a14:hiddenFill>
-            </a:ext>
-          </a:extLst>
-        </p:spPr>
-      </p:pic>
-      <p:pic>
-        <p:nvPicPr>
-          <p:cNvPr id="18" name="Picture 4" descr="C:\Users\ngoan\Desktop\image\nam.png"/>
-          <p:cNvPicPr>
-            <a:picLocks noChangeAspect="1" noChangeArrowheads="1"/>
-          </p:cNvPicPr>
-          <p:nvPr/>
-        </p:nvPicPr>
-        <p:blipFill>
-          <a:blip r:embed="rId6">
-            <a:extLst>
-              <a:ext uri="{28A0092B-C50C-407E-A947-70E740481C1C}">
-                <a14:useLocalDpi xmlns:a14="http://schemas.microsoft.com/office/drawing/2010/main" val="0"/>
-              </a:ext>
-            </a:extLst>
-          </a:blip>
-          <a:srcRect/>
-          <a:stretch>
-            <a:fillRect/>
-          </a:stretch>
-        </p:blipFill>
-        <p:spPr bwMode="auto">
-          <a:xfrm>
-            <a:off x="2710345" y="1677833"/>
-            <a:ext cx="1069848" cy="1069848"/>
-          </a:xfrm>
-          <a:prstGeom prst="rect">
-            <a:avLst/>
-          </a:prstGeom>
-          <a:noFill/>
-          <a:extLst>
-            <a:ext uri="{909E8E84-426E-40DD-AFC4-6F175D3DCCD1}">
-              <a14:hiddenFill xmlns:a14="http://schemas.microsoft.com/office/drawing/2010/main">
-                <a:solidFill>
-                  <a:srgbClr val="FFFFFF"/>
-                </a:solidFill>
-              </a14:hiddenFill>
-            </a:ext>
-          </a:extLst>
-        </p:spPr>
-      </p:pic>
-      <p:pic>
-        <p:nvPicPr>
-          <p:cNvPr id="20" name="Picture 3" descr="C:\Users\ngoan\Desktop\image\ngoan.png"/>
-          <p:cNvPicPr>
-            <a:picLocks noChangeAspect="1" noChangeArrowheads="1"/>
-          </p:cNvPicPr>
-          <p:nvPr/>
-        </p:nvPicPr>
-        <p:blipFill>
-          <a:blip r:embed="rId7">
-            <a:extLst>
-              <a:ext uri="{28A0092B-C50C-407E-A947-70E740481C1C}">
-                <a14:useLocalDpi xmlns:a14="http://schemas.microsoft.com/office/drawing/2010/main" val="0"/>
-              </a:ext>
-            </a:extLst>
-          </a:blip>
-          <a:srcRect/>
-          <a:stretch>
-            <a:fillRect/>
-          </a:stretch>
-        </p:blipFill>
-        <p:spPr bwMode="auto">
-          <a:xfrm>
-            <a:off x="3929503" y="1677833"/>
-            <a:ext cx="1066804" cy="1069848"/>
-          </a:xfrm>
-          <a:prstGeom prst="rect">
-            <a:avLst/>
-          </a:prstGeom>
-          <a:noFill/>
-          <a:extLst>
-            <a:ext uri="{909E8E84-426E-40DD-AFC4-6F175D3DCCD1}">
-              <a14:hiddenFill xmlns:a14="http://schemas.microsoft.com/office/drawing/2010/main">
-                <a:solidFill>
-                  <a:srgbClr val="FFFFFF"/>
-                </a:solidFill>
-              </a14:hiddenFill>
-            </a:ext>
-          </a:extLst>
-        </p:spPr>
-      </p:pic>
       <p:sp>
         <p:nvSpPr>
           <p:cNvPr id="23" name="Oval 22"/>
@@ -15964,6 +15562,129 @@
           </a:p>
         </p:txBody>
       </p:sp>
+      <p:pic>
+        <p:nvPicPr>
+          <p:cNvPr id="15" name="Picture 2" descr="C:\Users\ngoan\Desktop\image\ngoan.png"/>
+          <p:cNvPicPr>
+            <a:picLocks noChangeAspect="1" noChangeArrowheads="1"/>
+          </p:cNvPicPr>
+          <p:nvPr/>
+        </p:nvPicPr>
+        <p:blipFill>
+          <a:blip r:embed="rId5">
+            <a:extLst>
+              <a:ext uri="{28A0092B-C50C-407E-A947-70E740481C1C}">
+                <a14:useLocalDpi xmlns:a14="http://schemas.microsoft.com/office/drawing/2010/main" val="0"/>
+              </a:ext>
+            </a:extLst>
+          </a:blip>
+          <a:srcRect/>
+          <a:stretch>
+            <a:fillRect/>
+          </a:stretch>
+        </p:blipFill>
+        <p:spPr bwMode="auto">
+          <a:xfrm>
+            <a:off x="1802131" y="1634210"/>
+            <a:ext cx="1161288" cy="1161288"/>
+          </a:xfrm>
+          <a:prstGeom prst="rect">
+            <a:avLst/>
+          </a:prstGeom>
+          <a:noFill/>
+          <a:extLst>
+            <a:ext uri="{909E8E84-426E-40DD-AFC4-6F175D3DCCD1}">
+              <a14:hiddenFill xmlns:a14="http://schemas.microsoft.com/office/drawing/2010/main">
+                <a:solidFill>
+                  <a:srgbClr val="FFFFFF"/>
+                </a:solidFill>
+              </a14:hiddenFill>
+            </a:ext>
+          </a:extLst>
+        </p:spPr>
+      </p:pic>
+      <p:pic>
+        <p:nvPicPr>
+          <p:cNvPr id="16" name="Picture 2" descr="C:\Users\ngoan\Desktop\image\Office-Client-Female-Light-icon.png"/>
+          <p:cNvPicPr>
+            <a:picLocks noChangeAspect="1" noChangeArrowheads="1"/>
+          </p:cNvPicPr>
+          <p:nvPr/>
+        </p:nvPicPr>
+        <p:blipFill>
+          <a:blip r:embed="rId6">
+            <a:extLst>
+              <a:ext uri="{28A0092B-C50C-407E-A947-70E740481C1C}">
+                <a14:useLocalDpi xmlns:a14="http://schemas.microsoft.com/office/drawing/2010/main" val="0"/>
+              </a:ext>
+            </a:extLst>
+          </a:blip>
+          <a:srcRect/>
+          <a:stretch>
+            <a:fillRect/>
+          </a:stretch>
+        </p:blipFill>
+        <p:spPr bwMode="auto">
+          <a:xfrm>
+            <a:off x="3195431" y="1625428"/>
+            <a:ext cx="1161288" cy="1161288"/>
+          </a:xfrm>
+          <a:prstGeom prst="rect">
+            <a:avLst/>
+          </a:prstGeom>
+          <a:noFill/>
+          <a:extLst>
+            <a:ext uri="{909E8E84-426E-40DD-AFC4-6F175D3DCCD1}">
+              <a14:hiddenFill xmlns:a14="http://schemas.microsoft.com/office/drawing/2010/main">
+                <a:solidFill>
+                  <a:srgbClr val="FFFFFF"/>
+                </a:solidFill>
+              </a14:hiddenFill>
+            </a:ext>
+          </a:extLst>
+        </p:spPr>
+      </p:pic>
+      <p:pic>
+        <p:nvPicPr>
+          <p:cNvPr id="19" name="Picture 2" descr="C:\Users\ngoan\Desktop\image\Religions-Muslim-Female-icon.png"/>
+          <p:cNvPicPr>
+            <a:picLocks noChangeAspect="1" noChangeArrowheads="1"/>
+          </p:cNvPicPr>
+          <p:nvPr/>
+        </p:nvPicPr>
+        <p:blipFill>
+          <a:blip r:embed="rId7">
+            <a:extLst>
+              <a:ext uri="{28A0092B-C50C-407E-A947-70E740481C1C}">
+                <a14:useLocalDpi xmlns:a14="http://schemas.microsoft.com/office/drawing/2010/main" val="0"/>
+              </a:ext>
+            </a:extLst>
+          </a:blip>
+          <a:srcRect/>
+          <a:stretch>
+            <a:fillRect/>
+          </a:stretch>
+        </p:blipFill>
+        <p:spPr bwMode="auto">
+          <a:xfrm>
+            <a:off x="4545266" y="1625428"/>
+            <a:ext cx="1161288" cy="1161288"/>
+          </a:xfrm>
+          <a:prstGeom prst="rect">
+            <a:avLst/>
+          </a:prstGeom>
+          <a:noFill/>
+          <a:extLst>
+            <a:ext uri="{909E8E84-426E-40DD-AFC4-6F175D3DCCD1}">
+              <a14:hiddenFill xmlns:a14="http://schemas.microsoft.com/office/drawing/2010/main">
+                <a:solidFill>
+                  <a:srgbClr val="FFFFFF"/>
+                </a:solidFill>
+              </a14:hiddenFill>
+            </a:ext>
+          </a:extLst>
+        </p:spPr>
+      </p:pic>
     </p:spTree>
     <p:extLst>
       <p:ext uri="{BB962C8B-B14F-4D97-AF65-F5344CB8AC3E}">
@@ -15984,7 +15705,7 @@
 </p:sld>
 </file>
 
-<file path=ppt/slides/slide5.xml><?xml version="1.0" encoding="utf-8"?>
+<file path=ppt/slides/slide6.xml><?xml version="1.0" encoding="utf-8"?>
 <p:sld xmlns:a="http://schemas.openxmlformats.org/drawingml/2006/main" xmlns:r="http://schemas.openxmlformats.org/officeDocument/2006/relationships" xmlns:p="http://schemas.openxmlformats.org/presentationml/2006/main">
   <p:cSld>
     <p:spTree>
@@ -16042,7 +15763,7 @@
             <a:fld id="{00000000-1234-1234-1234-123412341234}" type="slidenum">
               <a:rPr lang="en" smtClean="0"/>
               <a:pPr/>
-              <a:t>5</a:t>
+              <a:t>6</a:t>
             </a:fld>
             <a:endParaRPr lang="en"/>
           </a:p>
@@ -16241,7 +15962,7 @@
 </p:sld>
 </file>
 
-<file path=ppt/slides/slide6.xml><?xml version="1.0" encoding="utf-8"?>
+<file path=ppt/slides/slide7.xml><?xml version="1.0" encoding="utf-8"?>
 <p:sld xmlns:a="http://schemas.openxmlformats.org/drawingml/2006/main" xmlns:r="http://schemas.openxmlformats.org/officeDocument/2006/relationships" xmlns:p="http://schemas.openxmlformats.org/presentationml/2006/main">
   <p:cSld>
     <p:spTree>
@@ -16299,7 +16020,7 @@
             <a:fld id="{00000000-1234-1234-1234-123412341234}" type="slidenum">
               <a:rPr lang="en" smtClean="0"/>
               <a:pPr/>
-              <a:t>6</a:t>
+              <a:t>7</a:t>
             </a:fld>
             <a:endParaRPr lang="en"/>
           </a:p>
@@ -16579,271 +16300,6 @@
 </p:sld>
 </file>
 
-<file path=ppt/slides/slide7.xml><?xml version="1.0" encoding="utf-8"?>
-<p:sld xmlns:a="http://schemas.openxmlformats.org/drawingml/2006/main" xmlns:r="http://schemas.openxmlformats.org/officeDocument/2006/relationships" xmlns:p="http://schemas.openxmlformats.org/presentationml/2006/main">
-  <p:cSld>
-    <p:spTree>
-      <p:nvGrpSpPr>
-        <p:cNvPr id="1" name=""/>
-        <p:cNvGrpSpPr/>
-        <p:nvPr/>
-      </p:nvGrpSpPr>
-      <p:grpSpPr>
-        <a:xfrm>
-          <a:off x="0" y="0"/>
-          <a:ext cx="0" cy="0"/>
-          <a:chOff x="0" y="0"/>
-          <a:chExt cx="0" cy="0"/>
-        </a:xfrm>
-      </p:grpSpPr>
-      <p:sp>
-        <p:nvSpPr>
-          <p:cNvPr id="2" name="Title 1"/>
-          <p:cNvSpPr>
-            <a:spLocks noGrp="1"/>
-          </p:cNvSpPr>
-          <p:nvPr>
-            <p:ph type="title"/>
-          </p:nvPr>
-        </p:nvSpPr>
-        <p:spPr/>
-        <p:txBody>
-          <a:bodyPr/>
-          <a:lstStyle/>
-          <a:p>
-            <a:r>
-              <a:rPr lang="en-US" dirty="0" smtClean="0"/>
-              <a:t>Solution</a:t>
-            </a:r>
-            <a:endParaRPr lang="en-US" dirty="0"/>
-          </a:p>
-        </p:txBody>
-      </p:sp>
-      <p:sp>
-        <p:nvSpPr>
-          <p:cNvPr id="4" name="Slide Number Placeholder 3"/>
-          <p:cNvSpPr>
-            <a:spLocks noGrp="1"/>
-          </p:cNvSpPr>
-          <p:nvPr>
-            <p:ph type="sldNum" idx="12"/>
-          </p:nvPr>
-        </p:nvSpPr>
-        <p:spPr/>
-        <p:txBody>
-          <a:bodyPr/>
-          <a:lstStyle/>
-          <a:p>
-            <a:fld id="{00000000-1234-1234-1234-123412341234}" type="slidenum">
-              <a:rPr lang="en" smtClean="0"/>
-              <a:pPr/>
-              <a:t>7</a:t>
-            </a:fld>
-            <a:endParaRPr lang="en"/>
-          </a:p>
-        </p:txBody>
-      </p:sp>
-      <p:pic>
-        <p:nvPicPr>
-          <p:cNvPr id="7" name="Picture 6"/>
-          <p:cNvPicPr>
-            <a:picLocks noChangeAspect="1"/>
-          </p:cNvPicPr>
-          <p:nvPr/>
-        </p:nvPicPr>
-        <p:blipFill>
-          <a:blip r:embed="rId3"/>
-          <a:stretch>
-            <a:fillRect/>
-          </a:stretch>
-        </p:blipFill>
-        <p:spPr>
-          <a:xfrm>
-            <a:off x="3878681" y="5013290"/>
-            <a:ext cx="1371600" cy="1371600"/>
-          </a:xfrm>
-          <a:prstGeom prst="rect">
-            <a:avLst/>
-          </a:prstGeom>
-        </p:spPr>
-      </p:pic>
-      <p:pic>
-        <p:nvPicPr>
-          <p:cNvPr id="3074" name="Picture 2" descr="C:\Users\ngoan\Desktop\image\24598-200.png"/>
-          <p:cNvPicPr>
-            <a:picLocks noChangeAspect="1" noChangeArrowheads="1"/>
-          </p:cNvPicPr>
-          <p:nvPr/>
-        </p:nvPicPr>
-        <p:blipFill>
-          <a:blip r:embed="rId4">
-            <a:extLst>
-              <a:ext uri="{28A0092B-C50C-407E-A947-70E740481C1C}">
-                <a14:useLocalDpi xmlns:a14="http://schemas.microsoft.com/office/drawing/2010/main" val="0"/>
-              </a:ext>
-            </a:extLst>
-          </a:blip>
-          <a:srcRect/>
-          <a:stretch>
-            <a:fillRect/>
-          </a:stretch>
-        </p:blipFill>
-        <p:spPr bwMode="auto">
-          <a:xfrm>
-            <a:off x="340626" y="3887724"/>
-            <a:ext cx="1371600" cy="1371600"/>
-          </a:xfrm>
-          <a:prstGeom prst="rect">
-            <a:avLst/>
-          </a:prstGeom>
-          <a:noFill/>
-          <a:extLst>
-            <a:ext uri="{909E8E84-426E-40DD-AFC4-6F175D3DCCD1}">
-              <a14:hiddenFill xmlns:a14="http://schemas.microsoft.com/office/drawing/2010/main">
-                <a:solidFill>
-                  <a:srgbClr val="FFFFFF"/>
-                </a:solidFill>
-              </a14:hiddenFill>
-            </a:ext>
-          </a:extLst>
-        </p:spPr>
-      </p:pic>
-      <p:cxnSp>
-        <p:nvCxnSpPr>
-          <p:cNvPr id="11" name="Straight Arrow Connector 10"/>
-          <p:cNvCxnSpPr>
-            <a:stCxn id="7" idx="1"/>
-            <a:endCxn id="3074" idx="3"/>
-          </p:cNvCxnSpPr>
-          <p:nvPr/>
-        </p:nvCxnSpPr>
-        <p:spPr>
-          <a:xfrm flipH="1" flipV="1">
-            <a:off x="1712226" y="4573524"/>
-            <a:ext cx="2166455" cy="1125566"/>
-          </a:xfrm>
-          <a:prstGeom prst="straightConnector1">
-            <a:avLst/>
-          </a:prstGeom>
-          <a:ln cmpd="sng">
-            <a:tailEnd type="triangle"/>
-          </a:ln>
-        </p:spPr>
-        <p:style>
-          <a:lnRef idx="3">
-            <a:schemeClr val="dk1"/>
-          </a:lnRef>
-          <a:fillRef idx="0">
-            <a:schemeClr val="dk1"/>
-          </a:fillRef>
-          <a:effectRef idx="2">
-            <a:schemeClr val="dk1"/>
-          </a:effectRef>
-          <a:fontRef idx="minor">
-            <a:schemeClr val="tx1"/>
-          </a:fontRef>
-        </p:style>
-      </p:cxnSp>
-      <p:sp>
-        <p:nvSpPr>
-          <p:cNvPr id="12" name="TextBox 11"/>
-          <p:cNvSpPr txBox="1"/>
-          <p:nvPr/>
-        </p:nvSpPr>
-        <p:spPr>
-          <a:xfrm>
-            <a:off x="457200" y="5059269"/>
-            <a:ext cx="1138453" cy="400110"/>
-          </a:xfrm>
-          <a:prstGeom prst="rect">
-            <a:avLst/>
-          </a:prstGeom>
-          <a:noFill/>
-        </p:spPr>
-        <p:txBody>
-          <a:bodyPr wrap="none" rtlCol="0">
-            <a:spAutoFit/>
-          </a:bodyPr>
-          <a:lstStyle/>
-          <a:p>
-            <a:r>
-              <a:rPr lang="en-US" sz="2000" b="1" dirty="0" smtClean="0">
-                <a:solidFill>
-                  <a:srgbClr val="FF0000"/>
-                </a:solidFill>
-                <a:latin typeface="Cambria" pitchFamily="18" charset="0"/>
-              </a:rPr>
-              <a:t>2 points</a:t>
-            </a:r>
-            <a:endParaRPr lang="en-US" sz="2000" b="1" dirty="0">
-              <a:solidFill>
-                <a:srgbClr val="FF0000"/>
-              </a:solidFill>
-              <a:latin typeface="Cambria" pitchFamily="18" charset="0"/>
-            </a:endParaRPr>
-          </a:p>
-        </p:txBody>
-      </p:sp>
-      <p:sp>
-        <p:nvSpPr>
-          <p:cNvPr id="14" name="TextBox 13"/>
-          <p:cNvSpPr txBox="1"/>
-          <p:nvPr/>
-        </p:nvSpPr>
-        <p:spPr>
-          <a:xfrm>
-            <a:off x="3746340" y="6133081"/>
-            <a:ext cx="1636282" cy="400110"/>
-          </a:xfrm>
-          <a:prstGeom prst="rect">
-            <a:avLst/>
-          </a:prstGeom>
-          <a:noFill/>
-        </p:spPr>
-        <p:txBody>
-          <a:bodyPr wrap="none" rtlCol="0">
-            <a:spAutoFit/>
-          </a:bodyPr>
-          <a:lstStyle/>
-          <a:p>
-            <a:r>
-              <a:rPr lang="en-US" sz="2000" b="1" dirty="0" smtClean="0">
-                <a:solidFill>
-                  <a:srgbClr val="FF0000"/>
-                </a:solidFill>
-                <a:latin typeface="Cambria" pitchFamily="18" charset="0"/>
-              </a:rPr>
-              <a:t>Street Route</a:t>
-            </a:r>
-            <a:endParaRPr lang="en-US" sz="2000" b="1" dirty="0">
-              <a:solidFill>
-                <a:srgbClr val="FF0000"/>
-              </a:solidFill>
-              <a:latin typeface="Cambria" pitchFamily="18" charset="0"/>
-            </a:endParaRPr>
-          </a:p>
-        </p:txBody>
-      </p:sp>
-    </p:spTree>
-    <p:extLst>
-      <p:ext uri="{BB962C8B-B14F-4D97-AF65-F5344CB8AC3E}">
-        <p14:creationId xmlns:p14="http://schemas.microsoft.com/office/powerpoint/2010/main" val="452055232"/>
-      </p:ext>
-    </p:extLst>
-  </p:cSld>
-  <p:clrMapOvr>
-    <a:masterClrMapping/>
-  </p:clrMapOvr>
-  <p:timing>
-    <p:tnLst>
-      <p:par>
-        <p:cTn id="1" dur="indefinite" restart="never" nodeType="tmRoot"/>
-      </p:par>
-    </p:tnLst>
-  </p:timing>
-</p:sld>
-</file>
-
 <file path=ppt/slides/slide8.xml><?xml version="1.0" encoding="utf-8"?>
 <p:sld xmlns:a="http://schemas.openxmlformats.org/drawingml/2006/main" xmlns:r="http://schemas.openxmlformats.org/officeDocument/2006/relationships" xmlns:p="http://schemas.openxmlformats.org/presentationml/2006/main">
   <p:cSld>
@@ -17089,127 +16545,10 @@
           </a:p>
         </p:txBody>
       </p:sp>
-      <p:pic>
-        <p:nvPicPr>
-          <p:cNvPr id="9" name="Picture 2" descr="C:\Users\ngoan\Desktop\image\24598-200.png"/>
-          <p:cNvPicPr>
-            <a:picLocks noChangeAspect="1" noChangeArrowheads="1"/>
-          </p:cNvPicPr>
-          <p:nvPr/>
-        </p:nvPicPr>
-        <p:blipFill>
-          <a:blip r:embed="rId4">
-            <a:extLst>
-              <a:ext uri="{28A0092B-C50C-407E-A947-70E740481C1C}">
-                <a14:useLocalDpi xmlns:a14="http://schemas.microsoft.com/office/drawing/2010/main" val="0"/>
-              </a:ext>
-            </a:extLst>
-          </a:blip>
-          <a:srcRect/>
-          <a:stretch>
-            <a:fillRect/>
-          </a:stretch>
-        </p:blipFill>
-        <p:spPr bwMode="auto">
-          <a:xfrm>
-            <a:off x="3878681" y="1642667"/>
-            <a:ext cx="1371600" cy="1371600"/>
-          </a:xfrm>
-          <a:prstGeom prst="rect">
-            <a:avLst/>
-          </a:prstGeom>
-          <a:noFill/>
-          <a:extLst>
-            <a:ext uri="{909E8E84-426E-40DD-AFC4-6F175D3DCCD1}">
-              <a14:hiddenFill xmlns:a14="http://schemas.microsoft.com/office/drawing/2010/main">
-                <a:solidFill>
-                  <a:srgbClr val="FFFFFF"/>
-                </a:solidFill>
-              </a14:hiddenFill>
-            </a:ext>
-          </a:extLst>
-        </p:spPr>
-      </p:pic>
-      <p:cxnSp>
-        <p:nvCxnSpPr>
-          <p:cNvPr id="13" name="Straight Arrow Connector 12"/>
-          <p:cNvCxnSpPr>
-            <a:stCxn id="7" idx="0"/>
-            <a:endCxn id="9" idx="2"/>
-          </p:cNvCxnSpPr>
-          <p:nvPr/>
-        </p:nvCxnSpPr>
-        <p:spPr>
-          <a:xfrm flipV="1">
-            <a:off x="4564481" y="3014267"/>
-            <a:ext cx="0" cy="1999023"/>
-          </a:xfrm>
-          <a:prstGeom prst="straightConnector1">
-            <a:avLst/>
-          </a:prstGeom>
-          <a:ln cmpd="sng">
-            <a:tailEnd type="triangle"/>
-          </a:ln>
-        </p:spPr>
-        <p:style>
-          <a:lnRef idx="3">
-            <a:schemeClr val="dk1"/>
-          </a:lnRef>
-          <a:fillRef idx="0">
-            <a:schemeClr val="dk1"/>
-          </a:fillRef>
-          <a:effectRef idx="2">
-            <a:schemeClr val="dk1"/>
-          </a:effectRef>
-          <a:fontRef idx="minor">
-            <a:schemeClr val="tx1"/>
-          </a:fontRef>
-        </p:style>
-      </p:cxnSp>
-      <p:sp>
-        <p:nvSpPr>
-          <p:cNvPr id="10" name="TextBox 9"/>
-          <p:cNvSpPr txBox="1"/>
-          <p:nvPr/>
-        </p:nvSpPr>
-        <p:spPr>
-          <a:xfrm>
-            <a:off x="4709200" y="3014267"/>
-            <a:ext cx="1346844" cy="400110"/>
-          </a:xfrm>
-          <a:prstGeom prst="rect">
-            <a:avLst/>
-          </a:prstGeom>
-          <a:noFill/>
-        </p:spPr>
-        <p:txBody>
-          <a:bodyPr wrap="none" rtlCol="0">
-            <a:spAutoFit/>
-          </a:bodyPr>
-          <a:lstStyle/>
-          <a:p>
-            <a:r>
-              <a:rPr lang="en-US" sz="2000" b="1" dirty="0" smtClean="0">
-                <a:solidFill>
-                  <a:srgbClr val="FF0000"/>
-                </a:solidFill>
-                <a:latin typeface="Cambria" pitchFamily="18" charset="0"/>
-              </a:rPr>
-              <a:t>&gt; 2 points</a:t>
-            </a:r>
-            <a:endParaRPr lang="en-US" sz="2000" b="1" dirty="0">
-              <a:solidFill>
-                <a:srgbClr val="FF0000"/>
-              </a:solidFill>
-              <a:latin typeface="Cambria" pitchFamily="18" charset="0"/>
-            </a:endParaRPr>
-          </a:p>
-        </p:txBody>
-      </p:sp>
     </p:spTree>
     <p:extLst>
       <p:ext uri="{BB962C8B-B14F-4D97-AF65-F5344CB8AC3E}">
-        <p14:creationId xmlns:p14="http://schemas.microsoft.com/office/powerpoint/2010/main" val="1092075837"/>
+        <p14:creationId xmlns:p14="http://schemas.microsoft.com/office/powerpoint/2010/main" val="452055232"/>
       </p:ext>
     </p:extLst>
   </p:cSld>
@@ -17588,127 +16927,10 @@
           </a:p>
         </p:txBody>
       </p:sp>
-      <p:pic>
-        <p:nvPicPr>
-          <p:cNvPr id="15" name="Picture 2" descr="C:\Users\ngoan\Desktop\image\24598-200.png"/>
-          <p:cNvPicPr>
-            <a:picLocks noChangeAspect="1" noChangeArrowheads="1"/>
-          </p:cNvPicPr>
-          <p:nvPr/>
-        </p:nvPicPr>
-        <p:blipFill>
-          <a:blip r:embed="rId4">
-            <a:extLst>
-              <a:ext uri="{28A0092B-C50C-407E-A947-70E740481C1C}">
-                <a14:useLocalDpi xmlns:a14="http://schemas.microsoft.com/office/drawing/2010/main" val="0"/>
-              </a:ext>
-            </a:extLst>
-          </a:blip>
-          <a:srcRect/>
-          <a:stretch>
-            <a:fillRect/>
-          </a:stretch>
-        </p:blipFill>
-        <p:spPr bwMode="auto">
-          <a:xfrm>
-            <a:off x="7315200" y="3887724"/>
-            <a:ext cx="1371600" cy="1371600"/>
-          </a:xfrm>
-          <a:prstGeom prst="rect">
-            <a:avLst/>
-          </a:prstGeom>
-          <a:noFill/>
-          <a:extLst>
-            <a:ext uri="{909E8E84-426E-40DD-AFC4-6F175D3DCCD1}">
-              <a14:hiddenFill xmlns:a14="http://schemas.microsoft.com/office/drawing/2010/main">
-                <a:solidFill>
-                  <a:srgbClr val="FFFFFF"/>
-                </a:solidFill>
-              </a14:hiddenFill>
-            </a:ext>
-          </a:extLst>
-        </p:spPr>
-      </p:pic>
-      <p:cxnSp>
-        <p:nvCxnSpPr>
-          <p:cNvPr id="16" name="Straight Arrow Connector 15"/>
-          <p:cNvCxnSpPr>
-            <a:stCxn id="7" idx="3"/>
-            <a:endCxn id="15" idx="1"/>
-          </p:cNvCxnSpPr>
-          <p:nvPr/>
-        </p:nvCxnSpPr>
-        <p:spPr>
-          <a:xfrm flipV="1">
-            <a:off x="5250281" y="4573524"/>
-            <a:ext cx="2064919" cy="1125566"/>
-          </a:xfrm>
-          <a:prstGeom prst="straightConnector1">
-            <a:avLst/>
-          </a:prstGeom>
-          <a:ln cmpd="sng">
-            <a:tailEnd type="triangle"/>
-          </a:ln>
-        </p:spPr>
-        <p:style>
-          <a:lnRef idx="3">
-            <a:schemeClr val="dk1"/>
-          </a:lnRef>
-          <a:fillRef idx="0">
-            <a:schemeClr val="dk1"/>
-          </a:fillRef>
-          <a:effectRef idx="2">
-            <a:schemeClr val="dk1"/>
-          </a:effectRef>
-          <a:fontRef idx="minor">
-            <a:schemeClr val="tx1"/>
-          </a:fontRef>
-        </p:style>
-      </p:cxnSp>
-      <p:sp>
-        <p:nvSpPr>
-          <p:cNvPr id="17" name="TextBox 16"/>
-          <p:cNvSpPr txBox="1"/>
-          <p:nvPr/>
-        </p:nvSpPr>
-        <p:spPr>
-          <a:xfrm>
-            <a:off x="6662193" y="5059269"/>
-            <a:ext cx="2443298" cy="400110"/>
-          </a:xfrm>
-          <a:prstGeom prst="rect">
-            <a:avLst/>
-          </a:prstGeom>
-          <a:noFill/>
-        </p:spPr>
-        <p:txBody>
-          <a:bodyPr wrap="none" rtlCol="0">
-            <a:spAutoFit/>
-          </a:bodyPr>
-          <a:lstStyle/>
-          <a:p>
-            <a:r>
-              <a:rPr lang="en-US" sz="2000" b="1" dirty="0" smtClean="0">
-                <a:solidFill>
-                  <a:srgbClr val="FF0000"/>
-                </a:solidFill>
-                <a:latin typeface="Cambria" pitchFamily="18" charset="0"/>
-              </a:rPr>
-              <a:t>&gt; 2 points optimize</a:t>
-            </a:r>
-            <a:endParaRPr lang="en-US" sz="2000" b="1" dirty="0">
-              <a:solidFill>
-                <a:srgbClr val="FF0000"/>
-              </a:solidFill>
-              <a:latin typeface="Cambria" pitchFamily="18" charset="0"/>
-            </a:endParaRPr>
-          </a:p>
-        </p:txBody>
-      </p:sp>
     </p:spTree>
     <p:extLst>
       <p:ext uri="{BB962C8B-B14F-4D97-AF65-F5344CB8AC3E}">
-        <p14:creationId xmlns:p14="http://schemas.microsoft.com/office/powerpoint/2010/main" val="2167822165"/>
+        <p14:creationId xmlns:p14="http://schemas.microsoft.com/office/powerpoint/2010/main" val="1092075837"/>
       </p:ext>
     </p:extLst>
   </p:cSld>
@@ -18261,7 +17483,7 @@
   <a:extraClrSchemeLst/>
   <a:extLst>
     <a:ext uri="{05A4C25C-085E-4340-85A3-A5531E510DB2}">
-      <thm15:themeFamily xmlns:thm15="http://schemas.microsoft.com/office/thememl/2012/main" xmlns="" name="Office Theme" id="{62F939B6-93AF-4DB8-9C6B-D6C7DFDC589F}" vid="{4A3C46E8-61CC-4603-A589-7422A47A8E4A}"/>
+      <thm15:themeFamily xmlns="" xmlns:thm15="http://schemas.microsoft.com/office/thememl/2012/main" name="Office Theme" id="{62F939B6-93AF-4DB8-9C6B-D6C7DFDC589F}" vid="{4A3C46E8-61CC-4603-A589-7422A47A8E4A}"/>
     </a:ext>
   </a:extLst>
 </a:theme>

--- a/Document/presentation/search_motorbike.pptx
+++ b/Document/presentation/search_motorbike.pptx
@@ -136,7 +136,7 @@
   </p:defaultTextStyle>
   <p:extLst>
     <p:ext uri="{EFAFB233-063F-42B5-8137-9DF3F51BA10A}">
-      <p15:sldGuideLst xmlns="" xmlns:p15="http://schemas.microsoft.com/office/powerpoint/2012/main"/>
+      <p15:sldGuideLst xmlns:p15="http://schemas.microsoft.com/office/powerpoint/2012/main" xmlns=""/>
     </p:ext>
   </p:extLst>
 </p:presentation>
@@ -6491,7 +6491,7 @@
       </p:cxnSp>
       <p:pic>
         <p:nvPicPr>
-          <p:cNvPr id="17" name="Picture 2" descr="C:\Users\ngoan\Desktop\image\quy.png"/>
+          <p:cNvPr id="15" name="Picture 2" descr="C:\Users\ngoan\Desktop\image\ngoan.png"/>
           <p:cNvPicPr>
             <a:picLocks noChangeAspect="1" noChangeArrowheads="1"/>
           </p:cNvPicPr>
@@ -6512,7 +6512,7 @@
         </p:blipFill>
         <p:spPr bwMode="auto">
           <a:xfrm>
-            <a:off x="1290132" y="1677833"/>
+            <a:off x="1314275" y="1677833"/>
             <a:ext cx="1069848" cy="1069848"/>
           </a:xfrm>
           <a:prstGeom prst="rect">
@@ -6532,7 +6532,7 @@
       </p:pic>
       <p:pic>
         <p:nvPicPr>
-          <p:cNvPr id="18" name="Picture 4" descr="C:\Users\ngoan\Desktop\image\nam.png"/>
+          <p:cNvPr id="16" name="Picture 3" descr="C:\Users\ngoan\Desktop\image\Office-Client-Female-Light-icon.png"/>
           <p:cNvPicPr>
             <a:picLocks noChangeAspect="1" noChangeArrowheads="1"/>
           </p:cNvPicPr>
@@ -6553,7 +6553,7 @@
         </p:blipFill>
         <p:spPr bwMode="auto">
           <a:xfrm>
-            <a:off x="2710345" y="1677833"/>
+            <a:off x="2565005" y="1677833"/>
             <a:ext cx="1069848" cy="1069848"/>
           </a:xfrm>
           <a:prstGeom prst="rect">
@@ -6573,7 +6573,7 @@
       </p:pic>
       <p:pic>
         <p:nvPicPr>
-          <p:cNvPr id="20" name="Picture 3" descr="C:\Users\ngoan\Desktop\image\ngoan.png"/>
+          <p:cNvPr id="19" name="Picture 4" descr="C:\Users\ngoan\Desktop\image\Religions-Muslim-Female-icon.png"/>
           <p:cNvPicPr>
             <a:picLocks noChangeAspect="1" noChangeArrowheads="1"/>
           </p:cNvPicPr>
@@ -6594,8 +6594,8 @@
         </p:blipFill>
         <p:spPr bwMode="auto">
           <a:xfrm>
-            <a:off x="3929503" y="1677833"/>
-            <a:ext cx="1066804" cy="1069848"/>
+            <a:off x="3634853" y="1677833"/>
+            <a:ext cx="1069848" cy="1069848"/>
           </a:xfrm>
           <a:prstGeom prst="rect">
             <a:avLst/>
@@ -6986,129 +6986,6 @@
           </a:fontRef>
         </p:style>
       </p:cxnSp>
-      <p:pic>
-        <p:nvPicPr>
-          <p:cNvPr id="17" name="Picture 2" descr="C:\Users\ngoan\Desktop\image\quy.png"/>
-          <p:cNvPicPr>
-            <a:picLocks noChangeAspect="1" noChangeArrowheads="1"/>
-          </p:cNvPicPr>
-          <p:nvPr/>
-        </p:nvPicPr>
-        <p:blipFill>
-          <a:blip r:embed="rId5">
-            <a:extLst>
-              <a:ext uri="{28A0092B-C50C-407E-A947-70E740481C1C}">
-                <a14:useLocalDpi xmlns:a14="http://schemas.microsoft.com/office/drawing/2010/main" val="0"/>
-              </a:ext>
-            </a:extLst>
-          </a:blip>
-          <a:srcRect/>
-          <a:stretch>
-            <a:fillRect/>
-          </a:stretch>
-        </p:blipFill>
-        <p:spPr bwMode="auto">
-          <a:xfrm>
-            <a:off x="1290132" y="1677833"/>
-            <a:ext cx="1069848" cy="1069848"/>
-          </a:xfrm>
-          <a:prstGeom prst="rect">
-            <a:avLst/>
-          </a:prstGeom>
-          <a:noFill/>
-          <a:extLst>
-            <a:ext uri="{909E8E84-426E-40DD-AFC4-6F175D3DCCD1}">
-              <a14:hiddenFill xmlns:a14="http://schemas.microsoft.com/office/drawing/2010/main">
-                <a:solidFill>
-                  <a:srgbClr val="FFFFFF"/>
-                </a:solidFill>
-              </a14:hiddenFill>
-            </a:ext>
-          </a:extLst>
-        </p:spPr>
-      </p:pic>
-      <p:pic>
-        <p:nvPicPr>
-          <p:cNvPr id="18" name="Picture 4" descr="C:\Users\ngoan\Desktop\image\nam.png"/>
-          <p:cNvPicPr>
-            <a:picLocks noChangeAspect="1" noChangeArrowheads="1"/>
-          </p:cNvPicPr>
-          <p:nvPr/>
-        </p:nvPicPr>
-        <p:blipFill>
-          <a:blip r:embed="rId6">
-            <a:extLst>
-              <a:ext uri="{28A0092B-C50C-407E-A947-70E740481C1C}">
-                <a14:useLocalDpi xmlns:a14="http://schemas.microsoft.com/office/drawing/2010/main" val="0"/>
-              </a:ext>
-            </a:extLst>
-          </a:blip>
-          <a:srcRect/>
-          <a:stretch>
-            <a:fillRect/>
-          </a:stretch>
-        </p:blipFill>
-        <p:spPr bwMode="auto">
-          <a:xfrm>
-            <a:off x="2710345" y="1677833"/>
-            <a:ext cx="1069848" cy="1069848"/>
-          </a:xfrm>
-          <a:prstGeom prst="rect">
-            <a:avLst/>
-          </a:prstGeom>
-          <a:noFill/>
-          <a:extLst>
-            <a:ext uri="{909E8E84-426E-40DD-AFC4-6F175D3DCCD1}">
-              <a14:hiddenFill xmlns:a14="http://schemas.microsoft.com/office/drawing/2010/main">
-                <a:solidFill>
-                  <a:srgbClr val="FFFFFF"/>
-                </a:solidFill>
-              </a14:hiddenFill>
-            </a:ext>
-          </a:extLst>
-        </p:spPr>
-      </p:pic>
-      <p:pic>
-        <p:nvPicPr>
-          <p:cNvPr id="20" name="Picture 3" descr="C:\Users\ngoan\Desktop\image\ngoan.png"/>
-          <p:cNvPicPr>
-            <a:picLocks noChangeAspect="1" noChangeArrowheads="1"/>
-          </p:cNvPicPr>
-          <p:nvPr/>
-        </p:nvPicPr>
-        <p:blipFill>
-          <a:blip r:embed="rId7">
-            <a:extLst>
-              <a:ext uri="{28A0092B-C50C-407E-A947-70E740481C1C}">
-                <a14:useLocalDpi xmlns:a14="http://schemas.microsoft.com/office/drawing/2010/main" val="0"/>
-              </a:ext>
-            </a:extLst>
-          </a:blip>
-          <a:srcRect/>
-          <a:stretch>
-            <a:fillRect/>
-          </a:stretch>
-        </p:blipFill>
-        <p:spPr bwMode="auto">
-          <a:xfrm>
-            <a:off x="3929503" y="1677833"/>
-            <a:ext cx="1066804" cy="1069848"/>
-          </a:xfrm>
-          <a:prstGeom prst="rect">
-            <a:avLst/>
-          </a:prstGeom>
-          <a:noFill/>
-          <a:extLst>
-            <a:ext uri="{909E8E84-426E-40DD-AFC4-6F175D3DCCD1}">
-              <a14:hiddenFill xmlns:a14="http://schemas.microsoft.com/office/drawing/2010/main">
-                <a:solidFill>
-                  <a:srgbClr val="FFFFFF"/>
-                </a:solidFill>
-              </a14:hiddenFill>
-            </a:ext>
-          </a:extLst>
-        </p:spPr>
-      </p:pic>
       <p:graphicFrame>
         <p:nvGraphicFramePr>
           <p:cNvPr id="2" name="Table 1"/>
@@ -7667,6 +7544,129 @@
           </a:graphicData>
         </a:graphic>
       </p:graphicFrame>
+      <p:pic>
+        <p:nvPicPr>
+          <p:cNvPr id="15" name="Picture 2" descr="C:\Users\ngoan\Desktop\image\ngoan.png"/>
+          <p:cNvPicPr>
+            <a:picLocks noChangeAspect="1" noChangeArrowheads="1"/>
+          </p:cNvPicPr>
+          <p:nvPr/>
+        </p:nvPicPr>
+        <p:blipFill>
+          <a:blip r:embed="rId5">
+            <a:extLst>
+              <a:ext uri="{28A0092B-C50C-407E-A947-70E740481C1C}">
+                <a14:useLocalDpi xmlns:a14="http://schemas.microsoft.com/office/drawing/2010/main" val="0"/>
+              </a:ext>
+            </a:extLst>
+          </a:blip>
+          <a:srcRect/>
+          <a:stretch>
+            <a:fillRect/>
+          </a:stretch>
+        </p:blipFill>
+        <p:spPr bwMode="auto">
+          <a:xfrm>
+            <a:off x="1314275" y="1677833"/>
+            <a:ext cx="1069848" cy="1069848"/>
+          </a:xfrm>
+          <a:prstGeom prst="rect">
+            <a:avLst/>
+          </a:prstGeom>
+          <a:noFill/>
+          <a:extLst>
+            <a:ext uri="{909E8E84-426E-40DD-AFC4-6F175D3DCCD1}">
+              <a14:hiddenFill xmlns:a14="http://schemas.microsoft.com/office/drawing/2010/main">
+                <a:solidFill>
+                  <a:srgbClr val="FFFFFF"/>
+                </a:solidFill>
+              </a14:hiddenFill>
+            </a:ext>
+          </a:extLst>
+        </p:spPr>
+      </p:pic>
+      <p:pic>
+        <p:nvPicPr>
+          <p:cNvPr id="16" name="Picture 3" descr="C:\Users\ngoan\Desktop\image\Office-Client-Female-Light-icon.png"/>
+          <p:cNvPicPr>
+            <a:picLocks noChangeAspect="1" noChangeArrowheads="1"/>
+          </p:cNvPicPr>
+          <p:nvPr/>
+        </p:nvPicPr>
+        <p:blipFill>
+          <a:blip r:embed="rId6">
+            <a:extLst>
+              <a:ext uri="{28A0092B-C50C-407E-A947-70E740481C1C}">
+                <a14:useLocalDpi xmlns:a14="http://schemas.microsoft.com/office/drawing/2010/main" val="0"/>
+              </a:ext>
+            </a:extLst>
+          </a:blip>
+          <a:srcRect/>
+          <a:stretch>
+            <a:fillRect/>
+          </a:stretch>
+        </p:blipFill>
+        <p:spPr bwMode="auto">
+          <a:xfrm>
+            <a:off x="2565005" y="1677833"/>
+            <a:ext cx="1069848" cy="1069848"/>
+          </a:xfrm>
+          <a:prstGeom prst="rect">
+            <a:avLst/>
+          </a:prstGeom>
+          <a:noFill/>
+          <a:extLst>
+            <a:ext uri="{909E8E84-426E-40DD-AFC4-6F175D3DCCD1}">
+              <a14:hiddenFill xmlns:a14="http://schemas.microsoft.com/office/drawing/2010/main">
+                <a:solidFill>
+                  <a:srgbClr val="FFFFFF"/>
+                </a:solidFill>
+              </a14:hiddenFill>
+            </a:ext>
+          </a:extLst>
+        </p:spPr>
+      </p:pic>
+      <p:pic>
+        <p:nvPicPr>
+          <p:cNvPr id="19" name="Picture 4" descr="C:\Users\ngoan\Desktop\image\Religions-Muslim-Female-icon.png"/>
+          <p:cNvPicPr>
+            <a:picLocks noChangeAspect="1" noChangeArrowheads="1"/>
+          </p:cNvPicPr>
+          <p:nvPr/>
+        </p:nvPicPr>
+        <p:blipFill>
+          <a:blip r:embed="rId7">
+            <a:extLst>
+              <a:ext uri="{28A0092B-C50C-407E-A947-70E740481C1C}">
+                <a14:useLocalDpi xmlns:a14="http://schemas.microsoft.com/office/drawing/2010/main" val="0"/>
+              </a:ext>
+            </a:extLst>
+          </a:blip>
+          <a:srcRect/>
+          <a:stretch>
+            <a:fillRect/>
+          </a:stretch>
+        </p:blipFill>
+        <p:spPr bwMode="auto">
+          <a:xfrm>
+            <a:off x="3634853" y="1677833"/>
+            <a:ext cx="1069848" cy="1069848"/>
+          </a:xfrm>
+          <a:prstGeom prst="rect">
+            <a:avLst/>
+          </a:prstGeom>
+          <a:noFill/>
+          <a:extLst>
+            <a:ext uri="{909E8E84-426E-40DD-AFC4-6F175D3DCCD1}">
+              <a14:hiddenFill xmlns:a14="http://schemas.microsoft.com/office/drawing/2010/main">
+                <a:solidFill>
+                  <a:srgbClr val="FFFFFF"/>
+                </a:solidFill>
+              </a14:hiddenFill>
+            </a:ext>
+          </a:extLst>
+        </p:spPr>
+      </p:pic>
     </p:spTree>
     <p:extLst>
       <p:ext uri="{BB962C8B-B14F-4D97-AF65-F5344CB8AC3E}">
@@ -7815,7 +7815,6 @@
           <p:cNvPr id="3" name="Straight Arrow Connector 2"/>
           <p:cNvCxnSpPr>
             <a:stCxn id="10" idx="1"/>
-            <a:endCxn id="17" idx="1"/>
           </p:cNvCxnSpPr>
           <p:nvPr/>
         </p:nvCxnSpPr>
@@ -7849,10 +7848,7 @@
       <p:cxnSp>
         <p:nvCxnSpPr>
           <p:cNvPr id="6" name="Straight Arrow Connector 5"/>
-          <p:cNvCxnSpPr>
-            <a:stCxn id="17" idx="2"/>
-            <a:endCxn id="18" idx="0"/>
-          </p:cNvCxnSpPr>
+          <p:cNvCxnSpPr/>
           <p:nvPr/>
         </p:nvCxnSpPr>
         <p:spPr>
@@ -7885,10 +7881,7 @@
       <p:cxnSp>
         <p:nvCxnSpPr>
           <p:cNvPr id="14" name="Straight Arrow Connector 13"/>
-          <p:cNvCxnSpPr>
-            <a:stCxn id="18" idx="3"/>
-            <a:endCxn id="20" idx="1"/>
-          </p:cNvCxnSpPr>
+          <p:cNvCxnSpPr/>
           <p:nvPr/>
         </p:nvCxnSpPr>
         <p:spPr>
@@ -7920,7 +7913,7 @@
       </p:cxnSp>
       <p:pic>
         <p:nvPicPr>
-          <p:cNvPr id="17" name="Picture 2" descr="C:\Users\ngoan\Desktop\image\quy.png"/>
+          <p:cNvPr id="11" name="Picture 2" descr="C:\Users\ngoan\Desktop\image\ngoan.png"/>
           <p:cNvPicPr>
             <a:picLocks noChangeAspect="1" noChangeArrowheads="1"/>
           </p:cNvPicPr>
@@ -7961,7 +7954,7 @@
       </p:pic>
       <p:pic>
         <p:nvPicPr>
-          <p:cNvPr id="18" name="Picture 4" descr="C:\Users\ngoan\Desktop\image\nam.png"/>
+          <p:cNvPr id="12" name="Picture 3" descr="C:\Users\ngoan\Desktop\image\Office-Client-Female-Light-icon.png"/>
           <p:cNvPicPr>
             <a:picLocks noChangeAspect="1" noChangeArrowheads="1"/>
           </p:cNvPicPr>
@@ -8002,7 +7995,7 @@
       </p:pic>
       <p:pic>
         <p:nvPicPr>
-          <p:cNvPr id="20" name="Picture 3" descr="C:\Users\ngoan\Desktop\image\ngoan.png"/>
+          <p:cNvPr id="13" name="Picture 4" descr="C:\Users\ngoan\Desktop\image\Religions-Muslim-Female-icon.png"/>
           <p:cNvPicPr>
             <a:picLocks noChangeAspect="1" noChangeArrowheads="1"/>
           </p:cNvPicPr>
@@ -8024,7 +8017,7 @@
         <p:spPr bwMode="auto">
           <a:xfrm>
             <a:off x="6994179" y="4602628"/>
-            <a:ext cx="1066804" cy="1069848"/>
+            <a:ext cx="1069848" cy="1069848"/>
           </a:xfrm>
           <a:prstGeom prst="rect">
             <a:avLst/>
@@ -17483,7 +17476,7 @@
   <a:extraClrSchemeLst/>
   <a:extLst>
     <a:ext uri="{05A4C25C-085E-4340-85A3-A5531E510DB2}">
-      <thm15:themeFamily xmlns="" xmlns:thm15="http://schemas.microsoft.com/office/thememl/2012/main" name="Office Theme" id="{62F939B6-93AF-4DB8-9C6B-D6C7DFDC589F}" vid="{4A3C46E8-61CC-4603-A589-7422A47A8E4A}"/>
+      <thm15:themeFamily xmlns:thm15="http://schemas.microsoft.com/office/thememl/2012/main" xmlns="" name="Office Theme" id="{62F939B6-93AF-4DB8-9C6B-D6C7DFDC589F}" vid="{4A3C46E8-61CC-4603-A589-7422A47A8E4A}"/>
     </a:ext>
   </a:extLst>
 </a:theme>

--- a/Document/presentation/search_motorbike.pptx
+++ b/Document/presentation/search_motorbike.pptx
@@ -5,37 +5,36 @@
     <p:sldMasterId id="2147483660" r:id="rId1"/>
   </p:sldMasterIdLst>
   <p:notesMasterIdLst>
-    <p:notesMasterId r:id="rId30"/>
+    <p:notesMasterId r:id="rId29"/>
   </p:notesMasterIdLst>
   <p:sldIdLst>
     <p:sldId id="351" r:id="rId2"/>
     <p:sldId id="355" r:id="rId3"/>
-    <p:sldId id="356" r:id="rId4"/>
-    <p:sldId id="357" r:id="rId5"/>
-    <p:sldId id="318" r:id="rId6"/>
-    <p:sldId id="323" r:id="rId7"/>
-    <p:sldId id="345" r:id="rId8"/>
-    <p:sldId id="324" r:id="rId9"/>
-    <p:sldId id="348" r:id="rId10"/>
-    <p:sldId id="349" r:id="rId11"/>
-    <p:sldId id="322" r:id="rId12"/>
-    <p:sldId id="346" r:id="rId13"/>
-    <p:sldId id="350" r:id="rId14"/>
-    <p:sldId id="347" r:id="rId15"/>
-    <p:sldId id="330" r:id="rId16"/>
-    <p:sldId id="331" r:id="rId17"/>
-    <p:sldId id="332" r:id="rId18"/>
-    <p:sldId id="333" r:id="rId19"/>
-    <p:sldId id="334" r:id="rId20"/>
-    <p:sldId id="337" r:id="rId21"/>
-    <p:sldId id="335" r:id="rId22"/>
-    <p:sldId id="338" r:id="rId23"/>
-    <p:sldId id="340" r:id="rId24"/>
-    <p:sldId id="341" r:id="rId25"/>
-    <p:sldId id="342" r:id="rId26"/>
-    <p:sldId id="343" r:id="rId27"/>
-    <p:sldId id="326" r:id="rId28"/>
-    <p:sldId id="344" r:id="rId29"/>
+    <p:sldId id="358" r:id="rId4"/>
+    <p:sldId id="318" r:id="rId5"/>
+    <p:sldId id="323" r:id="rId6"/>
+    <p:sldId id="345" r:id="rId7"/>
+    <p:sldId id="324" r:id="rId8"/>
+    <p:sldId id="348" r:id="rId9"/>
+    <p:sldId id="349" r:id="rId10"/>
+    <p:sldId id="322" r:id="rId11"/>
+    <p:sldId id="346" r:id="rId12"/>
+    <p:sldId id="350" r:id="rId13"/>
+    <p:sldId id="347" r:id="rId14"/>
+    <p:sldId id="330" r:id="rId15"/>
+    <p:sldId id="331" r:id="rId16"/>
+    <p:sldId id="332" r:id="rId17"/>
+    <p:sldId id="333" r:id="rId18"/>
+    <p:sldId id="334" r:id="rId19"/>
+    <p:sldId id="337" r:id="rId20"/>
+    <p:sldId id="335" r:id="rId21"/>
+    <p:sldId id="338" r:id="rId22"/>
+    <p:sldId id="340" r:id="rId23"/>
+    <p:sldId id="341" r:id="rId24"/>
+    <p:sldId id="342" r:id="rId25"/>
+    <p:sldId id="343" r:id="rId26"/>
+    <p:sldId id="326" r:id="rId27"/>
+    <p:sldId id="344" r:id="rId28"/>
   </p:sldIdLst>
   <p:sldSz cx="9144000" cy="6858000" type="screen4x3"/>
   <p:notesSz cx="6858000" cy="9144000"/>
@@ -136,7 +135,18 @@
   </p:defaultTextStyle>
   <p:extLst>
     <p:ext uri="{EFAFB233-063F-42B5-8137-9DF3F51BA10A}">
-      <p15:sldGuideLst xmlns:p15="http://schemas.microsoft.com/office/powerpoint/2012/main" xmlns=""/>
+      <p15:sldGuideLst xmlns:p15="http://schemas.microsoft.com/office/powerpoint/2012/main">
+        <p15:guide id="1" orient="horz" pos="2160">
+          <p15:clr>
+            <a:srgbClr val="A4A3A4"/>
+          </p15:clr>
+        </p15:guide>
+        <p15:guide id="2" pos="2880">
+          <p15:clr>
+            <a:srgbClr val="A4A3A4"/>
+          </p15:clr>
+        </p15:guide>
+      </p15:sldGuideLst>
     </p:ext>
   </p:extLst>
 </p:presentation>
@@ -224,7 +234,7 @@
           <a:p>
             <a:fld id="{DB638E9B-52C4-DC4B-9E8A-4837C38FE505}" type="datetimeFigureOut">
               <a:rPr lang="en-US" smtClean="0"/>
-              <a:t>12/11/2015</a:t>
+              <a:t>12/11/15</a:t>
             </a:fld>
             <a:endParaRPr lang="en-US"/>
           </a:p>
@@ -954,63 +964,119 @@
           <a:p>
             <a:r>
               <a:rPr lang="en-US" dirty="0" err="1" smtClean="0"/>
-              <a:t>Thuật</a:t>
-            </a:r>
-            <a:r>
-              <a:rPr lang="en-US" dirty="0" smtClean="0"/>
-              <a:t> </a:t>
-            </a:r>
-            <a:r>
-              <a:rPr lang="en-US" dirty="0" err="1" smtClean="0"/>
-              <a:t>toán</a:t>
-            </a:r>
-            <a:r>
-              <a:rPr lang="en-US" baseline="0" dirty="0" smtClean="0"/>
-              <a:t> </a:t>
-            </a:r>
-            <a:r>
-              <a:rPr lang="en-US" baseline="0" dirty="0" err="1" smtClean="0"/>
-              <a:t>sẽ</a:t>
-            </a:r>
-            <a:r>
-              <a:rPr lang="en-US" baseline="0" dirty="0" smtClean="0"/>
-              <a:t> </a:t>
-            </a:r>
-            <a:r>
-              <a:rPr lang="en-US" baseline="0" dirty="0" err="1" smtClean="0"/>
-              <a:t>liệt</a:t>
-            </a:r>
-            <a:r>
-              <a:rPr lang="en-US" baseline="0" dirty="0" smtClean="0"/>
-              <a:t> </a:t>
-            </a:r>
-            <a:r>
-              <a:rPr lang="en-US" baseline="0" dirty="0" err="1" smtClean="0"/>
-              <a:t>kê</a:t>
-            </a:r>
-            <a:r>
-              <a:rPr lang="en-US" baseline="0" dirty="0" smtClean="0"/>
-              <a:t> </a:t>
-            </a:r>
-            <a:r>
-              <a:rPr lang="en-US" baseline="0" dirty="0" err="1" smtClean="0"/>
-              <a:t>hết</a:t>
-            </a:r>
-            <a:r>
-              <a:rPr lang="en-US" baseline="0" dirty="0" smtClean="0"/>
-              <a:t> </a:t>
-            </a:r>
-            <a:r>
-              <a:rPr lang="en-US" baseline="0" dirty="0" err="1" smtClean="0"/>
-              <a:t>tất</a:t>
-            </a:r>
-            <a:r>
-              <a:rPr lang="en-US" baseline="0" dirty="0" smtClean="0"/>
-              <a:t> </a:t>
-            </a:r>
-            <a:r>
-              <a:rPr lang="en-US" baseline="0" dirty="0" err="1" smtClean="0"/>
-              <a:t>cả</a:t>
+              <a:t>Để</a:t>
+            </a:r>
+            <a:r>
+              <a:rPr lang="en-US" baseline="0" dirty="0" smtClean="0"/>
+              <a:t> </a:t>
+            </a:r>
+            <a:r>
+              <a:rPr lang="en-US" baseline="0" dirty="0" err="1" smtClean="0"/>
+              <a:t>hiển</a:t>
+            </a:r>
+            <a:r>
+              <a:rPr lang="en-US" baseline="0" dirty="0" smtClean="0"/>
+              <a:t> </a:t>
+            </a:r>
+            <a:r>
+              <a:rPr lang="en-US" baseline="0" dirty="0" err="1" smtClean="0"/>
+              <a:t>thị</a:t>
+            </a:r>
+            <a:r>
+              <a:rPr lang="en-US" baseline="0" dirty="0" smtClean="0"/>
+              <a:t> </a:t>
+            </a:r>
+            <a:r>
+              <a:rPr lang="en-US" baseline="0" dirty="0" err="1" smtClean="0"/>
+              <a:t>đường</a:t>
+            </a:r>
+            <a:r>
+              <a:rPr lang="en-US" baseline="0" dirty="0" smtClean="0"/>
+              <a:t> </a:t>
+            </a:r>
+            <a:r>
+              <a:rPr lang="en-US" baseline="0" dirty="0" err="1" smtClean="0"/>
+              <a:t>đi</a:t>
+            </a:r>
+            <a:r>
+              <a:rPr lang="en-US" baseline="0" dirty="0" smtClean="0"/>
+              <a:t> </a:t>
+            </a:r>
+            <a:r>
+              <a:rPr lang="en-US" baseline="0" dirty="0" err="1" smtClean="0"/>
+              <a:t>tốt</a:t>
+            </a:r>
+            <a:r>
+              <a:rPr lang="en-US" baseline="0" dirty="0" smtClean="0"/>
+              <a:t> </a:t>
+            </a:r>
+            <a:r>
+              <a:rPr lang="en-US" baseline="0" dirty="0" err="1" smtClean="0"/>
+              <a:t>nhất</a:t>
+            </a:r>
+            <a:r>
+              <a:rPr lang="en-US" baseline="0" dirty="0" smtClean="0"/>
+              <a:t> </a:t>
+            </a:r>
+            <a:r>
+              <a:rPr lang="en-US" baseline="0" dirty="0" err="1" smtClean="0"/>
+              <a:t>này</a:t>
+            </a:r>
+            <a:r>
+              <a:rPr lang="en-US" baseline="0" dirty="0" smtClean="0"/>
+              <a:t>..</a:t>
+            </a:r>
+            <a:r>
+              <a:rPr lang="en-US" baseline="0" dirty="0" err="1" smtClean="0"/>
+              <a:t>chúng</a:t>
+            </a:r>
+            <a:r>
+              <a:rPr lang="en-US" baseline="0" dirty="0" smtClean="0"/>
+              <a:t> </a:t>
+            </a:r>
+            <a:r>
+              <a:rPr lang="en-US" baseline="0" dirty="0" err="1" smtClean="0"/>
+              <a:t>tôi</a:t>
+            </a:r>
+            <a:r>
+              <a:rPr lang="en-US" baseline="0" dirty="0" smtClean="0"/>
+              <a:t> </a:t>
+            </a:r>
+            <a:r>
+              <a:rPr lang="en-US" baseline="0" dirty="0" err="1" smtClean="0"/>
+              <a:t>tạo</a:t>
+            </a:r>
+            <a:r>
+              <a:rPr lang="en-US" baseline="0" dirty="0" smtClean="0"/>
+              <a:t> </a:t>
+            </a:r>
+            <a:r>
+              <a:rPr lang="en-US" baseline="0" dirty="0" err="1" smtClean="0"/>
+              <a:t>ra</a:t>
+            </a:r>
+            <a:r>
+              <a:rPr lang="en-US" baseline="0" dirty="0" smtClean="0"/>
+              <a:t> </a:t>
+            </a:r>
+            <a:r>
+              <a:rPr lang="en-US" baseline="0" dirty="0" err="1" smtClean="0"/>
+              <a:t>một</a:t>
+            </a:r>
+            <a:r>
+              <a:rPr lang="en-US" baseline="0" dirty="0" smtClean="0"/>
+              <a:t> class step </a:t>
+            </a:r>
+            <a:r>
+              <a:rPr lang="en-US" baseline="0" dirty="0" err="1" smtClean="0"/>
+              <a:t>để</a:t>
+            </a:r>
+            <a:r>
+              <a:rPr lang="en-US" baseline="0" dirty="0" smtClean="0"/>
+              <a:t> </a:t>
+            </a:r>
+            <a:r>
+              <a:rPr lang="en-US" baseline="0" dirty="0" err="1" smtClean="0"/>
+              <a:t>chứa</a:t>
             </a:r>
             <a:r>
               <a:rPr lang="en-US" baseline="0" dirty="0" smtClean="0"/>
@@ -1026,95 +1092,47 @@
             </a:r>
             <a:r>
               <a:rPr lang="en-US" baseline="0" dirty="0" err="1" smtClean="0"/>
-              <a:t>trường</a:t>
-            </a:r>
-            <a:r>
-              <a:rPr lang="en-US" baseline="0" dirty="0" smtClean="0"/>
-              <a:t> </a:t>
-            </a:r>
-            <a:r>
-              <a:rPr lang="en-US" baseline="0" dirty="0" err="1" smtClean="0"/>
-              <a:t>hợp</a:t>
-            </a:r>
-            <a:r>
-              <a:rPr lang="en-US" baseline="0" dirty="0" smtClean="0"/>
-              <a:t> </a:t>
-            </a:r>
-            <a:r>
-              <a:rPr lang="en-US" baseline="0" dirty="0" err="1" smtClean="0"/>
-              <a:t>có</a:t>
-            </a:r>
-            <a:r>
-              <a:rPr lang="en-US" baseline="0" dirty="0" smtClean="0"/>
-              <a:t> </a:t>
-            </a:r>
-            <a:r>
-              <a:rPr lang="en-US" baseline="0" dirty="0" err="1" smtClean="0"/>
-              <a:t>thể</a:t>
-            </a:r>
-            <a:r>
-              <a:rPr lang="en-US" baseline="0" dirty="0" smtClean="0"/>
-              <a:t> </a:t>
-            </a:r>
-            <a:r>
-              <a:rPr lang="en-US" baseline="0" dirty="0" err="1" smtClean="0"/>
-              <a:t>gửi</a:t>
-            </a:r>
-            <a:r>
-              <a:rPr lang="en-US" baseline="0" dirty="0" smtClean="0"/>
-              <a:t> </a:t>
-            </a:r>
-            <a:r>
-              <a:rPr lang="en-US" baseline="0" dirty="0" err="1" smtClean="0"/>
-              <a:t>lên</a:t>
-            </a:r>
-            <a:r>
-              <a:rPr lang="en-US" baseline="0" dirty="0" smtClean="0"/>
-              <a:t> </a:t>
-            </a:r>
-            <a:r>
-              <a:rPr lang="en-US" baseline="0" dirty="0" err="1" smtClean="0"/>
-              <a:t>google</a:t>
-            </a:r>
-            <a:r>
-              <a:rPr lang="en-US" baseline="0" dirty="0" smtClean="0"/>
-              <a:t> API…</a:t>
-            </a:r>
-            <a:r>
-              <a:rPr lang="en-US" baseline="0" dirty="0" err="1" smtClean="0"/>
-              <a:t>sau</a:t>
-            </a:r>
-            <a:r>
-              <a:rPr lang="en-US" baseline="0" dirty="0" smtClean="0"/>
-              <a:t> </a:t>
-            </a:r>
-            <a:r>
-              <a:rPr lang="en-US" baseline="0" dirty="0" err="1" smtClean="0"/>
-              <a:t>đó</a:t>
-            </a:r>
-            <a:r>
-              <a:rPr lang="en-US" baseline="0" dirty="0" smtClean="0"/>
-              <a:t> </a:t>
-            </a:r>
-            <a:r>
-              <a:rPr lang="en-US" baseline="0" dirty="0" err="1" smtClean="0"/>
-              <a:t>xử</a:t>
-            </a:r>
-            <a:r>
-              <a:rPr lang="en-US" baseline="0" dirty="0" smtClean="0"/>
-              <a:t> </a:t>
-            </a:r>
-            <a:r>
-              <a:rPr lang="en-US" baseline="0" dirty="0" err="1" smtClean="0"/>
-              <a:t>lý</a:t>
-            </a:r>
-            <a:r>
-              <a:rPr lang="en-US" baseline="0" dirty="0" smtClean="0"/>
-              <a:t> </a:t>
-            </a:r>
-            <a:r>
-              <a:rPr lang="en-US" baseline="0" dirty="0" err="1" smtClean="0"/>
-              <a:t>nhưng</a:t>
+              <a:t>hướng</a:t>
+            </a:r>
+            <a:r>
+              <a:rPr lang="en-US" baseline="0" dirty="0" smtClean="0"/>
+              <a:t> </a:t>
+            </a:r>
+            <a:r>
+              <a:rPr lang="en-US" baseline="0" dirty="0" err="1" smtClean="0"/>
+              <a:t>dẫn</a:t>
+            </a:r>
+            <a:r>
+              <a:rPr lang="en-US" baseline="0" dirty="0" smtClean="0"/>
+              <a:t>.. </a:t>
+            </a:r>
+            <a:r>
+              <a:rPr lang="en-US" baseline="0" dirty="0" err="1" smtClean="0"/>
+              <a:t>Và</a:t>
+            </a:r>
+            <a:r>
+              <a:rPr lang="en-US" baseline="0" dirty="0" smtClean="0"/>
+              <a:t> </a:t>
+            </a:r>
+            <a:r>
+              <a:rPr lang="en-US" baseline="0" dirty="0" err="1" smtClean="0"/>
+              <a:t>một</a:t>
+            </a:r>
+            <a:r>
+              <a:rPr lang="en-US" baseline="0" dirty="0" smtClean="0"/>
+              <a:t> leg. </a:t>
+            </a:r>
+            <a:r>
+              <a:rPr lang="en-US" baseline="0" dirty="0" err="1" smtClean="0"/>
+              <a:t>Để</a:t>
+            </a:r>
+            <a:r>
+              <a:rPr lang="en-US" baseline="0" dirty="0" smtClean="0"/>
+              <a:t> </a:t>
+            </a:r>
+            <a:r>
+              <a:rPr lang="en-US" baseline="0" dirty="0" err="1" smtClean="0"/>
+              <a:t>chứa</a:t>
             </a:r>
             <a:r>
               <a:rPr lang="en-US" baseline="0" dirty="0" smtClean="0"/>
@@ -1138,38 +1156,6 @@
             </a:r>
             <a:r>
               <a:rPr lang="en-US" baseline="0" dirty="0" err="1" smtClean="0"/>
-              <a:t>đó</a:t>
-            </a:r>
-            <a:r>
-              <a:rPr lang="en-US" baseline="0" dirty="0" smtClean="0"/>
-              <a:t> </a:t>
-            </a:r>
-            <a:r>
-              <a:rPr lang="en-US" baseline="0" dirty="0" err="1" smtClean="0"/>
-              <a:t>để</a:t>
-            </a:r>
-            <a:r>
-              <a:rPr lang="en-US" baseline="0" dirty="0" smtClean="0"/>
-              <a:t> </a:t>
-            </a:r>
-            <a:r>
-              <a:rPr lang="en-US" baseline="0" dirty="0" err="1" smtClean="0"/>
-              <a:t>chọn</a:t>
-            </a:r>
-            <a:r>
-              <a:rPr lang="en-US" baseline="0" dirty="0" smtClean="0"/>
-              <a:t> </a:t>
-            </a:r>
-            <a:r>
-              <a:rPr lang="en-US" baseline="0" dirty="0" err="1" smtClean="0"/>
-              <a:t>ra</a:t>
-            </a:r>
-            <a:r>
-              <a:rPr lang="en-US" baseline="0" dirty="0" smtClean="0"/>
-              <a:t> </a:t>
-            </a:r>
-            <a:r>
-              <a:rPr lang="en-US" baseline="0" dirty="0" err="1" smtClean="0"/>
               <a:t>đường</a:t>
             </a:r>
             <a:r>
@@ -1186,15 +1172,15 @@
             </a:r>
             <a:r>
               <a:rPr lang="en-US" baseline="0" dirty="0" err="1" smtClean="0"/>
-              <a:t>tốt</a:t>
-            </a:r>
-            <a:r>
-              <a:rPr lang="en-US" baseline="0" dirty="0" smtClean="0"/>
-              <a:t> </a:t>
-            </a:r>
-            <a:r>
-              <a:rPr lang="en-US" baseline="0" dirty="0" err="1" smtClean="0"/>
-              <a:t>nhất</a:t>
+              <a:t>của</a:t>
+            </a:r>
+            <a:r>
+              <a:rPr lang="en-US" baseline="0" dirty="0" smtClean="0"/>
+              <a:t> 2 </a:t>
+            </a:r>
+            <a:r>
+              <a:rPr lang="en-US" baseline="0" dirty="0" err="1" smtClean="0"/>
+              <a:t>điểm</a:t>
             </a:r>
             <a:r>
               <a:rPr lang="en-US" baseline="0" dirty="0" smtClean="0"/>
@@ -1230,7 +1216,7 @@
     </p:spTree>
     <p:extLst>
       <p:ext uri="{BB962C8B-B14F-4D97-AF65-F5344CB8AC3E}">
-        <p14:creationId xmlns:p14="http://schemas.microsoft.com/office/powerpoint/2010/main" val="3301532269"/>
+        <p14:creationId xmlns:p14="http://schemas.microsoft.com/office/powerpoint/2010/main" val="1562744946"/>
       </p:ext>
     </p:extLst>
   </p:cSld>
@@ -1286,71 +1272,7 @@
           <a:p>
             <a:r>
               <a:rPr lang="en-US" dirty="0" err="1" smtClean="0"/>
-              <a:t>Để</a:t>
-            </a:r>
-            <a:r>
-              <a:rPr lang="en-US" baseline="0" dirty="0" smtClean="0"/>
-              <a:t> </a:t>
-            </a:r>
-            <a:r>
-              <a:rPr lang="en-US" baseline="0" dirty="0" err="1" smtClean="0"/>
-              <a:t>hiển</a:t>
-            </a:r>
-            <a:r>
-              <a:rPr lang="en-US" baseline="0" dirty="0" smtClean="0"/>
-              <a:t> </a:t>
-            </a:r>
-            <a:r>
-              <a:rPr lang="en-US" baseline="0" dirty="0" err="1" smtClean="0"/>
-              <a:t>thị</a:t>
-            </a:r>
-            <a:r>
-              <a:rPr lang="en-US" baseline="0" dirty="0" smtClean="0"/>
-              <a:t> </a:t>
-            </a:r>
-            <a:r>
-              <a:rPr lang="en-US" baseline="0" dirty="0" err="1" smtClean="0"/>
-              <a:t>đường</a:t>
-            </a:r>
-            <a:r>
-              <a:rPr lang="en-US" baseline="0" dirty="0" smtClean="0"/>
-              <a:t> </a:t>
-            </a:r>
-            <a:r>
-              <a:rPr lang="en-US" baseline="0" dirty="0" err="1" smtClean="0"/>
-              <a:t>đi</a:t>
-            </a:r>
-            <a:r>
-              <a:rPr lang="en-US" baseline="0" dirty="0" smtClean="0"/>
-              <a:t> </a:t>
-            </a:r>
-            <a:r>
-              <a:rPr lang="en-US" baseline="0" dirty="0" err="1" smtClean="0"/>
-              <a:t>tốt</a:t>
-            </a:r>
-            <a:r>
-              <a:rPr lang="en-US" baseline="0" dirty="0" smtClean="0"/>
-              <a:t> </a:t>
-            </a:r>
-            <a:r>
-              <a:rPr lang="en-US" baseline="0" dirty="0" err="1" smtClean="0"/>
-              <a:t>nhất</a:t>
-            </a:r>
-            <a:r>
-              <a:rPr lang="en-US" baseline="0" dirty="0" smtClean="0"/>
-              <a:t> </a:t>
-            </a:r>
-            <a:r>
-              <a:rPr lang="en-US" baseline="0" dirty="0" err="1" smtClean="0"/>
-              <a:t>này</a:t>
-            </a:r>
-            <a:r>
-              <a:rPr lang="en-US" baseline="0" dirty="0" smtClean="0"/>
-              <a:t>..</a:t>
-            </a:r>
-            <a:r>
-              <a:rPr lang="en-US" baseline="0" dirty="0" err="1" smtClean="0"/>
-              <a:t>chúng</a:t>
+              <a:t>Chúng</a:t>
             </a:r>
             <a:r>
               <a:rPr lang="en-US" baseline="0" dirty="0" smtClean="0"/>
@@ -1366,39 +1288,87 @@
             </a:r>
             <a:r>
               <a:rPr lang="en-US" baseline="0" dirty="0" err="1" smtClean="0"/>
-              <a:t>tạo</a:t>
-            </a:r>
-            <a:r>
-              <a:rPr lang="en-US" baseline="0" dirty="0" smtClean="0"/>
-              <a:t> </a:t>
-            </a:r>
-            <a:r>
-              <a:rPr lang="en-US" baseline="0" dirty="0" err="1" smtClean="0"/>
-              <a:t>ra</a:t>
-            </a:r>
-            <a:r>
-              <a:rPr lang="en-US" baseline="0" dirty="0" smtClean="0"/>
-              <a:t> </a:t>
-            </a:r>
-            <a:r>
-              <a:rPr lang="en-US" baseline="0" dirty="0" err="1" smtClean="0"/>
-              <a:t>một</a:t>
-            </a:r>
-            <a:r>
-              <a:rPr lang="en-US" baseline="0" dirty="0" smtClean="0"/>
-              <a:t> class step </a:t>
-            </a:r>
-            <a:r>
-              <a:rPr lang="en-US" baseline="0" dirty="0" err="1" smtClean="0"/>
-              <a:t>để</a:t>
-            </a:r>
-            <a:r>
-              <a:rPr lang="en-US" baseline="0" dirty="0" smtClean="0"/>
-              <a:t> </a:t>
-            </a:r>
-            <a:r>
-              <a:rPr lang="en-US" baseline="0" dirty="0" err="1" smtClean="0"/>
-              <a:t>chứa</a:t>
+              <a:t>sẽ</a:t>
+            </a:r>
+            <a:r>
+              <a:rPr lang="en-US" baseline="0" dirty="0" smtClean="0"/>
+              <a:t> </a:t>
+            </a:r>
+            <a:r>
+              <a:rPr lang="en-US" baseline="0" dirty="0" err="1" smtClean="0"/>
+              <a:t>bắt</a:t>
+            </a:r>
+            <a:r>
+              <a:rPr lang="en-US" baseline="0" dirty="0" smtClean="0"/>
+              <a:t> </a:t>
+            </a:r>
+            <a:r>
+              <a:rPr lang="en-US" baseline="0" dirty="0" err="1" smtClean="0"/>
+              <a:t>đầu</a:t>
+            </a:r>
+            <a:r>
+              <a:rPr lang="en-US" baseline="0" dirty="0" smtClean="0"/>
+              <a:t> demo 4 </a:t>
+            </a:r>
+            <a:r>
+              <a:rPr lang="en-US" baseline="0" dirty="0" err="1" smtClean="0"/>
+              <a:t>điểm</a:t>
+            </a:r>
+            <a:r>
+              <a:rPr lang="en-US" baseline="0" dirty="0" smtClean="0"/>
+              <a:t> </a:t>
+            </a:r>
+            <a:r>
+              <a:rPr lang="en-US" baseline="0" dirty="0" err="1" smtClean="0"/>
+              <a:t>xe</a:t>
+            </a:r>
+            <a:r>
+              <a:rPr lang="en-US" baseline="0" dirty="0" smtClean="0"/>
+              <a:t> </a:t>
+            </a:r>
+            <a:r>
+              <a:rPr lang="en-US" baseline="0" dirty="0" err="1" smtClean="0"/>
+              <a:t>máy</a:t>
+            </a:r>
+            <a:r>
+              <a:rPr lang="en-US" baseline="0" dirty="0" smtClean="0"/>
+              <a:t> </a:t>
+            </a:r>
+            <a:r>
+              <a:rPr lang="en-US" baseline="0" dirty="0" err="1" smtClean="0"/>
+              <a:t>tối</a:t>
+            </a:r>
+            <a:r>
+              <a:rPr lang="en-US" baseline="0" dirty="0" smtClean="0"/>
+              <a:t> </a:t>
+            </a:r>
+            <a:r>
+              <a:rPr lang="en-US" baseline="0" dirty="0" err="1" smtClean="0"/>
+              <a:t>ưu</a:t>
+            </a:r>
+            <a:r>
+              <a:rPr lang="en-US" baseline="0" dirty="0" smtClean="0"/>
+              <a:t> </a:t>
+            </a:r>
+            <a:r>
+              <a:rPr lang="en-US" baseline="0" dirty="0" err="1" smtClean="0"/>
+              <a:t>với</a:t>
+            </a:r>
+            <a:r>
+              <a:rPr lang="en-US" baseline="0" dirty="0" smtClean="0"/>
+              <a:t> </a:t>
+            </a:r>
+            <a:r>
+              <a:rPr lang="en-US" baseline="0" dirty="0" err="1" smtClean="0"/>
+              <a:t>thứ</a:t>
+            </a:r>
+            <a:r>
+              <a:rPr lang="en-US" baseline="0" dirty="0" smtClean="0"/>
+              <a:t> </a:t>
+            </a:r>
+            <a:r>
+              <a:rPr lang="en-US" baseline="0" dirty="0" err="1" smtClean="0"/>
+              <a:t>tự</a:t>
             </a:r>
             <a:r>
               <a:rPr lang="en-US" baseline="0" dirty="0" smtClean="0"/>
@@ -1414,99 +1384,65 @@
             </a:r>
             <a:r>
               <a:rPr lang="en-US" baseline="0" dirty="0" err="1" smtClean="0"/>
-              <a:t>hướng</a:t>
-            </a:r>
-            <a:r>
-              <a:rPr lang="en-US" baseline="0" dirty="0" smtClean="0"/>
-              <a:t> </a:t>
-            </a:r>
-            <a:r>
-              <a:rPr lang="en-US" baseline="0" dirty="0" err="1" smtClean="0"/>
-              <a:t>dẫn</a:t>
-            </a:r>
-            <a:r>
-              <a:rPr lang="en-US" baseline="0" dirty="0" smtClean="0"/>
-              <a:t>.. </a:t>
-            </a:r>
-            <a:r>
-              <a:rPr lang="en-US" baseline="0" dirty="0" err="1" smtClean="0"/>
-              <a:t>Và</a:t>
-            </a:r>
-            <a:r>
-              <a:rPr lang="en-US" baseline="0" dirty="0" smtClean="0"/>
-              <a:t> </a:t>
-            </a:r>
-            <a:r>
-              <a:rPr lang="en-US" baseline="0" dirty="0" err="1" smtClean="0"/>
-              <a:t>một</a:t>
-            </a:r>
-            <a:r>
-              <a:rPr lang="en-US" baseline="0" dirty="0" smtClean="0"/>
-              <a:t> leg. </a:t>
-            </a:r>
-            <a:r>
-              <a:rPr lang="en-US" baseline="0" dirty="0" err="1" smtClean="0"/>
-              <a:t>Để</a:t>
-            </a:r>
-            <a:r>
-              <a:rPr lang="en-US" baseline="0" dirty="0" smtClean="0"/>
-              <a:t> </a:t>
-            </a:r>
-            <a:r>
-              <a:rPr lang="en-US" baseline="0" dirty="0" err="1" smtClean="0"/>
-              <a:t>chứa</a:t>
-            </a:r>
-            <a:r>
-              <a:rPr lang="en-US" baseline="0" dirty="0" smtClean="0"/>
-              <a:t> </a:t>
-            </a:r>
-            <a:r>
-              <a:rPr lang="en-US" baseline="0" dirty="0" err="1" smtClean="0"/>
-              <a:t>kết</a:t>
-            </a:r>
-            <a:r>
-              <a:rPr lang="en-US" baseline="0" dirty="0" smtClean="0"/>
-              <a:t> </a:t>
-            </a:r>
-            <a:r>
-              <a:rPr lang="en-US" baseline="0" dirty="0" err="1" smtClean="0"/>
-              <a:t>quả</a:t>
-            </a:r>
-            <a:r>
-              <a:rPr lang="en-US" baseline="0" dirty="0" smtClean="0"/>
-              <a:t> </a:t>
-            </a:r>
-            <a:r>
-              <a:rPr lang="en-US" baseline="0" dirty="0" err="1" smtClean="0"/>
-              <a:t>đường</a:t>
-            </a:r>
-            <a:r>
-              <a:rPr lang="en-US" baseline="0" dirty="0" smtClean="0"/>
-              <a:t> </a:t>
-            </a:r>
-            <a:r>
-              <a:rPr lang="en-US" baseline="0" dirty="0" err="1" smtClean="0"/>
-              <a:t>đi</a:t>
-            </a:r>
-            <a:r>
-              <a:rPr lang="en-US" baseline="0" dirty="0" smtClean="0"/>
-              <a:t> </a:t>
-            </a:r>
-            <a:r>
-              <a:rPr lang="en-US" baseline="0" dirty="0" err="1" smtClean="0"/>
-              <a:t>của</a:t>
-            </a:r>
-            <a:r>
-              <a:rPr lang="en-US" baseline="0" dirty="0" smtClean="0"/>
-              <a:t> 2 </a:t>
-            </a:r>
-            <a:r>
-              <a:rPr lang="en-US" baseline="0" dirty="0" err="1" smtClean="0"/>
               <a:t>điểm</a:t>
             </a:r>
             <a:r>
               <a:rPr lang="en-US" baseline="0" dirty="0" smtClean="0"/>
-              <a:t>.</a:t>
+              <a:t> </a:t>
+            </a:r>
+            <a:r>
+              <a:rPr lang="en-US" baseline="0" dirty="0" err="1" smtClean="0"/>
+              <a:t>như</a:t>
+            </a:r>
+            <a:r>
+              <a:rPr lang="en-US" baseline="0" dirty="0" smtClean="0"/>
+              <a:t> </a:t>
+            </a:r>
+            <a:r>
+              <a:rPr lang="en-US" baseline="0" dirty="0" err="1" smtClean="0"/>
+              <a:t>trình</a:t>
+            </a:r>
+            <a:r>
+              <a:rPr lang="en-US" baseline="0" dirty="0" smtClean="0"/>
+              <a:t> </a:t>
+            </a:r>
+            <a:r>
+              <a:rPr lang="en-US" baseline="0" dirty="0" err="1" smtClean="0"/>
+              <a:t>bày</a:t>
+            </a:r>
+            <a:r>
+              <a:rPr lang="en-US" baseline="0" dirty="0" smtClean="0"/>
+              <a:t>:</a:t>
+            </a:r>
+          </a:p>
+          <a:p>
+            <a:r>
+              <a:rPr lang="en-US" baseline="0" dirty="0" smtClean="0"/>
+              <a:t>(</a:t>
+            </a:r>
+            <a:r>
+              <a:rPr lang="en-US" baseline="0" dirty="0" err="1" smtClean="0"/>
+              <a:t>bật</a:t>
+            </a:r>
+            <a:r>
+              <a:rPr lang="en-US" baseline="0" dirty="0" smtClean="0"/>
+              <a:t> </a:t>
+            </a:r>
+            <a:r>
+              <a:rPr lang="en-US" baseline="0" dirty="0" err="1" smtClean="0"/>
+              <a:t>thiệt</a:t>
+            </a:r>
+            <a:r>
+              <a:rPr lang="en-US" baseline="0" dirty="0" smtClean="0"/>
+              <a:t> </a:t>
+            </a:r>
+            <a:r>
+              <a:rPr lang="en-US" baseline="0" dirty="0" err="1" smtClean="0"/>
+              <a:t>bị</a:t>
+            </a:r>
+            <a:r>
+              <a:rPr lang="en-US" baseline="0" dirty="0" smtClean="0"/>
+              <a:t> demo) </a:t>
             </a:r>
             <a:endParaRPr lang="en-US" dirty="0"/>
           </a:p>
@@ -1529,265 +1465,7 @@
           <a:p>
             <a:fld id="{2599C3E7-3278-1243-886F-92FF82204DB1}" type="slidenum">
               <a:rPr lang="en-US" smtClean="0"/>
-              <a:t>14</a:t>
-            </a:fld>
-            <a:endParaRPr lang="en-US"/>
-          </a:p>
-        </p:txBody>
-      </p:sp>
-    </p:spTree>
-    <p:extLst>
-      <p:ext uri="{BB962C8B-B14F-4D97-AF65-F5344CB8AC3E}">
-        <p14:creationId xmlns:p14="http://schemas.microsoft.com/office/powerpoint/2010/main" val="1562744946"/>
-      </p:ext>
-    </p:extLst>
-  </p:cSld>
-  <p:clrMapOvr>
-    <a:masterClrMapping/>
-  </p:clrMapOvr>
-</p:notes>
-</file>
-
-<file path=ppt/notesSlides/notesSlide13.xml><?xml version="1.0" encoding="utf-8"?>
-<p:notes xmlns:a="http://schemas.openxmlformats.org/drawingml/2006/main" xmlns:r="http://schemas.openxmlformats.org/officeDocument/2006/relationships" xmlns:p="http://schemas.openxmlformats.org/presentationml/2006/main">
-  <p:cSld>
-    <p:spTree>
-      <p:nvGrpSpPr>
-        <p:cNvPr id="1" name=""/>
-        <p:cNvGrpSpPr/>
-        <p:nvPr/>
-      </p:nvGrpSpPr>
-      <p:grpSpPr>
-        <a:xfrm>
-          <a:off x="0" y="0"/>
-          <a:ext cx="0" cy="0"/>
-          <a:chOff x="0" y="0"/>
-          <a:chExt cx="0" cy="0"/>
-        </a:xfrm>
-      </p:grpSpPr>
-      <p:sp>
-        <p:nvSpPr>
-          <p:cNvPr id="2" name="Slide Image Placeholder 1"/>
-          <p:cNvSpPr>
-            <a:spLocks noGrp="1" noRot="1" noChangeAspect="1"/>
-          </p:cNvSpPr>
-          <p:nvPr>
-            <p:ph type="sldImg"/>
-          </p:nvPr>
-        </p:nvSpPr>
-        <p:spPr/>
-      </p:sp>
-      <p:sp>
-        <p:nvSpPr>
-          <p:cNvPr id="3" name="Notes Placeholder 2"/>
-          <p:cNvSpPr>
-            <a:spLocks noGrp="1"/>
-          </p:cNvSpPr>
-          <p:nvPr>
-            <p:ph type="body" idx="1"/>
-          </p:nvPr>
-        </p:nvSpPr>
-        <p:spPr/>
-        <p:txBody>
-          <a:bodyPr/>
-          <a:lstStyle/>
-          <a:p>
-            <a:r>
-              <a:rPr lang="en-US" dirty="0" err="1" smtClean="0"/>
-              <a:t>Chúng</a:t>
-            </a:r>
-            <a:r>
-              <a:rPr lang="en-US" baseline="0" dirty="0" smtClean="0"/>
-              <a:t> </a:t>
-            </a:r>
-            <a:r>
-              <a:rPr lang="en-US" baseline="0" dirty="0" err="1" smtClean="0"/>
-              <a:t>tôi</a:t>
-            </a:r>
-            <a:r>
-              <a:rPr lang="en-US" baseline="0" dirty="0" smtClean="0"/>
-              <a:t> </a:t>
-            </a:r>
-            <a:r>
-              <a:rPr lang="en-US" baseline="0" dirty="0" err="1" smtClean="0"/>
-              <a:t>sẽ</a:t>
-            </a:r>
-            <a:r>
-              <a:rPr lang="en-US" baseline="0" dirty="0" smtClean="0"/>
-              <a:t> </a:t>
-            </a:r>
-            <a:r>
-              <a:rPr lang="en-US" baseline="0" dirty="0" err="1" smtClean="0"/>
-              <a:t>bắt</a:t>
-            </a:r>
-            <a:r>
-              <a:rPr lang="en-US" baseline="0" dirty="0" smtClean="0"/>
-              <a:t> </a:t>
-            </a:r>
-            <a:r>
-              <a:rPr lang="en-US" baseline="0" dirty="0" err="1" smtClean="0"/>
-              <a:t>đầu</a:t>
-            </a:r>
-            <a:r>
-              <a:rPr lang="en-US" baseline="0" dirty="0" smtClean="0"/>
-              <a:t> demo 4 </a:t>
-            </a:r>
-            <a:r>
-              <a:rPr lang="en-US" baseline="0" dirty="0" err="1" smtClean="0"/>
-              <a:t>điểm</a:t>
-            </a:r>
-            <a:r>
-              <a:rPr lang="en-US" baseline="0" dirty="0" smtClean="0"/>
-              <a:t> </a:t>
-            </a:r>
-            <a:r>
-              <a:rPr lang="en-US" baseline="0" dirty="0" err="1" smtClean="0"/>
-              <a:t>xe</a:t>
-            </a:r>
-            <a:r>
-              <a:rPr lang="en-US" baseline="0" dirty="0" smtClean="0"/>
-              <a:t> </a:t>
-            </a:r>
-            <a:r>
-              <a:rPr lang="en-US" baseline="0" dirty="0" err="1" smtClean="0"/>
-              <a:t>máy</a:t>
-            </a:r>
-            <a:r>
-              <a:rPr lang="en-US" baseline="0" dirty="0" smtClean="0"/>
-              <a:t> </a:t>
-            </a:r>
-            <a:r>
-              <a:rPr lang="en-US" baseline="0" dirty="0" err="1" smtClean="0"/>
-              <a:t>tối</a:t>
-            </a:r>
-            <a:r>
-              <a:rPr lang="en-US" baseline="0" dirty="0" smtClean="0"/>
-              <a:t> </a:t>
-            </a:r>
-            <a:r>
-              <a:rPr lang="en-US" baseline="0" dirty="0" err="1" smtClean="0"/>
-              <a:t>ưu</a:t>
-            </a:r>
-            <a:r>
-              <a:rPr lang="en-US" baseline="0" dirty="0" smtClean="0"/>
-              <a:t> </a:t>
-            </a:r>
-            <a:r>
-              <a:rPr lang="en-US" baseline="0" dirty="0" err="1" smtClean="0"/>
-              <a:t>với</a:t>
-            </a:r>
-            <a:r>
-              <a:rPr lang="en-US" baseline="0" dirty="0" smtClean="0"/>
-              <a:t> </a:t>
-            </a:r>
-            <a:r>
-              <a:rPr lang="en-US" baseline="0" dirty="0" err="1" smtClean="0"/>
-              <a:t>thứ</a:t>
-            </a:r>
-            <a:r>
-              <a:rPr lang="en-US" baseline="0" dirty="0" smtClean="0"/>
-              <a:t> </a:t>
-            </a:r>
-            <a:r>
-              <a:rPr lang="en-US" baseline="0" dirty="0" err="1" smtClean="0"/>
-              <a:t>tự</a:t>
-            </a:r>
-            <a:r>
-              <a:rPr lang="en-US" baseline="0" dirty="0" smtClean="0"/>
-              <a:t> </a:t>
-            </a:r>
-            <a:r>
-              <a:rPr lang="en-US" baseline="0" dirty="0" err="1" smtClean="0"/>
-              <a:t>các</a:t>
-            </a:r>
-            <a:r>
-              <a:rPr lang="en-US" baseline="0" dirty="0" smtClean="0"/>
-              <a:t> </a:t>
-            </a:r>
-            <a:r>
-              <a:rPr lang="en-US" baseline="0" dirty="0" err="1" smtClean="0"/>
-              <a:t>điểm</a:t>
-            </a:r>
-            <a:r>
-              <a:rPr lang="en-US" baseline="0" dirty="0" smtClean="0"/>
-              <a:t> </a:t>
-            </a:r>
-            <a:r>
-              <a:rPr lang="en-US" baseline="0" dirty="0" err="1" smtClean="0"/>
-              <a:t>như</a:t>
-            </a:r>
-            <a:r>
-              <a:rPr lang="en-US" baseline="0" dirty="0" smtClean="0"/>
-              <a:t> </a:t>
-            </a:r>
-            <a:r>
-              <a:rPr lang="en-US" baseline="0" dirty="0" err="1" smtClean="0"/>
-              <a:t>trình</a:t>
-            </a:r>
-            <a:r>
-              <a:rPr lang="en-US" baseline="0" dirty="0" smtClean="0"/>
-              <a:t> </a:t>
-            </a:r>
-            <a:r>
-              <a:rPr lang="en-US" baseline="0" dirty="0" err="1" smtClean="0"/>
-              <a:t>bày</a:t>
-            </a:r>
-            <a:r>
-              <a:rPr lang="en-US" baseline="0" dirty="0" smtClean="0"/>
-              <a:t>:</a:t>
-            </a:r>
-          </a:p>
-          <a:p>
-            <a:r>
-              <a:rPr lang="en-US" baseline="0" dirty="0" smtClean="0"/>
-              <a:t>(</a:t>
-            </a:r>
-            <a:r>
-              <a:rPr lang="en-US" baseline="0" dirty="0" err="1" smtClean="0"/>
-              <a:t>bật</a:t>
-            </a:r>
-            <a:r>
-              <a:rPr lang="en-US" baseline="0" dirty="0" smtClean="0"/>
-              <a:t> </a:t>
-            </a:r>
-            <a:r>
-              <a:rPr lang="en-US" baseline="0" dirty="0" err="1" smtClean="0"/>
-              <a:t>thiệt</a:t>
-            </a:r>
-            <a:r>
-              <a:rPr lang="en-US" baseline="0" dirty="0" smtClean="0"/>
-              <a:t> </a:t>
-            </a:r>
-            <a:r>
-              <a:rPr lang="en-US" baseline="0" dirty="0" err="1" smtClean="0"/>
-              <a:t>bị</a:t>
-            </a:r>
-            <a:r>
-              <a:rPr lang="en-US" baseline="0" dirty="0" smtClean="0"/>
-              <a:t> demo) </a:t>
-            </a:r>
-            <a:endParaRPr lang="en-US" dirty="0"/>
-          </a:p>
-        </p:txBody>
-      </p:sp>
-      <p:sp>
-        <p:nvSpPr>
-          <p:cNvPr id="4" name="Slide Number Placeholder 3"/>
-          <p:cNvSpPr>
-            <a:spLocks noGrp="1"/>
-          </p:cNvSpPr>
-          <p:nvPr>
-            <p:ph type="sldNum" sz="quarter" idx="10"/>
-          </p:nvPr>
-        </p:nvSpPr>
-        <p:spPr/>
-        <p:txBody>
-          <a:bodyPr/>
-          <a:lstStyle/>
-          <a:p>
-            <a:fld id="{2599C3E7-3278-1243-886F-92FF82204DB1}" type="slidenum">
-              <a:rPr lang="en-US" smtClean="0"/>
-              <a:t>28</a:t>
+              <a:t>27</a:t>
             </a:fld>
             <a:endParaRPr lang="en-US"/>
           </a:p>
@@ -2060,7 +1738,7 @@
     </p:spTree>
     <p:extLst>
       <p:ext uri="{BB962C8B-B14F-4D97-AF65-F5344CB8AC3E}">
-        <p14:creationId xmlns:p14="http://schemas.microsoft.com/office/powerpoint/2010/main" val="2147165158"/>
+        <p14:creationId xmlns:p14="http://schemas.microsoft.com/office/powerpoint/2010/main" val="1692917137"/>
       </p:ext>
     </p:extLst>
   </p:cSld>
@@ -2116,31 +1794,23 @@
           <a:p>
             <a:r>
               <a:rPr lang="en-US" dirty="0" err="1" smtClean="0"/>
-              <a:t>Nhà</a:t>
-            </a:r>
-            <a:r>
-              <a:rPr lang="en-US" baseline="0" dirty="0" smtClean="0"/>
-              <a:t> 4 </a:t>
-            </a:r>
-            <a:r>
-              <a:rPr lang="en-US" baseline="0" dirty="0" err="1" smtClean="0"/>
-              <a:t>bạn</a:t>
-            </a:r>
-            <a:r>
-              <a:rPr lang="en-US" baseline="0" dirty="0" smtClean="0"/>
-              <a:t> ở 4 </a:t>
-            </a:r>
-            <a:r>
-              <a:rPr lang="en-US" baseline="0" dirty="0" err="1" smtClean="0"/>
-              <a:t>địa</a:t>
-            </a:r>
-            <a:r>
-              <a:rPr lang="en-US" baseline="0" dirty="0" smtClean="0"/>
-              <a:t> </a:t>
-            </a:r>
-            <a:r>
-              <a:rPr lang="en-US" baseline="0" dirty="0" err="1" smtClean="0"/>
-              <a:t>chỉ</a:t>
+              <a:t>Thứ</a:t>
+            </a:r>
+            <a:r>
+              <a:rPr lang="en-US" dirty="0" smtClean="0"/>
+              <a:t> </a:t>
+            </a:r>
+            <a:r>
+              <a:rPr lang="en-US" dirty="0" err="1" smtClean="0"/>
+              <a:t>tự</a:t>
+            </a:r>
+            <a:r>
+              <a:rPr lang="en-US" baseline="0" dirty="0" smtClean="0"/>
+              <a:t> </a:t>
+            </a:r>
+            <a:r>
+              <a:rPr lang="en-US" baseline="0" dirty="0" err="1" smtClean="0"/>
+              <a:t>đi</a:t>
             </a:r>
             <a:r>
               <a:rPr lang="en-US" baseline="0" dirty="0" smtClean="0"/>
@@ -2156,11 +1826,99 @@
             </a:r>
             <a:r>
               <a:rPr lang="en-US" baseline="0" dirty="0" err="1" smtClean="0"/>
-              <a:t>sau</a:t>
-            </a:r>
-            <a:r>
-              <a:rPr lang="en-US" baseline="0" dirty="0" smtClean="0"/>
-              <a:t>:</a:t>
+              <a:t>thế</a:t>
+            </a:r>
+            <a:r>
+              <a:rPr lang="en-US" baseline="0" dirty="0" smtClean="0"/>
+              <a:t> </a:t>
+            </a:r>
+            <a:r>
+              <a:rPr lang="en-US" baseline="0" dirty="0" err="1" smtClean="0"/>
+              <a:t>nào</a:t>
+            </a:r>
+            <a:r>
+              <a:rPr lang="en-US" baseline="0" dirty="0" smtClean="0"/>
+              <a:t> </a:t>
+            </a:r>
+            <a:r>
+              <a:rPr lang="en-US" baseline="0" dirty="0" err="1" smtClean="0"/>
+              <a:t>để</a:t>
+            </a:r>
+            <a:r>
+              <a:rPr lang="en-US" baseline="0" dirty="0" smtClean="0"/>
+              <a:t> </a:t>
+            </a:r>
+            <a:r>
+              <a:rPr lang="en-US" baseline="0" dirty="0" err="1" smtClean="0"/>
+              <a:t>đi</a:t>
+            </a:r>
+            <a:r>
+              <a:rPr lang="en-US" baseline="0" dirty="0" smtClean="0"/>
+              <a:t> </a:t>
+            </a:r>
+            <a:r>
+              <a:rPr lang="en-US" baseline="0" dirty="0" err="1" smtClean="0"/>
+              <a:t>đến</a:t>
+            </a:r>
+            <a:r>
+              <a:rPr lang="en-US" baseline="0" dirty="0" smtClean="0"/>
+              <a:t> </a:t>
+            </a:r>
+            <a:r>
+              <a:rPr lang="en-US" baseline="0" dirty="0" err="1" smtClean="0"/>
+              <a:t>nhà</a:t>
+            </a:r>
+            <a:r>
+              <a:rPr lang="en-US" baseline="0" dirty="0" smtClean="0"/>
+              <a:t> 3 </a:t>
+            </a:r>
+            <a:r>
+              <a:rPr lang="en-US" baseline="0" dirty="0" err="1" smtClean="0"/>
+              <a:t>người</a:t>
+            </a:r>
+            <a:r>
+              <a:rPr lang="en-US" baseline="0" dirty="0" smtClean="0"/>
+              <a:t> </a:t>
+            </a:r>
+            <a:r>
+              <a:rPr lang="en-US" baseline="0" dirty="0" err="1" smtClean="0"/>
+              <a:t>với</a:t>
+            </a:r>
+            <a:r>
+              <a:rPr lang="en-US" baseline="0" dirty="0" smtClean="0"/>
+              <a:t> </a:t>
+            </a:r>
+            <a:r>
+              <a:rPr lang="en-US" baseline="0" dirty="0" err="1" smtClean="0"/>
+              <a:t>tuyết</a:t>
+            </a:r>
+            <a:r>
+              <a:rPr lang="en-US" baseline="0" dirty="0" smtClean="0"/>
+              <a:t> </a:t>
+            </a:r>
+            <a:r>
+              <a:rPr lang="en-US" baseline="0" dirty="0" err="1" smtClean="0"/>
+              <a:t>đường</a:t>
+            </a:r>
+            <a:r>
+              <a:rPr lang="en-US" baseline="0" dirty="0" smtClean="0"/>
+              <a:t> </a:t>
+            </a:r>
+            <a:r>
+              <a:rPr lang="en-US" baseline="0" dirty="0" err="1" smtClean="0"/>
+              <a:t>tốt</a:t>
+            </a:r>
+            <a:r>
+              <a:rPr lang="en-US" baseline="0" dirty="0" smtClean="0"/>
+              <a:t> </a:t>
+            </a:r>
+            <a:r>
+              <a:rPr lang="en-US" baseline="0" dirty="0" err="1" smtClean="0"/>
+              <a:t>nhất</a:t>
+            </a:r>
+            <a:r>
+              <a:rPr lang="en-US" baseline="0" dirty="0" smtClean="0"/>
+              <a:t>,</a:t>
             </a:r>
             <a:endParaRPr lang="en-US" dirty="0"/>
           </a:p>
@@ -2192,7 +1950,7 @@
     </p:spTree>
     <p:extLst>
       <p:ext uri="{BB962C8B-B14F-4D97-AF65-F5344CB8AC3E}">
-        <p14:creationId xmlns:p14="http://schemas.microsoft.com/office/powerpoint/2010/main" val="2147165158"/>
+        <p14:creationId xmlns:p14="http://schemas.microsoft.com/office/powerpoint/2010/main" val="1060484874"/>
       </p:ext>
     </p:extLst>
   </p:cSld>
@@ -2246,134 +2004,16 @@
           <a:bodyPr/>
           <a:lstStyle/>
           <a:p>
-            <a:r>
-              <a:rPr lang="en-US" dirty="0" err="1" smtClean="0"/>
-              <a:t>Thứ</a:t>
-            </a:r>
-            <a:r>
-              <a:rPr lang="en-US" dirty="0" smtClean="0"/>
-              <a:t> </a:t>
-            </a:r>
-            <a:r>
-              <a:rPr lang="en-US" dirty="0" err="1" smtClean="0"/>
-              <a:t>tự</a:t>
-            </a:r>
-            <a:r>
-              <a:rPr lang="en-US" baseline="0" dirty="0" smtClean="0"/>
-              <a:t> </a:t>
-            </a:r>
-            <a:r>
-              <a:rPr lang="en-US" baseline="0" dirty="0" err="1" smtClean="0"/>
-              <a:t>đi</a:t>
-            </a:r>
-            <a:r>
-              <a:rPr lang="en-US" baseline="0" dirty="0" smtClean="0"/>
-              <a:t> </a:t>
-            </a:r>
-            <a:r>
-              <a:rPr lang="en-US" baseline="0" dirty="0" err="1" smtClean="0"/>
-              <a:t>như</a:t>
-            </a:r>
-            <a:r>
-              <a:rPr lang="en-US" baseline="0" dirty="0" smtClean="0"/>
-              <a:t> </a:t>
-            </a:r>
-            <a:r>
-              <a:rPr lang="en-US" baseline="0" dirty="0" err="1" smtClean="0"/>
-              <a:t>thế</a:t>
-            </a:r>
-            <a:r>
-              <a:rPr lang="en-US" baseline="0" dirty="0" smtClean="0"/>
-              <a:t> </a:t>
-            </a:r>
-            <a:r>
-              <a:rPr lang="en-US" baseline="0" dirty="0" err="1" smtClean="0"/>
-              <a:t>nào</a:t>
-            </a:r>
-            <a:r>
-              <a:rPr lang="en-US" baseline="0" dirty="0" smtClean="0"/>
-              <a:t> </a:t>
-            </a:r>
-            <a:r>
-              <a:rPr lang="en-US" baseline="0" dirty="0" err="1" smtClean="0"/>
-              <a:t>để</a:t>
-            </a:r>
-            <a:r>
-              <a:rPr lang="en-US" baseline="0" dirty="0" smtClean="0"/>
-              <a:t> </a:t>
-            </a:r>
-            <a:r>
-              <a:rPr lang="en-US" baseline="0" dirty="0" err="1" smtClean="0"/>
-              <a:t>đi</a:t>
-            </a:r>
-            <a:r>
-              <a:rPr lang="en-US" baseline="0" dirty="0" smtClean="0"/>
-              <a:t> </a:t>
-            </a:r>
-            <a:r>
-              <a:rPr lang="en-US" baseline="0" dirty="0" err="1" smtClean="0"/>
-              <a:t>đến</a:t>
-            </a:r>
-            <a:r>
-              <a:rPr lang="en-US" baseline="0" dirty="0" smtClean="0"/>
-              <a:t> </a:t>
-            </a:r>
-            <a:r>
-              <a:rPr lang="en-US" baseline="0" dirty="0" err="1" smtClean="0"/>
-              <a:t>nhà</a:t>
-            </a:r>
-            <a:r>
-              <a:rPr lang="en-US" baseline="0" dirty="0" smtClean="0"/>
-              <a:t> 3 </a:t>
-            </a:r>
-            <a:r>
-              <a:rPr lang="en-US" baseline="0" dirty="0" err="1" smtClean="0"/>
-              <a:t>người</a:t>
-            </a:r>
-            <a:r>
-              <a:rPr lang="en-US" baseline="0" dirty="0" smtClean="0"/>
-              <a:t> </a:t>
-            </a:r>
-            <a:r>
-              <a:rPr lang="en-US" baseline="0" dirty="0" err="1" smtClean="0"/>
-              <a:t>với</a:t>
-            </a:r>
-            <a:r>
-              <a:rPr lang="en-US" baseline="0" dirty="0" smtClean="0"/>
-              <a:t> </a:t>
-            </a:r>
-            <a:r>
-              <a:rPr lang="en-US" baseline="0" dirty="0" err="1" smtClean="0"/>
-              <a:t>tuyết</a:t>
-            </a:r>
-            <a:r>
-              <a:rPr lang="en-US" baseline="0" dirty="0" smtClean="0"/>
-              <a:t> </a:t>
-            </a:r>
-            <a:r>
-              <a:rPr lang="en-US" baseline="0" dirty="0" err="1" smtClean="0"/>
-              <a:t>đường</a:t>
-            </a:r>
-            <a:r>
-              <a:rPr lang="en-US" baseline="0" dirty="0" smtClean="0"/>
-              <a:t> </a:t>
-            </a:r>
-            <a:r>
-              <a:rPr lang="en-US" baseline="0" dirty="0" err="1" smtClean="0"/>
-              <a:t>tốt</a:t>
-            </a:r>
-            <a:r>
-              <a:rPr lang="en-US" baseline="0" dirty="0" smtClean="0"/>
-              <a:t> </a:t>
-            </a:r>
-            <a:r>
-              <a:rPr lang="en-US" baseline="0" dirty="0" err="1" smtClean="0"/>
-              <a:t>nhất</a:t>
-            </a:r>
-            <a:r>
-              <a:rPr lang="en-US" baseline="0" dirty="0" smtClean="0"/>
-              <a:t>,</a:t>
-            </a:r>
+            <a:pPr algn="just"/>
+            <a:r>
+              <a:rPr lang="en-US" sz="1200" dirty="0" smtClean="0">
+                <a:latin typeface="Cambria" pitchFamily="18" charset="0"/>
+              </a:rPr>
+              <a:t>The system allow search motorbike route thought some locations (from two to four) on the mobile application and suggest optimal paths.</a:t>
+            </a:r>
+            <a:endParaRPr lang="en-US" sz="1200" dirty="0" smtClean="0"/>
+          </a:p>
+          <a:p>
             <a:endParaRPr lang="en-US" dirty="0"/>
           </a:p>
         </p:txBody>
@@ -2395,7 +2035,7 @@
           <a:p>
             <a:fld id="{2599C3E7-3278-1243-886F-92FF82204DB1}" type="slidenum">
               <a:rPr lang="en-US" smtClean="0"/>
-              <a:t>5</a:t>
+              <a:t>7</a:t>
             </a:fld>
             <a:endParaRPr lang="en-US"/>
           </a:p>
@@ -2404,7 +2044,7 @@
     </p:spTree>
     <p:extLst>
       <p:ext uri="{BB962C8B-B14F-4D97-AF65-F5344CB8AC3E}">
-        <p14:creationId xmlns:p14="http://schemas.microsoft.com/office/powerpoint/2010/main" val="1060484874"/>
+        <p14:creationId xmlns:p14="http://schemas.microsoft.com/office/powerpoint/2010/main" val="800715067"/>
       </p:ext>
     </p:extLst>
   </p:cSld>
@@ -2646,16 +2286,1266 @@
           <a:bodyPr/>
           <a:lstStyle/>
           <a:p>
-            <a:pPr algn="just"/>
-            <a:r>
-              <a:rPr lang="en-US" sz="1200" dirty="0" smtClean="0">
-                <a:latin typeface="Cambria" pitchFamily="18" charset="0"/>
-              </a:rPr>
-              <a:t>The system allow search motorbike route thought some locations (from two to four) on the mobile application and suggest optimal paths.</a:t>
-            </a:r>
-            <a:endParaRPr lang="en-US" sz="1200" dirty="0" smtClean="0"/>
+            <a:r>
+              <a:rPr lang="en-US" baseline="0" dirty="0" err="1" smtClean="0"/>
+              <a:t>Tôi</a:t>
+            </a:r>
+            <a:r>
+              <a:rPr lang="en-US" baseline="0" dirty="0" smtClean="0"/>
+              <a:t> </a:t>
+            </a:r>
+            <a:r>
+              <a:rPr lang="en-US" baseline="0" dirty="0" err="1" smtClean="0"/>
+              <a:t>xin</a:t>
+            </a:r>
+            <a:r>
+              <a:rPr lang="en-US" baseline="0" dirty="0" smtClean="0"/>
+              <a:t> </a:t>
+            </a:r>
+            <a:r>
+              <a:rPr lang="en-US" baseline="0" dirty="0" err="1" smtClean="0"/>
+              <a:t>trình</a:t>
+            </a:r>
+            <a:r>
+              <a:rPr lang="en-US" baseline="0" dirty="0" smtClean="0"/>
+              <a:t> </a:t>
+            </a:r>
+            <a:r>
+              <a:rPr lang="en-US" baseline="0" dirty="0" err="1" smtClean="0"/>
+              <a:t>bày</a:t>
+            </a:r>
+            <a:r>
+              <a:rPr lang="en-US" baseline="0" dirty="0" smtClean="0"/>
+              <a:t> </a:t>
+            </a:r>
+            <a:r>
+              <a:rPr lang="en-US" baseline="0" dirty="0" err="1" smtClean="0"/>
+              <a:t>về</a:t>
+            </a:r>
+            <a:r>
+              <a:rPr lang="en-US" baseline="0" dirty="0" smtClean="0"/>
+              <a:t> </a:t>
+            </a:r>
+            <a:r>
+              <a:rPr lang="en-US" baseline="0" dirty="0" err="1" smtClean="0"/>
+              <a:t>kiến</a:t>
+            </a:r>
+            <a:r>
+              <a:rPr lang="en-US" baseline="0" dirty="0" smtClean="0"/>
+              <a:t> </a:t>
+            </a:r>
+            <a:r>
+              <a:rPr lang="en-US" baseline="0" dirty="0" err="1" smtClean="0"/>
+              <a:t>trúc</a:t>
+            </a:r>
+            <a:r>
+              <a:rPr lang="en-US" baseline="0" dirty="0" smtClean="0"/>
+              <a:t>….</a:t>
+            </a:r>
+            <a:r>
+              <a:rPr lang="en-US" baseline="0" dirty="0" err="1" smtClean="0"/>
+              <a:t>và</a:t>
+            </a:r>
+            <a:r>
+              <a:rPr lang="en-US" baseline="0" dirty="0" smtClean="0"/>
+              <a:t> </a:t>
+            </a:r>
+            <a:r>
+              <a:rPr lang="en-US" baseline="0" dirty="0" err="1" smtClean="0"/>
+              <a:t>thứ</a:t>
+            </a:r>
+            <a:r>
+              <a:rPr lang="en-US" baseline="0" dirty="0" smtClean="0"/>
+              <a:t> </a:t>
+            </a:r>
+            <a:r>
+              <a:rPr lang="en-US" baseline="0" dirty="0" err="1" smtClean="0"/>
+              <a:t>tự</a:t>
+            </a:r>
+            <a:r>
+              <a:rPr lang="en-US" baseline="0" dirty="0" smtClean="0"/>
+              <a:t> </a:t>
+            </a:r>
+            <a:r>
+              <a:rPr lang="en-US" baseline="0" dirty="0" err="1" smtClean="0"/>
+              <a:t>hệ</a:t>
+            </a:r>
+            <a:r>
+              <a:rPr lang="en-US" baseline="0" dirty="0" smtClean="0"/>
+              <a:t> </a:t>
+            </a:r>
+            <a:r>
+              <a:rPr lang="en-US" baseline="0" dirty="0" err="1" smtClean="0"/>
+              <a:t>thống</a:t>
+            </a:r>
+            <a:r>
+              <a:rPr lang="en-US" baseline="0" dirty="0" smtClean="0"/>
+              <a:t> </a:t>
+            </a:r>
+            <a:r>
+              <a:rPr lang="en-US" baseline="0" dirty="0" err="1" smtClean="0"/>
+              <a:t>hoạt</a:t>
+            </a:r>
+            <a:r>
+              <a:rPr lang="en-US" baseline="0" dirty="0" smtClean="0"/>
+              <a:t> </a:t>
+            </a:r>
+            <a:r>
+              <a:rPr lang="en-US" baseline="0" dirty="0" err="1" smtClean="0"/>
+              <a:t>động</a:t>
+            </a:r>
+            <a:r>
+              <a:rPr lang="en-US" baseline="0" dirty="0" smtClean="0"/>
+              <a:t>.</a:t>
+            </a:r>
           </a:p>
           <a:p>
+            <a:r>
+              <a:rPr lang="en-US" baseline="0" dirty="0" err="1" smtClean="0"/>
+              <a:t>Thứ</a:t>
+            </a:r>
+            <a:r>
+              <a:rPr lang="en-US" baseline="0" dirty="0" smtClean="0"/>
+              <a:t> </a:t>
+            </a:r>
+            <a:r>
+              <a:rPr lang="en-US" baseline="0" dirty="0" err="1" smtClean="0"/>
+              <a:t>nhất</a:t>
+            </a:r>
+            <a:r>
+              <a:rPr lang="en-US" baseline="0" dirty="0" smtClean="0"/>
+              <a:t> </a:t>
+            </a:r>
+            <a:r>
+              <a:rPr lang="en-US" baseline="0" dirty="0" err="1" smtClean="0"/>
+              <a:t>chúng</a:t>
+            </a:r>
+            <a:r>
+              <a:rPr lang="en-US" baseline="0" dirty="0" smtClean="0"/>
+              <a:t> ta </a:t>
+            </a:r>
+            <a:r>
+              <a:rPr lang="en-US" baseline="0" dirty="0" err="1" smtClean="0"/>
+              <a:t>có</a:t>
+            </a:r>
+            <a:r>
+              <a:rPr lang="en-US" baseline="0" dirty="0" smtClean="0"/>
+              <a:t>  </a:t>
+            </a:r>
+            <a:r>
+              <a:rPr lang="en-US" baseline="0" dirty="0" err="1" smtClean="0"/>
+              <a:t>thể</a:t>
+            </a:r>
+            <a:r>
+              <a:rPr lang="en-US" baseline="0" dirty="0" smtClean="0"/>
+              <a:t> search </a:t>
+            </a:r>
+            <a:r>
+              <a:rPr lang="en-US" baseline="0" dirty="0" err="1" smtClean="0"/>
+              <a:t>đường</a:t>
+            </a:r>
+            <a:r>
+              <a:rPr lang="en-US" baseline="0" dirty="0" smtClean="0"/>
+              <a:t> </a:t>
+            </a:r>
+            <a:r>
+              <a:rPr lang="en-US" baseline="0" dirty="0" err="1" smtClean="0"/>
+              <a:t>đi</a:t>
+            </a:r>
+            <a:r>
+              <a:rPr lang="en-US" baseline="0" dirty="0" smtClean="0"/>
+              <a:t> </a:t>
+            </a:r>
+            <a:r>
+              <a:rPr lang="en-US" baseline="0" dirty="0" err="1" smtClean="0"/>
+              <a:t>bằng</a:t>
+            </a:r>
+            <a:r>
+              <a:rPr lang="en-US" baseline="0" dirty="0" smtClean="0"/>
+              <a:t> </a:t>
+            </a:r>
+            <a:r>
+              <a:rPr lang="en-US" baseline="0" dirty="0" err="1" smtClean="0"/>
+              <a:t>giọng</a:t>
+            </a:r>
+            <a:r>
+              <a:rPr lang="en-US" baseline="0" dirty="0" smtClean="0"/>
+              <a:t> </a:t>
+            </a:r>
+            <a:r>
+              <a:rPr lang="en-US" baseline="0" dirty="0" err="1" smtClean="0"/>
+              <a:t>nói</a:t>
+            </a:r>
+            <a:r>
+              <a:rPr lang="en-US" baseline="0" dirty="0" smtClean="0"/>
+              <a:t> </a:t>
+            </a:r>
+            <a:r>
+              <a:rPr lang="en-US" baseline="0" dirty="0" err="1" smtClean="0"/>
+              <a:t>hoặc</a:t>
+            </a:r>
+            <a:r>
+              <a:rPr lang="en-US" baseline="0" dirty="0" smtClean="0"/>
+              <a:t> </a:t>
+            </a:r>
+            <a:r>
+              <a:rPr lang="en-US" baseline="0" dirty="0" err="1" smtClean="0"/>
+              <a:t>là</a:t>
+            </a:r>
+            <a:r>
+              <a:rPr lang="en-US" baseline="0" dirty="0" smtClean="0"/>
+              <a:t> </a:t>
+            </a:r>
+            <a:r>
+              <a:rPr lang="en-US" baseline="0" dirty="0" err="1" smtClean="0"/>
+              <a:t>bằng</a:t>
+            </a:r>
+            <a:r>
+              <a:rPr lang="en-US" baseline="0" dirty="0" smtClean="0"/>
+              <a:t> text.</a:t>
+            </a:r>
+          </a:p>
+          <a:p>
+            <a:r>
+              <a:rPr lang="en-US" baseline="0" dirty="0" err="1" smtClean="0"/>
+              <a:t>Nếu</a:t>
+            </a:r>
+            <a:r>
+              <a:rPr lang="en-US" baseline="0" dirty="0" smtClean="0"/>
+              <a:t> </a:t>
+            </a:r>
+            <a:r>
+              <a:rPr lang="en-US" baseline="0" dirty="0" err="1" smtClean="0"/>
+              <a:t>bằng</a:t>
+            </a:r>
+            <a:r>
+              <a:rPr lang="en-US" baseline="0" dirty="0" smtClean="0"/>
+              <a:t> </a:t>
+            </a:r>
+            <a:r>
+              <a:rPr lang="en-US" baseline="0" dirty="0" err="1" smtClean="0"/>
+              <a:t>giọng</a:t>
+            </a:r>
+            <a:r>
+              <a:rPr lang="en-US" baseline="0" dirty="0" smtClean="0"/>
+              <a:t> </a:t>
+            </a:r>
+            <a:r>
+              <a:rPr lang="en-US" baseline="0" dirty="0" err="1" smtClean="0"/>
+              <a:t>nói</a:t>
+            </a:r>
+            <a:r>
+              <a:rPr lang="en-US" baseline="0" dirty="0" smtClean="0"/>
+              <a:t> </a:t>
+            </a:r>
+            <a:r>
+              <a:rPr lang="en-US" baseline="0" dirty="0" err="1" smtClean="0"/>
+              <a:t>thì</a:t>
+            </a:r>
+            <a:r>
+              <a:rPr lang="en-US" baseline="0" dirty="0" smtClean="0"/>
+              <a:t> </a:t>
+            </a:r>
+            <a:r>
+              <a:rPr lang="en-US" baseline="0" dirty="0" err="1" smtClean="0"/>
+              <a:t>sẽ</a:t>
+            </a:r>
+            <a:r>
+              <a:rPr lang="en-US" baseline="0" dirty="0" smtClean="0"/>
+              <a:t> </a:t>
+            </a:r>
+            <a:r>
+              <a:rPr lang="en-US" baseline="0" dirty="0" err="1" smtClean="0"/>
+              <a:t>gửi</a:t>
+            </a:r>
+            <a:r>
+              <a:rPr lang="en-US" baseline="0" dirty="0" smtClean="0"/>
+              <a:t> </a:t>
+            </a:r>
+            <a:r>
+              <a:rPr lang="en-US" baseline="0" dirty="0" err="1" smtClean="0"/>
+              <a:t>lên</a:t>
+            </a:r>
+            <a:r>
+              <a:rPr lang="en-US" baseline="0" dirty="0" smtClean="0"/>
+              <a:t> </a:t>
+            </a:r>
+            <a:r>
+              <a:rPr lang="en-US" baseline="0" dirty="0" err="1" smtClean="0"/>
+              <a:t>google</a:t>
+            </a:r>
+            <a:r>
+              <a:rPr lang="en-US" baseline="0" dirty="0" smtClean="0"/>
+              <a:t> API </a:t>
+            </a:r>
+            <a:r>
+              <a:rPr lang="en-US" baseline="0" dirty="0" err="1" smtClean="0"/>
+              <a:t>và</a:t>
+            </a:r>
+            <a:r>
+              <a:rPr lang="en-US" baseline="0" dirty="0" smtClean="0"/>
+              <a:t> </a:t>
+            </a:r>
+            <a:r>
+              <a:rPr lang="en-US" baseline="0" dirty="0" err="1" smtClean="0"/>
+              <a:t>trả</a:t>
+            </a:r>
+            <a:r>
+              <a:rPr lang="en-US" baseline="0" dirty="0" smtClean="0"/>
+              <a:t> </a:t>
+            </a:r>
+            <a:r>
+              <a:rPr lang="en-US" baseline="0" dirty="0" err="1" smtClean="0"/>
+              <a:t>về</a:t>
+            </a:r>
+            <a:r>
+              <a:rPr lang="en-US" baseline="0" dirty="0" smtClean="0"/>
+              <a:t>  </a:t>
+            </a:r>
+            <a:r>
+              <a:rPr lang="en-US" baseline="0" dirty="0" err="1" smtClean="0"/>
+              <a:t>địa</a:t>
+            </a:r>
+            <a:r>
+              <a:rPr lang="en-US" baseline="0" dirty="0" smtClean="0"/>
+              <a:t> </a:t>
+            </a:r>
+            <a:r>
+              <a:rPr lang="en-US" baseline="0" dirty="0" err="1" smtClean="0"/>
+              <a:t>chỉ</a:t>
+            </a:r>
+            <a:r>
+              <a:rPr lang="en-US" baseline="0" dirty="0" smtClean="0"/>
+              <a:t> </a:t>
+            </a:r>
+            <a:r>
+              <a:rPr lang="en-US" baseline="0" dirty="0" err="1" smtClean="0"/>
+              <a:t>dạng</a:t>
+            </a:r>
+            <a:r>
+              <a:rPr lang="en-US" baseline="0" dirty="0" smtClean="0"/>
+              <a:t> text.</a:t>
+            </a:r>
+          </a:p>
+          <a:p>
+            <a:r>
+              <a:rPr lang="en-US" baseline="0" dirty="0" err="1" smtClean="0"/>
+              <a:t>Tiếp</a:t>
+            </a:r>
+            <a:r>
+              <a:rPr lang="en-US" baseline="0" dirty="0" smtClean="0"/>
+              <a:t> </a:t>
+            </a:r>
+            <a:r>
+              <a:rPr lang="en-US" baseline="0" dirty="0" err="1" smtClean="0"/>
+              <a:t>tục</a:t>
+            </a:r>
+            <a:r>
+              <a:rPr lang="en-US" baseline="0" dirty="0" smtClean="0"/>
+              <a:t> </a:t>
+            </a:r>
+            <a:r>
+              <a:rPr lang="en-US" baseline="0" dirty="0" err="1" smtClean="0"/>
+              <a:t>hệ</a:t>
+            </a:r>
+            <a:r>
+              <a:rPr lang="en-US" baseline="0" dirty="0" smtClean="0"/>
+              <a:t> </a:t>
+            </a:r>
+            <a:r>
+              <a:rPr lang="en-US" baseline="0" dirty="0" err="1" smtClean="0"/>
+              <a:t>thống</a:t>
+            </a:r>
+            <a:r>
+              <a:rPr lang="en-US" baseline="0" dirty="0" smtClean="0"/>
+              <a:t> </a:t>
+            </a:r>
+            <a:r>
+              <a:rPr lang="en-US" baseline="0" dirty="0" err="1" smtClean="0"/>
+              <a:t>sẽ</a:t>
+            </a:r>
+            <a:r>
+              <a:rPr lang="en-US" baseline="0" dirty="0" smtClean="0"/>
+              <a:t> </a:t>
+            </a:r>
+            <a:r>
+              <a:rPr lang="en-US" baseline="0" dirty="0" err="1" smtClean="0"/>
+              <a:t>gửi</a:t>
+            </a:r>
+            <a:r>
+              <a:rPr lang="en-US" baseline="0" dirty="0" smtClean="0"/>
+              <a:t> request </a:t>
+            </a:r>
+            <a:r>
+              <a:rPr lang="en-US" baseline="0" dirty="0" err="1" smtClean="0"/>
+              <a:t>lên</a:t>
+            </a:r>
+            <a:r>
+              <a:rPr lang="en-US" baseline="0" dirty="0" smtClean="0"/>
+              <a:t> bus service do </a:t>
+            </a:r>
+            <a:r>
+              <a:rPr lang="en-US" baseline="0" dirty="0" err="1" smtClean="0"/>
+              <a:t>chúng</a:t>
+            </a:r>
+            <a:r>
+              <a:rPr lang="en-US" baseline="0" dirty="0" smtClean="0"/>
+              <a:t> </a:t>
+            </a:r>
+            <a:r>
+              <a:rPr lang="en-US" baseline="0" dirty="0" err="1" smtClean="0"/>
+              <a:t>tôi</a:t>
+            </a:r>
+            <a:r>
+              <a:rPr lang="en-US" baseline="0" dirty="0" smtClean="0"/>
+              <a:t> </a:t>
+            </a:r>
+            <a:r>
+              <a:rPr lang="en-US" baseline="0" dirty="0" err="1" smtClean="0"/>
+              <a:t>hiện</a:t>
+            </a:r>
+            <a:r>
+              <a:rPr lang="en-US" baseline="0" dirty="0" smtClean="0"/>
+              <a:t> </a:t>
+            </a:r>
+            <a:r>
+              <a:rPr lang="en-US" baseline="0" dirty="0" err="1" smtClean="0"/>
+              <a:t>thực</a:t>
+            </a:r>
+            <a:r>
+              <a:rPr lang="en-US" baseline="0" dirty="0" smtClean="0"/>
+              <a:t> </a:t>
+            </a:r>
+            <a:r>
+              <a:rPr lang="en-US" baseline="0" dirty="0" err="1" smtClean="0"/>
+              <a:t>sẽ</a:t>
+            </a:r>
+            <a:r>
+              <a:rPr lang="en-US" baseline="0" dirty="0" smtClean="0"/>
+              <a:t> </a:t>
+            </a:r>
+            <a:r>
+              <a:rPr lang="en-US" baseline="0" dirty="0" err="1" smtClean="0"/>
+              <a:t>trả</a:t>
+            </a:r>
+            <a:r>
+              <a:rPr lang="en-US" baseline="0" dirty="0" smtClean="0"/>
+              <a:t> </a:t>
+            </a:r>
+            <a:r>
+              <a:rPr lang="en-US" baseline="0" dirty="0" err="1" smtClean="0"/>
+              <a:t>về</a:t>
+            </a:r>
+            <a:r>
+              <a:rPr lang="en-US" baseline="0" dirty="0" smtClean="0"/>
+              <a:t> list </a:t>
+            </a:r>
+            <a:r>
+              <a:rPr lang="en-US" baseline="0" dirty="0" err="1" smtClean="0"/>
+              <a:t>của</a:t>
+            </a:r>
+            <a:r>
+              <a:rPr lang="en-US" baseline="0" dirty="0" smtClean="0"/>
+              <a:t> </a:t>
+            </a:r>
+            <a:r>
+              <a:rPr lang="en-US" baseline="0" dirty="0" err="1" smtClean="0"/>
+              <a:t>các</a:t>
+            </a:r>
+            <a:r>
+              <a:rPr lang="en-US" baseline="0" dirty="0" smtClean="0"/>
+              <a:t> result.</a:t>
+            </a:r>
+          </a:p>
+          <a:p>
+            <a:r>
+              <a:rPr lang="en-US" baseline="0" dirty="0" err="1" smtClean="0"/>
+              <a:t>Tiếp</a:t>
+            </a:r>
+            <a:r>
+              <a:rPr lang="en-US" baseline="0" dirty="0" smtClean="0"/>
+              <a:t> </a:t>
+            </a:r>
+            <a:r>
+              <a:rPr lang="en-US" baseline="0" dirty="0" err="1" smtClean="0"/>
+              <a:t>tục</a:t>
+            </a:r>
+            <a:r>
+              <a:rPr lang="en-US" baseline="0" dirty="0" smtClean="0"/>
+              <a:t> </a:t>
+            </a:r>
+            <a:r>
+              <a:rPr lang="en-US" baseline="0" dirty="0" err="1" smtClean="0"/>
+              <a:t>hệ</a:t>
+            </a:r>
+            <a:r>
+              <a:rPr lang="en-US" baseline="0" dirty="0" smtClean="0"/>
+              <a:t> </a:t>
+            </a:r>
+            <a:r>
+              <a:rPr lang="en-US" baseline="0" dirty="0" err="1" smtClean="0"/>
+              <a:t>thống</a:t>
+            </a:r>
+            <a:r>
+              <a:rPr lang="en-US" baseline="0" dirty="0" smtClean="0"/>
+              <a:t> </a:t>
+            </a:r>
+            <a:r>
+              <a:rPr lang="en-US" baseline="0" dirty="0" err="1" smtClean="0"/>
+              <a:t>sẽ</a:t>
+            </a:r>
+            <a:r>
+              <a:rPr lang="en-US" baseline="0" dirty="0" smtClean="0"/>
+              <a:t> </a:t>
+            </a:r>
+            <a:r>
+              <a:rPr lang="en-US" baseline="0" dirty="0" err="1" smtClean="0"/>
+              <a:t>gửi</a:t>
+            </a:r>
+            <a:r>
+              <a:rPr lang="en-US" baseline="0" dirty="0" smtClean="0"/>
+              <a:t> </a:t>
+            </a:r>
+            <a:r>
+              <a:rPr lang="en-US" baseline="0" dirty="0" err="1" smtClean="0"/>
+              <a:t>requesst</a:t>
+            </a:r>
+            <a:r>
+              <a:rPr lang="en-US" baseline="0" dirty="0" smtClean="0"/>
+              <a:t> </a:t>
+            </a:r>
+            <a:r>
+              <a:rPr lang="en-US" baseline="0" dirty="0" err="1" smtClean="0"/>
+              <a:t>lên</a:t>
+            </a:r>
+            <a:r>
+              <a:rPr lang="en-US" baseline="0" dirty="0" smtClean="0"/>
+              <a:t> FPT service </a:t>
+            </a:r>
+            <a:r>
+              <a:rPr lang="en-US" baseline="0" dirty="0" err="1" smtClean="0"/>
+              <a:t>để</a:t>
+            </a:r>
+            <a:r>
+              <a:rPr lang="en-US" baseline="0" dirty="0" smtClean="0"/>
+              <a:t> </a:t>
+            </a:r>
+            <a:r>
+              <a:rPr lang="en-US" baseline="0" dirty="0" err="1" smtClean="0"/>
+              <a:t>lấy</a:t>
+            </a:r>
+            <a:r>
+              <a:rPr lang="en-US" baseline="0" dirty="0" smtClean="0"/>
+              <a:t> </a:t>
+            </a:r>
+            <a:r>
+              <a:rPr lang="en-US" baseline="0" dirty="0" err="1" smtClean="0"/>
+              <a:t>các</a:t>
+            </a:r>
+            <a:r>
+              <a:rPr lang="en-US" baseline="0" dirty="0" smtClean="0"/>
+              <a:t> file </a:t>
+            </a:r>
+            <a:r>
+              <a:rPr lang="en-US" baseline="0" dirty="0" err="1" smtClean="0"/>
+              <a:t>hướng</a:t>
+            </a:r>
+            <a:r>
+              <a:rPr lang="en-US" baseline="0" dirty="0" smtClean="0"/>
+              <a:t> </a:t>
+            </a:r>
+            <a:r>
+              <a:rPr lang="en-US" baseline="0" dirty="0" err="1" smtClean="0"/>
+              <a:t>dẫn</a:t>
+            </a:r>
+            <a:r>
+              <a:rPr lang="en-US" baseline="0" dirty="0" smtClean="0"/>
+              <a:t> </a:t>
+            </a:r>
+            <a:r>
+              <a:rPr lang="en-US" baseline="0" dirty="0" err="1" smtClean="0"/>
+              <a:t>đường</a:t>
+            </a:r>
+            <a:r>
+              <a:rPr lang="en-US" baseline="0" dirty="0" smtClean="0"/>
+              <a:t> ở </a:t>
+            </a:r>
+            <a:r>
+              <a:rPr lang="en-US" baseline="0" dirty="0" err="1" smtClean="0"/>
+              <a:t>dạng</a:t>
+            </a:r>
+            <a:r>
+              <a:rPr lang="en-US" baseline="0" dirty="0" smtClean="0"/>
+              <a:t> audio. </a:t>
+            </a:r>
+          </a:p>
+          <a:p>
+            <a:r>
+              <a:rPr lang="en-US" baseline="0" dirty="0" err="1" smtClean="0"/>
+              <a:t>Tiếp</a:t>
+            </a:r>
+            <a:r>
+              <a:rPr lang="en-US" baseline="0" dirty="0" smtClean="0"/>
+              <a:t> </a:t>
+            </a:r>
+            <a:r>
+              <a:rPr lang="en-US" baseline="0" dirty="0" err="1" smtClean="0"/>
+              <a:t>tục</a:t>
+            </a:r>
+            <a:r>
+              <a:rPr lang="en-US" baseline="0" dirty="0" smtClean="0"/>
+              <a:t> </a:t>
+            </a:r>
+            <a:r>
+              <a:rPr lang="en-US" baseline="0" dirty="0" err="1" smtClean="0"/>
+              <a:t>hệ</a:t>
+            </a:r>
+            <a:r>
+              <a:rPr lang="en-US" baseline="0" dirty="0" smtClean="0"/>
+              <a:t> </a:t>
+            </a:r>
+            <a:r>
+              <a:rPr lang="en-US" baseline="0" dirty="0" err="1" smtClean="0"/>
+              <a:t>thống</a:t>
+            </a:r>
+            <a:r>
+              <a:rPr lang="en-US" baseline="0" dirty="0" smtClean="0"/>
+              <a:t> </a:t>
+            </a:r>
+            <a:r>
+              <a:rPr lang="en-US" baseline="0" dirty="0" err="1" smtClean="0"/>
+              <a:t>sẽ</a:t>
+            </a:r>
+            <a:r>
+              <a:rPr lang="en-US" baseline="0" dirty="0" smtClean="0"/>
+              <a:t> </a:t>
+            </a:r>
+            <a:r>
+              <a:rPr lang="en-US" baseline="0" dirty="0" err="1" smtClean="0"/>
+              <a:t>treaminze</a:t>
+            </a:r>
+            <a:r>
+              <a:rPr lang="en-US" baseline="0" dirty="0" smtClean="0"/>
+              <a:t> </a:t>
+            </a:r>
+            <a:r>
+              <a:rPr lang="en-US" baseline="0" dirty="0" err="1" smtClean="0"/>
+              <a:t>dữ</a:t>
+            </a:r>
+            <a:r>
+              <a:rPr lang="en-US" baseline="0" dirty="0" smtClean="0"/>
+              <a:t> </a:t>
+            </a:r>
+            <a:r>
+              <a:rPr lang="en-US" baseline="0" dirty="0" err="1" smtClean="0"/>
+              <a:t>liệu</a:t>
+            </a:r>
+            <a:r>
+              <a:rPr lang="en-US" baseline="0" dirty="0" smtClean="0"/>
+              <a:t> qua </a:t>
+            </a:r>
+            <a:r>
+              <a:rPr lang="en-US" baseline="0" dirty="0" err="1" smtClean="0"/>
+              <a:t>lại</a:t>
+            </a:r>
+            <a:r>
+              <a:rPr lang="en-US" baseline="0" dirty="0" smtClean="0"/>
+              <a:t> </a:t>
+            </a:r>
+            <a:r>
+              <a:rPr lang="en-US" baseline="0" dirty="0" err="1" smtClean="0"/>
+              <a:t>giữa</a:t>
+            </a:r>
+            <a:r>
+              <a:rPr lang="en-US" baseline="0" dirty="0" smtClean="0"/>
+              <a:t> wear </a:t>
+            </a:r>
+            <a:r>
+              <a:rPr lang="en-US" baseline="0" dirty="0" err="1" smtClean="0"/>
+              <a:t>và</a:t>
+            </a:r>
+            <a:r>
+              <a:rPr lang="en-US" baseline="0" dirty="0" smtClean="0"/>
+              <a:t> mobile</a:t>
+            </a:r>
+          </a:p>
+          <a:p>
+            <a:r>
+              <a:rPr lang="en-US" baseline="0" dirty="0" err="1" smtClean="0"/>
+              <a:t>Người</a:t>
+            </a:r>
+            <a:r>
+              <a:rPr lang="en-US" baseline="0" dirty="0" smtClean="0"/>
+              <a:t> </a:t>
+            </a:r>
+            <a:r>
+              <a:rPr lang="en-US" baseline="0" dirty="0" err="1" smtClean="0"/>
+              <a:t>sử</a:t>
+            </a:r>
+            <a:r>
+              <a:rPr lang="en-US" baseline="0" dirty="0" smtClean="0"/>
+              <a:t> </a:t>
+            </a:r>
+            <a:r>
+              <a:rPr lang="en-US" baseline="0" dirty="0" err="1" smtClean="0"/>
+              <a:t>dụng</a:t>
+            </a:r>
+            <a:r>
+              <a:rPr lang="en-US" baseline="0" dirty="0" smtClean="0"/>
+              <a:t> </a:t>
+            </a:r>
+            <a:r>
+              <a:rPr lang="en-US" baseline="0" dirty="0" err="1" smtClean="0"/>
+              <a:t>có</a:t>
+            </a:r>
+            <a:r>
+              <a:rPr lang="en-US" baseline="0" dirty="0" smtClean="0"/>
+              <a:t> </a:t>
+            </a:r>
+            <a:r>
+              <a:rPr lang="en-US" baseline="0" dirty="0" err="1" smtClean="0"/>
+              <a:t>thể</a:t>
+            </a:r>
+            <a:r>
+              <a:rPr lang="en-US" baseline="0" dirty="0" smtClean="0"/>
+              <a:t> </a:t>
+            </a:r>
+            <a:r>
+              <a:rPr lang="en-US" baseline="0" dirty="0" err="1" smtClean="0"/>
+              <a:t>sử</a:t>
+            </a:r>
+            <a:r>
+              <a:rPr lang="en-US" baseline="0" dirty="0" smtClean="0"/>
+              <a:t> </a:t>
+            </a:r>
+            <a:r>
+              <a:rPr lang="en-US" baseline="0" dirty="0" err="1" smtClean="0"/>
+              <a:t>dụng</a:t>
+            </a:r>
+            <a:r>
+              <a:rPr lang="en-US" baseline="0" dirty="0" smtClean="0"/>
+              <a:t> </a:t>
+            </a:r>
+            <a:r>
+              <a:rPr lang="en-US" baseline="0" dirty="0" err="1" smtClean="0"/>
+              <a:t>chức</a:t>
+            </a:r>
+            <a:r>
+              <a:rPr lang="en-US" baseline="0" dirty="0" smtClean="0"/>
+              <a:t> </a:t>
+            </a:r>
+            <a:r>
+              <a:rPr lang="en-US" baseline="0" dirty="0" err="1" smtClean="0"/>
+              <a:t>năng</a:t>
+            </a:r>
+            <a:r>
+              <a:rPr lang="en-US" baseline="0" dirty="0" smtClean="0"/>
+              <a:t> </a:t>
+            </a:r>
+            <a:r>
+              <a:rPr lang="en-US" baseline="0" dirty="0" err="1" smtClean="0"/>
+              <a:t>giọng</a:t>
+            </a:r>
+            <a:r>
+              <a:rPr lang="en-US" baseline="0" dirty="0" smtClean="0"/>
+              <a:t> </a:t>
+            </a:r>
+            <a:r>
+              <a:rPr lang="en-US" baseline="0" dirty="0" err="1" smtClean="0"/>
+              <a:t>nói</a:t>
+            </a:r>
+            <a:r>
+              <a:rPr lang="en-US" baseline="0" dirty="0" smtClean="0"/>
+              <a:t> </a:t>
+            </a:r>
+            <a:r>
+              <a:rPr lang="en-US" baseline="0" dirty="0" err="1" smtClean="0"/>
+              <a:t>gửi</a:t>
+            </a:r>
+            <a:r>
+              <a:rPr lang="en-US" baseline="0" dirty="0" smtClean="0"/>
+              <a:t> </a:t>
+            </a:r>
+            <a:r>
+              <a:rPr lang="en-US" baseline="0" dirty="0" err="1" smtClean="0"/>
+              <a:t>lên</a:t>
+            </a:r>
+            <a:r>
+              <a:rPr lang="en-US" baseline="0" dirty="0" smtClean="0"/>
+              <a:t> </a:t>
+            </a:r>
+            <a:r>
+              <a:rPr lang="en-US" baseline="0" dirty="0" err="1" smtClean="0"/>
+              <a:t>google</a:t>
+            </a:r>
+            <a:r>
+              <a:rPr lang="en-US" baseline="0" dirty="0" smtClean="0"/>
+              <a:t> API </a:t>
+            </a:r>
+            <a:r>
+              <a:rPr lang="en-US" baseline="0" dirty="0" err="1" smtClean="0"/>
+              <a:t>trả</a:t>
+            </a:r>
+            <a:r>
+              <a:rPr lang="en-US" baseline="0" dirty="0" smtClean="0"/>
+              <a:t> </a:t>
+            </a:r>
+            <a:r>
+              <a:rPr lang="en-US" baseline="0" dirty="0" err="1" smtClean="0"/>
+              <a:t>về</a:t>
+            </a:r>
+            <a:r>
+              <a:rPr lang="en-US" baseline="0" dirty="0" smtClean="0"/>
+              <a:t> text </a:t>
+            </a:r>
+            <a:r>
+              <a:rPr lang="en-US" baseline="0" dirty="0" err="1" smtClean="0"/>
+              <a:t>hoặc</a:t>
+            </a:r>
+            <a:r>
+              <a:rPr lang="en-US" baseline="0" dirty="0" smtClean="0"/>
+              <a:t> </a:t>
+            </a:r>
+            <a:r>
+              <a:rPr lang="en-US" baseline="0" dirty="0" err="1" smtClean="0"/>
+              <a:t>là</a:t>
+            </a:r>
+            <a:r>
+              <a:rPr lang="en-US" baseline="0" dirty="0" smtClean="0"/>
+              <a:t> search </a:t>
+            </a:r>
+            <a:r>
+              <a:rPr lang="en-US" baseline="0" dirty="0" err="1" smtClean="0"/>
+              <a:t>bằng</a:t>
+            </a:r>
+            <a:r>
+              <a:rPr lang="en-US" baseline="0" dirty="0" smtClean="0"/>
+              <a:t> text.</a:t>
+            </a:r>
+          </a:p>
+          <a:p>
+            <a:r>
+              <a:rPr lang="en-US" baseline="0" dirty="0" err="1" smtClean="0"/>
+              <a:t>Sau</a:t>
+            </a:r>
+            <a:r>
+              <a:rPr lang="en-US" baseline="0" dirty="0" smtClean="0"/>
+              <a:t> </a:t>
+            </a:r>
+            <a:r>
+              <a:rPr lang="en-US" baseline="0" dirty="0" err="1" smtClean="0"/>
+              <a:t>đó</a:t>
+            </a:r>
+            <a:r>
+              <a:rPr lang="en-US" baseline="0" dirty="0" smtClean="0"/>
+              <a:t> </a:t>
+            </a:r>
+            <a:r>
+              <a:rPr lang="en-US" baseline="0" dirty="0" err="1" smtClean="0"/>
+              <a:t>gửi</a:t>
+            </a:r>
+            <a:r>
+              <a:rPr lang="en-US" baseline="0" dirty="0" smtClean="0"/>
+              <a:t>   </a:t>
+            </a:r>
+            <a:endParaRPr lang="en-US" dirty="0" smtClean="0"/>
+          </a:p>
+          <a:p>
+            <a:endParaRPr lang="en-US" dirty="0" smtClean="0"/>
+          </a:p>
+          <a:p>
+            <a:r>
+              <a:rPr lang="en-US" dirty="0" err="1" smtClean="0"/>
+              <a:t>Tương</a:t>
+            </a:r>
+            <a:r>
+              <a:rPr lang="en-US" baseline="0" dirty="0" smtClean="0"/>
+              <a:t> </a:t>
+            </a:r>
+            <a:r>
+              <a:rPr lang="en-US" baseline="0" dirty="0" err="1" smtClean="0"/>
+              <a:t>tự</a:t>
+            </a:r>
+            <a:r>
+              <a:rPr lang="en-US" baseline="0" dirty="0" smtClean="0"/>
+              <a:t> </a:t>
+            </a:r>
+            <a:r>
+              <a:rPr lang="en-US" baseline="0" dirty="0" err="1" smtClean="0"/>
+              <a:t>như</a:t>
+            </a:r>
+            <a:r>
+              <a:rPr lang="en-US" baseline="0" dirty="0" smtClean="0"/>
+              <a:t> </a:t>
+            </a:r>
+            <a:r>
+              <a:rPr lang="en-US" baseline="0" dirty="0" err="1" smtClean="0"/>
+              <a:t>xe</a:t>
+            </a:r>
+            <a:r>
+              <a:rPr lang="en-US" baseline="0" dirty="0" smtClean="0"/>
+              <a:t> bus..</a:t>
+            </a:r>
+            <a:r>
+              <a:rPr lang="en-US" baseline="0" dirty="0" err="1" smtClean="0"/>
+              <a:t>chúng</a:t>
+            </a:r>
+            <a:r>
+              <a:rPr lang="en-US" baseline="0" dirty="0" smtClean="0"/>
+              <a:t> ta </a:t>
+            </a:r>
+            <a:r>
+              <a:rPr lang="en-US" baseline="0" dirty="0" err="1" smtClean="0"/>
+              <a:t>cũng</a:t>
+            </a:r>
+            <a:r>
+              <a:rPr lang="en-US" baseline="0" dirty="0" smtClean="0"/>
+              <a:t> </a:t>
+            </a:r>
+            <a:r>
+              <a:rPr lang="en-US" baseline="0" dirty="0" err="1" smtClean="0"/>
+              <a:t>có</a:t>
+            </a:r>
+            <a:r>
+              <a:rPr lang="en-US" baseline="0" dirty="0" smtClean="0"/>
+              <a:t> </a:t>
+            </a:r>
+            <a:r>
+              <a:rPr lang="en-US" baseline="0" dirty="0" err="1" smtClean="0"/>
+              <a:t>thể</a:t>
+            </a:r>
+            <a:r>
+              <a:rPr lang="en-US" baseline="0" dirty="0" smtClean="0"/>
+              <a:t> search </a:t>
+            </a:r>
+            <a:r>
+              <a:rPr lang="en-US" baseline="0" dirty="0" err="1" smtClean="0"/>
+              <a:t>theo</a:t>
+            </a:r>
+            <a:r>
+              <a:rPr lang="en-US" baseline="0" dirty="0" smtClean="0"/>
+              <a:t> 2 </a:t>
+            </a:r>
+            <a:r>
+              <a:rPr lang="en-US" baseline="0" dirty="0" err="1" smtClean="0"/>
+              <a:t>cách</a:t>
+            </a:r>
+            <a:r>
+              <a:rPr lang="en-US" baseline="0" dirty="0" smtClean="0"/>
+              <a:t> </a:t>
+            </a:r>
+            <a:r>
+              <a:rPr lang="en-US" baseline="0" dirty="0" err="1" smtClean="0"/>
+              <a:t>là</a:t>
+            </a:r>
+            <a:r>
+              <a:rPr lang="en-US" baseline="0" dirty="0" smtClean="0"/>
+              <a:t> </a:t>
+            </a:r>
+            <a:r>
+              <a:rPr lang="en-US" baseline="0" dirty="0" err="1" smtClean="0"/>
+              <a:t>giọng</a:t>
+            </a:r>
+            <a:r>
+              <a:rPr lang="en-US" baseline="0" dirty="0" smtClean="0"/>
+              <a:t> </a:t>
+            </a:r>
+            <a:r>
+              <a:rPr lang="en-US" baseline="0" dirty="0" err="1" smtClean="0"/>
+              <a:t>nói</a:t>
+            </a:r>
+            <a:r>
+              <a:rPr lang="en-US" baseline="0" dirty="0" smtClean="0"/>
+              <a:t> </a:t>
+            </a:r>
+            <a:r>
+              <a:rPr lang="en-US" baseline="0" dirty="0" err="1" smtClean="0"/>
+              <a:t>và</a:t>
+            </a:r>
+            <a:r>
+              <a:rPr lang="en-US" baseline="0" dirty="0" smtClean="0"/>
+              <a:t> text. </a:t>
+            </a:r>
+            <a:r>
+              <a:rPr lang="en-US" baseline="0" dirty="0" err="1" smtClean="0"/>
+              <a:t>Để</a:t>
+            </a:r>
+            <a:r>
+              <a:rPr lang="en-US" baseline="0" dirty="0" smtClean="0"/>
+              <a:t> </a:t>
+            </a:r>
+            <a:r>
+              <a:rPr lang="en-US" baseline="0" dirty="0" err="1" smtClean="0"/>
+              <a:t>tìm</a:t>
+            </a:r>
+            <a:r>
+              <a:rPr lang="en-US" baseline="0" dirty="0" smtClean="0"/>
+              <a:t> </a:t>
+            </a:r>
+            <a:r>
+              <a:rPr lang="en-US" baseline="0" dirty="0" err="1" smtClean="0"/>
+              <a:t>kiếm</a:t>
+            </a:r>
+            <a:r>
+              <a:rPr lang="en-US" baseline="0" dirty="0" smtClean="0"/>
+              <a:t> </a:t>
+            </a:r>
+            <a:r>
+              <a:rPr lang="en-US" baseline="0" dirty="0" err="1" smtClean="0"/>
+              <a:t>dường</a:t>
+            </a:r>
+            <a:r>
+              <a:rPr lang="en-US" baseline="0" dirty="0" smtClean="0"/>
+              <a:t> </a:t>
+            </a:r>
+            <a:r>
+              <a:rPr lang="en-US" baseline="0" dirty="0" err="1" smtClean="0"/>
+              <a:t>đi</a:t>
+            </a:r>
+            <a:r>
+              <a:rPr lang="en-US" baseline="0" dirty="0" smtClean="0"/>
+              <a:t>. </a:t>
+            </a:r>
+            <a:r>
+              <a:rPr lang="en-US" baseline="0" dirty="0" err="1" smtClean="0"/>
+              <a:t>Nó</a:t>
+            </a:r>
+            <a:r>
+              <a:rPr lang="en-US" baseline="0" dirty="0" smtClean="0"/>
+              <a:t> </a:t>
+            </a:r>
+            <a:r>
+              <a:rPr lang="en-US" baseline="0" dirty="0" err="1" smtClean="0"/>
+              <a:t>sẽ</a:t>
+            </a:r>
+            <a:r>
+              <a:rPr lang="en-US" baseline="0" dirty="0" smtClean="0"/>
+              <a:t> </a:t>
+            </a:r>
+            <a:r>
+              <a:rPr lang="en-US" baseline="0" dirty="0" err="1" smtClean="0"/>
+              <a:t>gửi</a:t>
+            </a:r>
+            <a:r>
+              <a:rPr lang="en-US" baseline="0" dirty="0" smtClean="0"/>
+              <a:t> request </a:t>
+            </a:r>
+            <a:r>
+              <a:rPr lang="en-US" baseline="0" dirty="0" err="1" smtClean="0"/>
+              <a:t>lên</a:t>
+            </a:r>
+            <a:r>
+              <a:rPr lang="en-US" baseline="0" dirty="0" smtClean="0"/>
+              <a:t> </a:t>
+            </a:r>
+            <a:r>
+              <a:rPr lang="en-US" baseline="0" dirty="0" err="1" smtClean="0"/>
+              <a:t>google</a:t>
+            </a:r>
+            <a:r>
+              <a:rPr lang="en-US" baseline="0" dirty="0" smtClean="0"/>
+              <a:t> API. </a:t>
+            </a:r>
+            <a:r>
+              <a:rPr lang="en-US" baseline="0" dirty="0" err="1" smtClean="0"/>
+              <a:t>Chúng</a:t>
+            </a:r>
+            <a:r>
+              <a:rPr lang="en-US" baseline="0" dirty="0" smtClean="0"/>
+              <a:t> ta </a:t>
+            </a:r>
+            <a:r>
+              <a:rPr lang="en-US" baseline="0" dirty="0" err="1" smtClean="0"/>
+              <a:t>dùng</a:t>
+            </a:r>
+            <a:r>
+              <a:rPr lang="en-US" baseline="0" dirty="0" smtClean="0"/>
+              <a:t> </a:t>
+            </a:r>
+            <a:r>
+              <a:rPr lang="en-US" baseline="0" dirty="0" err="1" smtClean="0"/>
+              <a:t>Json</a:t>
+            </a:r>
+            <a:r>
+              <a:rPr lang="en-US" baseline="0" dirty="0" smtClean="0"/>
+              <a:t> </a:t>
+            </a:r>
+            <a:r>
+              <a:rPr lang="en-US" baseline="0" dirty="0" err="1" smtClean="0"/>
+              <a:t>đẻ</a:t>
+            </a:r>
+            <a:r>
+              <a:rPr lang="en-US" baseline="0" dirty="0" smtClean="0"/>
+              <a:t> </a:t>
+            </a:r>
+            <a:r>
+              <a:rPr lang="en-US" baseline="0" dirty="0" err="1" smtClean="0"/>
+              <a:t>sử</a:t>
+            </a:r>
+            <a:r>
+              <a:rPr lang="en-US" baseline="0" dirty="0" smtClean="0"/>
+              <a:t> </a:t>
+            </a:r>
+            <a:r>
+              <a:rPr lang="en-US" baseline="0" dirty="0" err="1" smtClean="0"/>
+              <a:t>lý</a:t>
+            </a:r>
+            <a:r>
+              <a:rPr lang="en-US" baseline="0" dirty="0" smtClean="0"/>
+              <a:t> </a:t>
+            </a:r>
+            <a:r>
+              <a:rPr lang="en-US" baseline="0" dirty="0" err="1" smtClean="0"/>
+              <a:t>kết</a:t>
+            </a:r>
+            <a:r>
+              <a:rPr lang="en-US" baseline="0" dirty="0" smtClean="0"/>
+              <a:t> </a:t>
+            </a:r>
+            <a:r>
+              <a:rPr lang="en-US" baseline="0" dirty="0" err="1" smtClean="0"/>
+              <a:t>quả</a:t>
+            </a:r>
+            <a:r>
+              <a:rPr lang="en-US" baseline="0" dirty="0" smtClean="0"/>
+              <a:t> </a:t>
+            </a:r>
+            <a:r>
+              <a:rPr lang="en-US" baseline="0" dirty="0" err="1" smtClean="0"/>
+              <a:t>trả</a:t>
+            </a:r>
+            <a:r>
+              <a:rPr lang="en-US" baseline="0" dirty="0" smtClean="0"/>
+              <a:t> </a:t>
+            </a:r>
+            <a:r>
+              <a:rPr lang="en-US" baseline="0" dirty="0" err="1" smtClean="0"/>
+              <a:t>về</a:t>
+            </a:r>
+            <a:r>
+              <a:rPr lang="en-US" baseline="0" dirty="0" smtClean="0"/>
+              <a:t>. </a:t>
+            </a:r>
+            <a:r>
+              <a:rPr lang="en-US" baseline="0" dirty="0" err="1" smtClean="0"/>
+              <a:t>Cuối</a:t>
+            </a:r>
+            <a:r>
+              <a:rPr lang="en-US" baseline="0" dirty="0" smtClean="0"/>
+              <a:t> </a:t>
+            </a:r>
+            <a:r>
+              <a:rPr lang="en-US" baseline="0" dirty="0" err="1" smtClean="0"/>
+              <a:t>cùng</a:t>
+            </a:r>
+            <a:r>
+              <a:rPr lang="en-US" baseline="0" dirty="0" smtClean="0"/>
+              <a:t> </a:t>
+            </a:r>
+            <a:r>
+              <a:rPr lang="en-US" baseline="0" dirty="0" err="1" smtClean="0"/>
+              <a:t>là</a:t>
+            </a:r>
+            <a:r>
+              <a:rPr lang="en-US" baseline="0" dirty="0" smtClean="0"/>
+              <a:t> </a:t>
+            </a:r>
+            <a:r>
+              <a:rPr lang="en-US" baseline="0" dirty="0" err="1" smtClean="0"/>
+              <a:t>synchonize</a:t>
+            </a:r>
+            <a:r>
+              <a:rPr lang="en-US" baseline="0" dirty="0" smtClean="0"/>
+              <a:t> </a:t>
+            </a:r>
+            <a:r>
+              <a:rPr lang="en-US" baseline="0" dirty="0" err="1" smtClean="0"/>
+              <a:t>dữ</a:t>
+            </a:r>
+            <a:r>
+              <a:rPr lang="en-US" baseline="0" dirty="0" smtClean="0"/>
+              <a:t> </a:t>
+            </a:r>
+            <a:r>
+              <a:rPr lang="en-US" baseline="0" dirty="0" err="1" smtClean="0"/>
+              <a:t>liệu</a:t>
+            </a:r>
+            <a:r>
+              <a:rPr lang="en-US" baseline="0" dirty="0" smtClean="0"/>
+              <a:t> </a:t>
+            </a:r>
+            <a:r>
+              <a:rPr lang="en-US" baseline="0" dirty="0" err="1" smtClean="0"/>
+              <a:t>với</a:t>
+            </a:r>
+            <a:r>
+              <a:rPr lang="en-US" baseline="0" dirty="0" smtClean="0"/>
+              <a:t> wear </a:t>
+            </a:r>
+            <a:r>
+              <a:rPr lang="en-US" baseline="0" dirty="0" err="1" smtClean="0"/>
+              <a:t>trong</a:t>
+            </a:r>
+            <a:r>
+              <a:rPr lang="en-US" baseline="0" dirty="0" smtClean="0"/>
+              <a:t> </a:t>
+            </a:r>
+            <a:r>
+              <a:rPr lang="en-US" baseline="0" dirty="0" err="1" smtClean="0"/>
+              <a:t>suốt</a:t>
+            </a:r>
+            <a:r>
+              <a:rPr lang="en-US" baseline="0" dirty="0" smtClean="0"/>
+              <a:t> </a:t>
+            </a:r>
+            <a:r>
+              <a:rPr lang="en-US" baseline="0" dirty="0" err="1" smtClean="0"/>
+              <a:t>quá</a:t>
+            </a:r>
+            <a:r>
+              <a:rPr lang="en-US" baseline="0" dirty="0" smtClean="0"/>
+              <a:t> </a:t>
+            </a:r>
+            <a:r>
+              <a:rPr lang="en-US" baseline="0" dirty="0" err="1" smtClean="0"/>
+              <a:t>trính</a:t>
+            </a:r>
+            <a:r>
+              <a:rPr lang="en-US" baseline="0" dirty="0" smtClean="0"/>
+              <a:t> </a:t>
+            </a:r>
+            <a:r>
+              <a:rPr lang="en-US" baseline="0" dirty="0" err="1" smtClean="0"/>
+              <a:t>tham</a:t>
+            </a:r>
+            <a:r>
+              <a:rPr lang="en-US" baseline="0" dirty="0" smtClean="0"/>
+              <a:t> </a:t>
+            </a:r>
+            <a:r>
+              <a:rPr lang="en-US" baseline="0" dirty="0" err="1" smtClean="0"/>
+              <a:t>gia</a:t>
+            </a:r>
+            <a:r>
+              <a:rPr lang="en-US" baseline="0" dirty="0" smtClean="0"/>
+              <a:t> </a:t>
+            </a:r>
+            <a:r>
+              <a:rPr lang="en-US" baseline="0" dirty="0" err="1" smtClean="0"/>
+              <a:t>giao</a:t>
+            </a:r>
+            <a:r>
+              <a:rPr lang="en-US" baseline="0" dirty="0" smtClean="0"/>
+              <a:t> </a:t>
+            </a:r>
+            <a:r>
+              <a:rPr lang="en-US" baseline="0" dirty="0" err="1" smtClean="0"/>
+              <a:t>thông</a:t>
+            </a:r>
+            <a:r>
+              <a:rPr lang="en-US" baseline="0" dirty="0" smtClean="0"/>
+              <a:t>.</a:t>
+            </a:r>
             <a:endParaRPr lang="en-US" dirty="0"/>
           </a:p>
         </p:txBody>
@@ -2686,7 +3576,7 @@
     </p:spTree>
     <p:extLst>
       <p:ext uri="{BB962C8B-B14F-4D97-AF65-F5344CB8AC3E}">
-        <p14:creationId xmlns:p14="http://schemas.microsoft.com/office/powerpoint/2010/main" val="800715067"/>
+        <p14:creationId xmlns:p14="http://schemas.microsoft.com/office/powerpoint/2010/main" val="1402480612"/>
       </p:ext>
     </p:extLst>
   </p:cSld>
@@ -2741,122 +3631,240 @@
           <a:lstStyle/>
           <a:p>
             <a:r>
-              <a:rPr lang="en-US" baseline="0" dirty="0" err="1" smtClean="0"/>
-              <a:t>Tôi</a:t>
-            </a:r>
-            <a:r>
-              <a:rPr lang="en-US" baseline="0" dirty="0" smtClean="0"/>
-              <a:t> </a:t>
-            </a:r>
-            <a:r>
-              <a:rPr lang="en-US" baseline="0" dirty="0" err="1" smtClean="0"/>
-              <a:t>xin</a:t>
-            </a:r>
-            <a:r>
-              <a:rPr lang="en-US" baseline="0" dirty="0" smtClean="0"/>
-              <a:t> </a:t>
-            </a:r>
-            <a:r>
-              <a:rPr lang="en-US" baseline="0" dirty="0" err="1" smtClean="0"/>
-              <a:t>trình</a:t>
-            </a:r>
-            <a:r>
-              <a:rPr lang="en-US" baseline="0" dirty="0" smtClean="0"/>
-              <a:t> </a:t>
-            </a:r>
-            <a:r>
-              <a:rPr lang="en-US" baseline="0" dirty="0" err="1" smtClean="0"/>
-              <a:t>bày</a:t>
-            </a:r>
-            <a:r>
-              <a:rPr lang="en-US" baseline="0" dirty="0" smtClean="0"/>
-              <a:t> </a:t>
-            </a:r>
-            <a:r>
-              <a:rPr lang="en-US" baseline="0" dirty="0" err="1" smtClean="0"/>
-              <a:t>về</a:t>
-            </a:r>
-            <a:r>
-              <a:rPr lang="en-US" baseline="0" dirty="0" smtClean="0"/>
-              <a:t> </a:t>
-            </a:r>
-            <a:r>
-              <a:rPr lang="en-US" baseline="0" dirty="0" err="1" smtClean="0"/>
-              <a:t>kiến</a:t>
-            </a:r>
-            <a:r>
-              <a:rPr lang="en-US" baseline="0" dirty="0" smtClean="0"/>
-              <a:t> </a:t>
-            </a:r>
-            <a:r>
-              <a:rPr lang="en-US" baseline="0" dirty="0" err="1" smtClean="0"/>
-              <a:t>trúc</a:t>
-            </a:r>
-            <a:r>
-              <a:rPr lang="en-US" baseline="0" dirty="0" smtClean="0"/>
-              <a:t>….</a:t>
-            </a:r>
-            <a:r>
-              <a:rPr lang="en-US" baseline="0" dirty="0" err="1" smtClean="0"/>
-              <a:t>và</a:t>
-            </a:r>
-            <a:r>
-              <a:rPr lang="en-US" baseline="0" dirty="0" smtClean="0"/>
-              <a:t> </a:t>
-            </a:r>
-            <a:r>
-              <a:rPr lang="en-US" baseline="0" dirty="0" err="1" smtClean="0"/>
-              <a:t>thứ</a:t>
-            </a:r>
-            <a:r>
-              <a:rPr lang="en-US" baseline="0" dirty="0" smtClean="0"/>
-              <a:t> </a:t>
-            </a:r>
-            <a:r>
-              <a:rPr lang="en-US" baseline="0" dirty="0" err="1" smtClean="0"/>
-              <a:t>tự</a:t>
-            </a:r>
-            <a:r>
-              <a:rPr lang="en-US" baseline="0" dirty="0" smtClean="0"/>
-              <a:t> </a:t>
-            </a:r>
-            <a:r>
-              <a:rPr lang="en-US" baseline="0" dirty="0" err="1" smtClean="0"/>
-              <a:t>hệ</a:t>
-            </a:r>
-            <a:r>
-              <a:rPr lang="en-US" baseline="0" dirty="0" smtClean="0"/>
-              <a:t> </a:t>
-            </a:r>
-            <a:r>
-              <a:rPr lang="en-US" baseline="0" dirty="0" err="1" smtClean="0"/>
-              <a:t>thống</a:t>
-            </a:r>
-            <a:r>
-              <a:rPr lang="en-US" baseline="0" dirty="0" smtClean="0"/>
-              <a:t> </a:t>
-            </a:r>
-            <a:r>
-              <a:rPr lang="en-US" baseline="0" dirty="0" err="1" smtClean="0"/>
-              <a:t>hoạt</a:t>
-            </a:r>
-            <a:r>
-              <a:rPr lang="en-US" baseline="0" dirty="0" smtClean="0"/>
-              <a:t> </a:t>
-            </a:r>
-            <a:r>
-              <a:rPr lang="en-US" baseline="0" dirty="0" err="1" smtClean="0"/>
-              <a:t>động</a:t>
-            </a:r>
-            <a:r>
-              <a:rPr lang="en-US" baseline="0" dirty="0" smtClean="0"/>
-              <a:t>.</a:t>
-            </a:r>
-          </a:p>
-          <a:p>
-            <a:r>
-              <a:rPr lang="en-US" baseline="0" dirty="0" err="1" smtClean="0"/>
-              <a:t>Thứ</a:t>
+              <a:rPr lang="en-US" dirty="0" err="1" smtClean="0"/>
+              <a:t>Thuật</a:t>
+            </a:r>
+            <a:r>
+              <a:rPr lang="en-US" dirty="0" smtClean="0"/>
+              <a:t> </a:t>
+            </a:r>
+            <a:r>
+              <a:rPr lang="en-US" dirty="0" err="1" smtClean="0"/>
+              <a:t>toán</a:t>
+            </a:r>
+            <a:r>
+              <a:rPr lang="en-US" baseline="0" dirty="0" smtClean="0"/>
+              <a:t> </a:t>
+            </a:r>
+            <a:r>
+              <a:rPr lang="en-US" baseline="0" dirty="0" err="1" smtClean="0"/>
+              <a:t>sẽ</a:t>
+            </a:r>
+            <a:r>
+              <a:rPr lang="en-US" baseline="0" dirty="0" smtClean="0"/>
+              <a:t> </a:t>
+            </a:r>
+            <a:r>
+              <a:rPr lang="en-US" baseline="0" dirty="0" err="1" smtClean="0"/>
+              <a:t>liệt</a:t>
+            </a:r>
+            <a:r>
+              <a:rPr lang="en-US" baseline="0" dirty="0" smtClean="0"/>
+              <a:t> </a:t>
+            </a:r>
+            <a:r>
+              <a:rPr lang="en-US" baseline="0" dirty="0" err="1" smtClean="0"/>
+              <a:t>kê</a:t>
+            </a:r>
+            <a:r>
+              <a:rPr lang="en-US" baseline="0" dirty="0" smtClean="0"/>
+              <a:t> </a:t>
+            </a:r>
+            <a:r>
+              <a:rPr lang="en-US" baseline="0" dirty="0" err="1" smtClean="0"/>
+              <a:t>hết</a:t>
+            </a:r>
+            <a:r>
+              <a:rPr lang="en-US" baseline="0" dirty="0" smtClean="0"/>
+              <a:t> </a:t>
+            </a:r>
+            <a:r>
+              <a:rPr lang="en-US" baseline="0" dirty="0" err="1" smtClean="0"/>
+              <a:t>tất</a:t>
+            </a:r>
+            <a:r>
+              <a:rPr lang="en-US" baseline="0" dirty="0" smtClean="0"/>
+              <a:t> </a:t>
+            </a:r>
+            <a:r>
+              <a:rPr lang="en-US" baseline="0" dirty="0" err="1" smtClean="0"/>
+              <a:t>cả</a:t>
+            </a:r>
+            <a:r>
+              <a:rPr lang="en-US" baseline="0" dirty="0" smtClean="0"/>
+              <a:t> </a:t>
+            </a:r>
+            <a:r>
+              <a:rPr lang="en-US" baseline="0" dirty="0" err="1" smtClean="0"/>
+              <a:t>các</a:t>
+            </a:r>
+            <a:r>
+              <a:rPr lang="en-US" baseline="0" dirty="0" smtClean="0"/>
+              <a:t> </a:t>
+            </a:r>
+            <a:r>
+              <a:rPr lang="en-US" baseline="0" dirty="0" err="1" smtClean="0"/>
+              <a:t>trường</a:t>
+            </a:r>
+            <a:r>
+              <a:rPr lang="en-US" baseline="0" dirty="0" smtClean="0"/>
+              <a:t> </a:t>
+            </a:r>
+            <a:r>
+              <a:rPr lang="en-US" baseline="0" dirty="0" err="1" smtClean="0"/>
+              <a:t>hợp</a:t>
+            </a:r>
+            <a:r>
+              <a:rPr lang="en-US" baseline="0" dirty="0" smtClean="0"/>
+              <a:t> </a:t>
+            </a:r>
+            <a:r>
+              <a:rPr lang="en-US" baseline="0" dirty="0" err="1" smtClean="0"/>
+              <a:t>có</a:t>
+            </a:r>
+            <a:r>
+              <a:rPr lang="en-US" baseline="0" dirty="0" smtClean="0"/>
+              <a:t> </a:t>
+            </a:r>
+            <a:r>
+              <a:rPr lang="en-US" baseline="0" dirty="0" err="1" smtClean="0"/>
+              <a:t>thể</a:t>
+            </a:r>
+            <a:r>
+              <a:rPr lang="en-US" baseline="0" dirty="0" smtClean="0"/>
+              <a:t> </a:t>
+            </a:r>
+            <a:r>
+              <a:rPr lang="en-US" baseline="0" dirty="0" err="1" smtClean="0"/>
+              <a:t>gửi</a:t>
+            </a:r>
+            <a:r>
+              <a:rPr lang="en-US" baseline="0" dirty="0" smtClean="0"/>
+              <a:t> </a:t>
+            </a:r>
+            <a:r>
+              <a:rPr lang="en-US" baseline="0" dirty="0" err="1" smtClean="0"/>
+              <a:t>lên</a:t>
+            </a:r>
+            <a:r>
+              <a:rPr lang="en-US" baseline="0" dirty="0" smtClean="0"/>
+              <a:t> </a:t>
+            </a:r>
+            <a:r>
+              <a:rPr lang="en-US" baseline="0" dirty="0" err="1" smtClean="0"/>
+              <a:t>google</a:t>
+            </a:r>
+            <a:r>
+              <a:rPr lang="en-US" baseline="0" dirty="0" smtClean="0"/>
+              <a:t> API…</a:t>
+            </a:r>
+            <a:r>
+              <a:rPr lang="en-US" baseline="0" dirty="0" err="1" smtClean="0"/>
+              <a:t>sau</a:t>
+            </a:r>
+            <a:r>
+              <a:rPr lang="en-US" baseline="0" dirty="0" smtClean="0"/>
+              <a:t> </a:t>
+            </a:r>
+            <a:r>
+              <a:rPr lang="en-US" baseline="0" dirty="0" err="1" smtClean="0"/>
+              <a:t>đó</a:t>
+            </a:r>
+            <a:r>
+              <a:rPr lang="en-US" baseline="0" dirty="0" smtClean="0"/>
+              <a:t> </a:t>
+            </a:r>
+            <a:r>
+              <a:rPr lang="en-US" baseline="0" dirty="0" err="1" smtClean="0"/>
+              <a:t>xử</a:t>
+            </a:r>
+            <a:r>
+              <a:rPr lang="en-US" baseline="0" dirty="0" smtClean="0"/>
+              <a:t> </a:t>
+            </a:r>
+            <a:r>
+              <a:rPr lang="en-US" baseline="0" dirty="0" err="1" smtClean="0"/>
+              <a:t>lý</a:t>
+            </a:r>
+            <a:r>
+              <a:rPr lang="en-US" baseline="0" dirty="0" smtClean="0"/>
+              <a:t> </a:t>
+            </a:r>
+            <a:r>
+              <a:rPr lang="en-US" baseline="0" dirty="0" err="1" smtClean="0"/>
+              <a:t>nhưng</a:t>
+            </a:r>
+            <a:r>
+              <a:rPr lang="en-US" baseline="0" dirty="0" smtClean="0"/>
+              <a:t> </a:t>
+            </a:r>
+            <a:r>
+              <a:rPr lang="en-US" baseline="0" dirty="0" err="1" smtClean="0"/>
+              <a:t>kết</a:t>
+            </a:r>
+            <a:r>
+              <a:rPr lang="en-US" baseline="0" dirty="0" smtClean="0"/>
+              <a:t> </a:t>
+            </a:r>
+            <a:r>
+              <a:rPr lang="en-US" baseline="0" dirty="0" err="1" smtClean="0"/>
+              <a:t>quả</a:t>
+            </a:r>
+            <a:r>
+              <a:rPr lang="en-US" baseline="0" dirty="0" smtClean="0"/>
+              <a:t> </a:t>
+            </a:r>
+            <a:r>
+              <a:rPr lang="en-US" baseline="0" dirty="0" err="1" smtClean="0"/>
+              <a:t>đó</a:t>
+            </a:r>
+            <a:r>
+              <a:rPr lang="en-US" baseline="0" dirty="0" smtClean="0"/>
+              <a:t> </a:t>
+            </a:r>
+            <a:r>
+              <a:rPr lang="en-US" baseline="0" dirty="0" err="1" smtClean="0"/>
+              <a:t>để</a:t>
+            </a:r>
+            <a:r>
+              <a:rPr lang="en-US" baseline="0" dirty="0" smtClean="0"/>
+              <a:t> </a:t>
+            </a:r>
+            <a:r>
+              <a:rPr lang="en-US" baseline="0" dirty="0" err="1" smtClean="0"/>
+              <a:t>chọn</a:t>
+            </a:r>
+            <a:r>
+              <a:rPr lang="en-US" baseline="0" dirty="0" smtClean="0"/>
+              <a:t> </a:t>
+            </a:r>
+            <a:r>
+              <a:rPr lang="en-US" baseline="0" dirty="0" err="1" smtClean="0"/>
+              <a:t>ra</a:t>
+            </a:r>
+            <a:r>
+              <a:rPr lang="en-US" baseline="0" dirty="0" smtClean="0"/>
+              <a:t> </a:t>
+            </a:r>
+            <a:r>
+              <a:rPr lang="en-US" baseline="0" dirty="0" err="1" smtClean="0"/>
+              <a:t>đường</a:t>
+            </a:r>
+            <a:r>
+              <a:rPr lang="en-US" baseline="0" dirty="0" smtClean="0"/>
+              <a:t> </a:t>
+            </a:r>
+            <a:r>
+              <a:rPr lang="en-US" baseline="0" dirty="0" err="1" smtClean="0"/>
+              <a:t>đi</a:t>
+            </a:r>
+            <a:r>
+              <a:rPr lang="en-US" baseline="0" dirty="0" smtClean="0"/>
+              <a:t> </a:t>
+            </a:r>
+            <a:r>
+              <a:rPr lang="en-US" baseline="0" dirty="0" err="1" smtClean="0"/>
+              <a:t>tốt</a:t>
             </a:r>
             <a:r>
               <a:rPr lang="en-US" baseline="0" dirty="0" smtClean="0"/>
@@ -2865,1136 +3873,6 @@
             <a:r>
               <a:rPr lang="en-US" baseline="0" dirty="0" err="1" smtClean="0"/>
               <a:t>nhất</a:t>
-            </a:r>
-            <a:r>
-              <a:rPr lang="en-US" baseline="0" dirty="0" smtClean="0"/>
-              <a:t> </a:t>
-            </a:r>
-            <a:r>
-              <a:rPr lang="en-US" baseline="0" dirty="0" err="1" smtClean="0"/>
-              <a:t>chúng</a:t>
-            </a:r>
-            <a:r>
-              <a:rPr lang="en-US" baseline="0" dirty="0" smtClean="0"/>
-              <a:t> ta </a:t>
-            </a:r>
-            <a:r>
-              <a:rPr lang="en-US" baseline="0" dirty="0" err="1" smtClean="0"/>
-              <a:t>có</a:t>
-            </a:r>
-            <a:r>
-              <a:rPr lang="en-US" baseline="0" dirty="0" smtClean="0"/>
-              <a:t>  </a:t>
-            </a:r>
-            <a:r>
-              <a:rPr lang="en-US" baseline="0" dirty="0" err="1" smtClean="0"/>
-              <a:t>thể</a:t>
-            </a:r>
-            <a:r>
-              <a:rPr lang="en-US" baseline="0" dirty="0" smtClean="0"/>
-              <a:t> search </a:t>
-            </a:r>
-            <a:r>
-              <a:rPr lang="en-US" baseline="0" dirty="0" err="1" smtClean="0"/>
-              <a:t>đường</a:t>
-            </a:r>
-            <a:r>
-              <a:rPr lang="en-US" baseline="0" dirty="0" smtClean="0"/>
-              <a:t> </a:t>
-            </a:r>
-            <a:r>
-              <a:rPr lang="en-US" baseline="0" dirty="0" err="1" smtClean="0"/>
-              <a:t>đi</a:t>
-            </a:r>
-            <a:r>
-              <a:rPr lang="en-US" baseline="0" dirty="0" smtClean="0"/>
-              <a:t> </a:t>
-            </a:r>
-            <a:r>
-              <a:rPr lang="en-US" baseline="0" dirty="0" err="1" smtClean="0"/>
-              <a:t>bằng</a:t>
-            </a:r>
-            <a:r>
-              <a:rPr lang="en-US" baseline="0" dirty="0" smtClean="0"/>
-              <a:t> </a:t>
-            </a:r>
-            <a:r>
-              <a:rPr lang="en-US" baseline="0" dirty="0" err="1" smtClean="0"/>
-              <a:t>giọng</a:t>
-            </a:r>
-            <a:r>
-              <a:rPr lang="en-US" baseline="0" dirty="0" smtClean="0"/>
-              <a:t> </a:t>
-            </a:r>
-            <a:r>
-              <a:rPr lang="en-US" baseline="0" dirty="0" err="1" smtClean="0"/>
-              <a:t>nói</a:t>
-            </a:r>
-            <a:r>
-              <a:rPr lang="en-US" baseline="0" dirty="0" smtClean="0"/>
-              <a:t> </a:t>
-            </a:r>
-            <a:r>
-              <a:rPr lang="en-US" baseline="0" dirty="0" err="1" smtClean="0"/>
-              <a:t>hoặc</a:t>
-            </a:r>
-            <a:r>
-              <a:rPr lang="en-US" baseline="0" dirty="0" smtClean="0"/>
-              <a:t> </a:t>
-            </a:r>
-            <a:r>
-              <a:rPr lang="en-US" baseline="0" dirty="0" err="1" smtClean="0"/>
-              <a:t>là</a:t>
-            </a:r>
-            <a:r>
-              <a:rPr lang="en-US" baseline="0" dirty="0" smtClean="0"/>
-              <a:t> </a:t>
-            </a:r>
-            <a:r>
-              <a:rPr lang="en-US" baseline="0" dirty="0" err="1" smtClean="0"/>
-              <a:t>bằng</a:t>
-            </a:r>
-            <a:r>
-              <a:rPr lang="en-US" baseline="0" dirty="0" smtClean="0"/>
-              <a:t> text.</a:t>
-            </a:r>
-          </a:p>
-          <a:p>
-            <a:r>
-              <a:rPr lang="en-US" baseline="0" dirty="0" err="1" smtClean="0"/>
-              <a:t>Nếu</a:t>
-            </a:r>
-            <a:r>
-              <a:rPr lang="en-US" baseline="0" dirty="0" smtClean="0"/>
-              <a:t> </a:t>
-            </a:r>
-            <a:r>
-              <a:rPr lang="en-US" baseline="0" dirty="0" err="1" smtClean="0"/>
-              <a:t>bằng</a:t>
-            </a:r>
-            <a:r>
-              <a:rPr lang="en-US" baseline="0" dirty="0" smtClean="0"/>
-              <a:t> </a:t>
-            </a:r>
-            <a:r>
-              <a:rPr lang="en-US" baseline="0" dirty="0" err="1" smtClean="0"/>
-              <a:t>giọng</a:t>
-            </a:r>
-            <a:r>
-              <a:rPr lang="en-US" baseline="0" dirty="0" smtClean="0"/>
-              <a:t> </a:t>
-            </a:r>
-            <a:r>
-              <a:rPr lang="en-US" baseline="0" dirty="0" err="1" smtClean="0"/>
-              <a:t>nói</a:t>
-            </a:r>
-            <a:r>
-              <a:rPr lang="en-US" baseline="0" dirty="0" smtClean="0"/>
-              <a:t> </a:t>
-            </a:r>
-            <a:r>
-              <a:rPr lang="en-US" baseline="0" dirty="0" err="1" smtClean="0"/>
-              <a:t>thì</a:t>
-            </a:r>
-            <a:r>
-              <a:rPr lang="en-US" baseline="0" dirty="0" smtClean="0"/>
-              <a:t> </a:t>
-            </a:r>
-            <a:r>
-              <a:rPr lang="en-US" baseline="0" dirty="0" err="1" smtClean="0"/>
-              <a:t>sẽ</a:t>
-            </a:r>
-            <a:r>
-              <a:rPr lang="en-US" baseline="0" dirty="0" smtClean="0"/>
-              <a:t> </a:t>
-            </a:r>
-            <a:r>
-              <a:rPr lang="en-US" baseline="0" dirty="0" err="1" smtClean="0"/>
-              <a:t>gửi</a:t>
-            </a:r>
-            <a:r>
-              <a:rPr lang="en-US" baseline="0" dirty="0" smtClean="0"/>
-              <a:t> </a:t>
-            </a:r>
-            <a:r>
-              <a:rPr lang="en-US" baseline="0" dirty="0" err="1" smtClean="0"/>
-              <a:t>lên</a:t>
-            </a:r>
-            <a:r>
-              <a:rPr lang="en-US" baseline="0" dirty="0" smtClean="0"/>
-              <a:t> </a:t>
-            </a:r>
-            <a:r>
-              <a:rPr lang="en-US" baseline="0" dirty="0" err="1" smtClean="0"/>
-              <a:t>google</a:t>
-            </a:r>
-            <a:r>
-              <a:rPr lang="en-US" baseline="0" dirty="0" smtClean="0"/>
-              <a:t> API </a:t>
-            </a:r>
-            <a:r>
-              <a:rPr lang="en-US" baseline="0" dirty="0" err="1" smtClean="0"/>
-              <a:t>và</a:t>
-            </a:r>
-            <a:r>
-              <a:rPr lang="en-US" baseline="0" dirty="0" smtClean="0"/>
-              <a:t> </a:t>
-            </a:r>
-            <a:r>
-              <a:rPr lang="en-US" baseline="0" dirty="0" err="1" smtClean="0"/>
-              <a:t>trả</a:t>
-            </a:r>
-            <a:r>
-              <a:rPr lang="en-US" baseline="0" dirty="0" smtClean="0"/>
-              <a:t> </a:t>
-            </a:r>
-            <a:r>
-              <a:rPr lang="en-US" baseline="0" dirty="0" err="1" smtClean="0"/>
-              <a:t>về</a:t>
-            </a:r>
-            <a:r>
-              <a:rPr lang="en-US" baseline="0" dirty="0" smtClean="0"/>
-              <a:t>  </a:t>
-            </a:r>
-            <a:r>
-              <a:rPr lang="en-US" baseline="0" dirty="0" err="1" smtClean="0"/>
-              <a:t>địa</a:t>
-            </a:r>
-            <a:r>
-              <a:rPr lang="en-US" baseline="0" dirty="0" smtClean="0"/>
-              <a:t> </a:t>
-            </a:r>
-            <a:r>
-              <a:rPr lang="en-US" baseline="0" dirty="0" err="1" smtClean="0"/>
-              <a:t>chỉ</a:t>
-            </a:r>
-            <a:r>
-              <a:rPr lang="en-US" baseline="0" dirty="0" smtClean="0"/>
-              <a:t> </a:t>
-            </a:r>
-            <a:r>
-              <a:rPr lang="en-US" baseline="0" dirty="0" err="1" smtClean="0"/>
-              <a:t>dạng</a:t>
-            </a:r>
-            <a:r>
-              <a:rPr lang="en-US" baseline="0" dirty="0" smtClean="0"/>
-              <a:t> text.</a:t>
-            </a:r>
-          </a:p>
-          <a:p>
-            <a:r>
-              <a:rPr lang="en-US" baseline="0" dirty="0" err="1" smtClean="0"/>
-              <a:t>Tiếp</a:t>
-            </a:r>
-            <a:r>
-              <a:rPr lang="en-US" baseline="0" dirty="0" smtClean="0"/>
-              <a:t> </a:t>
-            </a:r>
-            <a:r>
-              <a:rPr lang="en-US" baseline="0" dirty="0" err="1" smtClean="0"/>
-              <a:t>tục</a:t>
-            </a:r>
-            <a:r>
-              <a:rPr lang="en-US" baseline="0" dirty="0" smtClean="0"/>
-              <a:t> </a:t>
-            </a:r>
-            <a:r>
-              <a:rPr lang="en-US" baseline="0" dirty="0" err="1" smtClean="0"/>
-              <a:t>hệ</a:t>
-            </a:r>
-            <a:r>
-              <a:rPr lang="en-US" baseline="0" dirty="0" smtClean="0"/>
-              <a:t> </a:t>
-            </a:r>
-            <a:r>
-              <a:rPr lang="en-US" baseline="0" dirty="0" err="1" smtClean="0"/>
-              <a:t>thống</a:t>
-            </a:r>
-            <a:r>
-              <a:rPr lang="en-US" baseline="0" dirty="0" smtClean="0"/>
-              <a:t> </a:t>
-            </a:r>
-            <a:r>
-              <a:rPr lang="en-US" baseline="0" dirty="0" err="1" smtClean="0"/>
-              <a:t>sẽ</a:t>
-            </a:r>
-            <a:r>
-              <a:rPr lang="en-US" baseline="0" dirty="0" smtClean="0"/>
-              <a:t> </a:t>
-            </a:r>
-            <a:r>
-              <a:rPr lang="en-US" baseline="0" dirty="0" err="1" smtClean="0"/>
-              <a:t>gửi</a:t>
-            </a:r>
-            <a:r>
-              <a:rPr lang="en-US" baseline="0" dirty="0" smtClean="0"/>
-              <a:t> request </a:t>
-            </a:r>
-            <a:r>
-              <a:rPr lang="en-US" baseline="0" dirty="0" err="1" smtClean="0"/>
-              <a:t>lên</a:t>
-            </a:r>
-            <a:r>
-              <a:rPr lang="en-US" baseline="0" dirty="0" smtClean="0"/>
-              <a:t> bus service do </a:t>
-            </a:r>
-            <a:r>
-              <a:rPr lang="en-US" baseline="0" dirty="0" err="1" smtClean="0"/>
-              <a:t>chúng</a:t>
-            </a:r>
-            <a:r>
-              <a:rPr lang="en-US" baseline="0" dirty="0" smtClean="0"/>
-              <a:t> </a:t>
-            </a:r>
-            <a:r>
-              <a:rPr lang="en-US" baseline="0" dirty="0" err="1" smtClean="0"/>
-              <a:t>tôi</a:t>
-            </a:r>
-            <a:r>
-              <a:rPr lang="en-US" baseline="0" dirty="0" smtClean="0"/>
-              <a:t> </a:t>
-            </a:r>
-            <a:r>
-              <a:rPr lang="en-US" baseline="0" dirty="0" err="1" smtClean="0"/>
-              <a:t>hiện</a:t>
-            </a:r>
-            <a:r>
-              <a:rPr lang="en-US" baseline="0" dirty="0" smtClean="0"/>
-              <a:t> </a:t>
-            </a:r>
-            <a:r>
-              <a:rPr lang="en-US" baseline="0" dirty="0" err="1" smtClean="0"/>
-              <a:t>thực</a:t>
-            </a:r>
-            <a:r>
-              <a:rPr lang="en-US" baseline="0" dirty="0" smtClean="0"/>
-              <a:t> </a:t>
-            </a:r>
-            <a:r>
-              <a:rPr lang="en-US" baseline="0" dirty="0" err="1" smtClean="0"/>
-              <a:t>sẽ</a:t>
-            </a:r>
-            <a:r>
-              <a:rPr lang="en-US" baseline="0" dirty="0" smtClean="0"/>
-              <a:t> </a:t>
-            </a:r>
-            <a:r>
-              <a:rPr lang="en-US" baseline="0" dirty="0" err="1" smtClean="0"/>
-              <a:t>trả</a:t>
-            </a:r>
-            <a:r>
-              <a:rPr lang="en-US" baseline="0" dirty="0" smtClean="0"/>
-              <a:t> </a:t>
-            </a:r>
-            <a:r>
-              <a:rPr lang="en-US" baseline="0" dirty="0" err="1" smtClean="0"/>
-              <a:t>về</a:t>
-            </a:r>
-            <a:r>
-              <a:rPr lang="en-US" baseline="0" dirty="0" smtClean="0"/>
-              <a:t> list </a:t>
-            </a:r>
-            <a:r>
-              <a:rPr lang="en-US" baseline="0" dirty="0" err="1" smtClean="0"/>
-              <a:t>của</a:t>
-            </a:r>
-            <a:r>
-              <a:rPr lang="en-US" baseline="0" dirty="0" smtClean="0"/>
-              <a:t> </a:t>
-            </a:r>
-            <a:r>
-              <a:rPr lang="en-US" baseline="0" dirty="0" err="1" smtClean="0"/>
-              <a:t>các</a:t>
-            </a:r>
-            <a:r>
-              <a:rPr lang="en-US" baseline="0" dirty="0" smtClean="0"/>
-              <a:t> result.</a:t>
-            </a:r>
-          </a:p>
-          <a:p>
-            <a:r>
-              <a:rPr lang="en-US" baseline="0" dirty="0" err="1" smtClean="0"/>
-              <a:t>Tiếp</a:t>
-            </a:r>
-            <a:r>
-              <a:rPr lang="en-US" baseline="0" dirty="0" smtClean="0"/>
-              <a:t> </a:t>
-            </a:r>
-            <a:r>
-              <a:rPr lang="en-US" baseline="0" dirty="0" err="1" smtClean="0"/>
-              <a:t>tục</a:t>
-            </a:r>
-            <a:r>
-              <a:rPr lang="en-US" baseline="0" dirty="0" smtClean="0"/>
-              <a:t> </a:t>
-            </a:r>
-            <a:r>
-              <a:rPr lang="en-US" baseline="0" dirty="0" err="1" smtClean="0"/>
-              <a:t>hệ</a:t>
-            </a:r>
-            <a:r>
-              <a:rPr lang="en-US" baseline="0" dirty="0" smtClean="0"/>
-              <a:t> </a:t>
-            </a:r>
-            <a:r>
-              <a:rPr lang="en-US" baseline="0" dirty="0" err="1" smtClean="0"/>
-              <a:t>thống</a:t>
-            </a:r>
-            <a:r>
-              <a:rPr lang="en-US" baseline="0" dirty="0" smtClean="0"/>
-              <a:t> </a:t>
-            </a:r>
-            <a:r>
-              <a:rPr lang="en-US" baseline="0" dirty="0" err="1" smtClean="0"/>
-              <a:t>sẽ</a:t>
-            </a:r>
-            <a:r>
-              <a:rPr lang="en-US" baseline="0" dirty="0" smtClean="0"/>
-              <a:t> </a:t>
-            </a:r>
-            <a:r>
-              <a:rPr lang="en-US" baseline="0" dirty="0" err="1" smtClean="0"/>
-              <a:t>gửi</a:t>
-            </a:r>
-            <a:r>
-              <a:rPr lang="en-US" baseline="0" dirty="0" smtClean="0"/>
-              <a:t> </a:t>
-            </a:r>
-            <a:r>
-              <a:rPr lang="en-US" baseline="0" dirty="0" err="1" smtClean="0"/>
-              <a:t>requesst</a:t>
-            </a:r>
-            <a:r>
-              <a:rPr lang="en-US" baseline="0" dirty="0" smtClean="0"/>
-              <a:t> </a:t>
-            </a:r>
-            <a:r>
-              <a:rPr lang="en-US" baseline="0" dirty="0" err="1" smtClean="0"/>
-              <a:t>lên</a:t>
-            </a:r>
-            <a:r>
-              <a:rPr lang="en-US" baseline="0" dirty="0" smtClean="0"/>
-              <a:t> FPT service </a:t>
-            </a:r>
-            <a:r>
-              <a:rPr lang="en-US" baseline="0" dirty="0" err="1" smtClean="0"/>
-              <a:t>để</a:t>
-            </a:r>
-            <a:r>
-              <a:rPr lang="en-US" baseline="0" dirty="0" smtClean="0"/>
-              <a:t> </a:t>
-            </a:r>
-            <a:r>
-              <a:rPr lang="en-US" baseline="0" dirty="0" err="1" smtClean="0"/>
-              <a:t>lấy</a:t>
-            </a:r>
-            <a:r>
-              <a:rPr lang="en-US" baseline="0" dirty="0" smtClean="0"/>
-              <a:t> </a:t>
-            </a:r>
-            <a:r>
-              <a:rPr lang="en-US" baseline="0" dirty="0" err="1" smtClean="0"/>
-              <a:t>các</a:t>
-            </a:r>
-            <a:r>
-              <a:rPr lang="en-US" baseline="0" dirty="0" smtClean="0"/>
-              <a:t> file </a:t>
-            </a:r>
-            <a:r>
-              <a:rPr lang="en-US" baseline="0" dirty="0" err="1" smtClean="0"/>
-              <a:t>hướng</a:t>
-            </a:r>
-            <a:r>
-              <a:rPr lang="en-US" baseline="0" dirty="0" smtClean="0"/>
-              <a:t> </a:t>
-            </a:r>
-            <a:r>
-              <a:rPr lang="en-US" baseline="0" dirty="0" err="1" smtClean="0"/>
-              <a:t>dẫn</a:t>
-            </a:r>
-            <a:r>
-              <a:rPr lang="en-US" baseline="0" dirty="0" smtClean="0"/>
-              <a:t> </a:t>
-            </a:r>
-            <a:r>
-              <a:rPr lang="en-US" baseline="0" dirty="0" err="1" smtClean="0"/>
-              <a:t>đường</a:t>
-            </a:r>
-            <a:r>
-              <a:rPr lang="en-US" baseline="0" dirty="0" smtClean="0"/>
-              <a:t> ở </a:t>
-            </a:r>
-            <a:r>
-              <a:rPr lang="en-US" baseline="0" dirty="0" err="1" smtClean="0"/>
-              <a:t>dạng</a:t>
-            </a:r>
-            <a:r>
-              <a:rPr lang="en-US" baseline="0" dirty="0" smtClean="0"/>
-              <a:t> audio. </a:t>
-            </a:r>
-          </a:p>
-          <a:p>
-            <a:r>
-              <a:rPr lang="en-US" baseline="0" dirty="0" err="1" smtClean="0"/>
-              <a:t>Tiếp</a:t>
-            </a:r>
-            <a:r>
-              <a:rPr lang="en-US" baseline="0" dirty="0" smtClean="0"/>
-              <a:t> </a:t>
-            </a:r>
-            <a:r>
-              <a:rPr lang="en-US" baseline="0" dirty="0" err="1" smtClean="0"/>
-              <a:t>tục</a:t>
-            </a:r>
-            <a:r>
-              <a:rPr lang="en-US" baseline="0" dirty="0" smtClean="0"/>
-              <a:t> </a:t>
-            </a:r>
-            <a:r>
-              <a:rPr lang="en-US" baseline="0" dirty="0" err="1" smtClean="0"/>
-              <a:t>hệ</a:t>
-            </a:r>
-            <a:r>
-              <a:rPr lang="en-US" baseline="0" dirty="0" smtClean="0"/>
-              <a:t> </a:t>
-            </a:r>
-            <a:r>
-              <a:rPr lang="en-US" baseline="0" dirty="0" err="1" smtClean="0"/>
-              <a:t>thống</a:t>
-            </a:r>
-            <a:r>
-              <a:rPr lang="en-US" baseline="0" dirty="0" smtClean="0"/>
-              <a:t> </a:t>
-            </a:r>
-            <a:r>
-              <a:rPr lang="en-US" baseline="0" dirty="0" err="1" smtClean="0"/>
-              <a:t>sẽ</a:t>
-            </a:r>
-            <a:r>
-              <a:rPr lang="en-US" baseline="0" dirty="0" smtClean="0"/>
-              <a:t> </a:t>
-            </a:r>
-            <a:r>
-              <a:rPr lang="en-US" baseline="0" dirty="0" err="1" smtClean="0"/>
-              <a:t>treaminze</a:t>
-            </a:r>
-            <a:r>
-              <a:rPr lang="en-US" baseline="0" dirty="0" smtClean="0"/>
-              <a:t> </a:t>
-            </a:r>
-            <a:r>
-              <a:rPr lang="en-US" baseline="0" dirty="0" err="1" smtClean="0"/>
-              <a:t>dữ</a:t>
-            </a:r>
-            <a:r>
-              <a:rPr lang="en-US" baseline="0" dirty="0" smtClean="0"/>
-              <a:t> </a:t>
-            </a:r>
-            <a:r>
-              <a:rPr lang="en-US" baseline="0" dirty="0" err="1" smtClean="0"/>
-              <a:t>liệu</a:t>
-            </a:r>
-            <a:r>
-              <a:rPr lang="en-US" baseline="0" dirty="0" smtClean="0"/>
-              <a:t> qua </a:t>
-            </a:r>
-            <a:r>
-              <a:rPr lang="en-US" baseline="0" dirty="0" err="1" smtClean="0"/>
-              <a:t>lại</a:t>
-            </a:r>
-            <a:r>
-              <a:rPr lang="en-US" baseline="0" dirty="0" smtClean="0"/>
-              <a:t> </a:t>
-            </a:r>
-            <a:r>
-              <a:rPr lang="en-US" baseline="0" dirty="0" err="1" smtClean="0"/>
-              <a:t>giữa</a:t>
-            </a:r>
-            <a:r>
-              <a:rPr lang="en-US" baseline="0" dirty="0" smtClean="0"/>
-              <a:t> wear </a:t>
-            </a:r>
-            <a:r>
-              <a:rPr lang="en-US" baseline="0" dirty="0" err="1" smtClean="0"/>
-              <a:t>và</a:t>
-            </a:r>
-            <a:r>
-              <a:rPr lang="en-US" baseline="0" dirty="0" smtClean="0"/>
-              <a:t> mobile</a:t>
-            </a:r>
-          </a:p>
-          <a:p>
-            <a:r>
-              <a:rPr lang="en-US" baseline="0" dirty="0" err="1" smtClean="0"/>
-              <a:t>Người</a:t>
-            </a:r>
-            <a:r>
-              <a:rPr lang="en-US" baseline="0" dirty="0" smtClean="0"/>
-              <a:t> </a:t>
-            </a:r>
-            <a:r>
-              <a:rPr lang="en-US" baseline="0" dirty="0" err="1" smtClean="0"/>
-              <a:t>sử</a:t>
-            </a:r>
-            <a:r>
-              <a:rPr lang="en-US" baseline="0" dirty="0" smtClean="0"/>
-              <a:t> </a:t>
-            </a:r>
-            <a:r>
-              <a:rPr lang="en-US" baseline="0" dirty="0" err="1" smtClean="0"/>
-              <a:t>dụng</a:t>
-            </a:r>
-            <a:r>
-              <a:rPr lang="en-US" baseline="0" dirty="0" smtClean="0"/>
-              <a:t> </a:t>
-            </a:r>
-            <a:r>
-              <a:rPr lang="en-US" baseline="0" dirty="0" err="1" smtClean="0"/>
-              <a:t>có</a:t>
-            </a:r>
-            <a:r>
-              <a:rPr lang="en-US" baseline="0" dirty="0" smtClean="0"/>
-              <a:t> </a:t>
-            </a:r>
-            <a:r>
-              <a:rPr lang="en-US" baseline="0" dirty="0" err="1" smtClean="0"/>
-              <a:t>thể</a:t>
-            </a:r>
-            <a:r>
-              <a:rPr lang="en-US" baseline="0" dirty="0" smtClean="0"/>
-              <a:t> </a:t>
-            </a:r>
-            <a:r>
-              <a:rPr lang="en-US" baseline="0" dirty="0" err="1" smtClean="0"/>
-              <a:t>sử</a:t>
-            </a:r>
-            <a:r>
-              <a:rPr lang="en-US" baseline="0" dirty="0" smtClean="0"/>
-              <a:t> </a:t>
-            </a:r>
-            <a:r>
-              <a:rPr lang="en-US" baseline="0" dirty="0" err="1" smtClean="0"/>
-              <a:t>dụng</a:t>
-            </a:r>
-            <a:r>
-              <a:rPr lang="en-US" baseline="0" dirty="0" smtClean="0"/>
-              <a:t> </a:t>
-            </a:r>
-            <a:r>
-              <a:rPr lang="en-US" baseline="0" dirty="0" err="1" smtClean="0"/>
-              <a:t>chức</a:t>
-            </a:r>
-            <a:r>
-              <a:rPr lang="en-US" baseline="0" dirty="0" smtClean="0"/>
-              <a:t> </a:t>
-            </a:r>
-            <a:r>
-              <a:rPr lang="en-US" baseline="0" dirty="0" err="1" smtClean="0"/>
-              <a:t>năng</a:t>
-            </a:r>
-            <a:r>
-              <a:rPr lang="en-US" baseline="0" dirty="0" smtClean="0"/>
-              <a:t> </a:t>
-            </a:r>
-            <a:r>
-              <a:rPr lang="en-US" baseline="0" dirty="0" err="1" smtClean="0"/>
-              <a:t>giọng</a:t>
-            </a:r>
-            <a:r>
-              <a:rPr lang="en-US" baseline="0" dirty="0" smtClean="0"/>
-              <a:t> </a:t>
-            </a:r>
-            <a:r>
-              <a:rPr lang="en-US" baseline="0" dirty="0" err="1" smtClean="0"/>
-              <a:t>nói</a:t>
-            </a:r>
-            <a:r>
-              <a:rPr lang="en-US" baseline="0" dirty="0" smtClean="0"/>
-              <a:t> </a:t>
-            </a:r>
-            <a:r>
-              <a:rPr lang="en-US" baseline="0" dirty="0" err="1" smtClean="0"/>
-              <a:t>gửi</a:t>
-            </a:r>
-            <a:r>
-              <a:rPr lang="en-US" baseline="0" dirty="0" smtClean="0"/>
-              <a:t> </a:t>
-            </a:r>
-            <a:r>
-              <a:rPr lang="en-US" baseline="0" dirty="0" err="1" smtClean="0"/>
-              <a:t>lên</a:t>
-            </a:r>
-            <a:r>
-              <a:rPr lang="en-US" baseline="0" dirty="0" smtClean="0"/>
-              <a:t> </a:t>
-            </a:r>
-            <a:r>
-              <a:rPr lang="en-US" baseline="0" dirty="0" err="1" smtClean="0"/>
-              <a:t>google</a:t>
-            </a:r>
-            <a:r>
-              <a:rPr lang="en-US" baseline="0" dirty="0" smtClean="0"/>
-              <a:t> API </a:t>
-            </a:r>
-            <a:r>
-              <a:rPr lang="en-US" baseline="0" dirty="0" err="1" smtClean="0"/>
-              <a:t>trả</a:t>
-            </a:r>
-            <a:r>
-              <a:rPr lang="en-US" baseline="0" dirty="0" smtClean="0"/>
-              <a:t> </a:t>
-            </a:r>
-            <a:r>
-              <a:rPr lang="en-US" baseline="0" dirty="0" err="1" smtClean="0"/>
-              <a:t>về</a:t>
-            </a:r>
-            <a:r>
-              <a:rPr lang="en-US" baseline="0" dirty="0" smtClean="0"/>
-              <a:t> text </a:t>
-            </a:r>
-            <a:r>
-              <a:rPr lang="en-US" baseline="0" dirty="0" err="1" smtClean="0"/>
-              <a:t>hoặc</a:t>
-            </a:r>
-            <a:r>
-              <a:rPr lang="en-US" baseline="0" dirty="0" smtClean="0"/>
-              <a:t> </a:t>
-            </a:r>
-            <a:r>
-              <a:rPr lang="en-US" baseline="0" dirty="0" err="1" smtClean="0"/>
-              <a:t>là</a:t>
-            </a:r>
-            <a:r>
-              <a:rPr lang="en-US" baseline="0" dirty="0" smtClean="0"/>
-              <a:t> search </a:t>
-            </a:r>
-            <a:r>
-              <a:rPr lang="en-US" baseline="0" dirty="0" err="1" smtClean="0"/>
-              <a:t>bằng</a:t>
-            </a:r>
-            <a:r>
-              <a:rPr lang="en-US" baseline="0" dirty="0" smtClean="0"/>
-              <a:t> text.</a:t>
-            </a:r>
-          </a:p>
-          <a:p>
-            <a:r>
-              <a:rPr lang="en-US" baseline="0" dirty="0" err="1" smtClean="0"/>
-              <a:t>Sau</a:t>
-            </a:r>
-            <a:r>
-              <a:rPr lang="en-US" baseline="0" dirty="0" smtClean="0"/>
-              <a:t> </a:t>
-            </a:r>
-            <a:r>
-              <a:rPr lang="en-US" baseline="0" dirty="0" err="1" smtClean="0"/>
-              <a:t>đó</a:t>
-            </a:r>
-            <a:r>
-              <a:rPr lang="en-US" baseline="0" dirty="0" smtClean="0"/>
-              <a:t> </a:t>
-            </a:r>
-            <a:r>
-              <a:rPr lang="en-US" baseline="0" dirty="0" err="1" smtClean="0"/>
-              <a:t>gửi</a:t>
-            </a:r>
-            <a:r>
-              <a:rPr lang="en-US" baseline="0" dirty="0" smtClean="0"/>
-              <a:t>   </a:t>
-            </a:r>
-            <a:endParaRPr lang="en-US" dirty="0" smtClean="0"/>
-          </a:p>
-          <a:p>
-            <a:endParaRPr lang="en-US" dirty="0" smtClean="0"/>
-          </a:p>
-          <a:p>
-            <a:r>
-              <a:rPr lang="en-US" dirty="0" err="1" smtClean="0"/>
-              <a:t>Tương</a:t>
-            </a:r>
-            <a:r>
-              <a:rPr lang="en-US" baseline="0" dirty="0" smtClean="0"/>
-              <a:t> </a:t>
-            </a:r>
-            <a:r>
-              <a:rPr lang="en-US" baseline="0" dirty="0" err="1" smtClean="0"/>
-              <a:t>tự</a:t>
-            </a:r>
-            <a:r>
-              <a:rPr lang="en-US" baseline="0" dirty="0" smtClean="0"/>
-              <a:t> </a:t>
-            </a:r>
-            <a:r>
-              <a:rPr lang="en-US" baseline="0" dirty="0" err="1" smtClean="0"/>
-              <a:t>như</a:t>
-            </a:r>
-            <a:r>
-              <a:rPr lang="en-US" baseline="0" dirty="0" smtClean="0"/>
-              <a:t> </a:t>
-            </a:r>
-            <a:r>
-              <a:rPr lang="en-US" baseline="0" dirty="0" err="1" smtClean="0"/>
-              <a:t>xe</a:t>
-            </a:r>
-            <a:r>
-              <a:rPr lang="en-US" baseline="0" dirty="0" smtClean="0"/>
-              <a:t> bus..</a:t>
-            </a:r>
-            <a:r>
-              <a:rPr lang="en-US" baseline="0" dirty="0" err="1" smtClean="0"/>
-              <a:t>chúng</a:t>
-            </a:r>
-            <a:r>
-              <a:rPr lang="en-US" baseline="0" dirty="0" smtClean="0"/>
-              <a:t> ta </a:t>
-            </a:r>
-            <a:r>
-              <a:rPr lang="en-US" baseline="0" dirty="0" err="1" smtClean="0"/>
-              <a:t>cũng</a:t>
-            </a:r>
-            <a:r>
-              <a:rPr lang="en-US" baseline="0" dirty="0" smtClean="0"/>
-              <a:t> </a:t>
-            </a:r>
-            <a:r>
-              <a:rPr lang="en-US" baseline="0" dirty="0" err="1" smtClean="0"/>
-              <a:t>có</a:t>
-            </a:r>
-            <a:r>
-              <a:rPr lang="en-US" baseline="0" dirty="0" smtClean="0"/>
-              <a:t> </a:t>
-            </a:r>
-            <a:r>
-              <a:rPr lang="en-US" baseline="0" dirty="0" err="1" smtClean="0"/>
-              <a:t>thể</a:t>
-            </a:r>
-            <a:r>
-              <a:rPr lang="en-US" baseline="0" dirty="0" smtClean="0"/>
-              <a:t> search </a:t>
-            </a:r>
-            <a:r>
-              <a:rPr lang="en-US" baseline="0" dirty="0" err="1" smtClean="0"/>
-              <a:t>theo</a:t>
-            </a:r>
-            <a:r>
-              <a:rPr lang="en-US" baseline="0" dirty="0" smtClean="0"/>
-              <a:t> 2 </a:t>
-            </a:r>
-            <a:r>
-              <a:rPr lang="en-US" baseline="0" dirty="0" err="1" smtClean="0"/>
-              <a:t>cách</a:t>
-            </a:r>
-            <a:r>
-              <a:rPr lang="en-US" baseline="0" dirty="0" smtClean="0"/>
-              <a:t> </a:t>
-            </a:r>
-            <a:r>
-              <a:rPr lang="en-US" baseline="0" dirty="0" err="1" smtClean="0"/>
-              <a:t>là</a:t>
-            </a:r>
-            <a:r>
-              <a:rPr lang="en-US" baseline="0" dirty="0" smtClean="0"/>
-              <a:t> </a:t>
-            </a:r>
-            <a:r>
-              <a:rPr lang="en-US" baseline="0" dirty="0" err="1" smtClean="0"/>
-              <a:t>giọng</a:t>
-            </a:r>
-            <a:r>
-              <a:rPr lang="en-US" baseline="0" dirty="0" smtClean="0"/>
-              <a:t> </a:t>
-            </a:r>
-            <a:r>
-              <a:rPr lang="en-US" baseline="0" dirty="0" err="1" smtClean="0"/>
-              <a:t>nói</a:t>
-            </a:r>
-            <a:r>
-              <a:rPr lang="en-US" baseline="0" dirty="0" smtClean="0"/>
-              <a:t> </a:t>
-            </a:r>
-            <a:r>
-              <a:rPr lang="en-US" baseline="0" dirty="0" err="1" smtClean="0"/>
-              <a:t>và</a:t>
-            </a:r>
-            <a:r>
-              <a:rPr lang="en-US" baseline="0" dirty="0" smtClean="0"/>
-              <a:t> text. </a:t>
-            </a:r>
-            <a:r>
-              <a:rPr lang="en-US" baseline="0" dirty="0" err="1" smtClean="0"/>
-              <a:t>Để</a:t>
-            </a:r>
-            <a:r>
-              <a:rPr lang="en-US" baseline="0" dirty="0" smtClean="0"/>
-              <a:t> </a:t>
-            </a:r>
-            <a:r>
-              <a:rPr lang="en-US" baseline="0" dirty="0" err="1" smtClean="0"/>
-              <a:t>tìm</a:t>
-            </a:r>
-            <a:r>
-              <a:rPr lang="en-US" baseline="0" dirty="0" smtClean="0"/>
-              <a:t> </a:t>
-            </a:r>
-            <a:r>
-              <a:rPr lang="en-US" baseline="0" dirty="0" err="1" smtClean="0"/>
-              <a:t>kiếm</a:t>
-            </a:r>
-            <a:r>
-              <a:rPr lang="en-US" baseline="0" dirty="0" smtClean="0"/>
-              <a:t> </a:t>
-            </a:r>
-            <a:r>
-              <a:rPr lang="en-US" baseline="0" dirty="0" err="1" smtClean="0"/>
-              <a:t>dường</a:t>
-            </a:r>
-            <a:r>
-              <a:rPr lang="en-US" baseline="0" dirty="0" smtClean="0"/>
-              <a:t> </a:t>
-            </a:r>
-            <a:r>
-              <a:rPr lang="en-US" baseline="0" dirty="0" err="1" smtClean="0"/>
-              <a:t>đi</a:t>
-            </a:r>
-            <a:r>
-              <a:rPr lang="en-US" baseline="0" dirty="0" smtClean="0"/>
-              <a:t>. </a:t>
-            </a:r>
-            <a:r>
-              <a:rPr lang="en-US" baseline="0" dirty="0" err="1" smtClean="0"/>
-              <a:t>Nó</a:t>
-            </a:r>
-            <a:r>
-              <a:rPr lang="en-US" baseline="0" dirty="0" smtClean="0"/>
-              <a:t> </a:t>
-            </a:r>
-            <a:r>
-              <a:rPr lang="en-US" baseline="0" dirty="0" err="1" smtClean="0"/>
-              <a:t>sẽ</a:t>
-            </a:r>
-            <a:r>
-              <a:rPr lang="en-US" baseline="0" dirty="0" smtClean="0"/>
-              <a:t> </a:t>
-            </a:r>
-            <a:r>
-              <a:rPr lang="en-US" baseline="0" dirty="0" err="1" smtClean="0"/>
-              <a:t>gửi</a:t>
-            </a:r>
-            <a:r>
-              <a:rPr lang="en-US" baseline="0" dirty="0" smtClean="0"/>
-              <a:t> request </a:t>
-            </a:r>
-            <a:r>
-              <a:rPr lang="en-US" baseline="0" dirty="0" err="1" smtClean="0"/>
-              <a:t>lên</a:t>
-            </a:r>
-            <a:r>
-              <a:rPr lang="en-US" baseline="0" dirty="0" smtClean="0"/>
-              <a:t> </a:t>
-            </a:r>
-            <a:r>
-              <a:rPr lang="en-US" baseline="0" dirty="0" err="1" smtClean="0"/>
-              <a:t>google</a:t>
-            </a:r>
-            <a:r>
-              <a:rPr lang="en-US" baseline="0" dirty="0" smtClean="0"/>
-              <a:t> API. </a:t>
-            </a:r>
-            <a:r>
-              <a:rPr lang="en-US" baseline="0" dirty="0" err="1" smtClean="0"/>
-              <a:t>Chúng</a:t>
-            </a:r>
-            <a:r>
-              <a:rPr lang="en-US" baseline="0" dirty="0" smtClean="0"/>
-              <a:t> ta </a:t>
-            </a:r>
-            <a:r>
-              <a:rPr lang="en-US" baseline="0" dirty="0" err="1" smtClean="0"/>
-              <a:t>dùng</a:t>
-            </a:r>
-            <a:r>
-              <a:rPr lang="en-US" baseline="0" dirty="0" smtClean="0"/>
-              <a:t> </a:t>
-            </a:r>
-            <a:r>
-              <a:rPr lang="en-US" baseline="0" dirty="0" err="1" smtClean="0"/>
-              <a:t>Json</a:t>
-            </a:r>
-            <a:r>
-              <a:rPr lang="en-US" baseline="0" dirty="0" smtClean="0"/>
-              <a:t> </a:t>
-            </a:r>
-            <a:r>
-              <a:rPr lang="en-US" baseline="0" dirty="0" err="1" smtClean="0"/>
-              <a:t>đẻ</a:t>
-            </a:r>
-            <a:r>
-              <a:rPr lang="en-US" baseline="0" dirty="0" smtClean="0"/>
-              <a:t> </a:t>
-            </a:r>
-            <a:r>
-              <a:rPr lang="en-US" baseline="0" dirty="0" err="1" smtClean="0"/>
-              <a:t>sử</a:t>
-            </a:r>
-            <a:r>
-              <a:rPr lang="en-US" baseline="0" dirty="0" smtClean="0"/>
-              <a:t> </a:t>
-            </a:r>
-            <a:r>
-              <a:rPr lang="en-US" baseline="0" dirty="0" err="1" smtClean="0"/>
-              <a:t>lý</a:t>
-            </a:r>
-            <a:r>
-              <a:rPr lang="en-US" baseline="0" dirty="0" smtClean="0"/>
-              <a:t> </a:t>
-            </a:r>
-            <a:r>
-              <a:rPr lang="en-US" baseline="0" dirty="0" err="1" smtClean="0"/>
-              <a:t>kết</a:t>
-            </a:r>
-            <a:r>
-              <a:rPr lang="en-US" baseline="0" dirty="0" smtClean="0"/>
-              <a:t> </a:t>
-            </a:r>
-            <a:r>
-              <a:rPr lang="en-US" baseline="0" dirty="0" err="1" smtClean="0"/>
-              <a:t>quả</a:t>
-            </a:r>
-            <a:r>
-              <a:rPr lang="en-US" baseline="0" dirty="0" smtClean="0"/>
-              <a:t> </a:t>
-            </a:r>
-            <a:r>
-              <a:rPr lang="en-US" baseline="0" dirty="0" err="1" smtClean="0"/>
-              <a:t>trả</a:t>
-            </a:r>
-            <a:r>
-              <a:rPr lang="en-US" baseline="0" dirty="0" smtClean="0"/>
-              <a:t> </a:t>
-            </a:r>
-            <a:r>
-              <a:rPr lang="en-US" baseline="0" dirty="0" err="1" smtClean="0"/>
-              <a:t>về</a:t>
-            </a:r>
-            <a:r>
-              <a:rPr lang="en-US" baseline="0" dirty="0" smtClean="0"/>
-              <a:t>. </a:t>
-            </a:r>
-            <a:r>
-              <a:rPr lang="en-US" baseline="0" dirty="0" err="1" smtClean="0"/>
-              <a:t>Cuối</a:t>
-            </a:r>
-            <a:r>
-              <a:rPr lang="en-US" baseline="0" dirty="0" smtClean="0"/>
-              <a:t> </a:t>
-            </a:r>
-            <a:r>
-              <a:rPr lang="en-US" baseline="0" dirty="0" err="1" smtClean="0"/>
-              <a:t>cùng</a:t>
-            </a:r>
-            <a:r>
-              <a:rPr lang="en-US" baseline="0" dirty="0" smtClean="0"/>
-              <a:t> </a:t>
-            </a:r>
-            <a:r>
-              <a:rPr lang="en-US" baseline="0" dirty="0" err="1" smtClean="0"/>
-              <a:t>là</a:t>
-            </a:r>
-            <a:r>
-              <a:rPr lang="en-US" baseline="0" dirty="0" smtClean="0"/>
-              <a:t> </a:t>
-            </a:r>
-            <a:r>
-              <a:rPr lang="en-US" baseline="0" dirty="0" err="1" smtClean="0"/>
-              <a:t>synchonize</a:t>
-            </a:r>
-            <a:r>
-              <a:rPr lang="en-US" baseline="0" dirty="0" smtClean="0"/>
-              <a:t> </a:t>
-            </a:r>
-            <a:r>
-              <a:rPr lang="en-US" baseline="0" dirty="0" err="1" smtClean="0"/>
-              <a:t>dữ</a:t>
-            </a:r>
-            <a:r>
-              <a:rPr lang="en-US" baseline="0" dirty="0" smtClean="0"/>
-              <a:t> </a:t>
-            </a:r>
-            <a:r>
-              <a:rPr lang="en-US" baseline="0" dirty="0" err="1" smtClean="0"/>
-              <a:t>liệu</a:t>
-            </a:r>
-            <a:r>
-              <a:rPr lang="en-US" baseline="0" dirty="0" smtClean="0"/>
-              <a:t> </a:t>
-            </a:r>
-            <a:r>
-              <a:rPr lang="en-US" baseline="0" dirty="0" err="1" smtClean="0"/>
-              <a:t>với</a:t>
-            </a:r>
-            <a:r>
-              <a:rPr lang="en-US" baseline="0" dirty="0" smtClean="0"/>
-              <a:t> wear </a:t>
-            </a:r>
-            <a:r>
-              <a:rPr lang="en-US" baseline="0" dirty="0" err="1" smtClean="0"/>
-              <a:t>trong</a:t>
-            </a:r>
-            <a:r>
-              <a:rPr lang="en-US" baseline="0" dirty="0" smtClean="0"/>
-              <a:t> </a:t>
-            </a:r>
-            <a:r>
-              <a:rPr lang="en-US" baseline="0" dirty="0" err="1" smtClean="0"/>
-              <a:t>suốt</a:t>
-            </a:r>
-            <a:r>
-              <a:rPr lang="en-US" baseline="0" dirty="0" smtClean="0"/>
-              <a:t> </a:t>
-            </a:r>
-            <a:r>
-              <a:rPr lang="en-US" baseline="0" dirty="0" err="1" smtClean="0"/>
-              <a:t>quá</a:t>
-            </a:r>
-            <a:r>
-              <a:rPr lang="en-US" baseline="0" dirty="0" smtClean="0"/>
-              <a:t> </a:t>
-            </a:r>
-            <a:r>
-              <a:rPr lang="en-US" baseline="0" dirty="0" err="1" smtClean="0"/>
-              <a:t>trính</a:t>
-            </a:r>
-            <a:r>
-              <a:rPr lang="en-US" baseline="0" dirty="0" smtClean="0"/>
-              <a:t> </a:t>
-            </a:r>
-            <a:r>
-              <a:rPr lang="en-US" baseline="0" dirty="0" err="1" smtClean="0"/>
-              <a:t>tham</a:t>
-            </a:r>
-            <a:r>
-              <a:rPr lang="en-US" baseline="0" dirty="0" smtClean="0"/>
-              <a:t> </a:t>
-            </a:r>
-            <a:r>
-              <a:rPr lang="en-US" baseline="0" dirty="0" err="1" smtClean="0"/>
-              <a:t>gia</a:t>
-            </a:r>
-            <a:r>
-              <a:rPr lang="en-US" baseline="0" dirty="0" smtClean="0"/>
-              <a:t> </a:t>
-            </a:r>
-            <a:r>
-              <a:rPr lang="en-US" baseline="0" dirty="0" err="1" smtClean="0"/>
-              <a:t>giao</a:t>
-            </a:r>
-            <a:r>
-              <a:rPr lang="en-US" baseline="0" dirty="0" smtClean="0"/>
-              <a:t> </a:t>
-            </a:r>
-            <a:r>
-              <a:rPr lang="en-US" baseline="0" dirty="0" err="1" smtClean="0"/>
-              <a:t>thông</a:t>
             </a:r>
             <a:r>
               <a:rPr lang="en-US" baseline="0" dirty="0" smtClean="0"/>
@@ -4030,7 +3908,7 @@
     </p:spTree>
     <p:extLst>
       <p:ext uri="{BB962C8B-B14F-4D97-AF65-F5344CB8AC3E}">
-        <p14:creationId xmlns:p14="http://schemas.microsoft.com/office/powerpoint/2010/main" val="1402480612"/>
+        <p14:creationId xmlns:p14="http://schemas.microsoft.com/office/powerpoint/2010/main" val="3301532269"/>
       </p:ext>
     </p:extLst>
   </p:cSld>
@@ -5511,29 +5389,6 @@
       </p:grpSpPr>
       <p:sp>
         <p:nvSpPr>
-          <p:cNvPr id="2" name="Title 1"/>
-          <p:cNvSpPr>
-            <a:spLocks noGrp="1"/>
-          </p:cNvSpPr>
-          <p:nvPr>
-            <p:ph type="title"/>
-          </p:nvPr>
-        </p:nvSpPr>
-        <p:spPr/>
-        <p:txBody>
-          <a:bodyPr/>
-          <a:lstStyle/>
-          <a:p>
-            <a:r>
-              <a:rPr lang="en-US" dirty="0" smtClean="0"/>
-              <a:t>Solution</a:t>
-            </a:r>
-            <a:endParaRPr lang="en-US" dirty="0"/>
-          </a:p>
-        </p:txBody>
-      </p:sp>
-      <p:sp>
-        <p:nvSpPr>
           <p:cNvPr id="4" name="Slide Number Placeholder 3"/>
           <p:cNvSpPr>
             <a:spLocks noGrp="1"/>
@@ -5551,482 +5406,6 @@
               <a:rPr lang="en" smtClean="0"/>
               <a:pPr/>
               <a:t>10</a:t>
-            </a:fld>
-            <a:endParaRPr lang="en"/>
-          </a:p>
-        </p:txBody>
-      </p:sp>
-      <p:pic>
-        <p:nvPicPr>
-          <p:cNvPr id="7" name="Picture 6"/>
-          <p:cNvPicPr>
-            <a:picLocks noChangeAspect="1"/>
-          </p:cNvPicPr>
-          <p:nvPr/>
-        </p:nvPicPr>
-        <p:blipFill>
-          <a:blip r:embed="rId3"/>
-          <a:stretch>
-            <a:fillRect/>
-          </a:stretch>
-        </p:blipFill>
-        <p:spPr>
-          <a:xfrm>
-            <a:off x="3878681" y="5013290"/>
-            <a:ext cx="1371600" cy="1371600"/>
-          </a:xfrm>
-          <a:prstGeom prst="rect">
-            <a:avLst/>
-          </a:prstGeom>
-        </p:spPr>
-      </p:pic>
-      <p:pic>
-        <p:nvPicPr>
-          <p:cNvPr id="3074" name="Picture 2" descr="C:\Users\ngoan\Desktop\image\24598-200.png"/>
-          <p:cNvPicPr>
-            <a:picLocks noChangeAspect="1" noChangeArrowheads="1"/>
-          </p:cNvPicPr>
-          <p:nvPr/>
-        </p:nvPicPr>
-        <p:blipFill>
-          <a:blip r:embed="rId4">
-            <a:extLst>
-              <a:ext uri="{28A0092B-C50C-407E-A947-70E740481C1C}">
-                <a14:useLocalDpi xmlns:a14="http://schemas.microsoft.com/office/drawing/2010/main" val="0"/>
-              </a:ext>
-            </a:extLst>
-          </a:blip>
-          <a:srcRect/>
-          <a:stretch>
-            <a:fillRect/>
-          </a:stretch>
-        </p:blipFill>
-        <p:spPr bwMode="auto">
-          <a:xfrm>
-            <a:off x="340626" y="3887724"/>
-            <a:ext cx="1371600" cy="1371600"/>
-          </a:xfrm>
-          <a:prstGeom prst="rect">
-            <a:avLst/>
-          </a:prstGeom>
-          <a:noFill/>
-          <a:extLst>
-            <a:ext uri="{909E8E84-426E-40DD-AFC4-6F175D3DCCD1}">
-              <a14:hiddenFill xmlns:a14="http://schemas.microsoft.com/office/drawing/2010/main">
-                <a:solidFill>
-                  <a:srgbClr val="FFFFFF"/>
-                </a:solidFill>
-              </a14:hiddenFill>
-            </a:ext>
-          </a:extLst>
-        </p:spPr>
-      </p:pic>
-      <p:cxnSp>
-        <p:nvCxnSpPr>
-          <p:cNvPr id="11" name="Straight Arrow Connector 10"/>
-          <p:cNvCxnSpPr>
-            <a:stCxn id="7" idx="1"/>
-            <a:endCxn id="3074" idx="3"/>
-          </p:cNvCxnSpPr>
-          <p:nvPr/>
-        </p:nvCxnSpPr>
-        <p:spPr>
-          <a:xfrm flipH="1" flipV="1">
-            <a:off x="1712226" y="4573524"/>
-            <a:ext cx="2166455" cy="1125566"/>
-          </a:xfrm>
-          <a:prstGeom prst="straightConnector1">
-            <a:avLst/>
-          </a:prstGeom>
-          <a:ln cmpd="sng">
-            <a:tailEnd type="triangle"/>
-          </a:ln>
-        </p:spPr>
-        <p:style>
-          <a:lnRef idx="3">
-            <a:schemeClr val="dk1"/>
-          </a:lnRef>
-          <a:fillRef idx="0">
-            <a:schemeClr val="dk1"/>
-          </a:fillRef>
-          <a:effectRef idx="2">
-            <a:schemeClr val="dk1"/>
-          </a:effectRef>
-          <a:fontRef idx="minor">
-            <a:schemeClr val="tx1"/>
-          </a:fontRef>
-        </p:style>
-      </p:cxnSp>
-      <p:sp>
-        <p:nvSpPr>
-          <p:cNvPr id="12" name="TextBox 11"/>
-          <p:cNvSpPr txBox="1"/>
-          <p:nvPr/>
-        </p:nvSpPr>
-        <p:spPr>
-          <a:xfrm>
-            <a:off x="457200" y="5059269"/>
-            <a:ext cx="1138453" cy="400110"/>
-          </a:xfrm>
-          <a:prstGeom prst="rect">
-            <a:avLst/>
-          </a:prstGeom>
-          <a:noFill/>
-        </p:spPr>
-        <p:txBody>
-          <a:bodyPr wrap="none" rtlCol="0">
-            <a:spAutoFit/>
-          </a:bodyPr>
-          <a:lstStyle/>
-          <a:p>
-            <a:r>
-              <a:rPr lang="en-US" sz="2000" b="1" dirty="0" smtClean="0">
-                <a:solidFill>
-                  <a:srgbClr val="FF0000"/>
-                </a:solidFill>
-                <a:latin typeface="Cambria" pitchFamily="18" charset="0"/>
-              </a:rPr>
-              <a:t>2 points</a:t>
-            </a:r>
-            <a:endParaRPr lang="en-US" sz="2000" b="1" dirty="0">
-              <a:solidFill>
-                <a:srgbClr val="FF0000"/>
-              </a:solidFill>
-              <a:latin typeface="Cambria" pitchFamily="18" charset="0"/>
-            </a:endParaRPr>
-          </a:p>
-        </p:txBody>
-      </p:sp>
-      <p:sp>
-        <p:nvSpPr>
-          <p:cNvPr id="14" name="TextBox 13"/>
-          <p:cNvSpPr txBox="1"/>
-          <p:nvPr/>
-        </p:nvSpPr>
-        <p:spPr>
-          <a:xfrm>
-            <a:off x="3746340" y="6133081"/>
-            <a:ext cx="1636282" cy="400110"/>
-          </a:xfrm>
-          <a:prstGeom prst="rect">
-            <a:avLst/>
-          </a:prstGeom>
-          <a:noFill/>
-        </p:spPr>
-        <p:txBody>
-          <a:bodyPr wrap="none" rtlCol="0">
-            <a:spAutoFit/>
-          </a:bodyPr>
-          <a:lstStyle/>
-          <a:p>
-            <a:r>
-              <a:rPr lang="en-US" sz="2000" b="1" dirty="0" smtClean="0">
-                <a:solidFill>
-                  <a:srgbClr val="FF0000"/>
-                </a:solidFill>
-                <a:latin typeface="Cambria" pitchFamily="18" charset="0"/>
-              </a:rPr>
-              <a:t>Street Route</a:t>
-            </a:r>
-            <a:endParaRPr lang="en-US" sz="2000" b="1" dirty="0">
-              <a:solidFill>
-                <a:srgbClr val="FF0000"/>
-              </a:solidFill>
-              <a:latin typeface="Cambria" pitchFamily="18" charset="0"/>
-            </a:endParaRPr>
-          </a:p>
-        </p:txBody>
-      </p:sp>
-      <p:pic>
-        <p:nvPicPr>
-          <p:cNvPr id="9" name="Picture 2" descr="C:\Users\ngoan\Desktop\image\24598-200.png"/>
-          <p:cNvPicPr>
-            <a:picLocks noChangeAspect="1" noChangeArrowheads="1"/>
-          </p:cNvPicPr>
-          <p:nvPr/>
-        </p:nvPicPr>
-        <p:blipFill>
-          <a:blip r:embed="rId4">
-            <a:extLst>
-              <a:ext uri="{28A0092B-C50C-407E-A947-70E740481C1C}">
-                <a14:useLocalDpi xmlns:a14="http://schemas.microsoft.com/office/drawing/2010/main" val="0"/>
-              </a:ext>
-            </a:extLst>
-          </a:blip>
-          <a:srcRect/>
-          <a:stretch>
-            <a:fillRect/>
-          </a:stretch>
-        </p:blipFill>
-        <p:spPr bwMode="auto">
-          <a:xfrm>
-            <a:off x="3878681" y="1642667"/>
-            <a:ext cx="1371600" cy="1371600"/>
-          </a:xfrm>
-          <a:prstGeom prst="rect">
-            <a:avLst/>
-          </a:prstGeom>
-          <a:noFill/>
-          <a:extLst>
-            <a:ext uri="{909E8E84-426E-40DD-AFC4-6F175D3DCCD1}">
-              <a14:hiddenFill xmlns:a14="http://schemas.microsoft.com/office/drawing/2010/main">
-                <a:solidFill>
-                  <a:srgbClr val="FFFFFF"/>
-                </a:solidFill>
-              </a14:hiddenFill>
-            </a:ext>
-          </a:extLst>
-        </p:spPr>
-      </p:pic>
-      <p:cxnSp>
-        <p:nvCxnSpPr>
-          <p:cNvPr id="13" name="Straight Arrow Connector 12"/>
-          <p:cNvCxnSpPr>
-            <a:stCxn id="7" idx="0"/>
-            <a:endCxn id="9" idx="2"/>
-          </p:cNvCxnSpPr>
-          <p:nvPr/>
-        </p:nvCxnSpPr>
-        <p:spPr>
-          <a:xfrm flipV="1">
-            <a:off x="4564481" y="3014267"/>
-            <a:ext cx="0" cy="1999023"/>
-          </a:xfrm>
-          <a:prstGeom prst="straightConnector1">
-            <a:avLst/>
-          </a:prstGeom>
-          <a:ln cmpd="sng">
-            <a:tailEnd type="triangle"/>
-          </a:ln>
-        </p:spPr>
-        <p:style>
-          <a:lnRef idx="3">
-            <a:schemeClr val="dk1"/>
-          </a:lnRef>
-          <a:fillRef idx="0">
-            <a:schemeClr val="dk1"/>
-          </a:fillRef>
-          <a:effectRef idx="2">
-            <a:schemeClr val="dk1"/>
-          </a:effectRef>
-          <a:fontRef idx="minor">
-            <a:schemeClr val="tx1"/>
-          </a:fontRef>
-        </p:style>
-      </p:cxnSp>
-      <p:sp>
-        <p:nvSpPr>
-          <p:cNvPr id="10" name="TextBox 9"/>
-          <p:cNvSpPr txBox="1"/>
-          <p:nvPr/>
-        </p:nvSpPr>
-        <p:spPr>
-          <a:xfrm>
-            <a:off x="4709200" y="3014267"/>
-            <a:ext cx="1346844" cy="400110"/>
-          </a:xfrm>
-          <a:prstGeom prst="rect">
-            <a:avLst/>
-          </a:prstGeom>
-          <a:noFill/>
-        </p:spPr>
-        <p:txBody>
-          <a:bodyPr wrap="none" rtlCol="0">
-            <a:spAutoFit/>
-          </a:bodyPr>
-          <a:lstStyle/>
-          <a:p>
-            <a:r>
-              <a:rPr lang="en-US" sz="2000" b="1" dirty="0" smtClean="0">
-                <a:solidFill>
-                  <a:srgbClr val="FF0000"/>
-                </a:solidFill>
-                <a:latin typeface="Cambria" pitchFamily="18" charset="0"/>
-              </a:rPr>
-              <a:t>&gt; 2 points</a:t>
-            </a:r>
-            <a:endParaRPr lang="en-US" sz="2000" b="1" dirty="0">
-              <a:solidFill>
-                <a:srgbClr val="FF0000"/>
-              </a:solidFill>
-              <a:latin typeface="Cambria" pitchFamily="18" charset="0"/>
-            </a:endParaRPr>
-          </a:p>
-        </p:txBody>
-      </p:sp>
-      <p:pic>
-        <p:nvPicPr>
-          <p:cNvPr id="15" name="Picture 2" descr="C:\Users\ngoan\Desktop\image\24598-200.png"/>
-          <p:cNvPicPr>
-            <a:picLocks noChangeAspect="1" noChangeArrowheads="1"/>
-          </p:cNvPicPr>
-          <p:nvPr/>
-        </p:nvPicPr>
-        <p:blipFill>
-          <a:blip r:embed="rId4">
-            <a:extLst>
-              <a:ext uri="{28A0092B-C50C-407E-A947-70E740481C1C}">
-                <a14:useLocalDpi xmlns:a14="http://schemas.microsoft.com/office/drawing/2010/main" val="0"/>
-              </a:ext>
-            </a:extLst>
-          </a:blip>
-          <a:srcRect/>
-          <a:stretch>
-            <a:fillRect/>
-          </a:stretch>
-        </p:blipFill>
-        <p:spPr bwMode="auto">
-          <a:xfrm>
-            <a:off x="7315200" y="3887724"/>
-            <a:ext cx="1371600" cy="1371600"/>
-          </a:xfrm>
-          <a:prstGeom prst="rect">
-            <a:avLst/>
-          </a:prstGeom>
-          <a:noFill/>
-          <a:extLst>
-            <a:ext uri="{909E8E84-426E-40DD-AFC4-6F175D3DCCD1}">
-              <a14:hiddenFill xmlns:a14="http://schemas.microsoft.com/office/drawing/2010/main">
-                <a:solidFill>
-                  <a:srgbClr val="FFFFFF"/>
-                </a:solidFill>
-              </a14:hiddenFill>
-            </a:ext>
-          </a:extLst>
-        </p:spPr>
-      </p:pic>
-      <p:cxnSp>
-        <p:nvCxnSpPr>
-          <p:cNvPr id="16" name="Straight Arrow Connector 15"/>
-          <p:cNvCxnSpPr>
-            <a:stCxn id="7" idx="3"/>
-            <a:endCxn id="15" idx="1"/>
-          </p:cNvCxnSpPr>
-          <p:nvPr/>
-        </p:nvCxnSpPr>
-        <p:spPr>
-          <a:xfrm flipV="1">
-            <a:off x="5250281" y="4573524"/>
-            <a:ext cx="2064919" cy="1125566"/>
-          </a:xfrm>
-          <a:prstGeom prst="straightConnector1">
-            <a:avLst/>
-          </a:prstGeom>
-          <a:ln cmpd="sng">
-            <a:tailEnd type="triangle"/>
-          </a:ln>
-        </p:spPr>
-        <p:style>
-          <a:lnRef idx="3">
-            <a:schemeClr val="dk1"/>
-          </a:lnRef>
-          <a:fillRef idx="0">
-            <a:schemeClr val="dk1"/>
-          </a:fillRef>
-          <a:effectRef idx="2">
-            <a:schemeClr val="dk1"/>
-          </a:effectRef>
-          <a:fontRef idx="minor">
-            <a:schemeClr val="tx1"/>
-          </a:fontRef>
-        </p:style>
-      </p:cxnSp>
-      <p:sp>
-        <p:nvSpPr>
-          <p:cNvPr id="17" name="TextBox 16"/>
-          <p:cNvSpPr txBox="1"/>
-          <p:nvPr/>
-        </p:nvSpPr>
-        <p:spPr>
-          <a:xfrm>
-            <a:off x="6662193" y="5059269"/>
-            <a:ext cx="2443298" cy="400110"/>
-          </a:xfrm>
-          <a:prstGeom prst="rect">
-            <a:avLst/>
-          </a:prstGeom>
-          <a:noFill/>
-        </p:spPr>
-        <p:txBody>
-          <a:bodyPr wrap="none" rtlCol="0">
-            <a:spAutoFit/>
-          </a:bodyPr>
-          <a:lstStyle/>
-          <a:p>
-            <a:r>
-              <a:rPr lang="en-US" sz="2000" b="1" dirty="0" smtClean="0">
-                <a:solidFill>
-                  <a:srgbClr val="FF0000"/>
-                </a:solidFill>
-                <a:latin typeface="Cambria" pitchFamily="18" charset="0"/>
-              </a:rPr>
-              <a:t>&gt; 2 points optimize</a:t>
-            </a:r>
-            <a:endParaRPr lang="en-US" sz="2000" b="1" dirty="0">
-              <a:solidFill>
-                <a:srgbClr val="FF0000"/>
-              </a:solidFill>
-              <a:latin typeface="Cambria" pitchFamily="18" charset="0"/>
-            </a:endParaRPr>
-          </a:p>
-        </p:txBody>
-      </p:sp>
-    </p:spTree>
-    <p:extLst>
-      <p:ext uri="{BB962C8B-B14F-4D97-AF65-F5344CB8AC3E}">
-        <p14:creationId xmlns:p14="http://schemas.microsoft.com/office/powerpoint/2010/main" val="2167822165"/>
-      </p:ext>
-    </p:extLst>
-  </p:cSld>
-  <p:clrMapOvr>
-    <a:masterClrMapping/>
-  </p:clrMapOvr>
-  <p:timing>
-    <p:tnLst>
-      <p:par>
-        <p:cTn id="1" dur="indefinite" restart="never" nodeType="tmRoot"/>
-      </p:par>
-    </p:tnLst>
-  </p:timing>
-</p:sld>
-</file>
-
-<file path=ppt/slides/slide11.xml><?xml version="1.0" encoding="utf-8"?>
-<p:sld xmlns:a="http://schemas.openxmlformats.org/drawingml/2006/main" xmlns:r="http://schemas.openxmlformats.org/officeDocument/2006/relationships" xmlns:p="http://schemas.openxmlformats.org/presentationml/2006/main">
-  <p:cSld>
-    <p:spTree>
-      <p:nvGrpSpPr>
-        <p:cNvPr id="1" name=""/>
-        <p:cNvGrpSpPr/>
-        <p:nvPr/>
-      </p:nvGrpSpPr>
-      <p:grpSpPr>
-        <a:xfrm>
-          <a:off x="0" y="0"/>
-          <a:ext cx="0" cy="0"/>
-          <a:chOff x="0" y="0"/>
-          <a:chExt cx="0" cy="0"/>
-        </a:xfrm>
-      </p:grpSpPr>
-      <p:sp>
-        <p:nvSpPr>
-          <p:cNvPr id="4" name="Slide Number Placeholder 3"/>
-          <p:cNvSpPr>
-            <a:spLocks noGrp="1"/>
-          </p:cNvSpPr>
-          <p:nvPr>
-            <p:ph type="sldNum" idx="12"/>
-          </p:nvPr>
-        </p:nvSpPr>
-        <p:spPr/>
-        <p:txBody>
-          <a:bodyPr/>
-          <a:lstStyle/>
-          <a:p>
-            <a:fld id="{00000000-1234-1234-1234-123412341234}" type="slidenum">
-              <a:rPr lang="en" smtClean="0"/>
-              <a:pPr/>
-              <a:t>11</a:t>
             </a:fld>
             <a:endParaRPr lang="en"/>
           </a:p>
@@ -6135,7 +5514,7 @@
 </p:sld>
 </file>
 
-<file path=ppt/slides/slide12.xml><?xml version="1.0" encoding="utf-8"?>
+<file path=ppt/slides/slide11.xml><?xml version="1.0" encoding="utf-8"?>
 <p:sld xmlns:a="http://schemas.openxmlformats.org/drawingml/2006/main" xmlns:r="http://schemas.openxmlformats.org/officeDocument/2006/relationships" xmlns:p="http://schemas.openxmlformats.org/presentationml/2006/main">
   <p:cSld>
     <p:spTree>
@@ -6170,7 +5549,7 @@
             <a:fld id="{00000000-1234-1234-1234-123412341234}" type="slidenum">
               <a:rPr lang="en" smtClean="0"/>
               <a:pPr/>
-              <a:t>12</a:t>
+              <a:t>11</a:t>
             </a:fld>
             <a:endParaRPr lang="en"/>
           </a:p>
@@ -6632,7 +6011,7 @@
 </p:sld>
 </file>
 
-<file path=ppt/slides/slide13.xml><?xml version="1.0" encoding="utf-8"?>
+<file path=ppt/slides/slide12.xml><?xml version="1.0" encoding="utf-8"?>
 <p:sld xmlns:a="http://schemas.openxmlformats.org/drawingml/2006/main" xmlns:r="http://schemas.openxmlformats.org/officeDocument/2006/relationships" xmlns:p="http://schemas.openxmlformats.org/presentationml/2006/main">
   <p:cSld>
     <p:spTree>
@@ -6667,7 +6046,7 @@
             <a:fld id="{00000000-1234-1234-1234-123412341234}" type="slidenum">
               <a:rPr lang="en" smtClean="0"/>
               <a:pPr/>
-              <a:t>13</a:t>
+              <a:t>12</a:t>
             </a:fld>
             <a:endParaRPr lang="en"/>
           </a:p>
@@ -7687,7 +7066,7 @@
 </p:sld>
 </file>
 
-<file path=ppt/slides/slide14.xml><?xml version="1.0" encoding="utf-8"?>
+<file path=ppt/slides/slide13.xml><?xml version="1.0" encoding="utf-8"?>
 <p:sld xmlns:a="http://schemas.openxmlformats.org/drawingml/2006/main" xmlns:r="http://schemas.openxmlformats.org/officeDocument/2006/relationships" xmlns:p="http://schemas.openxmlformats.org/presentationml/2006/main">
   <p:cSld>
     <p:spTree>
@@ -7722,7 +7101,7 @@
             <a:fld id="{00000000-1234-1234-1234-123412341234}" type="slidenum">
               <a:rPr lang="en" smtClean="0"/>
               <a:pPr/>
-              <a:t>14</a:t>
+              <a:t>13</a:t>
             </a:fld>
             <a:endParaRPr lang="en"/>
           </a:p>
@@ -8054,7 +7433,7 @@
 </p:sld>
 </file>
 
-<file path=ppt/slides/slide15.xml><?xml version="1.0" encoding="utf-8"?>
+<file path=ppt/slides/slide14.xml><?xml version="1.0" encoding="utf-8"?>
 <p:sld xmlns:a="http://schemas.openxmlformats.org/drawingml/2006/main" xmlns:r="http://schemas.openxmlformats.org/officeDocument/2006/relationships" xmlns:p="http://schemas.openxmlformats.org/presentationml/2006/main">
   <p:cSld>
     <p:spTree>
@@ -8116,7 +7495,7 @@
             <a:fld id="{00000000-1234-1234-1234-123412341234}" type="slidenum">
               <a:rPr lang="en" smtClean="0"/>
               <a:pPr/>
-              <a:t>15</a:t>
+              <a:t>14</a:t>
             </a:fld>
             <a:endParaRPr lang="en"/>
           </a:p>
@@ -8354,7 +7733,7 @@
 </p:sld>
 </file>
 
-<file path=ppt/slides/slide16.xml><?xml version="1.0" encoding="utf-8"?>
+<file path=ppt/slides/slide15.xml><?xml version="1.0" encoding="utf-8"?>
 <p:sld xmlns:a="http://schemas.openxmlformats.org/drawingml/2006/main" xmlns:r="http://schemas.openxmlformats.org/officeDocument/2006/relationships" xmlns:p="http://schemas.openxmlformats.org/presentationml/2006/main">
   <p:cSld>
     <p:spTree>
@@ -8417,7 +7796,7 @@
             <a:fld id="{00000000-1234-1234-1234-123412341234}" type="slidenum">
               <a:rPr lang="en" smtClean="0"/>
               <a:pPr/>
-              <a:t>16</a:t>
+              <a:t>15</a:t>
             </a:fld>
             <a:endParaRPr lang="en"/>
           </a:p>
@@ -8714,7 +8093,7 @@
 </p:sld>
 </file>
 
-<file path=ppt/slides/slide17.xml><?xml version="1.0" encoding="utf-8"?>
+<file path=ppt/slides/slide16.xml><?xml version="1.0" encoding="utf-8"?>
 <p:sld xmlns:a="http://schemas.openxmlformats.org/drawingml/2006/main" xmlns:r="http://schemas.openxmlformats.org/officeDocument/2006/relationships" xmlns:p="http://schemas.openxmlformats.org/presentationml/2006/main">
   <p:cSld>
     <p:spTree>
@@ -8777,7 +8156,7 @@
             <a:fld id="{00000000-1234-1234-1234-123412341234}" type="slidenum">
               <a:rPr lang="en" smtClean="0"/>
               <a:pPr/>
-              <a:t>17</a:t>
+              <a:t>16</a:t>
             </a:fld>
             <a:endParaRPr lang="en"/>
           </a:p>
@@ -9089,7 +8468,7 @@
 </p:sld>
 </file>
 
-<file path=ppt/slides/slide18.xml><?xml version="1.0" encoding="utf-8"?>
+<file path=ppt/slides/slide17.xml><?xml version="1.0" encoding="utf-8"?>
 <p:sld xmlns:a="http://schemas.openxmlformats.org/drawingml/2006/main" xmlns:r="http://schemas.openxmlformats.org/officeDocument/2006/relationships" xmlns:p="http://schemas.openxmlformats.org/presentationml/2006/main">
   <p:cSld>
     <p:spTree>
@@ -9152,7 +8531,7 @@
             <a:fld id="{00000000-1234-1234-1234-123412341234}" type="slidenum">
               <a:rPr lang="en" smtClean="0"/>
               <a:pPr/>
-              <a:t>18</a:t>
+              <a:t>17</a:t>
             </a:fld>
             <a:endParaRPr lang="en"/>
           </a:p>
@@ -9479,7 +8858,7 @@
 </p:sld>
 </file>
 
-<file path=ppt/slides/slide19.xml><?xml version="1.0" encoding="utf-8"?>
+<file path=ppt/slides/slide18.xml><?xml version="1.0" encoding="utf-8"?>
 <p:sld xmlns:a="http://schemas.openxmlformats.org/drawingml/2006/main" xmlns:r="http://schemas.openxmlformats.org/officeDocument/2006/relationships" xmlns:p="http://schemas.openxmlformats.org/presentationml/2006/main">
   <p:cSld>
     <p:spTree>
@@ -9542,7 +8921,7 @@
             <a:fld id="{00000000-1234-1234-1234-123412341234}" type="slidenum">
               <a:rPr lang="en" smtClean="0"/>
               <a:pPr/>
-              <a:t>19</a:t>
+              <a:t>18</a:t>
             </a:fld>
             <a:endParaRPr lang="en"/>
           </a:p>
@@ -9884,491 +9263,7 @@
 </p:sld>
 </file>
 
-<file path=ppt/slides/slide2.xml><?xml version="1.0" encoding="utf-8"?>
-<p:sld xmlns:a="http://schemas.openxmlformats.org/drawingml/2006/main" xmlns:r="http://schemas.openxmlformats.org/officeDocument/2006/relationships" xmlns:p="http://schemas.openxmlformats.org/presentationml/2006/main">
-  <p:cSld>
-    <p:spTree>
-      <p:nvGrpSpPr>
-        <p:cNvPr id="1" name=""/>
-        <p:cNvGrpSpPr/>
-        <p:nvPr/>
-      </p:nvGrpSpPr>
-      <p:grpSpPr>
-        <a:xfrm>
-          <a:off x="0" y="0"/>
-          <a:ext cx="0" cy="0"/>
-          <a:chOff x="0" y="0"/>
-          <a:chExt cx="0" cy="0"/>
-        </a:xfrm>
-      </p:grpSpPr>
-      <p:sp>
-        <p:nvSpPr>
-          <p:cNvPr id="6" name="Title 5"/>
-          <p:cNvSpPr>
-            <a:spLocks noGrp="1"/>
-          </p:cNvSpPr>
-          <p:nvPr>
-            <p:ph type="title"/>
-          </p:nvPr>
-        </p:nvSpPr>
-        <p:spPr/>
-        <p:txBody>
-          <a:bodyPr/>
-          <a:lstStyle/>
-          <a:p>
-            <a:r>
-              <a:rPr lang="en-US" dirty="0" smtClean="0">
-                <a:latin typeface="Cambria"/>
-                <a:ea typeface="Cambria"/>
-                <a:cs typeface="Cambria"/>
-                <a:sym typeface="Cambria"/>
-              </a:rPr>
-              <a:t>Scenario</a:t>
-            </a:r>
-            <a:endParaRPr lang="en-US" dirty="0">
-              <a:latin typeface="Cambria"/>
-              <a:ea typeface="Cambria"/>
-              <a:cs typeface="Cambria"/>
-              <a:sym typeface="Cambria"/>
-            </a:endParaRPr>
-          </a:p>
-        </p:txBody>
-      </p:sp>
-      <p:sp>
-        <p:nvSpPr>
-          <p:cNvPr id="5" name="Slide Number Placeholder 4"/>
-          <p:cNvSpPr>
-            <a:spLocks noGrp="1"/>
-          </p:cNvSpPr>
-          <p:nvPr>
-            <p:ph type="sldNum" idx="12"/>
-          </p:nvPr>
-        </p:nvSpPr>
-        <p:spPr/>
-        <p:txBody>
-          <a:bodyPr/>
-          <a:lstStyle/>
-          <a:p>
-            <a:fld id="{00000000-1234-1234-1234-123412341234}" type="slidenum">
-              <a:rPr lang="en" smtClean="0"/>
-              <a:pPr/>
-              <a:t>2</a:t>
-            </a:fld>
-            <a:endParaRPr lang="en"/>
-          </a:p>
-        </p:txBody>
-      </p:sp>
-      <p:grpSp>
-        <p:nvGrpSpPr>
-          <p:cNvPr id="8" name="Group 7"/>
-          <p:cNvGrpSpPr/>
-          <p:nvPr/>
-        </p:nvGrpSpPr>
-        <p:grpSpPr>
-          <a:xfrm>
-            <a:off x="497974" y="2295465"/>
-            <a:ext cx="2172806" cy="2233416"/>
-            <a:chOff x="-42886" y="3161112"/>
-            <a:chExt cx="2172806" cy="2233416"/>
-          </a:xfrm>
-        </p:grpSpPr>
-        <p:grpSp>
-          <p:nvGrpSpPr>
-            <p:cNvPr id="2" name="Group 1"/>
-            <p:cNvGrpSpPr/>
-            <p:nvPr/>
-          </p:nvGrpSpPr>
-          <p:grpSpPr>
-            <a:xfrm>
-              <a:off x="433917" y="3161112"/>
-              <a:ext cx="1219200" cy="1638701"/>
-              <a:chOff x="1209565" y="3078635"/>
-              <a:chExt cx="1219200" cy="1722166"/>
-            </a:xfrm>
-          </p:grpSpPr>
-          <p:sp>
-            <p:nvSpPr>
-              <p:cNvPr id="10" name="TextBox 9"/>
-              <p:cNvSpPr txBox="1"/>
-              <p:nvPr/>
-            </p:nvSpPr>
-            <p:spPr>
-              <a:xfrm>
-                <a:off x="1243174" y="4380312"/>
-                <a:ext cx="1151982" cy="420489"/>
-              </a:xfrm>
-              <a:prstGeom prst="rect">
-                <a:avLst/>
-              </a:prstGeom>
-              <a:noFill/>
-            </p:spPr>
-            <p:txBody>
-              <a:bodyPr wrap="none" rtlCol="0">
-                <a:spAutoFit/>
-              </a:bodyPr>
-              <a:lstStyle/>
-              <a:p>
-                <a:r>
-                  <a:rPr lang="en-US" sz="2000" b="1" dirty="0" err="1" smtClean="0">
-                    <a:latin typeface="Cambria" pitchFamily="18" charset="0"/>
-                    <a:cs typeface="Times New Roman" pitchFamily="18" charset="0"/>
-                  </a:rPr>
-                  <a:t>Khương</a:t>
-                </a:r>
-                <a:endParaRPr lang="en-US" sz="2000" b="1" dirty="0">
-                  <a:latin typeface="Cambria" pitchFamily="18" charset="0"/>
-                  <a:cs typeface="Times New Roman" pitchFamily="18" charset="0"/>
-                </a:endParaRPr>
-              </a:p>
-            </p:txBody>
-          </p:sp>
-          <p:pic>
-            <p:nvPicPr>
-              <p:cNvPr id="15" name="Picture 3" descr="C:\Users\ngoan\Desktop\image\thao.png"/>
-              <p:cNvPicPr>
-                <a:picLocks noChangeAspect="1" noChangeArrowheads="1"/>
-              </p:cNvPicPr>
-              <p:nvPr/>
-            </p:nvPicPr>
-            <p:blipFill>
-              <a:blip r:embed="rId3">
-                <a:extLst>
-                  <a:ext uri="{28A0092B-C50C-407E-A947-70E740481C1C}">
-                    <a14:useLocalDpi xmlns:a14="http://schemas.microsoft.com/office/drawing/2010/main" val="0"/>
-                  </a:ext>
-                </a:extLst>
-              </a:blip>
-              <a:srcRect/>
-              <a:stretch>
-                <a:fillRect/>
-              </a:stretch>
-            </p:blipFill>
-            <p:spPr bwMode="auto">
-              <a:xfrm flipH="1">
-                <a:off x="1209565" y="3078635"/>
-                <a:ext cx="1219200" cy="1219200"/>
-              </a:xfrm>
-              <a:prstGeom prst="rect">
-                <a:avLst/>
-              </a:prstGeom>
-              <a:noFill/>
-              <a:extLst>
-                <a:ext uri="{909E8E84-426E-40DD-AFC4-6F175D3DCCD1}">
-                  <a14:hiddenFill xmlns:a14="http://schemas.microsoft.com/office/drawing/2010/main">
-                    <a:solidFill>
-                      <a:srgbClr val="FFFFFF"/>
-                    </a:solidFill>
-                  </a14:hiddenFill>
-                </a:ext>
-              </a:extLst>
-            </p:spPr>
-          </p:pic>
-        </p:grpSp>
-        <p:sp>
-          <p:nvSpPr>
-            <p:cNvPr id="20" name="TextBox 19"/>
-            <p:cNvSpPr txBox="1"/>
-            <p:nvPr/>
-          </p:nvSpPr>
-          <p:spPr>
-            <a:xfrm>
-              <a:off x="-42886" y="5025196"/>
-              <a:ext cx="2172806" cy="369332"/>
-            </a:xfrm>
-            <a:prstGeom prst="rect">
-              <a:avLst/>
-            </a:prstGeom>
-            <a:noFill/>
-          </p:spPr>
-          <p:txBody>
-            <a:bodyPr wrap="square" rtlCol="0">
-              <a:spAutoFit/>
-            </a:bodyPr>
-            <a:lstStyle/>
-            <a:p>
-              <a:r>
-                <a:rPr lang="en-US" dirty="0" err="1">
-                  <a:solidFill>
-                    <a:srgbClr val="FF0000"/>
-                  </a:solidFill>
-                  <a:latin typeface="Cambria" pitchFamily="18" charset="0"/>
-                </a:rPr>
-                <a:t>Công</a:t>
-              </a:r>
-              <a:r>
-                <a:rPr lang="en-US" dirty="0">
-                  <a:solidFill>
-                    <a:srgbClr val="FF0000"/>
-                  </a:solidFill>
-                  <a:latin typeface="Cambria" pitchFamily="18" charset="0"/>
-                </a:rPr>
-                <a:t> </a:t>
-              </a:r>
-              <a:r>
-                <a:rPr lang="en-US" dirty="0" err="1">
-                  <a:solidFill>
-                    <a:srgbClr val="FF0000"/>
-                  </a:solidFill>
-                  <a:latin typeface="Cambria" pitchFamily="18" charset="0"/>
-                </a:rPr>
-                <a:t>Viên</a:t>
-              </a:r>
-              <a:r>
-                <a:rPr lang="en-US" dirty="0">
-                  <a:solidFill>
-                    <a:srgbClr val="FF0000"/>
-                  </a:solidFill>
-                  <a:latin typeface="Cambria" pitchFamily="18" charset="0"/>
-                </a:rPr>
-                <a:t> Tao </a:t>
-              </a:r>
-              <a:r>
-                <a:rPr lang="en-US" dirty="0" err="1">
-                  <a:solidFill>
-                    <a:srgbClr val="FF0000"/>
-                  </a:solidFill>
-                  <a:latin typeface="Cambria" pitchFamily="18" charset="0"/>
-                </a:rPr>
-                <a:t>Đàn</a:t>
-              </a:r>
-              <a:endParaRPr lang="en-US" dirty="0">
-                <a:solidFill>
-                  <a:srgbClr val="FF0000"/>
-                </a:solidFill>
-                <a:latin typeface="Cambria" pitchFamily="18" charset="0"/>
-                <a:cs typeface="Times New Roman" pitchFamily="18" charset="0"/>
-              </a:endParaRPr>
-            </a:p>
-          </p:txBody>
-        </p:sp>
-      </p:grpSp>
-      <p:sp>
-        <p:nvSpPr>
-          <p:cNvPr id="13" name="TextBox 12"/>
-          <p:cNvSpPr txBox="1"/>
-          <p:nvPr/>
-        </p:nvSpPr>
-        <p:spPr>
-          <a:xfrm>
-            <a:off x="5207626" y="3514665"/>
-            <a:ext cx="914400" cy="400110"/>
-          </a:xfrm>
-          <a:prstGeom prst="rect">
-            <a:avLst/>
-          </a:prstGeom>
-          <a:noFill/>
-        </p:spPr>
-        <p:txBody>
-          <a:bodyPr wrap="square" rtlCol="0">
-            <a:spAutoFit/>
-          </a:bodyPr>
-          <a:lstStyle/>
-          <a:p>
-            <a:r>
-              <a:rPr lang="en-US" sz="2000" b="1" dirty="0" err="1" smtClean="0">
-                <a:latin typeface="Cambria" pitchFamily="18" charset="0"/>
-                <a:cs typeface="Times New Roman" pitchFamily="18" charset="0"/>
-              </a:rPr>
-              <a:t>Vợ</a:t>
-            </a:r>
-            <a:endParaRPr lang="en-US" sz="2000" b="1" dirty="0">
-              <a:latin typeface="Cambria" pitchFamily="18" charset="0"/>
-              <a:cs typeface="Times New Roman" pitchFamily="18" charset="0"/>
-            </a:endParaRPr>
-          </a:p>
-        </p:txBody>
-      </p:sp>
-      <p:sp>
-        <p:nvSpPr>
-          <p:cNvPr id="12" name="TextBox 11"/>
-          <p:cNvSpPr txBox="1"/>
-          <p:nvPr/>
-        </p:nvSpPr>
-        <p:spPr>
-          <a:xfrm>
-            <a:off x="4781768" y="4269604"/>
-            <a:ext cx="1766116" cy="369332"/>
-          </a:xfrm>
-          <a:prstGeom prst="rect">
-            <a:avLst/>
-          </a:prstGeom>
-          <a:noFill/>
-        </p:spPr>
-        <p:txBody>
-          <a:bodyPr wrap="square" rtlCol="0">
-            <a:spAutoFit/>
-          </a:bodyPr>
-          <a:lstStyle/>
-          <a:p>
-            <a:pPr algn="ctr"/>
-            <a:r>
-              <a:rPr lang="en-US" dirty="0" err="1">
-                <a:solidFill>
-                  <a:srgbClr val="FF0000"/>
-                </a:solidFill>
-                <a:latin typeface="Cambria" pitchFamily="18" charset="0"/>
-              </a:rPr>
-              <a:t>Bến</a:t>
-            </a:r>
-            <a:r>
-              <a:rPr lang="en-US" dirty="0">
-                <a:solidFill>
-                  <a:srgbClr val="FF0000"/>
-                </a:solidFill>
-                <a:latin typeface="Cambria" pitchFamily="18" charset="0"/>
-              </a:rPr>
-              <a:t> </a:t>
-            </a:r>
-            <a:r>
-              <a:rPr lang="en-US" dirty="0" err="1">
-                <a:solidFill>
-                  <a:srgbClr val="FF0000"/>
-                </a:solidFill>
-                <a:latin typeface="Cambria" pitchFamily="18" charset="0"/>
-              </a:rPr>
-              <a:t>xe</a:t>
-            </a:r>
-            <a:r>
-              <a:rPr lang="en-US" dirty="0">
-                <a:solidFill>
-                  <a:srgbClr val="FF0000"/>
-                </a:solidFill>
-                <a:latin typeface="Cambria" pitchFamily="18" charset="0"/>
-              </a:rPr>
-              <a:t> </a:t>
-            </a:r>
-            <a:r>
-              <a:rPr lang="en-US" dirty="0" err="1">
-                <a:solidFill>
-                  <a:srgbClr val="FF0000"/>
-                </a:solidFill>
-                <a:latin typeface="Cambria" pitchFamily="18" charset="0"/>
-              </a:rPr>
-              <a:t>quận</a:t>
-            </a:r>
-            <a:r>
-              <a:rPr lang="en-US" dirty="0">
-                <a:solidFill>
-                  <a:srgbClr val="FF0000"/>
-                </a:solidFill>
-                <a:latin typeface="Cambria" pitchFamily="18" charset="0"/>
-              </a:rPr>
-              <a:t> </a:t>
-            </a:r>
-            <a:r>
-              <a:rPr lang="en-US" dirty="0" smtClean="0">
-                <a:solidFill>
-                  <a:srgbClr val="FF0000"/>
-                </a:solidFill>
-                <a:latin typeface="Cambria" pitchFamily="18" charset="0"/>
-              </a:rPr>
-              <a:t>8</a:t>
-            </a:r>
-            <a:endParaRPr lang="en-US" dirty="0">
-              <a:solidFill>
-                <a:srgbClr val="FF0000"/>
-              </a:solidFill>
-              <a:latin typeface="Cambria" pitchFamily="18" charset="0"/>
-              <a:cs typeface="Times New Roman" pitchFamily="18" charset="0"/>
-            </a:endParaRPr>
-          </a:p>
-        </p:txBody>
-      </p:sp>
-      <p:cxnSp>
-        <p:nvCxnSpPr>
-          <p:cNvPr id="16" name="Straight Arrow Connector 15"/>
-          <p:cNvCxnSpPr/>
-          <p:nvPr/>
-        </p:nvCxnSpPr>
-        <p:spPr>
-          <a:xfrm>
-            <a:off x="2784143" y="3455576"/>
-            <a:ext cx="1997625" cy="0"/>
-          </a:xfrm>
-          <a:prstGeom prst="straightConnector1">
-            <a:avLst/>
-          </a:prstGeom>
-          <a:ln w="63500">
-            <a:tailEnd type="triangle"/>
-          </a:ln>
-        </p:spPr>
-        <p:style>
-          <a:lnRef idx="3">
-            <a:schemeClr val="dk1"/>
-          </a:lnRef>
-          <a:fillRef idx="0">
-            <a:schemeClr val="dk1"/>
-          </a:fillRef>
-          <a:effectRef idx="2">
-            <a:schemeClr val="dk1"/>
-          </a:effectRef>
-          <a:fontRef idx="minor">
-            <a:schemeClr val="tx1"/>
-          </a:fontRef>
-        </p:style>
-      </p:cxnSp>
-      <p:pic>
-        <p:nvPicPr>
-          <p:cNvPr id="1026" name="Picture 2" descr="C:\Users\ngoan\Desktop\image\ngoan.png"/>
-          <p:cNvPicPr>
-            <a:picLocks noChangeAspect="1" noChangeArrowheads="1"/>
-          </p:cNvPicPr>
-          <p:nvPr/>
-        </p:nvPicPr>
-        <p:blipFill>
-          <a:blip r:embed="rId4">
-            <a:extLst>
-              <a:ext uri="{28A0092B-C50C-407E-A947-70E740481C1C}">
-                <a14:useLocalDpi xmlns:a14="http://schemas.microsoft.com/office/drawing/2010/main" val="0"/>
-              </a:ext>
-            </a:extLst>
-          </a:blip>
-          <a:srcRect/>
-          <a:stretch>
-            <a:fillRect/>
-          </a:stretch>
-        </p:blipFill>
-        <p:spPr bwMode="auto">
-          <a:xfrm>
-            <a:off x="5055226" y="2295465"/>
-            <a:ext cx="1219200" cy="1219200"/>
-          </a:xfrm>
-          <a:prstGeom prst="rect">
-            <a:avLst/>
-          </a:prstGeom>
-          <a:noFill/>
-          <a:extLst>
-            <a:ext uri="{909E8E84-426E-40DD-AFC4-6F175D3DCCD1}">
-              <a14:hiddenFill xmlns:a14="http://schemas.microsoft.com/office/drawing/2010/main">
-                <a:solidFill>
-                  <a:srgbClr val="FFFFFF"/>
-                </a:solidFill>
-              </a14:hiddenFill>
-            </a:ext>
-          </a:extLst>
-        </p:spPr>
-      </p:pic>
-    </p:spTree>
-    <p:extLst>
-      <p:ext uri="{BB962C8B-B14F-4D97-AF65-F5344CB8AC3E}">
-        <p14:creationId xmlns:p14="http://schemas.microsoft.com/office/powerpoint/2010/main" val="787625584"/>
-      </p:ext>
-    </p:extLst>
-  </p:cSld>
-  <p:clrMapOvr>
-    <a:masterClrMapping/>
-  </p:clrMapOvr>
-  <p:timing>
-    <p:tnLst>
-      <p:par>
-        <p:cTn id="1" dur="indefinite" restart="never" nodeType="tmRoot"/>
-      </p:par>
-    </p:tnLst>
-  </p:timing>
-</p:sld>
-</file>
-
-<file path=ppt/slides/slide20.xml><?xml version="1.0" encoding="utf-8"?>
+<file path=ppt/slides/slide19.xml><?xml version="1.0" encoding="utf-8"?>
 <p:sld xmlns:a="http://schemas.openxmlformats.org/drawingml/2006/main" xmlns:r="http://schemas.openxmlformats.org/officeDocument/2006/relationships" xmlns:p="http://schemas.openxmlformats.org/presentationml/2006/main">
   <p:cSld>
     <p:spTree>
@@ -10431,7 +9326,7 @@
             <a:fld id="{00000000-1234-1234-1234-123412341234}" type="slidenum">
               <a:rPr lang="en" smtClean="0"/>
               <a:pPr/>
-              <a:t>20</a:t>
+              <a:t>19</a:t>
             </a:fld>
             <a:endParaRPr lang="en"/>
           </a:p>
@@ -10788,7 +9683,458 @@
 </p:sld>
 </file>
 
-<file path=ppt/slides/slide21.xml><?xml version="1.0" encoding="utf-8"?>
+<file path=ppt/slides/slide2.xml><?xml version="1.0" encoding="utf-8"?>
+<p:sld xmlns:a="http://schemas.openxmlformats.org/drawingml/2006/main" xmlns:r="http://schemas.openxmlformats.org/officeDocument/2006/relationships" xmlns:p="http://schemas.openxmlformats.org/presentationml/2006/main">
+  <p:cSld>
+    <p:spTree>
+      <p:nvGrpSpPr>
+        <p:cNvPr id="1" name=""/>
+        <p:cNvGrpSpPr/>
+        <p:nvPr/>
+      </p:nvGrpSpPr>
+      <p:grpSpPr>
+        <a:xfrm>
+          <a:off x="0" y="0"/>
+          <a:ext cx="0" cy="0"/>
+          <a:chOff x="0" y="0"/>
+          <a:chExt cx="0" cy="0"/>
+        </a:xfrm>
+      </p:grpSpPr>
+      <p:sp>
+        <p:nvSpPr>
+          <p:cNvPr id="6" name="Title 5"/>
+          <p:cNvSpPr>
+            <a:spLocks noGrp="1"/>
+          </p:cNvSpPr>
+          <p:nvPr>
+            <p:ph type="title"/>
+          </p:nvPr>
+        </p:nvSpPr>
+        <p:spPr/>
+        <p:txBody>
+          <a:bodyPr/>
+          <a:lstStyle/>
+          <a:p>
+            <a:r>
+              <a:rPr lang="en-US" dirty="0" smtClean="0">
+                <a:latin typeface="Cambria"/>
+                <a:ea typeface="Cambria"/>
+                <a:cs typeface="Cambria"/>
+                <a:sym typeface="Cambria"/>
+              </a:rPr>
+              <a:t>Scenario</a:t>
+            </a:r>
+            <a:endParaRPr lang="en-US" dirty="0">
+              <a:latin typeface="Cambria"/>
+              <a:ea typeface="Cambria"/>
+              <a:cs typeface="Cambria"/>
+              <a:sym typeface="Cambria"/>
+            </a:endParaRPr>
+          </a:p>
+        </p:txBody>
+      </p:sp>
+      <p:sp>
+        <p:nvSpPr>
+          <p:cNvPr id="5" name="Slide Number Placeholder 4"/>
+          <p:cNvSpPr>
+            <a:spLocks noGrp="1"/>
+          </p:cNvSpPr>
+          <p:nvPr>
+            <p:ph type="sldNum" idx="12"/>
+          </p:nvPr>
+        </p:nvSpPr>
+        <p:spPr/>
+        <p:txBody>
+          <a:bodyPr/>
+          <a:lstStyle/>
+          <a:p>
+            <a:fld id="{00000000-1234-1234-1234-123412341234}" type="slidenum">
+              <a:rPr lang="en" smtClean="0"/>
+              <a:pPr/>
+              <a:t>2</a:t>
+            </a:fld>
+            <a:endParaRPr lang="en"/>
+          </a:p>
+        </p:txBody>
+      </p:sp>
+      <p:grpSp>
+        <p:nvGrpSpPr>
+          <p:cNvPr id="8" name="Group 7"/>
+          <p:cNvGrpSpPr/>
+          <p:nvPr/>
+        </p:nvGrpSpPr>
+        <p:grpSpPr>
+          <a:xfrm>
+            <a:off x="497974" y="2295465"/>
+            <a:ext cx="2172806" cy="2233416"/>
+            <a:chOff x="-42886" y="3161112"/>
+            <a:chExt cx="2172806" cy="2233416"/>
+          </a:xfrm>
+        </p:grpSpPr>
+        <p:grpSp>
+          <p:nvGrpSpPr>
+            <p:cNvPr id="2" name="Group 1"/>
+            <p:cNvGrpSpPr/>
+            <p:nvPr/>
+          </p:nvGrpSpPr>
+          <p:grpSpPr>
+            <a:xfrm>
+              <a:off x="433917" y="3161112"/>
+              <a:ext cx="1219200" cy="1638701"/>
+              <a:chOff x="1209565" y="3078635"/>
+              <a:chExt cx="1219200" cy="1722166"/>
+            </a:xfrm>
+          </p:grpSpPr>
+          <p:sp>
+            <p:nvSpPr>
+              <p:cNvPr id="10" name="TextBox 9"/>
+              <p:cNvSpPr txBox="1"/>
+              <p:nvPr/>
+            </p:nvSpPr>
+            <p:spPr>
+              <a:xfrm>
+                <a:off x="1243174" y="4380312"/>
+                <a:ext cx="1151982" cy="420489"/>
+              </a:xfrm>
+              <a:prstGeom prst="rect">
+                <a:avLst/>
+              </a:prstGeom>
+              <a:noFill/>
+            </p:spPr>
+            <p:txBody>
+              <a:bodyPr wrap="none" rtlCol="0">
+                <a:spAutoFit/>
+              </a:bodyPr>
+              <a:lstStyle/>
+              <a:p>
+                <a:r>
+                  <a:rPr lang="en-US" sz="2000" b="1" dirty="0" err="1" smtClean="0">
+                    <a:latin typeface="Cambria" pitchFamily="18" charset="0"/>
+                    <a:cs typeface="Times New Roman" pitchFamily="18" charset="0"/>
+                  </a:rPr>
+                  <a:t>Khương</a:t>
+                </a:r>
+                <a:endParaRPr lang="en-US" sz="2000" b="1" dirty="0">
+                  <a:latin typeface="Cambria" pitchFamily="18" charset="0"/>
+                  <a:cs typeface="Times New Roman" pitchFamily="18" charset="0"/>
+                </a:endParaRPr>
+              </a:p>
+            </p:txBody>
+          </p:sp>
+          <p:pic>
+            <p:nvPicPr>
+              <p:cNvPr id="15" name="Picture 3" descr="C:\Users\ngoan\Desktop\image\thao.png"/>
+              <p:cNvPicPr>
+                <a:picLocks noChangeAspect="1" noChangeArrowheads="1"/>
+              </p:cNvPicPr>
+              <p:nvPr/>
+            </p:nvPicPr>
+            <p:blipFill>
+              <a:blip r:embed="rId3">
+                <a:extLst>
+                  <a:ext uri="{28A0092B-C50C-407E-A947-70E740481C1C}">
+                    <a14:useLocalDpi xmlns:a14="http://schemas.microsoft.com/office/drawing/2010/main" val="0"/>
+                  </a:ext>
+                </a:extLst>
+              </a:blip>
+              <a:srcRect/>
+              <a:stretch>
+                <a:fillRect/>
+              </a:stretch>
+            </p:blipFill>
+            <p:spPr bwMode="auto">
+              <a:xfrm flipH="1">
+                <a:off x="1209565" y="3078635"/>
+                <a:ext cx="1219200" cy="1219200"/>
+              </a:xfrm>
+              <a:prstGeom prst="rect">
+                <a:avLst/>
+              </a:prstGeom>
+              <a:noFill/>
+              <a:extLst>
+                <a:ext uri="{909E8E84-426E-40DD-AFC4-6F175D3DCCD1}">
+                  <a14:hiddenFill xmlns:a14="http://schemas.microsoft.com/office/drawing/2010/main">
+                    <a:solidFill>
+                      <a:srgbClr val="FFFFFF"/>
+                    </a:solidFill>
+                  </a14:hiddenFill>
+                </a:ext>
+              </a:extLst>
+            </p:spPr>
+          </p:pic>
+        </p:grpSp>
+        <p:sp>
+          <p:nvSpPr>
+            <p:cNvPr id="20" name="TextBox 19"/>
+            <p:cNvSpPr txBox="1"/>
+            <p:nvPr/>
+          </p:nvSpPr>
+          <p:spPr>
+            <a:xfrm>
+              <a:off x="-42886" y="5025196"/>
+              <a:ext cx="2172806" cy="369332"/>
+            </a:xfrm>
+            <a:prstGeom prst="rect">
+              <a:avLst/>
+            </a:prstGeom>
+            <a:noFill/>
+          </p:spPr>
+          <p:txBody>
+            <a:bodyPr wrap="square" rtlCol="0">
+              <a:spAutoFit/>
+            </a:bodyPr>
+            <a:lstStyle/>
+            <a:p>
+              <a:r>
+                <a:rPr lang="en-US" dirty="0" err="1">
+                  <a:solidFill>
+                    <a:srgbClr val="FF0000"/>
+                  </a:solidFill>
+                  <a:latin typeface="Cambria" pitchFamily="18" charset="0"/>
+                </a:rPr>
+                <a:t>Công</a:t>
+              </a:r>
+              <a:r>
+                <a:rPr lang="en-US" dirty="0">
+                  <a:solidFill>
+                    <a:srgbClr val="FF0000"/>
+                  </a:solidFill>
+                  <a:latin typeface="Cambria" pitchFamily="18" charset="0"/>
+                </a:rPr>
+                <a:t> </a:t>
+              </a:r>
+              <a:r>
+                <a:rPr lang="en-US" dirty="0" err="1">
+                  <a:solidFill>
+                    <a:srgbClr val="FF0000"/>
+                  </a:solidFill>
+                  <a:latin typeface="Cambria" pitchFamily="18" charset="0"/>
+                </a:rPr>
+                <a:t>Viên</a:t>
+              </a:r>
+              <a:r>
+                <a:rPr lang="en-US" dirty="0">
+                  <a:solidFill>
+                    <a:srgbClr val="FF0000"/>
+                  </a:solidFill>
+                  <a:latin typeface="Cambria" pitchFamily="18" charset="0"/>
+                </a:rPr>
+                <a:t> Tao </a:t>
+              </a:r>
+              <a:r>
+                <a:rPr lang="en-US" dirty="0" err="1">
+                  <a:solidFill>
+                    <a:srgbClr val="FF0000"/>
+                  </a:solidFill>
+                  <a:latin typeface="Cambria" pitchFamily="18" charset="0"/>
+                </a:rPr>
+                <a:t>Đàn</a:t>
+              </a:r>
+              <a:endParaRPr lang="en-US" dirty="0">
+                <a:solidFill>
+                  <a:srgbClr val="FF0000"/>
+                </a:solidFill>
+                <a:latin typeface="Cambria" pitchFamily="18" charset="0"/>
+                <a:cs typeface="Times New Roman" pitchFamily="18" charset="0"/>
+              </a:endParaRPr>
+            </a:p>
+          </p:txBody>
+        </p:sp>
+      </p:grpSp>
+      <p:sp>
+        <p:nvSpPr>
+          <p:cNvPr id="13" name="TextBox 12"/>
+          <p:cNvSpPr txBox="1"/>
+          <p:nvPr/>
+        </p:nvSpPr>
+        <p:spPr>
+          <a:xfrm>
+            <a:off x="3634858" y="3404610"/>
+            <a:ext cx="914400" cy="400110"/>
+          </a:xfrm>
+          <a:prstGeom prst="rect">
+            <a:avLst/>
+          </a:prstGeom>
+          <a:noFill/>
+        </p:spPr>
+        <p:txBody>
+          <a:bodyPr wrap="square" rtlCol="0">
+            <a:spAutoFit/>
+          </a:bodyPr>
+          <a:lstStyle/>
+          <a:p>
+            <a:r>
+              <a:rPr lang="en-US" sz="2000" b="1" dirty="0" err="1" smtClean="0">
+                <a:latin typeface="Cambria" pitchFamily="18" charset="0"/>
+                <a:cs typeface="Times New Roman" pitchFamily="18" charset="0"/>
+              </a:rPr>
+              <a:t>Vợ</a:t>
+            </a:r>
+            <a:endParaRPr lang="en-US" sz="2000" b="1" dirty="0">
+              <a:latin typeface="Cambria" pitchFamily="18" charset="0"/>
+              <a:cs typeface="Times New Roman" pitchFamily="18" charset="0"/>
+            </a:endParaRPr>
+          </a:p>
+        </p:txBody>
+      </p:sp>
+      <p:sp>
+        <p:nvSpPr>
+          <p:cNvPr id="12" name="TextBox 11"/>
+          <p:cNvSpPr txBox="1"/>
+          <p:nvPr/>
+        </p:nvSpPr>
+        <p:spPr>
+          <a:xfrm>
+            <a:off x="3209000" y="4159549"/>
+            <a:ext cx="1766116" cy="369332"/>
+          </a:xfrm>
+          <a:prstGeom prst="rect">
+            <a:avLst/>
+          </a:prstGeom>
+          <a:noFill/>
+        </p:spPr>
+        <p:txBody>
+          <a:bodyPr wrap="square" rtlCol="0">
+            <a:spAutoFit/>
+          </a:bodyPr>
+          <a:lstStyle/>
+          <a:p>
+            <a:pPr algn="ctr"/>
+            <a:r>
+              <a:rPr lang="en-US" dirty="0" err="1">
+                <a:solidFill>
+                  <a:srgbClr val="FF0000"/>
+                </a:solidFill>
+                <a:latin typeface="Cambria" pitchFamily="18" charset="0"/>
+              </a:rPr>
+              <a:t>Bến</a:t>
+            </a:r>
+            <a:r>
+              <a:rPr lang="en-US" dirty="0">
+                <a:solidFill>
+                  <a:srgbClr val="FF0000"/>
+                </a:solidFill>
+                <a:latin typeface="Cambria" pitchFamily="18" charset="0"/>
+              </a:rPr>
+              <a:t> </a:t>
+            </a:r>
+            <a:r>
+              <a:rPr lang="en-US" dirty="0" err="1">
+                <a:solidFill>
+                  <a:srgbClr val="FF0000"/>
+                </a:solidFill>
+                <a:latin typeface="Cambria" pitchFamily="18" charset="0"/>
+              </a:rPr>
+              <a:t>xe</a:t>
+            </a:r>
+            <a:r>
+              <a:rPr lang="en-US" dirty="0">
+                <a:solidFill>
+                  <a:srgbClr val="FF0000"/>
+                </a:solidFill>
+                <a:latin typeface="Cambria" pitchFamily="18" charset="0"/>
+              </a:rPr>
+              <a:t> </a:t>
+            </a:r>
+            <a:r>
+              <a:rPr lang="en-US" dirty="0" err="1">
+                <a:solidFill>
+                  <a:srgbClr val="FF0000"/>
+                </a:solidFill>
+                <a:latin typeface="Cambria" pitchFamily="18" charset="0"/>
+              </a:rPr>
+              <a:t>quận</a:t>
+            </a:r>
+            <a:r>
+              <a:rPr lang="en-US" dirty="0">
+                <a:solidFill>
+                  <a:srgbClr val="FF0000"/>
+                </a:solidFill>
+                <a:latin typeface="Cambria" pitchFamily="18" charset="0"/>
+              </a:rPr>
+              <a:t> </a:t>
+            </a:r>
+            <a:r>
+              <a:rPr lang="en-US" dirty="0" smtClean="0">
+                <a:solidFill>
+                  <a:srgbClr val="FF0000"/>
+                </a:solidFill>
+                <a:latin typeface="Cambria" pitchFamily="18" charset="0"/>
+              </a:rPr>
+              <a:t>8</a:t>
+            </a:r>
+            <a:endParaRPr lang="en-US" dirty="0">
+              <a:solidFill>
+                <a:srgbClr val="FF0000"/>
+              </a:solidFill>
+              <a:latin typeface="Cambria" pitchFamily="18" charset="0"/>
+              <a:cs typeface="Times New Roman" pitchFamily="18" charset="0"/>
+            </a:endParaRPr>
+          </a:p>
+        </p:txBody>
+      </p:sp>
+      <p:pic>
+        <p:nvPicPr>
+          <p:cNvPr id="1026" name="Picture 2" descr="C:\Users\ngoan\Desktop\image\ngoan.png"/>
+          <p:cNvPicPr>
+            <a:picLocks noChangeAspect="1" noChangeArrowheads="1"/>
+          </p:cNvPicPr>
+          <p:nvPr/>
+        </p:nvPicPr>
+        <p:blipFill>
+          <a:blip r:embed="rId4">
+            <a:extLst>
+              <a:ext uri="{28A0092B-C50C-407E-A947-70E740481C1C}">
+                <a14:useLocalDpi xmlns:a14="http://schemas.microsoft.com/office/drawing/2010/main" val="0"/>
+              </a:ext>
+            </a:extLst>
+          </a:blip>
+          <a:srcRect/>
+          <a:stretch>
+            <a:fillRect/>
+          </a:stretch>
+        </p:blipFill>
+        <p:spPr bwMode="auto">
+          <a:xfrm>
+            <a:off x="3482458" y="2185410"/>
+            <a:ext cx="1219200" cy="1219200"/>
+          </a:xfrm>
+          <a:prstGeom prst="rect">
+            <a:avLst/>
+          </a:prstGeom>
+          <a:noFill/>
+          <a:extLst>
+            <a:ext uri="{909E8E84-426E-40DD-AFC4-6F175D3DCCD1}">
+              <a14:hiddenFill xmlns:a14="http://schemas.microsoft.com/office/drawing/2010/main">
+                <a:solidFill>
+                  <a:srgbClr val="FFFFFF"/>
+                </a:solidFill>
+              </a14:hiddenFill>
+            </a:ext>
+          </a:extLst>
+        </p:spPr>
+      </p:pic>
+    </p:spTree>
+    <p:extLst>
+      <p:ext uri="{BB962C8B-B14F-4D97-AF65-F5344CB8AC3E}">
+        <p14:creationId xmlns:p14="http://schemas.microsoft.com/office/powerpoint/2010/main" val="787625584"/>
+      </p:ext>
+    </p:extLst>
+  </p:cSld>
+  <p:clrMapOvr>
+    <a:masterClrMapping/>
+  </p:clrMapOvr>
+  <p:timing>
+    <p:tnLst>
+      <p:par>
+        <p:cTn id="1" dur="indefinite" restart="never" nodeType="tmRoot"/>
+      </p:par>
+    </p:tnLst>
+  </p:timing>
+</p:sld>
+</file>
+
+<file path=ppt/slides/slide20.xml><?xml version="1.0" encoding="utf-8"?>
 <p:sld xmlns:a="http://schemas.openxmlformats.org/drawingml/2006/main" xmlns:r="http://schemas.openxmlformats.org/officeDocument/2006/relationships" xmlns:p="http://schemas.openxmlformats.org/presentationml/2006/main">
   <p:cSld>
     <p:spTree>
@@ -10851,7 +10197,7 @@
             <a:fld id="{00000000-1234-1234-1234-123412341234}" type="slidenum">
               <a:rPr lang="en" smtClean="0"/>
               <a:pPr/>
-              <a:t>21</a:t>
+              <a:t>20</a:t>
             </a:fld>
             <a:endParaRPr lang="en"/>
           </a:p>
@@ -11089,7 +10435,7 @@
 </p:sld>
 </file>
 
-<file path=ppt/slides/slide22.xml><?xml version="1.0" encoding="utf-8"?>
+<file path=ppt/slides/slide21.xml><?xml version="1.0" encoding="utf-8"?>
 <p:sld xmlns:a="http://schemas.openxmlformats.org/drawingml/2006/main" xmlns:r="http://schemas.openxmlformats.org/officeDocument/2006/relationships" xmlns:p="http://schemas.openxmlformats.org/presentationml/2006/main">
   <p:cSld>
     <p:spTree>
@@ -11152,7 +10498,7 @@
             <a:fld id="{00000000-1234-1234-1234-123412341234}" type="slidenum">
               <a:rPr lang="en" smtClean="0"/>
               <a:pPr/>
-              <a:t>22</a:t>
+              <a:t>21</a:t>
             </a:fld>
             <a:endParaRPr lang="en"/>
           </a:p>
@@ -11449,7 +10795,7 @@
 </p:sld>
 </file>
 
-<file path=ppt/slides/slide23.xml><?xml version="1.0" encoding="utf-8"?>
+<file path=ppt/slides/slide22.xml><?xml version="1.0" encoding="utf-8"?>
 <p:sld xmlns:a="http://schemas.openxmlformats.org/drawingml/2006/main" xmlns:r="http://schemas.openxmlformats.org/officeDocument/2006/relationships" xmlns:p="http://schemas.openxmlformats.org/presentationml/2006/main">
   <p:cSld>
     <p:spTree>
@@ -11507,7 +10853,7 @@
             <a:fld id="{00000000-1234-1234-1234-123412341234}" type="slidenum">
               <a:rPr lang="en" smtClean="0"/>
               <a:pPr/>
-              <a:t>23</a:t>
+              <a:t>22</a:t>
             </a:fld>
             <a:endParaRPr lang="en"/>
           </a:p>
@@ -11819,7 +11165,7 @@
 </p:sld>
 </file>
 
-<file path=ppt/slides/slide24.xml><?xml version="1.0" encoding="utf-8"?>
+<file path=ppt/slides/slide23.xml><?xml version="1.0" encoding="utf-8"?>
 <p:sld xmlns:a="http://schemas.openxmlformats.org/drawingml/2006/main" xmlns:r="http://schemas.openxmlformats.org/officeDocument/2006/relationships" xmlns:p="http://schemas.openxmlformats.org/presentationml/2006/main">
   <p:cSld>
     <p:spTree>
@@ -11882,7 +11228,7 @@
             <a:fld id="{00000000-1234-1234-1234-123412341234}" type="slidenum">
               <a:rPr lang="en" smtClean="0"/>
               <a:pPr/>
-              <a:t>24</a:t>
+              <a:t>23</a:t>
             </a:fld>
             <a:endParaRPr lang="en"/>
           </a:p>
@@ -12209,7 +11555,7 @@
 </p:sld>
 </file>
 
-<file path=ppt/slides/slide25.xml><?xml version="1.0" encoding="utf-8"?>
+<file path=ppt/slides/slide24.xml><?xml version="1.0" encoding="utf-8"?>
 <p:sld xmlns:a="http://schemas.openxmlformats.org/drawingml/2006/main" xmlns:r="http://schemas.openxmlformats.org/officeDocument/2006/relationships" xmlns:p="http://schemas.openxmlformats.org/presentationml/2006/main">
   <p:cSld>
     <p:spTree>
@@ -12272,7 +11618,7 @@
             <a:fld id="{00000000-1234-1234-1234-123412341234}" type="slidenum">
               <a:rPr lang="en" smtClean="0"/>
               <a:pPr/>
-              <a:t>25</a:t>
+              <a:t>24</a:t>
             </a:fld>
             <a:endParaRPr lang="en"/>
           </a:p>
@@ -12614,7 +11960,7 @@
 </p:sld>
 </file>
 
-<file path=ppt/slides/slide26.xml><?xml version="1.0" encoding="utf-8"?>
+<file path=ppt/slides/slide25.xml><?xml version="1.0" encoding="utf-8"?>
 <p:sld xmlns:a="http://schemas.openxmlformats.org/drawingml/2006/main" xmlns:r="http://schemas.openxmlformats.org/officeDocument/2006/relationships" xmlns:p="http://schemas.openxmlformats.org/presentationml/2006/main">
   <p:cSld>
     <p:spTree>
@@ -12677,7 +12023,7 @@
             <a:fld id="{00000000-1234-1234-1234-123412341234}" type="slidenum">
               <a:rPr lang="en" smtClean="0"/>
               <a:pPr/>
-              <a:t>26</a:t>
+              <a:t>25</a:t>
             </a:fld>
             <a:endParaRPr lang="en"/>
           </a:p>
@@ -13034,7 +12380,7 @@
 </p:sld>
 </file>
 
-<file path=ppt/slides/slide27.xml><?xml version="1.0" encoding="utf-8"?>
+<file path=ppt/slides/slide26.xml><?xml version="1.0" encoding="utf-8"?>
 <p:sld xmlns:a="http://schemas.openxmlformats.org/drawingml/2006/main" xmlns:r="http://schemas.openxmlformats.org/officeDocument/2006/relationships" xmlns:p="http://schemas.openxmlformats.org/presentationml/2006/main">
   <p:cSld>
     <p:spTree>
@@ -13069,7 +12415,7 @@
             <a:fld id="{00000000-1234-1234-1234-123412341234}" type="slidenum">
               <a:rPr lang="en" smtClean="0"/>
               <a:pPr/>
-              <a:t>27</a:t>
+              <a:t>26</a:t>
             </a:fld>
             <a:endParaRPr lang="en"/>
           </a:p>
@@ -13756,7 +13102,7 @@
 </p:sld>
 </file>
 
-<file path=ppt/slides/slide28.xml><?xml version="1.0" encoding="utf-8"?>
+<file path=ppt/slides/slide27.xml><?xml version="1.0" encoding="utf-8"?>
 <p:sld xmlns:a="http://schemas.openxmlformats.org/drawingml/2006/main" xmlns:r="http://schemas.openxmlformats.org/officeDocument/2006/relationships" xmlns:p="http://schemas.openxmlformats.org/presentationml/2006/main">
   <p:cSld>
     <p:spTree>
@@ -13818,7 +13164,7 @@
             <a:fld id="{00000000-1234-1234-1234-123412341234}" type="slidenum">
               <a:rPr lang="en" smtClean="0"/>
               <a:pPr/>
-              <a:t>28</a:t>
+              <a:t>27</a:t>
             </a:fld>
             <a:endParaRPr lang="en"/>
           </a:p>
@@ -14431,7 +13777,7 @@
         </p:nvSpPr>
         <p:spPr>
           <a:xfrm>
-            <a:off x="5168455" y="3514665"/>
+            <a:off x="2710734" y="5583609"/>
             <a:ext cx="914400" cy="400110"/>
           </a:xfrm>
           <a:prstGeom prst="rect">
@@ -14450,7 +13796,7 @@
                 <a:latin typeface="Cambria" pitchFamily="18" charset="0"/>
                 <a:cs typeface="Times New Roman" pitchFamily="18" charset="0"/>
               </a:rPr>
-              <a:t>Mẹ</a:t>
+              <a:t>Vợ</a:t>
             </a:r>
             <a:endParaRPr lang="en-US" sz="2000" b="1" dirty="0">
               <a:latin typeface="Cambria" pitchFamily="18" charset="0"/>
@@ -14467,8 +13813,8 @@
         </p:nvSpPr>
         <p:spPr>
           <a:xfrm>
-            <a:off x="4742597" y="4269604"/>
-            <a:ext cx="2654490" cy="369332"/>
+            <a:off x="2105778" y="6217682"/>
+            <a:ext cx="1766116" cy="369332"/>
           </a:xfrm>
           <a:prstGeom prst="rect">
             <a:avLst/>
@@ -14481,6 +13827,16 @@
           </a:bodyPr>
           <a:lstStyle/>
           <a:p>
+            <a:pPr algn="ctr"/>
+            <a:r>
+              <a:rPr lang="en-US" dirty="0" err="1">
+                <a:solidFill>
+                  <a:srgbClr val="FF0000"/>
+                </a:solidFill>
+                <a:latin typeface="Cambria" pitchFamily="18" charset="0"/>
+              </a:rPr>
+              <a:t>Bến</a:t>
+            </a:r>
             <a:r>
               <a:rPr lang="en-US" dirty="0">
                 <a:solidFill>
@@ -14488,7 +13844,7 @@
                 </a:solidFill>
                 <a:latin typeface="Cambria" pitchFamily="18" charset="0"/>
               </a:rPr>
-              <a:t>280 </a:t>
+              <a:t> </a:t>
             </a:r>
             <a:r>
               <a:rPr lang="en-US" dirty="0" err="1">
@@ -14497,7 +13853,7 @@
                 </a:solidFill>
                 <a:latin typeface="Cambria" pitchFamily="18" charset="0"/>
               </a:rPr>
-              <a:t>Nguyễn</a:t>
+              <a:t>xe</a:t>
             </a:r>
             <a:r>
               <a:rPr lang="en-US" dirty="0">
@@ -14515,7 +13871,7 @@
                 </a:solidFill>
                 <a:latin typeface="Cambria" pitchFamily="18" charset="0"/>
               </a:rPr>
-              <a:t>Đình</a:t>
+              <a:t>quận</a:t>
             </a:r>
             <a:r>
               <a:rPr lang="en-US" dirty="0">
@@ -14527,13 +13883,13 @@
               <a:t> </a:t>
             </a:r>
             <a:r>
-              <a:rPr lang="en-US" dirty="0" err="1">
+              <a:rPr lang="en-US" dirty="0" smtClean="0">
                 <a:solidFill>
                   <a:srgbClr val="FF0000"/>
                 </a:solidFill>
                 <a:latin typeface="Cambria" pitchFamily="18" charset="0"/>
               </a:rPr>
-              <a:t>Chiểu</a:t>
+              <a:t>8</a:t>
             </a:r>
             <a:endParaRPr lang="en-US" dirty="0">
               <a:solidFill>
@@ -14545,42 +13901,9 @@
           </a:p>
         </p:txBody>
       </p:sp>
-      <p:cxnSp>
-        <p:nvCxnSpPr>
-          <p:cNvPr id="16" name="Straight Arrow Connector 15"/>
-          <p:cNvCxnSpPr/>
-          <p:nvPr/>
-        </p:nvCxnSpPr>
-        <p:spPr>
-          <a:xfrm>
-            <a:off x="2784143" y="3455576"/>
-            <a:ext cx="1997625" cy="0"/>
-          </a:xfrm>
-          <a:prstGeom prst="straightConnector1">
-            <a:avLst/>
-          </a:prstGeom>
-          <a:ln w="63500">
-            <a:tailEnd type="triangle"/>
-          </a:ln>
-        </p:spPr>
-        <p:style>
-          <a:lnRef idx="3">
-            <a:schemeClr val="dk1"/>
-          </a:lnRef>
-          <a:fillRef idx="0">
-            <a:schemeClr val="dk1"/>
-          </a:fillRef>
-          <a:effectRef idx="2">
-            <a:schemeClr val="dk1"/>
-          </a:effectRef>
-          <a:fontRef idx="minor">
-            <a:schemeClr val="tx1"/>
-          </a:fontRef>
-        </p:style>
-      </p:cxnSp>
       <p:pic>
         <p:nvPicPr>
-          <p:cNvPr id="2050" name="Picture 2" descr="C:\Users\ngoan\Desktop\image\Office-Client-Female-Light-icon.png"/>
+          <p:cNvPr id="1026" name="Picture 2" descr="C:\Users\ngoan\Desktop\image\ngoan.png"/>
           <p:cNvPicPr>
             <a:picLocks noChangeAspect="1" noChangeArrowheads="1"/>
           </p:cNvPicPr>
@@ -14601,7 +13924,356 @@
         </p:blipFill>
         <p:spPr bwMode="auto">
           <a:xfrm>
-            <a:off x="5045011" y="2294288"/>
+            <a:off x="2558334" y="4364409"/>
+            <a:ext cx="1219200" cy="1219200"/>
+          </a:xfrm>
+          <a:prstGeom prst="rect">
+            <a:avLst/>
+          </a:prstGeom>
+          <a:noFill/>
+          <a:extLst>
+            <a:ext uri="{909E8E84-426E-40DD-AFC4-6F175D3DCCD1}">
+              <a14:hiddenFill xmlns:a14="http://schemas.microsoft.com/office/drawing/2010/main">
+                <a:solidFill>
+                  <a:srgbClr val="FFFFFF"/>
+                </a:solidFill>
+              </a14:hiddenFill>
+            </a:ext>
+          </a:extLst>
+        </p:spPr>
+      </p:pic>
+      <p:sp>
+        <p:nvSpPr>
+          <p:cNvPr id="14" name="TextBox 13"/>
+          <p:cNvSpPr txBox="1"/>
+          <p:nvPr/>
+        </p:nvSpPr>
+        <p:spPr>
+          <a:xfrm>
+            <a:off x="6749852" y="5371103"/>
+            <a:ext cx="914400" cy="400110"/>
+          </a:xfrm>
+          <a:prstGeom prst="rect">
+            <a:avLst/>
+          </a:prstGeom>
+          <a:noFill/>
+        </p:spPr>
+        <p:txBody>
+          <a:bodyPr wrap="square" rtlCol="0">
+            <a:spAutoFit/>
+          </a:bodyPr>
+          <a:lstStyle/>
+          <a:p>
+            <a:r>
+              <a:rPr lang="en-US" sz="2000" b="1" dirty="0" err="1" smtClean="0">
+                <a:latin typeface="Cambria" pitchFamily="18" charset="0"/>
+                <a:cs typeface="Times New Roman" pitchFamily="18" charset="0"/>
+              </a:rPr>
+              <a:t>Mẹ</a:t>
+            </a:r>
+            <a:endParaRPr lang="en-US" sz="2000" b="1" dirty="0">
+              <a:latin typeface="Cambria" pitchFamily="18" charset="0"/>
+              <a:cs typeface="Times New Roman" pitchFamily="18" charset="0"/>
+            </a:endParaRPr>
+          </a:p>
+        </p:txBody>
+      </p:sp>
+      <p:sp>
+        <p:nvSpPr>
+          <p:cNvPr id="16" name="TextBox 15"/>
+          <p:cNvSpPr txBox="1"/>
+          <p:nvPr/>
+        </p:nvSpPr>
+        <p:spPr>
+          <a:xfrm>
+            <a:off x="6323994" y="6126042"/>
+            <a:ext cx="2654490" cy="369332"/>
+          </a:xfrm>
+          <a:prstGeom prst="rect">
+            <a:avLst/>
+          </a:prstGeom>
+          <a:noFill/>
+        </p:spPr>
+        <p:txBody>
+          <a:bodyPr wrap="square" rtlCol="0">
+            <a:spAutoFit/>
+          </a:bodyPr>
+          <a:lstStyle/>
+          <a:p>
+            <a:r>
+              <a:rPr lang="en-US" dirty="0">
+                <a:solidFill>
+                  <a:srgbClr val="FF0000"/>
+                </a:solidFill>
+                <a:latin typeface="Cambria" pitchFamily="18" charset="0"/>
+              </a:rPr>
+              <a:t>280 </a:t>
+            </a:r>
+            <a:r>
+              <a:rPr lang="en-US" dirty="0" err="1">
+                <a:solidFill>
+                  <a:srgbClr val="FF0000"/>
+                </a:solidFill>
+                <a:latin typeface="Cambria" pitchFamily="18" charset="0"/>
+              </a:rPr>
+              <a:t>Nguyễn</a:t>
+            </a:r>
+            <a:r>
+              <a:rPr lang="en-US" dirty="0">
+                <a:solidFill>
+                  <a:srgbClr val="FF0000"/>
+                </a:solidFill>
+                <a:latin typeface="Cambria" pitchFamily="18" charset="0"/>
+              </a:rPr>
+              <a:t> </a:t>
+            </a:r>
+            <a:r>
+              <a:rPr lang="en-US" dirty="0" err="1">
+                <a:solidFill>
+                  <a:srgbClr val="FF0000"/>
+                </a:solidFill>
+                <a:latin typeface="Cambria" pitchFamily="18" charset="0"/>
+              </a:rPr>
+              <a:t>Đình</a:t>
+            </a:r>
+            <a:r>
+              <a:rPr lang="en-US" dirty="0">
+                <a:solidFill>
+                  <a:srgbClr val="FF0000"/>
+                </a:solidFill>
+                <a:latin typeface="Cambria" pitchFamily="18" charset="0"/>
+              </a:rPr>
+              <a:t> </a:t>
+            </a:r>
+            <a:r>
+              <a:rPr lang="en-US" dirty="0" err="1">
+                <a:solidFill>
+                  <a:srgbClr val="FF0000"/>
+                </a:solidFill>
+                <a:latin typeface="Cambria" pitchFamily="18" charset="0"/>
+              </a:rPr>
+              <a:t>Chiểu</a:t>
+            </a:r>
+            <a:endParaRPr lang="en-US" dirty="0">
+              <a:solidFill>
+                <a:srgbClr val="FF0000"/>
+              </a:solidFill>
+              <a:latin typeface="Cambria" pitchFamily="18" charset="0"/>
+              <a:cs typeface="Times New Roman" pitchFamily="18" charset="0"/>
+            </a:endParaRPr>
+          </a:p>
+        </p:txBody>
+      </p:sp>
+      <p:pic>
+        <p:nvPicPr>
+          <p:cNvPr id="17" name="Picture 2" descr="C:\Users\ngoan\Desktop\image\Office-Client-Female-Light-icon.png"/>
+          <p:cNvPicPr>
+            <a:picLocks noChangeAspect="1" noChangeArrowheads="1"/>
+          </p:cNvPicPr>
+          <p:nvPr/>
+        </p:nvPicPr>
+        <p:blipFill>
+          <a:blip r:embed="rId5">
+            <a:extLst>
+              <a:ext uri="{28A0092B-C50C-407E-A947-70E740481C1C}">
+                <a14:useLocalDpi xmlns:a14="http://schemas.microsoft.com/office/drawing/2010/main" val="0"/>
+              </a:ext>
+            </a:extLst>
+          </a:blip>
+          <a:srcRect/>
+          <a:stretch>
+            <a:fillRect/>
+          </a:stretch>
+        </p:blipFill>
+        <p:spPr bwMode="auto">
+          <a:xfrm>
+            <a:off x="6626408" y="4150726"/>
+            <a:ext cx="1161288" cy="1161288"/>
+          </a:xfrm>
+          <a:prstGeom prst="rect">
+            <a:avLst/>
+          </a:prstGeom>
+          <a:noFill/>
+          <a:extLst>
+            <a:ext uri="{909E8E84-426E-40DD-AFC4-6F175D3DCCD1}">
+              <a14:hiddenFill xmlns:a14="http://schemas.microsoft.com/office/drawing/2010/main">
+                <a:solidFill>
+                  <a:srgbClr val="FFFFFF"/>
+                </a:solidFill>
+              </a14:hiddenFill>
+            </a:ext>
+          </a:extLst>
+        </p:spPr>
+      </p:pic>
+      <p:sp>
+        <p:nvSpPr>
+          <p:cNvPr id="21" name="TextBox 20"/>
+          <p:cNvSpPr txBox="1"/>
+          <p:nvPr/>
+        </p:nvSpPr>
+        <p:spPr>
+          <a:xfrm>
+            <a:off x="4191282" y="3436794"/>
+            <a:ext cx="1191402" cy="400110"/>
+          </a:xfrm>
+          <a:prstGeom prst="rect">
+            <a:avLst/>
+          </a:prstGeom>
+          <a:noFill/>
+        </p:spPr>
+        <p:txBody>
+          <a:bodyPr wrap="square" rtlCol="0">
+            <a:spAutoFit/>
+          </a:bodyPr>
+          <a:lstStyle/>
+          <a:p>
+            <a:r>
+              <a:rPr lang="en-US" sz="2000" b="1" dirty="0" err="1" smtClean="0">
+                <a:latin typeface="Cambria" pitchFamily="18" charset="0"/>
+                <a:cs typeface="Times New Roman" pitchFamily="18" charset="0"/>
+              </a:rPr>
+              <a:t>Bà</a:t>
+            </a:r>
+            <a:r>
+              <a:rPr lang="en-US" sz="2000" b="1" dirty="0" smtClean="0">
+                <a:latin typeface="Cambria" pitchFamily="18" charset="0"/>
+                <a:cs typeface="Times New Roman" pitchFamily="18" charset="0"/>
+              </a:rPr>
+              <a:t> </a:t>
+            </a:r>
+            <a:r>
+              <a:rPr lang="en-US" sz="2000" b="1" dirty="0" err="1" smtClean="0">
+                <a:latin typeface="Cambria" pitchFamily="18" charset="0"/>
+                <a:cs typeface="Times New Roman" pitchFamily="18" charset="0"/>
+              </a:rPr>
+              <a:t>Nội</a:t>
+            </a:r>
+            <a:endParaRPr lang="en-US" sz="2000" b="1" dirty="0">
+              <a:latin typeface="Cambria" pitchFamily="18" charset="0"/>
+              <a:cs typeface="Times New Roman" pitchFamily="18" charset="0"/>
+            </a:endParaRPr>
+          </a:p>
+        </p:txBody>
+      </p:sp>
+      <p:sp>
+        <p:nvSpPr>
+          <p:cNvPr id="22" name="TextBox 21"/>
+          <p:cNvSpPr txBox="1"/>
+          <p:nvPr/>
+        </p:nvSpPr>
+        <p:spPr>
+          <a:xfrm>
+            <a:off x="3328173" y="3974883"/>
+            <a:ext cx="2640842" cy="369332"/>
+          </a:xfrm>
+          <a:prstGeom prst="rect">
+            <a:avLst/>
+          </a:prstGeom>
+          <a:noFill/>
+        </p:spPr>
+        <p:txBody>
+          <a:bodyPr wrap="square" rtlCol="0">
+            <a:spAutoFit/>
+          </a:bodyPr>
+          <a:lstStyle/>
+          <a:p>
+            <a:r>
+              <a:rPr lang="en-US" dirty="0" err="1">
+                <a:solidFill>
+                  <a:srgbClr val="FF0000"/>
+                </a:solidFill>
+                <a:latin typeface="Cambria" pitchFamily="18" charset="0"/>
+              </a:rPr>
+              <a:t>VinCom</a:t>
+            </a:r>
+            <a:r>
+              <a:rPr lang="en-US" dirty="0">
+                <a:solidFill>
+                  <a:srgbClr val="FF0000"/>
+                </a:solidFill>
+                <a:latin typeface="Cambria" pitchFamily="18" charset="0"/>
+              </a:rPr>
+              <a:t> </a:t>
+            </a:r>
+            <a:r>
+              <a:rPr lang="en-US" dirty="0" err="1">
+                <a:solidFill>
+                  <a:srgbClr val="FF0000"/>
+                </a:solidFill>
+                <a:latin typeface="Cambria" pitchFamily="18" charset="0"/>
+              </a:rPr>
+              <a:t>Lê</a:t>
+            </a:r>
+            <a:r>
+              <a:rPr lang="en-US" dirty="0">
+                <a:solidFill>
+                  <a:srgbClr val="FF0000"/>
+                </a:solidFill>
+                <a:latin typeface="Cambria" pitchFamily="18" charset="0"/>
+              </a:rPr>
+              <a:t> </a:t>
+            </a:r>
+            <a:r>
+              <a:rPr lang="en-US" dirty="0" err="1">
+                <a:solidFill>
+                  <a:srgbClr val="FF0000"/>
+                </a:solidFill>
+                <a:latin typeface="Cambria" pitchFamily="18" charset="0"/>
+              </a:rPr>
+              <a:t>Thánh</a:t>
+            </a:r>
+            <a:r>
+              <a:rPr lang="en-US" dirty="0">
+                <a:solidFill>
+                  <a:srgbClr val="FF0000"/>
+                </a:solidFill>
+                <a:latin typeface="Cambria" pitchFamily="18" charset="0"/>
+              </a:rPr>
+              <a:t> </a:t>
+            </a:r>
+            <a:r>
+              <a:rPr lang="en-US" dirty="0" err="1">
+                <a:solidFill>
+                  <a:srgbClr val="FF0000"/>
+                </a:solidFill>
+                <a:latin typeface="Cambria" pitchFamily="18" charset="0"/>
+              </a:rPr>
+              <a:t>Tôn</a:t>
+            </a:r>
+            <a:endParaRPr lang="en-US" dirty="0">
+              <a:solidFill>
+                <a:srgbClr val="FF0000"/>
+              </a:solidFill>
+              <a:latin typeface="Cambria" pitchFamily="18" charset="0"/>
+              <a:cs typeface="Times New Roman" pitchFamily="18" charset="0"/>
+            </a:endParaRPr>
+          </a:p>
+        </p:txBody>
+      </p:sp>
+      <p:pic>
+        <p:nvPicPr>
+          <p:cNvPr id="23" name="Picture 2" descr="C:\Users\ngoan\Desktop\image\Religions-Muslim-Female-icon.png"/>
+          <p:cNvPicPr>
+            <a:picLocks noChangeAspect="1" noChangeArrowheads="1"/>
+          </p:cNvPicPr>
+          <p:nvPr/>
+        </p:nvPicPr>
+        <p:blipFill>
+          <a:blip r:embed="rId6">
+            <a:extLst>
+              <a:ext uri="{28A0092B-C50C-407E-A947-70E740481C1C}">
+                <a14:useLocalDpi xmlns:a14="http://schemas.microsoft.com/office/drawing/2010/main" val="0"/>
+              </a:ext>
+            </a:extLst>
+          </a:blip>
+          <a:srcRect/>
+          <a:stretch>
+            <a:fillRect/>
+          </a:stretch>
+        </p:blipFill>
+        <p:spPr bwMode="auto">
+          <a:xfrm>
+            <a:off x="4067950" y="2216417"/>
             <a:ext cx="1161288" cy="1161288"/>
           </a:xfrm>
           <a:prstGeom prst="rect">
@@ -14622,7 +14294,7 @@
     </p:spTree>
     <p:extLst>
       <p:ext uri="{BB962C8B-B14F-4D97-AF65-F5344CB8AC3E}">
-        <p14:creationId xmlns:p14="http://schemas.microsoft.com/office/powerpoint/2010/main" val="3095486733"/>
+        <p14:creationId xmlns:p14="http://schemas.microsoft.com/office/powerpoint/2010/main" val="1423749373"/>
       </p:ext>
     </p:extLst>
   </p:cSld>
@@ -14658,40 +14330,7 @@
       </p:grpSpPr>
       <p:sp>
         <p:nvSpPr>
-          <p:cNvPr id="6" name="Title 5"/>
-          <p:cNvSpPr>
-            <a:spLocks noGrp="1"/>
-          </p:cNvSpPr>
-          <p:nvPr>
-            <p:ph type="title"/>
-          </p:nvPr>
-        </p:nvSpPr>
-        <p:spPr/>
-        <p:txBody>
-          <a:bodyPr/>
-          <a:lstStyle/>
-          <a:p>
-            <a:r>
-              <a:rPr lang="en-US" dirty="0" smtClean="0">
-                <a:latin typeface="Cambria"/>
-                <a:ea typeface="Cambria"/>
-                <a:cs typeface="Cambria"/>
-                <a:sym typeface="Cambria"/>
-              </a:rPr>
-              <a:t>Scenario</a:t>
-            </a:r>
-            <a:endParaRPr lang="en-US" dirty="0">
-              <a:latin typeface="Cambria"/>
-              <a:ea typeface="Cambria"/>
-              <a:cs typeface="Cambria"/>
-              <a:sym typeface="Cambria"/>
-            </a:endParaRPr>
-          </a:p>
-        </p:txBody>
-      </p:sp>
-      <p:sp>
-        <p:nvSpPr>
-          <p:cNvPr id="5" name="Slide Number Placeholder 4"/>
+          <p:cNvPr id="4" name="Slide Number Placeholder 3"/>
           <p:cNvSpPr>
             <a:spLocks noGrp="1"/>
           </p:cNvSpPr>
@@ -14708,470 +14347,6 @@
               <a:rPr lang="en" smtClean="0"/>
               <a:pPr/>
               <a:t>4</a:t>
-            </a:fld>
-            <a:endParaRPr lang="en"/>
-          </a:p>
-        </p:txBody>
-      </p:sp>
-      <p:grpSp>
-        <p:nvGrpSpPr>
-          <p:cNvPr id="8" name="Group 7"/>
-          <p:cNvGrpSpPr/>
-          <p:nvPr/>
-        </p:nvGrpSpPr>
-        <p:grpSpPr>
-          <a:xfrm>
-            <a:off x="497974" y="2295465"/>
-            <a:ext cx="2172806" cy="2233416"/>
-            <a:chOff x="-42886" y="3161112"/>
-            <a:chExt cx="2172806" cy="2233416"/>
-          </a:xfrm>
-        </p:grpSpPr>
-        <p:grpSp>
-          <p:nvGrpSpPr>
-            <p:cNvPr id="2" name="Group 1"/>
-            <p:cNvGrpSpPr/>
-            <p:nvPr/>
-          </p:nvGrpSpPr>
-          <p:grpSpPr>
-            <a:xfrm>
-              <a:off x="433917" y="3161112"/>
-              <a:ext cx="1219200" cy="1638701"/>
-              <a:chOff x="1209565" y="3078635"/>
-              <a:chExt cx="1219200" cy="1722166"/>
-            </a:xfrm>
-          </p:grpSpPr>
-          <p:sp>
-            <p:nvSpPr>
-              <p:cNvPr id="10" name="TextBox 9"/>
-              <p:cNvSpPr txBox="1"/>
-              <p:nvPr/>
-            </p:nvSpPr>
-            <p:spPr>
-              <a:xfrm>
-                <a:off x="1243174" y="4380312"/>
-                <a:ext cx="1151982" cy="420489"/>
-              </a:xfrm>
-              <a:prstGeom prst="rect">
-                <a:avLst/>
-              </a:prstGeom>
-              <a:noFill/>
-            </p:spPr>
-            <p:txBody>
-              <a:bodyPr wrap="none" rtlCol="0">
-                <a:spAutoFit/>
-              </a:bodyPr>
-              <a:lstStyle/>
-              <a:p>
-                <a:r>
-                  <a:rPr lang="en-US" sz="2000" b="1" dirty="0" err="1" smtClean="0">
-                    <a:latin typeface="Cambria" pitchFamily="18" charset="0"/>
-                    <a:cs typeface="Times New Roman" pitchFamily="18" charset="0"/>
-                  </a:rPr>
-                  <a:t>Khương</a:t>
-                </a:r>
-                <a:endParaRPr lang="en-US" sz="2000" b="1" dirty="0">
-                  <a:latin typeface="Cambria" pitchFamily="18" charset="0"/>
-                  <a:cs typeface="Times New Roman" pitchFamily="18" charset="0"/>
-                </a:endParaRPr>
-              </a:p>
-            </p:txBody>
-          </p:sp>
-          <p:pic>
-            <p:nvPicPr>
-              <p:cNvPr id="15" name="Picture 3" descr="C:\Users\ngoan\Desktop\image\thao.png"/>
-              <p:cNvPicPr>
-                <a:picLocks noChangeAspect="1" noChangeArrowheads="1"/>
-              </p:cNvPicPr>
-              <p:nvPr/>
-            </p:nvPicPr>
-            <p:blipFill>
-              <a:blip r:embed="rId3">
-                <a:extLst>
-                  <a:ext uri="{28A0092B-C50C-407E-A947-70E740481C1C}">
-                    <a14:useLocalDpi xmlns:a14="http://schemas.microsoft.com/office/drawing/2010/main" val="0"/>
-                  </a:ext>
-                </a:extLst>
-              </a:blip>
-              <a:srcRect/>
-              <a:stretch>
-                <a:fillRect/>
-              </a:stretch>
-            </p:blipFill>
-            <p:spPr bwMode="auto">
-              <a:xfrm flipH="1">
-                <a:off x="1209565" y="3078635"/>
-                <a:ext cx="1219200" cy="1219200"/>
-              </a:xfrm>
-              <a:prstGeom prst="rect">
-                <a:avLst/>
-              </a:prstGeom>
-              <a:noFill/>
-              <a:extLst>
-                <a:ext uri="{909E8E84-426E-40DD-AFC4-6F175D3DCCD1}">
-                  <a14:hiddenFill xmlns:a14="http://schemas.microsoft.com/office/drawing/2010/main">
-                    <a:solidFill>
-                      <a:srgbClr val="FFFFFF"/>
-                    </a:solidFill>
-                  </a14:hiddenFill>
-                </a:ext>
-              </a:extLst>
-            </p:spPr>
-          </p:pic>
-        </p:grpSp>
-        <p:sp>
-          <p:nvSpPr>
-            <p:cNvPr id="20" name="TextBox 19"/>
-            <p:cNvSpPr txBox="1"/>
-            <p:nvPr/>
-          </p:nvSpPr>
-          <p:spPr>
-            <a:xfrm>
-              <a:off x="-42886" y="5025196"/>
-              <a:ext cx="2172806" cy="369332"/>
-            </a:xfrm>
-            <a:prstGeom prst="rect">
-              <a:avLst/>
-            </a:prstGeom>
-            <a:noFill/>
-          </p:spPr>
-          <p:txBody>
-            <a:bodyPr wrap="square" rtlCol="0">
-              <a:spAutoFit/>
-            </a:bodyPr>
-            <a:lstStyle/>
-            <a:p>
-              <a:r>
-                <a:rPr lang="en-US" dirty="0" err="1">
-                  <a:solidFill>
-                    <a:srgbClr val="FF0000"/>
-                  </a:solidFill>
-                  <a:latin typeface="Cambria" pitchFamily="18" charset="0"/>
-                </a:rPr>
-                <a:t>Công</a:t>
-              </a:r>
-              <a:r>
-                <a:rPr lang="en-US" dirty="0">
-                  <a:solidFill>
-                    <a:srgbClr val="FF0000"/>
-                  </a:solidFill>
-                  <a:latin typeface="Cambria" pitchFamily="18" charset="0"/>
-                </a:rPr>
-                <a:t> </a:t>
-              </a:r>
-              <a:r>
-                <a:rPr lang="en-US" dirty="0" err="1">
-                  <a:solidFill>
-                    <a:srgbClr val="FF0000"/>
-                  </a:solidFill>
-                  <a:latin typeface="Cambria" pitchFamily="18" charset="0"/>
-                </a:rPr>
-                <a:t>Viên</a:t>
-              </a:r>
-              <a:r>
-                <a:rPr lang="en-US" dirty="0">
-                  <a:solidFill>
-                    <a:srgbClr val="FF0000"/>
-                  </a:solidFill>
-                  <a:latin typeface="Cambria" pitchFamily="18" charset="0"/>
-                </a:rPr>
-                <a:t> Tao </a:t>
-              </a:r>
-              <a:r>
-                <a:rPr lang="en-US" dirty="0" err="1">
-                  <a:solidFill>
-                    <a:srgbClr val="FF0000"/>
-                  </a:solidFill>
-                  <a:latin typeface="Cambria" pitchFamily="18" charset="0"/>
-                </a:rPr>
-                <a:t>Đàn</a:t>
-              </a:r>
-              <a:endParaRPr lang="en-US" dirty="0">
-                <a:solidFill>
-                  <a:srgbClr val="FF0000"/>
-                </a:solidFill>
-                <a:latin typeface="Cambria" pitchFamily="18" charset="0"/>
-                <a:cs typeface="Times New Roman" pitchFamily="18" charset="0"/>
-              </a:endParaRPr>
-            </a:p>
-          </p:txBody>
-        </p:sp>
-      </p:grpSp>
-      <p:sp>
-        <p:nvSpPr>
-          <p:cNvPr id="13" name="TextBox 12"/>
-          <p:cNvSpPr txBox="1"/>
-          <p:nvPr/>
-        </p:nvSpPr>
-        <p:spPr>
-          <a:xfrm>
-            <a:off x="5168455" y="3514665"/>
-            <a:ext cx="1191402" cy="400110"/>
-          </a:xfrm>
-          <a:prstGeom prst="rect">
-            <a:avLst/>
-          </a:prstGeom>
-          <a:noFill/>
-        </p:spPr>
-        <p:txBody>
-          <a:bodyPr wrap="square" rtlCol="0">
-            <a:spAutoFit/>
-          </a:bodyPr>
-          <a:lstStyle/>
-          <a:p>
-            <a:r>
-              <a:rPr lang="en-US" sz="2000" b="1" dirty="0" err="1" smtClean="0">
-                <a:latin typeface="Cambria" pitchFamily="18" charset="0"/>
-                <a:cs typeface="Times New Roman" pitchFamily="18" charset="0"/>
-              </a:rPr>
-              <a:t>Bà</a:t>
-            </a:r>
-            <a:r>
-              <a:rPr lang="en-US" sz="2000" b="1" dirty="0" smtClean="0">
-                <a:latin typeface="Cambria" pitchFamily="18" charset="0"/>
-                <a:cs typeface="Times New Roman" pitchFamily="18" charset="0"/>
-              </a:rPr>
-              <a:t> </a:t>
-            </a:r>
-            <a:r>
-              <a:rPr lang="en-US" sz="2000" b="1" dirty="0" err="1" smtClean="0">
-                <a:latin typeface="Cambria" pitchFamily="18" charset="0"/>
-                <a:cs typeface="Times New Roman" pitchFamily="18" charset="0"/>
-              </a:rPr>
-              <a:t>Nội</a:t>
-            </a:r>
-            <a:endParaRPr lang="en-US" sz="2000" b="1" dirty="0">
-              <a:latin typeface="Cambria" pitchFamily="18" charset="0"/>
-              <a:cs typeface="Times New Roman" pitchFamily="18" charset="0"/>
-            </a:endParaRPr>
-          </a:p>
-        </p:txBody>
-      </p:sp>
-      <p:sp>
-        <p:nvSpPr>
-          <p:cNvPr id="12" name="TextBox 11"/>
-          <p:cNvSpPr txBox="1"/>
-          <p:nvPr/>
-        </p:nvSpPr>
-        <p:spPr>
-          <a:xfrm>
-            <a:off x="4742597" y="4269604"/>
-            <a:ext cx="2640842" cy="369332"/>
-          </a:xfrm>
-          <a:prstGeom prst="rect">
-            <a:avLst/>
-          </a:prstGeom>
-          <a:noFill/>
-        </p:spPr>
-        <p:txBody>
-          <a:bodyPr wrap="square" rtlCol="0">
-            <a:spAutoFit/>
-          </a:bodyPr>
-          <a:lstStyle/>
-          <a:p>
-            <a:r>
-              <a:rPr lang="en-US" dirty="0" err="1">
-                <a:solidFill>
-                  <a:srgbClr val="FF0000"/>
-                </a:solidFill>
-                <a:latin typeface="Cambria" pitchFamily="18" charset="0"/>
-              </a:rPr>
-              <a:t>VinCom</a:t>
-            </a:r>
-            <a:r>
-              <a:rPr lang="en-US" dirty="0">
-                <a:solidFill>
-                  <a:srgbClr val="FF0000"/>
-                </a:solidFill>
-                <a:latin typeface="Cambria" pitchFamily="18" charset="0"/>
-              </a:rPr>
-              <a:t> </a:t>
-            </a:r>
-            <a:r>
-              <a:rPr lang="en-US" dirty="0" err="1">
-                <a:solidFill>
-                  <a:srgbClr val="FF0000"/>
-                </a:solidFill>
-                <a:latin typeface="Cambria" pitchFamily="18" charset="0"/>
-              </a:rPr>
-              <a:t>Lê</a:t>
-            </a:r>
-            <a:r>
-              <a:rPr lang="en-US" dirty="0">
-                <a:solidFill>
-                  <a:srgbClr val="FF0000"/>
-                </a:solidFill>
-                <a:latin typeface="Cambria" pitchFamily="18" charset="0"/>
-              </a:rPr>
-              <a:t> </a:t>
-            </a:r>
-            <a:r>
-              <a:rPr lang="en-US" dirty="0" err="1">
-                <a:solidFill>
-                  <a:srgbClr val="FF0000"/>
-                </a:solidFill>
-                <a:latin typeface="Cambria" pitchFamily="18" charset="0"/>
-              </a:rPr>
-              <a:t>Thánh</a:t>
-            </a:r>
-            <a:r>
-              <a:rPr lang="en-US" dirty="0">
-                <a:solidFill>
-                  <a:srgbClr val="FF0000"/>
-                </a:solidFill>
-                <a:latin typeface="Cambria" pitchFamily="18" charset="0"/>
-              </a:rPr>
-              <a:t> </a:t>
-            </a:r>
-            <a:r>
-              <a:rPr lang="en-US" dirty="0" err="1">
-                <a:solidFill>
-                  <a:srgbClr val="FF0000"/>
-                </a:solidFill>
-                <a:latin typeface="Cambria" pitchFamily="18" charset="0"/>
-              </a:rPr>
-              <a:t>Tôn</a:t>
-            </a:r>
-            <a:endParaRPr lang="en-US" dirty="0">
-              <a:solidFill>
-                <a:srgbClr val="FF0000"/>
-              </a:solidFill>
-              <a:latin typeface="Cambria" pitchFamily="18" charset="0"/>
-              <a:cs typeface="Times New Roman" pitchFamily="18" charset="0"/>
-            </a:endParaRPr>
-          </a:p>
-        </p:txBody>
-      </p:sp>
-      <p:cxnSp>
-        <p:nvCxnSpPr>
-          <p:cNvPr id="16" name="Straight Arrow Connector 15"/>
-          <p:cNvCxnSpPr/>
-          <p:nvPr/>
-        </p:nvCxnSpPr>
-        <p:spPr>
-          <a:xfrm>
-            <a:off x="2784143" y="3455576"/>
-            <a:ext cx="1997625" cy="0"/>
-          </a:xfrm>
-          <a:prstGeom prst="straightConnector1">
-            <a:avLst/>
-          </a:prstGeom>
-          <a:ln w="63500">
-            <a:tailEnd type="triangle"/>
-          </a:ln>
-        </p:spPr>
-        <p:style>
-          <a:lnRef idx="3">
-            <a:schemeClr val="dk1"/>
-          </a:lnRef>
-          <a:fillRef idx="0">
-            <a:schemeClr val="dk1"/>
-          </a:fillRef>
-          <a:effectRef idx="2">
-            <a:schemeClr val="dk1"/>
-          </a:effectRef>
-          <a:fontRef idx="minor">
-            <a:schemeClr val="tx1"/>
-          </a:fontRef>
-        </p:style>
-      </p:cxnSp>
-      <p:pic>
-        <p:nvPicPr>
-          <p:cNvPr id="3074" name="Picture 2" descr="C:\Users\ngoan\Desktop\image\Religions-Muslim-Female-icon.png"/>
-          <p:cNvPicPr>
-            <a:picLocks noChangeAspect="1" noChangeArrowheads="1"/>
-          </p:cNvPicPr>
-          <p:nvPr/>
-        </p:nvPicPr>
-        <p:blipFill>
-          <a:blip r:embed="rId4">
-            <a:extLst>
-              <a:ext uri="{28A0092B-C50C-407E-A947-70E740481C1C}">
-                <a14:useLocalDpi xmlns:a14="http://schemas.microsoft.com/office/drawing/2010/main" val="0"/>
-              </a:ext>
-            </a:extLst>
-          </a:blip>
-          <a:srcRect/>
-          <a:stretch>
-            <a:fillRect/>
-          </a:stretch>
-        </p:blipFill>
-        <p:spPr bwMode="auto">
-          <a:xfrm>
-            <a:off x="5045123" y="2294288"/>
-            <a:ext cx="1161288" cy="1161288"/>
-          </a:xfrm>
-          <a:prstGeom prst="rect">
-            <a:avLst/>
-          </a:prstGeom>
-          <a:noFill/>
-          <a:extLst>
-            <a:ext uri="{909E8E84-426E-40DD-AFC4-6F175D3DCCD1}">
-              <a14:hiddenFill xmlns:a14="http://schemas.microsoft.com/office/drawing/2010/main">
-                <a:solidFill>
-                  <a:srgbClr val="FFFFFF"/>
-                </a:solidFill>
-              </a14:hiddenFill>
-            </a:ext>
-          </a:extLst>
-        </p:spPr>
-      </p:pic>
-    </p:spTree>
-    <p:extLst>
-      <p:ext uri="{BB962C8B-B14F-4D97-AF65-F5344CB8AC3E}">
-        <p14:creationId xmlns:p14="http://schemas.microsoft.com/office/powerpoint/2010/main" val="3652455141"/>
-      </p:ext>
-    </p:extLst>
-  </p:cSld>
-  <p:clrMapOvr>
-    <a:masterClrMapping/>
-  </p:clrMapOvr>
-  <p:timing>
-    <p:tnLst>
-      <p:par>
-        <p:cTn id="1" dur="indefinite" restart="never" nodeType="tmRoot"/>
-      </p:par>
-    </p:tnLst>
-  </p:timing>
-</p:sld>
-</file>
-
-<file path=ppt/slides/slide5.xml><?xml version="1.0" encoding="utf-8"?>
-<p:sld xmlns:a="http://schemas.openxmlformats.org/drawingml/2006/main" xmlns:r="http://schemas.openxmlformats.org/officeDocument/2006/relationships" xmlns:p="http://schemas.openxmlformats.org/presentationml/2006/main">
-  <p:cSld>
-    <p:spTree>
-      <p:nvGrpSpPr>
-        <p:cNvPr id="1" name=""/>
-        <p:cNvGrpSpPr/>
-        <p:nvPr/>
-      </p:nvGrpSpPr>
-      <p:grpSpPr>
-        <a:xfrm>
-          <a:off x="0" y="0"/>
-          <a:ext cx="0" cy="0"/>
-          <a:chOff x="0" y="0"/>
-          <a:chExt cx="0" cy="0"/>
-        </a:xfrm>
-      </p:grpSpPr>
-      <p:sp>
-        <p:nvSpPr>
-          <p:cNvPr id="4" name="Slide Number Placeholder 3"/>
-          <p:cNvSpPr>
-            <a:spLocks noGrp="1"/>
-          </p:cNvSpPr>
-          <p:nvPr>
-            <p:ph type="sldNum" idx="12"/>
-          </p:nvPr>
-        </p:nvSpPr>
-        <p:spPr/>
-        <p:txBody>
-          <a:bodyPr/>
-          <a:lstStyle/>
-          <a:p>
-            <a:fld id="{00000000-1234-1234-1234-123412341234}" type="slidenum">
-              <a:rPr lang="en" smtClean="0"/>
-              <a:pPr/>
-              <a:t>5</a:t>
             </a:fld>
             <a:endParaRPr lang="en"/>
           </a:p>
@@ -15698,7 +14873,7 @@
 </p:sld>
 </file>
 
-<file path=ppt/slides/slide6.xml><?xml version="1.0" encoding="utf-8"?>
+<file path=ppt/slides/slide5.xml><?xml version="1.0" encoding="utf-8"?>
 <p:sld xmlns:a="http://schemas.openxmlformats.org/drawingml/2006/main" xmlns:r="http://schemas.openxmlformats.org/officeDocument/2006/relationships" xmlns:p="http://schemas.openxmlformats.org/presentationml/2006/main">
   <p:cSld>
     <p:spTree>
@@ -15756,7 +14931,7 @@
             <a:fld id="{00000000-1234-1234-1234-123412341234}" type="slidenum">
               <a:rPr lang="en" smtClean="0"/>
               <a:pPr/>
-              <a:t>6</a:t>
+              <a:t>5</a:t>
             </a:fld>
             <a:endParaRPr lang="en"/>
           </a:p>
@@ -15955,7 +15130,7 @@
 </p:sld>
 </file>
 
-<file path=ppt/slides/slide7.xml><?xml version="1.0" encoding="utf-8"?>
+<file path=ppt/slides/slide6.xml><?xml version="1.0" encoding="utf-8"?>
 <p:sld xmlns:a="http://schemas.openxmlformats.org/drawingml/2006/main" xmlns:r="http://schemas.openxmlformats.org/officeDocument/2006/relationships" xmlns:p="http://schemas.openxmlformats.org/presentationml/2006/main">
   <p:cSld>
     <p:spTree>
@@ -16013,7 +15188,7 @@
             <a:fld id="{00000000-1234-1234-1234-123412341234}" type="slidenum">
               <a:rPr lang="en" smtClean="0"/>
               <a:pPr/>
-              <a:t>7</a:t>
+              <a:t>6</a:t>
             </a:fld>
             <a:endParaRPr lang="en"/>
           </a:p>
@@ -16293,6 +15468,271 @@
 </p:sld>
 </file>
 
+<file path=ppt/slides/slide7.xml><?xml version="1.0" encoding="utf-8"?>
+<p:sld xmlns:a="http://schemas.openxmlformats.org/drawingml/2006/main" xmlns:r="http://schemas.openxmlformats.org/officeDocument/2006/relationships" xmlns:p="http://schemas.openxmlformats.org/presentationml/2006/main">
+  <p:cSld>
+    <p:spTree>
+      <p:nvGrpSpPr>
+        <p:cNvPr id="1" name=""/>
+        <p:cNvGrpSpPr/>
+        <p:nvPr/>
+      </p:nvGrpSpPr>
+      <p:grpSpPr>
+        <a:xfrm>
+          <a:off x="0" y="0"/>
+          <a:ext cx="0" cy="0"/>
+          <a:chOff x="0" y="0"/>
+          <a:chExt cx="0" cy="0"/>
+        </a:xfrm>
+      </p:grpSpPr>
+      <p:sp>
+        <p:nvSpPr>
+          <p:cNvPr id="2" name="Title 1"/>
+          <p:cNvSpPr>
+            <a:spLocks noGrp="1"/>
+          </p:cNvSpPr>
+          <p:nvPr>
+            <p:ph type="title"/>
+          </p:nvPr>
+        </p:nvSpPr>
+        <p:spPr/>
+        <p:txBody>
+          <a:bodyPr/>
+          <a:lstStyle/>
+          <a:p>
+            <a:r>
+              <a:rPr lang="en-US" dirty="0" smtClean="0"/>
+              <a:t>Solution</a:t>
+            </a:r>
+            <a:endParaRPr lang="en-US" dirty="0"/>
+          </a:p>
+        </p:txBody>
+      </p:sp>
+      <p:sp>
+        <p:nvSpPr>
+          <p:cNvPr id="4" name="Slide Number Placeholder 3"/>
+          <p:cNvSpPr>
+            <a:spLocks noGrp="1"/>
+          </p:cNvSpPr>
+          <p:nvPr>
+            <p:ph type="sldNum" idx="12"/>
+          </p:nvPr>
+        </p:nvSpPr>
+        <p:spPr/>
+        <p:txBody>
+          <a:bodyPr/>
+          <a:lstStyle/>
+          <a:p>
+            <a:fld id="{00000000-1234-1234-1234-123412341234}" type="slidenum">
+              <a:rPr lang="en" smtClean="0"/>
+              <a:pPr/>
+              <a:t>7</a:t>
+            </a:fld>
+            <a:endParaRPr lang="en"/>
+          </a:p>
+        </p:txBody>
+      </p:sp>
+      <p:pic>
+        <p:nvPicPr>
+          <p:cNvPr id="7" name="Picture 6"/>
+          <p:cNvPicPr>
+            <a:picLocks noChangeAspect="1"/>
+          </p:cNvPicPr>
+          <p:nvPr/>
+        </p:nvPicPr>
+        <p:blipFill>
+          <a:blip r:embed="rId3"/>
+          <a:stretch>
+            <a:fillRect/>
+          </a:stretch>
+        </p:blipFill>
+        <p:spPr>
+          <a:xfrm>
+            <a:off x="3878681" y="5013290"/>
+            <a:ext cx="1371600" cy="1371600"/>
+          </a:xfrm>
+          <a:prstGeom prst="rect">
+            <a:avLst/>
+          </a:prstGeom>
+        </p:spPr>
+      </p:pic>
+      <p:pic>
+        <p:nvPicPr>
+          <p:cNvPr id="3074" name="Picture 2" descr="C:\Users\ngoan\Desktop\image\24598-200.png"/>
+          <p:cNvPicPr>
+            <a:picLocks noChangeAspect="1" noChangeArrowheads="1"/>
+          </p:cNvPicPr>
+          <p:nvPr/>
+        </p:nvPicPr>
+        <p:blipFill>
+          <a:blip r:embed="rId4">
+            <a:extLst>
+              <a:ext uri="{28A0092B-C50C-407E-A947-70E740481C1C}">
+                <a14:useLocalDpi xmlns:a14="http://schemas.microsoft.com/office/drawing/2010/main" val="0"/>
+              </a:ext>
+            </a:extLst>
+          </a:blip>
+          <a:srcRect/>
+          <a:stretch>
+            <a:fillRect/>
+          </a:stretch>
+        </p:blipFill>
+        <p:spPr bwMode="auto">
+          <a:xfrm>
+            <a:off x="340626" y="3887724"/>
+            <a:ext cx="1371600" cy="1371600"/>
+          </a:xfrm>
+          <a:prstGeom prst="rect">
+            <a:avLst/>
+          </a:prstGeom>
+          <a:noFill/>
+          <a:extLst>
+            <a:ext uri="{909E8E84-426E-40DD-AFC4-6F175D3DCCD1}">
+              <a14:hiddenFill xmlns:a14="http://schemas.microsoft.com/office/drawing/2010/main">
+                <a:solidFill>
+                  <a:srgbClr val="FFFFFF"/>
+                </a:solidFill>
+              </a14:hiddenFill>
+            </a:ext>
+          </a:extLst>
+        </p:spPr>
+      </p:pic>
+      <p:cxnSp>
+        <p:nvCxnSpPr>
+          <p:cNvPr id="11" name="Straight Arrow Connector 10"/>
+          <p:cNvCxnSpPr>
+            <a:stCxn id="7" idx="1"/>
+            <a:endCxn id="3074" idx="3"/>
+          </p:cNvCxnSpPr>
+          <p:nvPr/>
+        </p:nvCxnSpPr>
+        <p:spPr>
+          <a:xfrm flipH="1" flipV="1">
+            <a:off x="1712226" y="4573524"/>
+            <a:ext cx="2166455" cy="1125566"/>
+          </a:xfrm>
+          <a:prstGeom prst="straightConnector1">
+            <a:avLst/>
+          </a:prstGeom>
+          <a:ln cmpd="sng">
+            <a:tailEnd type="triangle"/>
+          </a:ln>
+        </p:spPr>
+        <p:style>
+          <a:lnRef idx="3">
+            <a:schemeClr val="dk1"/>
+          </a:lnRef>
+          <a:fillRef idx="0">
+            <a:schemeClr val="dk1"/>
+          </a:fillRef>
+          <a:effectRef idx="2">
+            <a:schemeClr val="dk1"/>
+          </a:effectRef>
+          <a:fontRef idx="minor">
+            <a:schemeClr val="tx1"/>
+          </a:fontRef>
+        </p:style>
+      </p:cxnSp>
+      <p:sp>
+        <p:nvSpPr>
+          <p:cNvPr id="12" name="TextBox 11"/>
+          <p:cNvSpPr txBox="1"/>
+          <p:nvPr/>
+        </p:nvSpPr>
+        <p:spPr>
+          <a:xfrm>
+            <a:off x="457200" y="5059269"/>
+            <a:ext cx="1138453" cy="400110"/>
+          </a:xfrm>
+          <a:prstGeom prst="rect">
+            <a:avLst/>
+          </a:prstGeom>
+          <a:noFill/>
+        </p:spPr>
+        <p:txBody>
+          <a:bodyPr wrap="none" rtlCol="0">
+            <a:spAutoFit/>
+          </a:bodyPr>
+          <a:lstStyle/>
+          <a:p>
+            <a:r>
+              <a:rPr lang="en-US" sz="2000" b="1" dirty="0" smtClean="0">
+                <a:solidFill>
+                  <a:srgbClr val="FF0000"/>
+                </a:solidFill>
+                <a:latin typeface="Cambria" pitchFamily="18" charset="0"/>
+              </a:rPr>
+              <a:t>2 points</a:t>
+            </a:r>
+            <a:endParaRPr lang="en-US" sz="2000" b="1" dirty="0">
+              <a:solidFill>
+                <a:srgbClr val="FF0000"/>
+              </a:solidFill>
+              <a:latin typeface="Cambria" pitchFamily="18" charset="0"/>
+            </a:endParaRPr>
+          </a:p>
+        </p:txBody>
+      </p:sp>
+      <p:sp>
+        <p:nvSpPr>
+          <p:cNvPr id="14" name="TextBox 13"/>
+          <p:cNvSpPr txBox="1"/>
+          <p:nvPr/>
+        </p:nvSpPr>
+        <p:spPr>
+          <a:xfrm>
+            <a:off x="3746340" y="6133081"/>
+            <a:ext cx="1636282" cy="400110"/>
+          </a:xfrm>
+          <a:prstGeom prst="rect">
+            <a:avLst/>
+          </a:prstGeom>
+          <a:noFill/>
+        </p:spPr>
+        <p:txBody>
+          <a:bodyPr wrap="none" rtlCol="0">
+            <a:spAutoFit/>
+          </a:bodyPr>
+          <a:lstStyle/>
+          <a:p>
+            <a:r>
+              <a:rPr lang="en-US" sz="2000" b="1" dirty="0" smtClean="0">
+                <a:solidFill>
+                  <a:srgbClr val="FF0000"/>
+                </a:solidFill>
+                <a:latin typeface="Cambria" pitchFamily="18" charset="0"/>
+              </a:rPr>
+              <a:t>Street Route</a:t>
+            </a:r>
+            <a:endParaRPr lang="en-US" sz="2000" b="1" dirty="0">
+              <a:solidFill>
+                <a:srgbClr val="FF0000"/>
+              </a:solidFill>
+              <a:latin typeface="Cambria" pitchFamily="18" charset="0"/>
+            </a:endParaRPr>
+          </a:p>
+        </p:txBody>
+      </p:sp>
+    </p:spTree>
+    <p:extLst>
+      <p:ext uri="{BB962C8B-B14F-4D97-AF65-F5344CB8AC3E}">
+        <p14:creationId xmlns:p14="http://schemas.microsoft.com/office/powerpoint/2010/main" val="452055232"/>
+      </p:ext>
+    </p:extLst>
+  </p:cSld>
+  <p:clrMapOvr>
+    <a:masterClrMapping/>
+  </p:clrMapOvr>
+  <p:timing>
+    <p:tnLst>
+      <p:par>
+        <p:cTn id="1" dur="indefinite" restart="never" nodeType="tmRoot"/>
+      </p:par>
+    </p:tnLst>
+  </p:timing>
+</p:sld>
+</file>
+
 <file path=ppt/slides/slide8.xml><?xml version="1.0" encoding="utf-8"?>
 <p:sld xmlns:a="http://schemas.openxmlformats.org/drawingml/2006/main" xmlns:r="http://schemas.openxmlformats.org/officeDocument/2006/relationships" xmlns:p="http://schemas.openxmlformats.org/presentationml/2006/main">
   <p:cSld>
@@ -16538,10 +15978,127 @@
           </a:p>
         </p:txBody>
       </p:sp>
+      <p:pic>
+        <p:nvPicPr>
+          <p:cNvPr id="9" name="Picture 2" descr="C:\Users\ngoan\Desktop\image\24598-200.png"/>
+          <p:cNvPicPr>
+            <a:picLocks noChangeAspect="1" noChangeArrowheads="1"/>
+          </p:cNvPicPr>
+          <p:nvPr/>
+        </p:nvPicPr>
+        <p:blipFill>
+          <a:blip r:embed="rId4">
+            <a:extLst>
+              <a:ext uri="{28A0092B-C50C-407E-A947-70E740481C1C}">
+                <a14:useLocalDpi xmlns:a14="http://schemas.microsoft.com/office/drawing/2010/main" val="0"/>
+              </a:ext>
+            </a:extLst>
+          </a:blip>
+          <a:srcRect/>
+          <a:stretch>
+            <a:fillRect/>
+          </a:stretch>
+        </p:blipFill>
+        <p:spPr bwMode="auto">
+          <a:xfrm>
+            <a:off x="3878681" y="1642667"/>
+            <a:ext cx="1371600" cy="1371600"/>
+          </a:xfrm>
+          <a:prstGeom prst="rect">
+            <a:avLst/>
+          </a:prstGeom>
+          <a:noFill/>
+          <a:extLst>
+            <a:ext uri="{909E8E84-426E-40DD-AFC4-6F175D3DCCD1}">
+              <a14:hiddenFill xmlns:a14="http://schemas.microsoft.com/office/drawing/2010/main">
+                <a:solidFill>
+                  <a:srgbClr val="FFFFFF"/>
+                </a:solidFill>
+              </a14:hiddenFill>
+            </a:ext>
+          </a:extLst>
+        </p:spPr>
+      </p:pic>
+      <p:cxnSp>
+        <p:nvCxnSpPr>
+          <p:cNvPr id="13" name="Straight Arrow Connector 12"/>
+          <p:cNvCxnSpPr>
+            <a:stCxn id="7" idx="0"/>
+            <a:endCxn id="9" idx="2"/>
+          </p:cNvCxnSpPr>
+          <p:nvPr/>
+        </p:nvCxnSpPr>
+        <p:spPr>
+          <a:xfrm flipV="1">
+            <a:off x="4564481" y="3014267"/>
+            <a:ext cx="0" cy="1999023"/>
+          </a:xfrm>
+          <a:prstGeom prst="straightConnector1">
+            <a:avLst/>
+          </a:prstGeom>
+          <a:ln cmpd="sng">
+            <a:tailEnd type="triangle"/>
+          </a:ln>
+        </p:spPr>
+        <p:style>
+          <a:lnRef idx="3">
+            <a:schemeClr val="dk1"/>
+          </a:lnRef>
+          <a:fillRef idx="0">
+            <a:schemeClr val="dk1"/>
+          </a:fillRef>
+          <a:effectRef idx="2">
+            <a:schemeClr val="dk1"/>
+          </a:effectRef>
+          <a:fontRef idx="minor">
+            <a:schemeClr val="tx1"/>
+          </a:fontRef>
+        </p:style>
+      </p:cxnSp>
+      <p:sp>
+        <p:nvSpPr>
+          <p:cNvPr id="10" name="TextBox 9"/>
+          <p:cNvSpPr txBox="1"/>
+          <p:nvPr/>
+        </p:nvSpPr>
+        <p:spPr>
+          <a:xfrm>
+            <a:off x="4709200" y="3014267"/>
+            <a:ext cx="1346844" cy="400110"/>
+          </a:xfrm>
+          <a:prstGeom prst="rect">
+            <a:avLst/>
+          </a:prstGeom>
+          <a:noFill/>
+        </p:spPr>
+        <p:txBody>
+          <a:bodyPr wrap="none" rtlCol="0">
+            <a:spAutoFit/>
+          </a:bodyPr>
+          <a:lstStyle/>
+          <a:p>
+            <a:r>
+              <a:rPr lang="en-US" sz="2000" b="1" dirty="0" smtClean="0">
+                <a:solidFill>
+                  <a:srgbClr val="FF0000"/>
+                </a:solidFill>
+                <a:latin typeface="Cambria" pitchFamily="18" charset="0"/>
+              </a:rPr>
+              <a:t>&gt; 2 points</a:t>
+            </a:r>
+            <a:endParaRPr lang="en-US" sz="2000" b="1" dirty="0">
+              <a:solidFill>
+                <a:srgbClr val="FF0000"/>
+              </a:solidFill>
+              <a:latin typeface="Cambria" pitchFamily="18" charset="0"/>
+            </a:endParaRPr>
+          </a:p>
+        </p:txBody>
+      </p:sp>
     </p:spTree>
     <p:extLst>
       <p:ext uri="{BB962C8B-B14F-4D97-AF65-F5344CB8AC3E}">
-        <p14:creationId xmlns:p14="http://schemas.microsoft.com/office/powerpoint/2010/main" val="452055232"/>
+        <p14:creationId xmlns:p14="http://schemas.microsoft.com/office/powerpoint/2010/main" val="1092075837"/>
       </p:ext>
     </p:extLst>
   </p:cSld>
@@ -16920,10 +16477,127 @@
           </a:p>
         </p:txBody>
       </p:sp>
+      <p:pic>
+        <p:nvPicPr>
+          <p:cNvPr id="15" name="Picture 2" descr="C:\Users\ngoan\Desktop\image\24598-200.png"/>
+          <p:cNvPicPr>
+            <a:picLocks noChangeAspect="1" noChangeArrowheads="1"/>
+          </p:cNvPicPr>
+          <p:nvPr/>
+        </p:nvPicPr>
+        <p:blipFill>
+          <a:blip r:embed="rId4">
+            <a:extLst>
+              <a:ext uri="{28A0092B-C50C-407E-A947-70E740481C1C}">
+                <a14:useLocalDpi xmlns:a14="http://schemas.microsoft.com/office/drawing/2010/main" val="0"/>
+              </a:ext>
+            </a:extLst>
+          </a:blip>
+          <a:srcRect/>
+          <a:stretch>
+            <a:fillRect/>
+          </a:stretch>
+        </p:blipFill>
+        <p:spPr bwMode="auto">
+          <a:xfrm>
+            <a:off x="7315200" y="3887724"/>
+            <a:ext cx="1371600" cy="1371600"/>
+          </a:xfrm>
+          <a:prstGeom prst="rect">
+            <a:avLst/>
+          </a:prstGeom>
+          <a:noFill/>
+          <a:extLst>
+            <a:ext uri="{909E8E84-426E-40DD-AFC4-6F175D3DCCD1}">
+              <a14:hiddenFill xmlns:a14="http://schemas.microsoft.com/office/drawing/2010/main">
+                <a:solidFill>
+                  <a:srgbClr val="FFFFFF"/>
+                </a:solidFill>
+              </a14:hiddenFill>
+            </a:ext>
+          </a:extLst>
+        </p:spPr>
+      </p:pic>
+      <p:cxnSp>
+        <p:nvCxnSpPr>
+          <p:cNvPr id="16" name="Straight Arrow Connector 15"/>
+          <p:cNvCxnSpPr>
+            <a:stCxn id="7" idx="3"/>
+            <a:endCxn id="15" idx="1"/>
+          </p:cNvCxnSpPr>
+          <p:nvPr/>
+        </p:nvCxnSpPr>
+        <p:spPr>
+          <a:xfrm flipV="1">
+            <a:off x="5250281" y="4573524"/>
+            <a:ext cx="2064919" cy="1125566"/>
+          </a:xfrm>
+          <a:prstGeom prst="straightConnector1">
+            <a:avLst/>
+          </a:prstGeom>
+          <a:ln cmpd="sng">
+            <a:tailEnd type="triangle"/>
+          </a:ln>
+        </p:spPr>
+        <p:style>
+          <a:lnRef idx="3">
+            <a:schemeClr val="dk1"/>
+          </a:lnRef>
+          <a:fillRef idx="0">
+            <a:schemeClr val="dk1"/>
+          </a:fillRef>
+          <a:effectRef idx="2">
+            <a:schemeClr val="dk1"/>
+          </a:effectRef>
+          <a:fontRef idx="minor">
+            <a:schemeClr val="tx1"/>
+          </a:fontRef>
+        </p:style>
+      </p:cxnSp>
+      <p:sp>
+        <p:nvSpPr>
+          <p:cNvPr id="17" name="TextBox 16"/>
+          <p:cNvSpPr txBox="1"/>
+          <p:nvPr/>
+        </p:nvSpPr>
+        <p:spPr>
+          <a:xfrm>
+            <a:off x="6662193" y="5059269"/>
+            <a:ext cx="2443298" cy="400110"/>
+          </a:xfrm>
+          <a:prstGeom prst="rect">
+            <a:avLst/>
+          </a:prstGeom>
+          <a:noFill/>
+        </p:spPr>
+        <p:txBody>
+          <a:bodyPr wrap="none" rtlCol="0">
+            <a:spAutoFit/>
+          </a:bodyPr>
+          <a:lstStyle/>
+          <a:p>
+            <a:r>
+              <a:rPr lang="en-US" sz="2000" b="1" dirty="0" smtClean="0">
+                <a:solidFill>
+                  <a:srgbClr val="FF0000"/>
+                </a:solidFill>
+                <a:latin typeface="Cambria" pitchFamily="18" charset="0"/>
+              </a:rPr>
+              <a:t>&gt; 2 points optimize</a:t>
+            </a:r>
+            <a:endParaRPr lang="en-US" sz="2000" b="1" dirty="0">
+              <a:solidFill>
+                <a:srgbClr val="FF0000"/>
+              </a:solidFill>
+              <a:latin typeface="Cambria" pitchFamily="18" charset="0"/>
+            </a:endParaRPr>
+          </a:p>
+        </p:txBody>
+      </p:sp>
     </p:spTree>
     <p:extLst>
       <p:ext uri="{BB962C8B-B14F-4D97-AF65-F5344CB8AC3E}">
-        <p14:creationId xmlns:p14="http://schemas.microsoft.com/office/powerpoint/2010/main" val="1092075837"/>
+        <p14:creationId xmlns:p14="http://schemas.microsoft.com/office/powerpoint/2010/main" val="2167822165"/>
       </p:ext>
     </p:extLst>
   </p:cSld>
@@ -17476,7 +17150,7 @@
   <a:extraClrSchemeLst/>
   <a:extLst>
     <a:ext uri="{05A4C25C-085E-4340-85A3-A5531E510DB2}">
-      <thm15:themeFamily xmlns:thm15="http://schemas.microsoft.com/office/thememl/2012/main" xmlns="" name="Office Theme" id="{62F939B6-93AF-4DB8-9C6B-D6C7DFDC589F}" vid="{4A3C46E8-61CC-4603-A589-7422A47A8E4A}"/>
+      <thm15:themeFamily xmlns:thm15="http://schemas.microsoft.com/office/thememl/2012/main" name="Office Theme" id="{62F939B6-93AF-4DB8-9C6B-D6C7DFDC589F}" vid="{4A3C46E8-61CC-4603-A589-7422A47A8E4A}"/>
     </a:ext>
   </a:extLst>
 </a:theme>

--- a/Document/presentation/search_motorbike.pptx
+++ b/Document/presentation/search_motorbike.pptx
@@ -5,36 +5,37 @@
     <p:sldMasterId id="2147483660" r:id="rId1"/>
   </p:sldMasterIdLst>
   <p:notesMasterIdLst>
-    <p:notesMasterId r:id="rId29"/>
+    <p:notesMasterId r:id="rId30"/>
   </p:notesMasterIdLst>
   <p:sldIdLst>
-    <p:sldId id="351" r:id="rId2"/>
-    <p:sldId id="355" r:id="rId3"/>
-    <p:sldId id="358" r:id="rId4"/>
-    <p:sldId id="318" r:id="rId5"/>
-    <p:sldId id="323" r:id="rId6"/>
-    <p:sldId id="345" r:id="rId7"/>
-    <p:sldId id="324" r:id="rId8"/>
-    <p:sldId id="348" r:id="rId9"/>
-    <p:sldId id="349" r:id="rId10"/>
-    <p:sldId id="322" r:id="rId11"/>
-    <p:sldId id="346" r:id="rId12"/>
-    <p:sldId id="350" r:id="rId13"/>
-    <p:sldId id="347" r:id="rId14"/>
-    <p:sldId id="330" r:id="rId15"/>
-    <p:sldId id="331" r:id="rId16"/>
-    <p:sldId id="332" r:id="rId17"/>
-    <p:sldId id="333" r:id="rId18"/>
-    <p:sldId id="334" r:id="rId19"/>
-    <p:sldId id="337" r:id="rId20"/>
-    <p:sldId id="335" r:id="rId21"/>
-    <p:sldId id="338" r:id="rId22"/>
-    <p:sldId id="340" r:id="rId23"/>
-    <p:sldId id="341" r:id="rId24"/>
-    <p:sldId id="342" r:id="rId25"/>
-    <p:sldId id="343" r:id="rId26"/>
-    <p:sldId id="326" r:id="rId27"/>
-    <p:sldId id="344" r:id="rId28"/>
+    <p:sldId id="256" r:id="rId2"/>
+    <p:sldId id="257" r:id="rId3"/>
+    <p:sldId id="258" r:id="rId4"/>
+    <p:sldId id="259" r:id="rId5"/>
+    <p:sldId id="260" r:id="rId6"/>
+    <p:sldId id="261" r:id="rId7"/>
+    <p:sldId id="262" r:id="rId8"/>
+    <p:sldId id="263" r:id="rId9"/>
+    <p:sldId id="264" r:id="rId10"/>
+    <p:sldId id="265" r:id="rId11"/>
+    <p:sldId id="266" r:id="rId12"/>
+    <p:sldId id="267" r:id="rId13"/>
+    <p:sldId id="268" r:id="rId14"/>
+    <p:sldId id="269" r:id="rId15"/>
+    <p:sldId id="270" r:id="rId16"/>
+    <p:sldId id="271" r:id="rId17"/>
+    <p:sldId id="272" r:id="rId18"/>
+    <p:sldId id="273" r:id="rId19"/>
+    <p:sldId id="274" r:id="rId20"/>
+    <p:sldId id="275" r:id="rId21"/>
+    <p:sldId id="276" r:id="rId22"/>
+    <p:sldId id="277" r:id="rId23"/>
+    <p:sldId id="278" r:id="rId24"/>
+    <p:sldId id="279" r:id="rId25"/>
+    <p:sldId id="280" r:id="rId26"/>
+    <p:sldId id="281" r:id="rId27"/>
+    <p:sldId id="282" r:id="rId28"/>
+    <p:sldId id="283" r:id="rId29"/>
   </p:sldIdLst>
   <p:sldSz cx="9144000" cy="6858000" type="screen4x3"/>
   <p:notesSz cx="6858000" cy="9144000"/>
@@ -546,6 +547,189 @@
           <a:bodyPr/>
           <a:lstStyle/>
           <a:p>
+            <a:r>
+              <a:rPr lang="vi-VN" dirty="0" smtClean="0"/>
+              <a:t>Mở dau.</a:t>
+            </a:r>
+            <a:r>
+              <a:rPr lang="vi-VN" baseline="0" dirty="0" smtClean="0"/>
+              <a:t> Toi xin dưa ra mot kich ban nhu sau.</a:t>
+            </a:r>
+            <a:br>
+              <a:rPr lang="vi-VN" baseline="0" dirty="0" smtClean="0"/>
+            </a:br>
+            <a:r>
+              <a:rPr lang="en-US" dirty="0" err="1" smtClean="0"/>
+              <a:t>Khuong</a:t>
+            </a:r>
+            <a:r>
+              <a:rPr lang="en-US" dirty="0" smtClean="0"/>
+              <a:t> la mot </a:t>
+            </a:r>
+            <a:r>
+              <a:rPr lang="en-US" dirty="0" err="1" smtClean="0"/>
+              <a:t>doanh</a:t>
+            </a:r>
+            <a:r>
+              <a:rPr lang="en-US" dirty="0" smtClean="0"/>
+              <a:t> </a:t>
+            </a:r>
+            <a:r>
+              <a:rPr lang="en-US" dirty="0" err="1" smtClean="0"/>
+              <a:t>nhan</a:t>
+            </a:r>
+            <a:r>
+              <a:rPr lang="en-US" dirty="0" smtClean="0"/>
+              <a:t> ban </a:t>
+            </a:r>
+            <a:r>
+              <a:rPr lang="en-US" dirty="0" err="1" smtClean="0"/>
+              <a:t>ron</a:t>
+            </a:r>
+            <a:r>
+              <a:rPr lang="en-US" baseline="0" dirty="0" smtClean="0"/>
+              <a:t> di </a:t>
+            </a:r>
+            <a:r>
+              <a:rPr lang="en-US" baseline="0" dirty="0" err="1" smtClean="0"/>
+              <a:t>cong</a:t>
+            </a:r>
+            <a:r>
+              <a:rPr lang="en-US" baseline="0" dirty="0" smtClean="0"/>
+              <a:t> </a:t>
+            </a:r>
+            <a:r>
+              <a:rPr lang="en-US" baseline="0" dirty="0" err="1" smtClean="0"/>
+              <a:t>tac</a:t>
+            </a:r>
+            <a:r>
+              <a:rPr lang="en-US" baseline="0" dirty="0" smtClean="0"/>
+              <a:t> </a:t>
+            </a:r>
+            <a:r>
+              <a:rPr lang="en-US" baseline="0" dirty="0" err="1" smtClean="0"/>
+              <a:t>toi</a:t>
+            </a:r>
+            <a:r>
+              <a:rPr lang="en-US" baseline="0" dirty="0" smtClean="0"/>
+              <a:t> </a:t>
+            </a:r>
+            <a:r>
+              <a:rPr lang="en-US" baseline="0" dirty="0" err="1" smtClean="0"/>
+              <a:t>ngay</a:t>
+            </a:r>
+            <a:r>
+              <a:rPr lang="en-US" baseline="0" dirty="0" smtClean="0"/>
+              <a:t>. </a:t>
+            </a:r>
+            <a:r>
+              <a:rPr lang="en-US" baseline="0" dirty="0" err="1" smtClean="0"/>
+              <a:t>Hom</a:t>
+            </a:r>
+            <a:r>
+              <a:rPr lang="en-US" baseline="0" dirty="0" smtClean="0"/>
+              <a:t> nay </a:t>
+            </a:r>
+            <a:r>
+              <a:rPr lang="en-US" baseline="0" dirty="0" err="1" smtClean="0"/>
+              <a:t>Khuong</a:t>
+            </a:r>
+            <a:r>
+              <a:rPr lang="en-US" baseline="0" dirty="0" smtClean="0"/>
+              <a:t> </a:t>
+            </a:r>
+            <a:r>
+              <a:rPr lang="en-US" baseline="0" dirty="0" err="1" smtClean="0"/>
+              <a:t>tro</a:t>
+            </a:r>
+            <a:r>
+              <a:rPr lang="en-US" baseline="0" dirty="0" smtClean="0"/>
+              <a:t> </a:t>
+            </a:r>
+            <a:r>
+              <a:rPr lang="en-US" baseline="0" dirty="0" err="1" smtClean="0"/>
+              <a:t>ve</a:t>
+            </a:r>
+            <a:r>
+              <a:rPr lang="en-US" baseline="0" dirty="0" smtClean="0"/>
+              <a:t> </a:t>
+            </a:r>
+            <a:r>
+              <a:rPr lang="en-US" baseline="0" dirty="0" err="1" smtClean="0"/>
+              <a:t>nuoc</a:t>
+            </a:r>
+            <a:r>
+              <a:rPr lang="en-US" baseline="0" dirty="0" smtClean="0"/>
+              <a:t> </a:t>
+            </a:r>
+            <a:r>
+              <a:rPr lang="en-US" baseline="0" dirty="0" err="1" smtClean="0"/>
+              <a:t>va</a:t>
+            </a:r>
+            <a:r>
+              <a:rPr lang="en-US" baseline="0" dirty="0" smtClean="0"/>
+              <a:t> </a:t>
+            </a:r>
+            <a:r>
+              <a:rPr lang="en-US" baseline="0" dirty="0" err="1" smtClean="0"/>
+              <a:t>tham</a:t>
+            </a:r>
+            <a:r>
+              <a:rPr lang="en-US" baseline="0" dirty="0" smtClean="0"/>
+              <a:t> </a:t>
+            </a:r>
+            <a:r>
+              <a:rPr lang="en-US" baseline="0" dirty="0" err="1" smtClean="0"/>
+              <a:t>gia</a:t>
+            </a:r>
+            <a:r>
+              <a:rPr lang="en-US" baseline="0" dirty="0" smtClean="0"/>
+              <a:t> </a:t>
+            </a:r>
+            <a:r>
+              <a:rPr lang="en-US" baseline="0" dirty="0" err="1" smtClean="0"/>
+              <a:t>dinh</a:t>
+            </a:r>
+            <a:r>
+              <a:rPr lang="en-US" baseline="0" dirty="0" smtClean="0"/>
+              <a:t>. </a:t>
+            </a:r>
+            <a:r>
+              <a:rPr lang="en-US" baseline="0" dirty="0" err="1" smtClean="0"/>
+              <a:t>Khuong</a:t>
+            </a:r>
+            <a:r>
+              <a:rPr lang="en-US" baseline="0" dirty="0" smtClean="0"/>
+              <a:t> dang o </a:t>
+            </a:r>
+            <a:r>
+              <a:rPr lang="en-US" baseline="0" dirty="0" err="1" smtClean="0"/>
+              <a:t>cong</a:t>
+            </a:r>
+            <a:r>
+              <a:rPr lang="en-US" baseline="0" dirty="0" smtClean="0"/>
+              <a:t> </a:t>
+            </a:r>
+            <a:r>
+              <a:rPr lang="en-US" baseline="0" dirty="0" err="1" smtClean="0"/>
+              <a:t>vien</a:t>
+            </a:r>
+            <a:r>
+              <a:rPr lang="en-US" baseline="0" dirty="0" smtClean="0"/>
+              <a:t> </a:t>
+            </a:r>
+            <a:r>
+              <a:rPr lang="en-US" baseline="0" dirty="0" err="1" smtClean="0"/>
+              <a:t>tao</a:t>
+            </a:r>
+            <a:r>
+              <a:rPr lang="en-US" baseline="0" dirty="0" smtClean="0"/>
+              <a:t> </a:t>
+            </a:r>
+            <a:r>
+              <a:rPr lang="en-US" baseline="0" dirty="0" err="1" smtClean="0"/>
+              <a:t>dan.</a:t>
+            </a:r>
             <a:endParaRPr lang="en-US" dirty="0"/>
           </a:p>
         </p:txBody>
@@ -576,7 +760,7 @@
     </p:spTree>
     <p:extLst>
       <p:ext uri="{BB962C8B-B14F-4D97-AF65-F5344CB8AC3E}">
-        <p14:creationId xmlns:p14="http://schemas.microsoft.com/office/powerpoint/2010/main" val="2147165158"/>
+        <p14:creationId xmlns:p14="http://schemas.microsoft.com/office/powerpoint/2010/main" val="1701854783"/>
       </p:ext>
     </p:extLst>
   </p:cSld>
@@ -630,253 +814,12 @@
           <a:bodyPr/>
           <a:lstStyle/>
           <a:p>
-            <a:r>
-              <a:rPr lang="en-US" dirty="0" err="1" smtClean="0"/>
-              <a:t>Thuật</a:t>
-            </a:r>
-            <a:r>
-              <a:rPr lang="en-US" dirty="0" smtClean="0"/>
-              <a:t> </a:t>
-            </a:r>
-            <a:r>
-              <a:rPr lang="en-US" dirty="0" err="1" smtClean="0"/>
-              <a:t>toán</a:t>
-            </a:r>
-            <a:r>
-              <a:rPr lang="en-US" baseline="0" dirty="0" smtClean="0"/>
-              <a:t> </a:t>
-            </a:r>
-            <a:r>
-              <a:rPr lang="en-US" baseline="0" dirty="0" err="1" smtClean="0"/>
-              <a:t>sẽ</a:t>
-            </a:r>
-            <a:r>
-              <a:rPr lang="en-US" baseline="0" dirty="0" smtClean="0"/>
-              <a:t> </a:t>
-            </a:r>
-            <a:r>
-              <a:rPr lang="en-US" baseline="0" dirty="0" err="1" smtClean="0"/>
-              <a:t>liệt</a:t>
-            </a:r>
-            <a:r>
-              <a:rPr lang="en-US" baseline="0" dirty="0" smtClean="0"/>
-              <a:t> </a:t>
-            </a:r>
-            <a:r>
-              <a:rPr lang="en-US" baseline="0" dirty="0" err="1" smtClean="0"/>
-              <a:t>kê</a:t>
-            </a:r>
-            <a:r>
-              <a:rPr lang="en-US" baseline="0" dirty="0" smtClean="0"/>
-              <a:t> </a:t>
-            </a:r>
-            <a:r>
-              <a:rPr lang="en-US" baseline="0" dirty="0" err="1" smtClean="0"/>
-              <a:t>hết</a:t>
-            </a:r>
-            <a:r>
-              <a:rPr lang="en-US" baseline="0" dirty="0" smtClean="0"/>
-              <a:t> </a:t>
-            </a:r>
-            <a:r>
-              <a:rPr lang="en-US" baseline="0" dirty="0" err="1" smtClean="0"/>
-              <a:t>tất</a:t>
-            </a:r>
-            <a:r>
-              <a:rPr lang="en-US" baseline="0" dirty="0" smtClean="0"/>
-              <a:t> </a:t>
-            </a:r>
-            <a:r>
-              <a:rPr lang="en-US" baseline="0" dirty="0" err="1" smtClean="0"/>
-              <a:t>cả</a:t>
-            </a:r>
-            <a:r>
-              <a:rPr lang="en-US" baseline="0" dirty="0" smtClean="0"/>
-              <a:t> </a:t>
-            </a:r>
-            <a:r>
-              <a:rPr lang="en-US" baseline="0" dirty="0" err="1" smtClean="0"/>
-              <a:t>các</a:t>
-            </a:r>
-            <a:r>
-              <a:rPr lang="en-US" baseline="0" dirty="0" smtClean="0"/>
-              <a:t> </a:t>
-            </a:r>
-            <a:r>
-              <a:rPr lang="en-US" baseline="0" dirty="0" err="1" smtClean="0"/>
-              <a:t>trường</a:t>
-            </a:r>
-            <a:r>
-              <a:rPr lang="en-US" baseline="0" dirty="0" smtClean="0"/>
-              <a:t> </a:t>
-            </a:r>
-            <a:r>
-              <a:rPr lang="en-US" baseline="0" dirty="0" err="1" smtClean="0"/>
-              <a:t>hợp</a:t>
-            </a:r>
-            <a:r>
-              <a:rPr lang="en-US" baseline="0" dirty="0" smtClean="0"/>
-              <a:t> </a:t>
-            </a:r>
-            <a:r>
-              <a:rPr lang="en-US" baseline="0" dirty="0" err="1" smtClean="0"/>
-              <a:t>có</a:t>
-            </a:r>
-            <a:r>
-              <a:rPr lang="en-US" baseline="0" dirty="0" smtClean="0"/>
-              <a:t> </a:t>
-            </a:r>
-            <a:r>
-              <a:rPr lang="en-US" baseline="0" dirty="0" err="1" smtClean="0"/>
-              <a:t>thể</a:t>
-            </a:r>
-            <a:r>
-              <a:rPr lang="en-US" baseline="0" dirty="0" smtClean="0"/>
-              <a:t> </a:t>
-            </a:r>
-            <a:r>
-              <a:rPr lang="en-US" baseline="0" dirty="0" err="1" smtClean="0"/>
-              <a:t>gửi</a:t>
-            </a:r>
-            <a:r>
-              <a:rPr lang="en-US" baseline="0" dirty="0" smtClean="0"/>
-              <a:t> </a:t>
-            </a:r>
-            <a:r>
-              <a:rPr lang="en-US" baseline="0" dirty="0" err="1" smtClean="0"/>
-              <a:t>lên</a:t>
-            </a:r>
-            <a:r>
-              <a:rPr lang="en-US" baseline="0" dirty="0" smtClean="0"/>
-              <a:t> </a:t>
-            </a:r>
-            <a:r>
-              <a:rPr lang="en-US" baseline="0" dirty="0" err="1" smtClean="0"/>
-              <a:t>google</a:t>
-            </a:r>
-            <a:r>
-              <a:rPr lang="en-US" baseline="0" dirty="0" smtClean="0"/>
-              <a:t> API…</a:t>
-            </a:r>
-            <a:r>
-              <a:rPr lang="en-US" baseline="0" dirty="0" err="1" smtClean="0"/>
-              <a:t>sau</a:t>
-            </a:r>
-            <a:r>
-              <a:rPr lang="en-US" baseline="0" dirty="0" smtClean="0"/>
-              <a:t> </a:t>
-            </a:r>
-            <a:r>
-              <a:rPr lang="en-US" baseline="0" dirty="0" err="1" smtClean="0"/>
-              <a:t>đó</a:t>
-            </a:r>
-            <a:r>
-              <a:rPr lang="en-US" baseline="0" dirty="0" smtClean="0"/>
-              <a:t> </a:t>
-            </a:r>
-            <a:r>
-              <a:rPr lang="en-US" baseline="0" dirty="0" err="1" smtClean="0"/>
-              <a:t>xử</a:t>
-            </a:r>
-            <a:r>
-              <a:rPr lang="en-US" baseline="0" dirty="0" smtClean="0"/>
-              <a:t> </a:t>
-            </a:r>
-            <a:r>
-              <a:rPr lang="en-US" baseline="0" dirty="0" err="1" smtClean="0"/>
-              <a:t>lý</a:t>
-            </a:r>
-            <a:r>
-              <a:rPr lang="en-US" baseline="0" dirty="0" smtClean="0"/>
-              <a:t> </a:t>
-            </a:r>
-            <a:r>
-              <a:rPr lang="en-US" baseline="0" dirty="0" err="1" smtClean="0"/>
-              <a:t>nhưng</a:t>
-            </a:r>
-            <a:r>
-              <a:rPr lang="en-US" baseline="0" dirty="0" smtClean="0"/>
-              <a:t> </a:t>
-            </a:r>
-            <a:r>
-              <a:rPr lang="en-US" baseline="0" dirty="0" err="1" smtClean="0"/>
-              <a:t>kết</a:t>
-            </a:r>
-            <a:r>
-              <a:rPr lang="en-US" baseline="0" dirty="0" smtClean="0"/>
-              <a:t> </a:t>
-            </a:r>
-            <a:r>
-              <a:rPr lang="en-US" baseline="0" dirty="0" err="1" smtClean="0"/>
-              <a:t>quả</a:t>
-            </a:r>
-            <a:r>
-              <a:rPr lang="en-US" baseline="0" dirty="0" smtClean="0"/>
-              <a:t> </a:t>
-            </a:r>
-            <a:r>
-              <a:rPr lang="en-US" baseline="0" dirty="0" err="1" smtClean="0"/>
-              <a:t>đó</a:t>
-            </a:r>
-            <a:r>
-              <a:rPr lang="en-US" baseline="0" dirty="0" smtClean="0"/>
-              <a:t> </a:t>
-            </a:r>
-            <a:r>
-              <a:rPr lang="en-US" baseline="0" dirty="0" err="1" smtClean="0"/>
-              <a:t>để</a:t>
-            </a:r>
-            <a:r>
-              <a:rPr lang="en-US" baseline="0" dirty="0" smtClean="0"/>
-              <a:t> </a:t>
-            </a:r>
-            <a:r>
-              <a:rPr lang="en-US" baseline="0" dirty="0" err="1" smtClean="0"/>
-              <a:t>chọn</a:t>
-            </a:r>
-            <a:r>
-              <a:rPr lang="en-US" baseline="0" dirty="0" smtClean="0"/>
-              <a:t> </a:t>
-            </a:r>
-            <a:r>
-              <a:rPr lang="en-US" baseline="0" dirty="0" err="1" smtClean="0"/>
-              <a:t>ra</a:t>
-            </a:r>
-            <a:r>
-              <a:rPr lang="en-US" baseline="0" dirty="0" smtClean="0"/>
-              <a:t> </a:t>
-            </a:r>
-            <a:r>
-              <a:rPr lang="en-US" baseline="0" dirty="0" err="1" smtClean="0"/>
-              <a:t>đường</a:t>
-            </a:r>
-            <a:r>
-              <a:rPr lang="en-US" baseline="0" dirty="0" smtClean="0"/>
-              <a:t> </a:t>
-            </a:r>
-            <a:r>
-              <a:rPr lang="en-US" baseline="0" dirty="0" err="1" smtClean="0"/>
-              <a:t>đi</a:t>
-            </a:r>
-            <a:r>
-              <a:rPr lang="en-US" baseline="0" dirty="0" smtClean="0"/>
-              <a:t> </a:t>
-            </a:r>
-            <a:r>
-              <a:rPr lang="en-US" baseline="0" dirty="0" err="1" smtClean="0"/>
-              <a:t>tốt</a:t>
-            </a:r>
-            <a:r>
-              <a:rPr lang="en-US" baseline="0" dirty="0" smtClean="0"/>
-              <a:t> </a:t>
-            </a:r>
-            <a:r>
-              <a:rPr lang="en-US" baseline="0" dirty="0" err="1" smtClean="0"/>
-              <a:t>nhất</a:t>
-            </a:r>
-            <a:r>
-              <a:rPr lang="en-US" baseline="0" dirty="0" smtClean="0"/>
-              <a:t>.</a:t>
+            <a:pPr algn="just"/>
+            <a:r>
+              <a:rPr lang="vi-VN" sz="1200" dirty="0" smtClean="0">
+                <a:latin typeface="Cambria" pitchFamily="18" charset="0"/>
+              </a:rPr>
+              <a:t>Nhiều hơn hai điểm optimize</a:t>
             </a:r>
             <a:endParaRPr lang="en-US" dirty="0"/>
           </a:p>
@@ -899,7 +842,7 @@
           <a:p>
             <a:fld id="{2599C3E7-3278-1243-886F-92FF82204DB1}" type="slidenum">
               <a:rPr lang="en-US" smtClean="0"/>
-              <a:t>12</a:t>
+              <a:t>10</a:t>
             </a:fld>
             <a:endParaRPr lang="en-US"/>
           </a:p>
@@ -908,7 +851,7 @@
     </p:spTree>
     <p:extLst>
       <p:ext uri="{BB962C8B-B14F-4D97-AF65-F5344CB8AC3E}">
-        <p14:creationId xmlns:p14="http://schemas.microsoft.com/office/powerpoint/2010/main" val="3301532269"/>
+        <p14:creationId xmlns:p14="http://schemas.microsoft.com/office/powerpoint/2010/main" val="51251642"/>
       </p:ext>
     </p:extLst>
   </p:cSld>
@@ -963,8 +906,8 @@
           <a:lstStyle/>
           <a:p>
             <a:r>
-              <a:rPr lang="en-US" dirty="0" err="1" smtClean="0"/>
-              <a:t>Để</a:t>
+              <a:rPr lang="en-US" baseline="0" dirty="0" err="1" smtClean="0"/>
+              <a:t>Tôi</a:t>
             </a:r>
             <a:r>
               <a:rPr lang="en-US" baseline="0" dirty="0" smtClean="0"/>
@@ -972,7 +915,7 @@
             </a:r>
             <a:r>
               <a:rPr lang="en-US" baseline="0" dirty="0" err="1" smtClean="0"/>
-              <a:t>hiển</a:t>
+              <a:t>xin</a:t>
             </a:r>
             <a:r>
               <a:rPr lang="en-US" baseline="0" dirty="0" smtClean="0"/>
@@ -980,7 +923,7 @@
             </a:r>
             <a:r>
               <a:rPr lang="en-US" baseline="0" dirty="0" err="1" smtClean="0"/>
-              <a:t>thị</a:t>
+              <a:t>trình</a:t>
             </a:r>
             <a:r>
               <a:rPr lang="en-US" baseline="0" dirty="0" smtClean="0"/>
@@ -988,7 +931,7 @@
             </a:r>
             <a:r>
               <a:rPr lang="en-US" baseline="0" dirty="0" err="1" smtClean="0"/>
-              <a:t>đường</a:t>
+              <a:t>bày</a:t>
             </a:r>
             <a:r>
               <a:rPr lang="en-US" baseline="0" dirty="0" smtClean="0"/>
@@ -996,7 +939,7 @@
             </a:r>
             <a:r>
               <a:rPr lang="en-US" baseline="0" dirty="0" err="1" smtClean="0"/>
-              <a:t>đi</a:t>
+              <a:t>về</a:t>
             </a:r>
             <a:r>
               <a:rPr lang="en-US" baseline="0" dirty="0" smtClean="0"/>
@@ -1004,7 +947,7 @@
             </a:r>
             <a:r>
               <a:rPr lang="en-US" baseline="0" dirty="0" err="1" smtClean="0"/>
-              <a:t>tốt</a:t>
+              <a:t>kiến</a:t>
             </a:r>
             <a:r>
               <a:rPr lang="en-US" baseline="0" dirty="0" smtClean="0"/>
@@ -1012,7 +955,15 @@
             </a:r>
             <a:r>
               <a:rPr lang="en-US" baseline="0" dirty="0" err="1" smtClean="0"/>
-              <a:t>nhất</a:t>
+              <a:t>trúc</a:t>
+            </a:r>
+            <a:r>
+              <a:rPr lang="en-US" baseline="0" dirty="0" smtClean="0"/>
+              <a:t>….</a:t>
+            </a:r>
+            <a:r>
+              <a:rPr lang="en-US" baseline="0" dirty="0" err="1" smtClean="0"/>
+              <a:t>và</a:t>
             </a:r>
             <a:r>
               <a:rPr lang="en-US" baseline="0" dirty="0" smtClean="0"/>
@@ -1020,11 +971,69 @@
             </a:r>
             <a:r>
               <a:rPr lang="en-US" baseline="0" dirty="0" err="1" smtClean="0"/>
-              <a:t>này</a:t>
+              <a:t>thứ</a:t>
             </a:r>
             <a:r>
               <a:rPr lang="en-US" baseline="0" dirty="0" smtClean="0"/>
-              <a:t>..</a:t>
+              <a:t> </a:t>
+            </a:r>
+            <a:r>
+              <a:rPr lang="en-US" baseline="0" dirty="0" err="1" smtClean="0"/>
+              <a:t>tự</a:t>
+            </a:r>
+            <a:r>
+              <a:rPr lang="en-US" baseline="0" dirty="0" smtClean="0"/>
+              <a:t> </a:t>
+            </a:r>
+            <a:r>
+              <a:rPr lang="en-US" baseline="0" dirty="0" err="1" smtClean="0"/>
+              <a:t>hệ</a:t>
+            </a:r>
+            <a:r>
+              <a:rPr lang="en-US" baseline="0" dirty="0" smtClean="0"/>
+              <a:t> </a:t>
+            </a:r>
+            <a:r>
+              <a:rPr lang="en-US" baseline="0" dirty="0" err="1" smtClean="0"/>
+              <a:t>thống</a:t>
+            </a:r>
+            <a:r>
+              <a:rPr lang="en-US" baseline="0" dirty="0" smtClean="0"/>
+              <a:t> </a:t>
+            </a:r>
+            <a:r>
+              <a:rPr lang="en-US" baseline="0" dirty="0" err="1" smtClean="0"/>
+              <a:t>hoạt</a:t>
+            </a:r>
+            <a:r>
+              <a:rPr lang="en-US" baseline="0" dirty="0" smtClean="0"/>
+              <a:t> </a:t>
+            </a:r>
+            <a:r>
+              <a:rPr lang="en-US" baseline="0" dirty="0" err="1" smtClean="0"/>
+              <a:t>động</a:t>
+            </a:r>
+            <a:r>
+              <a:rPr lang="en-US" baseline="0" dirty="0" smtClean="0"/>
+              <a:t>.</a:t>
+            </a:r>
+          </a:p>
+          <a:p>
+            <a:r>
+              <a:rPr lang="en-US" baseline="0" dirty="0" err="1" smtClean="0"/>
+              <a:t>Thứ</a:t>
+            </a:r>
+            <a:r>
+              <a:rPr lang="en-US" baseline="0" dirty="0" smtClean="0"/>
+              <a:t> </a:t>
+            </a:r>
+            <a:r>
+              <a:rPr lang="en-US" baseline="0" dirty="0" err="1" smtClean="0"/>
+              <a:t>nhất</a:t>
+            </a:r>
+            <a:r>
+              <a:rPr lang="en-US" baseline="0" dirty="0" smtClean="0"/>
+              <a:t> </a:t>
             </a:r>
             <a:r>
               <a:rPr lang="en-US" baseline="0" dirty="0" err="1" smtClean="0"/>
@@ -1035,8 +1044,28 @@
               <a:t> </a:t>
             </a:r>
             <a:r>
+              <a:rPr lang="vi-VN" baseline="0" dirty="0" smtClean="0"/>
+              <a:t>tôi </a:t>
+            </a:r>
+            <a:r>
               <a:rPr lang="en-US" baseline="0" dirty="0" err="1" smtClean="0"/>
-              <a:t>tôi</a:t>
+              <a:t>có</a:t>
+            </a:r>
+            <a:r>
+              <a:rPr lang="en-US" baseline="0" dirty="0" smtClean="0"/>
+              <a:t>  </a:t>
+            </a:r>
+            <a:r>
+              <a:rPr lang="en-US" baseline="0" dirty="0" err="1" smtClean="0"/>
+              <a:t>thể</a:t>
+            </a:r>
+            <a:r>
+              <a:rPr lang="en-US" baseline="0" dirty="0" smtClean="0"/>
+              <a:t> search </a:t>
+            </a:r>
+            <a:r>
+              <a:rPr lang="en-US" baseline="0" dirty="0" err="1" smtClean="0"/>
+              <a:t>đường</a:t>
             </a:r>
             <a:r>
               <a:rPr lang="en-US" baseline="0" dirty="0" smtClean="0"/>
@@ -1044,7 +1073,7 @@
             </a:r>
             <a:r>
               <a:rPr lang="en-US" baseline="0" dirty="0" err="1" smtClean="0"/>
-              <a:t>tạo</a:t>
+              <a:t>đi</a:t>
             </a:r>
             <a:r>
               <a:rPr lang="en-US" baseline="0" dirty="0" smtClean="0"/>
@@ -1052,7 +1081,7 @@
             </a:r>
             <a:r>
               <a:rPr lang="en-US" baseline="0" dirty="0" err="1" smtClean="0"/>
-              <a:t>ra</a:t>
+              <a:t>bằng</a:t>
             </a:r>
             <a:r>
               <a:rPr lang="en-US" baseline="0" dirty="0" smtClean="0"/>
@@ -1060,15 +1089,7 @@
             </a:r>
             <a:r>
               <a:rPr lang="en-US" baseline="0" dirty="0" err="1" smtClean="0"/>
-              <a:t>một</a:t>
-            </a:r>
-            <a:r>
-              <a:rPr lang="en-US" baseline="0" dirty="0" smtClean="0"/>
-              <a:t> class step </a:t>
-            </a:r>
-            <a:r>
-              <a:rPr lang="en-US" baseline="0" dirty="0" err="1" smtClean="0"/>
-              <a:t>để</a:t>
+              <a:t>giọng</a:t>
             </a:r>
             <a:r>
               <a:rPr lang="en-US" baseline="0" dirty="0" smtClean="0"/>
@@ -1076,7 +1097,7 @@
             </a:r>
             <a:r>
               <a:rPr lang="en-US" baseline="0" dirty="0" err="1" smtClean="0"/>
-              <a:t>chứa</a:t>
+              <a:t>nói</a:t>
             </a:r>
             <a:r>
               <a:rPr lang="en-US" baseline="0" dirty="0" smtClean="0"/>
@@ -1084,7 +1105,7 @@
             </a:r>
             <a:r>
               <a:rPr lang="en-US" baseline="0" dirty="0" err="1" smtClean="0"/>
-              <a:t>các</a:t>
+              <a:t>hoặc</a:t>
             </a:r>
             <a:r>
               <a:rPr lang="en-US" baseline="0" dirty="0" smtClean="0"/>
@@ -1092,7 +1113,7 @@
             </a:r>
             <a:r>
               <a:rPr lang="en-US" baseline="0" dirty="0" err="1" smtClean="0"/>
-              <a:t>hướng</a:t>
+              <a:t>là</a:t>
             </a:r>
             <a:r>
               <a:rPr lang="en-US" baseline="0" dirty="0" smtClean="0"/>
@@ -1100,15 +1121,17 @@
             </a:r>
             <a:r>
               <a:rPr lang="en-US" baseline="0" dirty="0" err="1" smtClean="0"/>
-              <a:t>dẫn</a:t>
+              <a:t>bằng</a:t>
             </a:r>
             <a:r>
               <a:rPr lang="en-US" baseline="0" dirty="0" smtClean="0"/>
-              <a:t>.. </a:t>
-            </a:r>
+              <a:t> text.</a:t>
+            </a:r>
+          </a:p>
+          <a:p>
             <a:r>
               <a:rPr lang="en-US" baseline="0" dirty="0" err="1" smtClean="0"/>
-              <a:t>Và</a:t>
+              <a:t>Nếu</a:t>
             </a:r>
             <a:r>
               <a:rPr lang="en-US" baseline="0" dirty="0" smtClean="0"/>
@@ -1116,15 +1139,7 @@
             </a:r>
             <a:r>
               <a:rPr lang="en-US" baseline="0" dirty="0" err="1" smtClean="0"/>
-              <a:t>một</a:t>
-            </a:r>
-            <a:r>
-              <a:rPr lang="en-US" baseline="0" dirty="0" smtClean="0"/>
-              <a:t> leg. </a:t>
-            </a:r>
-            <a:r>
-              <a:rPr lang="en-US" baseline="0" dirty="0" err="1" smtClean="0"/>
-              <a:t>Để</a:t>
+              <a:t>bằng</a:t>
             </a:r>
             <a:r>
               <a:rPr lang="en-US" baseline="0" dirty="0" smtClean="0"/>
@@ -1132,7 +1147,7 @@
             </a:r>
             <a:r>
               <a:rPr lang="en-US" baseline="0" dirty="0" err="1" smtClean="0"/>
-              <a:t>chứa</a:t>
+              <a:t>giọng</a:t>
             </a:r>
             <a:r>
               <a:rPr lang="en-US" baseline="0" dirty="0" smtClean="0"/>
@@ -1140,7 +1155,7 @@
             </a:r>
             <a:r>
               <a:rPr lang="en-US" baseline="0" dirty="0" err="1" smtClean="0"/>
-              <a:t>kết</a:t>
+              <a:t>nói</a:t>
             </a:r>
             <a:r>
               <a:rPr lang="en-US" baseline="0" dirty="0" smtClean="0"/>
@@ -1148,7 +1163,7 @@
             </a:r>
             <a:r>
               <a:rPr lang="en-US" baseline="0" dirty="0" err="1" smtClean="0"/>
-              <a:t>quả</a:t>
+              <a:t>thì</a:t>
             </a:r>
             <a:r>
               <a:rPr lang="en-US" baseline="0" dirty="0" smtClean="0"/>
@@ -1156,7 +1171,7 @@
             </a:r>
             <a:r>
               <a:rPr lang="en-US" baseline="0" dirty="0" err="1" smtClean="0"/>
-              <a:t>đường</a:t>
+              <a:t>sẽ</a:t>
             </a:r>
             <a:r>
               <a:rPr lang="en-US" baseline="0" dirty="0" smtClean="0"/>
@@ -1164,7 +1179,7 @@
             </a:r>
             <a:r>
               <a:rPr lang="en-US" baseline="0" dirty="0" err="1" smtClean="0"/>
-              <a:t>đi</a:t>
+              <a:t>gửi</a:t>
             </a:r>
             <a:r>
               <a:rPr lang="en-US" baseline="0" dirty="0" smtClean="0"/>
@@ -1172,20 +1187,120 @@
             </a:r>
             <a:r>
               <a:rPr lang="en-US" baseline="0" dirty="0" err="1" smtClean="0"/>
-              <a:t>của</a:t>
+              <a:t>lên</a:t>
             </a:r>
             <a:r>
               <a:rPr lang="en-US" baseline="0" dirty="0" smtClean="0"/>
-              <a:t> 2 </a:t>
+              <a:t> </a:t>
             </a:r>
             <a:r>
               <a:rPr lang="en-US" baseline="0" dirty="0" err="1" smtClean="0"/>
-              <a:t>điểm</a:t>
+              <a:t>google</a:t>
+            </a:r>
+            <a:r>
+              <a:rPr lang="en-US" baseline="0" dirty="0" smtClean="0"/>
+              <a:t> API </a:t>
+            </a:r>
+            <a:r>
+              <a:rPr lang="en-US" baseline="0" dirty="0" err="1" smtClean="0"/>
+              <a:t>và</a:t>
+            </a:r>
+            <a:r>
+              <a:rPr lang="en-US" baseline="0" dirty="0" smtClean="0"/>
+              <a:t> </a:t>
+            </a:r>
+            <a:r>
+              <a:rPr lang="en-US" baseline="0" dirty="0" err="1" smtClean="0"/>
+              <a:t>trả</a:t>
+            </a:r>
+            <a:r>
+              <a:rPr lang="en-US" baseline="0" dirty="0" smtClean="0"/>
+              <a:t> </a:t>
+            </a:r>
+            <a:r>
+              <a:rPr lang="en-US" baseline="0" dirty="0" err="1" smtClean="0"/>
+              <a:t>về</a:t>
+            </a:r>
+            <a:r>
+              <a:rPr lang="en-US" baseline="0" dirty="0" smtClean="0"/>
+              <a:t>  </a:t>
+            </a:r>
+            <a:r>
+              <a:rPr lang="en-US" baseline="0" dirty="0" err="1" smtClean="0"/>
+              <a:t>địa</a:t>
+            </a:r>
+            <a:r>
+              <a:rPr lang="en-US" baseline="0" dirty="0" smtClean="0"/>
+              <a:t> </a:t>
+            </a:r>
+            <a:r>
+              <a:rPr lang="en-US" baseline="0" dirty="0" err="1" smtClean="0"/>
+              <a:t>chỉ</a:t>
+            </a:r>
+            <a:r>
+              <a:rPr lang="en-US" baseline="0" dirty="0" smtClean="0"/>
+              <a:t> </a:t>
+            </a:r>
+            <a:r>
+              <a:rPr lang="en-US" baseline="0" dirty="0" err="1" smtClean="0"/>
+              <a:t>dạng</a:t>
+            </a:r>
+            <a:r>
+              <a:rPr lang="en-US" baseline="0" dirty="0" smtClean="0"/>
+              <a:t> text.</a:t>
+            </a:r>
+          </a:p>
+          <a:p>
+            <a:r>
+              <a:rPr lang="en-US" baseline="0" dirty="0" err="1" smtClean="0"/>
+              <a:t>Tiếp</a:t>
+            </a:r>
+            <a:r>
+              <a:rPr lang="en-US" baseline="0" dirty="0" smtClean="0"/>
+              <a:t> </a:t>
+            </a:r>
+            <a:r>
+              <a:rPr lang="en-US" baseline="0" dirty="0" err="1" smtClean="0"/>
+              <a:t>tục</a:t>
+            </a:r>
+            <a:r>
+              <a:rPr lang="en-US" baseline="0" dirty="0" smtClean="0"/>
+              <a:t> </a:t>
+            </a:r>
+            <a:r>
+              <a:rPr lang="en-US" baseline="0" dirty="0" err="1" smtClean="0"/>
+              <a:t>hệ</a:t>
+            </a:r>
+            <a:r>
+              <a:rPr lang="en-US" baseline="0" dirty="0" smtClean="0"/>
+              <a:t> </a:t>
+            </a:r>
+            <a:r>
+              <a:rPr lang="en-US" baseline="0" dirty="0" err="1" smtClean="0"/>
+              <a:t>thống</a:t>
+            </a:r>
+            <a:r>
+              <a:rPr lang="en-US" baseline="0" dirty="0" smtClean="0"/>
+              <a:t> </a:t>
+            </a:r>
+            <a:r>
+              <a:rPr lang="en-US" baseline="0" dirty="0" err="1" smtClean="0"/>
+              <a:t>sẽ</a:t>
+            </a:r>
+            <a:r>
+              <a:rPr lang="en-US" baseline="0" dirty="0" smtClean="0"/>
+              <a:t> </a:t>
+            </a:r>
+            <a:r>
+              <a:rPr lang="vi-VN" baseline="0" dirty="0" smtClean="0"/>
+              <a:t>sử dụng google map api để tìm kiếm đường đi</a:t>
             </a:r>
             <a:r>
               <a:rPr lang="en-US" baseline="0" dirty="0" smtClean="0"/>
               <a:t>.</a:t>
             </a:r>
+          </a:p>
+          <a:p>
             <a:endParaRPr lang="en-US" dirty="0"/>
           </a:p>
         </p:txBody>
@@ -1207,7 +1322,7 @@
           <a:p>
             <a:fld id="{2599C3E7-3278-1243-886F-92FF82204DB1}" type="slidenum">
               <a:rPr lang="en-US" smtClean="0"/>
-              <a:t>13</a:t>
+              <a:t>11</a:t>
             </a:fld>
             <a:endParaRPr lang="en-US"/>
           </a:p>
@@ -1216,7 +1331,7 @@
     </p:spTree>
     <p:extLst>
       <p:ext uri="{BB962C8B-B14F-4D97-AF65-F5344CB8AC3E}">
-        <p14:creationId xmlns:p14="http://schemas.microsoft.com/office/powerpoint/2010/main" val="1562744946"/>
+        <p14:creationId xmlns:p14="http://schemas.microsoft.com/office/powerpoint/2010/main" val="1347299889"/>
       </p:ext>
     </p:extLst>
   </p:cSld>
@@ -1271,178 +1386,12 @@
           <a:lstStyle/>
           <a:p>
             <a:r>
-              <a:rPr lang="en-US" dirty="0" err="1" smtClean="0"/>
-              <a:t>Chúng</a:t>
-            </a:r>
-            <a:r>
-              <a:rPr lang="en-US" baseline="0" dirty="0" smtClean="0"/>
-              <a:t> </a:t>
-            </a:r>
-            <a:r>
-              <a:rPr lang="en-US" baseline="0" dirty="0" err="1" smtClean="0"/>
-              <a:t>tôi</a:t>
-            </a:r>
-            <a:r>
-              <a:rPr lang="en-US" baseline="0" dirty="0" smtClean="0"/>
-              <a:t> </a:t>
-            </a:r>
-            <a:r>
-              <a:rPr lang="en-US" baseline="0" dirty="0" err="1" smtClean="0"/>
-              <a:t>sẽ</a:t>
-            </a:r>
-            <a:r>
-              <a:rPr lang="en-US" baseline="0" dirty="0" smtClean="0"/>
-              <a:t> </a:t>
-            </a:r>
-            <a:r>
-              <a:rPr lang="en-US" baseline="0" dirty="0" err="1" smtClean="0"/>
-              <a:t>bắt</a:t>
-            </a:r>
-            <a:r>
-              <a:rPr lang="en-US" baseline="0" dirty="0" smtClean="0"/>
-              <a:t> </a:t>
-            </a:r>
-            <a:r>
-              <a:rPr lang="en-US" baseline="0" dirty="0" err="1" smtClean="0"/>
-              <a:t>đầu</a:t>
-            </a:r>
-            <a:r>
-              <a:rPr lang="en-US" baseline="0" dirty="0" smtClean="0"/>
-              <a:t> demo 4 </a:t>
-            </a:r>
-            <a:r>
-              <a:rPr lang="en-US" baseline="0" dirty="0" err="1" smtClean="0"/>
-              <a:t>điểm</a:t>
-            </a:r>
-            <a:r>
-              <a:rPr lang="en-US" baseline="0" dirty="0" smtClean="0"/>
-              <a:t> </a:t>
-            </a:r>
-            <a:r>
-              <a:rPr lang="en-US" baseline="0" dirty="0" err="1" smtClean="0"/>
-              <a:t>xe</a:t>
-            </a:r>
-            <a:r>
-              <a:rPr lang="en-US" baseline="0" dirty="0" smtClean="0"/>
-              <a:t> </a:t>
-            </a:r>
-            <a:r>
-              <a:rPr lang="en-US" baseline="0" dirty="0" err="1" smtClean="0"/>
-              <a:t>máy</a:t>
-            </a:r>
-            <a:r>
-              <a:rPr lang="en-US" baseline="0" dirty="0" smtClean="0"/>
-              <a:t> </a:t>
-            </a:r>
-            <a:r>
-              <a:rPr lang="en-US" baseline="0" dirty="0" err="1" smtClean="0"/>
-              <a:t>tối</a:t>
-            </a:r>
-            <a:r>
-              <a:rPr lang="en-US" baseline="0" dirty="0" smtClean="0"/>
-              <a:t> </a:t>
-            </a:r>
-            <a:r>
-              <a:rPr lang="en-US" baseline="0" dirty="0" err="1" smtClean="0"/>
-              <a:t>ưu</a:t>
-            </a:r>
-            <a:r>
-              <a:rPr lang="en-US" baseline="0" dirty="0" smtClean="0"/>
-              <a:t> </a:t>
-            </a:r>
-            <a:r>
-              <a:rPr lang="en-US" baseline="0" dirty="0" err="1" smtClean="0"/>
-              <a:t>với</a:t>
-            </a:r>
-            <a:r>
-              <a:rPr lang="en-US" baseline="0" dirty="0" smtClean="0"/>
-              <a:t> </a:t>
-            </a:r>
-            <a:r>
-              <a:rPr lang="en-US" baseline="0" dirty="0" err="1" smtClean="0"/>
-              <a:t>thứ</a:t>
-            </a:r>
-            <a:r>
-              <a:rPr lang="en-US" baseline="0" dirty="0" smtClean="0"/>
-              <a:t> </a:t>
-            </a:r>
-            <a:r>
-              <a:rPr lang="en-US" baseline="0" dirty="0" err="1" smtClean="0"/>
-              <a:t>tự</a:t>
-            </a:r>
-            <a:r>
-              <a:rPr lang="en-US" baseline="0" dirty="0" smtClean="0"/>
-              <a:t> </a:t>
-            </a:r>
-            <a:r>
-              <a:rPr lang="en-US" baseline="0" dirty="0" err="1" smtClean="0"/>
-              <a:t>các</a:t>
-            </a:r>
-            <a:r>
-              <a:rPr lang="en-US" baseline="0" dirty="0" smtClean="0"/>
-              <a:t> </a:t>
-            </a:r>
-            <a:r>
-              <a:rPr lang="en-US" baseline="0" dirty="0" err="1" smtClean="0"/>
-              <a:t>điểm</a:t>
-            </a:r>
-            <a:r>
-              <a:rPr lang="en-US" baseline="0" dirty="0" smtClean="0"/>
-              <a:t> </a:t>
-            </a:r>
-            <a:r>
-              <a:rPr lang="en-US" baseline="0" dirty="0" err="1" smtClean="0"/>
-              <a:t>như</a:t>
-            </a:r>
-            <a:r>
-              <a:rPr lang="en-US" baseline="0" dirty="0" smtClean="0"/>
-              <a:t> </a:t>
-            </a:r>
-            <a:r>
-              <a:rPr lang="en-US" baseline="0" dirty="0" err="1" smtClean="0"/>
-              <a:t>trình</a:t>
-            </a:r>
-            <a:r>
-              <a:rPr lang="en-US" baseline="0" dirty="0" smtClean="0"/>
-              <a:t> </a:t>
-            </a:r>
-            <a:r>
-              <a:rPr lang="en-US" baseline="0" dirty="0" err="1" smtClean="0"/>
-              <a:t>bày</a:t>
-            </a:r>
-            <a:r>
-              <a:rPr lang="en-US" baseline="0" dirty="0" smtClean="0"/>
-              <a:t>:</a:t>
-            </a:r>
-          </a:p>
-          <a:p>
-            <a:r>
-              <a:rPr lang="en-US" baseline="0" dirty="0" smtClean="0"/>
-              <a:t>(</a:t>
-            </a:r>
-            <a:r>
-              <a:rPr lang="en-US" baseline="0" dirty="0" err="1" smtClean="0"/>
-              <a:t>bật</a:t>
-            </a:r>
-            <a:r>
-              <a:rPr lang="en-US" baseline="0" dirty="0" smtClean="0"/>
-              <a:t> </a:t>
-            </a:r>
-            <a:r>
-              <a:rPr lang="en-US" baseline="0" dirty="0" err="1" smtClean="0"/>
-              <a:t>thiệt</a:t>
-            </a:r>
-            <a:r>
-              <a:rPr lang="en-US" baseline="0" dirty="0" smtClean="0"/>
-              <a:t> </a:t>
-            </a:r>
-            <a:r>
-              <a:rPr lang="en-US" baseline="0" dirty="0" err="1" smtClean="0"/>
-              <a:t>bị</a:t>
-            </a:r>
-            <a:r>
-              <a:rPr lang="en-US" baseline="0" dirty="0" smtClean="0"/>
-              <a:t> demo) </a:t>
+              <a:rPr lang="vi-VN" dirty="0" smtClean="0"/>
+              <a:t>Để tìm được đường đi tối ưu qua 3</a:t>
+            </a:r>
+            <a:r>
+              <a:rPr lang="vi-VN" baseline="0" dirty="0" smtClean="0"/>
+              <a:t> điểm. Chúng tôi sẽ giải quyết theo cách sau.</a:t>
             </a:r>
             <a:endParaRPr lang="en-US" dirty="0"/>
           </a:p>
@@ -1465,7 +1414,7 @@
           <a:p>
             <a:fld id="{2599C3E7-3278-1243-886F-92FF82204DB1}" type="slidenum">
               <a:rPr lang="en-US" smtClean="0"/>
-              <a:t>27</a:t>
+              <a:t>12</a:t>
             </a:fld>
             <a:endParaRPr lang="en-US"/>
           </a:p>
@@ -1474,7 +1423,1111 @@
     </p:spTree>
     <p:extLst>
       <p:ext uri="{BB962C8B-B14F-4D97-AF65-F5344CB8AC3E}">
-        <p14:creationId xmlns:p14="http://schemas.microsoft.com/office/powerpoint/2010/main" val="3142087575"/>
+        <p14:creationId xmlns:p14="http://schemas.microsoft.com/office/powerpoint/2010/main" val="782958352"/>
+      </p:ext>
+    </p:extLst>
+  </p:cSld>
+  <p:clrMapOvr>
+    <a:masterClrMapping/>
+  </p:clrMapOvr>
+</p:notes>
+</file>
+
+<file path=ppt/notesSlides/notesSlide13.xml><?xml version="1.0" encoding="utf-8"?>
+<p:notes xmlns:a="http://schemas.openxmlformats.org/drawingml/2006/main" xmlns:r="http://schemas.openxmlformats.org/officeDocument/2006/relationships" xmlns:p="http://schemas.openxmlformats.org/presentationml/2006/main">
+  <p:cSld>
+    <p:spTree>
+      <p:nvGrpSpPr>
+        <p:cNvPr id="1" name=""/>
+        <p:cNvGrpSpPr/>
+        <p:nvPr/>
+      </p:nvGrpSpPr>
+      <p:grpSpPr>
+        <a:xfrm>
+          <a:off x="0" y="0"/>
+          <a:ext cx="0" cy="0"/>
+          <a:chOff x="0" y="0"/>
+          <a:chExt cx="0" cy="0"/>
+        </a:xfrm>
+      </p:grpSpPr>
+      <p:sp>
+        <p:nvSpPr>
+          <p:cNvPr id="2" name="Slide Image Placeholder 1"/>
+          <p:cNvSpPr>
+            <a:spLocks noGrp="1" noRot="1" noChangeAspect="1"/>
+          </p:cNvSpPr>
+          <p:nvPr>
+            <p:ph type="sldImg"/>
+          </p:nvPr>
+        </p:nvSpPr>
+        <p:spPr/>
+      </p:sp>
+      <p:sp>
+        <p:nvSpPr>
+          <p:cNvPr id="3" name="Notes Placeholder 2"/>
+          <p:cNvSpPr>
+            <a:spLocks noGrp="1"/>
+          </p:cNvSpPr>
+          <p:nvPr>
+            <p:ph type="body" idx="1"/>
+          </p:nvPr>
+        </p:nvSpPr>
+        <p:spPr/>
+        <p:txBody>
+          <a:bodyPr/>
+          <a:lstStyle/>
+          <a:p>
+            <a:r>
+              <a:rPr lang="en-US" dirty="0" err="1" smtClean="0"/>
+              <a:t>Thuật</a:t>
+            </a:r>
+            <a:r>
+              <a:rPr lang="en-US" dirty="0" smtClean="0"/>
+              <a:t> </a:t>
+            </a:r>
+            <a:r>
+              <a:rPr lang="en-US" dirty="0" err="1" smtClean="0"/>
+              <a:t>toán</a:t>
+            </a:r>
+            <a:r>
+              <a:rPr lang="en-US" baseline="0" dirty="0" smtClean="0"/>
+              <a:t> </a:t>
+            </a:r>
+            <a:r>
+              <a:rPr lang="en-US" baseline="0" dirty="0" err="1" smtClean="0"/>
+              <a:t>sẽ</a:t>
+            </a:r>
+            <a:r>
+              <a:rPr lang="en-US" baseline="0" dirty="0" smtClean="0"/>
+              <a:t> </a:t>
+            </a:r>
+            <a:r>
+              <a:rPr lang="en-US" baseline="0" dirty="0" err="1" smtClean="0"/>
+              <a:t>liệt</a:t>
+            </a:r>
+            <a:r>
+              <a:rPr lang="en-US" baseline="0" dirty="0" smtClean="0"/>
+              <a:t> </a:t>
+            </a:r>
+            <a:r>
+              <a:rPr lang="en-US" baseline="0" dirty="0" err="1" smtClean="0"/>
+              <a:t>kê</a:t>
+            </a:r>
+            <a:r>
+              <a:rPr lang="en-US" baseline="0" dirty="0" smtClean="0"/>
+              <a:t> </a:t>
+            </a:r>
+            <a:r>
+              <a:rPr lang="en-US" baseline="0" dirty="0" err="1" smtClean="0"/>
+              <a:t>hết</a:t>
+            </a:r>
+            <a:r>
+              <a:rPr lang="en-US" baseline="0" dirty="0" smtClean="0"/>
+              <a:t> </a:t>
+            </a:r>
+            <a:r>
+              <a:rPr lang="en-US" baseline="0" dirty="0" err="1" smtClean="0"/>
+              <a:t>tất</a:t>
+            </a:r>
+            <a:r>
+              <a:rPr lang="en-US" baseline="0" dirty="0" smtClean="0"/>
+              <a:t> </a:t>
+            </a:r>
+            <a:r>
+              <a:rPr lang="en-US" baseline="0" dirty="0" err="1" smtClean="0"/>
+              <a:t>cả</a:t>
+            </a:r>
+            <a:r>
+              <a:rPr lang="en-US" baseline="0" dirty="0" smtClean="0"/>
+              <a:t> </a:t>
+            </a:r>
+            <a:r>
+              <a:rPr lang="en-US" baseline="0" dirty="0" err="1" smtClean="0"/>
+              <a:t>các</a:t>
+            </a:r>
+            <a:r>
+              <a:rPr lang="en-US" baseline="0" dirty="0" smtClean="0"/>
+              <a:t> </a:t>
+            </a:r>
+            <a:r>
+              <a:rPr lang="en-US" baseline="0" dirty="0" err="1" smtClean="0"/>
+              <a:t>trường</a:t>
+            </a:r>
+            <a:r>
+              <a:rPr lang="en-US" baseline="0" dirty="0" smtClean="0"/>
+              <a:t> </a:t>
+            </a:r>
+            <a:r>
+              <a:rPr lang="en-US" baseline="0" dirty="0" err="1" smtClean="0"/>
+              <a:t>hợp</a:t>
+            </a:r>
+            <a:r>
+              <a:rPr lang="en-US" baseline="0" dirty="0" smtClean="0"/>
+              <a:t> </a:t>
+            </a:r>
+            <a:r>
+              <a:rPr lang="en-US" baseline="0" dirty="0" err="1" smtClean="0"/>
+              <a:t>có</a:t>
+            </a:r>
+            <a:r>
+              <a:rPr lang="en-US" baseline="0" dirty="0" smtClean="0"/>
+              <a:t> </a:t>
+            </a:r>
+            <a:r>
+              <a:rPr lang="en-US" baseline="0" dirty="0" err="1" smtClean="0"/>
+              <a:t>thể</a:t>
+            </a:r>
+            <a:r>
+              <a:rPr lang="en-US" baseline="0" dirty="0" smtClean="0"/>
+              <a:t> </a:t>
+            </a:r>
+            <a:r>
+              <a:rPr lang="en-US" baseline="0" dirty="0" err="1" smtClean="0"/>
+              <a:t>gửi</a:t>
+            </a:r>
+            <a:r>
+              <a:rPr lang="en-US" baseline="0" dirty="0" smtClean="0"/>
+              <a:t> </a:t>
+            </a:r>
+            <a:r>
+              <a:rPr lang="en-US" baseline="0" dirty="0" err="1" smtClean="0"/>
+              <a:t>lên</a:t>
+            </a:r>
+            <a:r>
+              <a:rPr lang="en-US" baseline="0" dirty="0" smtClean="0"/>
+              <a:t> </a:t>
+            </a:r>
+            <a:r>
+              <a:rPr lang="en-US" baseline="0" dirty="0" err="1" smtClean="0"/>
+              <a:t>google</a:t>
+            </a:r>
+            <a:r>
+              <a:rPr lang="en-US" baseline="0" dirty="0" smtClean="0"/>
+              <a:t> API…</a:t>
+            </a:r>
+            <a:r>
+              <a:rPr lang="en-US" baseline="0" dirty="0" err="1" smtClean="0"/>
+              <a:t>sau</a:t>
+            </a:r>
+            <a:r>
+              <a:rPr lang="en-US" baseline="0" dirty="0" smtClean="0"/>
+              <a:t> </a:t>
+            </a:r>
+            <a:r>
+              <a:rPr lang="en-US" baseline="0" dirty="0" err="1" smtClean="0"/>
+              <a:t>đó</a:t>
+            </a:r>
+            <a:r>
+              <a:rPr lang="en-US" baseline="0" dirty="0" smtClean="0"/>
+              <a:t> </a:t>
+            </a:r>
+            <a:r>
+              <a:rPr lang="en-US" baseline="0" dirty="0" err="1" smtClean="0"/>
+              <a:t>xử</a:t>
+            </a:r>
+            <a:r>
+              <a:rPr lang="en-US" baseline="0" dirty="0" smtClean="0"/>
+              <a:t> </a:t>
+            </a:r>
+            <a:r>
+              <a:rPr lang="en-US" baseline="0" dirty="0" err="1" smtClean="0"/>
+              <a:t>lý</a:t>
+            </a:r>
+            <a:r>
+              <a:rPr lang="en-US" baseline="0" dirty="0" smtClean="0"/>
+              <a:t> </a:t>
+            </a:r>
+            <a:r>
+              <a:rPr lang="en-US" baseline="0" dirty="0" err="1" smtClean="0"/>
+              <a:t>nhưng</a:t>
+            </a:r>
+            <a:r>
+              <a:rPr lang="en-US" baseline="0" dirty="0" smtClean="0"/>
+              <a:t> </a:t>
+            </a:r>
+            <a:r>
+              <a:rPr lang="en-US" baseline="0" dirty="0" err="1" smtClean="0"/>
+              <a:t>kết</a:t>
+            </a:r>
+            <a:r>
+              <a:rPr lang="en-US" baseline="0" dirty="0" smtClean="0"/>
+              <a:t> </a:t>
+            </a:r>
+            <a:r>
+              <a:rPr lang="en-US" baseline="0" dirty="0" err="1" smtClean="0"/>
+              <a:t>quả</a:t>
+            </a:r>
+            <a:r>
+              <a:rPr lang="en-US" baseline="0" dirty="0" smtClean="0"/>
+              <a:t> </a:t>
+            </a:r>
+            <a:r>
+              <a:rPr lang="en-US" baseline="0" dirty="0" err="1" smtClean="0"/>
+              <a:t>đó</a:t>
+            </a:r>
+            <a:r>
+              <a:rPr lang="en-US" baseline="0" dirty="0" smtClean="0"/>
+              <a:t> </a:t>
+            </a:r>
+            <a:r>
+              <a:rPr lang="en-US" baseline="0" dirty="0" err="1" smtClean="0"/>
+              <a:t>để</a:t>
+            </a:r>
+            <a:r>
+              <a:rPr lang="en-US" baseline="0" dirty="0" smtClean="0"/>
+              <a:t> </a:t>
+            </a:r>
+            <a:r>
+              <a:rPr lang="en-US" baseline="0" dirty="0" err="1" smtClean="0"/>
+              <a:t>chọn</a:t>
+            </a:r>
+            <a:r>
+              <a:rPr lang="en-US" baseline="0" dirty="0" smtClean="0"/>
+              <a:t> </a:t>
+            </a:r>
+            <a:r>
+              <a:rPr lang="en-US" baseline="0" dirty="0" err="1" smtClean="0"/>
+              <a:t>ra</a:t>
+            </a:r>
+            <a:r>
+              <a:rPr lang="en-US" baseline="0" dirty="0" smtClean="0"/>
+              <a:t> </a:t>
+            </a:r>
+            <a:r>
+              <a:rPr lang="en-US" baseline="0" dirty="0" err="1" smtClean="0"/>
+              <a:t>đường</a:t>
+            </a:r>
+            <a:r>
+              <a:rPr lang="en-US" baseline="0" dirty="0" smtClean="0"/>
+              <a:t> </a:t>
+            </a:r>
+            <a:r>
+              <a:rPr lang="en-US" baseline="0" dirty="0" err="1" smtClean="0"/>
+              <a:t>đi</a:t>
+            </a:r>
+            <a:r>
+              <a:rPr lang="en-US" baseline="0" dirty="0" smtClean="0"/>
+              <a:t> </a:t>
+            </a:r>
+            <a:r>
+              <a:rPr lang="en-US" baseline="0" dirty="0" err="1" smtClean="0"/>
+              <a:t>tốt</a:t>
+            </a:r>
+            <a:r>
+              <a:rPr lang="en-US" baseline="0" dirty="0" smtClean="0"/>
+              <a:t> </a:t>
+            </a:r>
+            <a:r>
+              <a:rPr lang="en-US" baseline="0" dirty="0" err="1" smtClean="0"/>
+              <a:t>nhất</a:t>
+            </a:r>
+            <a:r>
+              <a:rPr lang="en-US" baseline="0" dirty="0" smtClean="0"/>
+              <a:t>.</a:t>
+            </a:r>
+            <a:endParaRPr lang="en-US" dirty="0"/>
+          </a:p>
+        </p:txBody>
+      </p:sp>
+      <p:sp>
+        <p:nvSpPr>
+          <p:cNvPr id="4" name="Slide Number Placeholder 3"/>
+          <p:cNvSpPr>
+            <a:spLocks noGrp="1"/>
+          </p:cNvSpPr>
+          <p:nvPr>
+            <p:ph type="sldNum" sz="quarter" idx="10"/>
+          </p:nvPr>
+        </p:nvSpPr>
+        <p:spPr/>
+        <p:txBody>
+          <a:bodyPr/>
+          <a:lstStyle/>
+          <a:p>
+            <a:fld id="{2599C3E7-3278-1243-886F-92FF82204DB1}" type="slidenum">
+              <a:rPr lang="en-US" smtClean="0"/>
+              <a:t>13</a:t>
+            </a:fld>
+            <a:endParaRPr lang="en-US"/>
+          </a:p>
+        </p:txBody>
+      </p:sp>
+    </p:spTree>
+    <p:extLst>
+      <p:ext uri="{BB962C8B-B14F-4D97-AF65-F5344CB8AC3E}">
+        <p14:creationId xmlns:p14="http://schemas.microsoft.com/office/powerpoint/2010/main" val="1783052625"/>
+      </p:ext>
+    </p:extLst>
+  </p:cSld>
+  <p:clrMapOvr>
+    <a:masterClrMapping/>
+  </p:clrMapOvr>
+</p:notes>
+</file>
+
+<file path=ppt/notesSlides/notesSlide14.xml><?xml version="1.0" encoding="utf-8"?>
+<p:notes xmlns:a="http://schemas.openxmlformats.org/drawingml/2006/main" xmlns:r="http://schemas.openxmlformats.org/officeDocument/2006/relationships" xmlns:p="http://schemas.openxmlformats.org/presentationml/2006/main">
+  <p:cSld>
+    <p:spTree>
+      <p:nvGrpSpPr>
+        <p:cNvPr id="1" name=""/>
+        <p:cNvGrpSpPr/>
+        <p:nvPr/>
+      </p:nvGrpSpPr>
+      <p:grpSpPr>
+        <a:xfrm>
+          <a:off x="0" y="0"/>
+          <a:ext cx="0" cy="0"/>
+          <a:chOff x="0" y="0"/>
+          <a:chExt cx="0" cy="0"/>
+        </a:xfrm>
+      </p:grpSpPr>
+      <p:sp>
+        <p:nvSpPr>
+          <p:cNvPr id="2" name="Slide Image Placeholder 1"/>
+          <p:cNvSpPr>
+            <a:spLocks noGrp="1" noRot="1" noChangeAspect="1"/>
+          </p:cNvSpPr>
+          <p:nvPr>
+            <p:ph type="sldImg"/>
+          </p:nvPr>
+        </p:nvSpPr>
+        <p:spPr/>
+      </p:sp>
+      <p:sp>
+        <p:nvSpPr>
+          <p:cNvPr id="3" name="Notes Placeholder 2"/>
+          <p:cNvSpPr>
+            <a:spLocks noGrp="1"/>
+          </p:cNvSpPr>
+          <p:nvPr>
+            <p:ph type="body" idx="1"/>
+          </p:nvPr>
+        </p:nvSpPr>
+        <p:spPr/>
+        <p:txBody>
+          <a:bodyPr/>
+          <a:lstStyle/>
+          <a:p>
+            <a:r>
+              <a:rPr lang="vi-VN" dirty="0" smtClean="0"/>
+              <a:t>Giả sử kết quả tốt nhất là Khương sẽ đi qua nhà bạn gái, sau đó qua nhà vợ và cuối cùng là nhà bà nội.</a:t>
+            </a:r>
+          </a:p>
+          <a:p>
+            <a:r>
+              <a:rPr lang="en-US" dirty="0" err="1" smtClean="0"/>
+              <a:t>Để</a:t>
+            </a:r>
+            <a:r>
+              <a:rPr lang="en-US" baseline="0" dirty="0" smtClean="0"/>
+              <a:t> </a:t>
+            </a:r>
+            <a:r>
+              <a:rPr lang="en-US" baseline="0" dirty="0" err="1" smtClean="0"/>
+              <a:t>hiển</a:t>
+            </a:r>
+            <a:r>
+              <a:rPr lang="en-US" baseline="0" dirty="0" smtClean="0"/>
+              <a:t> </a:t>
+            </a:r>
+            <a:r>
+              <a:rPr lang="en-US" baseline="0" dirty="0" err="1" smtClean="0"/>
+              <a:t>thị</a:t>
+            </a:r>
+            <a:r>
+              <a:rPr lang="en-US" baseline="0" dirty="0" smtClean="0"/>
+              <a:t> </a:t>
+            </a:r>
+            <a:r>
+              <a:rPr lang="en-US" baseline="0" dirty="0" err="1" smtClean="0"/>
+              <a:t>đường</a:t>
+            </a:r>
+            <a:r>
+              <a:rPr lang="en-US" baseline="0" dirty="0" smtClean="0"/>
+              <a:t> </a:t>
+            </a:r>
+            <a:r>
+              <a:rPr lang="en-US" baseline="0" dirty="0" err="1" smtClean="0"/>
+              <a:t>đi</a:t>
+            </a:r>
+            <a:r>
+              <a:rPr lang="en-US" baseline="0" dirty="0" smtClean="0"/>
+              <a:t> </a:t>
+            </a:r>
+            <a:r>
+              <a:rPr lang="en-US" baseline="0" dirty="0" err="1" smtClean="0"/>
+              <a:t>tốt</a:t>
+            </a:r>
+            <a:r>
+              <a:rPr lang="en-US" baseline="0" dirty="0" smtClean="0"/>
+              <a:t> </a:t>
+            </a:r>
+            <a:r>
+              <a:rPr lang="en-US" baseline="0" dirty="0" err="1" smtClean="0"/>
+              <a:t>nhất</a:t>
+            </a:r>
+            <a:r>
+              <a:rPr lang="en-US" baseline="0" dirty="0" smtClean="0"/>
+              <a:t> </a:t>
+            </a:r>
+            <a:r>
+              <a:rPr lang="en-US" baseline="0" dirty="0" err="1" smtClean="0"/>
+              <a:t>này</a:t>
+            </a:r>
+            <a:r>
+              <a:rPr lang="en-US" baseline="0" dirty="0" smtClean="0"/>
+              <a:t>..</a:t>
+            </a:r>
+            <a:r>
+              <a:rPr lang="en-US" baseline="0" dirty="0" err="1" smtClean="0"/>
+              <a:t>chúng</a:t>
+            </a:r>
+            <a:r>
+              <a:rPr lang="en-US" baseline="0" dirty="0" smtClean="0"/>
+              <a:t> </a:t>
+            </a:r>
+            <a:r>
+              <a:rPr lang="en-US" baseline="0" dirty="0" err="1" smtClean="0"/>
+              <a:t>tôi</a:t>
+            </a:r>
+            <a:r>
+              <a:rPr lang="en-US" baseline="0" dirty="0" smtClean="0"/>
+              <a:t> </a:t>
+            </a:r>
+            <a:r>
+              <a:rPr lang="en-US" baseline="0" dirty="0" err="1" smtClean="0"/>
+              <a:t>tạo</a:t>
+            </a:r>
+            <a:r>
+              <a:rPr lang="en-US" baseline="0" dirty="0" smtClean="0"/>
+              <a:t> </a:t>
+            </a:r>
+            <a:r>
+              <a:rPr lang="en-US" baseline="0" dirty="0" err="1" smtClean="0"/>
+              <a:t>ra</a:t>
+            </a:r>
+            <a:r>
+              <a:rPr lang="en-US" baseline="0" dirty="0" smtClean="0"/>
+              <a:t> </a:t>
+            </a:r>
+            <a:r>
+              <a:rPr lang="en-US" baseline="0" dirty="0" err="1" smtClean="0"/>
+              <a:t>một</a:t>
+            </a:r>
+            <a:r>
+              <a:rPr lang="en-US" baseline="0" dirty="0" smtClean="0"/>
+              <a:t> class step </a:t>
+            </a:r>
+            <a:r>
+              <a:rPr lang="en-US" baseline="0" dirty="0" err="1" smtClean="0"/>
+              <a:t>để</a:t>
+            </a:r>
+            <a:r>
+              <a:rPr lang="en-US" baseline="0" dirty="0" smtClean="0"/>
+              <a:t> </a:t>
+            </a:r>
+            <a:r>
+              <a:rPr lang="en-US" baseline="0" dirty="0" err="1" smtClean="0"/>
+              <a:t>chứa</a:t>
+            </a:r>
+            <a:r>
+              <a:rPr lang="en-US" baseline="0" dirty="0" smtClean="0"/>
+              <a:t> </a:t>
+            </a:r>
+            <a:r>
+              <a:rPr lang="en-US" baseline="0" dirty="0" err="1" smtClean="0"/>
+              <a:t>các</a:t>
+            </a:r>
+            <a:r>
+              <a:rPr lang="en-US" baseline="0" dirty="0" smtClean="0"/>
+              <a:t> </a:t>
+            </a:r>
+            <a:r>
+              <a:rPr lang="en-US" baseline="0" dirty="0" err="1" smtClean="0"/>
+              <a:t>hướng</a:t>
+            </a:r>
+            <a:r>
+              <a:rPr lang="en-US" baseline="0" dirty="0" smtClean="0"/>
+              <a:t> </a:t>
+            </a:r>
+            <a:r>
+              <a:rPr lang="en-US" baseline="0" dirty="0" err="1" smtClean="0"/>
+              <a:t>dẫn</a:t>
+            </a:r>
+            <a:r>
+              <a:rPr lang="en-US" baseline="0" dirty="0" smtClean="0"/>
+              <a:t> </a:t>
+            </a:r>
+            <a:r>
+              <a:rPr lang="vi-VN" baseline="0" dirty="0" smtClean="0"/>
+              <a:t>từng bước.</a:t>
+            </a:r>
+          </a:p>
+          <a:p>
+            <a:r>
+              <a:rPr lang="en-US" baseline="0" dirty="0" err="1" smtClean="0"/>
+              <a:t>Và</a:t>
+            </a:r>
+            <a:r>
+              <a:rPr lang="en-US" baseline="0" dirty="0" smtClean="0"/>
+              <a:t> </a:t>
+            </a:r>
+            <a:r>
+              <a:rPr lang="en-US" baseline="0" dirty="0" err="1" smtClean="0"/>
+              <a:t>một</a:t>
+            </a:r>
+            <a:r>
+              <a:rPr lang="en-US" baseline="0" dirty="0" smtClean="0"/>
+              <a:t> </a:t>
+            </a:r>
+            <a:r>
+              <a:rPr lang="vi-VN" baseline="0" dirty="0" smtClean="0"/>
+              <a:t>class </a:t>
+            </a:r>
+            <a:r>
+              <a:rPr lang="en-US" baseline="0" dirty="0" smtClean="0"/>
+              <a:t>leg. </a:t>
+            </a:r>
+            <a:r>
+              <a:rPr lang="en-US" baseline="0" dirty="0" err="1" smtClean="0"/>
+              <a:t>Để</a:t>
+            </a:r>
+            <a:r>
+              <a:rPr lang="en-US" baseline="0" dirty="0" smtClean="0"/>
+              <a:t> </a:t>
+            </a:r>
+            <a:r>
+              <a:rPr lang="en-US" baseline="0" dirty="0" err="1" smtClean="0"/>
+              <a:t>chứa</a:t>
+            </a:r>
+            <a:r>
+              <a:rPr lang="en-US" baseline="0" dirty="0" smtClean="0"/>
+              <a:t> </a:t>
+            </a:r>
+            <a:r>
+              <a:rPr lang="en-US" baseline="0" dirty="0" err="1" smtClean="0"/>
+              <a:t>kết</a:t>
+            </a:r>
+            <a:r>
+              <a:rPr lang="en-US" baseline="0" dirty="0" smtClean="0"/>
+              <a:t> </a:t>
+            </a:r>
+            <a:r>
+              <a:rPr lang="en-US" baseline="0" dirty="0" err="1" smtClean="0"/>
+              <a:t>quả</a:t>
+            </a:r>
+            <a:r>
+              <a:rPr lang="en-US" baseline="0" dirty="0" smtClean="0"/>
+              <a:t> </a:t>
+            </a:r>
+            <a:r>
+              <a:rPr lang="en-US" baseline="0" dirty="0" err="1" smtClean="0"/>
+              <a:t>đường</a:t>
+            </a:r>
+            <a:r>
+              <a:rPr lang="en-US" baseline="0" dirty="0" smtClean="0"/>
+              <a:t> </a:t>
+            </a:r>
+            <a:r>
+              <a:rPr lang="en-US" baseline="0" dirty="0" err="1" smtClean="0"/>
+              <a:t>đi</a:t>
+            </a:r>
+            <a:r>
+              <a:rPr lang="en-US" baseline="0" dirty="0" smtClean="0"/>
+              <a:t> </a:t>
+            </a:r>
+            <a:r>
+              <a:rPr lang="en-US" baseline="0" dirty="0" err="1" smtClean="0"/>
+              <a:t>của</a:t>
+            </a:r>
+            <a:r>
+              <a:rPr lang="en-US" baseline="0" dirty="0" smtClean="0"/>
+              <a:t> 2 </a:t>
+            </a:r>
+            <a:r>
+              <a:rPr lang="en-US" baseline="0" dirty="0" err="1" smtClean="0"/>
+              <a:t>điểm</a:t>
+            </a:r>
+            <a:r>
+              <a:rPr lang="en-US" baseline="0" dirty="0" smtClean="0"/>
+              <a:t>.</a:t>
+            </a:r>
+            <a:endParaRPr lang="en-US" dirty="0"/>
+          </a:p>
+        </p:txBody>
+      </p:sp>
+      <p:sp>
+        <p:nvSpPr>
+          <p:cNvPr id="4" name="Slide Number Placeholder 3"/>
+          <p:cNvSpPr>
+            <a:spLocks noGrp="1"/>
+          </p:cNvSpPr>
+          <p:nvPr>
+            <p:ph type="sldNum" sz="quarter" idx="10"/>
+          </p:nvPr>
+        </p:nvSpPr>
+        <p:spPr/>
+        <p:txBody>
+          <a:bodyPr/>
+          <a:lstStyle/>
+          <a:p>
+            <a:fld id="{2599C3E7-3278-1243-886F-92FF82204DB1}" type="slidenum">
+              <a:rPr lang="en-US" smtClean="0"/>
+              <a:t>14</a:t>
+            </a:fld>
+            <a:endParaRPr lang="en-US"/>
+          </a:p>
+        </p:txBody>
+      </p:sp>
+    </p:spTree>
+    <p:extLst>
+      <p:ext uri="{BB962C8B-B14F-4D97-AF65-F5344CB8AC3E}">
+        <p14:creationId xmlns:p14="http://schemas.microsoft.com/office/powerpoint/2010/main" val="934942319"/>
+      </p:ext>
+    </p:extLst>
+  </p:cSld>
+  <p:clrMapOvr>
+    <a:masterClrMapping/>
+  </p:clrMapOvr>
+</p:notes>
+</file>
+
+<file path=ppt/notesSlides/notesSlide15.xml><?xml version="1.0" encoding="utf-8"?>
+<p:notes xmlns:a="http://schemas.openxmlformats.org/drawingml/2006/main" xmlns:r="http://schemas.openxmlformats.org/officeDocument/2006/relationships" xmlns:p="http://schemas.openxmlformats.org/presentationml/2006/main">
+  <p:cSld>
+    <p:spTree>
+      <p:nvGrpSpPr>
+        <p:cNvPr id="1" name=""/>
+        <p:cNvGrpSpPr/>
+        <p:nvPr/>
+      </p:nvGrpSpPr>
+      <p:grpSpPr>
+        <a:xfrm>
+          <a:off x="0" y="0"/>
+          <a:ext cx="0" cy="0"/>
+          <a:chOff x="0" y="0"/>
+          <a:chExt cx="0" cy="0"/>
+        </a:xfrm>
+      </p:grpSpPr>
+      <p:sp>
+        <p:nvSpPr>
+          <p:cNvPr id="2" name="Slide Image Placeholder 1"/>
+          <p:cNvSpPr>
+            <a:spLocks noGrp="1" noRot="1" noChangeAspect="1"/>
+          </p:cNvSpPr>
+          <p:nvPr>
+            <p:ph type="sldImg"/>
+          </p:nvPr>
+        </p:nvSpPr>
+        <p:spPr/>
+      </p:sp>
+      <p:sp>
+        <p:nvSpPr>
+          <p:cNvPr id="3" name="Notes Placeholder 2"/>
+          <p:cNvSpPr>
+            <a:spLocks noGrp="1"/>
+          </p:cNvSpPr>
+          <p:nvPr>
+            <p:ph type="body" idx="1"/>
+          </p:nvPr>
+        </p:nvSpPr>
+        <p:spPr/>
+        <p:txBody>
+          <a:bodyPr/>
+          <a:lstStyle/>
+          <a:p>
+            <a:r>
+              <a:rPr lang="vi-VN" dirty="0" smtClean="0"/>
+              <a:t>Chúng tôi xây dựng class Step dựa trên kết quả json trả về từ Google API </a:t>
+            </a:r>
+            <a:endParaRPr lang="en-US" dirty="0"/>
+          </a:p>
+        </p:txBody>
+      </p:sp>
+      <p:sp>
+        <p:nvSpPr>
+          <p:cNvPr id="4" name="Slide Number Placeholder 3"/>
+          <p:cNvSpPr>
+            <a:spLocks noGrp="1"/>
+          </p:cNvSpPr>
+          <p:nvPr>
+            <p:ph type="sldNum" sz="quarter" idx="10"/>
+          </p:nvPr>
+        </p:nvSpPr>
+        <p:spPr/>
+        <p:txBody>
+          <a:bodyPr/>
+          <a:lstStyle/>
+          <a:p>
+            <a:fld id="{9EA7E8C2-2B62-4C43-9F7E-79EFEE2D3DE5}" type="slidenum">
+              <a:rPr lang="en-US" smtClean="0"/>
+              <a:t>15</a:t>
+            </a:fld>
+            <a:endParaRPr lang="en-US"/>
+          </a:p>
+        </p:txBody>
+      </p:sp>
+    </p:spTree>
+    <p:extLst>
+      <p:ext uri="{BB962C8B-B14F-4D97-AF65-F5344CB8AC3E}">
+        <p14:creationId xmlns:p14="http://schemas.microsoft.com/office/powerpoint/2010/main" val="1466092563"/>
+      </p:ext>
+    </p:extLst>
+  </p:cSld>
+  <p:clrMapOvr>
+    <a:masterClrMapping/>
+  </p:clrMapOvr>
+</p:notes>
+</file>
+
+<file path=ppt/notesSlides/notesSlide16.xml><?xml version="1.0" encoding="utf-8"?>
+<p:notes xmlns:a="http://schemas.openxmlformats.org/drawingml/2006/main" xmlns:r="http://schemas.openxmlformats.org/officeDocument/2006/relationships" xmlns:p="http://schemas.openxmlformats.org/presentationml/2006/main">
+  <p:cSld>
+    <p:spTree>
+      <p:nvGrpSpPr>
+        <p:cNvPr id="1" name=""/>
+        <p:cNvGrpSpPr/>
+        <p:nvPr/>
+      </p:nvGrpSpPr>
+      <p:grpSpPr>
+        <a:xfrm>
+          <a:off x="0" y="0"/>
+          <a:ext cx="0" cy="0"/>
+          <a:chOff x="0" y="0"/>
+          <a:chExt cx="0" cy="0"/>
+        </a:xfrm>
+      </p:grpSpPr>
+      <p:sp>
+        <p:nvSpPr>
+          <p:cNvPr id="2" name="Slide Image Placeholder 1"/>
+          <p:cNvSpPr>
+            <a:spLocks noGrp="1" noRot="1" noChangeAspect="1"/>
+          </p:cNvSpPr>
+          <p:nvPr>
+            <p:ph type="sldImg"/>
+          </p:nvPr>
+        </p:nvSpPr>
+        <p:spPr/>
+      </p:sp>
+      <p:sp>
+        <p:nvSpPr>
+          <p:cNvPr id="3" name="Notes Placeholder 2"/>
+          <p:cNvSpPr>
+            <a:spLocks noGrp="1"/>
+          </p:cNvSpPr>
+          <p:nvPr>
+            <p:ph type="body" idx="1"/>
+          </p:nvPr>
+        </p:nvSpPr>
+        <p:spPr/>
+        <p:txBody>
+          <a:bodyPr/>
+          <a:lstStyle/>
+          <a:p>
+            <a:r>
+              <a:rPr lang="vi-VN" dirty="0" smtClean="0"/>
+              <a:t>Instruction:</a:t>
+            </a:r>
+            <a:r>
+              <a:rPr lang="vi-VN" baseline="0" dirty="0" smtClean="0"/>
+              <a:t> hướng dẫn cách đi của step hiện tại </a:t>
+            </a:r>
+            <a:endParaRPr lang="en-US" dirty="0"/>
+          </a:p>
+        </p:txBody>
+      </p:sp>
+      <p:sp>
+        <p:nvSpPr>
+          <p:cNvPr id="4" name="Slide Number Placeholder 3"/>
+          <p:cNvSpPr>
+            <a:spLocks noGrp="1"/>
+          </p:cNvSpPr>
+          <p:nvPr>
+            <p:ph type="sldNum" sz="quarter" idx="10"/>
+          </p:nvPr>
+        </p:nvSpPr>
+        <p:spPr/>
+        <p:txBody>
+          <a:bodyPr/>
+          <a:lstStyle/>
+          <a:p>
+            <a:fld id="{9EA7E8C2-2B62-4C43-9F7E-79EFEE2D3DE5}" type="slidenum">
+              <a:rPr lang="en-US" smtClean="0"/>
+              <a:t>18</a:t>
+            </a:fld>
+            <a:endParaRPr lang="en-US"/>
+          </a:p>
+        </p:txBody>
+      </p:sp>
+    </p:spTree>
+    <p:extLst>
+      <p:ext uri="{BB962C8B-B14F-4D97-AF65-F5344CB8AC3E}">
+        <p14:creationId xmlns:p14="http://schemas.microsoft.com/office/powerpoint/2010/main" val="927579545"/>
+      </p:ext>
+    </p:extLst>
+  </p:cSld>
+  <p:clrMapOvr>
+    <a:masterClrMapping/>
+  </p:clrMapOvr>
+</p:notes>
+</file>
+
+<file path=ppt/notesSlides/notesSlide17.xml><?xml version="1.0" encoding="utf-8"?>
+<p:notes xmlns:a="http://schemas.openxmlformats.org/drawingml/2006/main" xmlns:r="http://schemas.openxmlformats.org/officeDocument/2006/relationships" xmlns:p="http://schemas.openxmlformats.org/presentationml/2006/main">
+  <p:cSld>
+    <p:spTree>
+      <p:nvGrpSpPr>
+        <p:cNvPr id="1" name=""/>
+        <p:cNvGrpSpPr/>
+        <p:nvPr/>
+      </p:nvGrpSpPr>
+      <p:grpSpPr>
+        <a:xfrm>
+          <a:off x="0" y="0"/>
+          <a:ext cx="0" cy="0"/>
+          <a:chOff x="0" y="0"/>
+          <a:chExt cx="0" cy="0"/>
+        </a:xfrm>
+      </p:grpSpPr>
+      <p:sp>
+        <p:nvSpPr>
+          <p:cNvPr id="2" name="Slide Image Placeholder 1"/>
+          <p:cNvSpPr>
+            <a:spLocks noGrp="1" noRot="1" noChangeAspect="1"/>
+          </p:cNvSpPr>
+          <p:nvPr>
+            <p:ph type="sldImg"/>
+          </p:nvPr>
+        </p:nvSpPr>
+        <p:spPr/>
+      </p:sp>
+      <p:sp>
+        <p:nvSpPr>
+          <p:cNvPr id="3" name="Notes Placeholder 2"/>
+          <p:cNvSpPr>
+            <a:spLocks noGrp="1"/>
+          </p:cNvSpPr>
+          <p:nvPr>
+            <p:ph type="body" idx="1"/>
+          </p:nvPr>
+        </p:nvSpPr>
+        <p:spPr/>
+        <p:txBody>
+          <a:bodyPr/>
+          <a:lstStyle/>
+          <a:p>
+            <a:r>
+              <a:rPr lang="vi-VN" dirty="0" smtClean="0"/>
+              <a:t>Maneuver: hướng dẫn tổng quát của step hiện tại</a:t>
+            </a:r>
+            <a:endParaRPr lang="en-US" dirty="0"/>
+          </a:p>
+        </p:txBody>
+      </p:sp>
+      <p:sp>
+        <p:nvSpPr>
+          <p:cNvPr id="4" name="Slide Number Placeholder 3"/>
+          <p:cNvSpPr>
+            <a:spLocks noGrp="1"/>
+          </p:cNvSpPr>
+          <p:nvPr>
+            <p:ph type="sldNum" sz="quarter" idx="10"/>
+          </p:nvPr>
+        </p:nvSpPr>
+        <p:spPr/>
+        <p:txBody>
+          <a:bodyPr/>
+          <a:lstStyle/>
+          <a:p>
+            <a:fld id="{9EA7E8C2-2B62-4C43-9F7E-79EFEE2D3DE5}" type="slidenum">
+              <a:rPr lang="en-US" smtClean="0"/>
+              <a:t>19</a:t>
+            </a:fld>
+            <a:endParaRPr lang="en-US"/>
+          </a:p>
+        </p:txBody>
+      </p:sp>
+    </p:spTree>
+    <p:extLst>
+      <p:ext uri="{BB962C8B-B14F-4D97-AF65-F5344CB8AC3E}">
+        <p14:creationId xmlns:p14="http://schemas.microsoft.com/office/powerpoint/2010/main" val="1452009338"/>
+      </p:ext>
+    </p:extLst>
+  </p:cSld>
+  <p:clrMapOvr>
+    <a:masterClrMapping/>
+  </p:clrMapOvr>
+</p:notes>
+</file>
+
+<file path=ppt/notesSlides/notesSlide18.xml><?xml version="1.0" encoding="utf-8"?>
+<p:notes xmlns:a="http://schemas.openxmlformats.org/drawingml/2006/main" xmlns:r="http://schemas.openxmlformats.org/officeDocument/2006/relationships" xmlns:p="http://schemas.openxmlformats.org/presentationml/2006/main">
+  <p:cSld>
+    <p:spTree>
+      <p:nvGrpSpPr>
+        <p:cNvPr id="1" name=""/>
+        <p:cNvGrpSpPr/>
+        <p:nvPr/>
+      </p:nvGrpSpPr>
+      <p:grpSpPr>
+        <a:xfrm>
+          <a:off x="0" y="0"/>
+          <a:ext cx="0" cy="0"/>
+          <a:chOff x="0" y="0"/>
+          <a:chExt cx="0" cy="0"/>
+        </a:xfrm>
+      </p:grpSpPr>
+      <p:sp>
+        <p:nvSpPr>
+          <p:cNvPr id="2" name="Slide Image Placeholder 1"/>
+          <p:cNvSpPr>
+            <a:spLocks noGrp="1" noRot="1" noChangeAspect="1"/>
+          </p:cNvSpPr>
+          <p:nvPr>
+            <p:ph type="sldImg"/>
+          </p:nvPr>
+        </p:nvSpPr>
+        <p:spPr/>
+      </p:sp>
+      <p:sp>
+        <p:nvSpPr>
+          <p:cNvPr id="3" name="Notes Placeholder 2"/>
+          <p:cNvSpPr>
+            <a:spLocks noGrp="1"/>
+          </p:cNvSpPr>
+          <p:nvPr>
+            <p:ph type="body" idx="1"/>
+          </p:nvPr>
+        </p:nvSpPr>
+        <p:spPr/>
+        <p:txBody>
+          <a:bodyPr/>
+          <a:lstStyle/>
+          <a:p>
+            <a:r>
+              <a:rPr lang="vi-VN" dirty="0" smtClean="0"/>
+              <a:t>Polyline : toạ độ các điểm để vẽ đường đi một step.</a:t>
+            </a:r>
+            <a:endParaRPr lang="en-US" dirty="0"/>
+          </a:p>
+        </p:txBody>
+      </p:sp>
+      <p:sp>
+        <p:nvSpPr>
+          <p:cNvPr id="4" name="Slide Number Placeholder 3"/>
+          <p:cNvSpPr>
+            <a:spLocks noGrp="1"/>
+          </p:cNvSpPr>
+          <p:nvPr>
+            <p:ph type="sldNum" sz="quarter" idx="10"/>
+          </p:nvPr>
+        </p:nvSpPr>
+        <p:spPr/>
+        <p:txBody>
+          <a:bodyPr/>
+          <a:lstStyle/>
+          <a:p>
+            <a:fld id="{9EA7E8C2-2B62-4C43-9F7E-79EFEE2D3DE5}" type="slidenum">
+              <a:rPr lang="en-US" smtClean="0"/>
+              <a:t>20</a:t>
+            </a:fld>
+            <a:endParaRPr lang="en-US"/>
+          </a:p>
+        </p:txBody>
+      </p:sp>
+    </p:spTree>
+    <p:extLst>
+      <p:ext uri="{BB962C8B-B14F-4D97-AF65-F5344CB8AC3E}">
+        <p14:creationId xmlns:p14="http://schemas.microsoft.com/office/powerpoint/2010/main" val="1468327050"/>
+      </p:ext>
+    </p:extLst>
+  </p:cSld>
+  <p:clrMapOvr>
+    <a:masterClrMapping/>
+  </p:clrMapOvr>
+</p:notes>
+</file>
+
+<file path=ppt/notesSlides/notesSlide19.xml><?xml version="1.0" encoding="utf-8"?>
+<p:notes xmlns:a="http://schemas.openxmlformats.org/drawingml/2006/main" xmlns:r="http://schemas.openxmlformats.org/officeDocument/2006/relationships" xmlns:p="http://schemas.openxmlformats.org/presentationml/2006/main">
+  <p:cSld>
+    <p:spTree>
+      <p:nvGrpSpPr>
+        <p:cNvPr id="1" name=""/>
+        <p:cNvGrpSpPr/>
+        <p:nvPr/>
+      </p:nvGrpSpPr>
+      <p:grpSpPr>
+        <a:xfrm>
+          <a:off x="0" y="0"/>
+          <a:ext cx="0" cy="0"/>
+          <a:chOff x="0" y="0"/>
+          <a:chExt cx="0" cy="0"/>
+        </a:xfrm>
+      </p:grpSpPr>
+      <p:sp>
+        <p:nvSpPr>
+          <p:cNvPr id="2" name="Slide Image Placeholder 1"/>
+          <p:cNvSpPr>
+            <a:spLocks noGrp="1" noRot="1" noChangeAspect="1"/>
+          </p:cNvSpPr>
+          <p:nvPr>
+            <p:ph type="sldImg"/>
+          </p:nvPr>
+        </p:nvSpPr>
+        <p:spPr/>
+      </p:sp>
+      <p:sp>
+        <p:nvSpPr>
+          <p:cNvPr id="3" name="Notes Placeholder 2"/>
+          <p:cNvSpPr>
+            <a:spLocks noGrp="1"/>
+          </p:cNvSpPr>
+          <p:nvPr>
+            <p:ph type="body" idx="1"/>
+          </p:nvPr>
+        </p:nvSpPr>
+        <p:spPr/>
+        <p:txBody>
+          <a:bodyPr/>
+          <a:lstStyle/>
+          <a:p>
+            <a:r>
+              <a:rPr lang="vi-VN" dirty="0" smtClean="0"/>
+              <a:t>Tiếp tục chúng tôi xin trình bày cách xây dựng class Leg</a:t>
+            </a:r>
+            <a:endParaRPr lang="en-US" dirty="0"/>
+          </a:p>
+        </p:txBody>
+      </p:sp>
+      <p:sp>
+        <p:nvSpPr>
+          <p:cNvPr id="4" name="Slide Number Placeholder 3"/>
+          <p:cNvSpPr>
+            <a:spLocks noGrp="1"/>
+          </p:cNvSpPr>
+          <p:nvPr>
+            <p:ph type="sldNum" sz="quarter" idx="10"/>
+          </p:nvPr>
+        </p:nvSpPr>
+        <p:spPr/>
+        <p:txBody>
+          <a:bodyPr/>
+          <a:lstStyle/>
+          <a:p>
+            <a:fld id="{9EA7E8C2-2B62-4C43-9F7E-79EFEE2D3DE5}" type="slidenum">
+              <a:rPr lang="en-US" smtClean="0"/>
+              <a:t>21</a:t>
+            </a:fld>
+            <a:endParaRPr lang="en-US"/>
+          </a:p>
+        </p:txBody>
+      </p:sp>
+    </p:spTree>
+    <p:extLst>
+      <p:ext uri="{BB962C8B-B14F-4D97-AF65-F5344CB8AC3E}">
+        <p14:creationId xmlns:p14="http://schemas.microsoft.com/office/powerpoint/2010/main" val="918651126"/>
       </p:ext>
     </p:extLst>
   </p:cSld>
@@ -1530,31 +2583,15 @@
           <a:p>
             <a:r>
               <a:rPr lang="en-US" dirty="0" err="1" smtClean="0"/>
-              <a:t>Nhà</a:t>
-            </a:r>
-            <a:r>
-              <a:rPr lang="en-US" baseline="0" dirty="0" smtClean="0"/>
-              <a:t> 4 </a:t>
-            </a:r>
-            <a:r>
-              <a:rPr lang="en-US" baseline="0" dirty="0" err="1" smtClean="0"/>
-              <a:t>bạn</a:t>
-            </a:r>
-            <a:r>
-              <a:rPr lang="en-US" baseline="0" dirty="0" smtClean="0"/>
-              <a:t> ở 4 </a:t>
-            </a:r>
-            <a:r>
-              <a:rPr lang="en-US" baseline="0" dirty="0" err="1" smtClean="0"/>
-              <a:t>địa</a:t>
+              <a:t>Khuong</a:t>
             </a:r>
             <a:r>
               <a:rPr lang="en-US" baseline="0" dirty="0" smtClean="0"/>
               <a:t> </a:t>
             </a:r>
             <a:r>
-              <a:rPr lang="en-US" baseline="0" dirty="0" err="1" smtClean="0"/>
-              <a:t>chỉ</a:t>
+              <a:rPr lang="vi-VN" baseline="0" dirty="0" smtClean="0"/>
+              <a:t>co mot nguoi ban gai đã lâu chưa gặp.</a:t>
             </a:r>
             <a:r>
               <a:rPr lang="en-US" baseline="0" dirty="0" smtClean="0"/>
@@ -1562,19 +2599,39 @@
             </a:r>
             <a:r>
               <a:rPr lang="en-US" baseline="0" dirty="0" err="1" smtClean="0"/>
-              <a:t>như</a:t>
+              <a:t>Nha</a:t>
             </a:r>
             <a:r>
               <a:rPr lang="en-US" baseline="0" dirty="0" smtClean="0"/>
               <a:t> </a:t>
             </a:r>
             <a:r>
+              <a:rPr lang="vi-VN" baseline="0" dirty="0" smtClean="0"/>
+              <a:t>bạn gái </a:t>
+            </a:r>
+            <a:r>
+              <a:rPr lang="en-US" baseline="0" dirty="0" smtClean="0"/>
+              <a:t>o ben </a:t>
+            </a:r>
+            <a:r>
               <a:rPr lang="en-US" baseline="0" dirty="0" err="1" smtClean="0"/>
-              <a:t>sau</a:t>
+              <a:t>xe</a:t>
             </a:r>
             <a:r>
               <a:rPr lang="en-US" baseline="0" dirty="0" smtClean="0"/>
-              <a:t>:</a:t>
+              <a:t> </a:t>
+            </a:r>
+            <a:r>
+              <a:rPr lang="en-US" baseline="0" dirty="0" err="1" smtClean="0"/>
+              <a:t>quan</a:t>
+            </a:r>
+            <a:r>
+              <a:rPr lang="en-US" baseline="0" dirty="0" smtClean="0"/>
+              <a:t> 8 </a:t>
+            </a:r>
+            <a:r>
+              <a:rPr lang="is-IS" baseline="0" dirty="0" smtClean="0"/>
+              <a:t>….</a:t>
             </a:r>
             <a:endParaRPr lang="en-US" dirty="0"/>
           </a:p>
@@ -1606,7 +2663,437 @@
     </p:spTree>
     <p:extLst>
       <p:ext uri="{BB962C8B-B14F-4D97-AF65-F5344CB8AC3E}">
-        <p14:creationId xmlns:p14="http://schemas.microsoft.com/office/powerpoint/2010/main" val="2147165158"/>
+        <p14:creationId xmlns:p14="http://schemas.microsoft.com/office/powerpoint/2010/main" val="1925623156"/>
+      </p:ext>
+    </p:extLst>
+  </p:cSld>
+  <p:clrMapOvr>
+    <a:masterClrMapping/>
+  </p:clrMapOvr>
+</p:notes>
+</file>
+
+<file path=ppt/notesSlides/notesSlide20.xml><?xml version="1.0" encoding="utf-8"?>
+<p:notes xmlns:a="http://schemas.openxmlformats.org/drawingml/2006/main" xmlns:r="http://schemas.openxmlformats.org/officeDocument/2006/relationships" xmlns:p="http://schemas.openxmlformats.org/presentationml/2006/main">
+  <p:cSld>
+    <p:spTree>
+      <p:nvGrpSpPr>
+        <p:cNvPr id="1" name=""/>
+        <p:cNvGrpSpPr/>
+        <p:nvPr/>
+      </p:nvGrpSpPr>
+      <p:grpSpPr>
+        <a:xfrm>
+          <a:off x="0" y="0"/>
+          <a:ext cx="0" cy="0"/>
+          <a:chOff x="0" y="0"/>
+          <a:chExt cx="0" cy="0"/>
+        </a:xfrm>
+      </p:grpSpPr>
+      <p:sp>
+        <p:nvSpPr>
+          <p:cNvPr id="2" name="Slide Image Placeholder 1"/>
+          <p:cNvSpPr>
+            <a:spLocks noGrp="1" noRot="1" noChangeAspect="1"/>
+          </p:cNvSpPr>
+          <p:nvPr>
+            <p:ph type="sldImg"/>
+          </p:nvPr>
+        </p:nvSpPr>
+        <p:spPr/>
+      </p:sp>
+      <p:sp>
+        <p:nvSpPr>
+          <p:cNvPr id="3" name="Notes Placeholder 2"/>
+          <p:cNvSpPr>
+            <a:spLocks noGrp="1"/>
+          </p:cNvSpPr>
+          <p:nvPr>
+            <p:ph type="body" idx="1"/>
+          </p:nvPr>
+        </p:nvSpPr>
+        <p:spPr/>
+        <p:txBody>
+          <a:bodyPr/>
+          <a:lstStyle/>
+          <a:p>
+            <a:endParaRPr lang="en-US" dirty="0"/>
+          </a:p>
+        </p:txBody>
+      </p:sp>
+      <p:sp>
+        <p:nvSpPr>
+          <p:cNvPr id="4" name="Slide Number Placeholder 3"/>
+          <p:cNvSpPr>
+            <a:spLocks noGrp="1"/>
+          </p:cNvSpPr>
+          <p:nvPr>
+            <p:ph type="sldNum" sz="quarter" idx="10"/>
+          </p:nvPr>
+        </p:nvSpPr>
+        <p:spPr/>
+        <p:txBody>
+          <a:bodyPr/>
+          <a:lstStyle/>
+          <a:p>
+            <a:fld id="{9EA7E8C2-2B62-4C43-9F7E-79EFEE2D3DE5}" type="slidenum">
+              <a:rPr lang="en-US" smtClean="0"/>
+              <a:t>22</a:t>
+            </a:fld>
+            <a:endParaRPr lang="en-US"/>
+          </a:p>
+        </p:txBody>
+      </p:sp>
+    </p:spTree>
+    <p:extLst>
+      <p:ext uri="{BB962C8B-B14F-4D97-AF65-F5344CB8AC3E}">
+        <p14:creationId xmlns:p14="http://schemas.microsoft.com/office/powerpoint/2010/main" val="406452335"/>
+      </p:ext>
+    </p:extLst>
+  </p:cSld>
+  <p:clrMapOvr>
+    <a:masterClrMapping/>
+  </p:clrMapOvr>
+</p:notes>
+</file>
+
+<file path=ppt/notesSlides/notesSlide21.xml><?xml version="1.0" encoding="utf-8"?>
+<p:notes xmlns:a="http://schemas.openxmlformats.org/drawingml/2006/main" xmlns:r="http://schemas.openxmlformats.org/officeDocument/2006/relationships" xmlns:p="http://schemas.openxmlformats.org/presentationml/2006/main">
+  <p:cSld>
+    <p:spTree>
+      <p:nvGrpSpPr>
+        <p:cNvPr id="1" name=""/>
+        <p:cNvGrpSpPr/>
+        <p:nvPr/>
+      </p:nvGrpSpPr>
+      <p:grpSpPr>
+        <a:xfrm>
+          <a:off x="0" y="0"/>
+          <a:ext cx="0" cy="0"/>
+          <a:chOff x="0" y="0"/>
+          <a:chExt cx="0" cy="0"/>
+        </a:xfrm>
+      </p:grpSpPr>
+      <p:sp>
+        <p:nvSpPr>
+          <p:cNvPr id="2" name="Slide Image Placeholder 1"/>
+          <p:cNvSpPr>
+            <a:spLocks noGrp="1" noRot="1" noChangeAspect="1"/>
+          </p:cNvSpPr>
+          <p:nvPr>
+            <p:ph type="sldImg"/>
+          </p:nvPr>
+        </p:nvSpPr>
+        <p:spPr/>
+      </p:sp>
+      <p:sp>
+        <p:nvSpPr>
+          <p:cNvPr id="3" name="Notes Placeholder 2"/>
+          <p:cNvSpPr>
+            <a:spLocks noGrp="1"/>
+          </p:cNvSpPr>
+          <p:nvPr>
+            <p:ph type="body" idx="1"/>
+          </p:nvPr>
+        </p:nvSpPr>
+        <p:spPr/>
+        <p:txBody>
+          <a:bodyPr/>
+          <a:lstStyle/>
+          <a:p>
+            <a:r>
+              <a:rPr lang="vi-VN" dirty="0" smtClean="0"/>
+              <a:t>OverviewPolyline: toạ độ các điểm vẽ nên leg đó </a:t>
+            </a:r>
+            <a:endParaRPr lang="en-US" dirty="0"/>
+          </a:p>
+        </p:txBody>
+      </p:sp>
+      <p:sp>
+        <p:nvSpPr>
+          <p:cNvPr id="4" name="Slide Number Placeholder 3"/>
+          <p:cNvSpPr>
+            <a:spLocks noGrp="1"/>
+          </p:cNvSpPr>
+          <p:nvPr>
+            <p:ph type="sldNum" sz="quarter" idx="10"/>
+          </p:nvPr>
+        </p:nvSpPr>
+        <p:spPr/>
+        <p:txBody>
+          <a:bodyPr/>
+          <a:lstStyle/>
+          <a:p>
+            <a:fld id="{9EA7E8C2-2B62-4C43-9F7E-79EFEE2D3DE5}" type="slidenum">
+              <a:rPr lang="en-US" smtClean="0"/>
+              <a:t>26</a:t>
+            </a:fld>
+            <a:endParaRPr lang="en-US"/>
+          </a:p>
+        </p:txBody>
+      </p:sp>
+    </p:spTree>
+    <p:extLst>
+      <p:ext uri="{BB962C8B-B14F-4D97-AF65-F5344CB8AC3E}">
+        <p14:creationId xmlns:p14="http://schemas.microsoft.com/office/powerpoint/2010/main" val="1412347461"/>
+      </p:ext>
+    </p:extLst>
+  </p:cSld>
+  <p:clrMapOvr>
+    <a:masterClrMapping/>
+  </p:clrMapOvr>
+</p:notes>
+</file>
+
+<file path=ppt/notesSlides/notesSlide22.xml><?xml version="1.0" encoding="utf-8"?>
+<p:notes xmlns:a="http://schemas.openxmlformats.org/drawingml/2006/main" xmlns:r="http://schemas.openxmlformats.org/officeDocument/2006/relationships" xmlns:p="http://schemas.openxmlformats.org/presentationml/2006/main">
+  <p:cSld>
+    <p:spTree>
+      <p:nvGrpSpPr>
+        <p:cNvPr id="1" name=""/>
+        <p:cNvGrpSpPr/>
+        <p:nvPr/>
+      </p:nvGrpSpPr>
+      <p:grpSpPr>
+        <a:xfrm>
+          <a:off x="0" y="0"/>
+          <a:ext cx="0" cy="0"/>
+          <a:chOff x="0" y="0"/>
+          <a:chExt cx="0" cy="0"/>
+        </a:xfrm>
+      </p:grpSpPr>
+      <p:sp>
+        <p:nvSpPr>
+          <p:cNvPr id="2" name="Slide Image Placeholder 1"/>
+          <p:cNvSpPr>
+            <a:spLocks noGrp="1" noRot="1" noChangeAspect="1"/>
+          </p:cNvSpPr>
+          <p:nvPr>
+            <p:ph type="sldImg"/>
+          </p:nvPr>
+        </p:nvSpPr>
+        <p:spPr/>
+      </p:sp>
+      <p:sp>
+        <p:nvSpPr>
+          <p:cNvPr id="3" name="Notes Placeholder 2"/>
+          <p:cNvSpPr>
+            <a:spLocks noGrp="1"/>
+          </p:cNvSpPr>
+          <p:nvPr>
+            <p:ph type="body" idx="1"/>
+          </p:nvPr>
+        </p:nvSpPr>
+        <p:spPr/>
+        <p:txBody>
+          <a:bodyPr/>
+          <a:lstStyle/>
+          <a:p>
+            <a:r>
+              <a:rPr lang="en-US" dirty="0" err="1" smtClean="0"/>
+              <a:t>Chúng</a:t>
+            </a:r>
+            <a:r>
+              <a:rPr lang="en-US" baseline="0" dirty="0" smtClean="0"/>
+              <a:t> </a:t>
+            </a:r>
+            <a:r>
+              <a:rPr lang="en-US" baseline="0" dirty="0" err="1" smtClean="0"/>
+              <a:t>tôi</a:t>
+            </a:r>
+            <a:r>
+              <a:rPr lang="en-US" baseline="0" dirty="0" smtClean="0"/>
+              <a:t> </a:t>
+            </a:r>
+            <a:r>
+              <a:rPr lang="en-US" baseline="0" dirty="0" err="1" smtClean="0"/>
+              <a:t>sẽ</a:t>
+            </a:r>
+            <a:r>
+              <a:rPr lang="en-US" baseline="0" dirty="0" smtClean="0"/>
+              <a:t> </a:t>
+            </a:r>
+            <a:r>
+              <a:rPr lang="en-US" baseline="0" dirty="0" err="1" smtClean="0"/>
+              <a:t>bắt</a:t>
+            </a:r>
+            <a:r>
+              <a:rPr lang="en-US" baseline="0" dirty="0" smtClean="0"/>
+              <a:t> </a:t>
+            </a:r>
+            <a:r>
+              <a:rPr lang="en-US" baseline="0" dirty="0" err="1" smtClean="0"/>
+              <a:t>đầu</a:t>
+            </a:r>
+            <a:r>
+              <a:rPr lang="en-US" baseline="0" dirty="0" smtClean="0"/>
+              <a:t> demo 4 </a:t>
+            </a:r>
+            <a:r>
+              <a:rPr lang="en-US" baseline="0" dirty="0" err="1" smtClean="0"/>
+              <a:t>điểm</a:t>
+            </a:r>
+            <a:r>
+              <a:rPr lang="en-US" baseline="0" dirty="0" smtClean="0"/>
+              <a:t> </a:t>
+            </a:r>
+            <a:r>
+              <a:rPr lang="en-US" baseline="0" dirty="0" err="1" smtClean="0"/>
+              <a:t>xe</a:t>
+            </a:r>
+            <a:r>
+              <a:rPr lang="en-US" baseline="0" dirty="0" smtClean="0"/>
+              <a:t> </a:t>
+            </a:r>
+            <a:r>
+              <a:rPr lang="en-US" baseline="0" dirty="0" err="1" smtClean="0"/>
+              <a:t>máy</a:t>
+            </a:r>
+            <a:r>
+              <a:rPr lang="en-US" baseline="0" dirty="0" smtClean="0"/>
+              <a:t> </a:t>
+            </a:r>
+            <a:r>
+              <a:rPr lang="en-US" baseline="0" dirty="0" err="1" smtClean="0"/>
+              <a:t>tối</a:t>
+            </a:r>
+            <a:r>
+              <a:rPr lang="en-US" baseline="0" dirty="0" smtClean="0"/>
+              <a:t> </a:t>
+            </a:r>
+            <a:r>
+              <a:rPr lang="en-US" baseline="0" dirty="0" err="1" smtClean="0"/>
+              <a:t>ưu</a:t>
+            </a:r>
+            <a:r>
+              <a:rPr lang="en-US" baseline="0" dirty="0" smtClean="0"/>
+              <a:t> </a:t>
+            </a:r>
+            <a:r>
+              <a:rPr lang="en-US" baseline="0" dirty="0" err="1" smtClean="0"/>
+              <a:t>với</a:t>
+            </a:r>
+            <a:r>
+              <a:rPr lang="en-US" baseline="0" dirty="0" smtClean="0"/>
+              <a:t> </a:t>
+            </a:r>
+            <a:r>
+              <a:rPr lang="en-US" baseline="0" dirty="0" err="1" smtClean="0"/>
+              <a:t>thứ</a:t>
+            </a:r>
+            <a:r>
+              <a:rPr lang="en-US" baseline="0" dirty="0" smtClean="0"/>
+              <a:t> </a:t>
+            </a:r>
+            <a:r>
+              <a:rPr lang="en-US" baseline="0" dirty="0" err="1" smtClean="0"/>
+              <a:t>tự</a:t>
+            </a:r>
+            <a:r>
+              <a:rPr lang="en-US" baseline="0" dirty="0" smtClean="0"/>
+              <a:t> </a:t>
+            </a:r>
+            <a:r>
+              <a:rPr lang="en-US" baseline="0" dirty="0" err="1" smtClean="0"/>
+              <a:t>các</a:t>
+            </a:r>
+            <a:r>
+              <a:rPr lang="en-US" baseline="0" dirty="0" smtClean="0"/>
+              <a:t> </a:t>
+            </a:r>
+            <a:r>
+              <a:rPr lang="en-US" baseline="0" dirty="0" err="1" smtClean="0"/>
+              <a:t>điểm</a:t>
+            </a:r>
+            <a:r>
+              <a:rPr lang="en-US" baseline="0" dirty="0" smtClean="0"/>
+              <a:t> </a:t>
+            </a:r>
+            <a:r>
+              <a:rPr lang="en-US" baseline="0" dirty="0" err="1" smtClean="0"/>
+              <a:t>như</a:t>
+            </a:r>
+            <a:r>
+              <a:rPr lang="en-US" baseline="0" dirty="0" smtClean="0"/>
+              <a:t> </a:t>
+            </a:r>
+            <a:r>
+              <a:rPr lang="en-US" baseline="0" dirty="0" err="1" smtClean="0"/>
+              <a:t>trình</a:t>
+            </a:r>
+            <a:r>
+              <a:rPr lang="en-US" baseline="0" dirty="0" smtClean="0"/>
+              <a:t> </a:t>
+            </a:r>
+            <a:r>
+              <a:rPr lang="en-US" baseline="0" dirty="0" err="1" smtClean="0"/>
+              <a:t>bày</a:t>
+            </a:r>
+            <a:r>
+              <a:rPr lang="en-US" baseline="0" dirty="0" smtClean="0"/>
+              <a:t>:</a:t>
+            </a:r>
+          </a:p>
+          <a:p>
+            <a:r>
+              <a:rPr lang="en-US" baseline="0" dirty="0" smtClean="0"/>
+              <a:t>(</a:t>
+            </a:r>
+            <a:r>
+              <a:rPr lang="en-US" baseline="0" dirty="0" err="1" smtClean="0"/>
+              <a:t>bật</a:t>
+            </a:r>
+            <a:r>
+              <a:rPr lang="en-US" baseline="0" dirty="0" smtClean="0"/>
+              <a:t> </a:t>
+            </a:r>
+            <a:r>
+              <a:rPr lang="en-US" baseline="0" dirty="0" err="1" smtClean="0"/>
+              <a:t>thiệt</a:t>
+            </a:r>
+            <a:r>
+              <a:rPr lang="en-US" baseline="0" dirty="0" smtClean="0"/>
+              <a:t> </a:t>
+            </a:r>
+            <a:r>
+              <a:rPr lang="en-US" baseline="0" dirty="0" err="1" smtClean="0"/>
+              <a:t>bị</a:t>
+            </a:r>
+            <a:r>
+              <a:rPr lang="en-US" baseline="0" dirty="0" smtClean="0"/>
+              <a:t> demo) </a:t>
+            </a:r>
+            <a:endParaRPr lang="en-US" dirty="0"/>
+          </a:p>
+        </p:txBody>
+      </p:sp>
+      <p:sp>
+        <p:nvSpPr>
+          <p:cNvPr id="4" name="Slide Number Placeholder 3"/>
+          <p:cNvSpPr>
+            <a:spLocks noGrp="1"/>
+          </p:cNvSpPr>
+          <p:nvPr>
+            <p:ph type="sldNum" sz="quarter" idx="10"/>
+          </p:nvPr>
+        </p:nvSpPr>
+        <p:spPr/>
+        <p:txBody>
+          <a:bodyPr/>
+          <a:lstStyle/>
+          <a:p>
+            <a:fld id="{2599C3E7-3278-1243-886F-92FF82204DB1}" type="slidenum">
+              <a:rPr lang="en-US" smtClean="0"/>
+              <a:t>28</a:t>
+            </a:fld>
+            <a:endParaRPr lang="en-US"/>
+          </a:p>
+        </p:txBody>
+      </p:sp>
+    </p:spTree>
+    <p:extLst>
+      <p:ext uri="{BB962C8B-B14F-4D97-AF65-F5344CB8AC3E}">
+        <p14:creationId xmlns:p14="http://schemas.microsoft.com/office/powerpoint/2010/main" val="687714727"/>
       </p:ext>
     </p:extLst>
   </p:cSld>
@@ -1661,54 +3148,30 @@
           <a:lstStyle/>
           <a:p>
             <a:r>
+              <a:rPr lang="vi-VN" dirty="0" smtClean="0"/>
+              <a:t>Khương cũng cần qua nhà bà nội . </a:t>
+            </a:r>
+            <a:r>
               <a:rPr lang="en-US" dirty="0" err="1" smtClean="0"/>
-              <a:t>Nhà</a:t>
+              <a:t>Đ</a:t>
+            </a:r>
+            <a:r>
+              <a:rPr lang="vi-VN" dirty="0" smtClean="0"/>
+              <a:t>ể tặng quà cho</a:t>
+            </a:r>
+            <a:r>
+              <a:rPr lang="vi-VN" baseline="0" dirty="0" smtClean="0"/>
+              <a:t> bà nội. </a:t>
             </a:r>
             <a:r>
               <a:rPr lang="en-US" baseline="0" dirty="0" smtClean="0"/>
-              <a:t> 4 </a:t>
-            </a:r>
-            <a:r>
-              <a:rPr lang="en-US" baseline="0" dirty="0" err="1" smtClean="0"/>
-              <a:t>bạn</a:t>
-            </a:r>
-            <a:r>
-              <a:rPr lang="en-US" baseline="0" dirty="0" smtClean="0"/>
-              <a:t> ở 4 </a:t>
-            </a:r>
-            <a:r>
-              <a:rPr lang="en-US" baseline="0" dirty="0" err="1" smtClean="0"/>
-              <a:t>địa</a:t>
-            </a:r>
-            <a:r>
-              <a:rPr lang="en-US" baseline="0" dirty="0" smtClean="0"/>
-              <a:t> </a:t>
-            </a:r>
-            <a:r>
-              <a:rPr lang="en-US" baseline="0" dirty="0" err="1" smtClean="0"/>
-              <a:t>chỉ</a:t>
-            </a:r>
-            <a:r>
-              <a:rPr lang="en-US" baseline="0" dirty="0" smtClean="0"/>
-              <a:t> </a:t>
-            </a:r>
-            <a:r>
-              <a:rPr lang="en-US" baseline="0" dirty="0" err="1" smtClean="0"/>
-              <a:t>như</a:t>
-            </a:r>
-            <a:r>
-              <a:rPr lang="en-US" baseline="0" dirty="0" smtClean="0"/>
-              <a:t> </a:t>
-            </a:r>
-            <a:r>
-              <a:rPr lang="en-US" baseline="0" dirty="0" err="1" smtClean="0"/>
-              <a:t>sau</a:t>
-            </a:r>
-            <a:r>
-              <a:rPr lang="en-US" baseline="0" dirty="0" smtClean="0"/>
-              <a:t>:</a:t>
-            </a:r>
-            <a:endParaRPr lang="en-US" dirty="0"/>
+              <a:t>B</a:t>
+            </a:r>
+            <a:r>
+              <a:rPr lang="vi-VN" baseline="0" dirty="0" smtClean="0"/>
+              <a:t>à nội của khương sống ở ....</a:t>
+            </a:r>
+            <a:endParaRPr lang="vi-VN" dirty="0" smtClean="0"/>
           </a:p>
         </p:txBody>
       </p:sp>
@@ -1738,7 +3201,7 @@
     </p:spTree>
     <p:extLst>
       <p:ext uri="{BB962C8B-B14F-4D97-AF65-F5344CB8AC3E}">
-        <p14:creationId xmlns:p14="http://schemas.microsoft.com/office/powerpoint/2010/main" val="1692917137"/>
+        <p14:creationId xmlns:p14="http://schemas.microsoft.com/office/powerpoint/2010/main" val="1583775974"/>
       </p:ext>
     </p:extLst>
   </p:cSld>
@@ -1792,9 +3255,26 @@
           <a:bodyPr/>
           <a:lstStyle/>
           <a:p>
+            <a:pPr marL="0" marR="0" indent="0" algn="l" defTabSz="914400" rtl="0" eaLnBrk="1" fontAlgn="auto" latinLnBrk="0" hangingPunct="1">
+              <a:lnSpc>
+                <a:spcPct val="100000"/>
+              </a:lnSpc>
+              <a:spcBef>
+                <a:spcPts val="0"/>
+              </a:spcBef>
+              <a:spcAft>
+                <a:spcPts val="0"/>
+              </a:spcAft>
+              <a:buClrTx/>
+              <a:buSzTx/>
+              <a:buFontTx/>
+              <a:buNone/>
+              <a:tabLst/>
+              <a:defRPr/>
+            </a:pPr>
             <a:r>
               <a:rPr lang="en-US" dirty="0" err="1" smtClean="0"/>
-              <a:t>Thứ</a:t>
+              <a:t>Khuong</a:t>
             </a:r>
             <a:r>
               <a:rPr lang="en-US" dirty="0" smtClean="0"/>
@@ -1802,124 +3282,39 @@
             </a:r>
             <a:r>
               <a:rPr lang="en-US" dirty="0" err="1" smtClean="0"/>
-              <a:t>tự</a:t>
+              <a:t>cung</a:t>
+            </a:r>
+            <a:r>
+              <a:rPr lang="en-US" dirty="0" smtClean="0"/>
+              <a:t> can qua </a:t>
+            </a:r>
+            <a:r>
+              <a:rPr lang="en-US" dirty="0" err="1" smtClean="0"/>
+              <a:t>nha</a:t>
+            </a:r>
+            <a:r>
+              <a:rPr lang="en-US" dirty="0" smtClean="0"/>
+              <a:t> </a:t>
+            </a:r>
+            <a:r>
+              <a:rPr lang="vi-VN" dirty="0" smtClean="0"/>
+              <a:t>me</a:t>
+            </a:r>
+            <a:r>
+              <a:rPr lang="en-US" dirty="0" smtClean="0"/>
+              <a:t> de ban</a:t>
             </a:r>
             <a:r>
               <a:rPr lang="en-US" baseline="0" dirty="0" smtClean="0"/>
               <a:t> </a:t>
             </a:r>
             <a:r>
-              <a:rPr lang="en-US" baseline="0" dirty="0" err="1" smtClean="0"/>
-              <a:t>đi</a:t>
-            </a:r>
-            <a:r>
-              <a:rPr lang="en-US" baseline="0" dirty="0" smtClean="0"/>
-              <a:t> </a:t>
-            </a:r>
-            <a:r>
-              <a:rPr lang="en-US" baseline="0" dirty="0" err="1" smtClean="0"/>
-              <a:t>như</a:t>
-            </a:r>
-            <a:r>
-              <a:rPr lang="en-US" baseline="0" dirty="0" smtClean="0"/>
-              <a:t> </a:t>
-            </a:r>
-            <a:r>
-              <a:rPr lang="en-US" baseline="0" dirty="0" err="1" smtClean="0"/>
-              <a:t>thế</a:t>
-            </a:r>
-            <a:r>
-              <a:rPr lang="en-US" baseline="0" dirty="0" smtClean="0"/>
-              <a:t> </a:t>
-            </a:r>
-            <a:r>
-              <a:rPr lang="en-US" baseline="0" dirty="0" err="1" smtClean="0"/>
-              <a:t>nào</a:t>
-            </a:r>
-            <a:r>
-              <a:rPr lang="en-US" baseline="0" dirty="0" smtClean="0"/>
-              <a:t> </a:t>
-            </a:r>
-            <a:r>
-              <a:rPr lang="en-US" baseline="0" dirty="0" err="1" smtClean="0"/>
-              <a:t>để</a:t>
-            </a:r>
-            <a:r>
-              <a:rPr lang="en-US" baseline="0" dirty="0" smtClean="0"/>
-              <a:t> </a:t>
-            </a:r>
-            <a:r>
-              <a:rPr lang="en-US" baseline="0" dirty="0" err="1" smtClean="0"/>
-              <a:t>đi</a:t>
-            </a:r>
-            <a:r>
-              <a:rPr lang="en-US" baseline="0" dirty="0" smtClean="0"/>
-              <a:t> </a:t>
-            </a:r>
-            <a:r>
-              <a:rPr lang="en-US" baseline="0" dirty="0" err="1" smtClean="0"/>
-              <a:t>đến</a:t>
-            </a:r>
-            <a:r>
-              <a:rPr lang="en-US" baseline="0" dirty="0" smtClean="0"/>
-              <a:t> </a:t>
-            </a:r>
-            <a:r>
-              <a:rPr lang="en-US" baseline="0" dirty="0" err="1" smtClean="0"/>
-              <a:t>nhà</a:t>
-            </a:r>
-            <a:r>
-              <a:rPr lang="en-US" baseline="0" dirty="0" smtClean="0"/>
-              <a:t> 3 </a:t>
-            </a:r>
-            <a:r>
-              <a:rPr lang="en-US" baseline="0" dirty="0" err="1" smtClean="0"/>
-              <a:t>người</a:t>
-            </a:r>
-            <a:r>
-              <a:rPr lang="en-US" baseline="0" dirty="0" smtClean="0"/>
-              <a:t> </a:t>
-            </a:r>
-            <a:r>
-              <a:rPr lang="en-US" baseline="0" dirty="0" err="1" smtClean="0"/>
-              <a:t>với</a:t>
-            </a:r>
-            <a:r>
-              <a:rPr lang="en-US" baseline="0" dirty="0" smtClean="0"/>
-              <a:t> </a:t>
-            </a:r>
-            <a:r>
-              <a:rPr lang="en-US" baseline="0" dirty="0" err="1" smtClean="0"/>
-              <a:t>tuyết</a:t>
-            </a:r>
-            <a:r>
-              <a:rPr lang="en-US" baseline="0" dirty="0" smtClean="0"/>
-              <a:t> </a:t>
-            </a:r>
-            <a:r>
-              <a:rPr lang="en-US" baseline="0" dirty="0" err="1" smtClean="0"/>
-              <a:t>đường</a:t>
-            </a:r>
-            <a:r>
-              <a:rPr lang="en-US" baseline="0" dirty="0" smtClean="0"/>
-              <a:t> </a:t>
-            </a:r>
-            <a:r>
-              <a:rPr lang="en-US" baseline="0" dirty="0" err="1" smtClean="0"/>
-              <a:t>tốt</a:t>
-            </a:r>
-            <a:r>
-              <a:rPr lang="en-US" baseline="0" dirty="0" smtClean="0"/>
-              <a:t> </a:t>
-            </a:r>
-            <a:r>
-              <a:rPr lang="en-US" baseline="0" dirty="0" err="1" smtClean="0"/>
-              <a:t>nhất</a:t>
-            </a:r>
-            <a:r>
-              <a:rPr lang="en-US" baseline="0" dirty="0" smtClean="0"/>
-              <a:t>,</a:t>
-            </a:r>
+              <a:rPr lang="vi-VN" baseline="0" dirty="0" smtClean="0"/>
+              <a:t>việc cưới bạn gái làm vợ </a:t>
+            </a:r>
+            <a:endParaRPr lang="en-US" dirty="0" smtClean="0"/>
+          </a:p>
+          <a:p>
             <a:endParaRPr lang="en-US" dirty="0"/>
           </a:p>
         </p:txBody>
@@ -1950,7 +3345,7 @@
     </p:spTree>
     <p:extLst>
       <p:ext uri="{BB962C8B-B14F-4D97-AF65-F5344CB8AC3E}">
-        <p14:creationId xmlns:p14="http://schemas.microsoft.com/office/powerpoint/2010/main" val="1060484874"/>
+        <p14:creationId xmlns:p14="http://schemas.microsoft.com/office/powerpoint/2010/main" val="1147290490"/>
       </p:ext>
     </p:extLst>
   </p:cSld>
@@ -2004,16 +3399,10 @@
           <a:bodyPr/>
           <a:lstStyle/>
           <a:p>
-            <a:pPr algn="just"/>
-            <a:r>
-              <a:rPr lang="en-US" sz="1200" dirty="0" smtClean="0">
-                <a:latin typeface="Cambria" pitchFamily="18" charset="0"/>
-              </a:rPr>
-              <a:t>The system allow search motorbike route thought some locations (from two to four) on the mobile application and suggest optimal paths.</a:t>
-            </a:r>
-            <a:endParaRPr lang="en-US" sz="1200" dirty="0" smtClean="0"/>
-          </a:p>
-          <a:p>
+            <a:r>
+              <a:rPr lang="vi-VN" dirty="0" smtClean="0"/>
+              <a:t>Khưong ko bik thứ tự đi thế nào đến từng người sớm nhất. Để gặp mọi người sớm nhất có thể. Khương nhớ mọi người lắm.</a:t>
+            </a:r>
             <a:endParaRPr lang="en-US" dirty="0"/>
           </a:p>
         </p:txBody>
@@ -2035,7 +3424,7 @@
           <a:p>
             <a:fld id="{2599C3E7-3278-1243-886F-92FF82204DB1}" type="slidenum">
               <a:rPr lang="en-US" smtClean="0"/>
-              <a:t>7</a:t>
+              <a:t>5</a:t>
             </a:fld>
             <a:endParaRPr lang="en-US"/>
           </a:p>
@@ -2044,7 +3433,7 @@
     </p:spTree>
     <p:extLst>
       <p:ext uri="{BB962C8B-B14F-4D97-AF65-F5344CB8AC3E}">
-        <p14:creationId xmlns:p14="http://schemas.microsoft.com/office/powerpoint/2010/main" val="800715067"/>
+        <p14:creationId xmlns:p14="http://schemas.microsoft.com/office/powerpoint/2010/main" val="885384719"/>
       </p:ext>
     </p:extLst>
   </p:cSld>
@@ -2098,16 +3487,10 @@
           <a:bodyPr/>
           <a:lstStyle/>
           <a:p>
-            <a:pPr algn="just"/>
-            <a:r>
-              <a:rPr lang="en-US" sz="1200" dirty="0" smtClean="0">
-                <a:latin typeface="Cambria" pitchFamily="18" charset="0"/>
-              </a:rPr>
-              <a:t>The system allow search motorbike route thought some locations (from two to four) on the mobile application and suggest optimal paths.</a:t>
-            </a:r>
-            <a:endParaRPr lang="en-US" sz="1200" dirty="0" smtClean="0"/>
-          </a:p>
-          <a:p>
+            <a:r>
+              <a:rPr lang="vi-VN" dirty="0" smtClean="0"/>
+              <a:t>Khương thử sử dụng google map. Google map hỗ trọ tìm kiếm đường đi bằng xe máy.</a:t>
+            </a:r>
             <a:endParaRPr lang="en-US" dirty="0"/>
           </a:p>
         </p:txBody>
@@ -2127,9 +3510,9 @@
           <a:bodyPr/>
           <a:lstStyle/>
           <a:p>
-            <a:fld id="{2599C3E7-3278-1243-886F-92FF82204DB1}" type="slidenum">
+            <a:fld id="{9EA7E8C2-2B62-4C43-9F7E-79EFEE2D3DE5}" type="slidenum">
               <a:rPr lang="en-US" smtClean="0"/>
-              <a:t>8</a:t>
+              <a:t>6</a:t>
             </a:fld>
             <a:endParaRPr lang="en-US"/>
           </a:p>
@@ -2138,7 +3521,7 @@
     </p:spTree>
     <p:extLst>
       <p:ext uri="{BB962C8B-B14F-4D97-AF65-F5344CB8AC3E}">
-        <p14:creationId xmlns:p14="http://schemas.microsoft.com/office/powerpoint/2010/main" val="800715067"/>
+        <p14:creationId xmlns:p14="http://schemas.microsoft.com/office/powerpoint/2010/main" val="1273498122"/>
       </p:ext>
     </p:extLst>
   </p:cSld>
@@ -2192,16 +3575,10 @@
           <a:bodyPr/>
           <a:lstStyle/>
           <a:p>
-            <a:pPr algn="just"/>
-            <a:r>
-              <a:rPr lang="en-US" sz="1200" dirty="0" smtClean="0">
-                <a:latin typeface="Cambria" pitchFamily="18" charset="0"/>
-              </a:rPr>
-              <a:t>The system allow search motorbike route thought some locations (from two to four) on the mobile application and suggest optimal paths.</a:t>
-            </a:r>
-            <a:endParaRPr lang="en-US" sz="1200" dirty="0" smtClean="0"/>
-          </a:p>
-          <a:p>
+            <a:r>
+              <a:rPr lang="vi-VN" dirty="0" smtClean="0"/>
+              <a:t>Tuy nhiên, lại ko hỗ trợ việc tìm kiếm nhiều hơn hai điểm.</a:t>
+            </a:r>
             <a:endParaRPr lang="en-US" dirty="0"/>
           </a:p>
         </p:txBody>
@@ -2221,9 +3598,9 @@
           <a:bodyPr/>
           <a:lstStyle/>
           <a:p>
-            <a:fld id="{2599C3E7-3278-1243-886F-92FF82204DB1}" type="slidenum">
+            <a:fld id="{9EA7E8C2-2B62-4C43-9F7E-79EFEE2D3DE5}" type="slidenum">
               <a:rPr lang="en-US" smtClean="0"/>
-              <a:t>9</a:t>
+              <a:t>7</a:t>
             </a:fld>
             <a:endParaRPr lang="en-US"/>
           </a:p>
@@ -2232,7 +3609,7 @@
     </p:spTree>
     <p:extLst>
       <p:ext uri="{BB962C8B-B14F-4D97-AF65-F5344CB8AC3E}">
-        <p14:creationId xmlns:p14="http://schemas.microsoft.com/office/powerpoint/2010/main" val="800715067"/>
+        <p14:creationId xmlns:p14="http://schemas.microsoft.com/office/powerpoint/2010/main" val="370131856"/>
       </p:ext>
     </p:extLst>
   </p:cSld>
@@ -2286,1265 +3663,21 @@
           <a:bodyPr/>
           <a:lstStyle/>
           <a:p>
-            <a:r>
-              <a:rPr lang="en-US" baseline="0" dirty="0" err="1" smtClean="0"/>
-              <a:t>Tôi</a:t>
-            </a:r>
-            <a:r>
-              <a:rPr lang="en-US" baseline="0" dirty="0" smtClean="0"/>
+            <a:pPr algn="just"/>
+            <a:r>
+              <a:rPr lang="vi-VN" dirty="0" smtClean="0"/>
+              <a:t>Để giúp Khương, nhóm chúng tôi đã phát triện một ứng dụng tìm kiếm đường đi = xe máy.</a:t>
+            </a:r>
+            <a:r>
+              <a:rPr lang="vi-VN" baseline="0" dirty="0" smtClean="0"/>
               <a:t> </a:t>
-            </a:r>
-            <a:r>
-              <a:rPr lang="en-US" baseline="0" dirty="0" err="1" smtClean="0"/>
-              <a:t>xin</a:t>
-            </a:r>
-            <a:r>
-              <a:rPr lang="en-US" baseline="0" dirty="0" smtClean="0"/>
-              <a:t> </a:t>
-            </a:r>
-            <a:r>
-              <a:rPr lang="en-US" baseline="0" dirty="0" err="1" smtClean="0"/>
-              <a:t>trình</a:t>
-            </a:r>
-            <a:r>
-              <a:rPr lang="en-US" baseline="0" dirty="0" smtClean="0"/>
-              <a:t> </a:t>
-            </a:r>
-            <a:r>
-              <a:rPr lang="en-US" baseline="0" dirty="0" err="1" smtClean="0"/>
-              <a:t>bày</a:t>
-            </a:r>
-            <a:r>
-              <a:rPr lang="en-US" baseline="0" dirty="0" smtClean="0"/>
-              <a:t> </a:t>
-            </a:r>
-            <a:r>
-              <a:rPr lang="en-US" baseline="0" dirty="0" err="1" smtClean="0"/>
-              <a:t>về</a:t>
-            </a:r>
-            <a:r>
-              <a:rPr lang="en-US" baseline="0" dirty="0" smtClean="0"/>
-              <a:t> </a:t>
-            </a:r>
-            <a:r>
-              <a:rPr lang="en-US" baseline="0" dirty="0" err="1" smtClean="0"/>
-              <a:t>kiến</a:t>
-            </a:r>
-            <a:r>
-              <a:rPr lang="en-US" baseline="0" dirty="0" smtClean="0"/>
-              <a:t> </a:t>
-            </a:r>
-            <a:r>
-              <a:rPr lang="en-US" baseline="0" dirty="0" err="1" smtClean="0"/>
-              <a:t>trúc</a:t>
-            </a:r>
-            <a:r>
-              <a:rPr lang="en-US" baseline="0" dirty="0" smtClean="0"/>
-              <a:t>….</a:t>
-            </a:r>
-            <a:r>
-              <a:rPr lang="en-US" baseline="0" dirty="0" err="1" smtClean="0"/>
-              <a:t>và</a:t>
-            </a:r>
-            <a:r>
-              <a:rPr lang="en-US" baseline="0" dirty="0" smtClean="0"/>
-              <a:t> </a:t>
-            </a:r>
-            <a:r>
-              <a:rPr lang="en-US" baseline="0" dirty="0" err="1" smtClean="0"/>
-              <a:t>thứ</a:t>
-            </a:r>
-            <a:r>
-              <a:rPr lang="en-US" baseline="0" dirty="0" smtClean="0"/>
-              <a:t> </a:t>
-            </a:r>
-            <a:r>
-              <a:rPr lang="en-US" baseline="0" dirty="0" err="1" smtClean="0"/>
-              <a:t>tự</a:t>
-            </a:r>
-            <a:r>
-              <a:rPr lang="en-US" baseline="0" dirty="0" smtClean="0"/>
-              <a:t> </a:t>
-            </a:r>
-            <a:r>
-              <a:rPr lang="en-US" baseline="0" dirty="0" err="1" smtClean="0"/>
-              <a:t>hệ</a:t>
-            </a:r>
-            <a:r>
-              <a:rPr lang="en-US" baseline="0" dirty="0" smtClean="0"/>
-              <a:t> </a:t>
-            </a:r>
-            <a:r>
-              <a:rPr lang="en-US" baseline="0" dirty="0" err="1" smtClean="0"/>
-              <a:t>thống</a:t>
-            </a:r>
-            <a:r>
-              <a:rPr lang="en-US" baseline="0" dirty="0" smtClean="0"/>
-              <a:t> </a:t>
-            </a:r>
-            <a:r>
-              <a:rPr lang="en-US" baseline="0" dirty="0" err="1" smtClean="0"/>
-              <a:t>hoạt</a:t>
-            </a:r>
-            <a:r>
-              <a:rPr lang="en-US" baseline="0" dirty="0" smtClean="0"/>
-              <a:t> </a:t>
-            </a:r>
-            <a:r>
-              <a:rPr lang="en-US" baseline="0" dirty="0" err="1" smtClean="0"/>
-              <a:t>động</a:t>
-            </a:r>
-            <a:r>
-              <a:rPr lang="en-US" baseline="0" dirty="0" smtClean="0"/>
-              <a:t>.</a:t>
             </a:r>
           </a:p>
           <a:p>
-            <a:r>
-              <a:rPr lang="en-US" baseline="0" dirty="0" err="1" smtClean="0"/>
-              <a:t>Thứ</a:t>
-            </a:r>
-            <a:r>
-              <a:rPr lang="en-US" baseline="0" dirty="0" smtClean="0"/>
-              <a:t> </a:t>
-            </a:r>
-            <a:r>
-              <a:rPr lang="en-US" baseline="0" dirty="0" err="1" smtClean="0"/>
-              <a:t>nhất</a:t>
-            </a:r>
-            <a:r>
-              <a:rPr lang="en-US" baseline="0" dirty="0" smtClean="0"/>
-              <a:t> </a:t>
-            </a:r>
-            <a:r>
-              <a:rPr lang="en-US" baseline="0" dirty="0" err="1" smtClean="0"/>
-              <a:t>chúng</a:t>
-            </a:r>
-            <a:r>
-              <a:rPr lang="en-US" baseline="0" dirty="0" smtClean="0"/>
-              <a:t> ta </a:t>
-            </a:r>
-            <a:r>
-              <a:rPr lang="en-US" baseline="0" dirty="0" err="1" smtClean="0"/>
-              <a:t>có</a:t>
-            </a:r>
-            <a:r>
-              <a:rPr lang="en-US" baseline="0" dirty="0" smtClean="0"/>
-              <a:t>  </a:t>
-            </a:r>
-            <a:r>
-              <a:rPr lang="en-US" baseline="0" dirty="0" err="1" smtClean="0"/>
-              <a:t>thể</a:t>
-            </a:r>
-            <a:r>
-              <a:rPr lang="en-US" baseline="0" dirty="0" smtClean="0"/>
-              <a:t> search </a:t>
-            </a:r>
-            <a:r>
-              <a:rPr lang="en-US" baseline="0" dirty="0" err="1" smtClean="0"/>
-              <a:t>đường</a:t>
-            </a:r>
-            <a:r>
-              <a:rPr lang="en-US" baseline="0" dirty="0" smtClean="0"/>
-              <a:t> </a:t>
-            </a:r>
-            <a:r>
-              <a:rPr lang="en-US" baseline="0" dirty="0" err="1" smtClean="0"/>
-              <a:t>đi</a:t>
-            </a:r>
-            <a:r>
-              <a:rPr lang="en-US" baseline="0" dirty="0" smtClean="0"/>
-              <a:t> </a:t>
-            </a:r>
-            <a:r>
-              <a:rPr lang="en-US" baseline="0" dirty="0" err="1" smtClean="0"/>
-              <a:t>bằng</a:t>
-            </a:r>
-            <a:r>
-              <a:rPr lang="en-US" baseline="0" dirty="0" smtClean="0"/>
-              <a:t> </a:t>
-            </a:r>
-            <a:r>
-              <a:rPr lang="en-US" baseline="0" dirty="0" err="1" smtClean="0"/>
-              <a:t>giọng</a:t>
-            </a:r>
-            <a:r>
-              <a:rPr lang="en-US" baseline="0" dirty="0" smtClean="0"/>
-              <a:t> </a:t>
-            </a:r>
-            <a:r>
-              <a:rPr lang="en-US" baseline="0" dirty="0" err="1" smtClean="0"/>
-              <a:t>nói</a:t>
-            </a:r>
-            <a:r>
-              <a:rPr lang="en-US" baseline="0" dirty="0" smtClean="0"/>
-              <a:t> </a:t>
-            </a:r>
-            <a:r>
-              <a:rPr lang="en-US" baseline="0" dirty="0" err="1" smtClean="0"/>
-              <a:t>hoặc</a:t>
-            </a:r>
-            <a:r>
-              <a:rPr lang="en-US" baseline="0" dirty="0" smtClean="0"/>
-              <a:t> </a:t>
-            </a:r>
-            <a:r>
-              <a:rPr lang="en-US" baseline="0" dirty="0" err="1" smtClean="0"/>
-              <a:t>là</a:t>
-            </a:r>
-            <a:r>
-              <a:rPr lang="en-US" baseline="0" dirty="0" smtClean="0"/>
-              <a:t> </a:t>
-            </a:r>
-            <a:r>
-              <a:rPr lang="en-US" baseline="0" dirty="0" err="1" smtClean="0"/>
-              <a:t>bằng</a:t>
-            </a:r>
-            <a:r>
-              <a:rPr lang="en-US" baseline="0" dirty="0" smtClean="0"/>
-              <a:t> text.</a:t>
-            </a:r>
-          </a:p>
-          <a:p>
-            <a:r>
-              <a:rPr lang="en-US" baseline="0" dirty="0" err="1" smtClean="0"/>
-              <a:t>Nếu</a:t>
-            </a:r>
-            <a:r>
-              <a:rPr lang="en-US" baseline="0" dirty="0" smtClean="0"/>
-              <a:t> </a:t>
-            </a:r>
-            <a:r>
-              <a:rPr lang="en-US" baseline="0" dirty="0" err="1" smtClean="0"/>
-              <a:t>bằng</a:t>
-            </a:r>
-            <a:r>
-              <a:rPr lang="en-US" baseline="0" dirty="0" smtClean="0"/>
-              <a:t> </a:t>
-            </a:r>
-            <a:r>
-              <a:rPr lang="en-US" baseline="0" dirty="0" err="1" smtClean="0"/>
-              <a:t>giọng</a:t>
-            </a:r>
-            <a:r>
-              <a:rPr lang="en-US" baseline="0" dirty="0" smtClean="0"/>
-              <a:t> </a:t>
-            </a:r>
-            <a:r>
-              <a:rPr lang="en-US" baseline="0" dirty="0" err="1" smtClean="0"/>
-              <a:t>nói</a:t>
-            </a:r>
-            <a:r>
-              <a:rPr lang="en-US" baseline="0" dirty="0" smtClean="0"/>
-              <a:t> </a:t>
-            </a:r>
-            <a:r>
-              <a:rPr lang="en-US" baseline="0" dirty="0" err="1" smtClean="0"/>
-              <a:t>thì</a:t>
-            </a:r>
-            <a:r>
-              <a:rPr lang="en-US" baseline="0" dirty="0" smtClean="0"/>
-              <a:t> </a:t>
-            </a:r>
-            <a:r>
-              <a:rPr lang="en-US" baseline="0" dirty="0" err="1" smtClean="0"/>
-              <a:t>sẽ</a:t>
-            </a:r>
-            <a:r>
-              <a:rPr lang="en-US" baseline="0" dirty="0" smtClean="0"/>
-              <a:t> </a:t>
-            </a:r>
-            <a:r>
-              <a:rPr lang="en-US" baseline="0" dirty="0" err="1" smtClean="0"/>
-              <a:t>gửi</a:t>
-            </a:r>
-            <a:r>
-              <a:rPr lang="en-US" baseline="0" dirty="0" smtClean="0"/>
-              <a:t> </a:t>
-            </a:r>
-            <a:r>
-              <a:rPr lang="en-US" baseline="0" dirty="0" err="1" smtClean="0"/>
-              <a:t>lên</a:t>
-            </a:r>
-            <a:r>
-              <a:rPr lang="en-US" baseline="0" dirty="0" smtClean="0"/>
-              <a:t> </a:t>
-            </a:r>
-            <a:r>
-              <a:rPr lang="en-US" baseline="0" dirty="0" err="1" smtClean="0"/>
-              <a:t>google</a:t>
-            </a:r>
-            <a:r>
-              <a:rPr lang="en-US" baseline="0" dirty="0" smtClean="0"/>
-              <a:t> API </a:t>
-            </a:r>
-            <a:r>
-              <a:rPr lang="en-US" baseline="0" dirty="0" err="1" smtClean="0"/>
-              <a:t>và</a:t>
-            </a:r>
-            <a:r>
-              <a:rPr lang="en-US" baseline="0" dirty="0" smtClean="0"/>
-              <a:t> </a:t>
-            </a:r>
-            <a:r>
-              <a:rPr lang="en-US" baseline="0" dirty="0" err="1" smtClean="0"/>
-              <a:t>trả</a:t>
-            </a:r>
-            <a:r>
-              <a:rPr lang="en-US" baseline="0" dirty="0" smtClean="0"/>
-              <a:t> </a:t>
-            </a:r>
-            <a:r>
-              <a:rPr lang="en-US" baseline="0" dirty="0" err="1" smtClean="0"/>
-              <a:t>về</a:t>
-            </a:r>
-            <a:r>
-              <a:rPr lang="en-US" baseline="0" dirty="0" smtClean="0"/>
-              <a:t>  </a:t>
-            </a:r>
-            <a:r>
-              <a:rPr lang="en-US" baseline="0" dirty="0" err="1" smtClean="0"/>
-              <a:t>địa</a:t>
-            </a:r>
-            <a:r>
-              <a:rPr lang="en-US" baseline="0" dirty="0" smtClean="0"/>
-              <a:t> </a:t>
-            </a:r>
-            <a:r>
-              <a:rPr lang="en-US" baseline="0" dirty="0" err="1" smtClean="0"/>
-              <a:t>chỉ</a:t>
-            </a:r>
-            <a:r>
-              <a:rPr lang="en-US" baseline="0" dirty="0" smtClean="0"/>
-              <a:t> </a:t>
-            </a:r>
-            <a:r>
-              <a:rPr lang="en-US" baseline="0" dirty="0" err="1" smtClean="0"/>
-              <a:t>dạng</a:t>
-            </a:r>
-            <a:r>
-              <a:rPr lang="en-US" baseline="0" dirty="0" smtClean="0"/>
-              <a:t> text.</a:t>
-            </a:r>
-          </a:p>
-          <a:p>
-            <a:r>
-              <a:rPr lang="en-US" baseline="0" dirty="0" err="1" smtClean="0"/>
-              <a:t>Tiếp</a:t>
-            </a:r>
-            <a:r>
-              <a:rPr lang="en-US" baseline="0" dirty="0" smtClean="0"/>
-              <a:t> </a:t>
-            </a:r>
-            <a:r>
-              <a:rPr lang="en-US" baseline="0" dirty="0" err="1" smtClean="0"/>
-              <a:t>tục</a:t>
-            </a:r>
-            <a:r>
-              <a:rPr lang="en-US" baseline="0" dirty="0" smtClean="0"/>
-              <a:t> </a:t>
-            </a:r>
-            <a:r>
-              <a:rPr lang="en-US" baseline="0" dirty="0" err="1" smtClean="0"/>
-              <a:t>hệ</a:t>
-            </a:r>
-            <a:r>
-              <a:rPr lang="en-US" baseline="0" dirty="0" smtClean="0"/>
-              <a:t> </a:t>
-            </a:r>
-            <a:r>
-              <a:rPr lang="en-US" baseline="0" dirty="0" err="1" smtClean="0"/>
-              <a:t>thống</a:t>
-            </a:r>
-            <a:r>
-              <a:rPr lang="en-US" baseline="0" dirty="0" smtClean="0"/>
-              <a:t> </a:t>
-            </a:r>
-            <a:r>
-              <a:rPr lang="en-US" baseline="0" dirty="0" err="1" smtClean="0"/>
-              <a:t>sẽ</a:t>
-            </a:r>
-            <a:r>
-              <a:rPr lang="en-US" baseline="0" dirty="0" smtClean="0"/>
-              <a:t> </a:t>
-            </a:r>
-            <a:r>
-              <a:rPr lang="en-US" baseline="0" dirty="0" err="1" smtClean="0"/>
-              <a:t>gửi</a:t>
-            </a:r>
-            <a:r>
-              <a:rPr lang="en-US" baseline="0" dirty="0" smtClean="0"/>
-              <a:t> request </a:t>
-            </a:r>
-            <a:r>
-              <a:rPr lang="en-US" baseline="0" dirty="0" err="1" smtClean="0"/>
-              <a:t>lên</a:t>
-            </a:r>
-            <a:r>
-              <a:rPr lang="en-US" baseline="0" dirty="0" smtClean="0"/>
-              <a:t> bus service do </a:t>
-            </a:r>
-            <a:r>
-              <a:rPr lang="en-US" baseline="0" dirty="0" err="1" smtClean="0"/>
-              <a:t>chúng</a:t>
-            </a:r>
-            <a:r>
-              <a:rPr lang="en-US" baseline="0" dirty="0" smtClean="0"/>
-              <a:t> </a:t>
-            </a:r>
-            <a:r>
-              <a:rPr lang="en-US" baseline="0" dirty="0" err="1" smtClean="0"/>
-              <a:t>tôi</a:t>
-            </a:r>
-            <a:r>
-              <a:rPr lang="en-US" baseline="0" dirty="0" smtClean="0"/>
-              <a:t> </a:t>
-            </a:r>
-            <a:r>
-              <a:rPr lang="en-US" baseline="0" dirty="0" err="1" smtClean="0"/>
-              <a:t>hiện</a:t>
-            </a:r>
-            <a:r>
-              <a:rPr lang="en-US" baseline="0" dirty="0" smtClean="0"/>
-              <a:t> </a:t>
-            </a:r>
-            <a:r>
-              <a:rPr lang="en-US" baseline="0" dirty="0" err="1" smtClean="0"/>
-              <a:t>thực</a:t>
-            </a:r>
-            <a:r>
-              <a:rPr lang="en-US" baseline="0" dirty="0" smtClean="0"/>
-              <a:t> </a:t>
-            </a:r>
-            <a:r>
-              <a:rPr lang="en-US" baseline="0" dirty="0" err="1" smtClean="0"/>
-              <a:t>sẽ</a:t>
-            </a:r>
-            <a:r>
-              <a:rPr lang="en-US" baseline="0" dirty="0" smtClean="0"/>
-              <a:t> </a:t>
-            </a:r>
-            <a:r>
-              <a:rPr lang="en-US" baseline="0" dirty="0" err="1" smtClean="0"/>
-              <a:t>trả</a:t>
-            </a:r>
-            <a:r>
-              <a:rPr lang="en-US" baseline="0" dirty="0" smtClean="0"/>
-              <a:t> </a:t>
-            </a:r>
-            <a:r>
-              <a:rPr lang="en-US" baseline="0" dirty="0" err="1" smtClean="0"/>
-              <a:t>về</a:t>
-            </a:r>
-            <a:r>
-              <a:rPr lang="en-US" baseline="0" dirty="0" smtClean="0"/>
-              <a:t> list </a:t>
-            </a:r>
-            <a:r>
-              <a:rPr lang="en-US" baseline="0" dirty="0" err="1" smtClean="0"/>
-              <a:t>của</a:t>
-            </a:r>
-            <a:r>
-              <a:rPr lang="en-US" baseline="0" dirty="0" smtClean="0"/>
-              <a:t> </a:t>
-            </a:r>
-            <a:r>
-              <a:rPr lang="en-US" baseline="0" dirty="0" err="1" smtClean="0"/>
-              <a:t>các</a:t>
-            </a:r>
-            <a:r>
-              <a:rPr lang="en-US" baseline="0" dirty="0" smtClean="0"/>
-              <a:t> result.</a:t>
-            </a:r>
-          </a:p>
-          <a:p>
-            <a:r>
-              <a:rPr lang="en-US" baseline="0" dirty="0" err="1" smtClean="0"/>
-              <a:t>Tiếp</a:t>
-            </a:r>
-            <a:r>
-              <a:rPr lang="en-US" baseline="0" dirty="0" smtClean="0"/>
-              <a:t> </a:t>
-            </a:r>
-            <a:r>
-              <a:rPr lang="en-US" baseline="0" dirty="0" err="1" smtClean="0"/>
-              <a:t>tục</a:t>
-            </a:r>
-            <a:r>
-              <a:rPr lang="en-US" baseline="0" dirty="0" smtClean="0"/>
-              <a:t> </a:t>
-            </a:r>
-            <a:r>
-              <a:rPr lang="en-US" baseline="0" dirty="0" err="1" smtClean="0"/>
-              <a:t>hệ</a:t>
-            </a:r>
-            <a:r>
-              <a:rPr lang="en-US" baseline="0" dirty="0" smtClean="0"/>
-              <a:t> </a:t>
-            </a:r>
-            <a:r>
-              <a:rPr lang="en-US" baseline="0" dirty="0" err="1" smtClean="0"/>
-              <a:t>thống</a:t>
-            </a:r>
-            <a:r>
-              <a:rPr lang="en-US" baseline="0" dirty="0" smtClean="0"/>
-              <a:t> </a:t>
-            </a:r>
-            <a:r>
-              <a:rPr lang="en-US" baseline="0" dirty="0" err="1" smtClean="0"/>
-              <a:t>sẽ</a:t>
-            </a:r>
-            <a:r>
-              <a:rPr lang="en-US" baseline="0" dirty="0" smtClean="0"/>
-              <a:t> </a:t>
-            </a:r>
-            <a:r>
-              <a:rPr lang="en-US" baseline="0" dirty="0" err="1" smtClean="0"/>
-              <a:t>gửi</a:t>
-            </a:r>
-            <a:r>
-              <a:rPr lang="en-US" baseline="0" dirty="0" smtClean="0"/>
-              <a:t> </a:t>
-            </a:r>
-            <a:r>
-              <a:rPr lang="en-US" baseline="0" dirty="0" err="1" smtClean="0"/>
-              <a:t>requesst</a:t>
-            </a:r>
-            <a:r>
-              <a:rPr lang="en-US" baseline="0" dirty="0" smtClean="0"/>
-              <a:t> </a:t>
-            </a:r>
-            <a:r>
-              <a:rPr lang="en-US" baseline="0" dirty="0" err="1" smtClean="0"/>
-              <a:t>lên</a:t>
-            </a:r>
-            <a:r>
-              <a:rPr lang="en-US" baseline="0" dirty="0" smtClean="0"/>
-              <a:t> FPT service </a:t>
-            </a:r>
-            <a:r>
-              <a:rPr lang="en-US" baseline="0" dirty="0" err="1" smtClean="0"/>
-              <a:t>để</a:t>
-            </a:r>
-            <a:r>
-              <a:rPr lang="en-US" baseline="0" dirty="0" smtClean="0"/>
-              <a:t> </a:t>
-            </a:r>
-            <a:r>
-              <a:rPr lang="en-US" baseline="0" dirty="0" err="1" smtClean="0"/>
-              <a:t>lấy</a:t>
-            </a:r>
-            <a:r>
-              <a:rPr lang="en-US" baseline="0" dirty="0" smtClean="0"/>
-              <a:t> </a:t>
-            </a:r>
-            <a:r>
-              <a:rPr lang="en-US" baseline="0" dirty="0" err="1" smtClean="0"/>
-              <a:t>các</a:t>
-            </a:r>
-            <a:r>
-              <a:rPr lang="en-US" baseline="0" dirty="0" smtClean="0"/>
-              <a:t> file </a:t>
-            </a:r>
-            <a:r>
-              <a:rPr lang="en-US" baseline="0" dirty="0" err="1" smtClean="0"/>
-              <a:t>hướng</a:t>
-            </a:r>
-            <a:r>
-              <a:rPr lang="en-US" baseline="0" dirty="0" smtClean="0"/>
-              <a:t> </a:t>
-            </a:r>
-            <a:r>
-              <a:rPr lang="en-US" baseline="0" dirty="0" err="1" smtClean="0"/>
-              <a:t>dẫn</a:t>
-            </a:r>
-            <a:r>
-              <a:rPr lang="en-US" baseline="0" dirty="0" smtClean="0"/>
-              <a:t> </a:t>
-            </a:r>
-            <a:r>
-              <a:rPr lang="en-US" baseline="0" dirty="0" err="1" smtClean="0"/>
-              <a:t>đường</a:t>
-            </a:r>
-            <a:r>
-              <a:rPr lang="en-US" baseline="0" dirty="0" smtClean="0"/>
-              <a:t> ở </a:t>
-            </a:r>
-            <a:r>
-              <a:rPr lang="en-US" baseline="0" dirty="0" err="1" smtClean="0"/>
-              <a:t>dạng</a:t>
-            </a:r>
-            <a:r>
-              <a:rPr lang="en-US" baseline="0" dirty="0" smtClean="0"/>
-              <a:t> audio. </a:t>
-            </a:r>
-          </a:p>
-          <a:p>
-            <a:r>
-              <a:rPr lang="en-US" baseline="0" dirty="0" err="1" smtClean="0"/>
-              <a:t>Tiếp</a:t>
-            </a:r>
-            <a:r>
-              <a:rPr lang="en-US" baseline="0" dirty="0" smtClean="0"/>
-              <a:t> </a:t>
-            </a:r>
-            <a:r>
-              <a:rPr lang="en-US" baseline="0" dirty="0" err="1" smtClean="0"/>
-              <a:t>tục</a:t>
-            </a:r>
-            <a:r>
-              <a:rPr lang="en-US" baseline="0" dirty="0" smtClean="0"/>
-              <a:t> </a:t>
-            </a:r>
-            <a:r>
-              <a:rPr lang="en-US" baseline="0" dirty="0" err="1" smtClean="0"/>
-              <a:t>hệ</a:t>
-            </a:r>
-            <a:r>
-              <a:rPr lang="en-US" baseline="0" dirty="0" smtClean="0"/>
-              <a:t> </a:t>
-            </a:r>
-            <a:r>
-              <a:rPr lang="en-US" baseline="0" dirty="0" err="1" smtClean="0"/>
-              <a:t>thống</a:t>
-            </a:r>
-            <a:r>
-              <a:rPr lang="en-US" baseline="0" dirty="0" smtClean="0"/>
-              <a:t> </a:t>
-            </a:r>
-            <a:r>
-              <a:rPr lang="en-US" baseline="0" dirty="0" err="1" smtClean="0"/>
-              <a:t>sẽ</a:t>
-            </a:r>
-            <a:r>
-              <a:rPr lang="en-US" baseline="0" dirty="0" smtClean="0"/>
-              <a:t> </a:t>
-            </a:r>
-            <a:r>
-              <a:rPr lang="en-US" baseline="0" dirty="0" err="1" smtClean="0"/>
-              <a:t>treaminze</a:t>
-            </a:r>
-            <a:r>
-              <a:rPr lang="en-US" baseline="0" dirty="0" smtClean="0"/>
-              <a:t> </a:t>
-            </a:r>
-            <a:r>
-              <a:rPr lang="en-US" baseline="0" dirty="0" err="1" smtClean="0"/>
-              <a:t>dữ</a:t>
-            </a:r>
-            <a:r>
-              <a:rPr lang="en-US" baseline="0" dirty="0" smtClean="0"/>
-              <a:t> </a:t>
-            </a:r>
-            <a:r>
-              <a:rPr lang="en-US" baseline="0" dirty="0" err="1" smtClean="0"/>
-              <a:t>liệu</a:t>
-            </a:r>
-            <a:r>
-              <a:rPr lang="en-US" baseline="0" dirty="0" smtClean="0"/>
-              <a:t> qua </a:t>
-            </a:r>
-            <a:r>
-              <a:rPr lang="en-US" baseline="0" dirty="0" err="1" smtClean="0"/>
-              <a:t>lại</a:t>
-            </a:r>
-            <a:r>
-              <a:rPr lang="en-US" baseline="0" dirty="0" smtClean="0"/>
-              <a:t> </a:t>
-            </a:r>
-            <a:r>
-              <a:rPr lang="en-US" baseline="0" dirty="0" err="1" smtClean="0"/>
-              <a:t>giữa</a:t>
-            </a:r>
-            <a:r>
-              <a:rPr lang="en-US" baseline="0" dirty="0" smtClean="0"/>
-              <a:t> wear </a:t>
-            </a:r>
-            <a:r>
-              <a:rPr lang="en-US" baseline="0" dirty="0" err="1" smtClean="0"/>
-              <a:t>và</a:t>
-            </a:r>
-            <a:r>
-              <a:rPr lang="en-US" baseline="0" dirty="0" smtClean="0"/>
-              <a:t> mobile</a:t>
-            </a:r>
-          </a:p>
-          <a:p>
-            <a:r>
-              <a:rPr lang="en-US" baseline="0" dirty="0" err="1" smtClean="0"/>
-              <a:t>Người</a:t>
-            </a:r>
-            <a:r>
-              <a:rPr lang="en-US" baseline="0" dirty="0" smtClean="0"/>
-              <a:t> </a:t>
-            </a:r>
-            <a:r>
-              <a:rPr lang="en-US" baseline="0" dirty="0" err="1" smtClean="0"/>
-              <a:t>sử</a:t>
-            </a:r>
-            <a:r>
-              <a:rPr lang="en-US" baseline="0" dirty="0" smtClean="0"/>
-              <a:t> </a:t>
-            </a:r>
-            <a:r>
-              <a:rPr lang="en-US" baseline="0" dirty="0" err="1" smtClean="0"/>
-              <a:t>dụng</a:t>
-            </a:r>
-            <a:r>
-              <a:rPr lang="en-US" baseline="0" dirty="0" smtClean="0"/>
-              <a:t> </a:t>
-            </a:r>
-            <a:r>
-              <a:rPr lang="en-US" baseline="0" dirty="0" err="1" smtClean="0"/>
-              <a:t>có</a:t>
-            </a:r>
-            <a:r>
-              <a:rPr lang="en-US" baseline="0" dirty="0" smtClean="0"/>
-              <a:t> </a:t>
-            </a:r>
-            <a:r>
-              <a:rPr lang="en-US" baseline="0" dirty="0" err="1" smtClean="0"/>
-              <a:t>thể</a:t>
-            </a:r>
-            <a:r>
-              <a:rPr lang="en-US" baseline="0" dirty="0" smtClean="0"/>
-              <a:t> </a:t>
-            </a:r>
-            <a:r>
-              <a:rPr lang="en-US" baseline="0" dirty="0" err="1" smtClean="0"/>
-              <a:t>sử</a:t>
-            </a:r>
-            <a:r>
-              <a:rPr lang="en-US" baseline="0" dirty="0" smtClean="0"/>
-              <a:t> </a:t>
-            </a:r>
-            <a:r>
-              <a:rPr lang="en-US" baseline="0" dirty="0" err="1" smtClean="0"/>
-              <a:t>dụng</a:t>
-            </a:r>
-            <a:r>
-              <a:rPr lang="en-US" baseline="0" dirty="0" smtClean="0"/>
-              <a:t> </a:t>
-            </a:r>
-            <a:r>
-              <a:rPr lang="en-US" baseline="0" dirty="0" err="1" smtClean="0"/>
-              <a:t>chức</a:t>
-            </a:r>
-            <a:r>
-              <a:rPr lang="en-US" baseline="0" dirty="0" smtClean="0"/>
-              <a:t> </a:t>
-            </a:r>
-            <a:r>
-              <a:rPr lang="en-US" baseline="0" dirty="0" err="1" smtClean="0"/>
-              <a:t>năng</a:t>
-            </a:r>
-            <a:r>
-              <a:rPr lang="en-US" baseline="0" dirty="0" smtClean="0"/>
-              <a:t> </a:t>
-            </a:r>
-            <a:r>
-              <a:rPr lang="en-US" baseline="0" dirty="0" err="1" smtClean="0"/>
-              <a:t>giọng</a:t>
-            </a:r>
-            <a:r>
-              <a:rPr lang="en-US" baseline="0" dirty="0" smtClean="0"/>
-              <a:t> </a:t>
-            </a:r>
-            <a:r>
-              <a:rPr lang="en-US" baseline="0" dirty="0" err="1" smtClean="0"/>
-              <a:t>nói</a:t>
-            </a:r>
-            <a:r>
-              <a:rPr lang="en-US" baseline="0" dirty="0" smtClean="0"/>
-              <a:t> </a:t>
-            </a:r>
-            <a:r>
-              <a:rPr lang="en-US" baseline="0" dirty="0" err="1" smtClean="0"/>
-              <a:t>gửi</a:t>
-            </a:r>
-            <a:r>
-              <a:rPr lang="en-US" baseline="0" dirty="0" smtClean="0"/>
-              <a:t> </a:t>
-            </a:r>
-            <a:r>
-              <a:rPr lang="en-US" baseline="0" dirty="0" err="1" smtClean="0"/>
-              <a:t>lên</a:t>
-            </a:r>
-            <a:r>
-              <a:rPr lang="en-US" baseline="0" dirty="0" smtClean="0"/>
-              <a:t> </a:t>
-            </a:r>
-            <a:r>
-              <a:rPr lang="en-US" baseline="0" dirty="0" err="1" smtClean="0"/>
-              <a:t>google</a:t>
-            </a:r>
-            <a:r>
-              <a:rPr lang="en-US" baseline="0" dirty="0" smtClean="0"/>
-              <a:t> API </a:t>
-            </a:r>
-            <a:r>
-              <a:rPr lang="en-US" baseline="0" dirty="0" err="1" smtClean="0"/>
-              <a:t>trả</a:t>
-            </a:r>
-            <a:r>
-              <a:rPr lang="en-US" baseline="0" dirty="0" smtClean="0"/>
-              <a:t> </a:t>
-            </a:r>
-            <a:r>
-              <a:rPr lang="en-US" baseline="0" dirty="0" err="1" smtClean="0"/>
-              <a:t>về</a:t>
-            </a:r>
-            <a:r>
-              <a:rPr lang="en-US" baseline="0" dirty="0" smtClean="0"/>
-              <a:t> text </a:t>
-            </a:r>
-            <a:r>
-              <a:rPr lang="en-US" baseline="0" dirty="0" err="1" smtClean="0"/>
-              <a:t>hoặc</a:t>
-            </a:r>
-            <a:r>
-              <a:rPr lang="en-US" baseline="0" dirty="0" smtClean="0"/>
-              <a:t> </a:t>
-            </a:r>
-            <a:r>
-              <a:rPr lang="en-US" baseline="0" dirty="0" err="1" smtClean="0"/>
-              <a:t>là</a:t>
-            </a:r>
-            <a:r>
-              <a:rPr lang="en-US" baseline="0" dirty="0" smtClean="0"/>
-              <a:t> search </a:t>
-            </a:r>
-            <a:r>
-              <a:rPr lang="en-US" baseline="0" dirty="0" err="1" smtClean="0"/>
-              <a:t>bằng</a:t>
-            </a:r>
-            <a:r>
-              <a:rPr lang="en-US" baseline="0" dirty="0" smtClean="0"/>
-              <a:t> text.</a:t>
-            </a:r>
-          </a:p>
-          <a:p>
-            <a:r>
-              <a:rPr lang="en-US" baseline="0" dirty="0" err="1" smtClean="0"/>
-              <a:t>Sau</a:t>
-            </a:r>
-            <a:r>
-              <a:rPr lang="en-US" baseline="0" dirty="0" smtClean="0"/>
-              <a:t> </a:t>
-            </a:r>
-            <a:r>
-              <a:rPr lang="en-US" baseline="0" dirty="0" err="1" smtClean="0"/>
-              <a:t>đó</a:t>
-            </a:r>
-            <a:r>
-              <a:rPr lang="en-US" baseline="0" dirty="0" smtClean="0"/>
-              <a:t> </a:t>
-            </a:r>
-            <a:r>
-              <a:rPr lang="en-US" baseline="0" dirty="0" err="1" smtClean="0"/>
-              <a:t>gửi</a:t>
-            </a:r>
-            <a:r>
-              <a:rPr lang="en-US" baseline="0" dirty="0" smtClean="0"/>
-              <a:t>   </a:t>
-            </a:r>
-            <a:endParaRPr lang="en-US" dirty="0" smtClean="0"/>
-          </a:p>
-          <a:p>
-            <a:endParaRPr lang="en-US" dirty="0" smtClean="0"/>
-          </a:p>
-          <a:p>
-            <a:r>
-              <a:rPr lang="en-US" dirty="0" err="1" smtClean="0"/>
-              <a:t>Tương</a:t>
-            </a:r>
-            <a:r>
-              <a:rPr lang="en-US" baseline="0" dirty="0" smtClean="0"/>
-              <a:t> </a:t>
-            </a:r>
-            <a:r>
-              <a:rPr lang="en-US" baseline="0" dirty="0" err="1" smtClean="0"/>
-              <a:t>tự</a:t>
-            </a:r>
-            <a:r>
-              <a:rPr lang="en-US" baseline="0" dirty="0" smtClean="0"/>
-              <a:t> </a:t>
-            </a:r>
-            <a:r>
-              <a:rPr lang="en-US" baseline="0" dirty="0" err="1" smtClean="0"/>
-              <a:t>như</a:t>
-            </a:r>
-            <a:r>
-              <a:rPr lang="en-US" baseline="0" dirty="0" smtClean="0"/>
-              <a:t> </a:t>
-            </a:r>
-            <a:r>
-              <a:rPr lang="en-US" baseline="0" dirty="0" err="1" smtClean="0"/>
-              <a:t>xe</a:t>
-            </a:r>
-            <a:r>
-              <a:rPr lang="en-US" baseline="0" dirty="0" smtClean="0"/>
-              <a:t> bus..</a:t>
-            </a:r>
-            <a:r>
-              <a:rPr lang="en-US" baseline="0" dirty="0" err="1" smtClean="0"/>
-              <a:t>chúng</a:t>
-            </a:r>
-            <a:r>
-              <a:rPr lang="en-US" baseline="0" dirty="0" smtClean="0"/>
-              <a:t> ta </a:t>
-            </a:r>
-            <a:r>
-              <a:rPr lang="en-US" baseline="0" dirty="0" err="1" smtClean="0"/>
-              <a:t>cũng</a:t>
-            </a:r>
-            <a:r>
-              <a:rPr lang="en-US" baseline="0" dirty="0" smtClean="0"/>
-              <a:t> </a:t>
-            </a:r>
-            <a:r>
-              <a:rPr lang="en-US" baseline="0" dirty="0" err="1" smtClean="0"/>
-              <a:t>có</a:t>
-            </a:r>
-            <a:r>
-              <a:rPr lang="en-US" baseline="0" dirty="0" smtClean="0"/>
-              <a:t> </a:t>
-            </a:r>
-            <a:r>
-              <a:rPr lang="en-US" baseline="0" dirty="0" err="1" smtClean="0"/>
-              <a:t>thể</a:t>
-            </a:r>
-            <a:r>
-              <a:rPr lang="en-US" baseline="0" dirty="0" smtClean="0"/>
-              <a:t> search </a:t>
-            </a:r>
-            <a:r>
-              <a:rPr lang="en-US" baseline="0" dirty="0" err="1" smtClean="0"/>
-              <a:t>theo</a:t>
-            </a:r>
-            <a:r>
-              <a:rPr lang="en-US" baseline="0" dirty="0" smtClean="0"/>
-              <a:t> 2 </a:t>
-            </a:r>
-            <a:r>
-              <a:rPr lang="en-US" baseline="0" dirty="0" err="1" smtClean="0"/>
-              <a:t>cách</a:t>
-            </a:r>
-            <a:r>
-              <a:rPr lang="en-US" baseline="0" dirty="0" smtClean="0"/>
-              <a:t> </a:t>
-            </a:r>
-            <a:r>
-              <a:rPr lang="en-US" baseline="0" dirty="0" err="1" smtClean="0"/>
-              <a:t>là</a:t>
-            </a:r>
-            <a:r>
-              <a:rPr lang="en-US" baseline="0" dirty="0" smtClean="0"/>
-              <a:t> </a:t>
-            </a:r>
-            <a:r>
-              <a:rPr lang="en-US" baseline="0" dirty="0" err="1" smtClean="0"/>
-              <a:t>giọng</a:t>
-            </a:r>
-            <a:r>
-              <a:rPr lang="en-US" baseline="0" dirty="0" smtClean="0"/>
-              <a:t> </a:t>
-            </a:r>
-            <a:r>
-              <a:rPr lang="en-US" baseline="0" dirty="0" err="1" smtClean="0"/>
-              <a:t>nói</a:t>
-            </a:r>
-            <a:r>
-              <a:rPr lang="en-US" baseline="0" dirty="0" smtClean="0"/>
-              <a:t> </a:t>
-            </a:r>
-            <a:r>
-              <a:rPr lang="en-US" baseline="0" dirty="0" err="1" smtClean="0"/>
-              <a:t>và</a:t>
-            </a:r>
-            <a:r>
-              <a:rPr lang="en-US" baseline="0" dirty="0" smtClean="0"/>
-              <a:t> text. </a:t>
-            </a:r>
-            <a:r>
-              <a:rPr lang="en-US" baseline="0" dirty="0" err="1" smtClean="0"/>
-              <a:t>Để</a:t>
-            </a:r>
-            <a:r>
-              <a:rPr lang="en-US" baseline="0" dirty="0" smtClean="0"/>
-              <a:t> </a:t>
-            </a:r>
-            <a:r>
-              <a:rPr lang="en-US" baseline="0" dirty="0" err="1" smtClean="0"/>
-              <a:t>tìm</a:t>
-            </a:r>
-            <a:r>
-              <a:rPr lang="en-US" baseline="0" dirty="0" smtClean="0"/>
-              <a:t> </a:t>
-            </a:r>
-            <a:r>
-              <a:rPr lang="en-US" baseline="0" dirty="0" err="1" smtClean="0"/>
-              <a:t>kiếm</a:t>
-            </a:r>
-            <a:r>
-              <a:rPr lang="en-US" baseline="0" dirty="0" smtClean="0"/>
-              <a:t> </a:t>
-            </a:r>
-            <a:r>
-              <a:rPr lang="en-US" baseline="0" dirty="0" err="1" smtClean="0"/>
-              <a:t>dường</a:t>
-            </a:r>
-            <a:r>
-              <a:rPr lang="en-US" baseline="0" dirty="0" smtClean="0"/>
-              <a:t> </a:t>
-            </a:r>
-            <a:r>
-              <a:rPr lang="en-US" baseline="0" dirty="0" err="1" smtClean="0"/>
-              <a:t>đi</a:t>
-            </a:r>
-            <a:r>
-              <a:rPr lang="en-US" baseline="0" dirty="0" smtClean="0"/>
-              <a:t>. </a:t>
-            </a:r>
-            <a:r>
-              <a:rPr lang="en-US" baseline="0" dirty="0" err="1" smtClean="0"/>
-              <a:t>Nó</a:t>
-            </a:r>
-            <a:r>
-              <a:rPr lang="en-US" baseline="0" dirty="0" smtClean="0"/>
-              <a:t> </a:t>
-            </a:r>
-            <a:r>
-              <a:rPr lang="en-US" baseline="0" dirty="0" err="1" smtClean="0"/>
-              <a:t>sẽ</a:t>
-            </a:r>
-            <a:r>
-              <a:rPr lang="en-US" baseline="0" dirty="0" smtClean="0"/>
-              <a:t> </a:t>
-            </a:r>
-            <a:r>
-              <a:rPr lang="en-US" baseline="0" dirty="0" err="1" smtClean="0"/>
-              <a:t>gửi</a:t>
-            </a:r>
-            <a:r>
-              <a:rPr lang="en-US" baseline="0" dirty="0" smtClean="0"/>
-              <a:t> request </a:t>
-            </a:r>
-            <a:r>
-              <a:rPr lang="en-US" baseline="0" dirty="0" err="1" smtClean="0"/>
-              <a:t>lên</a:t>
-            </a:r>
-            <a:r>
-              <a:rPr lang="en-US" baseline="0" dirty="0" smtClean="0"/>
-              <a:t> </a:t>
-            </a:r>
-            <a:r>
-              <a:rPr lang="en-US" baseline="0" dirty="0" err="1" smtClean="0"/>
-              <a:t>google</a:t>
-            </a:r>
-            <a:r>
-              <a:rPr lang="en-US" baseline="0" dirty="0" smtClean="0"/>
-              <a:t> API. </a:t>
-            </a:r>
-            <a:r>
-              <a:rPr lang="en-US" baseline="0" dirty="0" err="1" smtClean="0"/>
-              <a:t>Chúng</a:t>
-            </a:r>
-            <a:r>
-              <a:rPr lang="en-US" baseline="0" dirty="0" smtClean="0"/>
-              <a:t> ta </a:t>
-            </a:r>
-            <a:r>
-              <a:rPr lang="en-US" baseline="0" dirty="0" err="1" smtClean="0"/>
-              <a:t>dùng</a:t>
-            </a:r>
-            <a:r>
-              <a:rPr lang="en-US" baseline="0" dirty="0" smtClean="0"/>
-              <a:t> </a:t>
-            </a:r>
-            <a:r>
-              <a:rPr lang="en-US" baseline="0" dirty="0" err="1" smtClean="0"/>
-              <a:t>Json</a:t>
-            </a:r>
-            <a:r>
-              <a:rPr lang="en-US" baseline="0" dirty="0" smtClean="0"/>
-              <a:t> </a:t>
-            </a:r>
-            <a:r>
-              <a:rPr lang="en-US" baseline="0" dirty="0" err="1" smtClean="0"/>
-              <a:t>đẻ</a:t>
-            </a:r>
-            <a:r>
-              <a:rPr lang="en-US" baseline="0" dirty="0" smtClean="0"/>
-              <a:t> </a:t>
-            </a:r>
-            <a:r>
-              <a:rPr lang="en-US" baseline="0" dirty="0" err="1" smtClean="0"/>
-              <a:t>sử</a:t>
-            </a:r>
-            <a:r>
-              <a:rPr lang="en-US" baseline="0" dirty="0" smtClean="0"/>
-              <a:t> </a:t>
-            </a:r>
-            <a:r>
-              <a:rPr lang="en-US" baseline="0" dirty="0" err="1" smtClean="0"/>
-              <a:t>lý</a:t>
-            </a:r>
-            <a:r>
-              <a:rPr lang="en-US" baseline="0" dirty="0" smtClean="0"/>
-              <a:t> </a:t>
-            </a:r>
-            <a:r>
-              <a:rPr lang="en-US" baseline="0" dirty="0" err="1" smtClean="0"/>
-              <a:t>kết</a:t>
-            </a:r>
-            <a:r>
-              <a:rPr lang="en-US" baseline="0" dirty="0" smtClean="0"/>
-              <a:t> </a:t>
-            </a:r>
-            <a:r>
-              <a:rPr lang="en-US" baseline="0" dirty="0" err="1" smtClean="0"/>
-              <a:t>quả</a:t>
-            </a:r>
-            <a:r>
-              <a:rPr lang="en-US" baseline="0" dirty="0" smtClean="0"/>
-              <a:t> </a:t>
-            </a:r>
-            <a:r>
-              <a:rPr lang="en-US" baseline="0" dirty="0" err="1" smtClean="0"/>
-              <a:t>trả</a:t>
-            </a:r>
-            <a:r>
-              <a:rPr lang="en-US" baseline="0" dirty="0" smtClean="0"/>
-              <a:t> </a:t>
-            </a:r>
-            <a:r>
-              <a:rPr lang="en-US" baseline="0" dirty="0" err="1" smtClean="0"/>
-              <a:t>về</a:t>
-            </a:r>
-            <a:r>
-              <a:rPr lang="en-US" baseline="0" dirty="0" smtClean="0"/>
-              <a:t>. </a:t>
-            </a:r>
-            <a:r>
-              <a:rPr lang="en-US" baseline="0" dirty="0" err="1" smtClean="0"/>
-              <a:t>Cuối</a:t>
-            </a:r>
-            <a:r>
-              <a:rPr lang="en-US" baseline="0" dirty="0" smtClean="0"/>
-              <a:t> </a:t>
-            </a:r>
-            <a:r>
-              <a:rPr lang="en-US" baseline="0" dirty="0" err="1" smtClean="0"/>
-              <a:t>cùng</a:t>
-            </a:r>
-            <a:r>
-              <a:rPr lang="en-US" baseline="0" dirty="0" smtClean="0"/>
-              <a:t> </a:t>
-            </a:r>
-            <a:r>
-              <a:rPr lang="en-US" baseline="0" dirty="0" err="1" smtClean="0"/>
-              <a:t>là</a:t>
-            </a:r>
-            <a:r>
-              <a:rPr lang="en-US" baseline="0" dirty="0" smtClean="0"/>
-              <a:t> </a:t>
-            </a:r>
-            <a:r>
-              <a:rPr lang="en-US" baseline="0" dirty="0" err="1" smtClean="0"/>
-              <a:t>synchonize</a:t>
-            </a:r>
-            <a:r>
-              <a:rPr lang="en-US" baseline="0" dirty="0" smtClean="0"/>
-              <a:t> </a:t>
-            </a:r>
-            <a:r>
-              <a:rPr lang="en-US" baseline="0" dirty="0" err="1" smtClean="0"/>
-              <a:t>dữ</a:t>
-            </a:r>
-            <a:r>
-              <a:rPr lang="en-US" baseline="0" dirty="0" smtClean="0"/>
-              <a:t> </a:t>
-            </a:r>
-            <a:r>
-              <a:rPr lang="en-US" baseline="0" dirty="0" err="1" smtClean="0"/>
-              <a:t>liệu</a:t>
-            </a:r>
-            <a:r>
-              <a:rPr lang="en-US" baseline="0" dirty="0" smtClean="0"/>
-              <a:t> </a:t>
-            </a:r>
-            <a:r>
-              <a:rPr lang="en-US" baseline="0" dirty="0" err="1" smtClean="0"/>
-              <a:t>với</a:t>
-            </a:r>
-            <a:r>
-              <a:rPr lang="en-US" baseline="0" dirty="0" smtClean="0"/>
-              <a:t> wear </a:t>
-            </a:r>
-            <a:r>
-              <a:rPr lang="en-US" baseline="0" dirty="0" err="1" smtClean="0"/>
-              <a:t>trong</a:t>
-            </a:r>
-            <a:r>
-              <a:rPr lang="en-US" baseline="0" dirty="0" smtClean="0"/>
-              <a:t> </a:t>
-            </a:r>
-            <a:r>
-              <a:rPr lang="en-US" baseline="0" dirty="0" err="1" smtClean="0"/>
-              <a:t>suốt</a:t>
-            </a:r>
-            <a:r>
-              <a:rPr lang="en-US" baseline="0" dirty="0" smtClean="0"/>
-              <a:t> </a:t>
-            </a:r>
-            <a:r>
-              <a:rPr lang="en-US" baseline="0" dirty="0" err="1" smtClean="0"/>
-              <a:t>quá</a:t>
-            </a:r>
-            <a:r>
-              <a:rPr lang="en-US" baseline="0" dirty="0" smtClean="0"/>
-              <a:t> </a:t>
-            </a:r>
-            <a:r>
-              <a:rPr lang="en-US" baseline="0" dirty="0" err="1" smtClean="0"/>
-              <a:t>trính</a:t>
-            </a:r>
-            <a:r>
-              <a:rPr lang="en-US" baseline="0" dirty="0" smtClean="0"/>
-              <a:t> </a:t>
-            </a:r>
-            <a:r>
-              <a:rPr lang="en-US" baseline="0" dirty="0" err="1" smtClean="0"/>
-              <a:t>tham</a:t>
-            </a:r>
-            <a:r>
-              <a:rPr lang="en-US" baseline="0" dirty="0" smtClean="0"/>
-              <a:t> </a:t>
-            </a:r>
-            <a:r>
-              <a:rPr lang="en-US" baseline="0" dirty="0" err="1" smtClean="0"/>
-              <a:t>gia</a:t>
-            </a:r>
-            <a:r>
-              <a:rPr lang="en-US" baseline="0" dirty="0" smtClean="0"/>
-              <a:t> </a:t>
-            </a:r>
-            <a:r>
-              <a:rPr lang="en-US" baseline="0" dirty="0" err="1" smtClean="0"/>
-              <a:t>giao</a:t>
-            </a:r>
-            <a:r>
-              <a:rPr lang="en-US" baseline="0" dirty="0" smtClean="0"/>
-              <a:t> </a:t>
-            </a:r>
-            <a:r>
-              <a:rPr lang="en-US" baseline="0" dirty="0" err="1" smtClean="0"/>
-              <a:t>thông</a:t>
-            </a:r>
-            <a:r>
-              <a:rPr lang="en-US" baseline="0" dirty="0" smtClean="0"/>
-              <a:t>.</a:t>
+            <a:pPr algn="just"/>
+            <a:r>
+              <a:rPr lang="vi-VN" dirty="0" smtClean="0"/>
+              <a:t>Hỗ trợ 2 điểm.</a:t>
             </a:r>
             <a:endParaRPr lang="en-US" dirty="0"/>
           </a:p>
@@ -3567,7 +3700,7 @@
           <a:p>
             <a:fld id="{2599C3E7-3278-1243-886F-92FF82204DB1}" type="slidenum">
               <a:rPr lang="en-US" smtClean="0"/>
-              <a:t>10</a:t>
+              <a:t>8</a:t>
             </a:fld>
             <a:endParaRPr lang="en-US"/>
           </a:p>
@@ -3576,7 +3709,7 @@
     </p:spTree>
     <p:extLst>
       <p:ext uri="{BB962C8B-B14F-4D97-AF65-F5344CB8AC3E}">
-        <p14:creationId xmlns:p14="http://schemas.microsoft.com/office/powerpoint/2010/main" val="1402480612"/>
+        <p14:creationId xmlns:p14="http://schemas.microsoft.com/office/powerpoint/2010/main" val="1416404869"/>
       </p:ext>
     </p:extLst>
   </p:cSld>
@@ -3630,253 +3763,12 @@
           <a:bodyPr/>
           <a:lstStyle/>
           <a:p>
-            <a:r>
-              <a:rPr lang="en-US" dirty="0" err="1" smtClean="0"/>
-              <a:t>Thuật</a:t>
-            </a:r>
-            <a:r>
-              <a:rPr lang="en-US" dirty="0" smtClean="0"/>
-              <a:t> </a:t>
-            </a:r>
-            <a:r>
-              <a:rPr lang="en-US" dirty="0" err="1" smtClean="0"/>
-              <a:t>toán</a:t>
-            </a:r>
-            <a:r>
-              <a:rPr lang="en-US" baseline="0" dirty="0" smtClean="0"/>
-              <a:t> </a:t>
-            </a:r>
-            <a:r>
-              <a:rPr lang="en-US" baseline="0" dirty="0" err="1" smtClean="0"/>
-              <a:t>sẽ</a:t>
-            </a:r>
-            <a:r>
-              <a:rPr lang="en-US" baseline="0" dirty="0" smtClean="0"/>
-              <a:t> </a:t>
-            </a:r>
-            <a:r>
-              <a:rPr lang="en-US" baseline="0" dirty="0" err="1" smtClean="0"/>
-              <a:t>liệt</a:t>
-            </a:r>
-            <a:r>
-              <a:rPr lang="en-US" baseline="0" dirty="0" smtClean="0"/>
-              <a:t> </a:t>
-            </a:r>
-            <a:r>
-              <a:rPr lang="en-US" baseline="0" dirty="0" err="1" smtClean="0"/>
-              <a:t>kê</a:t>
-            </a:r>
-            <a:r>
-              <a:rPr lang="en-US" baseline="0" dirty="0" smtClean="0"/>
-              <a:t> </a:t>
-            </a:r>
-            <a:r>
-              <a:rPr lang="en-US" baseline="0" dirty="0" err="1" smtClean="0"/>
-              <a:t>hết</a:t>
-            </a:r>
-            <a:r>
-              <a:rPr lang="en-US" baseline="0" dirty="0" smtClean="0"/>
-              <a:t> </a:t>
-            </a:r>
-            <a:r>
-              <a:rPr lang="en-US" baseline="0" dirty="0" err="1" smtClean="0"/>
-              <a:t>tất</a:t>
-            </a:r>
-            <a:r>
-              <a:rPr lang="en-US" baseline="0" dirty="0" smtClean="0"/>
-              <a:t> </a:t>
-            </a:r>
-            <a:r>
-              <a:rPr lang="en-US" baseline="0" dirty="0" err="1" smtClean="0"/>
-              <a:t>cả</a:t>
-            </a:r>
-            <a:r>
-              <a:rPr lang="en-US" baseline="0" dirty="0" smtClean="0"/>
-              <a:t> </a:t>
-            </a:r>
-            <a:r>
-              <a:rPr lang="en-US" baseline="0" dirty="0" err="1" smtClean="0"/>
-              <a:t>các</a:t>
-            </a:r>
-            <a:r>
-              <a:rPr lang="en-US" baseline="0" dirty="0" smtClean="0"/>
-              <a:t> </a:t>
-            </a:r>
-            <a:r>
-              <a:rPr lang="en-US" baseline="0" dirty="0" err="1" smtClean="0"/>
-              <a:t>trường</a:t>
-            </a:r>
-            <a:r>
-              <a:rPr lang="en-US" baseline="0" dirty="0" smtClean="0"/>
-              <a:t> </a:t>
-            </a:r>
-            <a:r>
-              <a:rPr lang="en-US" baseline="0" dirty="0" err="1" smtClean="0"/>
-              <a:t>hợp</a:t>
-            </a:r>
-            <a:r>
-              <a:rPr lang="en-US" baseline="0" dirty="0" smtClean="0"/>
-              <a:t> </a:t>
-            </a:r>
-            <a:r>
-              <a:rPr lang="en-US" baseline="0" dirty="0" err="1" smtClean="0"/>
-              <a:t>có</a:t>
-            </a:r>
-            <a:r>
-              <a:rPr lang="en-US" baseline="0" dirty="0" smtClean="0"/>
-              <a:t> </a:t>
-            </a:r>
-            <a:r>
-              <a:rPr lang="en-US" baseline="0" dirty="0" err="1" smtClean="0"/>
-              <a:t>thể</a:t>
-            </a:r>
-            <a:r>
-              <a:rPr lang="en-US" baseline="0" dirty="0" smtClean="0"/>
-              <a:t> </a:t>
-            </a:r>
-            <a:r>
-              <a:rPr lang="en-US" baseline="0" dirty="0" err="1" smtClean="0"/>
-              <a:t>gửi</a:t>
-            </a:r>
-            <a:r>
-              <a:rPr lang="en-US" baseline="0" dirty="0" smtClean="0"/>
-              <a:t> </a:t>
-            </a:r>
-            <a:r>
-              <a:rPr lang="en-US" baseline="0" dirty="0" err="1" smtClean="0"/>
-              <a:t>lên</a:t>
-            </a:r>
-            <a:r>
-              <a:rPr lang="en-US" baseline="0" dirty="0" smtClean="0"/>
-              <a:t> </a:t>
-            </a:r>
-            <a:r>
-              <a:rPr lang="en-US" baseline="0" dirty="0" err="1" smtClean="0"/>
-              <a:t>google</a:t>
-            </a:r>
-            <a:r>
-              <a:rPr lang="en-US" baseline="0" dirty="0" smtClean="0"/>
-              <a:t> API…</a:t>
-            </a:r>
-            <a:r>
-              <a:rPr lang="en-US" baseline="0" dirty="0" err="1" smtClean="0"/>
-              <a:t>sau</a:t>
-            </a:r>
-            <a:r>
-              <a:rPr lang="en-US" baseline="0" dirty="0" smtClean="0"/>
-              <a:t> </a:t>
-            </a:r>
-            <a:r>
-              <a:rPr lang="en-US" baseline="0" dirty="0" err="1" smtClean="0"/>
-              <a:t>đó</a:t>
-            </a:r>
-            <a:r>
-              <a:rPr lang="en-US" baseline="0" dirty="0" smtClean="0"/>
-              <a:t> </a:t>
-            </a:r>
-            <a:r>
-              <a:rPr lang="en-US" baseline="0" dirty="0" err="1" smtClean="0"/>
-              <a:t>xử</a:t>
-            </a:r>
-            <a:r>
-              <a:rPr lang="en-US" baseline="0" dirty="0" smtClean="0"/>
-              <a:t> </a:t>
-            </a:r>
-            <a:r>
-              <a:rPr lang="en-US" baseline="0" dirty="0" err="1" smtClean="0"/>
-              <a:t>lý</a:t>
-            </a:r>
-            <a:r>
-              <a:rPr lang="en-US" baseline="0" dirty="0" smtClean="0"/>
-              <a:t> </a:t>
-            </a:r>
-            <a:r>
-              <a:rPr lang="en-US" baseline="0" dirty="0" err="1" smtClean="0"/>
-              <a:t>nhưng</a:t>
-            </a:r>
-            <a:r>
-              <a:rPr lang="en-US" baseline="0" dirty="0" smtClean="0"/>
-              <a:t> </a:t>
-            </a:r>
-            <a:r>
-              <a:rPr lang="en-US" baseline="0" dirty="0" err="1" smtClean="0"/>
-              <a:t>kết</a:t>
-            </a:r>
-            <a:r>
-              <a:rPr lang="en-US" baseline="0" dirty="0" smtClean="0"/>
-              <a:t> </a:t>
-            </a:r>
-            <a:r>
-              <a:rPr lang="en-US" baseline="0" dirty="0" err="1" smtClean="0"/>
-              <a:t>quả</a:t>
-            </a:r>
-            <a:r>
-              <a:rPr lang="en-US" baseline="0" dirty="0" smtClean="0"/>
-              <a:t> </a:t>
-            </a:r>
-            <a:r>
-              <a:rPr lang="en-US" baseline="0" dirty="0" err="1" smtClean="0"/>
-              <a:t>đó</a:t>
-            </a:r>
-            <a:r>
-              <a:rPr lang="en-US" baseline="0" dirty="0" smtClean="0"/>
-              <a:t> </a:t>
-            </a:r>
-            <a:r>
-              <a:rPr lang="en-US" baseline="0" dirty="0" err="1" smtClean="0"/>
-              <a:t>để</a:t>
-            </a:r>
-            <a:r>
-              <a:rPr lang="en-US" baseline="0" dirty="0" smtClean="0"/>
-              <a:t> </a:t>
-            </a:r>
-            <a:r>
-              <a:rPr lang="en-US" baseline="0" dirty="0" err="1" smtClean="0"/>
-              <a:t>chọn</a:t>
-            </a:r>
-            <a:r>
-              <a:rPr lang="en-US" baseline="0" dirty="0" smtClean="0"/>
-              <a:t> </a:t>
-            </a:r>
-            <a:r>
-              <a:rPr lang="en-US" baseline="0" dirty="0" err="1" smtClean="0"/>
-              <a:t>ra</a:t>
-            </a:r>
-            <a:r>
-              <a:rPr lang="en-US" baseline="0" dirty="0" smtClean="0"/>
-              <a:t> </a:t>
-            </a:r>
-            <a:r>
-              <a:rPr lang="en-US" baseline="0" dirty="0" err="1" smtClean="0"/>
-              <a:t>đường</a:t>
-            </a:r>
-            <a:r>
-              <a:rPr lang="en-US" baseline="0" dirty="0" smtClean="0"/>
-              <a:t> </a:t>
-            </a:r>
-            <a:r>
-              <a:rPr lang="en-US" baseline="0" dirty="0" err="1" smtClean="0"/>
-              <a:t>đi</a:t>
-            </a:r>
-            <a:r>
-              <a:rPr lang="en-US" baseline="0" dirty="0" smtClean="0"/>
-              <a:t> </a:t>
-            </a:r>
-            <a:r>
-              <a:rPr lang="en-US" baseline="0" dirty="0" err="1" smtClean="0"/>
-              <a:t>tốt</a:t>
-            </a:r>
-            <a:r>
-              <a:rPr lang="en-US" baseline="0" dirty="0" smtClean="0"/>
-              <a:t> </a:t>
-            </a:r>
-            <a:r>
-              <a:rPr lang="en-US" baseline="0" dirty="0" err="1" smtClean="0"/>
-              <a:t>nhất</a:t>
-            </a:r>
-            <a:r>
-              <a:rPr lang="en-US" baseline="0" dirty="0" smtClean="0"/>
-              <a:t>.</a:t>
+            <a:pPr algn="just"/>
+            <a:r>
+              <a:rPr lang="vi-VN" sz="1200" dirty="0" smtClean="0">
+                <a:latin typeface="Cambria" pitchFamily="18" charset="0"/>
+              </a:rPr>
+              <a:t>Đồng thời nhiêu hơn 2 điểm.</a:t>
             </a:r>
             <a:endParaRPr lang="en-US" dirty="0"/>
           </a:p>
@@ -3899,7 +3791,7 @@
           <a:p>
             <a:fld id="{2599C3E7-3278-1243-886F-92FF82204DB1}" type="slidenum">
               <a:rPr lang="en-US" smtClean="0"/>
-              <a:t>11</a:t>
+              <a:t>9</a:t>
             </a:fld>
             <a:endParaRPr lang="en-US"/>
           </a:p>
@@ -3908,7 +3800,7 @@
     </p:spTree>
     <p:extLst>
       <p:ext uri="{BB962C8B-B14F-4D97-AF65-F5344CB8AC3E}">
-        <p14:creationId xmlns:p14="http://schemas.microsoft.com/office/powerpoint/2010/main" val="3301532269"/>
+        <p14:creationId xmlns:p14="http://schemas.microsoft.com/office/powerpoint/2010/main" val="1252994720"/>
       </p:ext>
     </p:extLst>
   </p:cSld>
@@ -4203,7 +4095,7 @@
     </p:spTree>
     <p:extLst>
       <p:ext uri="{BB962C8B-B14F-4D97-AF65-F5344CB8AC3E}">
-        <p14:creationId xmlns:p14="http://schemas.microsoft.com/office/powerpoint/2010/main" val="913166733"/>
+        <p14:creationId xmlns:p14="http://schemas.microsoft.com/office/powerpoint/2010/main" val="1363049853"/>
       </p:ext>
     </p:extLst>
   </p:cSld>
@@ -4627,7 +4519,7 @@
   </p:cSld>
   <p:clrMap bg1="lt1" tx1="dk1" bg2="dk2" tx2="lt2" accent1="accent1" accent2="accent2" accent3="accent3" accent4="accent4" accent5="accent5" accent6="accent6" hlink="hlink" folHlink="folHlink"/>
   <p:sldLayoutIdLst>
-    <p:sldLayoutId id="2147483662" r:id="rId1"/>
+    <p:sldLayoutId id="2147483661" r:id="rId1"/>
   </p:sldLayoutIdLst>
   <p:hf hdr="0" ftr="0" dt="0"/>
   <p:txStyles>
@@ -5353,7 +5245,7 @@
     </p:spTree>
     <p:extLst>
       <p:ext uri="{BB962C8B-B14F-4D97-AF65-F5344CB8AC3E}">
-        <p14:creationId xmlns:p14="http://schemas.microsoft.com/office/powerpoint/2010/main" val="2489597665"/>
+        <p14:creationId xmlns:p14="http://schemas.microsoft.com/office/powerpoint/2010/main" val="1570816822"/>
       </p:ext>
     </p:extLst>
   </p:cSld>
@@ -5389,6 +5281,29 @@
       </p:grpSpPr>
       <p:sp>
         <p:nvSpPr>
+          <p:cNvPr id="2" name="Title 1"/>
+          <p:cNvSpPr>
+            <a:spLocks noGrp="1"/>
+          </p:cNvSpPr>
+          <p:nvPr>
+            <p:ph type="title"/>
+          </p:nvPr>
+        </p:nvSpPr>
+        <p:spPr/>
+        <p:txBody>
+          <a:bodyPr/>
+          <a:lstStyle/>
+          <a:p>
+            <a:r>
+              <a:rPr lang="en-US" dirty="0" smtClean="0"/>
+              <a:t>Solution</a:t>
+            </a:r>
+            <a:endParaRPr lang="en-US" dirty="0"/>
+          </a:p>
+        </p:txBody>
+      </p:sp>
+      <p:sp>
+        <p:nvSpPr>
           <p:cNvPr id="4" name="Slide Number Placeholder 3"/>
           <p:cNvSpPr>
             <a:spLocks noGrp="1"/>
@@ -5411,6 +5326,458 @@
           </a:p>
         </p:txBody>
       </p:sp>
+      <p:pic>
+        <p:nvPicPr>
+          <p:cNvPr id="7" name="Picture 6"/>
+          <p:cNvPicPr>
+            <a:picLocks noChangeAspect="1"/>
+          </p:cNvPicPr>
+          <p:nvPr/>
+        </p:nvPicPr>
+        <p:blipFill>
+          <a:blip r:embed="rId3"/>
+          <a:stretch>
+            <a:fillRect/>
+          </a:stretch>
+        </p:blipFill>
+        <p:spPr>
+          <a:xfrm>
+            <a:off x="3878681" y="5013290"/>
+            <a:ext cx="1371600" cy="1371600"/>
+          </a:xfrm>
+          <a:prstGeom prst="rect">
+            <a:avLst/>
+          </a:prstGeom>
+        </p:spPr>
+      </p:pic>
+      <p:pic>
+        <p:nvPicPr>
+          <p:cNvPr id="3074" name="Picture 2" descr="C:\Users\ngoan\Desktop\image\24598-200.png"/>
+          <p:cNvPicPr>
+            <a:picLocks noChangeAspect="1" noChangeArrowheads="1"/>
+          </p:cNvPicPr>
+          <p:nvPr/>
+        </p:nvPicPr>
+        <p:blipFill>
+          <a:blip r:embed="rId4">
+            <a:extLst>
+              <a:ext uri="{28A0092B-C50C-407E-A947-70E740481C1C}">
+                <a14:useLocalDpi xmlns:a14="http://schemas.microsoft.com/office/drawing/2010/main" val="0"/>
+              </a:ext>
+            </a:extLst>
+          </a:blip>
+          <a:srcRect/>
+          <a:stretch>
+            <a:fillRect/>
+          </a:stretch>
+        </p:blipFill>
+        <p:spPr bwMode="auto">
+          <a:xfrm>
+            <a:off x="340626" y="3887724"/>
+            <a:ext cx="1371600" cy="1371600"/>
+          </a:xfrm>
+          <a:prstGeom prst="rect">
+            <a:avLst/>
+          </a:prstGeom>
+          <a:noFill/>
+          <a:extLst>
+            <a:ext uri="{909E8E84-426E-40DD-AFC4-6F175D3DCCD1}">
+              <a14:hiddenFill xmlns:a14="http://schemas.microsoft.com/office/drawing/2010/main">
+                <a:solidFill>
+                  <a:srgbClr val="FFFFFF"/>
+                </a:solidFill>
+              </a14:hiddenFill>
+            </a:ext>
+          </a:extLst>
+        </p:spPr>
+      </p:pic>
+      <p:cxnSp>
+        <p:nvCxnSpPr>
+          <p:cNvPr id="11" name="Straight Arrow Connector 10"/>
+          <p:cNvCxnSpPr>
+            <a:stCxn id="7" idx="1"/>
+            <a:endCxn id="3074" idx="3"/>
+          </p:cNvCxnSpPr>
+          <p:nvPr/>
+        </p:nvCxnSpPr>
+        <p:spPr>
+          <a:xfrm flipH="1" flipV="1">
+            <a:off x="1712226" y="4573524"/>
+            <a:ext cx="2166455" cy="1125566"/>
+          </a:xfrm>
+          <a:prstGeom prst="straightConnector1">
+            <a:avLst/>
+          </a:prstGeom>
+          <a:ln cmpd="sng">
+            <a:tailEnd type="triangle"/>
+          </a:ln>
+        </p:spPr>
+        <p:style>
+          <a:lnRef idx="3">
+            <a:schemeClr val="dk1"/>
+          </a:lnRef>
+          <a:fillRef idx="0">
+            <a:schemeClr val="dk1"/>
+          </a:fillRef>
+          <a:effectRef idx="2">
+            <a:schemeClr val="dk1"/>
+          </a:effectRef>
+          <a:fontRef idx="minor">
+            <a:schemeClr val="tx1"/>
+          </a:fontRef>
+        </p:style>
+      </p:cxnSp>
+      <p:sp>
+        <p:nvSpPr>
+          <p:cNvPr id="12" name="TextBox 11"/>
+          <p:cNvSpPr txBox="1"/>
+          <p:nvPr/>
+        </p:nvSpPr>
+        <p:spPr>
+          <a:xfrm>
+            <a:off x="457200" y="5059269"/>
+            <a:ext cx="1138453" cy="400110"/>
+          </a:xfrm>
+          <a:prstGeom prst="rect">
+            <a:avLst/>
+          </a:prstGeom>
+          <a:noFill/>
+        </p:spPr>
+        <p:txBody>
+          <a:bodyPr wrap="none" rtlCol="0">
+            <a:spAutoFit/>
+          </a:bodyPr>
+          <a:lstStyle/>
+          <a:p>
+            <a:r>
+              <a:rPr lang="en-US" sz="2000" b="1" dirty="0" smtClean="0">
+                <a:solidFill>
+                  <a:srgbClr val="FF0000"/>
+                </a:solidFill>
+                <a:latin typeface="Cambria" pitchFamily="18" charset="0"/>
+              </a:rPr>
+              <a:t>2 points</a:t>
+            </a:r>
+            <a:endParaRPr lang="en-US" sz="2000" b="1" dirty="0">
+              <a:solidFill>
+                <a:srgbClr val="FF0000"/>
+              </a:solidFill>
+              <a:latin typeface="Cambria" pitchFamily="18" charset="0"/>
+            </a:endParaRPr>
+          </a:p>
+        </p:txBody>
+      </p:sp>
+      <p:sp>
+        <p:nvSpPr>
+          <p:cNvPr id="14" name="TextBox 13"/>
+          <p:cNvSpPr txBox="1"/>
+          <p:nvPr/>
+        </p:nvSpPr>
+        <p:spPr>
+          <a:xfrm>
+            <a:off x="3746340" y="6133081"/>
+            <a:ext cx="1636282" cy="400110"/>
+          </a:xfrm>
+          <a:prstGeom prst="rect">
+            <a:avLst/>
+          </a:prstGeom>
+          <a:noFill/>
+        </p:spPr>
+        <p:txBody>
+          <a:bodyPr wrap="none" rtlCol="0">
+            <a:spAutoFit/>
+          </a:bodyPr>
+          <a:lstStyle/>
+          <a:p>
+            <a:r>
+              <a:rPr lang="en-US" sz="2000" b="1" dirty="0" smtClean="0">
+                <a:solidFill>
+                  <a:srgbClr val="FF0000"/>
+                </a:solidFill>
+                <a:latin typeface="Cambria" pitchFamily="18" charset="0"/>
+              </a:rPr>
+              <a:t>Street Route</a:t>
+            </a:r>
+            <a:endParaRPr lang="en-US" sz="2000" b="1" dirty="0">
+              <a:solidFill>
+                <a:srgbClr val="FF0000"/>
+              </a:solidFill>
+              <a:latin typeface="Cambria" pitchFamily="18" charset="0"/>
+            </a:endParaRPr>
+          </a:p>
+        </p:txBody>
+      </p:sp>
+      <p:pic>
+        <p:nvPicPr>
+          <p:cNvPr id="9" name="Picture 2" descr="C:\Users\ngoan\Desktop\image\24598-200.png"/>
+          <p:cNvPicPr>
+            <a:picLocks noChangeAspect="1" noChangeArrowheads="1"/>
+          </p:cNvPicPr>
+          <p:nvPr/>
+        </p:nvPicPr>
+        <p:blipFill>
+          <a:blip r:embed="rId4">
+            <a:extLst>
+              <a:ext uri="{28A0092B-C50C-407E-A947-70E740481C1C}">
+                <a14:useLocalDpi xmlns:a14="http://schemas.microsoft.com/office/drawing/2010/main" val="0"/>
+              </a:ext>
+            </a:extLst>
+          </a:blip>
+          <a:srcRect/>
+          <a:stretch>
+            <a:fillRect/>
+          </a:stretch>
+        </p:blipFill>
+        <p:spPr bwMode="auto">
+          <a:xfrm>
+            <a:off x="3878681" y="1642667"/>
+            <a:ext cx="1371600" cy="1371600"/>
+          </a:xfrm>
+          <a:prstGeom prst="rect">
+            <a:avLst/>
+          </a:prstGeom>
+          <a:noFill/>
+          <a:extLst>
+            <a:ext uri="{909E8E84-426E-40DD-AFC4-6F175D3DCCD1}">
+              <a14:hiddenFill xmlns:a14="http://schemas.microsoft.com/office/drawing/2010/main">
+                <a:solidFill>
+                  <a:srgbClr val="FFFFFF"/>
+                </a:solidFill>
+              </a14:hiddenFill>
+            </a:ext>
+          </a:extLst>
+        </p:spPr>
+      </p:pic>
+      <p:cxnSp>
+        <p:nvCxnSpPr>
+          <p:cNvPr id="13" name="Straight Arrow Connector 12"/>
+          <p:cNvCxnSpPr>
+            <a:stCxn id="7" idx="0"/>
+            <a:endCxn id="9" idx="2"/>
+          </p:cNvCxnSpPr>
+          <p:nvPr/>
+        </p:nvCxnSpPr>
+        <p:spPr>
+          <a:xfrm flipV="1">
+            <a:off x="4564481" y="3014267"/>
+            <a:ext cx="0" cy="1999023"/>
+          </a:xfrm>
+          <a:prstGeom prst="straightConnector1">
+            <a:avLst/>
+          </a:prstGeom>
+          <a:ln cmpd="sng">
+            <a:tailEnd type="triangle"/>
+          </a:ln>
+        </p:spPr>
+        <p:style>
+          <a:lnRef idx="3">
+            <a:schemeClr val="dk1"/>
+          </a:lnRef>
+          <a:fillRef idx="0">
+            <a:schemeClr val="dk1"/>
+          </a:fillRef>
+          <a:effectRef idx="2">
+            <a:schemeClr val="dk1"/>
+          </a:effectRef>
+          <a:fontRef idx="minor">
+            <a:schemeClr val="tx1"/>
+          </a:fontRef>
+        </p:style>
+      </p:cxnSp>
+      <p:sp>
+        <p:nvSpPr>
+          <p:cNvPr id="10" name="TextBox 9"/>
+          <p:cNvSpPr txBox="1"/>
+          <p:nvPr/>
+        </p:nvSpPr>
+        <p:spPr>
+          <a:xfrm>
+            <a:off x="4709200" y="3014267"/>
+            <a:ext cx="1346844" cy="400110"/>
+          </a:xfrm>
+          <a:prstGeom prst="rect">
+            <a:avLst/>
+          </a:prstGeom>
+          <a:noFill/>
+        </p:spPr>
+        <p:txBody>
+          <a:bodyPr wrap="none" rtlCol="0">
+            <a:spAutoFit/>
+          </a:bodyPr>
+          <a:lstStyle/>
+          <a:p>
+            <a:r>
+              <a:rPr lang="en-US" sz="2000" b="1" dirty="0" smtClean="0">
+                <a:solidFill>
+                  <a:srgbClr val="FF0000"/>
+                </a:solidFill>
+                <a:latin typeface="Cambria" pitchFamily="18" charset="0"/>
+              </a:rPr>
+              <a:t>&gt; 2 points</a:t>
+            </a:r>
+            <a:endParaRPr lang="en-US" sz="2000" b="1" dirty="0">
+              <a:solidFill>
+                <a:srgbClr val="FF0000"/>
+              </a:solidFill>
+              <a:latin typeface="Cambria" pitchFamily="18" charset="0"/>
+            </a:endParaRPr>
+          </a:p>
+        </p:txBody>
+      </p:sp>
+      <p:pic>
+        <p:nvPicPr>
+          <p:cNvPr id="15" name="Picture 2" descr="C:\Users\ngoan\Desktop\image\24598-200.png"/>
+          <p:cNvPicPr>
+            <a:picLocks noChangeAspect="1" noChangeArrowheads="1"/>
+          </p:cNvPicPr>
+          <p:nvPr/>
+        </p:nvPicPr>
+        <p:blipFill>
+          <a:blip r:embed="rId4">
+            <a:extLst>
+              <a:ext uri="{28A0092B-C50C-407E-A947-70E740481C1C}">
+                <a14:useLocalDpi xmlns:a14="http://schemas.microsoft.com/office/drawing/2010/main" val="0"/>
+              </a:ext>
+            </a:extLst>
+          </a:blip>
+          <a:srcRect/>
+          <a:stretch>
+            <a:fillRect/>
+          </a:stretch>
+        </p:blipFill>
+        <p:spPr bwMode="auto">
+          <a:xfrm>
+            <a:off x="7315200" y="3887724"/>
+            <a:ext cx="1371600" cy="1371600"/>
+          </a:xfrm>
+          <a:prstGeom prst="rect">
+            <a:avLst/>
+          </a:prstGeom>
+          <a:noFill/>
+          <a:extLst>
+            <a:ext uri="{909E8E84-426E-40DD-AFC4-6F175D3DCCD1}">
+              <a14:hiddenFill xmlns:a14="http://schemas.microsoft.com/office/drawing/2010/main">
+                <a:solidFill>
+                  <a:srgbClr val="FFFFFF"/>
+                </a:solidFill>
+              </a14:hiddenFill>
+            </a:ext>
+          </a:extLst>
+        </p:spPr>
+      </p:pic>
+      <p:cxnSp>
+        <p:nvCxnSpPr>
+          <p:cNvPr id="16" name="Straight Arrow Connector 15"/>
+          <p:cNvCxnSpPr>
+            <a:stCxn id="7" idx="3"/>
+            <a:endCxn id="15" idx="1"/>
+          </p:cNvCxnSpPr>
+          <p:nvPr/>
+        </p:nvCxnSpPr>
+        <p:spPr>
+          <a:xfrm flipV="1">
+            <a:off x="5250281" y="4573524"/>
+            <a:ext cx="2064919" cy="1125566"/>
+          </a:xfrm>
+          <a:prstGeom prst="straightConnector1">
+            <a:avLst/>
+          </a:prstGeom>
+          <a:ln cmpd="sng">
+            <a:tailEnd type="triangle"/>
+          </a:ln>
+        </p:spPr>
+        <p:style>
+          <a:lnRef idx="3">
+            <a:schemeClr val="dk1"/>
+          </a:lnRef>
+          <a:fillRef idx="0">
+            <a:schemeClr val="dk1"/>
+          </a:fillRef>
+          <a:effectRef idx="2">
+            <a:schemeClr val="dk1"/>
+          </a:effectRef>
+          <a:fontRef idx="minor">
+            <a:schemeClr val="tx1"/>
+          </a:fontRef>
+        </p:style>
+      </p:cxnSp>
+      <p:sp>
+        <p:nvSpPr>
+          <p:cNvPr id="17" name="TextBox 16"/>
+          <p:cNvSpPr txBox="1"/>
+          <p:nvPr/>
+        </p:nvSpPr>
+        <p:spPr>
+          <a:xfrm>
+            <a:off x="6662193" y="5059269"/>
+            <a:ext cx="2443298" cy="400110"/>
+          </a:xfrm>
+          <a:prstGeom prst="rect">
+            <a:avLst/>
+          </a:prstGeom>
+          <a:noFill/>
+        </p:spPr>
+        <p:txBody>
+          <a:bodyPr wrap="none" rtlCol="0">
+            <a:spAutoFit/>
+          </a:bodyPr>
+          <a:lstStyle/>
+          <a:p>
+            <a:r>
+              <a:rPr lang="en-US" sz="2000" b="1" dirty="0" smtClean="0">
+                <a:solidFill>
+                  <a:srgbClr val="FF0000"/>
+                </a:solidFill>
+                <a:latin typeface="Cambria" pitchFamily="18" charset="0"/>
+              </a:rPr>
+              <a:t>&gt; 2 points optimize</a:t>
+            </a:r>
+            <a:endParaRPr lang="en-US" sz="2000" b="1" dirty="0">
+              <a:solidFill>
+                <a:srgbClr val="FF0000"/>
+              </a:solidFill>
+              <a:latin typeface="Cambria" pitchFamily="18" charset="0"/>
+            </a:endParaRPr>
+          </a:p>
+        </p:txBody>
+      </p:sp>
+    </p:spTree>
+    <p:extLst>
+      <p:ext uri="{BB962C8B-B14F-4D97-AF65-F5344CB8AC3E}">
+        <p14:creationId xmlns:p14="http://schemas.microsoft.com/office/powerpoint/2010/main" val="857616558"/>
+      </p:ext>
+    </p:extLst>
+  </p:cSld>
+  <p:clrMapOvr>
+    <a:masterClrMapping/>
+  </p:clrMapOvr>
+  <p:timing>
+    <p:tnLst>
+      <p:par>
+        <p:cTn id="1" dur="indefinite" restart="never" nodeType="tmRoot"/>
+      </p:par>
+    </p:tnLst>
+  </p:timing>
+</p:sld>
+</file>
+
+<file path=ppt/slides/slide11.xml><?xml version="1.0" encoding="utf-8"?>
+<p:sld xmlns:a="http://schemas.openxmlformats.org/drawingml/2006/main" xmlns:r="http://schemas.openxmlformats.org/officeDocument/2006/relationships" xmlns:p="http://schemas.openxmlformats.org/presentationml/2006/main">
+  <p:cSld>
+    <p:spTree>
+      <p:nvGrpSpPr>
+        <p:cNvPr id="1" name=""/>
+        <p:cNvGrpSpPr/>
+        <p:nvPr/>
+      </p:nvGrpSpPr>
+      <p:grpSpPr>
+        <a:xfrm>
+          <a:off x="0" y="0"/>
+          <a:ext cx="0" cy="0"/>
+          <a:chOff x="0" y="0"/>
+          <a:chExt cx="0" cy="0"/>
+        </a:xfrm>
+      </p:grpSpPr>
       <p:sp>
         <p:nvSpPr>
           <p:cNvPr id="6" name="Shape 144"/>
@@ -5431,7 +5798,9 @@
           </a:prstGeom>
         </p:spPr>
         <p:txBody>
-          <a:bodyPr/>
+          <a:bodyPr>
+            <a:normAutofit fontScale="90000"/>
+          </a:bodyPr>
           <a:lstStyle>
             <a:lvl1pPr>
               <a:defRPr sz="3600">
@@ -5452,6 +5821,30 @@
               <a:latin typeface="Times New Roman" pitchFamily="18" charset="0"/>
               <a:cs typeface="Times New Roman" pitchFamily="18" charset="0"/>
             </a:endParaRPr>
+          </a:p>
+        </p:txBody>
+      </p:sp>
+      <p:sp>
+        <p:nvSpPr>
+          <p:cNvPr id="4" name="Slide Number Placeholder 3"/>
+          <p:cNvSpPr>
+            <a:spLocks noGrp="1"/>
+          </p:cNvSpPr>
+          <p:nvPr>
+            <p:ph type="sldNum" idx="12"/>
+          </p:nvPr>
+        </p:nvSpPr>
+        <p:spPr/>
+        <p:txBody>
+          <a:bodyPr/>
+          <a:lstStyle/>
+          <a:p>
+            <a:fld id="{00000000-1234-1234-1234-123412341234}" type="slidenum">
+              <a:rPr lang="en" smtClean="0"/>
+              <a:pPr/>
+              <a:t>11</a:t>
+            </a:fld>
+            <a:endParaRPr lang="en"/>
           </a:p>
         </p:txBody>
       </p:sp>
@@ -5497,7 +5890,7 @@
     </p:spTree>
     <p:extLst>
       <p:ext uri="{BB962C8B-B14F-4D97-AF65-F5344CB8AC3E}">
-        <p14:creationId xmlns:p14="http://schemas.microsoft.com/office/powerpoint/2010/main" val="3959180"/>
+        <p14:creationId xmlns:p14="http://schemas.microsoft.com/office/powerpoint/2010/main" val="245404647"/>
       </p:ext>
     </p:extLst>
   </p:cSld>
@@ -5514,7 +5907,7 @@
 </p:sld>
 </file>
 
-<file path=ppt/slides/slide11.xml><?xml version="1.0" encoding="utf-8"?>
+<file path=ppt/slides/slide12.xml><?xml version="1.0" encoding="utf-8"?>
 <p:sld xmlns:a="http://schemas.openxmlformats.org/drawingml/2006/main" xmlns:r="http://schemas.openxmlformats.org/officeDocument/2006/relationships" xmlns:p="http://schemas.openxmlformats.org/presentationml/2006/main">
   <p:cSld>
     <p:spTree>
@@ -5531,30 +5924,6 @@
           <a:chExt cx="0" cy="0"/>
         </a:xfrm>
       </p:grpSpPr>
-      <p:sp>
-        <p:nvSpPr>
-          <p:cNvPr id="4" name="Slide Number Placeholder 3"/>
-          <p:cNvSpPr>
-            <a:spLocks noGrp="1"/>
-          </p:cNvSpPr>
-          <p:nvPr>
-            <p:ph type="sldNum" idx="12"/>
-          </p:nvPr>
-        </p:nvSpPr>
-        <p:spPr/>
-        <p:txBody>
-          <a:bodyPr/>
-          <a:lstStyle/>
-          <a:p>
-            <a:fld id="{00000000-1234-1234-1234-123412341234}" type="slidenum">
-              <a:rPr lang="en" smtClean="0"/>
-              <a:pPr/>
-              <a:t>11</a:t>
-            </a:fld>
-            <a:endParaRPr lang="en"/>
-          </a:p>
-        </p:txBody>
-      </p:sp>
       <p:sp>
         <p:nvSpPr>
           <p:cNvPr id="7" name="Shape 139"/>
@@ -5593,6 +5962,30 @@
               <a:t>Algorithm</a:t>
             </a:r>
             <a:endParaRPr dirty="0"/>
+          </a:p>
+        </p:txBody>
+      </p:sp>
+      <p:sp>
+        <p:nvSpPr>
+          <p:cNvPr id="4" name="Slide Number Placeholder 3"/>
+          <p:cNvSpPr>
+            <a:spLocks noGrp="1"/>
+          </p:cNvSpPr>
+          <p:nvPr>
+            <p:ph type="sldNum" idx="12"/>
+          </p:nvPr>
+        </p:nvSpPr>
+        <p:spPr/>
+        <p:txBody>
+          <a:bodyPr/>
+          <a:lstStyle/>
+          <a:p>
+            <a:fld id="{00000000-1234-1234-1234-123412341234}" type="slidenum">
+              <a:rPr lang="en" smtClean="0"/>
+              <a:pPr/>
+              <a:t>12</a:t>
+            </a:fld>
+            <a:endParaRPr lang="en"/>
           </a:p>
         </p:txBody>
       </p:sp>
@@ -5994,7 +6387,7 @@
     </p:spTree>
     <p:extLst>
       <p:ext uri="{BB962C8B-B14F-4D97-AF65-F5344CB8AC3E}">
-        <p14:creationId xmlns:p14="http://schemas.microsoft.com/office/powerpoint/2010/main" val="2459799194"/>
+        <p14:creationId xmlns:p14="http://schemas.microsoft.com/office/powerpoint/2010/main" val="1001660455"/>
       </p:ext>
     </p:extLst>
   </p:cSld>
@@ -6011,7 +6404,7 @@
 </p:sld>
 </file>
 
-<file path=ppt/slides/slide12.xml><?xml version="1.0" encoding="utf-8"?>
+<file path=ppt/slides/slide13.xml><?xml version="1.0" encoding="utf-8"?>
 <p:sld xmlns:a="http://schemas.openxmlformats.org/drawingml/2006/main" xmlns:r="http://schemas.openxmlformats.org/officeDocument/2006/relationships" xmlns:p="http://schemas.openxmlformats.org/presentationml/2006/main">
   <p:cSld>
     <p:spTree>
@@ -6028,30 +6421,6 @@
           <a:chExt cx="0" cy="0"/>
         </a:xfrm>
       </p:grpSpPr>
-      <p:sp>
-        <p:nvSpPr>
-          <p:cNvPr id="4" name="Slide Number Placeholder 3"/>
-          <p:cNvSpPr>
-            <a:spLocks noGrp="1"/>
-          </p:cNvSpPr>
-          <p:nvPr>
-            <p:ph type="sldNum" idx="12"/>
-          </p:nvPr>
-        </p:nvSpPr>
-        <p:spPr/>
-        <p:txBody>
-          <a:bodyPr/>
-          <a:lstStyle/>
-          <a:p>
-            <a:fld id="{00000000-1234-1234-1234-123412341234}" type="slidenum">
-              <a:rPr lang="en" smtClean="0"/>
-              <a:pPr/>
-              <a:t>12</a:t>
-            </a:fld>
-            <a:endParaRPr lang="en"/>
-          </a:p>
-        </p:txBody>
-      </p:sp>
       <p:sp>
         <p:nvSpPr>
           <p:cNvPr id="7" name="Shape 139"/>
@@ -6090,6 +6459,30 @@
               <a:t>Algorithm</a:t>
             </a:r>
             <a:endParaRPr dirty="0"/>
+          </a:p>
+        </p:txBody>
+      </p:sp>
+      <p:sp>
+        <p:nvSpPr>
+          <p:cNvPr id="4" name="Slide Number Placeholder 3"/>
+          <p:cNvSpPr>
+            <a:spLocks noGrp="1"/>
+          </p:cNvSpPr>
+          <p:nvPr>
+            <p:ph type="sldNum" idx="12"/>
+          </p:nvPr>
+        </p:nvSpPr>
+        <p:spPr/>
+        <p:txBody>
+          <a:bodyPr/>
+          <a:lstStyle/>
+          <a:p>
+            <a:fld id="{00000000-1234-1234-1234-123412341234}" type="slidenum">
+              <a:rPr lang="en" smtClean="0"/>
+              <a:pPr/>
+              <a:t>13</a:t>
+            </a:fld>
+            <a:endParaRPr lang="en"/>
           </a:p>
         </p:txBody>
       </p:sp>
@@ -6372,11 +6765,7 @@
             <a:graphicFrameLocks noGrp="1"/>
           </p:cNvGraphicFramePr>
           <p:nvPr>
-            <p:extLst>
-              <p:ext uri="{D42A27DB-BD31-4B8C-83A1-F6EECF244321}">
-                <p14:modId xmlns:p14="http://schemas.microsoft.com/office/powerpoint/2010/main" val="3651127342"/>
-              </p:ext>
-            </p:extLst>
+            <p:extLst/>
           </p:nvPr>
         </p:nvGraphicFramePr>
         <p:xfrm>
@@ -7049,7 +7438,7 @@
     </p:spTree>
     <p:extLst>
       <p:ext uri="{BB962C8B-B14F-4D97-AF65-F5344CB8AC3E}">
-        <p14:creationId xmlns:p14="http://schemas.microsoft.com/office/powerpoint/2010/main" val="1105527443"/>
+        <p14:creationId xmlns:p14="http://schemas.microsoft.com/office/powerpoint/2010/main" val="1548716895"/>
       </p:ext>
     </p:extLst>
   </p:cSld>
@@ -7066,7 +7455,7 @@
 </p:sld>
 </file>
 
-<file path=ppt/slides/slide13.xml><?xml version="1.0" encoding="utf-8"?>
+<file path=ppt/slides/slide14.xml><?xml version="1.0" encoding="utf-8"?>
 <p:sld xmlns:a="http://schemas.openxmlformats.org/drawingml/2006/main" xmlns:r="http://schemas.openxmlformats.org/officeDocument/2006/relationships" xmlns:p="http://schemas.openxmlformats.org/presentationml/2006/main">
   <p:cSld>
     <p:spTree>
@@ -7083,30 +7472,6 @@
           <a:chExt cx="0" cy="0"/>
         </a:xfrm>
       </p:grpSpPr>
-      <p:sp>
-        <p:nvSpPr>
-          <p:cNvPr id="4" name="Slide Number Placeholder 3"/>
-          <p:cNvSpPr>
-            <a:spLocks noGrp="1"/>
-          </p:cNvSpPr>
-          <p:nvPr>
-            <p:ph type="sldNum" idx="12"/>
-          </p:nvPr>
-        </p:nvSpPr>
-        <p:spPr/>
-        <p:txBody>
-          <a:bodyPr/>
-          <a:lstStyle/>
-          <a:p>
-            <a:fld id="{00000000-1234-1234-1234-123412341234}" type="slidenum">
-              <a:rPr lang="en" smtClean="0"/>
-              <a:pPr/>
-              <a:t>13</a:t>
-            </a:fld>
-            <a:endParaRPr lang="en"/>
-          </a:p>
-        </p:txBody>
-      </p:sp>
       <p:sp>
         <p:nvSpPr>
           <p:cNvPr id="7" name="Shape 139"/>
@@ -7145,6 +7510,30 @@
               <a:t>Best Result</a:t>
             </a:r>
             <a:endParaRPr dirty="0"/>
+          </a:p>
+        </p:txBody>
+      </p:sp>
+      <p:sp>
+        <p:nvSpPr>
+          <p:cNvPr id="4" name="Slide Number Placeholder 3"/>
+          <p:cNvSpPr>
+            <a:spLocks noGrp="1"/>
+          </p:cNvSpPr>
+          <p:nvPr>
+            <p:ph type="sldNum" idx="12"/>
+          </p:nvPr>
+        </p:nvSpPr>
+        <p:spPr/>
+        <p:txBody>
+          <a:bodyPr/>
+          <a:lstStyle/>
+          <a:p>
+            <a:fld id="{00000000-1234-1234-1234-123412341234}" type="slidenum">
+              <a:rPr lang="en" smtClean="0"/>
+              <a:pPr/>
+              <a:t>14</a:t>
+            </a:fld>
+            <a:endParaRPr lang="en"/>
           </a:p>
         </p:txBody>
       </p:sp>
@@ -7416,7 +7805,7 @@
     </p:spTree>
     <p:extLst>
       <p:ext uri="{BB962C8B-B14F-4D97-AF65-F5344CB8AC3E}">
-        <p14:creationId xmlns:p14="http://schemas.microsoft.com/office/powerpoint/2010/main" val="1487473658"/>
+        <p14:creationId xmlns:p14="http://schemas.microsoft.com/office/powerpoint/2010/main" val="1778658137"/>
       </p:ext>
     </p:extLst>
   </p:cSld>
@@ -7433,7 +7822,7 @@
 </p:sld>
 </file>
 
-<file path=ppt/slides/slide14.xml><?xml version="1.0" encoding="utf-8"?>
+<file path=ppt/slides/slide15.xml><?xml version="1.0" encoding="utf-8"?>
 <p:sld xmlns:a="http://schemas.openxmlformats.org/drawingml/2006/main" xmlns:r="http://schemas.openxmlformats.org/officeDocument/2006/relationships" xmlns:p="http://schemas.openxmlformats.org/presentationml/2006/main">
   <p:cSld>
     <p:spTree>
@@ -7495,7 +7884,7 @@
             <a:fld id="{00000000-1234-1234-1234-123412341234}" type="slidenum">
               <a:rPr lang="en" smtClean="0"/>
               <a:pPr/>
-              <a:t>14</a:t>
+              <a:t>15</a:t>
             </a:fld>
             <a:endParaRPr lang="en"/>
           </a:p>
@@ -7510,7 +7899,7 @@
           <p:nvPr/>
         </p:nvPicPr>
         <p:blipFill>
-          <a:blip r:embed="rId2">
+          <a:blip r:embed="rId3">
             <a:extLst>
               <a:ext uri="{28A0092B-C50C-407E-A947-70E740481C1C}">
                 <a14:useLocalDpi xmlns:a14="http://schemas.microsoft.com/office/drawing/2010/main" val="0"/>
@@ -7716,7 +8105,7 @@
     </p:spTree>
     <p:extLst>
       <p:ext uri="{BB962C8B-B14F-4D97-AF65-F5344CB8AC3E}">
-        <p14:creationId xmlns:p14="http://schemas.microsoft.com/office/powerpoint/2010/main" val="1987307015"/>
+        <p14:creationId xmlns:p14="http://schemas.microsoft.com/office/powerpoint/2010/main" val="437710334"/>
       </p:ext>
     </p:extLst>
   </p:cSld>
@@ -7733,7 +8122,7 @@
 </p:sld>
 </file>
 
-<file path=ppt/slides/slide15.xml><?xml version="1.0" encoding="utf-8"?>
+<file path=ppt/slides/slide16.xml><?xml version="1.0" encoding="utf-8"?>
 <p:sld xmlns:a="http://schemas.openxmlformats.org/drawingml/2006/main" xmlns:r="http://schemas.openxmlformats.org/officeDocument/2006/relationships" xmlns:p="http://schemas.openxmlformats.org/presentationml/2006/main">
   <p:cSld>
     <p:spTree>
@@ -7796,7 +8185,7 @@
             <a:fld id="{00000000-1234-1234-1234-123412341234}" type="slidenum">
               <a:rPr lang="en" smtClean="0"/>
               <a:pPr/>
-              <a:t>15</a:t>
+              <a:t>16</a:t>
             </a:fld>
             <a:endParaRPr lang="en"/>
           </a:p>
@@ -8076,7 +8465,7 @@
     </p:spTree>
     <p:extLst>
       <p:ext uri="{BB962C8B-B14F-4D97-AF65-F5344CB8AC3E}">
-        <p14:creationId xmlns:p14="http://schemas.microsoft.com/office/powerpoint/2010/main" val="439681805"/>
+        <p14:creationId xmlns:p14="http://schemas.microsoft.com/office/powerpoint/2010/main" val="390340663"/>
       </p:ext>
     </p:extLst>
   </p:cSld>
@@ -8093,7 +8482,7 @@
 </p:sld>
 </file>
 
-<file path=ppt/slides/slide16.xml><?xml version="1.0" encoding="utf-8"?>
+<file path=ppt/slides/slide17.xml><?xml version="1.0" encoding="utf-8"?>
 <p:sld xmlns:a="http://schemas.openxmlformats.org/drawingml/2006/main" xmlns:r="http://schemas.openxmlformats.org/officeDocument/2006/relationships" xmlns:p="http://schemas.openxmlformats.org/presentationml/2006/main">
   <p:cSld>
     <p:spTree>
@@ -8156,7 +8545,7 @@
             <a:fld id="{00000000-1234-1234-1234-123412341234}" type="slidenum">
               <a:rPr lang="en" smtClean="0"/>
               <a:pPr/>
-              <a:t>16</a:t>
+              <a:t>17</a:t>
             </a:fld>
             <a:endParaRPr lang="en"/>
           </a:p>
@@ -8451,7 +8840,7 @@
     </p:spTree>
     <p:extLst>
       <p:ext uri="{BB962C8B-B14F-4D97-AF65-F5344CB8AC3E}">
-        <p14:creationId xmlns:p14="http://schemas.microsoft.com/office/powerpoint/2010/main" val="3224820483"/>
+        <p14:creationId xmlns:p14="http://schemas.microsoft.com/office/powerpoint/2010/main" val="2040465103"/>
       </p:ext>
     </p:extLst>
   </p:cSld>
@@ -8468,7 +8857,7 @@
 </p:sld>
 </file>
 
-<file path=ppt/slides/slide17.xml><?xml version="1.0" encoding="utf-8"?>
+<file path=ppt/slides/slide18.xml><?xml version="1.0" encoding="utf-8"?>
 <p:sld xmlns:a="http://schemas.openxmlformats.org/drawingml/2006/main" xmlns:r="http://schemas.openxmlformats.org/officeDocument/2006/relationships" xmlns:p="http://schemas.openxmlformats.org/presentationml/2006/main">
   <p:cSld>
     <p:spTree>
@@ -8531,7 +8920,7 @@
             <a:fld id="{00000000-1234-1234-1234-123412341234}" type="slidenum">
               <a:rPr lang="en" smtClean="0"/>
               <a:pPr/>
-              <a:t>17</a:t>
+              <a:t>18</a:t>
             </a:fld>
             <a:endParaRPr lang="en"/>
           </a:p>
@@ -8546,7 +8935,7 @@
           <p:nvPr/>
         </p:nvPicPr>
         <p:blipFill>
-          <a:blip r:embed="rId2">
+          <a:blip r:embed="rId3">
             <a:extLst>
               <a:ext uri="{28A0092B-C50C-407E-A947-70E740481C1C}">
                 <a14:useLocalDpi xmlns:a14="http://schemas.microsoft.com/office/drawing/2010/main" val="0"/>
@@ -8841,7 +9230,7 @@
     </p:spTree>
     <p:extLst>
       <p:ext uri="{BB962C8B-B14F-4D97-AF65-F5344CB8AC3E}">
-        <p14:creationId xmlns:p14="http://schemas.microsoft.com/office/powerpoint/2010/main" val="2152811141"/>
+        <p14:creationId xmlns:p14="http://schemas.microsoft.com/office/powerpoint/2010/main" val="930627178"/>
       </p:ext>
     </p:extLst>
   </p:cSld>
@@ -8858,7 +9247,7 @@
 </p:sld>
 </file>
 
-<file path=ppt/slides/slide18.xml><?xml version="1.0" encoding="utf-8"?>
+<file path=ppt/slides/slide19.xml><?xml version="1.0" encoding="utf-8"?>
 <p:sld xmlns:a="http://schemas.openxmlformats.org/drawingml/2006/main" xmlns:r="http://schemas.openxmlformats.org/officeDocument/2006/relationships" xmlns:p="http://schemas.openxmlformats.org/presentationml/2006/main">
   <p:cSld>
     <p:spTree>
@@ -8921,7 +9310,7 @@
             <a:fld id="{00000000-1234-1234-1234-123412341234}" type="slidenum">
               <a:rPr lang="en" smtClean="0"/>
               <a:pPr/>
-              <a:t>18</a:t>
+              <a:t>19</a:t>
             </a:fld>
             <a:endParaRPr lang="en"/>
           </a:p>
@@ -8936,7 +9325,7 @@
           <p:nvPr/>
         </p:nvPicPr>
         <p:blipFill>
-          <a:blip r:embed="rId2">
+          <a:blip r:embed="rId3">
             <a:extLst>
               <a:ext uri="{28A0092B-C50C-407E-A947-70E740481C1C}">
                 <a14:useLocalDpi xmlns:a14="http://schemas.microsoft.com/office/drawing/2010/main" val="0"/>
@@ -9246,7 +9635,7 @@
     </p:spTree>
     <p:extLst>
       <p:ext uri="{BB962C8B-B14F-4D97-AF65-F5344CB8AC3E}">
-        <p14:creationId xmlns:p14="http://schemas.microsoft.com/office/powerpoint/2010/main" val="1989516146"/>
+        <p14:creationId xmlns:p14="http://schemas.microsoft.com/office/powerpoint/2010/main" val="1245619242"/>
       </p:ext>
     </p:extLst>
   </p:cSld>
@@ -9263,7 +9652,458 @@
 </p:sld>
 </file>
 
-<file path=ppt/slides/slide19.xml><?xml version="1.0" encoding="utf-8"?>
+<file path=ppt/slides/slide2.xml><?xml version="1.0" encoding="utf-8"?>
+<p:sld xmlns:a="http://schemas.openxmlformats.org/drawingml/2006/main" xmlns:r="http://schemas.openxmlformats.org/officeDocument/2006/relationships" xmlns:p="http://schemas.openxmlformats.org/presentationml/2006/main">
+  <p:cSld>
+    <p:spTree>
+      <p:nvGrpSpPr>
+        <p:cNvPr id="1" name=""/>
+        <p:cNvGrpSpPr/>
+        <p:nvPr/>
+      </p:nvGrpSpPr>
+      <p:grpSpPr>
+        <a:xfrm>
+          <a:off x="0" y="0"/>
+          <a:ext cx="0" cy="0"/>
+          <a:chOff x="0" y="0"/>
+          <a:chExt cx="0" cy="0"/>
+        </a:xfrm>
+      </p:grpSpPr>
+      <p:sp>
+        <p:nvSpPr>
+          <p:cNvPr id="6" name="Title 5"/>
+          <p:cNvSpPr>
+            <a:spLocks noGrp="1"/>
+          </p:cNvSpPr>
+          <p:nvPr>
+            <p:ph type="title"/>
+          </p:nvPr>
+        </p:nvSpPr>
+        <p:spPr/>
+        <p:txBody>
+          <a:bodyPr/>
+          <a:lstStyle/>
+          <a:p>
+            <a:r>
+              <a:rPr lang="en-US" dirty="0" smtClean="0">
+                <a:latin typeface="Cambria"/>
+                <a:ea typeface="Cambria"/>
+                <a:cs typeface="Cambria"/>
+                <a:sym typeface="Cambria"/>
+              </a:rPr>
+              <a:t>Scenario</a:t>
+            </a:r>
+            <a:endParaRPr lang="en-US" dirty="0">
+              <a:latin typeface="Cambria"/>
+              <a:ea typeface="Cambria"/>
+              <a:cs typeface="Cambria"/>
+              <a:sym typeface="Cambria"/>
+            </a:endParaRPr>
+          </a:p>
+        </p:txBody>
+      </p:sp>
+      <p:sp>
+        <p:nvSpPr>
+          <p:cNvPr id="5" name="Slide Number Placeholder 4"/>
+          <p:cNvSpPr>
+            <a:spLocks noGrp="1"/>
+          </p:cNvSpPr>
+          <p:nvPr>
+            <p:ph type="sldNum" idx="12"/>
+          </p:nvPr>
+        </p:nvSpPr>
+        <p:spPr/>
+        <p:txBody>
+          <a:bodyPr/>
+          <a:lstStyle/>
+          <a:p>
+            <a:fld id="{00000000-1234-1234-1234-123412341234}" type="slidenum">
+              <a:rPr lang="en" smtClean="0"/>
+              <a:pPr/>
+              <a:t>2</a:t>
+            </a:fld>
+            <a:endParaRPr lang="en"/>
+          </a:p>
+        </p:txBody>
+      </p:sp>
+      <p:grpSp>
+        <p:nvGrpSpPr>
+          <p:cNvPr id="8" name="Group 7"/>
+          <p:cNvGrpSpPr/>
+          <p:nvPr/>
+        </p:nvGrpSpPr>
+        <p:grpSpPr>
+          <a:xfrm>
+            <a:off x="497974" y="2295465"/>
+            <a:ext cx="2172806" cy="2233416"/>
+            <a:chOff x="-42886" y="3161112"/>
+            <a:chExt cx="2172806" cy="2233416"/>
+          </a:xfrm>
+        </p:grpSpPr>
+        <p:grpSp>
+          <p:nvGrpSpPr>
+            <p:cNvPr id="2" name="Group 1"/>
+            <p:cNvGrpSpPr/>
+            <p:nvPr/>
+          </p:nvGrpSpPr>
+          <p:grpSpPr>
+            <a:xfrm>
+              <a:off x="433917" y="3161112"/>
+              <a:ext cx="1219200" cy="1638701"/>
+              <a:chOff x="1209565" y="3078635"/>
+              <a:chExt cx="1219200" cy="1722166"/>
+            </a:xfrm>
+          </p:grpSpPr>
+          <p:sp>
+            <p:nvSpPr>
+              <p:cNvPr id="10" name="TextBox 9"/>
+              <p:cNvSpPr txBox="1"/>
+              <p:nvPr/>
+            </p:nvSpPr>
+            <p:spPr>
+              <a:xfrm>
+                <a:off x="1243174" y="4380312"/>
+                <a:ext cx="1151982" cy="420489"/>
+              </a:xfrm>
+              <a:prstGeom prst="rect">
+                <a:avLst/>
+              </a:prstGeom>
+              <a:noFill/>
+            </p:spPr>
+            <p:txBody>
+              <a:bodyPr wrap="none" rtlCol="0">
+                <a:spAutoFit/>
+              </a:bodyPr>
+              <a:lstStyle/>
+              <a:p>
+                <a:r>
+                  <a:rPr lang="en-US" sz="2000" b="1" dirty="0" err="1" smtClean="0">
+                    <a:latin typeface="Cambria" pitchFamily="18" charset="0"/>
+                    <a:cs typeface="Times New Roman" pitchFamily="18" charset="0"/>
+                  </a:rPr>
+                  <a:t>Khương</a:t>
+                </a:r>
+                <a:endParaRPr lang="en-US" sz="2000" b="1" dirty="0">
+                  <a:latin typeface="Cambria" pitchFamily="18" charset="0"/>
+                  <a:cs typeface="Times New Roman" pitchFamily="18" charset="0"/>
+                </a:endParaRPr>
+              </a:p>
+            </p:txBody>
+          </p:sp>
+          <p:pic>
+            <p:nvPicPr>
+              <p:cNvPr id="15" name="Picture 3" descr="C:\Users\ngoan\Desktop\image\thao.png"/>
+              <p:cNvPicPr>
+                <a:picLocks noChangeAspect="1" noChangeArrowheads="1"/>
+              </p:cNvPicPr>
+              <p:nvPr/>
+            </p:nvPicPr>
+            <p:blipFill>
+              <a:blip r:embed="rId3">
+                <a:extLst>
+                  <a:ext uri="{28A0092B-C50C-407E-A947-70E740481C1C}">
+                    <a14:useLocalDpi xmlns:a14="http://schemas.microsoft.com/office/drawing/2010/main" val="0"/>
+                  </a:ext>
+                </a:extLst>
+              </a:blip>
+              <a:srcRect/>
+              <a:stretch>
+                <a:fillRect/>
+              </a:stretch>
+            </p:blipFill>
+            <p:spPr bwMode="auto">
+              <a:xfrm flipH="1">
+                <a:off x="1209565" y="3078635"/>
+                <a:ext cx="1219200" cy="1219200"/>
+              </a:xfrm>
+              <a:prstGeom prst="rect">
+                <a:avLst/>
+              </a:prstGeom>
+              <a:noFill/>
+              <a:extLst>
+                <a:ext uri="{909E8E84-426E-40DD-AFC4-6F175D3DCCD1}">
+                  <a14:hiddenFill xmlns:a14="http://schemas.microsoft.com/office/drawing/2010/main">
+                    <a:solidFill>
+                      <a:srgbClr val="FFFFFF"/>
+                    </a:solidFill>
+                  </a14:hiddenFill>
+                </a:ext>
+              </a:extLst>
+            </p:spPr>
+          </p:pic>
+        </p:grpSp>
+        <p:sp>
+          <p:nvSpPr>
+            <p:cNvPr id="20" name="TextBox 19"/>
+            <p:cNvSpPr txBox="1"/>
+            <p:nvPr/>
+          </p:nvSpPr>
+          <p:spPr>
+            <a:xfrm>
+              <a:off x="-42886" y="5025196"/>
+              <a:ext cx="2172806" cy="369332"/>
+            </a:xfrm>
+            <a:prstGeom prst="rect">
+              <a:avLst/>
+            </a:prstGeom>
+            <a:noFill/>
+          </p:spPr>
+          <p:txBody>
+            <a:bodyPr wrap="square" rtlCol="0">
+              <a:spAutoFit/>
+            </a:bodyPr>
+            <a:lstStyle/>
+            <a:p>
+              <a:r>
+                <a:rPr lang="en-US" dirty="0" err="1">
+                  <a:solidFill>
+                    <a:srgbClr val="FF0000"/>
+                  </a:solidFill>
+                  <a:latin typeface="Cambria" pitchFamily="18" charset="0"/>
+                </a:rPr>
+                <a:t>Công</a:t>
+              </a:r>
+              <a:r>
+                <a:rPr lang="en-US" dirty="0">
+                  <a:solidFill>
+                    <a:srgbClr val="FF0000"/>
+                  </a:solidFill>
+                  <a:latin typeface="Cambria" pitchFamily="18" charset="0"/>
+                </a:rPr>
+                <a:t> </a:t>
+              </a:r>
+              <a:r>
+                <a:rPr lang="en-US" dirty="0" err="1">
+                  <a:solidFill>
+                    <a:srgbClr val="FF0000"/>
+                  </a:solidFill>
+                  <a:latin typeface="Cambria" pitchFamily="18" charset="0"/>
+                </a:rPr>
+                <a:t>Viên</a:t>
+              </a:r>
+              <a:r>
+                <a:rPr lang="en-US" dirty="0">
+                  <a:solidFill>
+                    <a:srgbClr val="FF0000"/>
+                  </a:solidFill>
+                  <a:latin typeface="Cambria" pitchFamily="18" charset="0"/>
+                </a:rPr>
+                <a:t> Tao </a:t>
+              </a:r>
+              <a:r>
+                <a:rPr lang="en-US" dirty="0" err="1">
+                  <a:solidFill>
+                    <a:srgbClr val="FF0000"/>
+                  </a:solidFill>
+                  <a:latin typeface="Cambria" pitchFamily="18" charset="0"/>
+                </a:rPr>
+                <a:t>Đàn</a:t>
+              </a:r>
+              <a:endParaRPr lang="en-US" dirty="0">
+                <a:solidFill>
+                  <a:srgbClr val="FF0000"/>
+                </a:solidFill>
+                <a:latin typeface="Cambria" pitchFamily="18" charset="0"/>
+                <a:cs typeface="Times New Roman" pitchFamily="18" charset="0"/>
+              </a:endParaRPr>
+            </a:p>
+          </p:txBody>
+        </p:sp>
+      </p:grpSp>
+      <p:sp>
+        <p:nvSpPr>
+          <p:cNvPr id="13" name="TextBox 12"/>
+          <p:cNvSpPr txBox="1"/>
+          <p:nvPr/>
+        </p:nvSpPr>
+        <p:spPr>
+          <a:xfrm>
+            <a:off x="2618858" y="5842454"/>
+            <a:ext cx="1187858" cy="400110"/>
+          </a:xfrm>
+          <a:prstGeom prst="rect">
+            <a:avLst/>
+          </a:prstGeom>
+          <a:noFill/>
+        </p:spPr>
+        <p:txBody>
+          <a:bodyPr wrap="square" rtlCol="0">
+            <a:spAutoFit/>
+          </a:bodyPr>
+          <a:lstStyle/>
+          <a:p>
+            <a:r>
+              <a:rPr lang="vi-VN" sz="2000" b="1" smtClean="0">
+                <a:latin typeface="Cambria" pitchFamily="18" charset="0"/>
+                <a:cs typeface="Times New Roman" pitchFamily="18" charset="0"/>
+              </a:rPr>
+              <a:t>Bạn gái</a:t>
+            </a:r>
+            <a:endParaRPr lang="en-US" sz="2000" b="1" dirty="0">
+              <a:latin typeface="Cambria" pitchFamily="18" charset="0"/>
+              <a:cs typeface="Times New Roman" pitchFamily="18" charset="0"/>
+            </a:endParaRPr>
+          </a:p>
+        </p:txBody>
+      </p:sp>
+      <p:sp>
+        <p:nvSpPr>
+          <p:cNvPr id="12" name="TextBox 11"/>
+          <p:cNvSpPr txBox="1"/>
+          <p:nvPr/>
+        </p:nvSpPr>
+        <p:spPr>
+          <a:xfrm>
+            <a:off x="2040600" y="6148472"/>
+            <a:ext cx="1766116" cy="369332"/>
+          </a:xfrm>
+          <a:prstGeom prst="rect">
+            <a:avLst/>
+          </a:prstGeom>
+          <a:noFill/>
+        </p:spPr>
+        <p:txBody>
+          <a:bodyPr wrap="square" rtlCol="0">
+            <a:spAutoFit/>
+          </a:bodyPr>
+          <a:lstStyle/>
+          <a:p>
+            <a:pPr algn="ctr"/>
+            <a:r>
+              <a:rPr lang="en-US" dirty="0" err="1">
+                <a:solidFill>
+                  <a:srgbClr val="FF0000"/>
+                </a:solidFill>
+                <a:latin typeface="Cambria" pitchFamily="18" charset="0"/>
+              </a:rPr>
+              <a:t>Bến</a:t>
+            </a:r>
+            <a:r>
+              <a:rPr lang="en-US" dirty="0">
+                <a:solidFill>
+                  <a:srgbClr val="FF0000"/>
+                </a:solidFill>
+                <a:latin typeface="Cambria" pitchFamily="18" charset="0"/>
+              </a:rPr>
+              <a:t> </a:t>
+            </a:r>
+            <a:r>
+              <a:rPr lang="en-US" dirty="0" err="1">
+                <a:solidFill>
+                  <a:srgbClr val="FF0000"/>
+                </a:solidFill>
+                <a:latin typeface="Cambria" pitchFamily="18" charset="0"/>
+              </a:rPr>
+              <a:t>xe</a:t>
+            </a:r>
+            <a:r>
+              <a:rPr lang="en-US" dirty="0">
+                <a:solidFill>
+                  <a:srgbClr val="FF0000"/>
+                </a:solidFill>
+                <a:latin typeface="Cambria" pitchFamily="18" charset="0"/>
+              </a:rPr>
+              <a:t> </a:t>
+            </a:r>
+            <a:r>
+              <a:rPr lang="en-US" dirty="0" err="1">
+                <a:solidFill>
+                  <a:srgbClr val="FF0000"/>
+                </a:solidFill>
+                <a:latin typeface="Cambria" pitchFamily="18" charset="0"/>
+              </a:rPr>
+              <a:t>quận</a:t>
+            </a:r>
+            <a:r>
+              <a:rPr lang="en-US" dirty="0">
+                <a:solidFill>
+                  <a:srgbClr val="FF0000"/>
+                </a:solidFill>
+                <a:latin typeface="Cambria" pitchFamily="18" charset="0"/>
+              </a:rPr>
+              <a:t> </a:t>
+            </a:r>
+            <a:r>
+              <a:rPr lang="en-US" dirty="0" smtClean="0">
+                <a:solidFill>
+                  <a:srgbClr val="FF0000"/>
+                </a:solidFill>
+                <a:latin typeface="Cambria" pitchFamily="18" charset="0"/>
+              </a:rPr>
+              <a:t>8</a:t>
+            </a:r>
+            <a:endParaRPr lang="en-US" dirty="0">
+              <a:solidFill>
+                <a:srgbClr val="FF0000"/>
+              </a:solidFill>
+              <a:latin typeface="Cambria" pitchFamily="18" charset="0"/>
+              <a:cs typeface="Times New Roman" pitchFamily="18" charset="0"/>
+            </a:endParaRPr>
+          </a:p>
+        </p:txBody>
+      </p:sp>
+      <p:pic>
+        <p:nvPicPr>
+          <p:cNvPr id="1026" name="Picture 2" descr="C:\Users\ngoan\Desktop\image\ngoan.png"/>
+          <p:cNvPicPr>
+            <a:picLocks noChangeAspect="1" noChangeArrowheads="1"/>
+          </p:cNvPicPr>
+          <p:nvPr/>
+        </p:nvPicPr>
+        <p:blipFill>
+          <a:blip r:embed="rId4">
+            <a:extLst>
+              <a:ext uri="{28A0092B-C50C-407E-A947-70E740481C1C}">
+                <a14:useLocalDpi xmlns:a14="http://schemas.microsoft.com/office/drawing/2010/main" val="0"/>
+              </a:ext>
+            </a:extLst>
+          </a:blip>
+          <a:srcRect/>
+          <a:stretch>
+            <a:fillRect/>
+          </a:stretch>
+        </p:blipFill>
+        <p:spPr bwMode="auto">
+          <a:xfrm>
+            <a:off x="2479158" y="4623254"/>
+            <a:ext cx="1219200" cy="1219200"/>
+          </a:xfrm>
+          <a:prstGeom prst="rect">
+            <a:avLst/>
+          </a:prstGeom>
+          <a:noFill/>
+          <a:extLst>
+            <a:ext uri="{909E8E84-426E-40DD-AFC4-6F175D3DCCD1}">
+              <a14:hiddenFill xmlns:a14="http://schemas.microsoft.com/office/drawing/2010/main">
+                <a:solidFill>
+                  <a:srgbClr val="FFFFFF"/>
+                </a:solidFill>
+              </a14:hiddenFill>
+            </a:ext>
+          </a:extLst>
+        </p:spPr>
+      </p:pic>
+    </p:spTree>
+    <p:extLst>
+      <p:ext uri="{BB962C8B-B14F-4D97-AF65-F5344CB8AC3E}">
+        <p14:creationId xmlns:p14="http://schemas.microsoft.com/office/powerpoint/2010/main" val="738643488"/>
+      </p:ext>
+    </p:extLst>
+  </p:cSld>
+  <p:clrMapOvr>
+    <a:masterClrMapping/>
+  </p:clrMapOvr>
+  <p:timing>
+    <p:tnLst>
+      <p:par>
+        <p:cTn id="1" dur="indefinite" restart="never" nodeType="tmRoot"/>
+      </p:par>
+    </p:tnLst>
+  </p:timing>
+</p:sld>
+</file>
+
+<file path=ppt/slides/slide20.xml><?xml version="1.0" encoding="utf-8"?>
 <p:sld xmlns:a="http://schemas.openxmlformats.org/drawingml/2006/main" xmlns:r="http://schemas.openxmlformats.org/officeDocument/2006/relationships" xmlns:p="http://schemas.openxmlformats.org/presentationml/2006/main">
   <p:cSld>
     <p:spTree>
@@ -9326,7 +10166,7 @@
             <a:fld id="{00000000-1234-1234-1234-123412341234}" type="slidenum">
               <a:rPr lang="en" smtClean="0"/>
               <a:pPr/>
-              <a:t>19</a:t>
+              <a:t>20</a:t>
             </a:fld>
             <a:endParaRPr lang="en"/>
           </a:p>
@@ -9341,7 +10181,7 @@
           <p:nvPr/>
         </p:nvPicPr>
         <p:blipFill>
-          <a:blip r:embed="rId2">
+          <a:blip r:embed="rId3">
             <a:extLst>
               <a:ext uri="{28A0092B-C50C-407E-A947-70E740481C1C}">
                 <a14:useLocalDpi xmlns:a14="http://schemas.microsoft.com/office/drawing/2010/main" val="0"/>
@@ -9666,7 +10506,7 @@
     </p:spTree>
     <p:extLst>
       <p:ext uri="{BB962C8B-B14F-4D97-AF65-F5344CB8AC3E}">
-        <p14:creationId xmlns:p14="http://schemas.microsoft.com/office/powerpoint/2010/main" val="687830598"/>
+        <p14:creationId xmlns:p14="http://schemas.microsoft.com/office/powerpoint/2010/main" val="2064262905"/>
       </p:ext>
     </p:extLst>
   </p:cSld>
@@ -9683,458 +10523,7 @@
 </p:sld>
 </file>
 
-<file path=ppt/slides/slide2.xml><?xml version="1.0" encoding="utf-8"?>
-<p:sld xmlns:a="http://schemas.openxmlformats.org/drawingml/2006/main" xmlns:r="http://schemas.openxmlformats.org/officeDocument/2006/relationships" xmlns:p="http://schemas.openxmlformats.org/presentationml/2006/main">
-  <p:cSld>
-    <p:spTree>
-      <p:nvGrpSpPr>
-        <p:cNvPr id="1" name=""/>
-        <p:cNvGrpSpPr/>
-        <p:nvPr/>
-      </p:nvGrpSpPr>
-      <p:grpSpPr>
-        <a:xfrm>
-          <a:off x="0" y="0"/>
-          <a:ext cx="0" cy="0"/>
-          <a:chOff x="0" y="0"/>
-          <a:chExt cx="0" cy="0"/>
-        </a:xfrm>
-      </p:grpSpPr>
-      <p:sp>
-        <p:nvSpPr>
-          <p:cNvPr id="6" name="Title 5"/>
-          <p:cNvSpPr>
-            <a:spLocks noGrp="1"/>
-          </p:cNvSpPr>
-          <p:nvPr>
-            <p:ph type="title"/>
-          </p:nvPr>
-        </p:nvSpPr>
-        <p:spPr/>
-        <p:txBody>
-          <a:bodyPr/>
-          <a:lstStyle/>
-          <a:p>
-            <a:r>
-              <a:rPr lang="en-US" dirty="0" smtClean="0">
-                <a:latin typeface="Cambria"/>
-                <a:ea typeface="Cambria"/>
-                <a:cs typeface="Cambria"/>
-                <a:sym typeface="Cambria"/>
-              </a:rPr>
-              <a:t>Scenario</a:t>
-            </a:r>
-            <a:endParaRPr lang="en-US" dirty="0">
-              <a:latin typeface="Cambria"/>
-              <a:ea typeface="Cambria"/>
-              <a:cs typeface="Cambria"/>
-              <a:sym typeface="Cambria"/>
-            </a:endParaRPr>
-          </a:p>
-        </p:txBody>
-      </p:sp>
-      <p:sp>
-        <p:nvSpPr>
-          <p:cNvPr id="5" name="Slide Number Placeholder 4"/>
-          <p:cNvSpPr>
-            <a:spLocks noGrp="1"/>
-          </p:cNvSpPr>
-          <p:nvPr>
-            <p:ph type="sldNum" idx="12"/>
-          </p:nvPr>
-        </p:nvSpPr>
-        <p:spPr/>
-        <p:txBody>
-          <a:bodyPr/>
-          <a:lstStyle/>
-          <a:p>
-            <a:fld id="{00000000-1234-1234-1234-123412341234}" type="slidenum">
-              <a:rPr lang="en" smtClean="0"/>
-              <a:pPr/>
-              <a:t>2</a:t>
-            </a:fld>
-            <a:endParaRPr lang="en"/>
-          </a:p>
-        </p:txBody>
-      </p:sp>
-      <p:grpSp>
-        <p:nvGrpSpPr>
-          <p:cNvPr id="8" name="Group 7"/>
-          <p:cNvGrpSpPr/>
-          <p:nvPr/>
-        </p:nvGrpSpPr>
-        <p:grpSpPr>
-          <a:xfrm>
-            <a:off x="497974" y="2295465"/>
-            <a:ext cx="2172806" cy="2233416"/>
-            <a:chOff x="-42886" y="3161112"/>
-            <a:chExt cx="2172806" cy="2233416"/>
-          </a:xfrm>
-        </p:grpSpPr>
-        <p:grpSp>
-          <p:nvGrpSpPr>
-            <p:cNvPr id="2" name="Group 1"/>
-            <p:cNvGrpSpPr/>
-            <p:nvPr/>
-          </p:nvGrpSpPr>
-          <p:grpSpPr>
-            <a:xfrm>
-              <a:off x="433917" y="3161112"/>
-              <a:ext cx="1219200" cy="1638701"/>
-              <a:chOff x="1209565" y="3078635"/>
-              <a:chExt cx="1219200" cy="1722166"/>
-            </a:xfrm>
-          </p:grpSpPr>
-          <p:sp>
-            <p:nvSpPr>
-              <p:cNvPr id="10" name="TextBox 9"/>
-              <p:cNvSpPr txBox="1"/>
-              <p:nvPr/>
-            </p:nvSpPr>
-            <p:spPr>
-              <a:xfrm>
-                <a:off x="1243174" y="4380312"/>
-                <a:ext cx="1151982" cy="420489"/>
-              </a:xfrm>
-              <a:prstGeom prst="rect">
-                <a:avLst/>
-              </a:prstGeom>
-              <a:noFill/>
-            </p:spPr>
-            <p:txBody>
-              <a:bodyPr wrap="none" rtlCol="0">
-                <a:spAutoFit/>
-              </a:bodyPr>
-              <a:lstStyle/>
-              <a:p>
-                <a:r>
-                  <a:rPr lang="en-US" sz="2000" b="1" dirty="0" err="1" smtClean="0">
-                    <a:latin typeface="Cambria" pitchFamily="18" charset="0"/>
-                    <a:cs typeface="Times New Roman" pitchFamily="18" charset="0"/>
-                  </a:rPr>
-                  <a:t>Khương</a:t>
-                </a:r>
-                <a:endParaRPr lang="en-US" sz="2000" b="1" dirty="0">
-                  <a:latin typeface="Cambria" pitchFamily="18" charset="0"/>
-                  <a:cs typeface="Times New Roman" pitchFamily="18" charset="0"/>
-                </a:endParaRPr>
-              </a:p>
-            </p:txBody>
-          </p:sp>
-          <p:pic>
-            <p:nvPicPr>
-              <p:cNvPr id="15" name="Picture 3" descr="C:\Users\ngoan\Desktop\image\thao.png"/>
-              <p:cNvPicPr>
-                <a:picLocks noChangeAspect="1" noChangeArrowheads="1"/>
-              </p:cNvPicPr>
-              <p:nvPr/>
-            </p:nvPicPr>
-            <p:blipFill>
-              <a:blip r:embed="rId3">
-                <a:extLst>
-                  <a:ext uri="{28A0092B-C50C-407E-A947-70E740481C1C}">
-                    <a14:useLocalDpi xmlns:a14="http://schemas.microsoft.com/office/drawing/2010/main" val="0"/>
-                  </a:ext>
-                </a:extLst>
-              </a:blip>
-              <a:srcRect/>
-              <a:stretch>
-                <a:fillRect/>
-              </a:stretch>
-            </p:blipFill>
-            <p:spPr bwMode="auto">
-              <a:xfrm flipH="1">
-                <a:off x="1209565" y="3078635"/>
-                <a:ext cx="1219200" cy="1219200"/>
-              </a:xfrm>
-              <a:prstGeom prst="rect">
-                <a:avLst/>
-              </a:prstGeom>
-              <a:noFill/>
-              <a:extLst>
-                <a:ext uri="{909E8E84-426E-40DD-AFC4-6F175D3DCCD1}">
-                  <a14:hiddenFill xmlns:a14="http://schemas.microsoft.com/office/drawing/2010/main">
-                    <a:solidFill>
-                      <a:srgbClr val="FFFFFF"/>
-                    </a:solidFill>
-                  </a14:hiddenFill>
-                </a:ext>
-              </a:extLst>
-            </p:spPr>
-          </p:pic>
-        </p:grpSp>
-        <p:sp>
-          <p:nvSpPr>
-            <p:cNvPr id="20" name="TextBox 19"/>
-            <p:cNvSpPr txBox="1"/>
-            <p:nvPr/>
-          </p:nvSpPr>
-          <p:spPr>
-            <a:xfrm>
-              <a:off x="-42886" y="5025196"/>
-              <a:ext cx="2172806" cy="369332"/>
-            </a:xfrm>
-            <a:prstGeom prst="rect">
-              <a:avLst/>
-            </a:prstGeom>
-            <a:noFill/>
-          </p:spPr>
-          <p:txBody>
-            <a:bodyPr wrap="square" rtlCol="0">
-              <a:spAutoFit/>
-            </a:bodyPr>
-            <a:lstStyle/>
-            <a:p>
-              <a:r>
-                <a:rPr lang="en-US" dirty="0" err="1">
-                  <a:solidFill>
-                    <a:srgbClr val="FF0000"/>
-                  </a:solidFill>
-                  <a:latin typeface="Cambria" pitchFamily="18" charset="0"/>
-                </a:rPr>
-                <a:t>Công</a:t>
-              </a:r>
-              <a:r>
-                <a:rPr lang="en-US" dirty="0">
-                  <a:solidFill>
-                    <a:srgbClr val="FF0000"/>
-                  </a:solidFill>
-                  <a:latin typeface="Cambria" pitchFamily="18" charset="0"/>
-                </a:rPr>
-                <a:t> </a:t>
-              </a:r>
-              <a:r>
-                <a:rPr lang="en-US" dirty="0" err="1">
-                  <a:solidFill>
-                    <a:srgbClr val="FF0000"/>
-                  </a:solidFill>
-                  <a:latin typeface="Cambria" pitchFamily="18" charset="0"/>
-                </a:rPr>
-                <a:t>Viên</a:t>
-              </a:r>
-              <a:r>
-                <a:rPr lang="en-US" dirty="0">
-                  <a:solidFill>
-                    <a:srgbClr val="FF0000"/>
-                  </a:solidFill>
-                  <a:latin typeface="Cambria" pitchFamily="18" charset="0"/>
-                </a:rPr>
-                <a:t> Tao </a:t>
-              </a:r>
-              <a:r>
-                <a:rPr lang="en-US" dirty="0" err="1">
-                  <a:solidFill>
-                    <a:srgbClr val="FF0000"/>
-                  </a:solidFill>
-                  <a:latin typeface="Cambria" pitchFamily="18" charset="0"/>
-                </a:rPr>
-                <a:t>Đàn</a:t>
-              </a:r>
-              <a:endParaRPr lang="en-US" dirty="0">
-                <a:solidFill>
-                  <a:srgbClr val="FF0000"/>
-                </a:solidFill>
-                <a:latin typeface="Cambria" pitchFamily="18" charset="0"/>
-                <a:cs typeface="Times New Roman" pitchFamily="18" charset="0"/>
-              </a:endParaRPr>
-            </a:p>
-          </p:txBody>
-        </p:sp>
-      </p:grpSp>
-      <p:sp>
-        <p:nvSpPr>
-          <p:cNvPr id="13" name="TextBox 12"/>
-          <p:cNvSpPr txBox="1"/>
-          <p:nvPr/>
-        </p:nvSpPr>
-        <p:spPr>
-          <a:xfrm>
-            <a:off x="3634858" y="3404610"/>
-            <a:ext cx="914400" cy="400110"/>
-          </a:xfrm>
-          <a:prstGeom prst="rect">
-            <a:avLst/>
-          </a:prstGeom>
-          <a:noFill/>
-        </p:spPr>
-        <p:txBody>
-          <a:bodyPr wrap="square" rtlCol="0">
-            <a:spAutoFit/>
-          </a:bodyPr>
-          <a:lstStyle/>
-          <a:p>
-            <a:r>
-              <a:rPr lang="en-US" sz="2000" b="1" dirty="0" err="1" smtClean="0">
-                <a:latin typeface="Cambria" pitchFamily="18" charset="0"/>
-                <a:cs typeface="Times New Roman" pitchFamily="18" charset="0"/>
-              </a:rPr>
-              <a:t>Vợ</a:t>
-            </a:r>
-            <a:endParaRPr lang="en-US" sz="2000" b="1" dirty="0">
-              <a:latin typeface="Cambria" pitchFamily="18" charset="0"/>
-              <a:cs typeface="Times New Roman" pitchFamily="18" charset="0"/>
-            </a:endParaRPr>
-          </a:p>
-        </p:txBody>
-      </p:sp>
-      <p:sp>
-        <p:nvSpPr>
-          <p:cNvPr id="12" name="TextBox 11"/>
-          <p:cNvSpPr txBox="1"/>
-          <p:nvPr/>
-        </p:nvSpPr>
-        <p:spPr>
-          <a:xfrm>
-            <a:off x="3209000" y="4159549"/>
-            <a:ext cx="1766116" cy="369332"/>
-          </a:xfrm>
-          <a:prstGeom prst="rect">
-            <a:avLst/>
-          </a:prstGeom>
-          <a:noFill/>
-        </p:spPr>
-        <p:txBody>
-          <a:bodyPr wrap="square" rtlCol="0">
-            <a:spAutoFit/>
-          </a:bodyPr>
-          <a:lstStyle/>
-          <a:p>
-            <a:pPr algn="ctr"/>
-            <a:r>
-              <a:rPr lang="en-US" dirty="0" err="1">
-                <a:solidFill>
-                  <a:srgbClr val="FF0000"/>
-                </a:solidFill>
-                <a:latin typeface="Cambria" pitchFamily="18" charset="0"/>
-              </a:rPr>
-              <a:t>Bến</a:t>
-            </a:r>
-            <a:r>
-              <a:rPr lang="en-US" dirty="0">
-                <a:solidFill>
-                  <a:srgbClr val="FF0000"/>
-                </a:solidFill>
-                <a:latin typeface="Cambria" pitchFamily="18" charset="0"/>
-              </a:rPr>
-              <a:t> </a:t>
-            </a:r>
-            <a:r>
-              <a:rPr lang="en-US" dirty="0" err="1">
-                <a:solidFill>
-                  <a:srgbClr val="FF0000"/>
-                </a:solidFill>
-                <a:latin typeface="Cambria" pitchFamily="18" charset="0"/>
-              </a:rPr>
-              <a:t>xe</a:t>
-            </a:r>
-            <a:r>
-              <a:rPr lang="en-US" dirty="0">
-                <a:solidFill>
-                  <a:srgbClr val="FF0000"/>
-                </a:solidFill>
-                <a:latin typeface="Cambria" pitchFamily="18" charset="0"/>
-              </a:rPr>
-              <a:t> </a:t>
-            </a:r>
-            <a:r>
-              <a:rPr lang="en-US" dirty="0" err="1">
-                <a:solidFill>
-                  <a:srgbClr val="FF0000"/>
-                </a:solidFill>
-                <a:latin typeface="Cambria" pitchFamily="18" charset="0"/>
-              </a:rPr>
-              <a:t>quận</a:t>
-            </a:r>
-            <a:r>
-              <a:rPr lang="en-US" dirty="0">
-                <a:solidFill>
-                  <a:srgbClr val="FF0000"/>
-                </a:solidFill>
-                <a:latin typeface="Cambria" pitchFamily="18" charset="0"/>
-              </a:rPr>
-              <a:t> </a:t>
-            </a:r>
-            <a:r>
-              <a:rPr lang="en-US" dirty="0" smtClean="0">
-                <a:solidFill>
-                  <a:srgbClr val="FF0000"/>
-                </a:solidFill>
-                <a:latin typeface="Cambria" pitchFamily="18" charset="0"/>
-              </a:rPr>
-              <a:t>8</a:t>
-            </a:r>
-            <a:endParaRPr lang="en-US" dirty="0">
-              <a:solidFill>
-                <a:srgbClr val="FF0000"/>
-              </a:solidFill>
-              <a:latin typeface="Cambria" pitchFamily="18" charset="0"/>
-              <a:cs typeface="Times New Roman" pitchFamily="18" charset="0"/>
-            </a:endParaRPr>
-          </a:p>
-        </p:txBody>
-      </p:sp>
-      <p:pic>
-        <p:nvPicPr>
-          <p:cNvPr id="1026" name="Picture 2" descr="C:\Users\ngoan\Desktop\image\ngoan.png"/>
-          <p:cNvPicPr>
-            <a:picLocks noChangeAspect="1" noChangeArrowheads="1"/>
-          </p:cNvPicPr>
-          <p:nvPr/>
-        </p:nvPicPr>
-        <p:blipFill>
-          <a:blip r:embed="rId4">
-            <a:extLst>
-              <a:ext uri="{28A0092B-C50C-407E-A947-70E740481C1C}">
-                <a14:useLocalDpi xmlns:a14="http://schemas.microsoft.com/office/drawing/2010/main" val="0"/>
-              </a:ext>
-            </a:extLst>
-          </a:blip>
-          <a:srcRect/>
-          <a:stretch>
-            <a:fillRect/>
-          </a:stretch>
-        </p:blipFill>
-        <p:spPr bwMode="auto">
-          <a:xfrm>
-            <a:off x="3482458" y="2185410"/>
-            <a:ext cx="1219200" cy="1219200"/>
-          </a:xfrm>
-          <a:prstGeom prst="rect">
-            <a:avLst/>
-          </a:prstGeom>
-          <a:noFill/>
-          <a:extLst>
-            <a:ext uri="{909E8E84-426E-40DD-AFC4-6F175D3DCCD1}">
-              <a14:hiddenFill xmlns:a14="http://schemas.microsoft.com/office/drawing/2010/main">
-                <a:solidFill>
-                  <a:srgbClr val="FFFFFF"/>
-                </a:solidFill>
-              </a14:hiddenFill>
-            </a:ext>
-          </a:extLst>
-        </p:spPr>
-      </p:pic>
-    </p:spTree>
-    <p:extLst>
-      <p:ext uri="{BB962C8B-B14F-4D97-AF65-F5344CB8AC3E}">
-        <p14:creationId xmlns:p14="http://schemas.microsoft.com/office/powerpoint/2010/main" val="787625584"/>
-      </p:ext>
-    </p:extLst>
-  </p:cSld>
-  <p:clrMapOvr>
-    <a:masterClrMapping/>
-  </p:clrMapOvr>
-  <p:timing>
-    <p:tnLst>
-      <p:par>
-        <p:cTn id="1" dur="indefinite" restart="never" nodeType="tmRoot"/>
-      </p:par>
-    </p:tnLst>
-  </p:timing>
-</p:sld>
-</file>
-
-<file path=ppt/slides/slide20.xml><?xml version="1.0" encoding="utf-8"?>
+<file path=ppt/slides/slide21.xml><?xml version="1.0" encoding="utf-8"?>
 <p:sld xmlns:a="http://schemas.openxmlformats.org/drawingml/2006/main" xmlns:r="http://schemas.openxmlformats.org/officeDocument/2006/relationships" xmlns:p="http://schemas.openxmlformats.org/presentationml/2006/main">
   <p:cSld>
     <p:spTree>
@@ -10197,7 +10586,7 @@
             <a:fld id="{00000000-1234-1234-1234-123412341234}" type="slidenum">
               <a:rPr lang="en" smtClean="0"/>
               <a:pPr/>
-              <a:t>20</a:t>
+              <a:t>21</a:t>
             </a:fld>
             <a:endParaRPr lang="en"/>
           </a:p>
@@ -10212,7 +10601,7 @@
           <p:nvPr/>
         </p:nvPicPr>
         <p:blipFill>
-          <a:blip r:embed="rId2">
+          <a:blip r:embed="rId3">
             <a:extLst>
               <a:ext uri="{28A0092B-C50C-407E-A947-70E740481C1C}">
                 <a14:useLocalDpi xmlns:a14="http://schemas.microsoft.com/office/drawing/2010/main" val="0"/>
@@ -10418,7 +10807,7 @@
     </p:spTree>
     <p:extLst>
       <p:ext uri="{BB962C8B-B14F-4D97-AF65-F5344CB8AC3E}">
-        <p14:creationId xmlns:p14="http://schemas.microsoft.com/office/powerpoint/2010/main" val="1659344401"/>
+        <p14:creationId xmlns:p14="http://schemas.microsoft.com/office/powerpoint/2010/main" val="1438141673"/>
       </p:ext>
     </p:extLst>
   </p:cSld>
@@ -10435,7 +10824,7 @@
 </p:sld>
 </file>
 
-<file path=ppt/slides/slide21.xml><?xml version="1.0" encoding="utf-8"?>
+<file path=ppt/slides/slide22.xml><?xml version="1.0" encoding="utf-8"?>
 <p:sld xmlns:a="http://schemas.openxmlformats.org/drawingml/2006/main" xmlns:r="http://schemas.openxmlformats.org/officeDocument/2006/relationships" xmlns:p="http://schemas.openxmlformats.org/presentationml/2006/main">
   <p:cSld>
     <p:spTree>
@@ -10498,7 +10887,7 @@
             <a:fld id="{00000000-1234-1234-1234-123412341234}" type="slidenum">
               <a:rPr lang="en" smtClean="0"/>
               <a:pPr/>
-              <a:t>21</a:t>
+              <a:t>22</a:t>
             </a:fld>
             <a:endParaRPr lang="en"/>
           </a:p>
@@ -10513,7 +10902,7 @@
           <p:nvPr/>
         </p:nvPicPr>
         <p:blipFill>
-          <a:blip r:embed="rId2">
+          <a:blip r:embed="rId3">
             <a:extLst>
               <a:ext uri="{28A0092B-C50C-407E-A947-70E740481C1C}">
                 <a14:useLocalDpi xmlns:a14="http://schemas.microsoft.com/office/drawing/2010/main" val="0"/>
@@ -10778,7 +11167,7 @@
     </p:spTree>
     <p:extLst>
       <p:ext uri="{BB962C8B-B14F-4D97-AF65-F5344CB8AC3E}">
-        <p14:creationId xmlns:p14="http://schemas.microsoft.com/office/powerpoint/2010/main" val="1708104491"/>
+        <p14:creationId xmlns:p14="http://schemas.microsoft.com/office/powerpoint/2010/main" val="1509536399"/>
       </p:ext>
     </p:extLst>
   </p:cSld>
@@ -10795,7 +11184,7 @@
 </p:sld>
 </file>
 
-<file path=ppt/slides/slide22.xml><?xml version="1.0" encoding="utf-8"?>
+<file path=ppt/slides/slide23.xml><?xml version="1.0" encoding="utf-8"?>
 <p:sld xmlns:a="http://schemas.openxmlformats.org/drawingml/2006/main" xmlns:r="http://schemas.openxmlformats.org/officeDocument/2006/relationships" xmlns:p="http://schemas.openxmlformats.org/presentationml/2006/main">
   <p:cSld>
     <p:spTree>
@@ -10853,7 +11242,7 @@
             <a:fld id="{00000000-1234-1234-1234-123412341234}" type="slidenum">
               <a:rPr lang="en" smtClean="0"/>
               <a:pPr/>
-              <a:t>22</a:t>
+              <a:t>23</a:t>
             </a:fld>
             <a:endParaRPr lang="en"/>
           </a:p>
@@ -11148,7 +11537,7 @@
     </p:spTree>
     <p:extLst>
       <p:ext uri="{BB962C8B-B14F-4D97-AF65-F5344CB8AC3E}">
-        <p14:creationId xmlns:p14="http://schemas.microsoft.com/office/powerpoint/2010/main" val="415503431"/>
+        <p14:creationId xmlns:p14="http://schemas.microsoft.com/office/powerpoint/2010/main" val="98913238"/>
       </p:ext>
     </p:extLst>
   </p:cSld>
@@ -11165,7 +11554,7 @@
 </p:sld>
 </file>
 
-<file path=ppt/slides/slide23.xml><?xml version="1.0" encoding="utf-8"?>
+<file path=ppt/slides/slide24.xml><?xml version="1.0" encoding="utf-8"?>
 <p:sld xmlns:a="http://schemas.openxmlformats.org/drawingml/2006/main" xmlns:r="http://schemas.openxmlformats.org/officeDocument/2006/relationships" xmlns:p="http://schemas.openxmlformats.org/presentationml/2006/main">
   <p:cSld>
     <p:spTree>
@@ -11228,7 +11617,7 @@
             <a:fld id="{00000000-1234-1234-1234-123412341234}" type="slidenum">
               <a:rPr lang="en" smtClean="0"/>
               <a:pPr/>
-              <a:t>23</a:t>
+              <a:t>24</a:t>
             </a:fld>
             <a:endParaRPr lang="en"/>
           </a:p>
@@ -11538,7 +11927,7 @@
     </p:spTree>
     <p:extLst>
       <p:ext uri="{BB962C8B-B14F-4D97-AF65-F5344CB8AC3E}">
-        <p14:creationId xmlns:p14="http://schemas.microsoft.com/office/powerpoint/2010/main" val="1228994240"/>
+        <p14:creationId xmlns:p14="http://schemas.microsoft.com/office/powerpoint/2010/main" val="282448288"/>
       </p:ext>
     </p:extLst>
   </p:cSld>
@@ -11555,7 +11944,7 @@
 </p:sld>
 </file>
 
-<file path=ppt/slides/slide24.xml><?xml version="1.0" encoding="utf-8"?>
+<file path=ppt/slides/slide25.xml><?xml version="1.0" encoding="utf-8"?>
 <p:sld xmlns:a="http://schemas.openxmlformats.org/drawingml/2006/main" xmlns:r="http://schemas.openxmlformats.org/officeDocument/2006/relationships" xmlns:p="http://schemas.openxmlformats.org/presentationml/2006/main">
   <p:cSld>
     <p:spTree>
@@ -11618,7 +12007,7 @@
             <a:fld id="{00000000-1234-1234-1234-123412341234}" type="slidenum">
               <a:rPr lang="en" smtClean="0"/>
               <a:pPr/>
-              <a:t>24</a:t>
+              <a:t>25</a:t>
             </a:fld>
             <a:endParaRPr lang="en"/>
           </a:p>
@@ -11943,7 +12332,7 @@
     </p:spTree>
     <p:extLst>
       <p:ext uri="{BB962C8B-B14F-4D97-AF65-F5344CB8AC3E}">
-        <p14:creationId xmlns:p14="http://schemas.microsoft.com/office/powerpoint/2010/main" val="3623366217"/>
+        <p14:creationId xmlns:p14="http://schemas.microsoft.com/office/powerpoint/2010/main" val="1169516546"/>
       </p:ext>
     </p:extLst>
   </p:cSld>
@@ -11960,7 +12349,7 @@
 </p:sld>
 </file>
 
-<file path=ppt/slides/slide25.xml><?xml version="1.0" encoding="utf-8"?>
+<file path=ppt/slides/slide26.xml><?xml version="1.0" encoding="utf-8"?>
 <p:sld xmlns:a="http://schemas.openxmlformats.org/drawingml/2006/main" xmlns:r="http://schemas.openxmlformats.org/officeDocument/2006/relationships" xmlns:p="http://schemas.openxmlformats.org/presentationml/2006/main">
   <p:cSld>
     <p:spTree>
@@ -12023,7 +12412,7 @@
             <a:fld id="{00000000-1234-1234-1234-123412341234}" type="slidenum">
               <a:rPr lang="en" smtClean="0"/>
               <a:pPr/>
-              <a:t>25</a:t>
+              <a:t>26</a:t>
             </a:fld>
             <a:endParaRPr lang="en"/>
           </a:p>
@@ -12038,7 +12427,7 @@
           <p:nvPr/>
         </p:nvPicPr>
         <p:blipFill>
-          <a:blip r:embed="rId2">
+          <a:blip r:embed="rId3">
             <a:extLst>
               <a:ext uri="{28A0092B-C50C-407E-A947-70E740481C1C}">
                 <a14:useLocalDpi xmlns:a14="http://schemas.microsoft.com/office/drawing/2010/main" val="0"/>
@@ -12363,7 +12752,7 @@
     </p:spTree>
     <p:extLst>
       <p:ext uri="{BB962C8B-B14F-4D97-AF65-F5344CB8AC3E}">
-        <p14:creationId xmlns:p14="http://schemas.microsoft.com/office/powerpoint/2010/main" val="445028836"/>
+        <p14:creationId xmlns:p14="http://schemas.microsoft.com/office/powerpoint/2010/main" val="146767631"/>
       </p:ext>
     </p:extLst>
   </p:cSld>
@@ -12380,7 +12769,7 @@
 </p:sld>
 </file>
 
-<file path=ppt/slides/slide26.xml><?xml version="1.0" encoding="utf-8"?>
+<file path=ppt/slides/slide27.xml><?xml version="1.0" encoding="utf-8"?>
 <p:sld xmlns:a="http://schemas.openxmlformats.org/drawingml/2006/main" xmlns:r="http://schemas.openxmlformats.org/officeDocument/2006/relationships" xmlns:p="http://schemas.openxmlformats.org/presentationml/2006/main">
   <p:cSld>
     <p:spTree>
@@ -12397,30 +12786,6 @@
           <a:chExt cx="0" cy="0"/>
         </a:xfrm>
       </p:grpSpPr>
-      <p:sp>
-        <p:nvSpPr>
-          <p:cNvPr id="4" name="Slide Number Placeholder 3"/>
-          <p:cNvSpPr>
-            <a:spLocks noGrp="1"/>
-          </p:cNvSpPr>
-          <p:nvPr>
-            <p:ph type="sldNum" idx="12"/>
-          </p:nvPr>
-        </p:nvSpPr>
-        <p:spPr/>
-        <p:txBody>
-          <a:bodyPr/>
-          <a:lstStyle/>
-          <a:p>
-            <a:fld id="{00000000-1234-1234-1234-123412341234}" type="slidenum">
-              <a:rPr lang="en" smtClean="0"/>
-              <a:pPr/>
-              <a:t>26</a:t>
-            </a:fld>
-            <a:endParaRPr lang="en"/>
-          </a:p>
-        </p:txBody>
-      </p:sp>
       <p:sp>
         <p:nvSpPr>
           <p:cNvPr id="7" name="Shape 139"/>
@@ -12459,6 +12824,30 @@
               <a:t>Class Diagram</a:t>
             </a:r>
             <a:endParaRPr dirty="0"/>
+          </a:p>
+        </p:txBody>
+      </p:sp>
+      <p:sp>
+        <p:nvSpPr>
+          <p:cNvPr id="4" name="Slide Number Placeholder 3"/>
+          <p:cNvSpPr>
+            <a:spLocks noGrp="1"/>
+          </p:cNvSpPr>
+          <p:nvPr>
+            <p:ph type="sldNum" idx="12"/>
+          </p:nvPr>
+        </p:nvSpPr>
+        <p:spPr/>
+        <p:txBody>
+          <a:bodyPr/>
+          <a:lstStyle/>
+          <a:p>
+            <a:fld id="{00000000-1234-1234-1234-123412341234}" type="slidenum">
+              <a:rPr lang="en" smtClean="0"/>
+              <a:pPr/>
+              <a:t>27</a:t>
+            </a:fld>
+            <a:endParaRPr lang="en"/>
           </a:p>
         </p:txBody>
       </p:sp>
@@ -13085,7 +13474,7 @@
     </p:spTree>
     <p:extLst>
       <p:ext uri="{BB962C8B-B14F-4D97-AF65-F5344CB8AC3E}">
-        <p14:creationId xmlns:p14="http://schemas.microsoft.com/office/powerpoint/2010/main" val="4135871176"/>
+        <p14:creationId xmlns:p14="http://schemas.microsoft.com/office/powerpoint/2010/main" val="1187026736"/>
       </p:ext>
     </p:extLst>
   </p:cSld>
@@ -13102,7 +13491,7 @@
 </p:sld>
 </file>
 
-<file path=ppt/slides/slide27.xml><?xml version="1.0" encoding="utf-8"?>
+<file path=ppt/slides/slide28.xml><?xml version="1.0" encoding="utf-8"?>
 <p:sld xmlns:a="http://schemas.openxmlformats.org/drawingml/2006/main" xmlns:r="http://schemas.openxmlformats.org/officeDocument/2006/relationships" xmlns:p="http://schemas.openxmlformats.org/presentationml/2006/main">
   <p:cSld>
     <p:spTree>
@@ -13164,7 +13553,7 @@
             <a:fld id="{00000000-1234-1234-1234-123412341234}" type="slidenum">
               <a:rPr lang="en" smtClean="0"/>
               <a:pPr/>
-              <a:t>27</a:t>
+              <a:t>28</a:t>
             </a:fld>
             <a:endParaRPr lang="en"/>
           </a:p>
@@ -13494,7 +13883,7 @@
     </p:spTree>
     <p:extLst>
       <p:ext uri="{BB962C8B-B14F-4D97-AF65-F5344CB8AC3E}">
-        <p14:creationId xmlns:p14="http://schemas.microsoft.com/office/powerpoint/2010/main" val="3223448033"/>
+        <p14:creationId xmlns:p14="http://schemas.microsoft.com/office/powerpoint/2010/main" val="235271322"/>
       </p:ext>
     </p:extLst>
   </p:cSld>
@@ -13778,7 +14167,7 @@
         <p:spPr>
           <a:xfrm>
             <a:off x="2710734" y="5583609"/>
-            <a:ext cx="914400" cy="400110"/>
+            <a:ext cx="1161160" cy="400110"/>
           </a:xfrm>
           <a:prstGeom prst="rect">
             <a:avLst/>
@@ -13792,11 +14181,648 @@
           <a:lstStyle/>
           <a:p>
             <a:r>
+              <a:rPr lang="vi-VN" sz="2000" b="1" dirty="0" smtClean="0">
+                <a:latin typeface="Cambria" pitchFamily="18" charset="0"/>
+                <a:cs typeface="Times New Roman" pitchFamily="18" charset="0"/>
+              </a:rPr>
+              <a:t>Bạn gái</a:t>
+            </a:r>
+            <a:endParaRPr lang="en-US" sz="2000" b="1" dirty="0">
+              <a:latin typeface="Cambria" pitchFamily="18" charset="0"/>
+              <a:cs typeface="Times New Roman" pitchFamily="18" charset="0"/>
+            </a:endParaRPr>
+          </a:p>
+        </p:txBody>
+      </p:sp>
+      <p:sp>
+        <p:nvSpPr>
+          <p:cNvPr id="12" name="TextBox 11"/>
+          <p:cNvSpPr txBox="1"/>
+          <p:nvPr/>
+        </p:nvSpPr>
+        <p:spPr>
+          <a:xfrm>
+            <a:off x="2193977" y="6122080"/>
+            <a:ext cx="1766116" cy="369332"/>
+          </a:xfrm>
+          <a:prstGeom prst="rect">
+            <a:avLst/>
+          </a:prstGeom>
+          <a:noFill/>
+        </p:spPr>
+        <p:txBody>
+          <a:bodyPr wrap="square" rtlCol="0">
+            <a:spAutoFit/>
+          </a:bodyPr>
+          <a:lstStyle/>
+          <a:p>
+            <a:pPr algn="ctr"/>
+            <a:r>
+              <a:rPr lang="en-US" dirty="0" err="1">
+                <a:solidFill>
+                  <a:srgbClr val="FF0000"/>
+                </a:solidFill>
+                <a:latin typeface="Cambria" pitchFamily="18" charset="0"/>
+              </a:rPr>
+              <a:t>Bến</a:t>
+            </a:r>
+            <a:r>
+              <a:rPr lang="en-US" dirty="0">
+                <a:solidFill>
+                  <a:srgbClr val="FF0000"/>
+                </a:solidFill>
+                <a:latin typeface="Cambria" pitchFamily="18" charset="0"/>
+              </a:rPr>
+              <a:t> </a:t>
+            </a:r>
+            <a:r>
+              <a:rPr lang="en-US" dirty="0" err="1">
+                <a:solidFill>
+                  <a:srgbClr val="FF0000"/>
+                </a:solidFill>
+                <a:latin typeface="Cambria" pitchFamily="18" charset="0"/>
+              </a:rPr>
+              <a:t>xe</a:t>
+            </a:r>
+            <a:r>
+              <a:rPr lang="en-US" dirty="0">
+                <a:solidFill>
+                  <a:srgbClr val="FF0000"/>
+                </a:solidFill>
+                <a:latin typeface="Cambria" pitchFamily="18" charset="0"/>
+              </a:rPr>
+              <a:t> </a:t>
+            </a:r>
+            <a:r>
+              <a:rPr lang="en-US" dirty="0" err="1">
+                <a:solidFill>
+                  <a:srgbClr val="FF0000"/>
+                </a:solidFill>
+                <a:latin typeface="Cambria" pitchFamily="18" charset="0"/>
+              </a:rPr>
+              <a:t>quận</a:t>
+            </a:r>
+            <a:r>
+              <a:rPr lang="en-US" dirty="0">
+                <a:solidFill>
+                  <a:srgbClr val="FF0000"/>
+                </a:solidFill>
+                <a:latin typeface="Cambria" pitchFamily="18" charset="0"/>
+              </a:rPr>
+              <a:t> </a:t>
+            </a:r>
+            <a:r>
+              <a:rPr lang="en-US" dirty="0" smtClean="0">
+                <a:solidFill>
+                  <a:srgbClr val="FF0000"/>
+                </a:solidFill>
+                <a:latin typeface="Cambria" pitchFamily="18" charset="0"/>
+              </a:rPr>
+              <a:t>8</a:t>
+            </a:r>
+            <a:endParaRPr lang="en-US" dirty="0">
+              <a:solidFill>
+                <a:srgbClr val="FF0000"/>
+              </a:solidFill>
+              <a:latin typeface="Cambria" pitchFamily="18" charset="0"/>
+              <a:cs typeface="Times New Roman" pitchFamily="18" charset="0"/>
+            </a:endParaRPr>
+          </a:p>
+        </p:txBody>
+      </p:sp>
+      <p:pic>
+        <p:nvPicPr>
+          <p:cNvPr id="1026" name="Picture 2" descr="C:\Users\ngoan\Desktop\image\ngoan.png"/>
+          <p:cNvPicPr>
+            <a:picLocks noChangeAspect="1" noChangeArrowheads="1"/>
+          </p:cNvPicPr>
+          <p:nvPr/>
+        </p:nvPicPr>
+        <p:blipFill>
+          <a:blip r:embed="rId4">
+            <a:extLst>
+              <a:ext uri="{28A0092B-C50C-407E-A947-70E740481C1C}">
+                <a14:useLocalDpi xmlns:a14="http://schemas.microsoft.com/office/drawing/2010/main" val="0"/>
+              </a:ext>
+            </a:extLst>
+          </a:blip>
+          <a:srcRect/>
+          <a:stretch>
+            <a:fillRect/>
+          </a:stretch>
+        </p:blipFill>
+        <p:spPr bwMode="auto">
+          <a:xfrm>
+            <a:off x="2558334" y="4364409"/>
+            <a:ext cx="1219200" cy="1219200"/>
+          </a:xfrm>
+          <a:prstGeom prst="rect">
+            <a:avLst/>
+          </a:prstGeom>
+          <a:noFill/>
+          <a:extLst>
+            <a:ext uri="{909E8E84-426E-40DD-AFC4-6F175D3DCCD1}">
+              <a14:hiddenFill xmlns:a14="http://schemas.microsoft.com/office/drawing/2010/main">
+                <a:solidFill>
+                  <a:srgbClr val="FFFFFF"/>
+                </a:solidFill>
+              </a14:hiddenFill>
+            </a:ext>
+          </a:extLst>
+        </p:spPr>
+      </p:pic>
+      <p:sp>
+        <p:nvSpPr>
+          <p:cNvPr id="21" name="TextBox 20"/>
+          <p:cNvSpPr txBox="1"/>
+          <p:nvPr/>
+        </p:nvSpPr>
+        <p:spPr>
+          <a:xfrm>
+            <a:off x="4191282" y="3436794"/>
+            <a:ext cx="1191402" cy="400110"/>
+          </a:xfrm>
+          <a:prstGeom prst="rect">
+            <a:avLst/>
+          </a:prstGeom>
+          <a:noFill/>
+        </p:spPr>
+        <p:txBody>
+          <a:bodyPr wrap="square" rtlCol="0">
+            <a:spAutoFit/>
+          </a:bodyPr>
+          <a:lstStyle/>
+          <a:p>
+            <a:r>
               <a:rPr lang="en-US" sz="2000" b="1" dirty="0" err="1" smtClean="0">
                 <a:latin typeface="Cambria" pitchFamily="18" charset="0"/>
                 <a:cs typeface="Times New Roman" pitchFamily="18" charset="0"/>
               </a:rPr>
-              <a:t>Vợ</a:t>
+              <a:t>Bà</a:t>
+            </a:r>
+            <a:r>
+              <a:rPr lang="en-US" sz="2000" b="1" dirty="0" smtClean="0">
+                <a:latin typeface="Cambria" pitchFamily="18" charset="0"/>
+                <a:cs typeface="Times New Roman" pitchFamily="18" charset="0"/>
+              </a:rPr>
+              <a:t> </a:t>
+            </a:r>
+            <a:r>
+              <a:rPr lang="en-US" sz="2000" b="1" dirty="0" err="1" smtClean="0">
+                <a:latin typeface="Cambria" pitchFamily="18" charset="0"/>
+                <a:cs typeface="Times New Roman" pitchFamily="18" charset="0"/>
+              </a:rPr>
+              <a:t>Nội</a:t>
+            </a:r>
+            <a:endParaRPr lang="en-US" sz="2000" b="1" dirty="0">
+              <a:latin typeface="Cambria" pitchFamily="18" charset="0"/>
+              <a:cs typeface="Times New Roman" pitchFamily="18" charset="0"/>
+            </a:endParaRPr>
+          </a:p>
+        </p:txBody>
+      </p:sp>
+      <p:sp>
+        <p:nvSpPr>
+          <p:cNvPr id="22" name="TextBox 21"/>
+          <p:cNvSpPr txBox="1"/>
+          <p:nvPr/>
+        </p:nvSpPr>
+        <p:spPr>
+          <a:xfrm>
+            <a:off x="3328173" y="3974883"/>
+            <a:ext cx="2640842" cy="369332"/>
+          </a:xfrm>
+          <a:prstGeom prst="rect">
+            <a:avLst/>
+          </a:prstGeom>
+          <a:noFill/>
+        </p:spPr>
+        <p:txBody>
+          <a:bodyPr wrap="square" rtlCol="0">
+            <a:spAutoFit/>
+          </a:bodyPr>
+          <a:lstStyle/>
+          <a:p>
+            <a:r>
+              <a:rPr lang="en-US" dirty="0" err="1">
+                <a:solidFill>
+                  <a:srgbClr val="FF0000"/>
+                </a:solidFill>
+                <a:latin typeface="Cambria" pitchFamily="18" charset="0"/>
+              </a:rPr>
+              <a:t>VinCom</a:t>
+            </a:r>
+            <a:r>
+              <a:rPr lang="en-US" dirty="0">
+                <a:solidFill>
+                  <a:srgbClr val="FF0000"/>
+                </a:solidFill>
+                <a:latin typeface="Cambria" pitchFamily="18" charset="0"/>
+              </a:rPr>
+              <a:t> </a:t>
+            </a:r>
+            <a:r>
+              <a:rPr lang="en-US" dirty="0" err="1">
+                <a:solidFill>
+                  <a:srgbClr val="FF0000"/>
+                </a:solidFill>
+                <a:latin typeface="Cambria" pitchFamily="18" charset="0"/>
+              </a:rPr>
+              <a:t>Lê</a:t>
+            </a:r>
+            <a:r>
+              <a:rPr lang="en-US" dirty="0">
+                <a:solidFill>
+                  <a:srgbClr val="FF0000"/>
+                </a:solidFill>
+                <a:latin typeface="Cambria" pitchFamily="18" charset="0"/>
+              </a:rPr>
+              <a:t> </a:t>
+            </a:r>
+            <a:r>
+              <a:rPr lang="en-US" dirty="0" err="1">
+                <a:solidFill>
+                  <a:srgbClr val="FF0000"/>
+                </a:solidFill>
+                <a:latin typeface="Cambria" pitchFamily="18" charset="0"/>
+              </a:rPr>
+              <a:t>Thánh</a:t>
+            </a:r>
+            <a:r>
+              <a:rPr lang="en-US" dirty="0">
+                <a:solidFill>
+                  <a:srgbClr val="FF0000"/>
+                </a:solidFill>
+                <a:latin typeface="Cambria" pitchFamily="18" charset="0"/>
+              </a:rPr>
+              <a:t> </a:t>
+            </a:r>
+            <a:r>
+              <a:rPr lang="en-US" dirty="0" err="1">
+                <a:solidFill>
+                  <a:srgbClr val="FF0000"/>
+                </a:solidFill>
+                <a:latin typeface="Cambria" pitchFamily="18" charset="0"/>
+              </a:rPr>
+              <a:t>Tôn</a:t>
+            </a:r>
+            <a:endParaRPr lang="en-US" dirty="0">
+              <a:solidFill>
+                <a:srgbClr val="FF0000"/>
+              </a:solidFill>
+              <a:latin typeface="Cambria" pitchFamily="18" charset="0"/>
+              <a:cs typeface="Times New Roman" pitchFamily="18" charset="0"/>
+            </a:endParaRPr>
+          </a:p>
+        </p:txBody>
+      </p:sp>
+      <p:pic>
+        <p:nvPicPr>
+          <p:cNvPr id="23" name="Picture 2" descr="C:\Users\ngoan\Desktop\image\Religions-Muslim-Female-icon.png"/>
+          <p:cNvPicPr>
+            <a:picLocks noChangeAspect="1" noChangeArrowheads="1"/>
+          </p:cNvPicPr>
+          <p:nvPr/>
+        </p:nvPicPr>
+        <p:blipFill>
+          <a:blip r:embed="rId5">
+            <a:extLst>
+              <a:ext uri="{28A0092B-C50C-407E-A947-70E740481C1C}">
+                <a14:useLocalDpi xmlns:a14="http://schemas.microsoft.com/office/drawing/2010/main" val="0"/>
+              </a:ext>
+            </a:extLst>
+          </a:blip>
+          <a:srcRect/>
+          <a:stretch>
+            <a:fillRect/>
+          </a:stretch>
+        </p:blipFill>
+        <p:spPr bwMode="auto">
+          <a:xfrm>
+            <a:off x="4067950" y="2216417"/>
+            <a:ext cx="1161288" cy="1161288"/>
+          </a:xfrm>
+          <a:prstGeom prst="rect">
+            <a:avLst/>
+          </a:prstGeom>
+          <a:noFill/>
+          <a:extLst>
+            <a:ext uri="{909E8E84-426E-40DD-AFC4-6F175D3DCCD1}">
+              <a14:hiddenFill xmlns:a14="http://schemas.microsoft.com/office/drawing/2010/main">
+                <a:solidFill>
+                  <a:srgbClr val="FFFFFF"/>
+                </a:solidFill>
+              </a14:hiddenFill>
+            </a:ext>
+          </a:extLst>
+        </p:spPr>
+      </p:pic>
+    </p:spTree>
+    <p:extLst>
+      <p:ext uri="{BB962C8B-B14F-4D97-AF65-F5344CB8AC3E}">
+        <p14:creationId xmlns:p14="http://schemas.microsoft.com/office/powerpoint/2010/main" val="1369822602"/>
+      </p:ext>
+    </p:extLst>
+  </p:cSld>
+  <p:clrMapOvr>
+    <a:masterClrMapping/>
+  </p:clrMapOvr>
+  <p:timing>
+    <p:tnLst>
+      <p:par>
+        <p:cTn id="1" dur="indefinite" restart="never" nodeType="tmRoot"/>
+      </p:par>
+    </p:tnLst>
+  </p:timing>
+</p:sld>
+</file>
+
+<file path=ppt/slides/slide4.xml><?xml version="1.0" encoding="utf-8"?>
+<p:sld xmlns:a="http://schemas.openxmlformats.org/drawingml/2006/main" xmlns:r="http://schemas.openxmlformats.org/officeDocument/2006/relationships" xmlns:p="http://schemas.openxmlformats.org/presentationml/2006/main">
+  <p:cSld>
+    <p:spTree>
+      <p:nvGrpSpPr>
+        <p:cNvPr id="1" name=""/>
+        <p:cNvGrpSpPr/>
+        <p:nvPr/>
+      </p:nvGrpSpPr>
+      <p:grpSpPr>
+        <a:xfrm>
+          <a:off x="0" y="0"/>
+          <a:ext cx="0" cy="0"/>
+          <a:chOff x="0" y="0"/>
+          <a:chExt cx="0" cy="0"/>
+        </a:xfrm>
+      </p:grpSpPr>
+      <p:sp>
+        <p:nvSpPr>
+          <p:cNvPr id="6" name="Title 5"/>
+          <p:cNvSpPr>
+            <a:spLocks noGrp="1"/>
+          </p:cNvSpPr>
+          <p:nvPr>
+            <p:ph type="title"/>
+          </p:nvPr>
+        </p:nvSpPr>
+        <p:spPr/>
+        <p:txBody>
+          <a:bodyPr/>
+          <a:lstStyle/>
+          <a:p>
+            <a:r>
+              <a:rPr lang="en-US" dirty="0" smtClean="0">
+                <a:latin typeface="Cambria"/>
+                <a:ea typeface="Cambria"/>
+                <a:cs typeface="Cambria"/>
+                <a:sym typeface="Cambria"/>
+              </a:rPr>
+              <a:t>Scenario</a:t>
+            </a:r>
+            <a:endParaRPr lang="en-US" dirty="0">
+              <a:latin typeface="Cambria"/>
+              <a:ea typeface="Cambria"/>
+              <a:cs typeface="Cambria"/>
+              <a:sym typeface="Cambria"/>
+            </a:endParaRPr>
+          </a:p>
+        </p:txBody>
+      </p:sp>
+      <p:sp>
+        <p:nvSpPr>
+          <p:cNvPr id="5" name="Slide Number Placeholder 4"/>
+          <p:cNvSpPr>
+            <a:spLocks noGrp="1"/>
+          </p:cNvSpPr>
+          <p:nvPr>
+            <p:ph type="sldNum" idx="12"/>
+          </p:nvPr>
+        </p:nvSpPr>
+        <p:spPr/>
+        <p:txBody>
+          <a:bodyPr/>
+          <a:lstStyle/>
+          <a:p>
+            <a:fld id="{00000000-1234-1234-1234-123412341234}" type="slidenum">
+              <a:rPr lang="en" smtClean="0"/>
+              <a:pPr/>
+              <a:t>4</a:t>
+            </a:fld>
+            <a:endParaRPr lang="en"/>
+          </a:p>
+        </p:txBody>
+      </p:sp>
+      <p:grpSp>
+        <p:nvGrpSpPr>
+          <p:cNvPr id="8" name="Group 7"/>
+          <p:cNvGrpSpPr/>
+          <p:nvPr/>
+        </p:nvGrpSpPr>
+        <p:grpSpPr>
+          <a:xfrm>
+            <a:off x="497974" y="2295465"/>
+            <a:ext cx="2172806" cy="2233416"/>
+            <a:chOff x="-42886" y="3161112"/>
+            <a:chExt cx="2172806" cy="2233416"/>
+          </a:xfrm>
+        </p:grpSpPr>
+        <p:grpSp>
+          <p:nvGrpSpPr>
+            <p:cNvPr id="2" name="Group 1"/>
+            <p:cNvGrpSpPr/>
+            <p:nvPr/>
+          </p:nvGrpSpPr>
+          <p:grpSpPr>
+            <a:xfrm>
+              <a:off x="433917" y="3161112"/>
+              <a:ext cx="1219200" cy="1638701"/>
+              <a:chOff x="1209565" y="3078635"/>
+              <a:chExt cx="1219200" cy="1722166"/>
+            </a:xfrm>
+          </p:grpSpPr>
+          <p:sp>
+            <p:nvSpPr>
+              <p:cNvPr id="10" name="TextBox 9"/>
+              <p:cNvSpPr txBox="1"/>
+              <p:nvPr/>
+            </p:nvSpPr>
+            <p:spPr>
+              <a:xfrm>
+                <a:off x="1243174" y="4380312"/>
+                <a:ext cx="1151982" cy="420489"/>
+              </a:xfrm>
+              <a:prstGeom prst="rect">
+                <a:avLst/>
+              </a:prstGeom>
+              <a:noFill/>
+            </p:spPr>
+            <p:txBody>
+              <a:bodyPr wrap="none" rtlCol="0">
+                <a:spAutoFit/>
+              </a:bodyPr>
+              <a:lstStyle/>
+              <a:p>
+                <a:r>
+                  <a:rPr lang="en-US" sz="2000" b="1" dirty="0" err="1" smtClean="0">
+                    <a:latin typeface="Cambria" pitchFamily="18" charset="0"/>
+                    <a:cs typeface="Times New Roman" pitchFamily="18" charset="0"/>
+                  </a:rPr>
+                  <a:t>Khương</a:t>
+                </a:r>
+                <a:endParaRPr lang="en-US" sz="2000" b="1" dirty="0">
+                  <a:latin typeface="Cambria" pitchFamily="18" charset="0"/>
+                  <a:cs typeface="Times New Roman" pitchFamily="18" charset="0"/>
+                </a:endParaRPr>
+              </a:p>
+            </p:txBody>
+          </p:sp>
+          <p:pic>
+            <p:nvPicPr>
+              <p:cNvPr id="15" name="Picture 3" descr="C:\Users\ngoan\Desktop\image\thao.png"/>
+              <p:cNvPicPr>
+                <a:picLocks noChangeAspect="1" noChangeArrowheads="1"/>
+              </p:cNvPicPr>
+              <p:nvPr/>
+            </p:nvPicPr>
+            <p:blipFill>
+              <a:blip r:embed="rId3">
+                <a:extLst>
+                  <a:ext uri="{28A0092B-C50C-407E-A947-70E740481C1C}">
+                    <a14:useLocalDpi xmlns:a14="http://schemas.microsoft.com/office/drawing/2010/main" val="0"/>
+                  </a:ext>
+                </a:extLst>
+              </a:blip>
+              <a:srcRect/>
+              <a:stretch>
+                <a:fillRect/>
+              </a:stretch>
+            </p:blipFill>
+            <p:spPr bwMode="auto">
+              <a:xfrm flipH="1">
+                <a:off x="1209565" y="3078635"/>
+                <a:ext cx="1219200" cy="1219200"/>
+              </a:xfrm>
+              <a:prstGeom prst="rect">
+                <a:avLst/>
+              </a:prstGeom>
+              <a:noFill/>
+              <a:extLst>
+                <a:ext uri="{909E8E84-426E-40DD-AFC4-6F175D3DCCD1}">
+                  <a14:hiddenFill xmlns:a14="http://schemas.microsoft.com/office/drawing/2010/main">
+                    <a:solidFill>
+                      <a:srgbClr val="FFFFFF"/>
+                    </a:solidFill>
+                  </a14:hiddenFill>
+                </a:ext>
+              </a:extLst>
+            </p:spPr>
+          </p:pic>
+        </p:grpSp>
+        <p:sp>
+          <p:nvSpPr>
+            <p:cNvPr id="20" name="TextBox 19"/>
+            <p:cNvSpPr txBox="1"/>
+            <p:nvPr/>
+          </p:nvSpPr>
+          <p:spPr>
+            <a:xfrm>
+              <a:off x="-42886" y="5025196"/>
+              <a:ext cx="2172806" cy="369332"/>
+            </a:xfrm>
+            <a:prstGeom prst="rect">
+              <a:avLst/>
+            </a:prstGeom>
+            <a:noFill/>
+          </p:spPr>
+          <p:txBody>
+            <a:bodyPr wrap="square" rtlCol="0">
+              <a:spAutoFit/>
+            </a:bodyPr>
+            <a:lstStyle/>
+            <a:p>
+              <a:r>
+                <a:rPr lang="en-US" dirty="0" err="1">
+                  <a:solidFill>
+                    <a:srgbClr val="FF0000"/>
+                  </a:solidFill>
+                  <a:latin typeface="Cambria" pitchFamily="18" charset="0"/>
+                </a:rPr>
+                <a:t>Công</a:t>
+              </a:r>
+              <a:r>
+                <a:rPr lang="en-US" dirty="0">
+                  <a:solidFill>
+                    <a:srgbClr val="FF0000"/>
+                  </a:solidFill>
+                  <a:latin typeface="Cambria" pitchFamily="18" charset="0"/>
+                </a:rPr>
+                <a:t> </a:t>
+              </a:r>
+              <a:r>
+                <a:rPr lang="en-US" dirty="0" err="1">
+                  <a:solidFill>
+                    <a:srgbClr val="FF0000"/>
+                  </a:solidFill>
+                  <a:latin typeface="Cambria" pitchFamily="18" charset="0"/>
+                </a:rPr>
+                <a:t>Viên</a:t>
+              </a:r>
+              <a:r>
+                <a:rPr lang="en-US" dirty="0">
+                  <a:solidFill>
+                    <a:srgbClr val="FF0000"/>
+                  </a:solidFill>
+                  <a:latin typeface="Cambria" pitchFamily="18" charset="0"/>
+                </a:rPr>
+                <a:t> Tao </a:t>
+              </a:r>
+              <a:r>
+                <a:rPr lang="en-US" dirty="0" err="1">
+                  <a:solidFill>
+                    <a:srgbClr val="FF0000"/>
+                  </a:solidFill>
+                  <a:latin typeface="Cambria" pitchFamily="18" charset="0"/>
+                </a:rPr>
+                <a:t>Đàn</a:t>
+              </a:r>
+              <a:endParaRPr lang="en-US" dirty="0">
+                <a:solidFill>
+                  <a:srgbClr val="FF0000"/>
+                </a:solidFill>
+                <a:latin typeface="Cambria" pitchFamily="18" charset="0"/>
+                <a:cs typeface="Times New Roman" pitchFamily="18" charset="0"/>
+              </a:endParaRPr>
+            </a:p>
+          </p:txBody>
+        </p:sp>
+      </p:grpSp>
+      <p:sp>
+        <p:nvSpPr>
+          <p:cNvPr id="13" name="TextBox 12"/>
+          <p:cNvSpPr txBox="1"/>
+          <p:nvPr/>
+        </p:nvSpPr>
+        <p:spPr>
+          <a:xfrm>
+            <a:off x="2710734" y="5583609"/>
+            <a:ext cx="1161160" cy="400110"/>
+          </a:xfrm>
+          <a:prstGeom prst="rect">
+            <a:avLst/>
+          </a:prstGeom>
+          <a:noFill/>
+        </p:spPr>
+        <p:txBody>
+          <a:bodyPr wrap="square" rtlCol="0">
+            <a:spAutoFit/>
+          </a:bodyPr>
+          <a:lstStyle/>
+          <a:p>
+            <a:r>
+              <a:rPr lang="vi-VN" sz="2000" b="1" smtClean="0">
+                <a:latin typeface="Cambria" pitchFamily="18" charset="0"/>
+                <a:cs typeface="Times New Roman" pitchFamily="18" charset="0"/>
+              </a:rPr>
+              <a:t>Bạn gái</a:t>
             </a:r>
             <a:endParaRPr lang="en-US" sz="2000" b="1" dirty="0">
               <a:latin typeface="Cambria" pitchFamily="18" charset="0"/>
@@ -14294,7 +15320,7 @@
     </p:spTree>
     <p:extLst>
       <p:ext uri="{BB962C8B-B14F-4D97-AF65-F5344CB8AC3E}">
-        <p14:creationId xmlns:p14="http://schemas.microsoft.com/office/powerpoint/2010/main" val="1423749373"/>
+        <p14:creationId xmlns:p14="http://schemas.microsoft.com/office/powerpoint/2010/main" val="462990453"/>
       </p:ext>
     </p:extLst>
   </p:cSld>
@@ -14311,7 +15337,7 @@
 </p:sld>
 </file>
 
-<file path=ppt/slides/slide4.xml><?xml version="1.0" encoding="utf-8"?>
+<file path=ppt/slides/slide5.xml><?xml version="1.0" encoding="utf-8"?>
 <p:sld xmlns:a="http://schemas.openxmlformats.org/drawingml/2006/main" xmlns:r="http://schemas.openxmlformats.org/officeDocument/2006/relationships" xmlns:p="http://schemas.openxmlformats.org/presentationml/2006/main">
   <p:cSld>
     <p:spTree>
@@ -14328,30 +15354,6 @@
           <a:chExt cx="0" cy="0"/>
         </a:xfrm>
       </p:grpSpPr>
-      <p:sp>
-        <p:nvSpPr>
-          <p:cNvPr id="4" name="Slide Number Placeholder 3"/>
-          <p:cNvSpPr>
-            <a:spLocks noGrp="1"/>
-          </p:cNvSpPr>
-          <p:nvPr>
-            <p:ph type="sldNum" idx="12"/>
-          </p:nvPr>
-        </p:nvSpPr>
-        <p:spPr/>
-        <p:txBody>
-          <a:bodyPr/>
-          <a:lstStyle/>
-          <a:p>
-            <a:fld id="{00000000-1234-1234-1234-123412341234}" type="slidenum">
-              <a:rPr lang="en" smtClean="0"/>
-              <a:pPr/>
-              <a:t>4</a:t>
-            </a:fld>
-            <a:endParaRPr lang="en"/>
-          </a:p>
-        </p:txBody>
-      </p:sp>
       <p:sp>
         <p:nvSpPr>
           <p:cNvPr id="7" name="Shape 139"/>
@@ -14390,6 +15392,30 @@
               <a:t>Scenario</a:t>
             </a:r>
             <a:endParaRPr dirty="0"/>
+          </a:p>
+        </p:txBody>
+      </p:sp>
+      <p:sp>
+        <p:nvSpPr>
+          <p:cNvPr id="4" name="Slide Number Placeholder 3"/>
+          <p:cNvSpPr>
+            <a:spLocks noGrp="1"/>
+          </p:cNvSpPr>
+          <p:nvPr>
+            <p:ph type="sldNum" idx="12"/>
+          </p:nvPr>
+        </p:nvSpPr>
+        <p:spPr/>
+        <p:txBody>
+          <a:bodyPr/>
+          <a:lstStyle/>
+          <a:p>
+            <a:fld id="{00000000-1234-1234-1234-123412341234}" type="slidenum">
+              <a:rPr lang="en" smtClean="0"/>
+              <a:pPr/>
+              <a:t>5</a:t>
+            </a:fld>
+            <a:endParaRPr lang="en"/>
           </a:p>
         </p:txBody>
       </p:sp>
@@ -14856,7 +15882,7 @@
     </p:spTree>
     <p:extLst>
       <p:ext uri="{BB962C8B-B14F-4D97-AF65-F5344CB8AC3E}">
-        <p14:creationId xmlns:p14="http://schemas.microsoft.com/office/powerpoint/2010/main" val="2049359494"/>
+        <p14:creationId xmlns:p14="http://schemas.microsoft.com/office/powerpoint/2010/main" val="255599017"/>
       </p:ext>
     </p:extLst>
   </p:cSld>
@@ -14873,7 +15899,7 @@
 </p:sld>
 </file>
 
-<file path=ppt/slides/slide5.xml><?xml version="1.0" encoding="utf-8"?>
+<file path=ppt/slides/slide6.xml><?xml version="1.0" encoding="utf-8"?>
 <p:sld xmlns:a="http://schemas.openxmlformats.org/drawingml/2006/main" xmlns:r="http://schemas.openxmlformats.org/officeDocument/2006/relationships" xmlns:p="http://schemas.openxmlformats.org/presentationml/2006/main">
   <p:cSld>
     <p:spTree>
@@ -14931,7 +15957,7 @@
             <a:fld id="{00000000-1234-1234-1234-123412341234}" type="slidenum">
               <a:rPr lang="en" smtClean="0"/>
               <a:pPr/>
-              <a:t>5</a:t>
+              <a:t>6</a:t>
             </a:fld>
             <a:endParaRPr lang="en"/>
           </a:p>
@@ -14946,7 +15972,7 @@
           <p:nvPr/>
         </p:nvPicPr>
         <p:blipFill>
-          <a:blip r:embed="rId2">
+          <a:blip r:embed="rId3">
             <a:extLst>
               <a:ext uri="{28A0092B-C50C-407E-A947-70E740481C1C}">
                 <a14:useLocalDpi xmlns:a14="http://schemas.microsoft.com/office/drawing/2010/main" val="0"/>
@@ -15037,7 +16063,7 @@
             <p:nvPr/>
           </p:nvPicPr>
           <p:blipFill>
-            <a:blip r:embed="rId3">
+            <a:blip r:embed="rId4">
               <a:extLst>
                 <a:ext uri="{28A0092B-C50C-407E-A947-70E740481C1C}">
                   <a14:useLocalDpi xmlns:a14="http://schemas.microsoft.com/office/drawing/2010/main" val="0"/>
@@ -15113,7 +16139,7 @@
     </p:spTree>
     <p:extLst>
       <p:ext uri="{BB962C8B-B14F-4D97-AF65-F5344CB8AC3E}">
-        <p14:creationId xmlns:p14="http://schemas.microsoft.com/office/powerpoint/2010/main" val="1764726592"/>
+        <p14:creationId xmlns:p14="http://schemas.microsoft.com/office/powerpoint/2010/main" val="746782170"/>
       </p:ext>
     </p:extLst>
   </p:cSld>
@@ -15130,7 +16156,7 @@
 </p:sld>
 </file>
 
-<file path=ppt/slides/slide6.xml><?xml version="1.0" encoding="utf-8"?>
+<file path=ppt/slides/slide7.xml><?xml version="1.0" encoding="utf-8"?>
 <p:sld xmlns:a="http://schemas.openxmlformats.org/drawingml/2006/main" xmlns:r="http://schemas.openxmlformats.org/officeDocument/2006/relationships" xmlns:p="http://schemas.openxmlformats.org/presentationml/2006/main">
   <p:cSld>
     <p:spTree>
@@ -15188,7 +16214,7 @@
             <a:fld id="{00000000-1234-1234-1234-123412341234}" type="slidenum">
               <a:rPr lang="en" smtClean="0"/>
               <a:pPr/>
-              <a:t>6</a:t>
+              <a:t>7</a:t>
             </a:fld>
             <a:endParaRPr lang="en"/>
           </a:p>
@@ -15243,7 +16269,7 @@
           <p:nvPr/>
         </p:nvPicPr>
         <p:blipFill>
-          <a:blip r:embed="rId2">
+          <a:blip r:embed="rId3">
             <a:extLst>
               <a:ext uri="{28A0092B-C50C-407E-A947-70E740481C1C}">
                 <a14:useLocalDpi xmlns:a14="http://schemas.microsoft.com/office/drawing/2010/main" val="0"/>
@@ -15334,7 +16360,7 @@
             <p:nvPr/>
           </p:nvPicPr>
           <p:blipFill>
-            <a:blip r:embed="rId3">
+            <a:blip r:embed="rId4">
               <a:extLst>
                 <a:ext uri="{28A0092B-C50C-407E-A947-70E740481C1C}">
                   <a14:useLocalDpi xmlns:a14="http://schemas.microsoft.com/office/drawing/2010/main" val="0"/>
@@ -15416,7 +16442,7 @@
           <p:nvPr/>
         </p:nvPicPr>
         <p:blipFill>
-          <a:blip r:embed="rId4">
+          <a:blip r:embed="rId5">
             <a:extLst>
               <a:ext uri="{28A0092B-C50C-407E-A947-70E740481C1C}">
                 <a14:useLocalDpi xmlns:a14="http://schemas.microsoft.com/office/drawing/2010/main" val="0"/>
@@ -15451,272 +16477,7 @@
     </p:spTree>
     <p:extLst>
       <p:ext uri="{BB962C8B-B14F-4D97-AF65-F5344CB8AC3E}">
-        <p14:creationId xmlns:p14="http://schemas.microsoft.com/office/powerpoint/2010/main" val="497064636"/>
-      </p:ext>
-    </p:extLst>
-  </p:cSld>
-  <p:clrMapOvr>
-    <a:masterClrMapping/>
-  </p:clrMapOvr>
-  <p:timing>
-    <p:tnLst>
-      <p:par>
-        <p:cTn id="1" dur="indefinite" restart="never" nodeType="tmRoot"/>
-      </p:par>
-    </p:tnLst>
-  </p:timing>
-</p:sld>
-</file>
-
-<file path=ppt/slides/slide7.xml><?xml version="1.0" encoding="utf-8"?>
-<p:sld xmlns:a="http://schemas.openxmlformats.org/drawingml/2006/main" xmlns:r="http://schemas.openxmlformats.org/officeDocument/2006/relationships" xmlns:p="http://schemas.openxmlformats.org/presentationml/2006/main">
-  <p:cSld>
-    <p:spTree>
-      <p:nvGrpSpPr>
-        <p:cNvPr id="1" name=""/>
-        <p:cNvGrpSpPr/>
-        <p:nvPr/>
-      </p:nvGrpSpPr>
-      <p:grpSpPr>
-        <a:xfrm>
-          <a:off x="0" y="0"/>
-          <a:ext cx="0" cy="0"/>
-          <a:chOff x="0" y="0"/>
-          <a:chExt cx="0" cy="0"/>
-        </a:xfrm>
-      </p:grpSpPr>
-      <p:sp>
-        <p:nvSpPr>
-          <p:cNvPr id="2" name="Title 1"/>
-          <p:cNvSpPr>
-            <a:spLocks noGrp="1"/>
-          </p:cNvSpPr>
-          <p:nvPr>
-            <p:ph type="title"/>
-          </p:nvPr>
-        </p:nvSpPr>
-        <p:spPr/>
-        <p:txBody>
-          <a:bodyPr/>
-          <a:lstStyle/>
-          <a:p>
-            <a:r>
-              <a:rPr lang="en-US" dirty="0" smtClean="0"/>
-              <a:t>Solution</a:t>
-            </a:r>
-            <a:endParaRPr lang="en-US" dirty="0"/>
-          </a:p>
-        </p:txBody>
-      </p:sp>
-      <p:sp>
-        <p:nvSpPr>
-          <p:cNvPr id="4" name="Slide Number Placeholder 3"/>
-          <p:cNvSpPr>
-            <a:spLocks noGrp="1"/>
-          </p:cNvSpPr>
-          <p:nvPr>
-            <p:ph type="sldNum" idx="12"/>
-          </p:nvPr>
-        </p:nvSpPr>
-        <p:spPr/>
-        <p:txBody>
-          <a:bodyPr/>
-          <a:lstStyle/>
-          <a:p>
-            <a:fld id="{00000000-1234-1234-1234-123412341234}" type="slidenum">
-              <a:rPr lang="en" smtClean="0"/>
-              <a:pPr/>
-              <a:t>7</a:t>
-            </a:fld>
-            <a:endParaRPr lang="en"/>
-          </a:p>
-        </p:txBody>
-      </p:sp>
-      <p:pic>
-        <p:nvPicPr>
-          <p:cNvPr id="7" name="Picture 6"/>
-          <p:cNvPicPr>
-            <a:picLocks noChangeAspect="1"/>
-          </p:cNvPicPr>
-          <p:nvPr/>
-        </p:nvPicPr>
-        <p:blipFill>
-          <a:blip r:embed="rId3"/>
-          <a:stretch>
-            <a:fillRect/>
-          </a:stretch>
-        </p:blipFill>
-        <p:spPr>
-          <a:xfrm>
-            <a:off x="3878681" y="5013290"/>
-            <a:ext cx="1371600" cy="1371600"/>
-          </a:xfrm>
-          <a:prstGeom prst="rect">
-            <a:avLst/>
-          </a:prstGeom>
-        </p:spPr>
-      </p:pic>
-      <p:pic>
-        <p:nvPicPr>
-          <p:cNvPr id="3074" name="Picture 2" descr="C:\Users\ngoan\Desktop\image\24598-200.png"/>
-          <p:cNvPicPr>
-            <a:picLocks noChangeAspect="1" noChangeArrowheads="1"/>
-          </p:cNvPicPr>
-          <p:nvPr/>
-        </p:nvPicPr>
-        <p:blipFill>
-          <a:blip r:embed="rId4">
-            <a:extLst>
-              <a:ext uri="{28A0092B-C50C-407E-A947-70E740481C1C}">
-                <a14:useLocalDpi xmlns:a14="http://schemas.microsoft.com/office/drawing/2010/main" val="0"/>
-              </a:ext>
-            </a:extLst>
-          </a:blip>
-          <a:srcRect/>
-          <a:stretch>
-            <a:fillRect/>
-          </a:stretch>
-        </p:blipFill>
-        <p:spPr bwMode="auto">
-          <a:xfrm>
-            <a:off x="340626" y="3887724"/>
-            <a:ext cx="1371600" cy="1371600"/>
-          </a:xfrm>
-          <a:prstGeom prst="rect">
-            <a:avLst/>
-          </a:prstGeom>
-          <a:noFill/>
-          <a:extLst>
-            <a:ext uri="{909E8E84-426E-40DD-AFC4-6F175D3DCCD1}">
-              <a14:hiddenFill xmlns:a14="http://schemas.microsoft.com/office/drawing/2010/main">
-                <a:solidFill>
-                  <a:srgbClr val="FFFFFF"/>
-                </a:solidFill>
-              </a14:hiddenFill>
-            </a:ext>
-          </a:extLst>
-        </p:spPr>
-      </p:pic>
-      <p:cxnSp>
-        <p:nvCxnSpPr>
-          <p:cNvPr id="11" name="Straight Arrow Connector 10"/>
-          <p:cNvCxnSpPr>
-            <a:stCxn id="7" idx="1"/>
-            <a:endCxn id="3074" idx="3"/>
-          </p:cNvCxnSpPr>
-          <p:nvPr/>
-        </p:nvCxnSpPr>
-        <p:spPr>
-          <a:xfrm flipH="1" flipV="1">
-            <a:off x="1712226" y="4573524"/>
-            <a:ext cx="2166455" cy="1125566"/>
-          </a:xfrm>
-          <a:prstGeom prst="straightConnector1">
-            <a:avLst/>
-          </a:prstGeom>
-          <a:ln cmpd="sng">
-            <a:tailEnd type="triangle"/>
-          </a:ln>
-        </p:spPr>
-        <p:style>
-          <a:lnRef idx="3">
-            <a:schemeClr val="dk1"/>
-          </a:lnRef>
-          <a:fillRef idx="0">
-            <a:schemeClr val="dk1"/>
-          </a:fillRef>
-          <a:effectRef idx="2">
-            <a:schemeClr val="dk1"/>
-          </a:effectRef>
-          <a:fontRef idx="minor">
-            <a:schemeClr val="tx1"/>
-          </a:fontRef>
-        </p:style>
-      </p:cxnSp>
-      <p:sp>
-        <p:nvSpPr>
-          <p:cNvPr id="12" name="TextBox 11"/>
-          <p:cNvSpPr txBox="1"/>
-          <p:nvPr/>
-        </p:nvSpPr>
-        <p:spPr>
-          <a:xfrm>
-            <a:off x="457200" y="5059269"/>
-            <a:ext cx="1138453" cy="400110"/>
-          </a:xfrm>
-          <a:prstGeom prst="rect">
-            <a:avLst/>
-          </a:prstGeom>
-          <a:noFill/>
-        </p:spPr>
-        <p:txBody>
-          <a:bodyPr wrap="none" rtlCol="0">
-            <a:spAutoFit/>
-          </a:bodyPr>
-          <a:lstStyle/>
-          <a:p>
-            <a:r>
-              <a:rPr lang="en-US" sz="2000" b="1" dirty="0" smtClean="0">
-                <a:solidFill>
-                  <a:srgbClr val="FF0000"/>
-                </a:solidFill>
-                <a:latin typeface="Cambria" pitchFamily="18" charset="0"/>
-              </a:rPr>
-              <a:t>2 points</a:t>
-            </a:r>
-            <a:endParaRPr lang="en-US" sz="2000" b="1" dirty="0">
-              <a:solidFill>
-                <a:srgbClr val="FF0000"/>
-              </a:solidFill>
-              <a:latin typeface="Cambria" pitchFamily="18" charset="0"/>
-            </a:endParaRPr>
-          </a:p>
-        </p:txBody>
-      </p:sp>
-      <p:sp>
-        <p:nvSpPr>
-          <p:cNvPr id="14" name="TextBox 13"/>
-          <p:cNvSpPr txBox="1"/>
-          <p:nvPr/>
-        </p:nvSpPr>
-        <p:spPr>
-          <a:xfrm>
-            <a:off x="3746340" y="6133081"/>
-            <a:ext cx="1636282" cy="400110"/>
-          </a:xfrm>
-          <a:prstGeom prst="rect">
-            <a:avLst/>
-          </a:prstGeom>
-          <a:noFill/>
-        </p:spPr>
-        <p:txBody>
-          <a:bodyPr wrap="none" rtlCol="0">
-            <a:spAutoFit/>
-          </a:bodyPr>
-          <a:lstStyle/>
-          <a:p>
-            <a:r>
-              <a:rPr lang="en-US" sz="2000" b="1" dirty="0" smtClean="0">
-                <a:solidFill>
-                  <a:srgbClr val="FF0000"/>
-                </a:solidFill>
-                <a:latin typeface="Cambria" pitchFamily="18" charset="0"/>
-              </a:rPr>
-              <a:t>Street Route</a:t>
-            </a:r>
-            <a:endParaRPr lang="en-US" sz="2000" b="1" dirty="0">
-              <a:solidFill>
-                <a:srgbClr val="FF0000"/>
-              </a:solidFill>
-              <a:latin typeface="Cambria" pitchFamily="18" charset="0"/>
-            </a:endParaRPr>
-          </a:p>
-        </p:txBody>
-      </p:sp>
-    </p:spTree>
-    <p:extLst>
-      <p:ext uri="{BB962C8B-B14F-4D97-AF65-F5344CB8AC3E}">
-        <p14:creationId xmlns:p14="http://schemas.microsoft.com/office/powerpoint/2010/main" val="452055232"/>
+        <p14:creationId xmlns:p14="http://schemas.microsoft.com/office/powerpoint/2010/main" val="1860910452"/>
       </p:ext>
     </p:extLst>
   </p:cSld>
@@ -15978,127 +16739,10 @@
           </a:p>
         </p:txBody>
       </p:sp>
-      <p:pic>
-        <p:nvPicPr>
-          <p:cNvPr id="9" name="Picture 2" descr="C:\Users\ngoan\Desktop\image\24598-200.png"/>
-          <p:cNvPicPr>
-            <a:picLocks noChangeAspect="1" noChangeArrowheads="1"/>
-          </p:cNvPicPr>
-          <p:nvPr/>
-        </p:nvPicPr>
-        <p:blipFill>
-          <a:blip r:embed="rId4">
-            <a:extLst>
-              <a:ext uri="{28A0092B-C50C-407E-A947-70E740481C1C}">
-                <a14:useLocalDpi xmlns:a14="http://schemas.microsoft.com/office/drawing/2010/main" val="0"/>
-              </a:ext>
-            </a:extLst>
-          </a:blip>
-          <a:srcRect/>
-          <a:stretch>
-            <a:fillRect/>
-          </a:stretch>
-        </p:blipFill>
-        <p:spPr bwMode="auto">
-          <a:xfrm>
-            <a:off x="3878681" y="1642667"/>
-            <a:ext cx="1371600" cy="1371600"/>
-          </a:xfrm>
-          <a:prstGeom prst="rect">
-            <a:avLst/>
-          </a:prstGeom>
-          <a:noFill/>
-          <a:extLst>
-            <a:ext uri="{909E8E84-426E-40DD-AFC4-6F175D3DCCD1}">
-              <a14:hiddenFill xmlns:a14="http://schemas.microsoft.com/office/drawing/2010/main">
-                <a:solidFill>
-                  <a:srgbClr val="FFFFFF"/>
-                </a:solidFill>
-              </a14:hiddenFill>
-            </a:ext>
-          </a:extLst>
-        </p:spPr>
-      </p:pic>
-      <p:cxnSp>
-        <p:nvCxnSpPr>
-          <p:cNvPr id="13" name="Straight Arrow Connector 12"/>
-          <p:cNvCxnSpPr>
-            <a:stCxn id="7" idx="0"/>
-            <a:endCxn id="9" idx="2"/>
-          </p:cNvCxnSpPr>
-          <p:nvPr/>
-        </p:nvCxnSpPr>
-        <p:spPr>
-          <a:xfrm flipV="1">
-            <a:off x="4564481" y="3014267"/>
-            <a:ext cx="0" cy="1999023"/>
-          </a:xfrm>
-          <a:prstGeom prst="straightConnector1">
-            <a:avLst/>
-          </a:prstGeom>
-          <a:ln cmpd="sng">
-            <a:tailEnd type="triangle"/>
-          </a:ln>
-        </p:spPr>
-        <p:style>
-          <a:lnRef idx="3">
-            <a:schemeClr val="dk1"/>
-          </a:lnRef>
-          <a:fillRef idx="0">
-            <a:schemeClr val="dk1"/>
-          </a:fillRef>
-          <a:effectRef idx="2">
-            <a:schemeClr val="dk1"/>
-          </a:effectRef>
-          <a:fontRef idx="minor">
-            <a:schemeClr val="tx1"/>
-          </a:fontRef>
-        </p:style>
-      </p:cxnSp>
-      <p:sp>
-        <p:nvSpPr>
-          <p:cNvPr id="10" name="TextBox 9"/>
-          <p:cNvSpPr txBox="1"/>
-          <p:nvPr/>
-        </p:nvSpPr>
-        <p:spPr>
-          <a:xfrm>
-            <a:off x="4709200" y="3014267"/>
-            <a:ext cx="1346844" cy="400110"/>
-          </a:xfrm>
-          <a:prstGeom prst="rect">
-            <a:avLst/>
-          </a:prstGeom>
-          <a:noFill/>
-        </p:spPr>
-        <p:txBody>
-          <a:bodyPr wrap="none" rtlCol="0">
-            <a:spAutoFit/>
-          </a:bodyPr>
-          <a:lstStyle/>
-          <a:p>
-            <a:r>
-              <a:rPr lang="en-US" sz="2000" b="1" dirty="0" smtClean="0">
-                <a:solidFill>
-                  <a:srgbClr val="FF0000"/>
-                </a:solidFill>
-                <a:latin typeface="Cambria" pitchFamily="18" charset="0"/>
-              </a:rPr>
-              <a:t>&gt; 2 points</a:t>
-            </a:r>
-            <a:endParaRPr lang="en-US" sz="2000" b="1" dirty="0">
-              <a:solidFill>
-                <a:srgbClr val="FF0000"/>
-              </a:solidFill>
-              <a:latin typeface="Cambria" pitchFamily="18" charset="0"/>
-            </a:endParaRPr>
-          </a:p>
-        </p:txBody>
-      </p:sp>
     </p:spTree>
     <p:extLst>
       <p:ext uri="{BB962C8B-B14F-4D97-AF65-F5344CB8AC3E}">
-        <p14:creationId xmlns:p14="http://schemas.microsoft.com/office/powerpoint/2010/main" val="1092075837"/>
+        <p14:creationId xmlns:p14="http://schemas.microsoft.com/office/powerpoint/2010/main" val="1693462080"/>
       </p:ext>
     </p:extLst>
   </p:cSld>
@@ -16477,127 +17121,10 @@
           </a:p>
         </p:txBody>
       </p:sp>
-      <p:pic>
-        <p:nvPicPr>
-          <p:cNvPr id="15" name="Picture 2" descr="C:\Users\ngoan\Desktop\image\24598-200.png"/>
-          <p:cNvPicPr>
-            <a:picLocks noChangeAspect="1" noChangeArrowheads="1"/>
-          </p:cNvPicPr>
-          <p:nvPr/>
-        </p:nvPicPr>
-        <p:blipFill>
-          <a:blip r:embed="rId4">
-            <a:extLst>
-              <a:ext uri="{28A0092B-C50C-407E-A947-70E740481C1C}">
-                <a14:useLocalDpi xmlns:a14="http://schemas.microsoft.com/office/drawing/2010/main" val="0"/>
-              </a:ext>
-            </a:extLst>
-          </a:blip>
-          <a:srcRect/>
-          <a:stretch>
-            <a:fillRect/>
-          </a:stretch>
-        </p:blipFill>
-        <p:spPr bwMode="auto">
-          <a:xfrm>
-            <a:off x="7315200" y="3887724"/>
-            <a:ext cx="1371600" cy="1371600"/>
-          </a:xfrm>
-          <a:prstGeom prst="rect">
-            <a:avLst/>
-          </a:prstGeom>
-          <a:noFill/>
-          <a:extLst>
-            <a:ext uri="{909E8E84-426E-40DD-AFC4-6F175D3DCCD1}">
-              <a14:hiddenFill xmlns:a14="http://schemas.microsoft.com/office/drawing/2010/main">
-                <a:solidFill>
-                  <a:srgbClr val="FFFFFF"/>
-                </a:solidFill>
-              </a14:hiddenFill>
-            </a:ext>
-          </a:extLst>
-        </p:spPr>
-      </p:pic>
-      <p:cxnSp>
-        <p:nvCxnSpPr>
-          <p:cNvPr id="16" name="Straight Arrow Connector 15"/>
-          <p:cNvCxnSpPr>
-            <a:stCxn id="7" idx="3"/>
-            <a:endCxn id="15" idx="1"/>
-          </p:cNvCxnSpPr>
-          <p:nvPr/>
-        </p:nvCxnSpPr>
-        <p:spPr>
-          <a:xfrm flipV="1">
-            <a:off x="5250281" y="4573524"/>
-            <a:ext cx="2064919" cy="1125566"/>
-          </a:xfrm>
-          <a:prstGeom prst="straightConnector1">
-            <a:avLst/>
-          </a:prstGeom>
-          <a:ln cmpd="sng">
-            <a:tailEnd type="triangle"/>
-          </a:ln>
-        </p:spPr>
-        <p:style>
-          <a:lnRef idx="3">
-            <a:schemeClr val="dk1"/>
-          </a:lnRef>
-          <a:fillRef idx="0">
-            <a:schemeClr val="dk1"/>
-          </a:fillRef>
-          <a:effectRef idx="2">
-            <a:schemeClr val="dk1"/>
-          </a:effectRef>
-          <a:fontRef idx="minor">
-            <a:schemeClr val="tx1"/>
-          </a:fontRef>
-        </p:style>
-      </p:cxnSp>
-      <p:sp>
-        <p:nvSpPr>
-          <p:cNvPr id="17" name="TextBox 16"/>
-          <p:cNvSpPr txBox="1"/>
-          <p:nvPr/>
-        </p:nvSpPr>
-        <p:spPr>
-          <a:xfrm>
-            <a:off x="6662193" y="5059269"/>
-            <a:ext cx="2443298" cy="400110"/>
-          </a:xfrm>
-          <a:prstGeom prst="rect">
-            <a:avLst/>
-          </a:prstGeom>
-          <a:noFill/>
-        </p:spPr>
-        <p:txBody>
-          <a:bodyPr wrap="none" rtlCol="0">
-            <a:spAutoFit/>
-          </a:bodyPr>
-          <a:lstStyle/>
-          <a:p>
-            <a:r>
-              <a:rPr lang="en-US" sz="2000" b="1" dirty="0" smtClean="0">
-                <a:solidFill>
-                  <a:srgbClr val="FF0000"/>
-                </a:solidFill>
-                <a:latin typeface="Cambria" pitchFamily="18" charset="0"/>
-              </a:rPr>
-              <a:t>&gt; 2 points optimize</a:t>
-            </a:r>
-            <a:endParaRPr lang="en-US" sz="2000" b="1" dirty="0">
-              <a:solidFill>
-                <a:srgbClr val="FF0000"/>
-              </a:solidFill>
-              <a:latin typeface="Cambria" pitchFamily="18" charset="0"/>
-            </a:endParaRPr>
-          </a:p>
-        </p:txBody>
-      </p:sp>
     </p:spTree>
     <p:extLst>
       <p:ext uri="{BB962C8B-B14F-4D97-AF65-F5344CB8AC3E}">
-        <p14:creationId xmlns:p14="http://schemas.microsoft.com/office/powerpoint/2010/main" val="2167822165"/>
+        <p14:creationId xmlns:p14="http://schemas.microsoft.com/office/powerpoint/2010/main" val="660406288"/>
       </p:ext>
     </p:extLst>
   </p:cSld>

--- a/Document/presentation/search_motorbike.pptx
+++ b/Document/presentation/search_motorbike.pptx
@@ -136,7 +136,7 @@
   </p:defaultTextStyle>
   <p:extLst>
     <p:ext uri="{EFAFB233-063F-42B5-8137-9DF3F51BA10A}">
-      <p15:sldGuideLst xmlns:p15="http://schemas.microsoft.com/office/powerpoint/2012/main" xmlns=""/>
+      <p15:sldGuideLst xmlns="" xmlns:p15="http://schemas.microsoft.com/office/powerpoint/2012/main"/>
     </p:ext>
   </p:extLst>
 </p:presentation>
@@ -536,6 +536,322 @@
           <a:bodyPr/>
           <a:lstStyle/>
           <a:p>
+            <a:r>
+              <a:rPr lang="en-US" dirty="0" err="1" smtClean="0"/>
+              <a:t>Chúng</a:t>
+            </a:r>
+            <a:r>
+              <a:rPr lang="en-US" baseline="0" dirty="0" smtClean="0"/>
+              <a:t> </a:t>
+            </a:r>
+            <a:r>
+              <a:rPr lang="en-US" baseline="0" dirty="0" err="1" smtClean="0"/>
+              <a:t>tôi</a:t>
+            </a:r>
+            <a:r>
+              <a:rPr lang="en-US" baseline="0" dirty="0" smtClean="0"/>
+              <a:t> </a:t>
+            </a:r>
+            <a:r>
+              <a:rPr lang="en-US" baseline="0" dirty="0" err="1" smtClean="0"/>
+              <a:t>xin</a:t>
+            </a:r>
+            <a:r>
+              <a:rPr lang="en-US" baseline="0" dirty="0" smtClean="0"/>
+              <a:t> </a:t>
+            </a:r>
+            <a:r>
+              <a:rPr lang="en-US" baseline="0" dirty="0" err="1" smtClean="0"/>
+              <a:t>trình</a:t>
+            </a:r>
+            <a:r>
+              <a:rPr lang="en-US" baseline="0" dirty="0" smtClean="0"/>
+              <a:t> </a:t>
+            </a:r>
+            <a:r>
+              <a:rPr lang="en-US" baseline="0" dirty="0" err="1" smtClean="0"/>
+              <a:t>bày</a:t>
+            </a:r>
+            <a:r>
+              <a:rPr lang="en-US" baseline="0" dirty="0" smtClean="0"/>
+              <a:t> </a:t>
+            </a:r>
+            <a:r>
+              <a:rPr lang="en-US" baseline="0" dirty="0" err="1" smtClean="0"/>
+              <a:t>một</a:t>
+            </a:r>
+            <a:r>
+              <a:rPr lang="en-US" baseline="0" dirty="0" smtClean="0"/>
+              <a:t> </a:t>
+            </a:r>
+            <a:r>
+              <a:rPr lang="en-US" baseline="0" dirty="0" err="1" smtClean="0"/>
+              <a:t>tình</a:t>
+            </a:r>
+            <a:r>
+              <a:rPr lang="en-US" baseline="0" dirty="0" smtClean="0"/>
+              <a:t> </a:t>
+            </a:r>
+            <a:r>
+              <a:rPr lang="en-US" baseline="0" dirty="0" err="1" smtClean="0"/>
+              <a:t>huống</a:t>
+            </a:r>
+            <a:r>
+              <a:rPr lang="en-US" baseline="0" dirty="0" smtClean="0"/>
+              <a:t> </a:t>
+            </a:r>
+            <a:r>
+              <a:rPr lang="en-US" baseline="0" dirty="0" err="1" smtClean="0"/>
+              <a:t>như</a:t>
+            </a:r>
+            <a:r>
+              <a:rPr lang="en-US" baseline="0" dirty="0" smtClean="0"/>
+              <a:t> </a:t>
+            </a:r>
+            <a:r>
+              <a:rPr lang="en-US" baseline="0" dirty="0" err="1" smtClean="0"/>
+              <a:t>sau</a:t>
+            </a:r>
+            <a:r>
+              <a:rPr lang="en-US" baseline="0" dirty="0" smtClean="0"/>
+              <a:t>:</a:t>
+            </a:r>
+          </a:p>
+          <a:p>
+            <a:r>
+              <a:rPr lang="en-US" baseline="0" dirty="0" err="1" smtClean="0"/>
+              <a:t>Chúng</a:t>
+            </a:r>
+            <a:r>
+              <a:rPr lang="en-US" baseline="0" dirty="0" smtClean="0"/>
+              <a:t> </a:t>
+            </a:r>
+            <a:r>
+              <a:rPr lang="en-US" baseline="0" dirty="0" err="1" smtClean="0"/>
+              <a:t>tôi</a:t>
+            </a:r>
+            <a:r>
+              <a:rPr lang="en-US" baseline="0" dirty="0" smtClean="0"/>
+              <a:t> </a:t>
+            </a:r>
+            <a:r>
+              <a:rPr lang="en-US" baseline="0" dirty="0" err="1" smtClean="0"/>
+              <a:t>có</a:t>
+            </a:r>
+            <a:r>
+              <a:rPr lang="en-US" baseline="0" dirty="0" smtClean="0"/>
+              <a:t> </a:t>
+            </a:r>
+            <a:r>
+              <a:rPr lang="en-US" baseline="0" dirty="0" err="1" smtClean="0"/>
+              <a:t>một</a:t>
+            </a:r>
+            <a:r>
+              <a:rPr lang="en-US" baseline="0" dirty="0" smtClean="0"/>
+              <a:t> </a:t>
+            </a:r>
+            <a:r>
+              <a:rPr lang="en-US" baseline="0" dirty="0" err="1" smtClean="0"/>
+              <a:t>nhân</a:t>
+            </a:r>
+            <a:r>
+              <a:rPr lang="en-US" baseline="0" dirty="0" smtClean="0"/>
+              <a:t> </a:t>
+            </a:r>
+            <a:r>
+              <a:rPr lang="en-US" baseline="0" dirty="0" err="1" smtClean="0"/>
+              <a:t>vật</a:t>
+            </a:r>
+            <a:r>
+              <a:rPr lang="en-US" baseline="0" dirty="0" smtClean="0"/>
+              <a:t> </a:t>
+            </a:r>
+            <a:r>
+              <a:rPr lang="en-US" baseline="0" dirty="0" err="1" smtClean="0"/>
+              <a:t>tên</a:t>
+            </a:r>
+            <a:r>
+              <a:rPr lang="en-US" baseline="0" dirty="0" smtClean="0"/>
+              <a:t> </a:t>
+            </a:r>
+            <a:r>
+              <a:rPr lang="en-US" baseline="0" dirty="0" err="1" smtClean="0"/>
+              <a:t>Khương</a:t>
+            </a:r>
+            <a:r>
+              <a:rPr lang="en-US" baseline="0" dirty="0" smtClean="0"/>
+              <a:t> </a:t>
+            </a:r>
+            <a:r>
+              <a:rPr lang="en-US" baseline="0" dirty="0" err="1" smtClean="0"/>
+              <a:t>đang</a:t>
+            </a:r>
+            <a:r>
+              <a:rPr lang="en-US" baseline="0" dirty="0" smtClean="0"/>
+              <a:t> </a:t>
+            </a:r>
+            <a:r>
+              <a:rPr lang="en-US" baseline="0" dirty="0" err="1" smtClean="0"/>
+              <a:t>làm</a:t>
+            </a:r>
+            <a:r>
+              <a:rPr lang="en-US" baseline="0" dirty="0" smtClean="0"/>
+              <a:t> </a:t>
+            </a:r>
+            <a:r>
+              <a:rPr lang="en-US" baseline="0" dirty="0" err="1" smtClean="0"/>
+              <a:t>việc</a:t>
+            </a:r>
+            <a:r>
+              <a:rPr lang="en-US" baseline="0" dirty="0" smtClean="0"/>
+              <a:t> </a:t>
+            </a:r>
+            <a:r>
+              <a:rPr lang="en-US" baseline="0" dirty="0" err="1" smtClean="0"/>
+              <a:t>trong</a:t>
+            </a:r>
+            <a:r>
+              <a:rPr lang="en-US" baseline="0" dirty="0" smtClean="0"/>
+              <a:t> </a:t>
+            </a:r>
+            <a:r>
+              <a:rPr lang="en-US" baseline="0" dirty="0" err="1" smtClean="0"/>
+              <a:t>một</a:t>
+            </a:r>
+            <a:r>
+              <a:rPr lang="en-US" baseline="0" dirty="0" smtClean="0"/>
+              <a:t> </a:t>
+            </a:r>
+            <a:r>
+              <a:rPr lang="en-US" baseline="0" dirty="0" err="1" smtClean="0"/>
+              <a:t>công</a:t>
+            </a:r>
+            <a:r>
+              <a:rPr lang="en-US" baseline="0" dirty="0" smtClean="0"/>
+              <a:t> </a:t>
+            </a:r>
+            <a:r>
+              <a:rPr lang="en-US" baseline="0" dirty="0" err="1" smtClean="0"/>
+              <a:t>ty</a:t>
+            </a:r>
+            <a:r>
+              <a:rPr lang="en-US" baseline="0" dirty="0" smtClean="0"/>
+              <a:t> </a:t>
+            </a:r>
+            <a:r>
+              <a:rPr lang="en-US" baseline="0" dirty="0" err="1" smtClean="0"/>
+              <a:t>gần</a:t>
+            </a:r>
+            <a:r>
+              <a:rPr lang="en-US" baseline="0" dirty="0" smtClean="0"/>
+              <a:t> </a:t>
+            </a:r>
+            <a:r>
+              <a:rPr lang="en-US" baseline="0" dirty="0" err="1" smtClean="0"/>
+              <a:t>công</a:t>
+            </a:r>
+            <a:r>
+              <a:rPr lang="en-US" baseline="0" dirty="0" smtClean="0"/>
+              <a:t> </a:t>
+            </a:r>
+            <a:r>
+              <a:rPr lang="en-US" baseline="0" dirty="0" err="1" smtClean="0"/>
+              <a:t>viên</a:t>
+            </a:r>
+            <a:r>
+              <a:rPr lang="en-US" baseline="0" dirty="0" smtClean="0"/>
+              <a:t> </a:t>
+            </a:r>
+            <a:r>
+              <a:rPr lang="en-US" baseline="0" dirty="0" err="1" smtClean="0"/>
+              <a:t>tao</a:t>
+            </a:r>
+            <a:r>
+              <a:rPr lang="en-US" baseline="0" dirty="0" smtClean="0"/>
+              <a:t> </a:t>
+            </a:r>
+            <a:r>
+              <a:rPr lang="en-US" baseline="0" dirty="0" err="1" smtClean="0"/>
+              <a:t>đàn</a:t>
+            </a:r>
+            <a:r>
+              <a:rPr lang="en-US" baseline="0" dirty="0" smtClean="0"/>
+              <a:t>.</a:t>
+            </a:r>
+          </a:p>
+          <a:p>
+            <a:r>
+              <a:rPr lang="en-US" baseline="0" dirty="0" err="1" smtClean="0"/>
+              <a:t>Chiều</a:t>
+            </a:r>
+            <a:r>
+              <a:rPr lang="en-US" baseline="0" dirty="0" smtClean="0"/>
+              <a:t> </a:t>
+            </a:r>
+            <a:r>
+              <a:rPr lang="en-US" baseline="0" dirty="0" err="1" smtClean="0"/>
+              <a:t>hôm</a:t>
+            </a:r>
+            <a:r>
+              <a:rPr lang="en-US" baseline="0" dirty="0" smtClean="0"/>
+              <a:t> </a:t>
+            </a:r>
+            <a:r>
+              <a:rPr lang="en-US" baseline="0" dirty="0" err="1" smtClean="0"/>
+              <a:t>đó</a:t>
+            </a:r>
+            <a:r>
+              <a:rPr lang="en-US" baseline="0" dirty="0" smtClean="0"/>
+              <a:t>. </a:t>
+            </a:r>
+            <a:r>
+              <a:rPr lang="en-US" baseline="0" dirty="0" err="1" smtClean="0"/>
+              <a:t>Khương</a:t>
+            </a:r>
+            <a:r>
+              <a:rPr lang="en-US" baseline="0" dirty="0" smtClean="0"/>
+              <a:t> </a:t>
+            </a:r>
+            <a:r>
+              <a:rPr lang="en-US" baseline="0" dirty="0" err="1" smtClean="0"/>
+              <a:t>có</a:t>
+            </a:r>
+            <a:r>
+              <a:rPr lang="en-US" baseline="0" dirty="0" smtClean="0"/>
+              <a:t> </a:t>
+            </a:r>
+            <a:r>
+              <a:rPr lang="en-US" baseline="0" dirty="0" err="1" smtClean="0"/>
+              <a:t>việc</a:t>
+            </a:r>
+            <a:r>
+              <a:rPr lang="en-US" baseline="0" dirty="0" smtClean="0"/>
+              <a:t> </a:t>
+            </a:r>
+            <a:r>
+              <a:rPr lang="en-US" baseline="0" dirty="0" err="1" smtClean="0"/>
+              <a:t>quan</a:t>
+            </a:r>
+            <a:r>
+              <a:rPr lang="en-US" baseline="0" dirty="0" smtClean="0"/>
+              <a:t> </a:t>
+            </a:r>
+            <a:r>
+              <a:rPr lang="en-US" baseline="0" dirty="0" err="1" smtClean="0"/>
+              <a:t>trọng</a:t>
+            </a:r>
+            <a:r>
+              <a:rPr lang="en-US" baseline="0" dirty="0" smtClean="0"/>
+              <a:t> </a:t>
+            </a:r>
+            <a:r>
+              <a:rPr lang="en-US" baseline="0" dirty="0" err="1" smtClean="0"/>
+              <a:t>cần</a:t>
+            </a:r>
+            <a:r>
+              <a:rPr lang="en-US" baseline="0" dirty="0" smtClean="0"/>
+              <a:t> qua </a:t>
+            </a:r>
             <a:endParaRPr lang="en-US" dirty="0"/>
           </a:p>
         </p:txBody>
@@ -17476,7 +17792,7 @@
   <a:extraClrSchemeLst/>
   <a:extLst>
     <a:ext uri="{05A4C25C-085E-4340-85A3-A5531E510DB2}">
-      <thm15:themeFamily xmlns:thm15="http://schemas.microsoft.com/office/thememl/2012/main" xmlns="" name="Office Theme" id="{62F939B6-93AF-4DB8-9C6B-D6C7DFDC589F}" vid="{4A3C46E8-61CC-4603-A589-7422A47A8E4A}"/>
+      <thm15:themeFamily xmlns="" xmlns:thm15="http://schemas.microsoft.com/office/thememl/2012/main" name="Office Theme" id="{62F939B6-93AF-4DB8-9C6B-D6C7DFDC589F}" vid="{4A3C46E8-61CC-4603-A589-7422A47A8E4A}"/>
     </a:ext>
   </a:extLst>
 </a:theme>
